--- a/doc/redis_cluster.pptx
+++ b/doc/redis_cluster.pptx
@@ -231,7 +231,7 @@
             <a:fld id="{22280FE6-A104-468D-880C-8FA3CB8840D3}" type="datetimeFigureOut">
               <a:rPr lang="zh-CN" altLang="en-US" smtClean="0"/>
               <a:pPr/>
-              <a:t>2015/5/27</a:t>
+              <a:t>2015/9/24</a:t>
             </a:fld>
             <a:endParaRPr lang="zh-CN" altLang="en-US"/>
           </a:p>
@@ -904,7 +904,7 @@
               <a:pPr>
                 <a:defRPr/>
               </a:pPr>
-              <a:t>2015/5/27</a:t>
+              <a:t>2015/9/24</a:t>
             </a:fld>
             <a:endParaRPr lang="zh-CN" altLang="en-US" sz="1200" dirty="0">
               <a:solidFill>
@@ -986,7 +986,7 @@
             <a:fld id="{8C5BEB32-F9B7-4A26-A503-E0A0BBE82DBD}" type="datetimeFigureOut">
               <a:rPr lang="zh-CN" altLang="en-US" smtClean="0"/>
               <a:pPr/>
-              <a:t>2015/5/27</a:t>
+              <a:t>2015/9/24</a:t>
             </a:fld>
             <a:endParaRPr lang="zh-CN" altLang="en-US"/>
           </a:p>
@@ -1076,7 +1076,7 @@
                 <a:tabLst/>
                 <a:defRPr/>
               </a:pPr>
-              <a:t>2015/5/27</a:t>
+              <a:t>2015/9/24</a:t>
             </a:fld>
             <a:endParaRPr kumimoji="0" lang="zh-CN" altLang="en-US" sz="1200" b="0" i="0" u="none" strike="noStrike" kern="1200" cap="none" spc="0" normalizeH="0" baseline="0" noProof="0" dirty="0">
               <a:ln>
@@ -1400,7 +1400,7 @@
                 <a:tabLst/>
                 <a:defRPr/>
               </a:pPr>
-              <a:t>2015/5/27</a:t>
+              <a:t>2015/9/24</a:t>
             </a:fld>
             <a:endParaRPr kumimoji="0" lang="zh-CN" altLang="en-US" sz="1200" b="0" i="0" u="none" strike="noStrike" kern="1200" cap="none" spc="0" normalizeH="0" baseline="0" noProof="0" dirty="0">
               <a:ln>
@@ -1969,7 +1969,7 @@
                 <a:tabLst/>
                 <a:defRPr/>
               </a:pPr>
-              <a:t>2015/5/27</a:t>
+              <a:t>2015/9/24</a:t>
             </a:fld>
             <a:endParaRPr kumimoji="0" lang="zh-CN" altLang="en-US" sz="1200" b="0" i="0" u="none" strike="noStrike" kern="1200" cap="none" spc="0" normalizeH="0" baseline="0" noProof="0" dirty="0">
               <a:ln>
@@ -2521,7 +2521,7 @@
                 <a:tabLst/>
                 <a:defRPr/>
               </a:pPr>
-              <a:t>2015/5/27</a:t>
+              <a:t>2015/9/24</a:t>
             </a:fld>
             <a:endParaRPr kumimoji="0" lang="zh-CN" altLang="en-US" sz="1200" b="0" i="0" u="none" strike="noStrike" kern="1200" cap="none" spc="0" normalizeH="0" baseline="0" noProof="0" dirty="0">
               <a:ln>
@@ -2787,7 +2787,7 @@
             <a:fld id="{8C5BEB32-F9B7-4A26-A503-E0A0BBE82DBD}" type="datetimeFigureOut">
               <a:rPr lang="zh-CN" altLang="en-US" smtClean="0"/>
               <a:pPr/>
-              <a:t>2015/5/27</a:t>
+              <a:t>2015/9/24</a:t>
             </a:fld>
             <a:endParaRPr lang="zh-CN" altLang="en-US"/>
           </a:p>
@@ -3027,7 +3027,7 @@
                 <a:tabLst/>
                 <a:defRPr/>
               </a:pPr>
-              <a:t>2015/5/27</a:t>
+              <a:t>2015/9/24</a:t>
             </a:fld>
             <a:endParaRPr kumimoji="0" lang="zh-CN" altLang="en-US" sz="1200" b="0" i="0" u="none" strike="noStrike" kern="1200" cap="none" spc="0" normalizeH="0" baseline="0" noProof="0" dirty="0">
               <a:ln>
@@ -3213,7 +3213,7 @@
             <a:fld id="{8C5BEB32-F9B7-4A26-A503-E0A0BBE82DBD}" type="datetimeFigureOut">
               <a:rPr lang="zh-CN" altLang="en-US" smtClean="0"/>
               <a:pPr/>
-              <a:t>2015/5/27</a:t>
+              <a:t>2015/9/24</a:t>
             </a:fld>
             <a:endParaRPr lang="zh-CN" altLang="en-US"/>
           </a:p>
@@ -3453,7 +3453,7 @@
                 <a:tabLst/>
                 <a:defRPr/>
               </a:pPr>
-              <a:t>2015/5/27</a:t>
+              <a:t>2015/9/24</a:t>
             </a:fld>
             <a:endParaRPr kumimoji="0" lang="zh-CN" altLang="en-US" sz="1200" b="0" i="0" u="none" strike="noStrike" kern="1200" cap="none" spc="0" normalizeH="0" baseline="0" noProof="0" dirty="0">
               <a:ln>
@@ -3615,7 +3615,7 @@
             <a:fld id="{8C5BEB32-F9B7-4A26-A503-E0A0BBE82DBD}" type="datetimeFigureOut">
               <a:rPr lang="zh-CN" altLang="en-US" smtClean="0"/>
               <a:pPr/>
-              <a:t>2015/5/27</a:t>
+              <a:t>2015/9/24</a:t>
             </a:fld>
             <a:endParaRPr lang="zh-CN" altLang="en-US"/>
           </a:p>
@@ -3956,7 +3956,7 @@
                 <a:tabLst/>
                 <a:defRPr/>
               </a:pPr>
-              <a:t>2015/5/27</a:t>
+              <a:t>2015/9/24</a:t>
             </a:fld>
             <a:endParaRPr kumimoji="0" lang="zh-CN" altLang="en-US" sz="1200" b="0" i="0" u="none" strike="noStrike" kern="1200" cap="none" spc="0" normalizeH="0" baseline="0" noProof="0" dirty="0">
               <a:ln>
@@ -4118,7 +4118,7 @@
             <a:fld id="{8C5BEB32-F9B7-4A26-A503-E0A0BBE82DBD}" type="datetimeFigureOut">
               <a:rPr lang="zh-CN" altLang="en-US" smtClean="0"/>
               <a:pPr/>
-              <a:t>2015/5/27</a:t>
+              <a:t>2015/9/24</a:t>
             </a:fld>
             <a:endParaRPr lang="zh-CN" altLang="en-US"/>
           </a:p>
@@ -4346,7 +4346,7 @@
                 <a:tabLst/>
                 <a:defRPr/>
               </a:pPr>
-              <a:t>2015/5/27</a:t>
+              <a:t>2015/9/24</a:t>
             </a:fld>
             <a:endParaRPr kumimoji="0" lang="zh-CN" altLang="en-US" sz="1200" b="0" i="0" u="none" strike="noStrike" kern="1200" cap="none" spc="0" normalizeH="0" baseline="0" noProof="0" dirty="0">
               <a:ln>
@@ -4651,7 +4651,7 @@
             <a:fld id="{8C5BEB32-F9B7-4A26-A503-E0A0BBE82DBD}" type="datetimeFigureOut">
               <a:rPr lang="zh-CN" altLang="en-US" smtClean="0"/>
               <a:pPr/>
-              <a:t>2015/5/27</a:t>
+              <a:t>2015/9/24</a:t>
             </a:fld>
             <a:endParaRPr lang="zh-CN" altLang="en-US"/>
           </a:p>
@@ -5269,7 +5269,7 @@
               <a:pPr>
                 <a:defRPr/>
               </a:pPr>
-              <a:t>2015/5/27</a:t>
+              <a:t>2015/9/24</a:t>
             </a:fld>
             <a:endParaRPr lang="zh-CN" altLang="en-US" sz="1200" dirty="0">
               <a:solidFill>
@@ -5417,7 +5417,7 @@
       </p:sp>
       <p:pic>
         <p:nvPicPr>
-          <p:cNvPr id="5" name="图片 4"/>
+          <p:cNvPr id="4" name="图片 3"/>
           <p:cNvPicPr>
             <a:picLocks noChangeAspect="1"/>
           </p:cNvPicPr>
@@ -5431,8 +5431,8 @@
         </p:blipFill>
         <p:spPr>
           <a:xfrm>
-            <a:off x="1331640" y="2276872"/>
-            <a:ext cx="6440311" cy="2997938"/>
+            <a:off x="1259632" y="2435018"/>
+            <a:ext cx="6480720" cy="3226229"/>
           </a:xfrm>
           <a:prstGeom prst="rect">
             <a:avLst/>
@@ -5722,7 +5722,7 @@
       </p:sp>
       <p:pic>
         <p:nvPicPr>
-          <p:cNvPr id="8" name="图片 7"/>
+          <p:cNvPr id="3" name="图片 2"/>
           <p:cNvPicPr>
             <a:picLocks noChangeAspect="1"/>
           </p:cNvPicPr>
@@ -5736,8 +5736,8 @@
         </p:blipFill>
         <p:spPr>
           <a:xfrm>
-            <a:off x="1331640" y="2276872"/>
-            <a:ext cx="6440311" cy="3925266"/>
+            <a:off x="781942" y="2363011"/>
+            <a:ext cx="7456788" cy="3773179"/>
           </a:xfrm>
           <a:prstGeom prst="rect">
             <a:avLst/>
@@ -11762,7 +11762,7 @@
         <a:srgbClr val="2F2F2F"/>
       </a:dk1>
       <a:lt1>
-        <a:sysClr val="window" lastClr="C0C0C0"/>
+        <a:sysClr val="window" lastClr="FFFFFF"/>
       </a:lt1>
       <a:dk2>
         <a:srgbClr val="5F5F5F"/>
@@ -12069,7 +12069,7 @@
         <a:sysClr val="windowText" lastClr="000000"/>
       </a:dk1>
       <a:lt1>
-        <a:sysClr val="window" lastClr="C0C0C0"/>
+        <a:sysClr val="window" lastClr="FFFFFF"/>
       </a:lt1>
       <a:dk2>
         <a:srgbClr val="1F497D"/>

--- a/doc/redis_cluster.pptx
+++ b/doc/redis_cluster.pptx
@@ -231,7 +231,7 @@
             <a:fld id="{22280FE6-A104-468D-880C-8FA3CB8840D3}" type="datetimeFigureOut">
               <a:rPr lang="zh-CN" altLang="en-US" smtClean="0"/>
               <a:pPr/>
-              <a:t>2015/9/24</a:t>
+              <a:t>2017/6/14</a:t>
             </a:fld>
             <a:endParaRPr lang="zh-CN" altLang="en-US"/>
           </a:p>
@@ -904,7 +904,7 @@
               <a:pPr>
                 <a:defRPr/>
               </a:pPr>
-              <a:t>2015/9/24</a:t>
+              <a:t>2017/6/14</a:t>
             </a:fld>
             <a:endParaRPr lang="zh-CN" altLang="en-US" sz="1200" dirty="0">
               <a:solidFill>
@@ -986,7 +986,7 @@
             <a:fld id="{8C5BEB32-F9B7-4A26-A503-E0A0BBE82DBD}" type="datetimeFigureOut">
               <a:rPr lang="zh-CN" altLang="en-US" smtClean="0"/>
               <a:pPr/>
-              <a:t>2015/9/24</a:t>
+              <a:t>2017/6/14</a:t>
             </a:fld>
             <a:endParaRPr lang="zh-CN" altLang="en-US"/>
           </a:p>
@@ -1076,7 +1076,7 @@
                 <a:tabLst/>
                 <a:defRPr/>
               </a:pPr>
-              <a:t>2015/9/24</a:t>
+              <a:t>2017/6/14</a:t>
             </a:fld>
             <a:endParaRPr kumimoji="0" lang="zh-CN" altLang="en-US" sz="1200" b="0" i="0" u="none" strike="noStrike" kern="1200" cap="none" spc="0" normalizeH="0" baseline="0" noProof="0" dirty="0">
               <a:ln>
@@ -1400,7 +1400,7 @@
                 <a:tabLst/>
                 <a:defRPr/>
               </a:pPr>
-              <a:t>2015/9/24</a:t>
+              <a:t>2017/6/14</a:t>
             </a:fld>
             <a:endParaRPr kumimoji="0" lang="zh-CN" altLang="en-US" sz="1200" b="0" i="0" u="none" strike="noStrike" kern="1200" cap="none" spc="0" normalizeH="0" baseline="0" noProof="0" dirty="0">
               <a:ln>
@@ -1969,7 +1969,7 @@
                 <a:tabLst/>
                 <a:defRPr/>
               </a:pPr>
-              <a:t>2015/9/24</a:t>
+              <a:t>2017/6/14</a:t>
             </a:fld>
             <a:endParaRPr kumimoji="0" lang="zh-CN" altLang="en-US" sz="1200" b="0" i="0" u="none" strike="noStrike" kern="1200" cap="none" spc="0" normalizeH="0" baseline="0" noProof="0" dirty="0">
               <a:ln>
@@ -2521,7 +2521,7 @@
                 <a:tabLst/>
                 <a:defRPr/>
               </a:pPr>
-              <a:t>2015/9/24</a:t>
+              <a:t>2017/6/14</a:t>
             </a:fld>
             <a:endParaRPr kumimoji="0" lang="zh-CN" altLang="en-US" sz="1200" b="0" i="0" u="none" strike="noStrike" kern="1200" cap="none" spc="0" normalizeH="0" baseline="0" noProof="0" dirty="0">
               <a:ln>
@@ -2787,7 +2787,7 @@
             <a:fld id="{8C5BEB32-F9B7-4A26-A503-E0A0BBE82DBD}" type="datetimeFigureOut">
               <a:rPr lang="zh-CN" altLang="en-US" smtClean="0"/>
               <a:pPr/>
-              <a:t>2015/9/24</a:t>
+              <a:t>2017/6/14</a:t>
             </a:fld>
             <a:endParaRPr lang="zh-CN" altLang="en-US"/>
           </a:p>
@@ -3027,7 +3027,7 @@
                 <a:tabLst/>
                 <a:defRPr/>
               </a:pPr>
-              <a:t>2015/9/24</a:t>
+              <a:t>2017/6/14</a:t>
             </a:fld>
             <a:endParaRPr kumimoji="0" lang="zh-CN" altLang="en-US" sz="1200" b="0" i="0" u="none" strike="noStrike" kern="1200" cap="none" spc="0" normalizeH="0" baseline="0" noProof="0" dirty="0">
               <a:ln>
@@ -3213,7 +3213,7 @@
             <a:fld id="{8C5BEB32-F9B7-4A26-A503-E0A0BBE82DBD}" type="datetimeFigureOut">
               <a:rPr lang="zh-CN" altLang="en-US" smtClean="0"/>
               <a:pPr/>
-              <a:t>2015/9/24</a:t>
+              <a:t>2017/6/14</a:t>
             </a:fld>
             <a:endParaRPr lang="zh-CN" altLang="en-US"/>
           </a:p>
@@ -3453,7 +3453,7 @@
                 <a:tabLst/>
                 <a:defRPr/>
               </a:pPr>
-              <a:t>2015/9/24</a:t>
+              <a:t>2017/6/14</a:t>
             </a:fld>
             <a:endParaRPr kumimoji="0" lang="zh-CN" altLang="en-US" sz="1200" b="0" i="0" u="none" strike="noStrike" kern="1200" cap="none" spc="0" normalizeH="0" baseline="0" noProof="0" dirty="0">
               <a:ln>
@@ -3615,7 +3615,7 @@
             <a:fld id="{8C5BEB32-F9B7-4A26-A503-E0A0BBE82DBD}" type="datetimeFigureOut">
               <a:rPr lang="zh-CN" altLang="en-US" smtClean="0"/>
               <a:pPr/>
-              <a:t>2015/9/24</a:t>
+              <a:t>2017/6/14</a:t>
             </a:fld>
             <a:endParaRPr lang="zh-CN" altLang="en-US"/>
           </a:p>
@@ -3956,7 +3956,7 @@
                 <a:tabLst/>
                 <a:defRPr/>
               </a:pPr>
-              <a:t>2015/9/24</a:t>
+              <a:t>2017/6/14</a:t>
             </a:fld>
             <a:endParaRPr kumimoji="0" lang="zh-CN" altLang="en-US" sz="1200" b="0" i="0" u="none" strike="noStrike" kern="1200" cap="none" spc="0" normalizeH="0" baseline="0" noProof="0" dirty="0">
               <a:ln>
@@ -4118,7 +4118,7 @@
             <a:fld id="{8C5BEB32-F9B7-4A26-A503-E0A0BBE82DBD}" type="datetimeFigureOut">
               <a:rPr lang="zh-CN" altLang="en-US" smtClean="0"/>
               <a:pPr/>
-              <a:t>2015/9/24</a:t>
+              <a:t>2017/6/14</a:t>
             </a:fld>
             <a:endParaRPr lang="zh-CN" altLang="en-US"/>
           </a:p>
@@ -4346,7 +4346,7 @@
                 <a:tabLst/>
                 <a:defRPr/>
               </a:pPr>
-              <a:t>2015/9/24</a:t>
+              <a:t>2017/6/14</a:t>
             </a:fld>
             <a:endParaRPr kumimoji="0" lang="zh-CN" altLang="en-US" sz="1200" b="0" i="0" u="none" strike="noStrike" kern="1200" cap="none" spc="0" normalizeH="0" baseline="0" noProof="0" dirty="0">
               <a:ln>
@@ -4651,7 +4651,7 @@
             <a:fld id="{8C5BEB32-F9B7-4A26-A503-E0A0BBE82DBD}" type="datetimeFigureOut">
               <a:rPr lang="zh-CN" altLang="en-US" smtClean="0"/>
               <a:pPr/>
-              <a:t>2015/9/24</a:t>
+              <a:t>2017/6/14</a:t>
             </a:fld>
             <a:endParaRPr lang="zh-CN" altLang="en-US"/>
           </a:p>
@@ -5269,7 +5269,7 @@
               <a:pPr>
                 <a:defRPr/>
               </a:pPr>
-              <a:t>2015/9/24</a:t>
+              <a:t>2017/6/14</a:t>
             </a:fld>
             <a:endParaRPr lang="zh-CN" altLang="en-US" sz="1200" dirty="0">
               <a:solidFill>
@@ -6814,14 +6814,41 @@
             </a:r>
             <a:r>
               <a:rPr lang="zh-CN" altLang="en-US" sz="1800" dirty="0" smtClean="0"/>
-              <a:t>要差好几个数量级</a:t>
+              <a:t>要差好几个</a:t>
+            </a:r>
+            <a:r>
+              <a:rPr lang="zh-CN" altLang="en-US" sz="1800" dirty="0" smtClean="0"/>
+              <a:t>数量级</a:t>
             </a:r>
             <a:endParaRPr lang="en-US" altLang="zh-CN" sz="1800" dirty="0" smtClean="0"/>
           </a:p>
           <a:p>
             <a:r>
-              <a:rPr lang="en-US" altLang="zh-CN" sz="1800" dirty="0"/>
+              <a:rPr lang="en-US" altLang="zh-CN" sz="1800" dirty="0" smtClean="0"/>
               <a:t>8</a:t>
+            </a:r>
+            <a:r>
+              <a:rPr lang="zh-CN" altLang="en-US" sz="1800" dirty="0" smtClean="0"/>
+              <a:t>、</a:t>
+            </a:r>
+            <a:r>
+              <a:rPr lang="en-US" altLang="zh-CN" sz="1800" dirty="0" err="1" smtClean="0"/>
+              <a:t>redis</a:t>
+            </a:r>
+            <a:r>
+              <a:rPr lang="en-US" altLang="zh-CN" sz="1800" dirty="0" smtClean="0"/>
+              <a:t> </a:t>
+            </a:r>
+            <a:r>
+              <a:rPr lang="zh-CN" altLang="en-US" sz="1800" dirty="0" smtClean="0"/>
+              <a:t>的事务和数据库的概念上是不同的</a:t>
+            </a:r>
+            <a:endParaRPr lang="en-US" altLang="zh-CN" sz="1800" dirty="0" smtClean="0"/>
+          </a:p>
+          <a:p>
+            <a:r>
+              <a:rPr lang="en-US" altLang="zh-CN" sz="1800" dirty="0" smtClean="0"/>
+              <a:t>9</a:t>
             </a:r>
             <a:r>
               <a:rPr lang="zh-CN" altLang="en-US" sz="1800" dirty="0" smtClean="0"/>

--- a/doc/redis_cluster.pptx
+++ b/doc/redis_cluster.pptx
@@ -5,7 +5,7 @@
     <p:sldMasterId id="2147483648" r:id="rId1"/>
   </p:sldMasterIdLst>
   <p:notesMasterIdLst>
-    <p:notesMasterId r:id="rId20"/>
+    <p:notesMasterId r:id="rId26"/>
   </p:notesMasterIdLst>
   <p:sldIdLst>
     <p:sldId id="256" r:id="rId2"/>
@@ -24,8 +24,14 @@
     <p:sldId id="343" r:id="rId15"/>
     <p:sldId id="345" r:id="rId16"/>
     <p:sldId id="346" r:id="rId17"/>
-    <p:sldId id="349" r:id="rId18"/>
-    <p:sldId id="271" r:id="rId19"/>
+    <p:sldId id="350" r:id="rId18"/>
+    <p:sldId id="351" r:id="rId19"/>
+    <p:sldId id="352" r:id="rId20"/>
+    <p:sldId id="355" r:id="rId21"/>
+    <p:sldId id="354" r:id="rId22"/>
+    <p:sldId id="357" r:id="rId23"/>
+    <p:sldId id="353" r:id="rId24"/>
+    <p:sldId id="349" r:id="rId25"/>
   </p:sldIdLst>
   <p:sldSz cx="9144000" cy="6858000" type="screen4x3"/>
   <p:notesSz cx="6858000" cy="9144000"/>
@@ -231,7 +237,7 @@
             <a:fld id="{22280FE6-A104-468D-880C-8FA3CB8840D3}" type="datetimeFigureOut">
               <a:rPr lang="zh-CN" altLang="en-US" smtClean="0"/>
               <a:pPr/>
-              <a:t>2017/6/14</a:t>
+              <a:t>2017/6/18</a:t>
             </a:fld>
             <a:endParaRPr lang="zh-CN" altLang="en-US"/>
           </a:p>
@@ -519,30 +525,6 @@
           <a:chExt cx="0" cy="0"/>
         </a:xfrm>
       </p:grpSpPr>
-      <p:pic>
-        <p:nvPicPr>
-          <p:cNvPr id="7" name="图片 6" descr="ppt模板0422a-35.jpg"/>
-          <p:cNvPicPr>
-            <a:picLocks noChangeAspect="1"/>
-          </p:cNvPicPr>
-          <p:nvPr userDrawn="1"/>
-        </p:nvPicPr>
-        <p:blipFill>
-          <a:blip r:embed="rId2" cstate="print"/>
-          <a:stretch>
-            <a:fillRect/>
-          </a:stretch>
-        </p:blipFill>
-        <p:spPr>
-          <a:xfrm>
-            <a:off x="0" y="285"/>
-            <a:ext cx="9144000" cy="6857431"/>
-          </a:xfrm>
-          <a:prstGeom prst="rect">
-            <a:avLst/>
-          </a:prstGeom>
-        </p:spPr>
-      </p:pic>
       <p:sp>
         <p:nvSpPr>
           <p:cNvPr id="9" name="标题 1"/>
@@ -904,7 +886,7 @@
               <a:pPr>
                 <a:defRPr/>
               </a:pPr>
-              <a:t>2017/6/14</a:t>
+              <a:t>2017/6/18</a:t>
             </a:fld>
             <a:endParaRPr lang="zh-CN" altLang="en-US" sz="1200" dirty="0">
               <a:solidFill>
@@ -919,6 +901,30 @@
           </a:p>
         </p:txBody>
       </p:sp>
+      <p:pic>
+        <p:nvPicPr>
+          <p:cNvPr id="2" name="图片 1"/>
+          <p:cNvPicPr>
+            <a:picLocks noChangeAspect="1"/>
+          </p:cNvPicPr>
+          <p:nvPr userDrawn="1"/>
+        </p:nvPicPr>
+        <p:blipFill>
+          <a:blip r:embed="rId2"/>
+          <a:stretch>
+            <a:fillRect/>
+          </a:stretch>
+        </p:blipFill>
+        <p:spPr>
+          <a:xfrm>
+            <a:off x="500034" y="548679"/>
+            <a:ext cx="8158162" cy="3530671"/>
+          </a:xfrm>
+          <a:prstGeom prst="rect">
+            <a:avLst/>
+          </a:prstGeom>
+        </p:spPr>
+      </p:pic>
     </p:spTree>
   </p:cSld>
   <p:clrMapOvr>
@@ -944,30 +950,6 @@
           <a:chExt cx="0" cy="0"/>
         </a:xfrm>
       </p:grpSpPr>
-      <p:pic>
-        <p:nvPicPr>
-          <p:cNvPr id="7" name="图片 6" descr="ppt模板0422-33.jpg"/>
-          <p:cNvPicPr>
-            <a:picLocks noChangeAspect="1"/>
-          </p:cNvPicPr>
-          <p:nvPr userDrawn="1"/>
-        </p:nvPicPr>
-        <p:blipFill>
-          <a:blip r:embed="rId2" cstate="print"/>
-          <a:stretch>
-            <a:fillRect/>
-          </a:stretch>
-        </p:blipFill>
-        <p:spPr>
-          <a:xfrm>
-            <a:off x="0" y="285"/>
-            <a:ext cx="9144000" cy="6857431"/>
-          </a:xfrm>
-          <a:prstGeom prst="rect">
-            <a:avLst/>
-          </a:prstGeom>
-        </p:spPr>
-      </p:pic>
       <p:sp>
         <p:nvSpPr>
           <p:cNvPr id="4" name="日期占位符 3"/>
@@ -986,7 +968,7 @@
             <a:fld id="{8C5BEB32-F9B7-4A26-A503-E0A0BBE82DBD}" type="datetimeFigureOut">
               <a:rPr lang="zh-CN" altLang="en-US" smtClean="0"/>
               <a:pPr/>
-              <a:t>2017/6/14</a:t>
+              <a:t>2017/6/18</a:t>
             </a:fld>
             <a:endParaRPr lang="zh-CN" altLang="en-US"/>
           </a:p>
@@ -1076,7 +1058,7 @@
                 <a:tabLst/>
                 <a:defRPr/>
               </a:pPr>
-              <a:t>2017/6/14</a:t>
+              <a:t>2017/6/18</a:t>
             </a:fld>
             <a:endParaRPr kumimoji="0" lang="zh-CN" altLang="en-US" sz="1200" b="0" i="0" u="none" strike="noStrike" kern="1200" cap="none" spc="0" normalizeH="0" baseline="0" noProof="0" dirty="0">
               <a:ln>
@@ -1284,38 +1266,6 @@
           </a:p>
         </p:txBody>
       </p:sp>
-      <p:pic>
-        <p:nvPicPr>
-          <p:cNvPr id="10" name="Picture 2" descr="C:\Users\microsoft\Desktop\logo.png"/>
-          <p:cNvPicPr>
-            <a:picLocks noChangeAspect="1" noChangeArrowheads="1"/>
-          </p:cNvPicPr>
-          <p:nvPr userDrawn="1"/>
-        </p:nvPicPr>
-        <p:blipFill>
-          <a:blip r:embed="rId2" cstate="print"/>
-          <a:srcRect/>
-          <a:stretch>
-            <a:fillRect/>
-          </a:stretch>
-        </p:blipFill>
-        <p:spPr bwMode="auto">
-          <a:xfrm>
-            <a:off x="357159" y="59250"/>
-            <a:ext cx="1541463" cy="797983"/>
-          </a:xfrm>
-          <a:prstGeom prst="rect">
-            <a:avLst/>
-          </a:prstGeom>
-          <a:noFill/>
-          <a:ln w="9525">
-            <a:noFill/>
-            <a:miter lim="800000"/>
-            <a:headEnd/>
-            <a:tailEnd/>
-          </a:ln>
-        </p:spPr>
-      </p:pic>
       <p:sp>
         <p:nvSpPr>
           <p:cNvPr id="12" name="日期占位符 3"/>
@@ -1400,7 +1350,7 @@
                 <a:tabLst/>
                 <a:defRPr/>
               </a:pPr>
-              <a:t>2017/6/14</a:t>
+              <a:t>2017/6/18</a:t>
             </a:fld>
             <a:endParaRPr kumimoji="0" lang="zh-CN" altLang="en-US" sz="1200" b="0" i="0" u="none" strike="noStrike" kern="1200" cap="none" spc="0" normalizeH="0" baseline="0" noProof="0" dirty="0">
               <a:ln>
@@ -1969,7 +1919,7 @@
                 <a:tabLst/>
                 <a:defRPr/>
               </a:pPr>
-              <a:t>2017/6/14</a:t>
+              <a:t>2017/6/18</a:t>
             </a:fld>
             <a:endParaRPr kumimoji="0" lang="zh-CN" altLang="en-US" sz="1200" b="0" i="0" u="none" strike="noStrike" kern="1200" cap="none" spc="0" normalizeH="0" baseline="0" noProof="0" dirty="0">
               <a:ln>
@@ -2521,7 +2471,7 @@
                 <a:tabLst/>
                 <a:defRPr/>
               </a:pPr>
-              <a:t>2017/6/14</a:t>
+              <a:t>2017/6/18</a:t>
             </a:fld>
             <a:endParaRPr kumimoji="0" lang="zh-CN" altLang="en-US" sz="1200" b="0" i="0" u="none" strike="noStrike" kern="1200" cap="none" spc="0" normalizeH="0" baseline="0" noProof="0" dirty="0">
               <a:ln>
@@ -2787,7 +2737,7 @@
             <a:fld id="{8C5BEB32-F9B7-4A26-A503-E0A0BBE82DBD}" type="datetimeFigureOut">
               <a:rPr lang="zh-CN" altLang="en-US" smtClean="0"/>
               <a:pPr/>
-              <a:t>2017/6/14</a:t>
+              <a:t>2017/6/18</a:t>
             </a:fld>
             <a:endParaRPr lang="zh-CN" altLang="en-US"/>
           </a:p>
@@ -3027,7 +2977,7 @@
                 <a:tabLst/>
                 <a:defRPr/>
               </a:pPr>
-              <a:t>2017/6/14</a:t>
+              <a:t>2017/6/18</a:t>
             </a:fld>
             <a:endParaRPr kumimoji="0" lang="zh-CN" altLang="en-US" sz="1200" b="0" i="0" u="none" strike="noStrike" kern="1200" cap="none" spc="0" normalizeH="0" baseline="0" noProof="0" dirty="0">
               <a:ln>
@@ -3213,7 +3163,7 @@
             <a:fld id="{8C5BEB32-F9B7-4A26-A503-E0A0BBE82DBD}" type="datetimeFigureOut">
               <a:rPr lang="zh-CN" altLang="en-US" smtClean="0"/>
               <a:pPr/>
-              <a:t>2017/6/14</a:t>
+              <a:t>2017/6/18</a:t>
             </a:fld>
             <a:endParaRPr lang="zh-CN" altLang="en-US"/>
           </a:p>
@@ -3453,7 +3403,7 @@
                 <a:tabLst/>
                 <a:defRPr/>
               </a:pPr>
-              <a:t>2017/6/14</a:t>
+              <a:t>2017/6/18</a:t>
             </a:fld>
             <a:endParaRPr kumimoji="0" lang="zh-CN" altLang="en-US" sz="1200" b="0" i="0" u="none" strike="noStrike" kern="1200" cap="none" spc="0" normalizeH="0" baseline="0" noProof="0" dirty="0">
               <a:ln>
@@ -3615,7 +3565,7 @@
             <a:fld id="{8C5BEB32-F9B7-4A26-A503-E0A0BBE82DBD}" type="datetimeFigureOut">
               <a:rPr lang="zh-CN" altLang="en-US" smtClean="0"/>
               <a:pPr/>
-              <a:t>2017/6/14</a:t>
+              <a:t>2017/6/18</a:t>
             </a:fld>
             <a:endParaRPr lang="zh-CN" altLang="en-US"/>
           </a:p>
@@ -3645,38 +3595,6 @@
           </a:p>
         </p:txBody>
       </p:sp>
-      <p:pic>
-        <p:nvPicPr>
-          <p:cNvPr id="5" name="Picture 2" descr="C:\Users\microsoft\Desktop\logo.png"/>
-          <p:cNvPicPr>
-            <a:picLocks noChangeAspect="1" noChangeArrowheads="1"/>
-          </p:cNvPicPr>
-          <p:nvPr userDrawn="1"/>
-        </p:nvPicPr>
-        <p:blipFill>
-          <a:blip r:embed="rId2" cstate="print"/>
-          <a:srcRect/>
-          <a:stretch>
-            <a:fillRect/>
-          </a:stretch>
-        </p:blipFill>
-        <p:spPr bwMode="auto">
-          <a:xfrm>
-            <a:off x="7500990" y="226441"/>
-            <a:ext cx="1214414" cy="628676"/>
-          </a:xfrm>
-          <a:prstGeom prst="rect">
-            <a:avLst/>
-          </a:prstGeom>
-          <a:noFill/>
-          <a:ln w="9525">
-            <a:noFill/>
-            <a:miter lim="800000"/>
-            <a:headEnd/>
-            <a:tailEnd/>
-          </a:ln>
-        </p:spPr>
-      </p:pic>
       <p:cxnSp>
         <p:nvCxnSpPr>
           <p:cNvPr id="13" name="直接连接符 12"/>
@@ -3956,7 +3874,7 @@
                 <a:tabLst/>
                 <a:defRPr/>
               </a:pPr>
-              <a:t>2017/6/14</a:t>
+              <a:t>2017/6/18</a:t>
             </a:fld>
             <a:endParaRPr kumimoji="0" lang="zh-CN" altLang="en-US" sz="1200" b="0" i="0" u="none" strike="noStrike" kern="1200" cap="none" spc="0" normalizeH="0" baseline="0" noProof="0" dirty="0">
               <a:ln>
@@ -4118,7 +4036,7 @@
             <a:fld id="{8C5BEB32-F9B7-4A26-A503-E0A0BBE82DBD}" type="datetimeFigureOut">
               <a:rPr lang="zh-CN" altLang="en-US" smtClean="0"/>
               <a:pPr/>
-              <a:t>2017/6/14</a:t>
+              <a:t>2017/6/18</a:t>
             </a:fld>
             <a:endParaRPr lang="zh-CN" altLang="en-US"/>
           </a:p>
@@ -4148,38 +4066,6 @@
           </a:p>
         </p:txBody>
       </p:sp>
-      <p:pic>
-        <p:nvPicPr>
-          <p:cNvPr id="8" name="Picture 2" descr="C:\Users\microsoft\Desktop\logo.png"/>
-          <p:cNvPicPr>
-            <a:picLocks noChangeAspect="1" noChangeArrowheads="1"/>
-          </p:cNvPicPr>
-          <p:nvPr userDrawn="1"/>
-        </p:nvPicPr>
-        <p:blipFill>
-          <a:blip r:embed="rId2" cstate="print"/>
-          <a:srcRect/>
-          <a:stretch>
-            <a:fillRect/>
-          </a:stretch>
-        </p:blipFill>
-        <p:spPr bwMode="auto">
-          <a:xfrm>
-            <a:off x="7500990" y="226441"/>
-            <a:ext cx="1214414" cy="628676"/>
-          </a:xfrm>
-          <a:prstGeom prst="rect">
-            <a:avLst/>
-          </a:prstGeom>
-          <a:noFill/>
-          <a:ln w="9525">
-            <a:noFill/>
-            <a:miter lim="800000"/>
-            <a:headEnd/>
-            <a:tailEnd/>
-          </a:ln>
-        </p:spPr>
-      </p:pic>
       <p:cxnSp>
         <p:nvCxnSpPr>
           <p:cNvPr id="9" name="直接连接符 8"/>
@@ -4346,7 +4232,7 @@
                 <a:tabLst/>
                 <a:defRPr/>
               </a:pPr>
-              <a:t>2017/6/14</a:t>
+              <a:t>2017/6/18</a:t>
             </a:fld>
             <a:endParaRPr kumimoji="0" lang="zh-CN" altLang="en-US" sz="1200" b="0" i="0" u="none" strike="noStrike" kern="1200" cap="none" spc="0" normalizeH="0" baseline="0" noProof="0" dirty="0">
               <a:ln>
@@ -4651,7 +4537,7 @@
             <a:fld id="{8C5BEB32-F9B7-4A26-A503-E0A0BBE82DBD}" type="datetimeFigureOut">
               <a:rPr lang="zh-CN" altLang="en-US" smtClean="0"/>
               <a:pPr/>
-              <a:t>2017/6/14</a:t>
+              <a:t>2017/6/18</a:t>
             </a:fld>
             <a:endParaRPr lang="zh-CN" altLang="en-US"/>
           </a:p>
@@ -5033,7 +4919,7 @@
         </p:nvSpPr>
         <p:spPr>
           <a:xfrm>
-            <a:off x="714348" y="4286258"/>
+            <a:off x="683568" y="4725144"/>
             <a:ext cx="7772400" cy="857255"/>
           </a:xfrm>
         </p:spPr>
@@ -5064,46 +4950,6 @@
               <a:t>使用实践</a:t>
             </a:r>
             <a:endParaRPr lang="zh-CN" altLang="en-US" dirty="0"/>
-          </a:p>
-        </p:txBody>
-      </p:sp>
-      <p:sp>
-        <p:nvSpPr>
-          <p:cNvPr id="6" name="TextBox 6"/>
-          <p:cNvSpPr txBox="1">
-            <a:spLocks noChangeArrowheads="1"/>
-          </p:cNvSpPr>
-          <p:nvPr/>
-        </p:nvSpPr>
-        <p:spPr bwMode="auto">
-          <a:xfrm>
-            <a:off x="6429388" y="6381772"/>
-            <a:ext cx="2518638" cy="307777"/>
-          </a:xfrm>
-          <a:prstGeom prst="rect">
-            <a:avLst/>
-          </a:prstGeom>
-          <a:noFill/>
-          <a:ln w="9525">
-            <a:noFill/>
-            <a:miter lim="800000"/>
-            <a:headEnd/>
-            <a:tailEnd/>
-          </a:ln>
-        </p:spPr>
-        <p:txBody>
-          <a:bodyPr wrap="none">
-            <a:spAutoFit/>
-          </a:bodyPr>
-          <a:lstStyle/>
-          <a:p>
-            <a:r>
-              <a:rPr lang="zh-CN" altLang="en-US" sz="1400" dirty="0">
-                <a:latin typeface="微软雅黑" pitchFamily="34" charset="-122"/>
-                <a:ea typeface="微软雅黑" pitchFamily="34" charset="-122"/>
-              </a:rPr>
-              <a:t>北京二六三企业通信有限公司</a:t>
-            </a:r>
           </a:p>
         </p:txBody>
       </p:sp>
@@ -5269,7 +5115,7 @@
               <a:pPr>
                 <a:defRPr/>
               </a:pPr>
-              <a:t>2017/6/14</a:t>
+              <a:t>2017/6/18</a:t>
             </a:fld>
             <a:endParaRPr lang="zh-CN" altLang="en-US" sz="1200" dirty="0">
               <a:solidFill>
@@ -6686,7 +6532,7 @@
         <p:spPr/>
         <p:txBody>
           <a:bodyPr>
-            <a:normAutofit/>
+            <a:normAutofit lnSpcReduction="10000"/>
           </a:bodyPr>
           <a:lstStyle/>
           <a:p>
@@ -6814,11 +6660,7 @@
             </a:r>
             <a:r>
               <a:rPr lang="zh-CN" altLang="en-US" sz="1800" dirty="0" smtClean="0"/>
-              <a:t>要差好几个</a:t>
-            </a:r>
-            <a:r>
-              <a:rPr lang="zh-CN" altLang="en-US" sz="1800" dirty="0" smtClean="0"/>
-              <a:t>数量级</a:t>
+              <a:t>要差好几个数量级</a:t>
             </a:r>
             <a:endParaRPr lang="en-US" altLang="zh-CN" sz="1800" dirty="0" smtClean="0"/>
           </a:p>
@@ -6841,7 +6683,11 @@
             </a:r>
             <a:r>
               <a:rPr lang="zh-CN" altLang="en-US" sz="1800" dirty="0" smtClean="0"/>
-              <a:t>的事务和数据库的概念上是不同的</a:t>
+              <a:t>的事务和数据库的概念上是不同</a:t>
+            </a:r>
+            <a:r>
+              <a:rPr lang="zh-CN" altLang="en-US" sz="1800" dirty="0" smtClean="0"/>
+              <a:t>的</a:t>
             </a:r>
             <a:endParaRPr lang="en-US" altLang="zh-CN" sz="1800" dirty="0" smtClean="0"/>
           </a:p>
@@ -6849,6 +6695,112 @@
             <a:r>
               <a:rPr lang="en-US" altLang="zh-CN" sz="1800" dirty="0" smtClean="0"/>
               <a:t>9</a:t>
+            </a:r>
+            <a:r>
+              <a:rPr lang="zh-CN" altLang="en-US" sz="1800" dirty="0" smtClean="0"/>
+              <a:t>、单节点数据量不应过大（</a:t>
+            </a:r>
+            <a:r>
+              <a:rPr lang="en-US" altLang="zh-CN" sz="1800" dirty="0" smtClean="0"/>
+              <a:t>5—10G</a:t>
+            </a:r>
+            <a:r>
+              <a:rPr lang="zh-CN" altLang="en-US" sz="1800" dirty="0" smtClean="0"/>
+              <a:t>）：哈希查询效率、持久化 </a:t>
+            </a:r>
+            <a:r>
+              <a:rPr lang="en-US" altLang="zh-CN" sz="1800" dirty="0" smtClean="0"/>
+              <a:t>IO </a:t>
+            </a:r>
+            <a:r>
+              <a:rPr lang="zh-CN" altLang="en-US" sz="1800" dirty="0" smtClean="0"/>
+              <a:t>瓶颈</a:t>
+            </a:r>
+            <a:endParaRPr lang="en-US" altLang="zh-CN" sz="1800" dirty="0" smtClean="0"/>
+          </a:p>
+          <a:p>
+            <a:r>
+              <a:rPr lang="en-US" altLang="zh-CN" sz="1800" dirty="0" smtClean="0"/>
+              <a:t>10</a:t>
+            </a:r>
+            <a:r>
+              <a:rPr lang="zh-CN" altLang="en-US" sz="1800" dirty="0" smtClean="0"/>
+              <a:t>、必须设置 </a:t>
+            </a:r>
+            <a:r>
+              <a:rPr lang="en-US" altLang="zh-CN" sz="1800" dirty="0" err="1" smtClean="0"/>
+              <a:t>maxmemory</a:t>
+            </a:r>
+            <a:r>
+              <a:rPr lang="en-US" altLang="zh-CN" sz="1800" dirty="0" smtClean="0"/>
+              <a:t> </a:t>
+            </a:r>
+            <a:r>
+              <a:rPr lang="zh-CN" altLang="en-US" sz="1800" dirty="0" smtClean="0"/>
+              <a:t>值，防止使用 </a:t>
+            </a:r>
+            <a:r>
+              <a:rPr lang="en-US" altLang="zh-CN" sz="1800" dirty="0" smtClean="0"/>
+              <a:t>swap</a:t>
+            </a:r>
+          </a:p>
+          <a:p>
+            <a:r>
+              <a:rPr lang="en-US" altLang="zh-CN" sz="1800" dirty="0" smtClean="0"/>
+              <a:t>11</a:t>
+            </a:r>
+            <a:r>
+              <a:rPr lang="zh-CN" altLang="en-US" sz="1800" dirty="0" smtClean="0"/>
+              <a:t>、慎重选择合适的 </a:t>
+            </a:r>
+            <a:r>
+              <a:rPr lang="en-US" altLang="zh-CN" sz="1800" dirty="0" smtClean="0"/>
+              <a:t>save </a:t>
+            </a:r>
+            <a:r>
+              <a:rPr lang="zh-CN" altLang="en-US" sz="1800" dirty="0" smtClean="0"/>
+              <a:t>配置：既要减少数据丢失、又要防止磁盘 </a:t>
+            </a:r>
+            <a:r>
+              <a:rPr lang="en-US" altLang="zh-CN" sz="1800" dirty="0" smtClean="0"/>
+              <a:t>IO</a:t>
+            </a:r>
+            <a:r>
+              <a:rPr lang="zh-CN" altLang="en-US" sz="1800" dirty="0" smtClean="0"/>
+              <a:t>瓶颈</a:t>
+            </a:r>
+            <a:endParaRPr lang="en-US" altLang="zh-CN" sz="1800" dirty="0" smtClean="0"/>
+          </a:p>
+          <a:p>
+            <a:r>
+              <a:rPr lang="en-US" altLang="zh-CN" sz="1800" dirty="0" smtClean="0"/>
+              <a:t>12</a:t>
+            </a:r>
+            <a:r>
+              <a:rPr lang="zh-CN" altLang="en-US" sz="1800" dirty="0" smtClean="0"/>
+              <a:t>、禁止监听外网</a:t>
+            </a:r>
+            <a:r>
+              <a:rPr lang="en-US" altLang="zh-CN" sz="1800" dirty="0" smtClean="0"/>
+              <a:t>IP</a:t>
+            </a:r>
+            <a:endParaRPr lang="en-US" altLang="zh-CN" sz="1800" dirty="0"/>
+          </a:p>
+          <a:p>
+            <a:r>
+              <a:rPr lang="en-US" altLang="zh-CN" sz="1800" dirty="0" smtClean="0"/>
+              <a:t>13</a:t>
+            </a:r>
+            <a:r>
+              <a:rPr lang="zh-CN" altLang="en-US" sz="1800" dirty="0" smtClean="0"/>
+              <a:t>、不同的集群设置不同的密码，防止数据乱写</a:t>
+            </a:r>
+            <a:endParaRPr lang="en-US" altLang="zh-CN" sz="1800" dirty="0" smtClean="0"/>
+          </a:p>
+          <a:p>
+            <a:r>
+              <a:rPr lang="en-US" altLang="zh-CN" sz="1800" dirty="0" smtClean="0"/>
+              <a:t>14</a:t>
             </a:r>
             <a:r>
               <a:rPr lang="zh-CN" altLang="en-US" sz="1800" dirty="0" smtClean="0"/>
@@ -7044,8 +6996,16 @@
           <a:lstStyle/>
           <a:p>
             <a:r>
+              <a:rPr lang="en-US" altLang="zh-CN" dirty="0" err="1" smtClean="0"/>
+              <a:t>redis_builder</a:t>
+            </a:r>
+            <a:r>
+              <a:rPr lang="en-US" altLang="zh-CN" dirty="0" smtClean="0"/>
+              <a:t> </a:t>
+            </a:r>
+            <a:r>
               <a:rPr lang="zh-CN" altLang="en-US" dirty="0" smtClean="0"/>
-              <a:t>参考</a:t>
+              <a:t>工具使用</a:t>
             </a:r>
             <a:endParaRPr lang="zh-CN" altLang="en-US" dirty="0"/>
           </a:p>
@@ -7067,104 +7027,130 @@
           <a:lstStyle/>
           <a:p>
             <a:r>
-              <a:rPr lang="zh-CN" altLang="en-US" sz="1800" dirty="0" smtClean="0"/>
-              <a:t>官方网站：</a:t>
-            </a:r>
-            <a:r>
-              <a:rPr lang="en-US" altLang="zh-CN" sz="1800" dirty="0" smtClean="0">
-                <a:hlinkClick r:id="rId2"/>
-              </a:rPr>
-              <a:t>http://redis.io/</a:t>
-            </a:r>
-            <a:endParaRPr lang="en-US" altLang="zh-CN" sz="1800" dirty="0" smtClean="0"/>
-          </a:p>
-          <a:p>
-            <a:r>
-              <a:rPr lang="zh-CN" altLang="en-US" sz="1800" dirty="0" smtClean="0"/>
-              <a:t>中文翻译网站：</a:t>
-            </a:r>
-            <a:r>
-              <a:rPr lang="en-US" altLang="zh-CN" sz="1800" dirty="0">
-                <a:hlinkClick r:id="rId3"/>
-              </a:rPr>
-              <a:t>http://redisdoc.com</a:t>
-            </a:r>
-            <a:r>
-              <a:rPr lang="en-US" altLang="zh-CN" sz="1800" dirty="0" smtClean="0">
-                <a:hlinkClick r:id="rId3"/>
-              </a:rPr>
-              <a:t>/</a:t>
-            </a:r>
-            <a:endParaRPr lang="en-US" altLang="zh-CN" sz="1800" dirty="0" smtClean="0"/>
-          </a:p>
-          <a:p>
-            <a:r>
-              <a:rPr lang="en-US" altLang="zh-CN" sz="1800" dirty="0" smtClean="0"/>
-              <a:t>Java </a:t>
-            </a:r>
-            <a:r>
-              <a:rPr lang="zh-CN" altLang="en-US" sz="1800" dirty="0" smtClean="0"/>
-              <a:t>客户端库：</a:t>
-            </a:r>
-            <a:r>
-              <a:rPr lang="en-US" altLang="zh-CN" sz="1800" dirty="0">
-                <a:hlinkClick r:id="rId4"/>
-              </a:rPr>
-              <a:t>https://</a:t>
-            </a:r>
-            <a:r>
-              <a:rPr lang="en-US" altLang="zh-CN" sz="1800" dirty="0" smtClean="0">
-                <a:hlinkClick r:id="rId4"/>
-              </a:rPr>
-              <a:t>github.com/xetorthio/jedis/</a:t>
-            </a:r>
-            <a:endParaRPr lang="en-US" altLang="zh-CN" sz="1800" dirty="0" smtClean="0"/>
-          </a:p>
-          <a:p>
-            <a:r>
-              <a:rPr lang="en-US" altLang="zh-CN" sz="1800" dirty="0" smtClean="0"/>
-              <a:t>C++</a:t>
-            </a:r>
-            <a:r>
-              <a:rPr lang="zh-CN" altLang="en-US" sz="1800" dirty="0" smtClean="0"/>
-              <a:t>客户端库：</a:t>
-            </a:r>
-            <a:r>
-              <a:rPr lang="en-US" altLang="zh-CN" sz="1200" dirty="0">
-                <a:hlinkClick r:id="rId5"/>
-              </a:rPr>
-              <a:t>https://</a:t>
-            </a:r>
-            <a:r>
-              <a:rPr lang="en-US" altLang="zh-CN" sz="1200" dirty="0" smtClean="0">
-                <a:hlinkClick r:id="rId5"/>
-              </a:rPr>
-              <a:t>github.com/zhengshuxin/acl/tree/master/lib_acl_cpp/samples/redis</a:t>
-            </a:r>
-            <a:endParaRPr lang="en-US" altLang="zh-CN" sz="1200" dirty="0" smtClean="0"/>
-          </a:p>
-          <a:p>
+              <a:rPr lang="en-US" altLang="zh-CN" dirty="0" smtClean="0"/>
+              <a:t>1</a:t>
+            </a:r>
+            <a:r>
+              <a:rPr lang="zh-CN" altLang="en-US" dirty="0" smtClean="0"/>
+              <a:t>、跨平台：支持 </a:t>
+            </a:r>
+            <a:r>
+              <a:rPr lang="en-US" altLang="zh-CN" dirty="0" smtClean="0"/>
+              <a:t>Linux/Windows</a:t>
+            </a:r>
+          </a:p>
+          <a:p>
+            <a:r>
+              <a:rPr lang="en-US" altLang="zh-CN" dirty="0" smtClean="0"/>
+              <a:t>2</a:t>
+            </a:r>
+            <a:r>
+              <a:rPr lang="zh-CN" altLang="en-US" dirty="0" smtClean="0"/>
+              <a:t>、支持“创建集群的建议原则”中的 </a:t>
+            </a:r>
+            <a:r>
+              <a:rPr lang="en-US" altLang="zh-CN" dirty="0" smtClean="0"/>
+              <a:t>1– 5 </a:t>
+            </a:r>
+            <a:r>
+              <a:rPr lang="zh-CN" altLang="en-US" dirty="0" smtClean="0"/>
+              <a:t>条</a:t>
+            </a:r>
+            <a:endParaRPr lang="en-US" altLang="zh-CN" dirty="0" smtClean="0"/>
+          </a:p>
+          <a:p>
+            <a:r>
+              <a:rPr lang="en-US" altLang="zh-CN" dirty="0" smtClean="0"/>
+              <a:t>3</a:t>
+            </a:r>
+            <a:r>
+              <a:rPr lang="zh-CN" altLang="en-US" dirty="0" smtClean="0"/>
+              <a:t>、通过配置，自动创建 </a:t>
+            </a:r>
+            <a:r>
+              <a:rPr lang="en-US" altLang="zh-CN" dirty="0" err="1" smtClean="0"/>
+              <a:t>redis</a:t>
+            </a:r>
+            <a:r>
+              <a:rPr lang="en-US" altLang="zh-CN" dirty="0" smtClean="0"/>
+              <a:t> </a:t>
+            </a:r>
+            <a:r>
+              <a:rPr lang="zh-CN" altLang="en-US" dirty="0" smtClean="0"/>
+              <a:t>集群，支持创建较大的 </a:t>
+            </a:r>
+            <a:r>
+              <a:rPr lang="en-US" altLang="zh-CN" dirty="0" err="1" smtClean="0"/>
+              <a:t>redis</a:t>
+            </a:r>
+            <a:r>
+              <a:rPr lang="en-US" altLang="zh-CN" dirty="0" smtClean="0"/>
+              <a:t> </a:t>
+            </a:r>
+            <a:r>
+              <a:rPr lang="zh-CN" altLang="en-US" dirty="0" smtClean="0"/>
+              <a:t>集群</a:t>
+            </a:r>
+            <a:endParaRPr lang="en-US" altLang="zh-CN" dirty="0" smtClean="0"/>
+          </a:p>
+          <a:p>
+            <a:r>
+              <a:rPr lang="en-US" altLang="zh-CN" dirty="0" smtClean="0"/>
+              <a:t>4</a:t>
+            </a:r>
+            <a:r>
+              <a:rPr lang="zh-CN" altLang="en-US" dirty="0" smtClean="0"/>
+              <a:t>、丰富的集群管理能力</a:t>
+            </a:r>
+            <a:endParaRPr lang="en-US" altLang="zh-CN" dirty="0" smtClean="0"/>
+          </a:p>
+          <a:p>
+            <a:r>
+              <a:rPr lang="en-US" altLang="zh-CN" dirty="0"/>
+              <a:t>5</a:t>
+            </a:r>
+            <a:r>
+              <a:rPr lang="zh-CN" altLang="en-US" dirty="0" smtClean="0"/>
+              <a:t>、支持安全管理集群的能力</a:t>
+            </a:r>
             <a:endParaRPr lang="zh-CN" altLang="en-US" dirty="0"/>
           </a:p>
         </p:txBody>
       </p:sp>
+      <p:pic>
+        <p:nvPicPr>
+          <p:cNvPr id="4" name="图片 3"/>
+          <p:cNvPicPr>
+            <a:picLocks noChangeAspect="1"/>
+          </p:cNvPicPr>
+          <p:nvPr/>
+        </p:nvPicPr>
+        <p:blipFill>
+          <a:blip r:embed="rId2"/>
+          <a:stretch>
+            <a:fillRect/>
+          </a:stretch>
+        </p:blipFill>
+        <p:spPr>
+          <a:xfrm>
+            <a:off x="624098" y="3068960"/>
+            <a:ext cx="7908342" cy="2880320"/>
+          </a:xfrm>
+          <a:prstGeom prst="rect">
+            <a:avLst/>
+          </a:prstGeom>
+        </p:spPr>
+      </p:pic>
     </p:spTree>
     <p:extLst>
       <p:ext uri="{BB962C8B-B14F-4D97-AF65-F5344CB8AC3E}">
-        <p14:creationId xmlns:p14="http://schemas.microsoft.com/office/powerpoint/2010/main" val="2569719630"/>
+        <p14:creationId xmlns:p14="http://schemas.microsoft.com/office/powerpoint/2010/main" val="2008550456"/>
       </p:ext>
     </p:extLst>
   </p:cSld>
   <p:clrMapOvr>
     <a:masterClrMapping/>
   </p:clrMapOvr>
-  <p:timing>
-    <p:tnLst>
-      <p:par>
-        <p:cTn id="1" dur="indefinite" restart="never" nodeType="tmRoot"/>
-      </p:par>
-    </p:tnLst>
-  </p:timing>
 </p:sld>
 </file>
 
@@ -7185,7 +7171,1222 @@
           <a:chExt cx="0" cy="0"/>
         </a:xfrm>
       </p:grpSpPr>
+      <p:sp>
+        <p:nvSpPr>
+          <p:cNvPr id="2" name="标题 1"/>
+          <p:cNvSpPr>
+            <a:spLocks noGrp="1"/>
+          </p:cNvSpPr>
+          <p:nvPr>
+            <p:ph type="title"/>
+          </p:nvPr>
+        </p:nvSpPr>
+        <p:spPr/>
+        <p:txBody>
+          <a:bodyPr>
+            <a:normAutofit/>
+          </a:bodyPr>
+          <a:lstStyle/>
+          <a:p>
+            <a:r>
+              <a:rPr lang="zh-CN" altLang="en-US" dirty="0" smtClean="0"/>
+              <a:t>手工指定集群节点分布 </a:t>
+            </a:r>
+            <a:r>
+              <a:rPr lang="en-US" altLang="zh-CN" dirty="0" smtClean="0"/>
+              <a:t>--- </a:t>
+            </a:r>
+            <a:r>
+              <a:rPr lang="en-US" altLang="zh-CN" sz="2000" dirty="0" err="1" smtClean="0"/>
+              <a:t>redis_builder</a:t>
+            </a:r>
+            <a:r>
+              <a:rPr lang="en-US" altLang="zh-CN" sz="2000" dirty="0" smtClean="0"/>
+              <a:t> </a:t>
+            </a:r>
+            <a:r>
+              <a:rPr lang="zh-CN" altLang="en-US" sz="2000" dirty="0" smtClean="0"/>
+              <a:t>创建集群</a:t>
+            </a:r>
+            <a:endParaRPr lang="zh-CN" altLang="en-US" sz="2000" dirty="0"/>
+          </a:p>
+        </p:txBody>
+      </p:sp>
+      <p:sp>
+        <p:nvSpPr>
+          <p:cNvPr id="3" name="内容占位符 2"/>
+          <p:cNvSpPr>
+            <a:spLocks noGrp="1"/>
+          </p:cNvSpPr>
+          <p:nvPr>
+            <p:ph idx="1"/>
+          </p:nvPr>
+        </p:nvSpPr>
+        <p:spPr>
+          <a:xfrm>
+            <a:off x="428596" y="1047733"/>
+            <a:ext cx="4575452" cy="5143536"/>
+          </a:xfrm>
+          <a:ln>
+            <a:solidFill>
+              <a:schemeClr val="tx1"/>
+            </a:solidFill>
+          </a:ln>
+        </p:spPr>
+        <p:txBody>
+          <a:bodyPr>
+            <a:normAutofit/>
+          </a:bodyPr>
+          <a:lstStyle/>
+          <a:p>
+            <a:r>
+              <a:rPr lang="zh-CN" altLang="en-US" b="1" dirty="0" smtClean="0"/>
+              <a:t>配置文件：</a:t>
+            </a:r>
+            <a:endParaRPr lang="en-US" altLang="zh-CN" b="1" dirty="0" smtClean="0"/>
+          </a:p>
+          <a:p>
+            <a:r>
+              <a:rPr lang="en-US" altLang="zh-CN" sz="1400" dirty="0"/>
+              <a:t>&lt;xml&gt;</a:t>
+            </a:r>
+          </a:p>
+          <a:p>
+            <a:r>
+              <a:rPr lang="en-US" altLang="zh-CN" sz="1400" dirty="0"/>
+              <a:t>    &lt;node </a:t>
+            </a:r>
+            <a:r>
+              <a:rPr lang="en-US" altLang="zh-CN" sz="1400" dirty="0" err="1"/>
+              <a:t>addr</a:t>
+            </a:r>
+            <a:r>
+              <a:rPr lang="en-US" altLang="zh-CN" sz="1400" dirty="0"/>
+              <a:t> = "192.168.136.172:16380"&gt;</a:t>
+            </a:r>
+          </a:p>
+          <a:p>
+            <a:r>
+              <a:rPr lang="en-US" altLang="zh-CN" sz="1400" dirty="0"/>
+              <a:t>        &lt;node </a:t>
+            </a:r>
+            <a:r>
+              <a:rPr lang="en-US" altLang="zh-CN" sz="1400" dirty="0" err="1"/>
+              <a:t>addr</a:t>
+            </a:r>
+            <a:r>
+              <a:rPr lang="en-US" altLang="zh-CN" sz="1400" dirty="0"/>
+              <a:t> = "192.168.136.172:16381" /&gt;</a:t>
+            </a:r>
+          </a:p>
+          <a:p>
+            <a:r>
+              <a:rPr lang="en-US" altLang="zh-CN" sz="1400" dirty="0"/>
+              <a:t>        &lt;node </a:t>
+            </a:r>
+            <a:r>
+              <a:rPr lang="en-US" altLang="zh-CN" sz="1400" dirty="0" err="1"/>
+              <a:t>addr</a:t>
+            </a:r>
+            <a:r>
+              <a:rPr lang="en-US" altLang="zh-CN" sz="1400" dirty="0"/>
+              <a:t> = "192.168.136.172:16382" /&gt;</a:t>
+            </a:r>
+          </a:p>
+          <a:p>
+            <a:r>
+              <a:rPr lang="en-US" altLang="zh-CN" sz="1400" dirty="0"/>
+              <a:t>    &lt;/node&gt;</a:t>
+            </a:r>
+          </a:p>
+          <a:p>
+            <a:r>
+              <a:rPr lang="en-US" altLang="zh-CN" sz="1400" dirty="0"/>
+              <a:t>    &lt;node </a:t>
+            </a:r>
+            <a:r>
+              <a:rPr lang="en-US" altLang="zh-CN" sz="1400" dirty="0" err="1"/>
+              <a:t>addr</a:t>
+            </a:r>
+            <a:r>
+              <a:rPr lang="en-US" altLang="zh-CN" sz="1400" dirty="0"/>
+              <a:t> = "192.168.136.172:16383"&gt;</a:t>
+            </a:r>
+          </a:p>
+          <a:p>
+            <a:r>
+              <a:rPr lang="en-US" altLang="zh-CN" sz="1400" dirty="0"/>
+              <a:t>        &lt;node </a:t>
+            </a:r>
+            <a:r>
+              <a:rPr lang="en-US" altLang="zh-CN" sz="1400" dirty="0" err="1"/>
+              <a:t>addr</a:t>
+            </a:r>
+            <a:r>
+              <a:rPr lang="en-US" altLang="zh-CN" sz="1400" dirty="0"/>
+              <a:t> = "192.168.136.172:16384" /&gt;</a:t>
+            </a:r>
+          </a:p>
+          <a:p>
+            <a:r>
+              <a:rPr lang="en-US" altLang="zh-CN" sz="1400" dirty="0"/>
+              <a:t>        &lt;node </a:t>
+            </a:r>
+            <a:r>
+              <a:rPr lang="en-US" altLang="zh-CN" sz="1400" dirty="0" err="1"/>
+              <a:t>addr</a:t>
+            </a:r>
+            <a:r>
+              <a:rPr lang="en-US" altLang="zh-CN" sz="1400" dirty="0"/>
+              <a:t> = "192.168.136.172:16385" /&gt;</a:t>
+            </a:r>
+          </a:p>
+          <a:p>
+            <a:r>
+              <a:rPr lang="en-US" altLang="zh-CN" sz="1400" dirty="0"/>
+              <a:t>    &lt;/node&gt;</a:t>
+            </a:r>
+          </a:p>
+          <a:p>
+            <a:r>
+              <a:rPr lang="en-US" altLang="zh-CN" sz="1400" dirty="0"/>
+              <a:t>    &lt;node </a:t>
+            </a:r>
+            <a:r>
+              <a:rPr lang="en-US" altLang="zh-CN" sz="1400" dirty="0" err="1"/>
+              <a:t>addr</a:t>
+            </a:r>
+            <a:r>
+              <a:rPr lang="en-US" altLang="zh-CN" sz="1400" dirty="0"/>
+              <a:t> = "192.168.136.172:16386"&gt;</a:t>
+            </a:r>
+          </a:p>
+          <a:p>
+            <a:r>
+              <a:rPr lang="en-US" altLang="zh-CN" sz="1400" dirty="0"/>
+              <a:t>        &lt;node </a:t>
+            </a:r>
+            <a:r>
+              <a:rPr lang="en-US" altLang="zh-CN" sz="1400" dirty="0" err="1"/>
+              <a:t>addr</a:t>
+            </a:r>
+            <a:r>
+              <a:rPr lang="en-US" altLang="zh-CN" sz="1400" dirty="0"/>
+              <a:t> = "192.168.136.172:16387" /&gt;</a:t>
+            </a:r>
+          </a:p>
+          <a:p>
+            <a:r>
+              <a:rPr lang="en-US" altLang="zh-CN" sz="1400" dirty="0"/>
+              <a:t>        &lt;node </a:t>
+            </a:r>
+            <a:r>
+              <a:rPr lang="en-US" altLang="zh-CN" sz="1400" dirty="0" err="1"/>
+              <a:t>addr</a:t>
+            </a:r>
+            <a:r>
+              <a:rPr lang="en-US" altLang="zh-CN" sz="1400" dirty="0"/>
+              <a:t> = "192.168.136.172:16388" /&gt;</a:t>
+            </a:r>
+          </a:p>
+          <a:p>
+            <a:r>
+              <a:rPr lang="en-US" altLang="zh-CN" sz="1400" dirty="0"/>
+              <a:t>    &lt;/node&gt;</a:t>
+            </a:r>
+          </a:p>
+          <a:p>
+            <a:r>
+              <a:rPr lang="en-US" altLang="zh-CN" sz="1400" dirty="0"/>
+              <a:t>&lt;/xml</a:t>
+            </a:r>
+            <a:r>
+              <a:rPr lang="en-US" altLang="zh-CN" sz="1400" dirty="0" smtClean="0"/>
+              <a:t>&gt;</a:t>
+            </a:r>
+          </a:p>
+          <a:p>
+            <a:endParaRPr lang="en-US" altLang="zh-CN" sz="1400" dirty="0"/>
+          </a:p>
+          <a:p>
+            <a:r>
+              <a:rPr lang="zh-CN" altLang="en-US" sz="1800" b="1" dirty="0" smtClean="0"/>
+              <a:t>命令行参数：</a:t>
+            </a:r>
+            <a:endParaRPr lang="en-US" altLang="zh-CN" sz="1800" b="1" dirty="0" smtClean="0"/>
+          </a:p>
+          <a:p>
+            <a:r>
+              <a:rPr lang="en-US" altLang="zh-CN" sz="1600" dirty="0" smtClean="0"/>
+              <a:t>./</a:t>
+            </a:r>
+            <a:r>
+              <a:rPr lang="en-US" altLang="zh-CN" sz="1600" dirty="0" err="1"/>
+              <a:t>redis_builder</a:t>
+            </a:r>
+            <a:r>
+              <a:rPr lang="en-US" altLang="zh-CN" sz="1600" dirty="0"/>
+              <a:t> -a create -f cluster.xml</a:t>
+            </a:r>
+            <a:endParaRPr lang="zh-CN" altLang="en-US" sz="1600" dirty="0"/>
+          </a:p>
+        </p:txBody>
+      </p:sp>
+      <p:sp>
+        <p:nvSpPr>
+          <p:cNvPr id="4" name="内容占位符 2"/>
+          <p:cNvSpPr txBox="1">
+            <a:spLocks/>
+          </p:cNvSpPr>
+          <p:nvPr/>
+        </p:nvSpPr>
+        <p:spPr>
+          <a:xfrm>
+            <a:off x="5200599" y="1047733"/>
+            <a:ext cx="3835897" cy="5143536"/>
+          </a:xfrm>
+          <a:prstGeom prst="rect">
+            <a:avLst/>
+          </a:prstGeom>
+        </p:spPr>
+        <p:txBody>
+          <a:bodyPr vert="horz" lIns="91440" tIns="45720" rIns="91440" bIns="45720" rtlCol="0">
+            <a:normAutofit/>
+          </a:bodyPr>
+          <a:lstStyle>
+            <a:lvl1pPr marL="342900" indent="-342900" algn="l" defTabSz="914400" rtl="0" eaLnBrk="1" latinLnBrk="0" hangingPunct="1">
+              <a:spcBef>
+                <a:spcPct val="20000"/>
+              </a:spcBef>
+              <a:buFont typeface="Arial" pitchFamily="34" charset="0"/>
+              <a:buChar char="•"/>
+              <a:defRPr sz="2000" b="0" kern="1200">
+                <a:solidFill>
+                  <a:schemeClr val="tx2">
+                    <a:lumMod val="50000"/>
+                  </a:schemeClr>
+                </a:solidFill>
+                <a:latin typeface="微软雅黑" pitchFamily="34" charset="-122"/>
+                <a:ea typeface="微软雅黑" pitchFamily="34" charset="-122"/>
+                <a:cs typeface="+mn-cs"/>
+              </a:defRPr>
+            </a:lvl1pPr>
+            <a:lvl2pPr marL="742950" indent="-285750" algn="l" defTabSz="914400" rtl="0" eaLnBrk="1" latinLnBrk="0" hangingPunct="1">
+              <a:spcBef>
+                <a:spcPct val="20000"/>
+              </a:spcBef>
+              <a:buFont typeface="Arial" pitchFamily="34" charset="0"/>
+              <a:buChar char="–"/>
+              <a:defRPr sz="1800" b="0" kern="1200">
+                <a:solidFill>
+                  <a:schemeClr val="tx2">
+                    <a:lumMod val="50000"/>
+                  </a:schemeClr>
+                </a:solidFill>
+                <a:latin typeface="微软雅黑" pitchFamily="34" charset="-122"/>
+                <a:ea typeface="微软雅黑" pitchFamily="34" charset="-122"/>
+                <a:cs typeface="+mn-cs"/>
+              </a:defRPr>
+            </a:lvl2pPr>
+            <a:lvl3pPr marL="1143000" indent="-228600" algn="l" defTabSz="914400" rtl="0" eaLnBrk="1" latinLnBrk="0" hangingPunct="1">
+              <a:spcBef>
+                <a:spcPct val="20000"/>
+              </a:spcBef>
+              <a:buFont typeface="Arial" pitchFamily="34" charset="0"/>
+              <a:buChar char="•"/>
+              <a:defRPr sz="1600" b="0" kern="1200">
+                <a:solidFill>
+                  <a:schemeClr val="tx2">
+                    <a:lumMod val="50000"/>
+                  </a:schemeClr>
+                </a:solidFill>
+                <a:latin typeface="微软雅黑" pitchFamily="34" charset="-122"/>
+                <a:ea typeface="微软雅黑" pitchFamily="34" charset="-122"/>
+                <a:cs typeface="+mn-cs"/>
+              </a:defRPr>
+            </a:lvl3pPr>
+            <a:lvl4pPr marL="1600200" indent="-228600" algn="l" defTabSz="914400" rtl="0" eaLnBrk="1" latinLnBrk="0" hangingPunct="1">
+              <a:spcBef>
+                <a:spcPct val="20000"/>
+              </a:spcBef>
+              <a:buFont typeface="Arial" pitchFamily="34" charset="0"/>
+              <a:buChar char="–"/>
+              <a:defRPr sz="1400" b="0" kern="1200">
+                <a:solidFill>
+                  <a:schemeClr val="tx2">
+                    <a:lumMod val="50000"/>
+                  </a:schemeClr>
+                </a:solidFill>
+                <a:latin typeface="微软雅黑" pitchFamily="34" charset="-122"/>
+                <a:ea typeface="微软雅黑" pitchFamily="34" charset="-122"/>
+                <a:cs typeface="+mn-cs"/>
+              </a:defRPr>
+            </a:lvl4pPr>
+            <a:lvl5pPr marL="2057400" indent="-228600" algn="l" defTabSz="914400" rtl="0" eaLnBrk="1" latinLnBrk="0" hangingPunct="1">
+              <a:spcBef>
+                <a:spcPct val="20000"/>
+              </a:spcBef>
+              <a:buFont typeface="Arial" pitchFamily="34" charset="0"/>
+              <a:buChar char="»"/>
+              <a:defRPr sz="1400" b="0" kern="1200">
+                <a:solidFill>
+                  <a:schemeClr val="tx2">
+                    <a:lumMod val="50000"/>
+                  </a:schemeClr>
+                </a:solidFill>
+                <a:latin typeface="微软雅黑" pitchFamily="34" charset="-122"/>
+                <a:ea typeface="微软雅黑" pitchFamily="34" charset="-122"/>
+                <a:cs typeface="+mn-cs"/>
+              </a:defRPr>
+            </a:lvl5pPr>
+            <a:lvl6pPr marL="2514600" indent="-228600" algn="l" defTabSz="914400" rtl="0" eaLnBrk="1" latinLnBrk="0" hangingPunct="1">
+              <a:spcBef>
+                <a:spcPct val="20000"/>
+              </a:spcBef>
+              <a:buFont typeface="Arial" pitchFamily="34" charset="0"/>
+              <a:buChar char="•"/>
+              <a:defRPr sz="2000" kern="1200">
+                <a:solidFill>
+                  <a:schemeClr val="tx1"/>
+                </a:solidFill>
+                <a:latin typeface="+mn-lt"/>
+                <a:ea typeface="+mn-ea"/>
+                <a:cs typeface="+mn-cs"/>
+              </a:defRPr>
+            </a:lvl6pPr>
+            <a:lvl7pPr marL="2971800" indent="-228600" algn="l" defTabSz="914400" rtl="0" eaLnBrk="1" latinLnBrk="0" hangingPunct="1">
+              <a:spcBef>
+                <a:spcPct val="20000"/>
+              </a:spcBef>
+              <a:buFont typeface="Arial" pitchFamily="34" charset="0"/>
+              <a:buChar char="•"/>
+              <a:defRPr sz="2000" kern="1200">
+                <a:solidFill>
+                  <a:schemeClr val="tx1"/>
+                </a:solidFill>
+                <a:latin typeface="+mn-lt"/>
+                <a:ea typeface="+mn-ea"/>
+                <a:cs typeface="+mn-cs"/>
+              </a:defRPr>
+            </a:lvl7pPr>
+            <a:lvl8pPr marL="3429000" indent="-228600" algn="l" defTabSz="914400" rtl="0" eaLnBrk="1" latinLnBrk="0" hangingPunct="1">
+              <a:spcBef>
+                <a:spcPct val="20000"/>
+              </a:spcBef>
+              <a:buFont typeface="Arial" pitchFamily="34" charset="0"/>
+              <a:buChar char="•"/>
+              <a:defRPr sz="2000" kern="1200">
+                <a:solidFill>
+                  <a:schemeClr val="tx1"/>
+                </a:solidFill>
+                <a:latin typeface="+mn-lt"/>
+                <a:ea typeface="+mn-ea"/>
+                <a:cs typeface="+mn-cs"/>
+              </a:defRPr>
+            </a:lvl8pPr>
+            <a:lvl9pPr marL="3886200" indent="-228600" algn="l" defTabSz="914400" rtl="0" eaLnBrk="1" latinLnBrk="0" hangingPunct="1">
+              <a:spcBef>
+                <a:spcPct val="20000"/>
+              </a:spcBef>
+              <a:buFont typeface="Arial" pitchFamily="34" charset="0"/>
+              <a:buChar char="•"/>
+              <a:defRPr sz="2000" kern="1200">
+                <a:solidFill>
+                  <a:schemeClr val="tx1"/>
+                </a:solidFill>
+                <a:latin typeface="+mn-lt"/>
+                <a:ea typeface="+mn-ea"/>
+                <a:cs typeface="+mn-cs"/>
+              </a:defRPr>
+            </a:lvl9pPr>
+          </a:lstStyle>
+          <a:p>
+            <a:endParaRPr lang="zh-CN" altLang="en-US" sz="1800" dirty="0"/>
+          </a:p>
+        </p:txBody>
+      </p:sp>
+      <p:sp>
+        <p:nvSpPr>
+          <p:cNvPr id="5" name="内容占位符 2"/>
+          <p:cNvSpPr txBox="1">
+            <a:spLocks/>
+          </p:cNvSpPr>
+          <p:nvPr/>
+        </p:nvSpPr>
+        <p:spPr>
+          <a:xfrm>
+            <a:off x="5200599" y="1047733"/>
+            <a:ext cx="3475857" cy="5143536"/>
+          </a:xfrm>
+          <a:prstGeom prst="rect">
+            <a:avLst/>
+          </a:prstGeom>
+          <a:ln>
+            <a:solidFill>
+              <a:schemeClr val="tx1"/>
+            </a:solidFill>
+          </a:ln>
+        </p:spPr>
+        <p:txBody>
+          <a:bodyPr vert="horz" lIns="91440" tIns="45720" rIns="91440" bIns="45720" rtlCol="0">
+            <a:normAutofit/>
+          </a:bodyPr>
+          <a:lstStyle>
+            <a:lvl1pPr marL="342900" indent="-342900" algn="l" defTabSz="914400" rtl="0" eaLnBrk="1" latinLnBrk="0" hangingPunct="1">
+              <a:spcBef>
+                <a:spcPct val="20000"/>
+              </a:spcBef>
+              <a:buFont typeface="Arial" pitchFamily="34" charset="0"/>
+              <a:buChar char="•"/>
+              <a:defRPr sz="2000" b="0" kern="1200">
+                <a:solidFill>
+                  <a:schemeClr val="tx2">
+                    <a:lumMod val="50000"/>
+                  </a:schemeClr>
+                </a:solidFill>
+                <a:latin typeface="微软雅黑" pitchFamily="34" charset="-122"/>
+                <a:ea typeface="微软雅黑" pitchFamily="34" charset="-122"/>
+                <a:cs typeface="+mn-cs"/>
+              </a:defRPr>
+            </a:lvl1pPr>
+            <a:lvl2pPr marL="742950" indent="-285750" algn="l" defTabSz="914400" rtl="0" eaLnBrk="1" latinLnBrk="0" hangingPunct="1">
+              <a:spcBef>
+                <a:spcPct val="20000"/>
+              </a:spcBef>
+              <a:buFont typeface="Arial" pitchFamily="34" charset="0"/>
+              <a:buChar char="–"/>
+              <a:defRPr sz="1800" b="0" kern="1200">
+                <a:solidFill>
+                  <a:schemeClr val="tx2">
+                    <a:lumMod val="50000"/>
+                  </a:schemeClr>
+                </a:solidFill>
+                <a:latin typeface="微软雅黑" pitchFamily="34" charset="-122"/>
+                <a:ea typeface="微软雅黑" pitchFamily="34" charset="-122"/>
+                <a:cs typeface="+mn-cs"/>
+              </a:defRPr>
+            </a:lvl2pPr>
+            <a:lvl3pPr marL="1143000" indent="-228600" algn="l" defTabSz="914400" rtl="0" eaLnBrk="1" latinLnBrk="0" hangingPunct="1">
+              <a:spcBef>
+                <a:spcPct val="20000"/>
+              </a:spcBef>
+              <a:buFont typeface="Arial" pitchFamily="34" charset="0"/>
+              <a:buChar char="•"/>
+              <a:defRPr sz="1600" b="0" kern="1200">
+                <a:solidFill>
+                  <a:schemeClr val="tx2">
+                    <a:lumMod val="50000"/>
+                  </a:schemeClr>
+                </a:solidFill>
+                <a:latin typeface="微软雅黑" pitchFamily="34" charset="-122"/>
+                <a:ea typeface="微软雅黑" pitchFamily="34" charset="-122"/>
+                <a:cs typeface="+mn-cs"/>
+              </a:defRPr>
+            </a:lvl3pPr>
+            <a:lvl4pPr marL="1600200" indent="-228600" algn="l" defTabSz="914400" rtl="0" eaLnBrk="1" latinLnBrk="0" hangingPunct="1">
+              <a:spcBef>
+                <a:spcPct val="20000"/>
+              </a:spcBef>
+              <a:buFont typeface="Arial" pitchFamily="34" charset="0"/>
+              <a:buChar char="–"/>
+              <a:defRPr sz="1400" b="0" kern="1200">
+                <a:solidFill>
+                  <a:schemeClr val="tx2">
+                    <a:lumMod val="50000"/>
+                  </a:schemeClr>
+                </a:solidFill>
+                <a:latin typeface="微软雅黑" pitchFamily="34" charset="-122"/>
+                <a:ea typeface="微软雅黑" pitchFamily="34" charset="-122"/>
+                <a:cs typeface="+mn-cs"/>
+              </a:defRPr>
+            </a:lvl4pPr>
+            <a:lvl5pPr marL="2057400" indent="-228600" algn="l" defTabSz="914400" rtl="0" eaLnBrk="1" latinLnBrk="0" hangingPunct="1">
+              <a:spcBef>
+                <a:spcPct val="20000"/>
+              </a:spcBef>
+              <a:buFont typeface="Arial" pitchFamily="34" charset="0"/>
+              <a:buChar char="»"/>
+              <a:defRPr sz="1400" b="0" kern="1200">
+                <a:solidFill>
+                  <a:schemeClr val="tx2">
+                    <a:lumMod val="50000"/>
+                  </a:schemeClr>
+                </a:solidFill>
+                <a:latin typeface="微软雅黑" pitchFamily="34" charset="-122"/>
+                <a:ea typeface="微软雅黑" pitchFamily="34" charset="-122"/>
+                <a:cs typeface="+mn-cs"/>
+              </a:defRPr>
+            </a:lvl5pPr>
+            <a:lvl6pPr marL="2514600" indent="-228600" algn="l" defTabSz="914400" rtl="0" eaLnBrk="1" latinLnBrk="0" hangingPunct="1">
+              <a:spcBef>
+                <a:spcPct val="20000"/>
+              </a:spcBef>
+              <a:buFont typeface="Arial" pitchFamily="34" charset="0"/>
+              <a:buChar char="•"/>
+              <a:defRPr sz="2000" kern="1200">
+                <a:solidFill>
+                  <a:schemeClr val="tx1"/>
+                </a:solidFill>
+                <a:latin typeface="+mn-lt"/>
+                <a:ea typeface="+mn-ea"/>
+                <a:cs typeface="+mn-cs"/>
+              </a:defRPr>
+            </a:lvl6pPr>
+            <a:lvl7pPr marL="2971800" indent="-228600" algn="l" defTabSz="914400" rtl="0" eaLnBrk="1" latinLnBrk="0" hangingPunct="1">
+              <a:spcBef>
+                <a:spcPct val="20000"/>
+              </a:spcBef>
+              <a:buFont typeface="Arial" pitchFamily="34" charset="0"/>
+              <a:buChar char="•"/>
+              <a:defRPr sz="2000" kern="1200">
+                <a:solidFill>
+                  <a:schemeClr val="tx1"/>
+                </a:solidFill>
+                <a:latin typeface="+mn-lt"/>
+                <a:ea typeface="+mn-ea"/>
+                <a:cs typeface="+mn-cs"/>
+              </a:defRPr>
+            </a:lvl7pPr>
+            <a:lvl8pPr marL="3429000" indent="-228600" algn="l" defTabSz="914400" rtl="0" eaLnBrk="1" latinLnBrk="0" hangingPunct="1">
+              <a:spcBef>
+                <a:spcPct val="20000"/>
+              </a:spcBef>
+              <a:buFont typeface="Arial" pitchFamily="34" charset="0"/>
+              <a:buChar char="•"/>
+              <a:defRPr sz="2000" kern="1200">
+                <a:solidFill>
+                  <a:schemeClr val="tx1"/>
+                </a:solidFill>
+                <a:latin typeface="+mn-lt"/>
+                <a:ea typeface="+mn-ea"/>
+                <a:cs typeface="+mn-cs"/>
+              </a:defRPr>
+            </a:lvl8pPr>
+            <a:lvl9pPr marL="3886200" indent="-228600" algn="l" defTabSz="914400" rtl="0" eaLnBrk="1" latinLnBrk="0" hangingPunct="1">
+              <a:spcBef>
+                <a:spcPct val="20000"/>
+              </a:spcBef>
+              <a:buFont typeface="Arial" pitchFamily="34" charset="0"/>
+              <a:buChar char="•"/>
+              <a:defRPr sz="2000" kern="1200">
+                <a:solidFill>
+                  <a:schemeClr val="tx1"/>
+                </a:solidFill>
+                <a:latin typeface="+mn-lt"/>
+                <a:ea typeface="+mn-ea"/>
+                <a:cs typeface="+mn-cs"/>
+              </a:defRPr>
+            </a:lvl9pPr>
+          </a:lstStyle>
+          <a:p>
+            <a:r>
+              <a:rPr lang="zh-CN" altLang="en-US" sz="1800" b="1" dirty="0" smtClean="0"/>
+              <a:t>节点分布结果：</a:t>
+            </a:r>
+            <a:endParaRPr lang="en-US" altLang="zh-CN" sz="1800" b="1" dirty="0" smtClean="0"/>
+          </a:p>
+          <a:p>
+            <a:r>
+              <a:rPr lang="en-US" altLang="zh-CN" sz="1400" dirty="0" smtClean="0"/>
+              <a:t>master</a:t>
+            </a:r>
+            <a:r>
+              <a:rPr lang="en-US" altLang="zh-CN" sz="1400" dirty="0"/>
+              <a:t>: 192.168.136.172:16380</a:t>
+            </a:r>
+            <a:br>
+              <a:rPr lang="en-US" altLang="zh-CN" sz="1400" dirty="0"/>
+            </a:br>
+            <a:r>
+              <a:rPr lang="en-US" altLang="zh-CN" sz="1400" dirty="0"/>
+              <a:t>        slave: 192.168.136.172:16381</a:t>
+            </a:r>
+            <a:br>
+              <a:rPr lang="en-US" altLang="zh-CN" sz="1400" dirty="0"/>
+            </a:br>
+            <a:r>
+              <a:rPr lang="en-US" altLang="zh-CN" sz="1400" dirty="0"/>
+              <a:t>        slave: 192.168.136.172:16382</a:t>
+            </a:r>
+            <a:br>
+              <a:rPr lang="en-US" altLang="zh-CN" sz="1400" dirty="0"/>
+            </a:br>
+            <a:r>
+              <a:rPr lang="en-US" altLang="zh-CN" sz="1400" dirty="0"/>
+              <a:t>master: 192.168.136.172:16383</a:t>
+            </a:r>
+            <a:br>
+              <a:rPr lang="en-US" altLang="zh-CN" sz="1400" dirty="0"/>
+            </a:br>
+            <a:r>
+              <a:rPr lang="en-US" altLang="zh-CN" sz="1400" dirty="0"/>
+              <a:t>        slave: 192.168.136.172:16384</a:t>
+            </a:r>
+            <a:br>
+              <a:rPr lang="en-US" altLang="zh-CN" sz="1400" dirty="0"/>
+            </a:br>
+            <a:r>
+              <a:rPr lang="en-US" altLang="zh-CN" sz="1400" dirty="0"/>
+              <a:t>        slave: 192.168.136.172:16385</a:t>
+            </a:r>
+            <a:br>
+              <a:rPr lang="en-US" altLang="zh-CN" sz="1400" dirty="0"/>
+            </a:br>
+            <a:r>
+              <a:rPr lang="en-US" altLang="zh-CN" sz="1400" dirty="0"/>
+              <a:t>master: 192.168.136.172:16386</a:t>
+            </a:r>
+            <a:br>
+              <a:rPr lang="en-US" altLang="zh-CN" sz="1400" dirty="0"/>
+            </a:br>
+            <a:r>
+              <a:rPr lang="en-US" altLang="zh-CN" sz="1400" dirty="0"/>
+              <a:t>        slave: 192.168.136.172:16387</a:t>
+            </a:r>
+            <a:br>
+              <a:rPr lang="en-US" altLang="zh-CN" sz="1400" dirty="0"/>
+            </a:br>
+            <a:r>
+              <a:rPr lang="en-US" altLang="zh-CN" sz="1400" dirty="0"/>
+              <a:t>        slave: 192.168.136.172:16388</a:t>
+            </a:r>
+            <a:endParaRPr lang="zh-CN" altLang="en-US" sz="1400" dirty="0"/>
+          </a:p>
+        </p:txBody>
+      </p:sp>
     </p:spTree>
+    <p:extLst>
+      <p:ext uri="{BB962C8B-B14F-4D97-AF65-F5344CB8AC3E}">
+        <p14:creationId xmlns:p14="http://schemas.microsoft.com/office/powerpoint/2010/main" val="606067859"/>
+      </p:ext>
+    </p:extLst>
+  </p:cSld>
+  <p:clrMapOvr>
+    <a:masterClrMapping/>
+  </p:clrMapOvr>
+</p:sld>
+</file>
+
+<file path=ppt/slides/slide19.xml><?xml version="1.0" encoding="utf-8"?>
+<p:sld xmlns:a="http://schemas.openxmlformats.org/drawingml/2006/main" xmlns:r="http://schemas.openxmlformats.org/officeDocument/2006/relationships" xmlns:p="http://schemas.openxmlformats.org/presentationml/2006/main">
+  <p:cSld>
+    <p:spTree>
+      <p:nvGrpSpPr>
+        <p:cNvPr id="1" name=""/>
+        <p:cNvGrpSpPr/>
+        <p:nvPr/>
+      </p:nvGrpSpPr>
+      <p:grpSpPr>
+        <a:xfrm>
+          <a:off x="0" y="0"/>
+          <a:ext cx="0" cy="0"/>
+          <a:chOff x="0" y="0"/>
+          <a:chExt cx="0" cy="0"/>
+        </a:xfrm>
+      </p:grpSpPr>
+      <p:sp>
+        <p:nvSpPr>
+          <p:cNvPr id="2" name="标题 1"/>
+          <p:cNvSpPr>
+            <a:spLocks noGrp="1"/>
+          </p:cNvSpPr>
+          <p:nvPr>
+            <p:ph type="title"/>
+          </p:nvPr>
+        </p:nvSpPr>
+        <p:spPr/>
+        <p:txBody>
+          <a:bodyPr/>
+          <a:lstStyle/>
+          <a:p>
+            <a:r>
+              <a:rPr lang="zh-CN" altLang="en-US" dirty="0" smtClean="0"/>
+              <a:t>集群节点自动分布 </a:t>
+            </a:r>
+            <a:r>
+              <a:rPr lang="en-US" altLang="zh-CN" dirty="0"/>
+              <a:t>--- </a:t>
+            </a:r>
+            <a:r>
+              <a:rPr lang="en-US" altLang="zh-CN" sz="2000" dirty="0" err="1"/>
+              <a:t>redis_builder</a:t>
+            </a:r>
+            <a:r>
+              <a:rPr lang="en-US" altLang="zh-CN" sz="2000" dirty="0"/>
+              <a:t> </a:t>
+            </a:r>
+            <a:r>
+              <a:rPr lang="zh-CN" altLang="en-US" sz="2000" dirty="0"/>
+              <a:t>创建集群</a:t>
+            </a:r>
+          </a:p>
+        </p:txBody>
+      </p:sp>
+      <p:sp>
+        <p:nvSpPr>
+          <p:cNvPr id="3" name="内容占位符 2"/>
+          <p:cNvSpPr>
+            <a:spLocks noGrp="1"/>
+          </p:cNvSpPr>
+          <p:nvPr>
+            <p:ph idx="1"/>
+          </p:nvPr>
+        </p:nvSpPr>
+        <p:spPr>
+          <a:xfrm>
+            <a:off x="428596" y="1047733"/>
+            <a:ext cx="4359428" cy="5143536"/>
+          </a:xfrm>
+          <a:ln>
+            <a:solidFill>
+              <a:schemeClr val="tx1"/>
+            </a:solidFill>
+          </a:ln>
+        </p:spPr>
+        <p:txBody>
+          <a:bodyPr>
+            <a:normAutofit/>
+          </a:bodyPr>
+          <a:lstStyle/>
+          <a:p>
+            <a:r>
+              <a:rPr lang="zh-CN" altLang="en-US" b="1" dirty="0"/>
+              <a:t>配置文件</a:t>
+            </a:r>
+            <a:r>
+              <a:rPr lang="zh-CN" altLang="en-US" b="1" dirty="0" smtClean="0"/>
+              <a:t>：</a:t>
+            </a:r>
+            <a:endParaRPr lang="en-US" altLang="zh-CN" dirty="0" smtClean="0"/>
+          </a:p>
+          <a:p>
+            <a:r>
+              <a:rPr lang="en-US" altLang="zh-CN" sz="1400" dirty="0" smtClean="0"/>
+              <a:t>&lt;</a:t>
+            </a:r>
+            <a:r>
+              <a:rPr lang="en-US" altLang="zh-CN" sz="1400" dirty="0"/>
+              <a:t>xml&gt;</a:t>
+            </a:r>
+          </a:p>
+          <a:p>
+            <a:r>
+              <a:rPr lang="en-US" altLang="zh-CN" sz="1400" dirty="0"/>
+              <a:t>    &lt;node </a:t>
+            </a:r>
+            <a:r>
+              <a:rPr lang="en-US" altLang="zh-CN" sz="1400" dirty="0" err="1"/>
+              <a:t>addr</a:t>
+            </a:r>
+            <a:r>
+              <a:rPr lang="en-US" altLang="zh-CN" sz="1400" dirty="0"/>
+              <a:t> = "192.168.136.171:16380" /&gt;</a:t>
+            </a:r>
+          </a:p>
+          <a:p>
+            <a:r>
+              <a:rPr lang="en-US" altLang="zh-CN" sz="1400" dirty="0"/>
+              <a:t>    &lt;node </a:t>
+            </a:r>
+            <a:r>
+              <a:rPr lang="en-US" altLang="zh-CN" sz="1400" dirty="0" err="1"/>
+              <a:t>addr</a:t>
+            </a:r>
+            <a:r>
+              <a:rPr lang="en-US" altLang="zh-CN" sz="1400" dirty="0"/>
+              <a:t> = "192.168.136.171:16381" /&gt;</a:t>
+            </a:r>
+          </a:p>
+          <a:p>
+            <a:r>
+              <a:rPr lang="en-US" altLang="zh-CN" sz="1400" dirty="0"/>
+              <a:t>    &lt;node </a:t>
+            </a:r>
+            <a:r>
+              <a:rPr lang="en-US" altLang="zh-CN" sz="1400" dirty="0" err="1"/>
+              <a:t>addr</a:t>
+            </a:r>
+            <a:r>
+              <a:rPr lang="en-US" altLang="zh-CN" sz="1400" dirty="0"/>
+              <a:t> = "192.168.136.171:16382" /&gt;</a:t>
+            </a:r>
+          </a:p>
+          <a:p>
+            <a:r>
+              <a:rPr lang="en-US" altLang="zh-CN" sz="1400" dirty="0"/>
+              <a:t>    &lt;node </a:t>
+            </a:r>
+            <a:r>
+              <a:rPr lang="en-US" altLang="zh-CN" sz="1400" dirty="0" err="1"/>
+              <a:t>addr</a:t>
+            </a:r>
+            <a:r>
+              <a:rPr lang="en-US" altLang="zh-CN" sz="1400" dirty="0"/>
+              <a:t> = "192.168.136.172:16380" /&gt;</a:t>
+            </a:r>
+          </a:p>
+          <a:p>
+            <a:r>
+              <a:rPr lang="en-US" altLang="zh-CN" sz="1400" dirty="0"/>
+              <a:t>    &lt;node </a:t>
+            </a:r>
+            <a:r>
+              <a:rPr lang="en-US" altLang="zh-CN" sz="1400" dirty="0" err="1"/>
+              <a:t>addr</a:t>
+            </a:r>
+            <a:r>
+              <a:rPr lang="en-US" altLang="zh-CN" sz="1400" dirty="0"/>
+              <a:t> = "192.168.136.172:16381" /&gt;</a:t>
+            </a:r>
+          </a:p>
+          <a:p>
+            <a:r>
+              <a:rPr lang="en-US" altLang="zh-CN" sz="1400" dirty="0"/>
+              <a:t>    &lt;node </a:t>
+            </a:r>
+            <a:r>
+              <a:rPr lang="en-US" altLang="zh-CN" sz="1400" dirty="0" err="1"/>
+              <a:t>addr</a:t>
+            </a:r>
+            <a:r>
+              <a:rPr lang="en-US" altLang="zh-CN" sz="1400" dirty="0"/>
+              <a:t> = "192.168.136.172:16382" /&gt;</a:t>
+            </a:r>
+          </a:p>
+          <a:p>
+            <a:r>
+              <a:rPr lang="en-US" altLang="zh-CN" sz="1400" dirty="0"/>
+              <a:t>    &lt;node </a:t>
+            </a:r>
+            <a:r>
+              <a:rPr lang="en-US" altLang="zh-CN" sz="1400" dirty="0" err="1"/>
+              <a:t>addr</a:t>
+            </a:r>
+            <a:r>
+              <a:rPr lang="en-US" altLang="zh-CN" sz="1400" dirty="0"/>
+              <a:t> = "192.168.136.173:16380" /&gt;</a:t>
+            </a:r>
+          </a:p>
+          <a:p>
+            <a:r>
+              <a:rPr lang="en-US" altLang="zh-CN" sz="1400" dirty="0"/>
+              <a:t>    &lt;node </a:t>
+            </a:r>
+            <a:r>
+              <a:rPr lang="en-US" altLang="zh-CN" sz="1400" dirty="0" err="1"/>
+              <a:t>addr</a:t>
+            </a:r>
+            <a:r>
+              <a:rPr lang="en-US" altLang="zh-CN" sz="1400" dirty="0"/>
+              <a:t> = "192.168.136.173:16381" /&gt;</a:t>
+            </a:r>
+          </a:p>
+          <a:p>
+            <a:r>
+              <a:rPr lang="en-US" altLang="zh-CN" sz="1400" dirty="0"/>
+              <a:t>    &lt;node </a:t>
+            </a:r>
+            <a:r>
+              <a:rPr lang="en-US" altLang="zh-CN" sz="1400" dirty="0" err="1"/>
+              <a:t>addr</a:t>
+            </a:r>
+            <a:r>
+              <a:rPr lang="en-US" altLang="zh-CN" sz="1400" dirty="0"/>
+              <a:t> = "192.168.136.173:16382" /&gt;</a:t>
+            </a:r>
+          </a:p>
+          <a:p>
+            <a:r>
+              <a:rPr lang="en-US" altLang="zh-CN" sz="1400" dirty="0"/>
+              <a:t>&lt;/xml</a:t>
+            </a:r>
+            <a:r>
+              <a:rPr lang="en-US" altLang="zh-CN" sz="1400" dirty="0" smtClean="0"/>
+              <a:t>&gt;</a:t>
+            </a:r>
+          </a:p>
+          <a:p>
+            <a:endParaRPr lang="en-US" altLang="zh-CN" sz="1400" dirty="0" smtClean="0"/>
+          </a:p>
+          <a:p>
+            <a:r>
+              <a:rPr lang="zh-CN" altLang="en-US" b="1" dirty="0"/>
+              <a:t>命令行参数</a:t>
+            </a:r>
+            <a:r>
+              <a:rPr lang="zh-CN" altLang="en-US" b="1" dirty="0" smtClean="0"/>
+              <a:t>：</a:t>
+            </a:r>
+            <a:endParaRPr lang="en-US" altLang="zh-CN" sz="1400" dirty="0"/>
+          </a:p>
+          <a:p>
+            <a:r>
+              <a:rPr lang="en-US" altLang="zh-CN" sz="1400" dirty="0"/>
+              <a:t>./</a:t>
+            </a:r>
+            <a:r>
+              <a:rPr lang="en-US" altLang="zh-CN" sz="1400" dirty="0" err="1"/>
+              <a:t>redis_builder</a:t>
+            </a:r>
+            <a:r>
+              <a:rPr lang="en-US" altLang="zh-CN" sz="1400" dirty="0"/>
+              <a:t> -a create -f cluster.xml </a:t>
+            </a:r>
+            <a:r>
+              <a:rPr lang="en-US" altLang="zh-CN" sz="1400" b="1" dirty="0"/>
+              <a:t>-r 2</a:t>
+            </a:r>
+            <a:endParaRPr lang="zh-CN" altLang="en-US" sz="1400" dirty="0"/>
+          </a:p>
+        </p:txBody>
+      </p:sp>
+      <p:sp>
+        <p:nvSpPr>
+          <p:cNvPr id="4" name="内容占位符 2"/>
+          <p:cNvSpPr txBox="1">
+            <a:spLocks/>
+          </p:cNvSpPr>
+          <p:nvPr/>
+        </p:nvSpPr>
+        <p:spPr>
+          <a:xfrm>
+            <a:off x="5004048" y="1047733"/>
+            <a:ext cx="4032448" cy="5143536"/>
+          </a:xfrm>
+          <a:prstGeom prst="rect">
+            <a:avLst/>
+          </a:prstGeom>
+          <a:ln>
+            <a:solidFill>
+              <a:schemeClr val="tx1"/>
+            </a:solidFill>
+          </a:ln>
+        </p:spPr>
+        <p:txBody>
+          <a:bodyPr vert="horz" lIns="91440" tIns="45720" rIns="91440" bIns="45720" rtlCol="0">
+            <a:normAutofit/>
+          </a:bodyPr>
+          <a:lstStyle>
+            <a:lvl1pPr marL="342900" indent="-342900" algn="l" defTabSz="914400" rtl="0" eaLnBrk="1" latinLnBrk="0" hangingPunct="1">
+              <a:spcBef>
+                <a:spcPct val="20000"/>
+              </a:spcBef>
+              <a:buFont typeface="Arial" pitchFamily="34" charset="0"/>
+              <a:buChar char="•"/>
+              <a:defRPr sz="2000" b="0" kern="1200">
+                <a:solidFill>
+                  <a:schemeClr val="tx2">
+                    <a:lumMod val="50000"/>
+                  </a:schemeClr>
+                </a:solidFill>
+                <a:latin typeface="微软雅黑" pitchFamily="34" charset="-122"/>
+                <a:ea typeface="微软雅黑" pitchFamily="34" charset="-122"/>
+                <a:cs typeface="+mn-cs"/>
+              </a:defRPr>
+            </a:lvl1pPr>
+            <a:lvl2pPr marL="742950" indent="-285750" algn="l" defTabSz="914400" rtl="0" eaLnBrk="1" latinLnBrk="0" hangingPunct="1">
+              <a:spcBef>
+                <a:spcPct val="20000"/>
+              </a:spcBef>
+              <a:buFont typeface="Arial" pitchFamily="34" charset="0"/>
+              <a:buChar char="–"/>
+              <a:defRPr sz="1800" b="0" kern="1200">
+                <a:solidFill>
+                  <a:schemeClr val="tx2">
+                    <a:lumMod val="50000"/>
+                  </a:schemeClr>
+                </a:solidFill>
+                <a:latin typeface="微软雅黑" pitchFamily="34" charset="-122"/>
+                <a:ea typeface="微软雅黑" pitchFamily="34" charset="-122"/>
+                <a:cs typeface="+mn-cs"/>
+              </a:defRPr>
+            </a:lvl2pPr>
+            <a:lvl3pPr marL="1143000" indent="-228600" algn="l" defTabSz="914400" rtl="0" eaLnBrk="1" latinLnBrk="0" hangingPunct="1">
+              <a:spcBef>
+                <a:spcPct val="20000"/>
+              </a:spcBef>
+              <a:buFont typeface="Arial" pitchFamily="34" charset="0"/>
+              <a:buChar char="•"/>
+              <a:defRPr sz="1600" b="0" kern="1200">
+                <a:solidFill>
+                  <a:schemeClr val="tx2">
+                    <a:lumMod val="50000"/>
+                  </a:schemeClr>
+                </a:solidFill>
+                <a:latin typeface="微软雅黑" pitchFamily="34" charset="-122"/>
+                <a:ea typeface="微软雅黑" pitchFamily="34" charset="-122"/>
+                <a:cs typeface="+mn-cs"/>
+              </a:defRPr>
+            </a:lvl3pPr>
+            <a:lvl4pPr marL="1600200" indent="-228600" algn="l" defTabSz="914400" rtl="0" eaLnBrk="1" latinLnBrk="0" hangingPunct="1">
+              <a:spcBef>
+                <a:spcPct val="20000"/>
+              </a:spcBef>
+              <a:buFont typeface="Arial" pitchFamily="34" charset="0"/>
+              <a:buChar char="–"/>
+              <a:defRPr sz="1400" b="0" kern="1200">
+                <a:solidFill>
+                  <a:schemeClr val="tx2">
+                    <a:lumMod val="50000"/>
+                  </a:schemeClr>
+                </a:solidFill>
+                <a:latin typeface="微软雅黑" pitchFamily="34" charset="-122"/>
+                <a:ea typeface="微软雅黑" pitchFamily="34" charset="-122"/>
+                <a:cs typeface="+mn-cs"/>
+              </a:defRPr>
+            </a:lvl4pPr>
+            <a:lvl5pPr marL="2057400" indent="-228600" algn="l" defTabSz="914400" rtl="0" eaLnBrk="1" latinLnBrk="0" hangingPunct="1">
+              <a:spcBef>
+                <a:spcPct val="20000"/>
+              </a:spcBef>
+              <a:buFont typeface="Arial" pitchFamily="34" charset="0"/>
+              <a:buChar char="»"/>
+              <a:defRPr sz="1400" b="0" kern="1200">
+                <a:solidFill>
+                  <a:schemeClr val="tx2">
+                    <a:lumMod val="50000"/>
+                  </a:schemeClr>
+                </a:solidFill>
+                <a:latin typeface="微软雅黑" pitchFamily="34" charset="-122"/>
+                <a:ea typeface="微软雅黑" pitchFamily="34" charset="-122"/>
+                <a:cs typeface="+mn-cs"/>
+              </a:defRPr>
+            </a:lvl5pPr>
+            <a:lvl6pPr marL="2514600" indent="-228600" algn="l" defTabSz="914400" rtl="0" eaLnBrk="1" latinLnBrk="0" hangingPunct="1">
+              <a:spcBef>
+                <a:spcPct val="20000"/>
+              </a:spcBef>
+              <a:buFont typeface="Arial" pitchFamily="34" charset="0"/>
+              <a:buChar char="•"/>
+              <a:defRPr sz="2000" kern="1200">
+                <a:solidFill>
+                  <a:schemeClr val="tx1"/>
+                </a:solidFill>
+                <a:latin typeface="+mn-lt"/>
+                <a:ea typeface="+mn-ea"/>
+                <a:cs typeface="+mn-cs"/>
+              </a:defRPr>
+            </a:lvl6pPr>
+            <a:lvl7pPr marL="2971800" indent="-228600" algn="l" defTabSz="914400" rtl="0" eaLnBrk="1" latinLnBrk="0" hangingPunct="1">
+              <a:spcBef>
+                <a:spcPct val="20000"/>
+              </a:spcBef>
+              <a:buFont typeface="Arial" pitchFamily="34" charset="0"/>
+              <a:buChar char="•"/>
+              <a:defRPr sz="2000" kern="1200">
+                <a:solidFill>
+                  <a:schemeClr val="tx1"/>
+                </a:solidFill>
+                <a:latin typeface="+mn-lt"/>
+                <a:ea typeface="+mn-ea"/>
+                <a:cs typeface="+mn-cs"/>
+              </a:defRPr>
+            </a:lvl7pPr>
+            <a:lvl8pPr marL="3429000" indent="-228600" algn="l" defTabSz="914400" rtl="0" eaLnBrk="1" latinLnBrk="0" hangingPunct="1">
+              <a:spcBef>
+                <a:spcPct val="20000"/>
+              </a:spcBef>
+              <a:buFont typeface="Arial" pitchFamily="34" charset="0"/>
+              <a:buChar char="•"/>
+              <a:defRPr sz="2000" kern="1200">
+                <a:solidFill>
+                  <a:schemeClr val="tx1"/>
+                </a:solidFill>
+                <a:latin typeface="+mn-lt"/>
+                <a:ea typeface="+mn-ea"/>
+                <a:cs typeface="+mn-cs"/>
+              </a:defRPr>
+            </a:lvl8pPr>
+            <a:lvl9pPr marL="3886200" indent="-228600" algn="l" defTabSz="914400" rtl="0" eaLnBrk="1" latinLnBrk="0" hangingPunct="1">
+              <a:spcBef>
+                <a:spcPct val="20000"/>
+              </a:spcBef>
+              <a:buFont typeface="Arial" pitchFamily="34" charset="0"/>
+              <a:buChar char="•"/>
+              <a:defRPr sz="2000" kern="1200">
+                <a:solidFill>
+                  <a:schemeClr val="tx1"/>
+                </a:solidFill>
+                <a:latin typeface="+mn-lt"/>
+                <a:ea typeface="+mn-ea"/>
+                <a:cs typeface="+mn-cs"/>
+              </a:defRPr>
+            </a:lvl9pPr>
+          </a:lstStyle>
+          <a:p>
+            <a:r>
+              <a:rPr lang="zh-CN" altLang="en-US" b="1" dirty="0"/>
+              <a:t>节点分布结果：</a:t>
+            </a:r>
+            <a:endParaRPr lang="en-US" altLang="zh-CN" b="1" dirty="0"/>
+          </a:p>
+          <a:p>
+            <a:r>
+              <a:rPr lang="en-US" altLang="zh-CN" sz="1400" dirty="0" smtClean="0"/>
+              <a:t>master</a:t>
+            </a:r>
+            <a:r>
+              <a:rPr lang="en-US" altLang="zh-CN" sz="1400" dirty="0"/>
+              <a:t>: 192.168.136.171:16380</a:t>
+            </a:r>
+          </a:p>
+          <a:p>
+            <a:r>
+              <a:rPr lang="en-US" altLang="zh-CN" sz="1400" dirty="0"/>
+              <a:t>        slave: 192.168.136.172:16380</a:t>
+            </a:r>
+          </a:p>
+          <a:p>
+            <a:r>
+              <a:rPr lang="en-US" altLang="zh-CN" sz="1400" dirty="0"/>
+              <a:t>        slave: 192.168.136.173:16380</a:t>
+            </a:r>
+          </a:p>
+          <a:p>
+            <a:r>
+              <a:rPr lang="en-US" altLang="zh-CN" sz="1400" dirty="0"/>
+              <a:t>master: 192.168.136.172:16381</a:t>
+            </a:r>
+          </a:p>
+          <a:p>
+            <a:r>
+              <a:rPr lang="en-US" altLang="zh-CN" sz="1400" dirty="0"/>
+              <a:t>        slave: 192.168.136.173:16382</a:t>
+            </a:r>
+          </a:p>
+          <a:p>
+            <a:r>
+              <a:rPr lang="en-US" altLang="zh-CN" sz="1400" dirty="0"/>
+              <a:t>        slave: 192.168.136.171:16382</a:t>
+            </a:r>
+          </a:p>
+          <a:p>
+            <a:r>
+              <a:rPr lang="en-US" altLang="zh-CN" sz="1400" dirty="0"/>
+              <a:t>master: 192.168.136.173:16381</a:t>
+            </a:r>
+          </a:p>
+          <a:p>
+            <a:r>
+              <a:rPr lang="en-US" altLang="zh-CN" sz="1400" dirty="0"/>
+              <a:t>        slave: 192.168.136.172:16382</a:t>
+            </a:r>
+          </a:p>
+          <a:p>
+            <a:r>
+              <a:rPr lang="en-US" altLang="zh-CN" sz="1400" dirty="0"/>
+              <a:t>        slave: 192.168.136.171:16381</a:t>
+            </a:r>
+            <a:endParaRPr lang="zh-CN" altLang="en-US" sz="1400" dirty="0"/>
+          </a:p>
+        </p:txBody>
+      </p:sp>
+    </p:spTree>
+    <p:extLst>
+      <p:ext uri="{BB962C8B-B14F-4D97-AF65-F5344CB8AC3E}">
+        <p14:creationId xmlns:p14="http://schemas.microsoft.com/office/powerpoint/2010/main" val="6678534"/>
+      </p:ext>
+    </p:extLst>
   </p:cSld>
   <p:clrMapOvr>
     <a:masterClrMapping/>
@@ -7253,7 +8454,7 @@
         <p:spPr/>
         <p:txBody>
           <a:bodyPr>
-            <a:normAutofit lnSpcReduction="10000"/>
+            <a:normAutofit fontScale="92500" lnSpcReduction="10000"/>
           </a:bodyPr>
           <a:lstStyle/>
           <a:p>
@@ -7414,13 +8615,6 @@
               <a:rPr lang="zh-CN" altLang="en-US" dirty="0" smtClean="0"/>
               <a:t>过程</a:t>
             </a:r>
-            <a:endParaRPr lang="en-US" altLang="zh-CN" dirty="0" smtClean="0"/>
-          </a:p>
-          <a:p>
-            <a:r>
-              <a:rPr lang="zh-CN" altLang="en-US" dirty="0" smtClean="0"/>
-              <a:t>节点扩容</a:t>
-            </a:r>
             <a:endParaRPr lang="zh-CN" altLang="en-US" dirty="0"/>
           </a:p>
           <a:p>
@@ -7433,7 +8627,37 @@
           <a:p>
             <a:r>
               <a:rPr lang="zh-CN" altLang="en-US" dirty="0" smtClean="0"/>
-              <a:t>客户端要求</a:t>
+              <a:t>客户端</a:t>
+            </a:r>
+            <a:r>
+              <a:rPr lang="zh-CN" altLang="en-US" dirty="0" smtClean="0"/>
+              <a:t>要求</a:t>
+            </a:r>
+            <a:endParaRPr lang="en-US" altLang="zh-CN" dirty="0" smtClean="0"/>
+          </a:p>
+          <a:p>
+            <a:r>
+              <a:rPr lang="en-US" altLang="zh-CN" dirty="0" err="1" smtClean="0"/>
+              <a:t>redis_build</a:t>
+            </a:r>
+            <a:r>
+              <a:rPr lang="en-US" altLang="zh-CN" dirty="0" err="1" smtClean="0"/>
+              <a:t>er</a:t>
+            </a:r>
+            <a:r>
+              <a:rPr lang="en-US" altLang="zh-CN" dirty="0" smtClean="0"/>
+              <a:t> </a:t>
+            </a:r>
+            <a:r>
+              <a:rPr lang="zh-CN" altLang="en-US" dirty="0" smtClean="0"/>
+              <a:t>工具</a:t>
+            </a:r>
+            <a:endParaRPr lang="en-US" altLang="zh-CN" dirty="0" smtClean="0"/>
+          </a:p>
+          <a:p>
+            <a:r>
+              <a:rPr lang="zh-CN" altLang="en-US" dirty="0" smtClean="0"/>
+              <a:t>参考</a:t>
             </a:r>
             <a:endParaRPr lang="en-US" altLang="zh-CN" dirty="0" smtClean="0"/>
           </a:p>
@@ -7443,6 +8667,844 @@
     <p:extLst>
       <p:ext uri="{BB962C8B-B14F-4D97-AF65-F5344CB8AC3E}">
         <p14:creationId xmlns:p14="http://schemas.microsoft.com/office/powerpoint/2010/main" val="3107853103"/>
+      </p:ext>
+    </p:extLst>
+  </p:cSld>
+  <p:clrMapOvr>
+    <a:masterClrMapping/>
+  </p:clrMapOvr>
+  <p:timing>
+    <p:tnLst>
+      <p:par>
+        <p:cTn id="1" dur="indefinite" restart="never" nodeType="tmRoot"/>
+      </p:par>
+    </p:tnLst>
+  </p:timing>
+</p:sld>
+</file>
+
+<file path=ppt/slides/slide20.xml><?xml version="1.0" encoding="utf-8"?>
+<p:sld xmlns:a="http://schemas.openxmlformats.org/drawingml/2006/main" xmlns:r="http://schemas.openxmlformats.org/officeDocument/2006/relationships" xmlns:p="http://schemas.openxmlformats.org/presentationml/2006/main">
+  <p:cSld>
+    <p:spTree>
+      <p:nvGrpSpPr>
+        <p:cNvPr id="1" name=""/>
+        <p:cNvGrpSpPr/>
+        <p:nvPr/>
+      </p:nvGrpSpPr>
+      <p:grpSpPr>
+        <a:xfrm>
+          <a:off x="0" y="0"/>
+          <a:ext cx="0" cy="0"/>
+          <a:chOff x="0" y="0"/>
+          <a:chExt cx="0" cy="0"/>
+        </a:xfrm>
+      </p:grpSpPr>
+      <p:sp>
+        <p:nvSpPr>
+          <p:cNvPr id="2" name="标题 1"/>
+          <p:cNvSpPr>
+            <a:spLocks noGrp="1"/>
+          </p:cNvSpPr>
+          <p:nvPr>
+            <p:ph type="title"/>
+          </p:nvPr>
+        </p:nvSpPr>
+        <p:spPr/>
+        <p:txBody>
+          <a:bodyPr/>
+          <a:lstStyle/>
+          <a:p>
+            <a:r>
+              <a:rPr lang="en-US" altLang="zh-CN" dirty="0" err="1" smtClean="0"/>
+              <a:t>redis_builder</a:t>
+            </a:r>
+            <a:r>
+              <a:rPr lang="en-US" altLang="zh-CN" dirty="0" smtClean="0"/>
+              <a:t> </a:t>
+            </a:r>
+            <a:r>
+              <a:rPr lang="zh-CN" altLang="en-US" dirty="0" smtClean="0"/>
+              <a:t>命令行交互界面</a:t>
+            </a:r>
+            <a:endParaRPr lang="zh-CN" altLang="en-US" dirty="0"/>
+          </a:p>
+        </p:txBody>
+      </p:sp>
+      <p:sp>
+        <p:nvSpPr>
+          <p:cNvPr id="3" name="内容占位符 2"/>
+          <p:cNvSpPr>
+            <a:spLocks noGrp="1"/>
+          </p:cNvSpPr>
+          <p:nvPr>
+            <p:ph idx="1"/>
+          </p:nvPr>
+        </p:nvSpPr>
+        <p:spPr>
+          <a:xfrm>
+            <a:off x="457200" y="1124744"/>
+            <a:ext cx="8200995" cy="5066525"/>
+          </a:xfrm>
+        </p:spPr>
+        <p:txBody>
+          <a:bodyPr/>
+          <a:lstStyle/>
+          <a:p>
+            <a:endParaRPr lang="en-US" altLang="zh-CN" dirty="0" smtClean="0"/>
+          </a:p>
+        </p:txBody>
+      </p:sp>
+      <p:pic>
+        <p:nvPicPr>
+          <p:cNvPr id="7" name="图片 6"/>
+          <p:cNvPicPr>
+            <a:picLocks noChangeAspect="1"/>
+          </p:cNvPicPr>
+          <p:nvPr/>
+        </p:nvPicPr>
+        <p:blipFill>
+          <a:blip r:embed="rId2"/>
+          <a:stretch>
+            <a:fillRect/>
+          </a:stretch>
+        </p:blipFill>
+        <p:spPr>
+          <a:xfrm>
+            <a:off x="457201" y="1124744"/>
+            <a:ext cx="8200993" cy="1704762"/>
+          </a:xfrm>
+          <a:prstGeom prst="rect">
+            <a:avLst/>
+          </a:prstGeom>
+        </p:spPr>
+      </p:pic>
+      <p:pic>
+        <p:nvPicPr>
+          <p:cNvPr id="9" name="图片 8"/>
+          <p:cNvPicPr>
+            <a:picLocks noChangeAspect="1"/>
+          </p:cNvPicPr>
+          <p:nvPr/>
+        </p:nvPicPr>
+        <p:blipFill>
+          <a:blip r:embed="rId3"/>
+          <a:stretch>
+            <a:fillRect/>
+          </a:stretch>
+        </p:blipFill>
+        <p:spPr>
+          <a:xfrm>
+            <a:off x="457201" y="2911082"/>
+            <a:ext cx="8200993" cy="3280188"/>
+          </a:xfrm>
+          <a:prstGeom prst="rect">
+            <a:avLst/>
+          </a:prstGeom>
+        </p:spPr>
+      </p:pic>
+    </p:spTree>
+    <p:extLst>
+      <p:ext uri="{BB962C8B-B14F-4D97-AF65-F5344CB8AC3E}">
+        <p14:creationId xmlns:p14="http://schemas.microsoft.com/office/powerpoint/2010/main" val="1005353876"/>
+      </p:ext>
+    </p:extLst>
+  </p:cSld>
+  <p:clrMapOvr>
+    <a:masterClrMapping/>
+  </p:clrMapOvr>
+  <p:timing>
+    <p:tnLst>
+      <p:par>
+        <p:cTn id="1" dur="indefinite" restart="never" nodeType="tmRoot"/>
+      </p:par>
+    </p:tnLst>
+  </p:timing>
+</p:sld>
+</file>
+
+<file path=ppt/slides/slide21.xml><?xml version="1.0" encoding="utf-8"?>
+<p:sld xmlns:a="http://schemas.openxmlformats.org/drawingml/2006/main" xmlns:r="http://schemas.openxmlformats.org/officeDocument/2006/relationships" xmlns:p="http://schemas.openxmlformats.org/presentationml/2006/main">
+  <p:cSld>
+    <p:spTree>
+      <p:nvGrpSpPr>
+        <p:cNvPr id="1" name=""/>
+        <p:cNvGrpSpPr/>
+        <p:nvPr/>
+      </p:nvGrpSpPr>
+      <p:grpSpPr>
+        <a:xfrm>
+          <a:off x="0" y="0"/>
+          <a:ext cx="0" cy="0"/>
+          <a:chOff x="0" y="0"/>
+          <a:chExt cx="0" cy="0"/>
+        </a:xfrm>
+      </p:grpSpPr>
+      <p:sp>
+        <p:nvSpPr>
+          <p:cNvPr id="2" name="标题 1"/>
+          <p:cNvSpPr>
+            <a:spLocks noGrp="1"/>
+          </p:cNvSpPr>
+          <p:nvPr>
+            <p:ph type="title"/>
+          </p:nvPr>
+        </p:nvSpPr>
+        <p:spPr/>
+        <p:txBody>
+          <a:bodyPr/>
+          <a:lstStyle/>
+          <a:p>
+            <a:r>
+              <a:rPr lang="zh-CN" altLang="en-US" dirty="0" smtClean="0"/>
+              <a:t>显示</a:t>
+            </a:r>
+            <a:r>
+              <a:rPr lang="en-US" altLang="zh-CN" dirty="0"/>
+              <a:t> </a:t>
+            </a:r>
+            <a:r>
+              <a:rPr lang="en-US" altLang="zh-CN" dirty="0" err="1" smtClean="0"/>
+              <a:t>redis</a:t>
+            </a:r>
+            <a:r>
+              <a:rPr lang="en-US" altLang="zh-CN" dirty="0" smtClean="0"/>
+              <a:t> </a:t>
+            </a:r>
+            <a:r>
+              <a:rPr lang="zh-CN" altLang="en-US" dirty="0" smtClean="0"/>
+              <a:t>集群的节点分布 </a:t>
+            </a:r>
+            <a:r>
+              <a:rPr lang="en-US" altLang="zh-CN" dirty="0" smtClean="0"/>
+              <a:t>--- </a:t>
+            </a:r>
+            <a:r>
+              <a:rPr lang="en-US" altLang="zh-CN" sz="2000" dirty="0" err="1" smtClean="0"/>
+              <a:t>redis_builder</a:t>
+            </a:r>
+            <a:r>
+              <a:rPr lang="en-US" altLang="zh-CN" sz="2000" dirty="0" smtClean="0"/>
+              <a:t> </a:t>
+            </a:r>
+            <a:r>
+              <a:rPr lang="zh-CN" altLang="en-US" sz="2000" dirty="0" smtClean="0"/>
+              <a:t>使用</a:t>
+            </a:r>
+            <a:endParaRPr lang="zh-CN" altLang="en-US" sz="2000" dirty="0"/>
+          </a:p>
+        </p:txBody>
+      </p:sp>
+      <p:pic>
+        <p:nvPicPr>
+          <p:cNvPr id="4" name="内容占位符 3"/>
+          <p:cNvPicPr>
+            <a:picLocks noGrp="1" noChangeAspect="1"/>
+          </p:cNvPicPr>
+          <p:nvPr>
+            <p:ph idx="1"/>
+          </p:nvPr>
+        </p:nvPicPr>
+        <p:blipFill>
+          <a:blip r:embed="rId2"/>
+          <a:stretch>
+            <a:fillRect/>
+          </a:stretch>
+        </p:blipFill>
+        <p:spPr>
+          <a:xfrm>
+            <a:off x="457201" y="1268760"/>
+            <a:ext cx="8219255" cy="4824535"/>
+          </a:xfrm>
+          <a:prstGeom prst="rect">
+            <a:avLst/>
+          </a:prstGeom>
+        </p:spPr>
+      </p:pic>
+    </p:spTree>
+    <p:extLst>
+      <p:ext uri="{BB962C8B-B14F-4D97-AF65-F5344CB8AC3E}">
+        <p14:creationId xmlns:p14="http://schemas.microsoft.com/office/powerpoint/2010/main" val="371761843"/>
+      </p:ext>
+    </p:extLst>
+  </p:cSld>
+  <p:clrMapOvr>
+    <a:masterClrMapping/>
+  </p:clrMapOvr>
+  <p:timing>
+    <p:tnLst>
+      <p:par>
+        <p:cTn id="1" dur="indefinite" restart="never" nodeType="tmRoot"/>
+      </p:par>
+    </p:tnLst>
+  </p:timing>
+</p:sld>
+</file>
+
+<file path=ppt/slides/slide22.xml><?xml version="1.0" encoding="utf-8"?>
+<p:sld xmlns:a="http://schemas.openxmlformats.org/drawingml/2006/main" xmlns:r="http://schemas.openxmlformats.org/officeDocument/2006/relationships" xmlns:p="http://schemas.openxmlformats.org/presentationml/2006/main">
+  <p:cSld>
+    <p:spTree>
+      <p:nvGrpSpPr>
+        <p:cNvPr id="1" name=""/>
+        <p:cNvGrpSpPr/>
+        <p:nvPr/>
+      </p:nvGrpSpPr>
+      <p:grpSpPr>
+        <a:xfrm>
+          <a:off x="0" y="0"/>
+          <a:ext cx="0" cy="0"/>
+          <a:chOff x="0" y="0"/>
+          <a:chExt cx="0" cy="0"/>
+        </a:xfrm>
+      </p:grpSpPr>
+      <p:sp>
+        <p:nvSpPr>
+          <p:cNvPr id="2" name="标题 1"/>
+          <p:cNvSpPr>
+            <a:spLocks noGrp="1"/>
+          </p:cNvSpPr>
+          <p:nvPr>
+            <p:ph type="title"/>
+          </p:nvPr>
+        </p:nvSpPr>
+        <p:spPr/>
+        <p:txBody>
+          <a:bodyPr/>
+          <a:lstStyle/>
+          <a:p>
+            <a:r>
+              <a:rPr lang="zh-CN" altLang="en-US" dirty="0" smtClean="0"/>
+              <a:t>直接运行</a:t>
+            </a:r>
+            <a:r>
+              <a:rPr lang="en-US" altLang="zh-CN" dirty="0" err="1" smtClean="0"/>
+              <a:t>redis</a:t>
+            </a:r>
+            <a:r>
+              <a:rPr lang="en-US" altLang="zh-CN" dirty="0" smtClean="0"/>
+              <a:t> </a:t>
+            </a:r>
+            <a:r>
+              <a:rPr lang="zh-CN" altLang="en-US" dirty="0" smtClean="0"/>
+              <a:t>命令 </a:t>
+            </a:r>
+            <a:r>
+              <a:rPr lang="en-US" altLang="zh-CN" dirty="0" smtClean="0"/>
+              <a:t>--- </a:t>
+            </a:r>
+            <a:r>
+              <a:rPr lang="en-US" altLang="zh-CN" sz="2000" dirty="0" err="1" smtClean="0"/>
+              <a:t>redis_builder</a:t>
+            </a:r>
+            <a:r>
+              <a:rPr lang="en-US" altLang="zh-CN" sz="2000" dirty="0" smtClean="0"/>
+              <a:t> </a:t>
+            </a:r>
+            <a:r>
+              <a:rPr lang="zh-CN" altLang="en-US" sz="2000" dirty="0" smtClean="0"/>
+              <a:t>使用</a:t>
+            </a:r>
+            <a:endParaRPr lang="zh-CN" altLang="en-US" sz="2000" dirty="0"/>
+          </a:p>
+        </p:txBody>
+      </p:sp>
+      <p:pic>
+        <p:nvPicPr>
+          <p:cNvPr id="4" name="内容占位符 3"/>
+          <p:cNvPicPr>
+            <a:picLocks noGrp="1" noChangeAspect="1"/>
+          </p:cNvPicPr>
+          <p:nvPr>
+            <p:ph idx="1"/>
+          </p:nvPr>
+        </p:nvPicPr>
+        <p:blipFill>
+          <a:blip r:embed="rId2">
+            <a:extLst>
+              <a:ext uri="{28A0092B-C50C-407E-A947-70E740481C1C}">
+                <a14:useLocalDpi xmlns:a14="http://schemas.microsoft.com/office/drawing/2010/main" val="0"/>
+              </a:ext>
+            </a:extLst>
+          </a:blip>
+          <a:stretch>
+            <a:fillRect/>
+          </a:stretch>
+        </p:blipFill>
+        <p:spPr>
+          <a:xfrm>
+            <a:off x="457201" y="980728"/>
+            <a:ext cx="8147247" cy="2554153"/>
+          </a:xfrm>
+          <a:prstGeom prst="rect">
+            <a:avLst/>
+          </a:prstGeom>
+        </p:spPr>
+      </p:pic>
+      <p:pic>
+        <p:nvPicPr>
+          <p:cNvPr id="5" name="图片 4"/>
+          <p:cNvPicPr>
+            <a:picLocks noChangeAspect="1"/>
+          </p:cNvPicPr>
+          <p:nvPr/>
+        </p:nvPicPr>
+        <p:blipFill>
+          <a:blip r:embed="rId3">
+            <a:extLst>
+              <a:ext uri="{28A0092B-C50C-407E-A947-70E740481C1C}">
+                <a14:useLocalDpi xmlns:a14="http://schemas.microsoft.com/office/drawing/2010/main" val="0"/>
+              </a:ext>
+            </a:extLst>
+          </a:blip>
+          <a:stretch>
+            <a:fillRect/>
+          </a:stretch>
+        </p:blipFill>
+        <p:spPr>
+          <a:xfrm>
+            <a:off x="3923928" y="3688025"/>
+            <a:ext cx="4680520" cy="2477279"/>
+          </a:xfrm>
+          <a:prstGeom prst="rect">
+            <a:avLst/>
+          </a:prstGeom>
+        </p:spPr>
+      </p:pic>
+      <p:pic>
+        <p:nvPicPr>
+          <p:cNvPr id="6" name="图片 5"/>
+          <p:cNvPicPr>
+            <a:picLocks noChangeAspect="1"/>
+          </p:cNvPicPr>
+          <p:nvPr/>
+        </p:nvPicPr>
+        <p:blipFill>
+          <a:blip r:embed="rId4">
+            <a:extLst>
+              <a:ext uri="{28A0092B-C50C-407E-A947-70E740481C1C}">
+                <a14:useLocalDpi xmlns:a14="http://schemas.microsoft.com/office/drawing/2010/main" val="0"/>
+              </a:ext>
+            </a:extLst>
+          </a:blip>
+          <a:stretch>
+            <a:fillRect/>
+          </a:stretch>
+        </p:blipFill>
+        <p:spPr>
+          <a:xfrm>
+            <a:off x="457201" y="3688025"/>
+            <a:ext cx="3250703" cy="2477279"/>
+          </a:xfrm>
+          <a:prstGeom prst="rect">
+            <a:avLst/>
+          </a:prstGeom>
+        </p:spPr>
+      </p:pic>
+    </p:spTree>
+    <p:extLst>
+      <p:ext uri="{BB962C8B-B14F-4D97-AF65-F5344CB8AC3E}">
+        <p14:creationId xmlns:p14="http://schemas.microsoft.com/office/powerpoint/2010/main" val="1000878735"/>
+      </p:ext>
+    </p:extLst>
+  </p:cSld>
+  <p:clrMapOvr>
+    <a:masterClrMapping/>
+  </p:clrMapOvr>
+</p:sld>
+</file>
+
+<file path=ppt/slides/slide23.xml><?xml version="1.0" encoding="utf-8"?>
+<p:sld xmlns:a="http://schemas.openxmlformats.org/drawingml/2006/main" xmlns:r="http://schemas.openxmlformats.org/officeDocument/2006/relationships" xmlns:p="http://schemas.openxmlformats.org/presentationml/2006/main">
+  <p:cSld>
+    <p:spTree>
+      <p:nvGrpSpPr>
+        <p:cNvPr id="1" name=""/>
+        <p:cNvGrpSpPr/>
+        <p:nvPr/>
+      </p:nvGrpSpPr>
+      <p:grpSpPr>
+        <a:xfrm>
+          <a:off x="0" y="0"/>
+          <a:ext cx="0" cy="0"/>
+          <a:chOff x="0" y="0"/>
+          <a:chExt cx="0" cy="0"/>
+        </a:xfrm>
+      </p:grpSpPr>
+      <p:sp>
+        <p:nvSpPr>
+          <p:cNvPr id="2" name="标题 1"/>
+          <p:cNvSpPr>
+            <a:spLocks noGrp="1"/>
+          </p:cNvSpPr>
+          <p:nvPr>
+            <p:ph type="title"/>
+          </p:nvPr>
+        </p:nvSpPr>
+        <p:spPr/>
+        <p:txBody>
+          <a:bodyPr/>
+          <a:lstStyle/>
+          <a:p>
+            <a:r>
+              <a:rPr lang="zh-CN" altLang="en-US" dirty="0" smtClean="0"/>
+              <a:t>显示 </a:t>
+            </a:r>
+            <a:r>
+              <a:rPr lang="en-US" altLang="zh-CN" dirty="0" err="1" smtClean="0"/>
+              <a:t>redis</a:t>
+            </a:r>
+            <a:r>
+              <a:rPr lang="en-US" altLang="zh-CN" dirty="0" smtClean="0"/>
+              <a:t> </a:t>
+            </a:r>
+            <a:r>
+              <a:rPr lang="zh-CN" altLang="en-US" dirty="0" smtClean="0"/>
+              <a:t>集群的运行状态 </a:t>
+            </a:r>
+            <a:r>
+              <a:rPr lang="en-US" altLang="zh-CN" dirty="0" smtClean="0"/>
+              <a:t>--- </a:t>
+            </a:r>
+            <a:r>
+              <a:rPr lang="en-US" altLang="zh-CN" sz="2000" dirty="0" err="1" smtClean="0"/>
+              <a:t>redis_builder</a:t>
+            </a:r>
+            <a:r>
+              <a:rPr lang="en-US" altLang="zh-CN" sz="2000" dirty="0" smtClean="0"/>
+              <a:t> </a:t>
+            </a:r>
+            <a:r>
+              <a:rPr lang="zh-CN" altLang="en-US" sz="2000" dirty="0" smtClean="0"/>
+              <a:t>使用</a:t>
+            </a:r>
+            <a:endParaRPr lang="zh-CN" altLang="en-US" sz="2000" dirty="0"/>
+          </a:p>
+        </p:txBody>
+      </p:sp>
+      <p:pic>
+        <p:nvPicPr>
+          <p:cNvPr id="4" name="内容占位符 3"/>
+          <p:cNvPicPr>
+            <a:picLocks noGrp="1" noChangeAspect="1"/>
+          </p:cNvPicPr>
+          <p:nvPr>
+            <p:ph idx="1"/>
+          </p:nvPr>
+        </p:nvPicPr>
+        <p:blipFill>
+          <a:blip r:embed="rId2">
+            <a:extLst>
+              <a:ext uri="{28A0092B-C50C-407E-A947-70E740481C1C}">
+                <a14:useLocalDpi xmlns:a14="http://schemas.microsoft.com/office/drawing/2010/main" val="0"/>
+              </a:ext>
+            </a:extLst>
+          </a:blip>
+          <a:stretch>
+            <a:fillRect/>
+          </a:stretch>
+        </p:blipFill>
+        <p:spPr>
+          <a:xfrm>
+            <a:off x="457201" y="1196752"/>
+            <a:ext cx="8075239" cy="4680520"/>
+          </a:xfrm>
+        </p:spPr>
+      </p:pic>
+    </p:spTree>
+    <p:extLst>
+      <p:ext uri="{BB962C8B-B14F-4D97-AF65-F5344CB8AC3E}">
+        <p14:creationId xmlns:p14="http://schemas.microsoft.com/office/powerpoint/2010/main" val="1842216643"/>
+      </p:ext>
+    </p:extLst>
+  </p:cSld>
+  <p:clrMapOvr>
+    <a:masterClrMapping/>
+  </p:clrMapOvr>
+</p:sld>
+</file>
+
+<file path=ppt/slides/slide24.xml><?xml version="1.0" encoding="utf-8"?>
+<p:sld xmlns:a="http://schemas.openxmlformats.org/drawingml/2006/main" xmlns:r="http://schemas.openxmlformats.org/officeDocument/2006/relationships" xmlns:p="http://schemas.openxmlformats.org/presentationml/2006/main">
+  <p:cSld>
+    <p:spTree>
+      <p:nvGrpSpPr>
+        <p:cNvPr id="1" name=""/>
+        <p:cNvGrpSpPr/>
+        <p:nvPr/>
+      </p:nvGrpSpPr>
+      <p:grpSpPr>
+        <a:xfrm>
+          <a:off x="0" y="0"/>
+          <a:ext cx="0" cy="0"/>
+          <a:chOff x="0" y="0"/>
+          <a:chExt cx="0" cy="0"/>
+        </a:xfrm>
+      </p:grpSpPr>
+      <p:sp>
+        <p:nvSpPr>
+          <p:cNvPr id="2" name="标题 1"/>
+          <p:cNvSpPr>
+            <a:spLocks noGrp="1"/>
+          </p:cNvSpPr>
+          <p:nvPr>
+            <p:ph type="title"/>
+          </p:nvPr>
+        </p:nvSpPr>
+        <p:spPr/>
+        <p:txBody>
+          <a:bodyPr/>
+          <a:lstStyle/>
+          <a:p>
+            <a:r>
+              <a:rPr lang="zh-CN" altLang="en-US" dirty="0" smtClean="0"/>
+              <a:t>参考</a:t>
+            </a:r>
+            <a:endParaRPr lang="zh-CN" altLang="en-US" dirty="0"/>
+          </a:p>
+        </p:txBody>
+      </p:sp>
+      <p:sp>
+        <p:nvSpPr>
+          <p:cNvPr id="3" name="内容占位符 2"/>
+          <p:cNvSpPr>
+            <a:spLocks noGrp="1"/>
+          </p:cNvSpPr>
+          <p:nvPr>
+            <p:ph idx="1"/>
+          </p:nvPr>
+        </p:nvSpPr>
+        <p:spPr>
+          <a:xfrm>
+            <a:off x="428596" y="1047733"/>
+            <a:ext cx="8715404" cy="5143536"/>
+          </a:xfrm>
+        </p:spPr>
+        <p:txBody>
+          <a:bodyPr/>
+          <a:lstStyle/>
+          <a:p>
+            <a:r>
+              <a:rPr lang="en-US" altLang="zh-CN" sz="1800" dirty="0" smtClean="0"/>
+              <a:t>1</a:t>
+            </a:r>
+            <a:r>
+              <a:rPr lang="zh-CN" altLang="en-US" sz="1800" dirty="0" smtClean="0"/>
+              <a:t>、官方</a:t>
+            </a:r>
+            <a:r>
+              <a:rPr lang="zh-CN" altLang="en-US" sz="1800" dirty="0" smtClean="0"/>
+              <a:t>网站：</a:t>
+            </a:r>
+            <a:r>
+              <a:rPr lang="en-US" altLang="zh-CN" sz="1800" dirty="0" smtClean="0">
+                <a:hlinkClick r:id="rId2"/>
+              </a:rPr>
+              <a:t>http://redis.io/</a:t>
+            </a:r>
+            <a:endParaRPr lang="en-US" altLang="zh-CN" sz="1800" dirty="0" smtClean="0"/>
+          </a:p>
+          <a:p>
+            <a:r>
+              <a:rPr lang="en-US" altLang="zh-CN" sz="1800" dirty="0" smtClean="0"/>
+              <a:t>2</a:t>
+            </a:r>
+            <a:r>
+              <a:rPr lang="zh-CN" altLang="en-US" sz="1800" dirty="0" smtClean="0"/>
+              <a:t>、中文</a:t>
+            </a:r>
+            <a:r>
+              <a:rPr lang="zh-CN" altLang="en-US" sz="1800" dirty="0" smtClean="0"/>
+              <a:t>翻译网站：</a:t>
+            </a:r>
+            <a:r>
+              <a:rPr lang="en-US" altLang="zh-CN" sz="1800" dirty="0">
+                <a:hlinkClick r:id="rId3"/>
+              </a:rPr>
+              <a:t>http://redisdoc.com</a:t>
+            </a:r>
+            <a:r>
+              <a:rPr lang="en-US" altLang="zh-CN" sz="1800" dirty="0" smtClean="0">
+                <a:hlinkClick r:id="rId3"/>
+              </a:rPr>
+              <a:t>/</a:t>
+            </a:r>
+            <a:r>
+              <a:rPr lang="zh-CN" altLang="en-US" sz="1800" dirty="0" smtClean="0">
+                <a:hlinkClick r:id="rId3"/>
+              </a:rPr>
+              <a:t>，</a:t>
+            </a:r>
+            <a:r>
+              <a:rPr lang="en-US" altLang="zh-CN" sz="1800" dirty="0" smtClean="0">
+                <a:hlinkClick r:id="rId3"/>
+              </a:rPr>
+              <a:t>http://redis.cn/</a:t>
+            </a:r>
+            <a:endParaRPr lang="en-US" altLang="zh-CN" sz="1800" dirty="0" smtClean="0"/>
+          </a:p>
+          <a:p>
+            <a:r>
+              <a:rPr lang="en-US" altLang="zh-CN" sz="1800" dirty="0" smtClean="0"/>
+              <a:t>3</a:t>
+            </a:r>
+            <a:r>
+              <a:rPr lang="zh-CN" altLang="en-US" sz="1800" dirty="0" smtClean="0"/>
+              <a:t>、</a:t>
+            </a:r>
+            <a:r>
+              <a:rPr lang="en-US" altLang="zh-CN" sz="1800" dirty="0" smtClean="0"/>
+              <a:t>Java </a:t>
+            </a:r>
+            <a:r>
+              <a:rPr lang="zh-CN" altLang="en-US" sz="1800" dirty="0" smtClean="0"/>
+              <a:t>客户端库：</a:t>
+            </a:r>
+            <a:r>
+              <a:rPr lang="en-US" altLang="zh-CN" sz="1800" dirty="0">
+                <a:hlinkClick r:id="rId4"/>
+              </a:rPr>
+              <a:t>https://</a:t>
+            </a:r>
+            <a:r>
+              <a:rPr lang="en-US" altLang="zh-CN" sz="1800" dirty="0" smtClean="0">
+                <a:hlinkClick r:id="rId4"/>
+              </a:rPr>
+              <a:t>github.com/xetorthio/jedis/</a:t>
+            </a:r>
+            <a:endParaRPr lang="en-US" altLang="zh-CN" sz="1800" dirty="0" smtClean="0"/>
+          </a:p>
+          <a:p>
+            <a:r>
+              <a:rPr lang="en-US" altLang="zh-CN" sz="1800" dirty="0" smtClean="0"/>
+              <a:t>4</a:t>
+            </a:r>
+            <a:r>
+              <a:rPr lang="zh-CN" altLang="en-US" sz="1800" dirty="0" smtClean="0"/>
+              <a:t>、</a:t>
+            </a:r>
+            <a:r>
+              <a:rPr lang="en-US" altLang="zh-CN" sz="1800" dirty="0" smtClean="0"/>
+              <a:t>C</a:t>
+            </a:r>
+            <a:r>
+              <a:rPr lang="en-US" altLang="zh-CN" sz="1800" dirty="0" smtClean="0"/>
+              <a:t>++</a:t>
+            </a:r>
+            <a:r>
+              <a:rPr lang="zh-CN" altLang="en-US" sz="1800" dirty="0" smtClean="0"/>
+              <a:t>客户端库</a:t>
+            </a:r>
+            <a:r>
+              <a:rPr lang="zh-CN" altLang="en-US" sz="1800" dirty="0" smtClean="0"/>
+              <a:t>：</a:t>
+            </a:r>
+            <a:endParaRPr lang="en-US" altLang="zh-CN" sz="1800" dirty="0" smtClean="0"/>
+          </a:p>
+          <a:p>
+            <a:r>
+              <a:rPr lang="en-US" altLang="zh-CN" sz="1800" dirty="0">
+                <a:hlinkClick r:id="rId5"/>
+              </a:rPr>
+              <a:t>https://</a:t>
+            </a:r>
+            <a:r>
+              <a:rPr lang="en-US" altLang="zh-CN" sz="1800" dirty="0" smtClean="0">
+                <a:hlinkClick r:id="rId5"/>
+              </a:rPr>
+              <a:t>github.com/acl-dev/acl/tree/master/lib_acl_cpp/samples/redis</a:t>
+            </a:r>
+            <a:endParaRPr lang="en-US" altLang="zh-CN" sz="1800" dirty="0" smtClean="0"/>
+          </a:p>
+          <a:p>
+            <a:r>
+              <a:rPr lang="en-US" altLang="zh-CN" sz="1800" dirty="0" smtClean="0"/>
+              <a:t>5</a:t>
+            </a:r>
+            <a:r>
+              <a:rPr lang="zh-CN" altLang="en-US" sz="1800" dirty="0" smtClean="0"/>
+              <a:t>、</a:t>
+            </a:r>
+            <a:r>
+              <a:rPr lang="en-US" altLang="zh-CN" sz="1800" dirty="0" smtClean="0"/>
+              <a:t>Redis</a:t>
+            </a:r>
+            <a:r>
+              <a:rPr lang="en-US" altLang="zh-CN" sz="1800" dirty="0" smtClean="0"/>
+              <a:t>builder</a:t>
+            </a:r>
+            <a:r>
+              <a:rPr lang="zh-CN" altLang="en-US" sz="1800" dirty="0" smtClean="0"/>
+              <a:t>工具：</a:t>
+            </a:r>
+            <a:endParaRPr lang="en-US" altLang="zh-CN" sz="1800" dirty="0" smtClean="0"/>
+          </a:p>
+          <a:p>
+            <a:r>
+              <a:rPr lang="en-US" altLang="zh-CN" sz="1800" dirty="0">
+                <a:hlinkClick r:id="rId6"/>
+              </a:rPr>
+              <a:t>https://</a:t>
+            </a:r>
+            <a:r>
+              <a:rPr lang="en-US" altLang="zh-CN" sz="1800" dirty="0" smtClean="0">
+                <a:hlinkClick r:id="rId6"/>
+              </a:rPr>
+              <a:t>github.com/acl-dev/acl/tree/master/app/redis_tools/redis_builder</a:t>
+            </a:r>
+            <a:endParaRPr lang="en-US" altLang="zh-CN" sz="1800" dirty="0" smtClean="0"/>
+          </a:p>
+          <a:p>
+            <a:r>
+              <a:rPr lang="en-US" altLang="zh-CN" sz="1800" dirty="0" smtClean="0">
+                <a:hlinkClick r:id="rId7"/>
+              </a:rPr>
+              <a:t>http</a:t>
+            </a:r>
+            <a:r>
+              <a:rPr lang="en-US" altLang="zh-CN" sz="1800" dirty="0">
+                <a:hlinkClick r:id="rId7"/>
+              </a:rPr>
+              <a:t>://</a:t>
+            </a:r>
+            <a:r>
+              <a:rPr lang="en-US" altLang="zh-CN" sz="1800" dirty="0" smtClean="0">
+                <a:hlinkClick r:id="rId7"/>
+              </a:rPr>
+              <a:t>zsxxsz.iteye.com/blog/2293332</a:t>
+            </a:r>
+            <a:endParaRPr lang="en-US" altLang="zh-CN" sz="1800" dirty="0" smtClean="0"/>
+          </a:p>
+          <a:p>
+            <a:r>
+              <a:rPr lang="en-US" altLang="zh-CN" sz="1800" dirty="0">
+                <a:hlinkClick r:id="rId8"/>
+              </a:rPr>
+              <a:t>http://</a:t>
+            </a:r>
+            <a:r>
+              <a:rPr lang="en-US" altLang="zh-CN" sz="1800" dirty="0" smtClean="0">
+                <a:hlinkClick r:id="rId8"/>
+              </a:rPr>
+              <a:t>zsxxsz.iteye.com/blog/2204006</a:t>
+            </a:r>
+            <a:endParaRPr lang="en-US" altLang="zh-CN" sz="1800" dirty="0" smtClean="0"/>
+          </a:p>
+          <a:p>
+            <a:endParaRPr lang="en-US" altLang="zh-CN" sz="1800" dirty="0" smtClean="0"/>
+          </a:p>
+          <a:p>
+            <a:endParaRPr lang="en-US" altLang="zh-CN" sz="1200" dirty="0" smtClean="0"/>
+          </a:p>
+          <a:p>
+            <a:endParaRPr lang="zh-CN" altLang="en-US" dirty="0"/>
+          </a:p>
+        </p:txBody>
+      </p:sp>
+    </p:spTree>
+    <p:extLst>
+      <p:ext uri="{BB962C8B-B14F-4D97-AF65-F5344CB8AC3E}">
+        <p14:creationId xmlns:p14="http://schemas.microsoft.com/office/powerpoint/2010/main" val="2569719630"/>
       </p:ext>
     </p:extLst>
   </p:cSld>
@@ -7532,10 +9594,16 @@
           </a:p>
           <a:p>
             <a:r>
-              <a:rPr lang="zh-CN" altLang="en-US" sz="1800" dirty="0" smtClean="0"/>
+              <a:rPr lang="zh-CN" altLang="en-US" sz="1800" dirty="0" smtClean="0">
+                <a:latin typeface="华文仿宋" panose="02010600040101010101" pitchFamily="2" charset="-122"/>
+                <a:ea typeface="华文仿宋" panose="02010600040101010101" pitchFamily="2" charset="-122"/>
+              </a:rPr>
               <a:t>无中心节点，不需要代理服务，异步复制，没有数据的合并</a:t>
             </a:r>
-            <a:endParaRPr lang="en-US" altLang="zh-CN" sz="1800" dirty="0" smtClean="0"/>
+            <a:endParaRPr lang="en-US" altLang="zh-CN" sz="1800" dirty="0" smtClean="0">
+              <a:latin typeface="华文仿宋" panose="02010600040101010101" pitchFamily="2" charset="-122"/>
+              <a:ea typeface="华文仿宋" panose="02010600040101010101" pitchFamily="2" charset="-122"/>
+            </a:endParaRPr>
           </a:p>
           <a:p>
             <a:r>
@@ -7554,10 +9622,16 @@
           </a:p>
           <a:p>
             <a:r>
-              <a:rPr lang="zh-CN" altLang="en-US" sz="1800" dirty="0" smtClean="0"/>
+              <a:rPr lang="zh-CN" altLang="en-US" sz="1800" dirty="0" smtClean="0">
+                <a:latin typeface="华文仿宋" panose="02010600040101010101" pitchFamily="2" charset="-122"/>
+                <a:ea typeface="华文仿宋" panose="02010600040101010101" pitchFamily="2" charset="-122"/>
+              </a:rPr>
               <a:t>如果一个主节点失效，则可能会丢掉一部分正在写往该节点的数据</a:t>
             </a:r>
-            <a:endParaRPr lang="en-US" altLang="zh-CN" sz="1800" dirty="0" smtClean="0"/>
+            <a:endParaRPr lang="en-US" altLang="zh-CN" sz="1800" dirty="0" smtClean="0">
+              <a:latin typeface="华文仿宋" panose="02010600040101010101" pitchFamily="2" charset="-122"/>
+              <a:ea typeface="华文仿宋" panose="02010600040101010101" pitchFamily="2" charset="-122"/>
+            </a:endParaRPr>
           </a:p>
           <a:p>
             <a:r>
@@ -7576,10 +9650,16 @@
           </a:p>
           <a:p>
             <a:r>
-              <a:rPr lang="zh-CN" altLang="en-US" sz="1800" dirty="0" smtClean="0"/>
+              <a:rPr lang="zh-CN" altLang="en-US" sz="1800" dirty="0" smtClean="0">
+                <a:latin typeface="华文仿宋" panose="02010600040101010101" pitchFamily="2" charset="-122"/>
+                <a:ea typeface="华文仿宋" panose="02010600040101010101" pitchFamily="2" charset="-122"/>
+              </a:rPr>
               <a:t>为了保证数据一致性，而牺牲了一部分容错性</a:t>
             </a:r>
-            <a:endParaRPr lang="zh-CN" altLang="en-US" sz="1800" dirty="0"/>
+            <a:endParaRPr lang="zh-CN" altLang="en-US" sz="1800" dirty="0">
+              <a:latin typeface="华文仿宋" panose="02010600040101010101" pitchFamily="2" charset="-122"/>
+              <a:ea typeface="华文仿宋" panose="02010600040101010101" pitchFamily="2" charset="-122"/>
+            </a:endParaRPr>
           </a:p>
         </p:txBody>
       </p:sp>
@@ -11169,76 +13249,147 @@
           </a:p>
           <a:p>
             <a:r>
-              <a:rPr lang="en-US" altLang="zh-CN" sz="1600" dirty="0" smtClean="0"/>
+              <a:rPr lang="en-US" altLang="zh-CN" sz="1800" dirty="0" smtClean="0">
+                <a:latin typeface="华文宋体" panose="02010600040101010101" pitchFamily="2" charset="-122"/>
+                <a:ea typeface="华文宋体" panose="02010600040101010101" pitchFamily="2" charset="-122"/>
+              </a:rPr>
               <a:t>1</a:t>
             </a:r>
             <a:r>
-              <a:rPr lang="zh-CN" altLang="en-US" sz="1600" dirty="0" smtClean="0"/>
+              <a:rPr lang="zh-CN" altLang="en-US" sz="1800" dirty="0" smtClean="0">
+                <a:latin typeface="华文宋体" panose="02010600040101010101" pitchFamily="2" charset="-122"/>
+                <a:ea typeface="华文宋体" panose="02010600040101010101" pitchFamily="2" charset="-122"/>
+              </a:rPr>
               <a:t>、持有</a:t>
             </a:r>
             <a:r>
-              <a:rPr lang="zh-CN" altLang="en-US" sz="1600" dirty="0"/>
+              <a:rPr lang="zh-CN" altLang="en-US" sz="1800" dirty="0">
+                <a:latin typeface="华文宋体" panose="02010600040101010101" pitchFamily="2" charset="-122"/>
+                <a:ea typeface="华文宋体" panose="02010600040101010101" pitchFamily="2" charset="-122"/>
+              </a:rPr>
               <a:t>键值对</a:t>
             </a:r>
             <a:r>
-              <a:rPr lang="zh-CN" altLang="en-US" sz="1600" dirty="0" smtClean="0"/>
+              <a:rPr lang="zh-CN" altLang="en-US" sz="1800" dirty="0" smtClean="0">
+                <a:latin typeface="华文宋体" panose="02010600040101010101" pitchFamily="2" charset="-122"/>
+                <a:ea typeface="华文宋体" panose="02010600040101010101" pitchFamily="2" charset="-122"/>
+              </a:rPr>
               <a:t>数据；</a:t>
             </a:r>
-            <a:endParaRPr lang="zh-CN" altLang="en-US" sz="1600" dirty="0"/>
-          </a:p>
-          <a:p>
-            <a:r>
-              <a:rPr lang="en-US" altLang="zh-CN" sz="1600" dirty="0" smtClean="0"/>
+            <a:endParaRPr lang="zh-CN" altLang="en-US" sz="1800" dirty="0">
+              <a:latin typeface="华文宋体" panose="02010600040101010101" pitchFamily="2" charset="-122"/>
+              <a:ea typeface="华文宋体" panose="02010600040101010101" pitchFamily="2" charset="-122"/>
+            </a:endParaRPr>
+          </a:p>
+          <a:p>
+            <a:r>
+              <a:rPr lang="en-US" altLang="zh-CN" sz="1800" dirty="0" smtClean="0">
+                <a:latin typeface="华文宋体" panose="02010600040101010101" pitchFamily="2" charset="-122"/>
+                <a:ea typeface="华文宋体" panose="02010600040101010101" pitchFamily="2" charset="-122"/>
+              </a:rPr>
               <a:t>2</a:t>
             </a:r>
             <a:r>
-              <a:rPr lang="zh-CN" altLang="en-US" sz="1600" dirty="0" smtClean="0"/>
+              <a:rPr lang="zh-CN" altLang="en-US" sz="1800" dirty="0" smtClean="0">
+                <a:latin typeface="华文宋体" panose="02010600040101010101" pitchFamily="2" charset="-122"/>
+                <a:ea typeface="华文宋体" panose="02010600040101010101" pitchFamily="2" charset="-122"/>
+              </a:rPr>
               <a:t>、记录</a:t>
             </a:r>
             <a:r>
-              <a:rPr lang="zh-CN" altLang="en-US" sz="1600" dirty="0"/>
+              <a:rPr lang="zh-CN" altLang="en-US" sz="1800" dirty="0">
+                <a:latin typeface="华文宋体" panose="02010600040101010101" pitchFamily="2" charset="-122"/>
+                <a:ea typeface="华文宋体" panose="02010600040101010101" pitchFamily="2" charset="-122"/>
+              </a:rPr>
               <a:t>集群的状态</a:t>
             </a:r>
             <a:r>
-              <a:rPr lang="zh-CN" altLang="en-US" sz="1600" dirty="0" smtClean="0"/>
+              <a:rPr lang="zh-CN" altLang="en-US" sz="1800" dirty="0" smtClean="0">
+                <a:latin typeface="华文宋体" panose="02010600040101010101" pitchFamily="2" charset="-122"/>
+                <a:ea typeface="华文宋体" panose="02010600040101010101" pitchFamily="2" charset="-122"/>
+              </a:rPr>
               <a:t>，</a:t>
             </a:r>
             <a:r>
-              <a:rPr lang="zh-CN" altLang="en-US" sz="1600" dirty="0"/>
+              <a:rPr lang="zh-CN" altLang="en-US" sz="1800" dirty="0">
+                <a:latin typeface="华文宋体" panose="02010600040101010101" pitchFamily="2" charset="-122"/>
+                <a:ea typeface="华文宋体" panose="02010600040101010101" pitchFamily="2" charset="-122"/>
+              </a:rPr>
               <a:t>保存</a:t>
             </a:r>
             <a:r>
-              <a:rPr lang="zh-CN" altLang="en-US" sz="1600" dirty="0" smtClean="0"/>
+              <a:rPr lang="zh-CN" altLang="en-US" sz="1800" dirty="0" smtClean="0">
+                <a:latin typeface="华文宋体" panose="02010600040101010101" pitchFamily="2" charset="-122"/>
+                <a:ea typeface="华文宋体" panose="02010600040101010101" pitchFamily="2" charset="-122"/>
+              </a:rPr>
               <a:t>键到</a:t>
             </a:r>
             <a:r>
-              <a:rPr lang="zh-CN" altLang="en-US" sz="1600" dirty="0"/>
+              <a:rPr lang="zh-CN" altLang="en-US" sz="1800" dirty="0">
+                <a:latin typeface="华文宋体" panose="02010600040101010101" pitchFamily="2" charset="-122"/>
+                <a:ea typeface="华文宋体" panose="02010600040101010101" pitchFamily="2" charset="-122"/>
+              </a:rPr>
               <a:t>节</a:t>
             </a:r>
             <a:r>
-              <a:rPr lang="zh-CN" altLang="en-US" sz="1600" dirty="0" smtClean="0"/>
+              <a:rPr lang="zh-CN" altLang="en-US" sz="1800" dirty="0" smtClean="0">
+                <a:latin typeface="华文宋体" panose="02010600040101010101" pitchFamily="2" charset="-122"/>
+                <a:ea typeface="华文宋体" panose="02010600040101010101" pitchFamily="2" charset="-122"/>
+              </a:rPr>
               <a:t>点的映射；</a:t>
             </a:r>
-            <a:endParaRPr lang="zh-CN" altLang="en-US" sz="1600" dirty="0"/>
-          </a:p>
-          <a:p>
-            <a:r>
-              <a:rPr lang="en-US" altLang="zh-CN" sz="1600" dirty="0" smtClean="0"/>
+            <a:endParaRPr lang="zh-CN" altLang="en-US" sz="1800" dirty="0">
+              <a:latin typeface="华文宋体" panose="02010600040101010101" pitchFamily="2" charset="-122"/>
+              <a:ea typeface="华文宋体" panose="02010600040101010101" pitchFamily="2" charset="-122"/>
+            </a:endParaRPr>
+          </a:p>
+          <a:p>
+            <a:r>
+              <a:rPr lang="en-US" altLang="zh-CN" sz="1800" dirty="0" smtClean="0">
+                <a:latin typeface="华文宋体" panose="02010600040101010101" pitchFamily="2" charset="-122"/>
+                <a:ea typeface="华文宋体" panose="02010600040101010101" pitchFamily="2" charset="-122"/>
+              </a:rPr>
               <a:t>3</a:t>
             </a:r>
             <a:r>
-              <a:rPr lang="zh-CN" altLang="en-US" sz="1600" dirty="0" smtClean="0"/>
+              <a:rPr lang="zh-CN" altLang="en-US" sz="1800" dirty="0" smtClean="0">
+                <a:latin typeface="华文宋体" panose="02010600040101010101" pitchFamily="2" charset="-122"/>
+                <a:ea typeface="华文宋体" panose="02010600040101010101" pitchFamily="2" charset="-122"/>
+              </a:rPr>
               <a:t>、自动</a:t>
             </a:r>
             <a:r>
-              <a:rPr lang="zh-CN" altLang="en-US" sz="1600" dirty="0"/>
-              <a:t>发现其他节点，识别工作不正常的节点，并在有需要时，在从节点中选举出新的主</a:t>
-            </a:r>
-            <a:r>
-              <a:rPr lang="zh-CN" altLang="en-US" sz="1600" dirty="0" smtClean="0"/>
+              <a:rPr lang="zh-CN" altLang="en-US" sz="1800" dirty="0">
+                <a:latin typeface="华文宋体" panose="02010600040101010101" pitchFamily="2" charset="-122"/>
+                <a:ea typeface="华文宋体" panose="02010600040101010101" pitchFamily="2" charset="-122"/>
+              </a:rPr>
+              <a:t>发现其他节点，识别工作不正常的节点，并</a:t>
+            </a:r>
+            <a:r>
+              <a:rPr lang="zh-CN" altLang="en-US" sz="1800" dirty="0" smtClean="0">
+                <a:latin typeface="华文宋体" panose="02010600040101010101" pitchFamily="2" charset="-122"/>
+                <a:ea typeface="华文宋体" panose="02010600040101010101" pitchFamily="2" charset="-122"/>
+              </a:rPr>
+              <a:t>在需要</a:t>
+            </a:r>
+            <a:r>
+              <a:rPr lang="zh-CN" altLang="en-US" sz="1800" dirty="0">
+                <a:latin typeface="华文宋体" panose="02010600040101010101" pitchFamily="2" charset="-122"/>
+                <a:ea typeface="华文宋体" panose="02010600040101010101" pitchFamily="2" charset="-122"/>
+              </a:rPr>
+              <a:t>时，在从节点中选举出新的主</a:t>
+            </a:r>
+            <a:r>
+              <a:rPr lang="zh-CN" altLang="en-US" sz="1800" dirty="0" smtClean="0">
+                <a:latin typeface="华文宋体" panose="02010600040101010101" pitchFamily="2" charset="-122"/>
+                <a:ea typeface="华文宋体" panose="02010600040101010101" pitchFamily="2" charset="-122"/>
+              </a:rPr>
               <a:t>节点。</a:t>
             </a:r>
-            <a:endParaRPr lang="en-US" altLang="zh-CN" sz="1600" dirty="0" smtClean="0"/>
+            <a:endParaRPr lang="en-US" altLang="zh-CN" sz="1800" dirty="0" smtClean="0">
+              <a:latin typeface="华文宋体" panose="02010600040101010101" pitchFamily="2" charset="-122"/>
+              <a:ea typeface="华文宋体" panose="02010600040101010101" pitchFamily="2" charset="-122"/>
+            </a:endParaRPr>
           </a:p>
           <a:p>
             <a:endParaRPr lang="en-US" altLang="zh-CN" dirty="0" smtClean="0"/>
@@ -11263,61 +13414,106 @@
           </a:p>
           <a:p>
             <a:r>
-              <a:rPr lang="en-US" altLang="zh-CN" sz="1600" dirty="0" smtClean="0"/>
+              <a:rPr lang="en-US" altLang="zh-CN" sz="1800" dirty="0" smtClean="0">
+                <a:latin typeface="华文宋体" panose="02010600040101010101" pitchFamily="2" charset="-122"/>
+                <a:ea typeface="华文宋体" panose="02010600040101010101" pitchFamily="2" charset="-122"/>
+              </a:rPr>
               <a:t>1</a:t>
             </a:r>
             <a:r>
-              <a:rPr lang="zh-CN" altLang="en-US" sz="1600" dirty="0" smtClean="0"/>
+              <a:rPr lang="zh-CN" altLang="en-US" sz="1800" dirty="0" smtClean="0">
+                <a:latin typeface="华文宋体" panose="02010600040101010101" pitchFamily="2" charset="-122"/>
+                <a:ea typeface="华文宋体" panose="02010600040101010101" pitchFamily="2" charset="-122"/>
+              </a:rPr>
               <a:t>、广播关于</a:t>
             </a:r>
             <a:r>
-              <a:rPr lang="zh-CN" altLang="en-US" sz="1600" dirty="0"/>
+              <a:rPr lang="zh-CN" altLang="en-US" sz="1800" dirty="0">
+                <a:latin typeface="华文宋体" panose="02010600040101010101" pitchFamily="2" charset="-122"/>
+                <a:ea typeface="华文宋体" panose="02010600040101010101" pitchFamily="2" charset="-122"/>
+              </a:rPr>
               <a:t>集群的信息，以此来发现新的</a:t>
             </a:r>
             <a:r>
-              <a:rPr lang="zh-CN" altLang="en-US" sz="1600" dirty="0" smtClean="0"/>
+              <a:rPr lang="zh-CN" altLang="en-US" sz="1800" dirty="0" smtClean="0">
+                <a:latin typeface="华文宋体" panose="02010600040101010101" pitchFamily="2" charset="-122"/>
+                <a:ea typeface="华文宋体" panose="02010600040101010101" pitchFamily="2" charset="-122"/>
+              </a:rPr>
               <a:t>节点；</a:t>
             </a:r>
-            <a:endParaRPr lang="zh-CN" altLang="en-US" sz="1600" dirty="0"/>
-          </a:p>
-          <a:p>
-            <a:r>
-              <a:rPr lang="en-US" altLang="zh-CN" sz="1600" dirty="0" smtClean="0"/>
+            <a:endParaRPr lang="zh-CN" altLang="en-US" sz="1800" dirty="0">
+              <a:latin typeface="华文宋体" panose="02010600040101010101" pitchFamily="2" charset="-122"/>
+              <a:ea typeface="华文宋体" panose="02010600040101010101" pitchFamily="2" charset="-122"/>
+            </a:endParaRPr>
+          </a:p>
+          <a:p>
+            <a:r>
+              <a:rPr lang="en-US" altLang="zh-CN" sz="1800" dirty="0" smtClean="0">
+                <a:latin typeface="华文宋体" panose="02010600040101010101" pitchFamily="2" charset="-122"/>
+                <a:ea typeface="华文宋体" panose="02010600040101010101" pitchFamily="2" charset="-122"/>
+              </a:rPr>
               <a:t>2</a:t>
             </a:r>
             <a:r>
-              <a:rPr lang="zh-CN" altLang="en-US" sz="1600" dirty="0" smtClean="0"/>
+              <a:rPr lang="zh-CN" altLang="en-US" sz="1800" dirty="0" smtClean="0">
+                <a:latin typeface="华文宋体" panose="02010600040101010101" pitchFamily="2" charset="-122"/>
+                <a:ea typeface="华文宋体" panose="02010600040101010101" pitchFamily="2" charset="-122"/>
+              </a:rPr>
               <a:t>、向其它节点</a:t>
             </a:r>
             <a:r>
-              <a:rPr lang="zh-CN" altLang="en-US" sz="1600" dirty="0"/>
+              <a:rPr lang="zh-CN" altLang="en-US" sz="1800" dirty="0">
+                <a:latin typeface="华文宋体" panose="02010600040101010101" pitchFamily="2" charset="-122"/>
+                <a:ea typeface="华文宋体" panose="02010600040101010101" pitchFamily="2" charset="-122"/>
+              </a:rPr>
               <a:t>发送 </a:t>
             </a:r>
             <a:r>
-              <a:rPr lang="en-US" altLang="zh-CN" sz="1600" dirty="0"/>
+              <a:rPr lang="en-US" altLang="zh-CN" sz="1800" dirty="0">
+                <a:latin typeface="华文宋体" panose="02010600040101010101" pitchFamily="2" charset="-122"/>
+                <a:ea typeface="华文宋体" panose="02010600040101010101" pitchFamily="2" charset="-122"/>
+              </a:rPr>
               <a:t>PING </a:t>
             </a:r>
             <a:r>
-              <a:rPr lang="zh-CN" altLang="en-US" sz="1600" dirty="0"/>
+              <a:rPr lang="zh-CN" altLang="en-US" sz="1800" dirty="0">
+                <a:latin typeface="华文宋体" panose="02010600040101010101" pitchFamily="2" charset="-122"/>
+                <a:ea typeface="华文宋体" panose="02010600040101010101" pitchFamily="2" charset="-122"/>
+              </a:rPr>
               <a:t>数据包，以此来检查目标节点是否正常</a:t>
             </a:r>
             <a:r>
-              <a:rPr lang="zh-CN" altLang="en-US" sz="1600" dirty="0" smtClean="0"/>
+              <a:rPr lang="zh-CN" altLang="en-US" sz="1800" dirty="0" smtClean="0">
+                <a:latin typeface="华文宋体" panose="02010600040101010101" pitchFamily="2" charset="-122"/>
+                <a:ea typeface="华文宋体" panose="02010600040101010101" pitchFamily="2" charset="-122"/>
+              </a:rPr>
               <a:t>运作；</a:t>
             </a:r>
-            <a:endParaRPr lang="zh-CN" altLang="en-US" sz="1600" dirty="0"/>
-          </a:p>
-          <a:p>
-            <a:r>
-              <a:rPr lang="en-US" altLang="zh-CN" sz="1600" dirty="0" smtClean="0"/>
+            <a:endParaRPr lang="zh-CN" altLang="en-US" sz="1800" dirty="0">
+              <a:latin typeface="华文宋体" panose="02010600040101010101" pitchFamily="2" charset="-122"/>
+              <a:ea typeface="华文宋体" panose="02010600040101010101" pitchFamily="2" charset="-122"/>
+            </a:endParaRPr>
+          </a:p>
+          <a:p>
+            <a:r>
+              <a:rPr lang="en-US" altLang="zh-CN" sz="1800" dirty="0" smtClean="0">
+                <a:latin typeface="华文宋体" panose="02010600040101010101" pitchFamily="2" charset="-122"/>
+                <a:ea typeface="华文宋体" panose="02010600040101010101" pitchFamily="2" charset="-122"/>
+              </a:rPr>
               <a:t>3</a:t>
             </a:r>
             <a:r>
-              <a:rPr lang="zh-CN" altLang="en-US" sz="1600" dirty="0" smtClean="0"/>
+              <a:rPr lang="zh-CN" altLang="en-US" sz="1800" dirty="0" smtClean="0">
+                <a:latin typeface="华文宋体" panose="02010600040101010101" pitchFamily="2" charset="-122"/>
+                <a:ea typeface="华文宋体" panose="02010600040101010101" pitchFamily="2" charset="-122"/>
+              </a:rPr>
               <a:t>、在</a:t>
             </a:r>
             <a:r>
-              <a:rPr lang="zh-CN" altLang="en-US" sz="1600" dirty="0"/>
+              <a:rPr lang="zh-CN" altLang="en-US" sz="1800" dirty="0">
+                <a:latin typeface="华文宋体" panose="02010600040101010101" pitchFamily="2" charset="-122"/>
+                <a:ea typeface="华文宋体" panose="02010600040101010101" pitchFamily="2" charset="-122"/>
+              </a:rPr>
               <a:t>特定事件发生时，发送集群信息。</a:t>
             </a:r>
           </a:p>

--- a/doc/redis_cluster.pptx
+++ b/doc/redis_cluster.pptx
@@ -150,6 +150,9 @@
         </p15:guide>
       </p15:sldGuideLst>
     </p:ext>
+    <p:ext uri="{2D200454-40CA-4A62-9FC3-DE9A4176ACB9}">
+      <p15:notesGuideLst xmlns:p15="http://schemas.microsoft.com/office/powerpoint/2012/main"/>
+    </p:ext>
   </p:extLst>
 </p:presentation>
 </file>
@@ -237,7 +240,7 @@
             <a:fld id="{22280FE6-A104-468D-880C-8FA3CB8840D3}" type="datetimeFigureOut">
               <a:rPr lang="zh-CN" altLang="en-US" smtClean="0"/>
               <a:pPr/>
-              <a:t>2017/6/18</a:t>
+              <a:t>2017/6/20</a:t>
             </a:fld>
             <a:endParaRPr lang="zh-CN" altLang="en-US"/>
           </a:p>
@@ -886,7 +889,7 @@
               <a:pPr>
                 <a:defRPr/>
               </a:pPr>
-              <a:t>2017/6/18</a:t>
+              <a:t>2017/6/20</a:t>
             </a:fld>
             <a:endParaRPr lang="zh-CN" altLang="en-US" sz="1200" dirty="0">
               <a:solidFill>
@@ -968,7 +971,7 @@
             <a:fld id="{8C5BEB32-F9B7-4A26-A503-E0A0BBE82DBD}" type="datetimeFigureOut">
               <a:rPr lang="zh-CN" altLang="en-US" smtClean="0"/>
               <a:pPr/>
-              <a:t>2017/6/18</a:t>
+              <a:t>2017/6/20</a:t>
             </a:fld>
             <a:endParaRPr lang="zh-CN" altLang="en-US"/>
           </a:p>
@@ -1058,7 +1061,7 @@
                 <a:tabLst/>
                 <a:defRPr/>
               </a:pPr>
-              <a:t>2017/6/18</a:t>
+              <a:t>2017/6/20</a:t>
             </a:fld>
             <a:endParaRPr kumimoji="0" lang="zh-CN" altLang="en-US" sz="1200" b="0" i="0" u="none" strike="noStrike" kern="1200" cap="none" spc="0" normalizeH="0" baseline="0" noProof="0" dirty="0">
               <a:ln>
@@ -1350,7 +1353,7 @@
                 <a:tabLst/>
                 <a:defRPr/>
               </a:pPr>
-              <a:t>2017/6/18</a:t>
+              <a:t>2017/6/20</a:t>
             </a:fld>
             <a:endParaRPr kumimoji="0" lang="zh-CN" altLang="en-US" sz="1200" b="0" i="0" u="none" strike="noStrike" kern="1200" cap="none" spc="0" normalizeH="0" baseline="0" noProof="0" dirty="0">
               <a:ln>
@@ -1919,7 +1922,7 @@
                 <a:tabLst/>
                 <a:defRPr/>
               </a:pPr>
-              <a:t>2017/6/18</a:t>
+              <a:t>2017/6/20</a:t>
             </a:fld>
             <a:endParaRPr kumimoji="0" lang="zh-CN" altLang="en-US" sz="1200" b="0" i="0" u="none" strike="noStrike" kern="1200" cap="none" spc="0" normalizeH="0" baseline="0" noProof="0" dirty="0">
               <a:ln>
@@ -2471,7 +2474,7 @@
                 <a:tabLst/>
                 <a:defRPr/>
               </a:pPr>
-              <a:t>2017/6/18</a:t>
+              <a:t>2017/6/20</a:t>
             </a:fld>
             <a:endParaRPr kumimoji="0" lang="zh-CN" altLang="en-US" sz="1200" b="0" i="0" u="none" strike="noStrike" kern="1200" cap="none" spc="0" normalizeH="0" baseline="0" noProof="0" dirty="0">
               <a:ln>
@@ -2737,7 +2740,7 @@
             <a:fld id="{8C5BEB32-F9B7-4A26-A503-E0A0BBE82DBD}" type="datetimeFigureOut">
               <a:rPr lang="zh-CN" altLang="en-US" smtClean="0"/>
               <a:pPr/>
-              <a:t>2017/6/18</a:t>
+              <a:t>2017/6/20</a:t>
             </a:fld>
             <a:endParaRPr lang="zh-CN" altLang="en-US"/>
           </a:p>
@@ -2977,7 +2980,7 @@
                 <a:tabLst/>
                 <a:defRPr/>
               </a:pPr>
-              <a:t>2017/6/18</a:t>
+              <a:t>2017/6/20</a:t>
             </a:fld>
             <a:endParaRPr kumimoji="0" lang="zh-CN" altLang="en-US" sz="1200" b="0" i="0" u="none" strike="noStrike" kern="1200" cap="none" spc="0" normalizeH="0" baseline="0" noProof="0" dirty="0">
               <a:ln>
@@ -3163,7 +3166,7 @@
             <a:fld id="{8C5BEB32-F9B7-4A26-A503-E0A0BBE82DBD}" type="datetimeFigureOut">
               <a:rPr lang="zh-CN" altLang="en-US" smtClean="0"/>
               <a:pPr/>
-              <a:t>2017/6/18</a:t>
+              <a:t>2017/6/20</a:t>
             </a:fld>
             <a:endParaRPr lang="zh-CN" altLang="en-US"/>
           </a:p>
@@ -3403,7 +3406,7 @@
                 <a:tabLst/>
                 <a:defRPr/>
               </a:pPr>
-              <a:t>2017/6/18</a:t>
+              <a:t>2017/6/20</a:t>
             </a:fld>
             <a:endParaRPr kumimoji="0" lang="zh-CN" altLang="en-US" sz="1200" b="0" i="0" u="none" strike="noStrike" kern="1200" cap="none" spc="0" normalizeH="0" baseline="0" noProof="0" dirty="0">
               <a:ln>
@@ -3565,7 +3568,7 @@
             <a:fld id="{8C5BEB32-F9B7-4A26-A503-E0A0BBE82DBD}" type="datetimeFigureOut">
               <a:rPr lang="zh-CN" altLang="en-US" smtClean="0"/>
               <a:pPr/>
-              <a:t>2017/6/18</a:t>
+              <a:t>2017/6/20</a:t>
             </a:fld>
             <a:endParaRPr lang="zh-CN" altLang="en-US"/>
           </a:p>
@@ -3874,7 +3877,7 @@
                 <a:tabLst/>
                 <a:defRPr/>
               </a:pPr>
-              <a:t>2017/6/18</a:t>
+              <a:t>2017/6/20</a:t>
             </a:fld>
             <a:endParaRPr kumimoji="0" lang="zh-CN" altLang="en-US" sz="1200" b="0" i="0" u="none" strike="noStrike" kern="1200" cap="none" spc="0" normalizeH="0" baseline="0" noProof="0" dirty="0">
               <a:ln>
@@ -4036,7 +4039,7 @@
             <a:fld id="{8C5BEB32-F9B7-4A26-A503-E0A0BBE82DBD}" type="datetimeFigureOut">
               <a:rPr lang="zh-CN" altLang="en-US" smtClean="0"/>
               <a:pPr/>
-              <a:t>2017/6/18</a:t>
+              <a:t>2017/6/20</a:t>
             </a:fld>
             <a:endParaRPr lang="zh-CN" altLang="en-US"/>
           </a:p>
@@ -4232,7 +4235,7 @@
                 <a:tabLst/>
                 <a:defRPr/>
               </a:pPr>
-              <a:t>2017/6/18</a:t>
+              <a:t>2017/6/20</a:t>
             </a:fld>
             <a:endParaRPr kumimoji="0" lang="zh-CN" altLang="en-US" sz="1200" b="0" i="0" u="none" strike="noStrike" kern="1200" cap="none" spc="0" normalizeH="0" baseline="0" noProof="0" dirty="0">
               <a:ln>
@@ -4537,7 +4540,7 @@
             <a:fld id="{8C5BEB32-F9B7-4A26-A503-E0A0BBE82DBD}" type="datetimeFigureOut">
               <a:rPr lang="zh-CN" altLang="en-US" smtClean="0"/>
               <a:pPr/>
-              <a:t>2017/6/18</a:t>
+              <a:t>2017/6/20</a:t>
             </a:fld>
             <a:endParaRPr lang="zh-CN" altLang="en-US"/>
           </a:p>
@@ -5115,7 +5118,7 @@
               <a:pPr>
                 <a:defRPr/>
               </a:pPr>
-              <a:t>2017/6/18</a:t>
+              <a:t>2017/6/20</a:t>
             </a:fld>
             <a:endParaRPr lang="zh-CN" altLang="en-US" sz="1200" dirty="0">
               <a:solidFill>
@@ -6529,10 +6532,15 @@
             <p:ph idx="1"/>
           </p:nvPr>
         </p:nvSpPr>
-        <p:spPr/>
+        <p:spPr>
+          <a:xfrm>
+            <a:off x="428596" y="1047733"/>
+            <a:ext cx="8607900" cy="5143536"/>
+          </a:xfrm>
+        </p:spPr>
         <p:txBody>
           <a:bodyPr>
-            <a:normAutofit lnSpcReduction="10000"/>
+            <a:normAutofit fontScale="92500" lnSpcReduction="10000"/>
           </a:bodyPr>
           <a:lstStyle/>
           <a:p>
@@ -6683,11 +6691,7 @@
             </a:r>
             <a:r>
               <a:rPr lang="zh-CN" altLang="en-US" sz="1800" dirty="0" smtClean="0"/>
-              <a:t>的事务和数据库的概念上是不同</a:t>
-            </a:r>
-            <a:r>
-              <a:rPr lang="zh-CN" altLang="en-US" sz="1800" dirty="0" smtClean="0"/>
-              <a:t>的</a:t>
+              <a:t>的事务和数据库的概念上是不同的</a:t>
             </a:r>
             <a:endParaRPr lang="en-US" altLang="zh-CN" sz="1800" dirty="0" smtClean="0"/>
           </a:p>
@@ -6793,7 +6797,11 @@
             </a:r>
             <a:r>
               <a:rPr lang="zh-CN" altLang="en-US" sz="1800" dirty="0" smtClean="0"/>
-              <a:t>、不同的集群设置不同的密码，防止数据乱写</a:t>
+              <a:t>、不同的集群设置不同的密码，防止数据乱</a:t>
+            </a:r>
+            <a:r>
+              <a:rPr lang="zh-CN" altLang="en-US" sz="1800" dirty="0" smtClean="0"/>
+              <a:t>写</a:t>
             </a:r>
             <a:endParaRPr lang="en-US" altLang="zh-CN" sz="1800" dirty="0" smtClean="0"/>
           </a:p>
@@ -6803,7 +6811,50 @@
               <a:t>14</a:t>
             </a:r>
             <a:r>
+              <a:rPr lang="zh-CN" altLang="en-US" sz="1800" dirty="0"/>
+              <a:t> </a:t>
+            </a:r>
+            <a:r>
               <a:rPr lang="zh-CN" altLang="en-US" sz="1800" dirty="0" smtClean="0"/>
+              <a:t>、通过 </a:t>
+            </a:r>
+            <a:r>
+              <a:rPr lang="en-US" altLang="zh-CN" sz="1800" dirty="0" smtClean="0"/>
+              <a:t>rename-command </a:t>
+            </a:r>
+            <a:r>
+              <a:rPr lang="zh-CN" altLang="en-US" sz="1800" dirty="0" smtClean="0"/>
+              <a:t>配置项禁止 </a:t>
+            </a:r>
+            <a:r>
+              <a:rPr lang="en-US" altLang="zh-CN" sz="1800" dirty="0" err="1" smtClean="0"/>
+              <a:t>flushdb</a:t>
+            </a:r>
+            <a:r>
+              <a:rPr lang="en-US" altLang="zh-CN" sz="1800" dirty="0" smtClean="0"/>
+              <a:t>/</a:t>
+            </a:r>
+            <a:r>
+              <a:rPr lang="en-US" altLang="zh-CN" sz="1800" dirty="0" err="1" smtClean="0"/>
+              <a:t>flushall</a:t>
+            </a:r>
+            <a:r>
+              <a:rPr lang="en-US" altLang="zh-CN" sz="1800" dirty="0" smtClean="0"/>
+              <a:t>/shutdown </a:t>
+            </a:r>
+            <a:r>
+              <a:rPr lang="zh-CN" altLang="en-US" sz="1800" dirty="0" smtClean="0"/>
+              <a:t>等危险命令</a:t>
+            </a:r>
+            <a:endParaRPr lang="en-US" altLang="zh-CN" sz="1800" dirty="0" smtClean="0"/>
+          </a:p>
+          <a:p>
+            <a:r>
+              <a:rPr lang="en-US" altLang="zh-CN" sz="1800" smtClean="0"/>
+              <a:t>15</a:t>
+            </a:r>
+            <a:r>
+              <a:rPr lang="zh-CN" altLang="en-US" sz="1800" smtClean="0"/>
               <a:t>、</a:t>
             </a:r>
             <a:r>
@@ -8627,22 +8678,14 @@
           <a:p>
             <a:r>
               <a:rPr lang="zh-CN" altLang="en-US" dirty="0" smtClean="0"/>
-              <a:t>客户端</a:t>
-            </a:r>
-            <a:r>
-              <a:rPr lang="zh-CN" altLang="en-US" dirty="0" smtClean="0"/>
-              <a:t>要求</a:t>
+              <a:t>客户端要求</a:t>
             </a:r>
             <a:endParaRPr lang="en-US" altLang="zh-CN" dirty="0" smtClean="0"/>
           </a:p>
           <a:p>
             <a:r>
               <a:rPr lang="en-US" altLang="zh-CN" dirty="0" err="1" smtClean="0"/>
-              <a:t>redis_build</a:t>
-            </a:r>
-            <a:r>
-              <a:rPr lang="en-US" altLang="zh-CN" dirty="0" err="1" smtClean="0"/>
-              <a:t>er</a:t>
+              <a:t>redis_builder</a:t>
             </a:r>
             <a:r>
               <a:rPr lang="en-US" altLang="zh-CN" dirty="0" smtClean="0"/>
@@ -9290,11 +9333,7 @@
             </a:r>
             <a:r>
               <a:rPr lang="zh-CN" altLang="en-US" sz="1800" dirty="0" smtClean="0"/>
-              <a:t>、官方</a:t>
-            </a:r>
-            <a:r>
-              <a:rPr lang="zh-CN" altLang="en-US" sz="1800" dirty="0" smtClean="0"/>
-              <a:t>网站：</a:t>
+              <a:t>、官方网站：</a:t>
             </a:r>
             <a:r>
               <a:rPr lang="en-US" altLang="zh-CN" sz="1800" dirty="0" smtClean="0">
@@ -9311,11 +9350,7 @@
             </a:r>
             <a:r>
               <a:rPr lang="zh-CN" altLang="en-US" sz="1800" dirty="0" smtClean="0"/>
-              <a:t>、中文</a:t>
-            </a:r>
-            <a:r>
-              <a:rPr lang="zh-CN" altLang="en-US" sz="1800" dirty="0" smtClean="0"/>
-              <a:t>翻译网站：</a:t>
+              <a:t>、中文翻译网站：</a:t>
             </a:r>
             <a:r>
               <a:rPr lang="en-US" altLang="zh-CN" sz="1800" dirty="0">
@@ -9385,19 +9420,11 @@
             </a:r>
             <a:r>
               <a:rPr lang="en-US" altLang="zh-CN" sz="1800" dirty="0" smtClean="0"/>
-              <a:t>C</a:t>
-            </a:r>
-            <a:r>
-              <a:rPr lang="en-US" altLang="zh-CN" sz="1800" dirty="0" smtClean="0"/>
-              <a:t>++</a:t>
+              <a:t>C++</a:t>
             </a:r>
             <a:r>
               <a:rPr lang="zh-CN" altLang="en-US" sz="1800" dirty="0" smtClean="0"/>
-              <a:t>客户端库</a:t>
-            </a:r>
-            <a:r>
-              <a:rPr lang="zh-CN" altLang="en-US" sz="1800" dirty="0" smtClean="0"/>
-              <a:t>：</a:t>
+              <a:t>客户端库：</a:t>
             </a:r>
             <a:endParaRPr lang="en-US" altLang="zh-CN" sz="1800" dirty="0" smtClean="0"/>
           </a:p>
@@ -9427,11 +9454,7 @@
             </a:r>
             <a:r>
               <a:rPr lang="en-US" altLang="zh-CN" sz="1800" dirty="0" smtClean="0"/>
-              <a:t>Redis</a:t>
-            </a:r>
-            <a:r>
-              <a:rPr lang="en-US" altLang="zh-CN" sz="1800" dirty="0" smtClean="0"/>
-              <a:t>builder</a:t>
+              <a:t>Redisbuilder</a:t>
             </a:r>
             <a:r>
               <a:rPr lang="zh-CN" altLang="en-US" sz="1800" dirty="0" smtClean="0"/>

--- a/doc/redis_cluster.pptx
+++ b/doc/redis_cluster.pptx
@@ -9086,8 +9086,8 @@
         </p:blipFill>
         <p:spPr>
           <a:xfrm>
-            <a:off x="447116" y="928048"/>
-            <a:ext cx="4268900" cy="2164184"/>
+            <a:off x="320459" y="928048"/>
+            <a:ext cx="4395557" cy="2164184"/>
           </a:xfrm>
           <a:prstGeom prst="rect">
             <a:avLst/>
@@ -9146,8 +9146,8 @@
         </p:blipFill>
         <p:spPr>
           <a:xfrm>
-            <a:off x="447116" y="3310301"/>
-            <a:ext cx="4268900" cy="2006600"/>
+            <a:off x="320459" y="3310301"/>
+            <a:ext cx="4395557" cy="2006600"/>
           </a:xfrm>
           <a:prstGeom prst="rect">
             <a:avLst/>

--- a/doc/redis_cluster.pptx
+++ b/doc/redis_cluster.pptx
@@ -5,7 +5,7 @@
     <p:sldMasterId id="2147483648" r:id="rId1"/>
   </p:sldMasterIdLst>
   <p:notesMasterIdLst>
-    <p:notesMasterId r:id="rId29"/>
+    <p:notesMasterId r:id="rId33"/>
   </p:notesMasterIdLst>
   <p:sldIdLst>
     <p:sldId id="256" r:id="rId2"/>
@@ -25,16 +25,20 @@
     <p:sldId id="343" r:id="rId16"/>
     <p:sldId id="345" r:id="rId17"/>
     <p:sldId id="346" r:id="rId18"/>
-    <p:sldId id="359" r:id="rId19"/>
-    <p:sldId id="360" r:id="rId20"/>
-    <p:sldId id="350" r:id="rId21"/>
-    <p:sldId id="351" r:id="rId22"/>
-    <p:sldId id="352" r:id="rId23"/>
-    <p:sldId id="355" r:id="rId24"/>
-    <p:sldId id="354" r:id="rId25"/>
-    <p:sldId id="357" r:id="rId26"/>
-    <p:sldId id="353" r:id="rId27"/>
-    <p:sldId id="349" r:id="rId28"/>
+    <p:sldId id="363" r:id="rId19"/>
+    <p:sldId id="362" r:id="rId20"/>
+    <p:sldId id="359" r:id="rId21"/>
+    <p:sldId id="365" r:id="rId22"/>
+    <p:sldId id="364" r:id="rId23"/>
+    <p:sldId id="360" r:id="rId24"/>
+    <p:sldId id="350" r:id="rId25"/>
+    <p:sldId id="351" r:id="rId26"/>
+    <p:sldId id="352" r:id="rId27"/>
+    <p:sldId id="355" r:id="rId28"/>
+    <p:sldId id="354" r:id="rId29"/>
+    <p:sldId id="357" r:id="rId30"/>
+    <p:sldId id="353" r:id="rId31"/>
+    <p:sldId id="349" r:id="rId32"/>
   </p:sldIdLst>
   <p:sldSz cx="9144000" cy="6858000" type="screen4x3"/>
   <p:notesSz cx="6858000" cy="9144000"/>
@@ -243,7 +247,7 @@
             <a:fld id="{22280FE6-A104-468D-880C-8FA3CB8840D3}" type="datetimeFigureOut">
               <a:rPr lang="zh-CN" altLang="en-US" smtClean="0"/>
               <a:pPr/>
-              <a:t>2021/6/13</a:t>
+              <a:t>2021/8/24</a:t>
             </a:fld>
             <a:endParaRPr lang="zh-CN" altLang="en-US"/>
           </a:p>
@@ -891,7 +895,7 @@
               <a:pPr>
                 <a:defRPr/>
               </a:pPr>
-              <a:t>2021/6/13</a:t>
+              <a:t>2021/8/24</a:t>
             </a:fld>
             <a:endParaRPr lang="zh-CN" altLang="en-US" sz="1200" dirty="0">
               <a:solidFill>
@@ -973,7 +977,7 @@
             <a:fld id="{8C5BEB32-F9B7-4A26-A503-E0A0BBE82DBD}" type="datetimeFigureOut">
               <a:rPr lang="zh-CN" altLang="en-US" smtClean="0"/>
               <a:pPr/>
-              <a:t>2021/6/13</a:t>
+              <a:t>2021/8/24</a:t>
             </a:fld>
             <a:endParaRPr lang="zh-CN" altLang="en-US"/>
           </a:p>
@@ -1063,7 +1067,7 @@
                 <a:tabLst/>
                 <a:defRPr/>
               </a:pPr>
-              <a:t>2021/6/13</a:t>
+              <a:t>2021/8/24</a:t>
             </a:fld>
             <a:endParaRPr kumimoji="0" lang="zh-CN" altLang="en-US" sz="1200" b="0" i="0" u="none" strike="noStrike" kern="1200" cap="none" spc="0" normalizeH="0" baseline="0" noProof="0" dirty="0">
               <a:ln>
@@ -1355,7 +1359,7 @@
                 <a:tabLst/>
                 <a:defRPr/>
               </a:pPr>
-              <a:t>2021/6/13</a:t>
+              <a:t>2021/8/24</a:t>
             </a:fld>
             <a:endParaRPr kumimoji="0" lang="zh-CN" altLang="en-US" sz="1200" b="0" i="0" u="none" strike="noStrike" kern="1200" cap="none" spc="0" normalizeH="0" baseline="0" noProof="0" dirty="0">
               <a:ln>
@@ -1924,7 +1928,7 @@
                 <a:tabLst/>
                 <a:defRPr/>
               </a:pPr>
-              <a:t>2021/6/13</a:t>
+              <a:t>2021/8/24</a:t>
             </a:fld>
             <a:endParaRPr kumimoji="0" lang="zh-CN" altLang="en-US" sz="1200" b="0" i="0" u="none" strike="noStrike" kern="1200" cap="none" spc="0" normalizeH="0" baseline="0" noProof="0" dirty="0">
               <a:ln>
@@ -2476,7 +2480,7 @@
                 <a:tabLst/>
                 <a:defRPr/>
               </a:pPr>
-              <a:t>2021/6/13</a:t>
+              <a:t>2021/8/24</a:t>
             </a:fld>
             <a:endParaRPr kumimoji="0" lang="zh-CN" altLang="en-US" sz="1200" b="0" i="0" u="none" strike="noStrike" kern="1200" cap="none" spc="0" normalizeH="0" baseline="0" noProof="0" dirty="0">
               <a:ln>
@@ -2742,7 +2746,7 @@
             <a:fld id="{8C5BEB32-F9B7-4A26-A503-E0A0BBE82DBD}" type="datetimeFigureOut">
               <a:rPr lang="zh-CN" altLang="en-US" smtClean="0"/>
               <a:pPr/>
-              <a:t>2021/6/13</a:t>
+              <a:t>2021/8/24</a:t>
             </a:fld>
             <a:endParaRPr lang="zh-CN" altLang="en-US"/>
           </a:p>
@@ -2982,7 +2986,7 @@
                 <a:tabLst/>
                 <a:defRPr/>
               </a:pPr>
-              <a:t>2021/6/13</a:t>
+              <a:t>2021/8/24</a:t>
             </a:fld>
             <a:endParaRPr kumimoji="0" lang="zh-CN" altLang="en-US" sz="1200" b="0" i="0" u="none" strike="noStrike" kern="1200" cap="none" spc="0" normalizeH="0" baseline="0" noProof="0" dirty="0">
               <a:ln>
@@ -3168,7 +3172,7 @@
             <a:fld id="{8C5BEB32-F9B7-4A26-A503-E0A0BBE82DBD}" type="datetimeFigureOut">
               <a:rPr lang="zh-CN" altLang="en-US" smtClean="0"/>
               <a:pPr/>
-              <a:t>2021/6/13</a:t>
+              <a:t>2021/8/24</a:t>
             </a:fld>
             <a:endParaRPr lang="zh-CN" altLang="en-US"/>
           </a:p>
@@ -3408,7 +3412,7 @@
                 <a:tabLst/>
                 <a:defRPr/>
               </a:pPr>
-              <a:t>2021/6/13</a:t>
+              <a:t>2021/8/24</a:t>
             </a:fld>
             <a:endParaRPr kumimoji="0" lang="zh-CN" altLang="en-US" sz="1200" b="0" i="0" u="none" strike="noStrike" kern="1200" cap="none" spc="0" normalizeH="0" baseline="0" noProof="0" dirty="0">
               <a:ln>
@@ -3570,7 +3574,7 @@
             <a:fld id="{8C5BEB32-F9B7-4A26-A503-E0A0BBE82DBD}" type="datetimeFigureOut">
               <a:rPr lang="zh-CN" altLang="en-US" smtClean="0"/>
               <a:pPr/>
-              <a:t>2021/6/13</a:t>
+              <a:t>2021/8/24</a:t>
             </a:fld>
             <a:endParaRPr lang="zh-CN" altLang="en-US"/>
           </a:p>
@@ -3879,7 +3883,7 @@
                 <a:tabLst/>
                 <a:defRPr/>
               </a:pPr>
-              <a:t>2021/6/13</a:t>
+              <a:t>2021/8/24</a:t>
             </a:fld>
             <a:endParaRPr kumimoji="0" lang="zh-CN" altLang="en-US" sz="1200" b="0" i="0" u="none" strike="noStrike" kern="1200" cap="none" spc="0" normalizeH="0" baseline="0" noProof="0" dirty="0">
               <a:ln>
@@ -4041,7 +4045,7 @@
             <a:fld id="{8C5BEB32-F9B7-4A26-A503-E0A0BBE82DBD}" type="datetimeFigureOut">
               <a:rPr lang="zh-CN" altLang="en-US" smtClean="0"/>
               <a:pPr/>
-              <a:t>2021/6/13</a:t>
+              <a:t>2021/8/24</a:t>
             </a:fld>
             <a:endParaRPr lang="zh-CN" altLang="en-US"/>
           </a:p>
@@ -4237,7 +4241,7 @@
                 <a:tabLst/>
                 <a:defRPr/>
               </a:pPr>
-              <a:t>2021/6/13</a:t>
+              <a:t>2021/8/24</a:t>
             </a:fld>
             <a:endParaRPr kumimoji="0" lang="zh-CN" altLang="en-US" sz="1200" b="0" i="0" u="none" strike="noStrike" kern="1200" cap="none" spc="0" normalizeH="0" baseline="0" noProof="0" dirty="0">
               <a:ln>
@@ -4540,7 +4544,7 @@
             <a:fld id="{8C5BEB32-F9B7-4A26-A503-E0A0BBE82DBD}" type="datetimeFigureOut">
               <a:rPr lang="zh-CN" altLang="en-US" smtClean="0"/>
               <a:pPr/>
-              <a:t>2021/6/13</a:t>
+              <a:t>2021/8/24</a:t>
             </a:fld>
             <a:endParaRPr lang="zh-CN" altLang="en-US"/>
           </a:p>
@@ -5113,7 +5117,7 @@
               <a:pPr>
                 <a:defRPr/>
               </a:pPr>
-              <a:t>2021/6/13</a:t>
+              <a:t>2021/8/24</a:t>
             </a:fld>
             <a:endParaRPr lang="zh-CN" altLang="en-US" sz="1200" dirty="0">
               <a:solidFill>
@@ -7129,11 +7133,11 @@
           </a:p>
           <a:p>
             <a:r>
-              <a:rPr lang="en-US" altLang="zh-CN" sz="1800"/>
+              <a:rPr lang="en-US" altLang="zh-CN" sz="1800" dirty="0"/>
               <a:t>15</a:t>
             </a:r>
             <a:r>
-              <a:rPr lang="zh-CN" altLang="en-US" sz="1800"/>
+              <a:rPr lang="zh-CN" altLang="en-US" sz="1800" dirty="0"/>
               <a:t>、</a:t>
             </a:r>
             <a:r>
@@ -7365,7 +7369,7 @@
           <p:cNvPr id="2" name="标题 1">
             <a:extLst>
               <a:ext uri="{FF2B5EF4-FFF2-40B4-BE49-F238E27FC236}">
-                <a16:creationId xmlns:a16="http://schemas.microsoft.com/office/drawing/2014/main" id="{3E212908-A92E-B14B-827A-7E53A1157DF5}"/>
+                <a16:creationId xmlns:a16="http://schemas.microsoft.com/office/drawing/2014/main" id="{D92E6059-7330-984A-B58D-9DDC606976FF}"/>
               </a:ext>
             </a:extLst>
           </p:cNvPr>
@@ -7382,12 +7386,32 @@
           <a:lstStyle/>
           <a:p>
             <a:r>
+              <a:rPr kumimoji="1" lang="zh-CN" altLang="en-US" dirty="0"/>
+              <a:t>使用</a:t>
+            </a:r>
+            <a:r>
               <a:rPr kumimoji="1" lang="en-US" altLang="zh-CN" dirty="0"/>
-              <a:t>Pipeline</a:t>
+              <a:t>Acl</a:t>
             </a:r>
             <a:r>
               <a:rPr kumimoji="1" lang="zh-CN" altLang="en-US" dirty="0"/>
-              <a:t>模式提升效率</a:t>
+              <a:t> </a:t>
+            </a:r>
+            <a:r>
+              <a:rPr kumimoji="1" lang="en-US" altLang="zh-CN" dirty="0"/>
+              <a:t>Redis</a:t>
+            </a:r>
+            <a:r>
+              <a:rPr kumimoji="1" lang="zh-CN" altLang="en-US" dirty="0"/>
+              <a:t>库轻松编写</a:t>
+            </a:r>
+            <a:r>
+              <a:rPr kumimoji="1" lang="en-US" altLang="zh-CN" dirty="0"/>
+              <a:t>Redis</a:t>
+            </a:r>
+            <a:r>
+              <a:rPr kumimoji="1" lang="zh-CN" altLang="en-US" dirty="0"/>
+              <a:t>应用</a:t>
             </a:r>
           </a:p>
         </p:txBody>
@@ -7397,7 +7421,7 @@
           <p:cNvPr id="3" name="内容占位符 2">
             <a:extLst>
               <a:ext uri="{FF2B5EF4-FFF2-40B4-BE49-F238E27FC236}">
-                <a16:creationId xmlns:a16="http://schemas.microsoft.com/office/drawing/2014/main" id="{9E9F4012-ED4B-0540-863D-E2AC97EAAB82}"/>
+                <a16:creationId xmlns:a16="http://schemas.microsoft.com/office/drawing/2014/main" id="{9DBB5E3E-64BD-A64D-85FB-E2C7F5F27C2E}"/>
               </a:ext>
             </a:extLst>
           </p:cNvPr>
@@ -7408,1569 +7432,210 @@
             <p:ph idx="1"/>
           </p:nvPr>
         </p:nvSpPr>
-        <p:spPr>
-          <a:xfrm>
-            <a:off x="428596" y="1047733"/>
-            <a:ext cx="8229600" cy="2093235"/>
-          </a:xfrm>
-        </p:spPr>
+        <p:spPr/>
         <p:txBody>
           <a:bodyPr/>
           <a:lstStyle/>
           <a:p>
             <a:r>
+              <a:rPr kumimoji="1" lang="en-US" altLang="zh-CN" dirty="0"/>
+              <a:t>1</a:t>
+            </a:r>
+            <a:r>
               <a:rPr kumimoji="1" lang="zh-CN" altLang="en-US" dirty="0"/>
-              <a:t>非</a:t>
-            </a:r>
+              <a:t>、易用性：</a:t>
+            </a:r>
+            <a:r>
+              <a:rPr kumimoji="1" lang="zh-CN" altLang="en-US" sz="1800" dirty="0"/>
+              <a:t>象使用 </a:t>
+            </a:r>
+            <a:r>
+              <a:rPr kumimoji="1" lang="en-US" altLang="zh-CN" sz="1800" dirty="0"/>
+              <a:t>STL</a:t>
+            </a:r>
+            <a:r>
+              <a:rPr kumimoji="1" lang="zh-CN" altLang="en-US" sz="1800" dirty="0"/>
+              <a:t> 一样编写 </a:t>
+            </a:r>
+            <a:r>
+              <a:rPr kumimoji="1" lang="en-US" altLang="zh-CN" sz="1800" dirty="0"/>
+              <a:t>Redis</a:t>
+            </a:r>
+            <a:r>
+              <a:rPr kumimoji="1" lang="zh-CN" altLang="en-US" sz="1800" dirty="0"/>
+              <a:t> 应用，不必关心协议及通信细节；</a:t>
+            </a:r>
+            <a:endParaRPr kumimoji="1" lang="en-US" altLang="zh-CN" sz="1800" dirty="0"/>
+          </a:p>
+          <a:p>
             <a:r>
               <a:rPr kumimoji="1" lang="en-US" altLang="zh-CN" dirty="0"/>
-              <a:t>pipeline</a:t>
+              <a:t>2</a:t>
             </a:r>
             <a:r>
               <a:rPr kumimoji="1" lang="zh-CN" altLang="en-US" dirty="0"/>
-              <a:t>方式的缺点：</a:t>
-            </a:r>
-            <a:endParaRPr kumimoji="1" lang="en-US" altLang="zh-CN" dirty="0"/>
-          </a:p>
-          <a:p>
-            <a:r>
-              <a:rPr kumimoji="1" lang="en-US" altLang="zh-CN" sz="1600" dirty="0"/>
-              <a:t>1</a:t>
-            </a:r>
-            <a:r>
-              <a:rPr kumimoji="1" lang="zh-CN" altLang="en-US" sz="1600" dirty="0"/>
-              <a:t>、</a:t>
-            </a:r>
-            <a:r>
-              <a:rPr kumimoji="1" lang="en-US" altLang="zh-CN" sz="1600" dirty="0"/>
-              <a:t>『</a:t>
-            </a:r>
-            <a:r>
-              <a:rPr kumimoji="1" lang="zh-CN" altLang="en-US" sz="1600" dirty="0"/>
-              <a:t>问答式</a:t>
-            </a:r>
-            <a:r>
-              <a:rPr kumimoji="1" lang="en-US" altLang="zh-CN" sz="1600" dirty="0"/>
-              <a:t>』</a:t>
-            </a:r>
-            <a:r>
-              <a:rPr kumimoji="1" lang="zh-CN" altLang="en-US" sz="1600" dirty="0"/>
-              <a:t>的访问方式使</a:t>
-            </a:r>
-            <a:r>
-              <a:rPr kumimoji="1" lang="en-US" altLang="zh-CN" sz="1600" dirty="0"/>
-              <a:t>IO</a:t>
-            </a:r>
-            <a:r>
-              <a:rPr kumimoji="1" lang="zh-CN" altLang="en-US" sz="1600" dirty="0"/>
-              <a:t>读</a:t>
-            </a:r>
-            <a:r>
-              <a:rPr kumimoji="1" lang="en-US" altLang="zh-CN" sz="1600" dirty="0"/>
-              <a:t>/</a:t>
-            </a:r>
-            <a:r>
-              <a:rPr kumimoji="1" lang="zh-CN" altLang="en-US" sz="1600" dirty="0"/>
-              <a:t>写操作次数较多，使</a:t>
-            </a:r>
-            <a:r>
-              <a:rPr kumimoji="1" lang="en-US" altLang="zh-CN" sz="1600" dirty="0"/>
+              <a:t>、自动性：</a:t>
+            </a:r>
+            <a:r>
+              <a:rPr kumimoji="1" lang="zh-CN" altLang="en-US" sz="1800" dirty="0"/>
+              <a:t>网络连接池的建立、重试、容错、维护等都是自动的；</a:t>
+            </a:r>
+            <a:endParaRPr kumimoji="1" lang="en-US" altLang="zh-CN" sz="1800" dirty="0"/>
+          </a:p>
+          <a:p>
+            <a:r>
+              <a:rPr kumimoji="1" lang="en-US" altLang="zh-CN" dirty="0"/>
+              <a:t>3</a:t>
+            </a:r>
+            <a:r>
+              <a:rPr kumimoji="1" lang="zh-CN" altLang="en-US" dirty="0"/>
+              <a:t>、高效性：</a:t>
+            </a:r>
+            <a:r>
+              <a:rPr kumimoji="1" lang="zh-CN" altLang="en-US" sz="1800" dirty="0"/>
+              <a:t>内部采用局部内存池等优化措施，具有非常高的性能；同时支持 </a:t>
+            </a:r>
+            <a:r>
+              <a:rPr kumimoji="1" lang="en-US" altLang="zh-CN" sz="1800" dirty="0"/>
+              <a:t>Pipeline</a:t>
+            </a:r>
+            <a:r>
+              <a:rPr kumimoji="1" lang="zh-CN" altLang="en-US" sz="1800" dirty="0"/>
+              <a:t> 高效通信方式，在高并发情况下使化性能最大化；</a:t>
+            </a:r>
+            <a:endParaRPr kumimoji="1" lang="en-US" altLang="zh-CN" sz="1800" dirty="0"/>
+          </a:p>
+          <a:p>
+            <a:r>
+              <a:rPr kumimoji="1" lang="en-US" altLang="zh-CN" dirty="0"/>
+              <a:t>4</a:t>
+            </a:r>
+            <a:r>
+              <a:rPr kumimoji="1" lang="zh-CN" altLang="en-US" dirty="0"/>
+              <a:t>、稳定性：</a:t>
+            </a:r>
+            <a:r>
+              <a:rPr kumimoji="1" lang="zh-CN" altLang="en-US" sz="1800" dirty="0"/>
+              <a:t>采用分层设计及多项保护措施，编写了大量测试用例，具有很高的稳定性；</a:t>
+            </a:r>
+            <a:endParaRPr kumimoji="1" lang="en-US" altLang="zh-CN" sz="1800" dirty="0"/>
+          </a:p>
+          <a:p>
+            <a:r>
+              <a:rPr kumimoji="1" lang="en-US" altLang="zh-CN" dirty="0"/>
+              <a:t>5</a:t>
+            </a:r>
+            <a:r>
+              <a:rPr kumimoji="1" lang="zh-CN" altLang="en-US" dirty="0"/>
+              <a:t>、通用性：</a:t>
+            </a:r>
+            <a:r>
+              <a:rPr kumimoji="1" lang="zh-CN" altLang="en-US" sz="1800" dirty="0"/>
+              <a:t>编写的应用可支持单机模式及集群模式，没有切换成本；</a:t>
+            </a:r>
+            <a:endParaRPr kumimoji="1" lang="en-US" altLang="zh-CN" sz="1800" dirty="0"/>
+          </a:p>
+          <a:p>
+            <a:r>
+              <a:rPr kumimoji="1" lang="en-US" altLang="zh-CN" dirty="0"/>
+              <a:t>6</a:t>
+            </a:r>
+            <a:r>
+              <a:rPr kumimoji="1" lang="zh-CN" altLang="en-US" dirty="0"/>
+              <a:t>、安全性：</a:t>
+            </a:r>
+            <a:r>
+              <a:rPr kumimoji="1" lang="zh-CN" altLang="en-US" sz="1800" dirty="0"/>
+              <a:t>支持 </a:t>
+            </a:r>
+            <a:r>
+              <a:rPr kumimoji="1" lang="en-US" altLang="zh-CN" sz="1800" dirty="0"/>
+              <a:t>SSL</a:t>
+            </a:r>
+            <a:r>
+              <a:rPr kumimoji="1" lang="zh-CN" altLang="en-US" sz="1800" dirty="0"/>
+              <a:t> 安全通信方式；支持设置集群连接的用户名及密码；</a:t>
+            </a:r>
+            <a:endParaRPr kumimoji="1" lang="en-US" altLang="zh-CN" sz="1800" dirty="0"/>
+          </a:p>
+          <a:p>
+            <a:r>
+              <a:rPr kumimoji="1" lang="en-US" altLang="zh-CN" dirty="0"/>
+              <a:t>7</a:t>
+            </a:r>
+            <a:r>
+              <a:rPr kumimoji="1" lang="zh-CN" altLang="en-US" dirty="0"/>
+              <a:t>、跨平台：</a:t>
+            </a:r>
+            <a:r>
+              <a:rPr kumimoji="1" lang="zh-CN" altLang="en-US" sz="1800" dirty="0"/>
+              <a:t>支持主流的 </a:t>
+            </a:r>
+            <a:r>
+              <a:rPr kumimoji="1" lang="en-US" altLang="zh-CN" sz="1800" dirty="0"/>
+              <a:t>Linux/Windows/FreeBSD/MacOS</a:t>
+            </a:r>
+            <a:r>
+              <a:rPr kumimoji="1" lang="zh-CN" altLang="en-US" sz="1800" dirty="0"/>
+              <a:t>；</a:t>
+            </a:r>
+            <a:endParaRPr kumimoji="1" lang="en-US" altLang="zh-CN" sz="1800" dirty="0"/>
+          </a:p>
+          <a:p>
+            <a:r>
+              <a:rPr kumimoji="1" lang="en-US" altLang="zh-CN" dirty="0"/>
+              <a:t>8</a:t>
+            </a:r>
+            <a:r>
+              <a:rPr kumimoji="1" lang="zh-CN" altLang="en-US" dirty="0"/>
+              <a:t>、实践性：</a:t>
+            </a:r>
+            <a:r>
+              <a:rPr kumimoji="1" lang="zh-CN" altLang="en-US" sz="1800" dirty="0"/>
+              <a:t>经过大量的工程实践，证明是安全高效、稳定可靠的。</a:t>
+            </a:r>
+            <a:endParaRPr kumimoji="1" lang="en-US" altLang="zh-CN" sz="1800" dirty="0"/>
+          </a:p>
+          <a:p>
+            <a:endParaRPr kumimoji="1" lang="en-US" altLang="zh-CN" sz="1800" dirty="0"/>
+          </a:p>
+          <a:p>
+            <a:r>
+              <a:rPr kumimoji="1" lang="en-US" altLang="zh-CN" sz="1800" dirty="0"/>
+              <a:t>Acl</a:t>
+            </a:r>
+            <a:r>
+              <a:rPr kumimoji="1" lang="zh-CN" altLang="en-US" sz="1800" dirty="0"/>
+              <a:t> </a:t>
+            </a:r>
+            <a:r>
+              <a:rPr kumimoji="1" lang="en-US" altLang="zh-CN" sz="1800" dirty="0"/>
               <a:t>Redis</a:t>
             </a:r>
             <a:r>
-              <a:rPr kumimoji="1" lang="zh-CN" altLang="en-US" sz="1600" dirty="0"/>
-              <a:t>通信能力下降；</a:t>
-            </a:r>
-            <a:endParaRPr kumimoji="1" lang="en-US" altLang="zh-CN" sz="1600" dirty="0"/>
-          </a:p>
-          <a:p>
-            <a:r>
-              <a:rPr kumimoji="1" lang="en-US" altLang="zh-CN" sz="1600" dirty="0"/>
-              <a:t>2</a:t>
-            </a:r>
-            <a:r>
-              <a:rPr kumimoji="1" lang="zh-CN" altLang="en-US" sz="1600" dirty="0"/>
-              <a:t>、客户端并发较大时，使</a:t>
-            </a:r>
-            <a:r>
-              <a:rPr kumimoji="1" lang="en-US" altLang="zh-CN" sz="1600" dirty="0"/>
-              <a:t>Redis</a:t>
-            </a:r>
-            <a:r>
-              <a:rPr kumimoji="1" lang="zh-CN" altLang="en-US" sz="1600" dirty="0"/>
-              <a:t>的处理能力下降。</a:t>
-            </a:r>
-            <a:endParaRPr kumimoji="1" lang="en-US" altLang="zh-CN" sz="1600" dirty="0"/>
-          </a:p>
-          <a:p>
-            <a:r>
-              <a:rPr kumimoji="1" lang="en-US" altLang="zh-CN" dirty="0"/>
-              <a:t>Pipeline</a:t>
-            </a:r>
-            <a:r>
-              <a:rPr kumimoji="1" lang="zh-CN" altLang="en-US" dirty="0"/>
-              <a:t>模式的优势：</a:t>
-            </a:r>
-            <a:endParaRPr kumimoji="1" lang="en-US" altLang="zh-CN" dirty="0"/>
-          </a:p>
-          <a:p>
-            <a:r>
-              <a:rPr kumimoji="1" lang="en-US" altLang="zh-CN" sz="1600" dirty="0"/>
-              <a:t>1</a:t>
-            </a:r>
-            <a:r>
-              <a:rPr kumimoji="1" lang="zh-CN" altLang="en-US" sz="1600" dirty="0"/>
-              <a:t>、合并多个请求</a:t>
-            </a:r>
-            <a:r>
-              <a:rPr kumimoji="1" lang="en-US" altLang="zh-CN" sz="1600" dirty="0"/>
-              <a:t>『</a:t>
-            </a:r>
-            <a:r>
-              <a:rPr kumimoji="1" lang="zh-CN" altLang="en-US" sz="1600" dirty="0"/>
-              <a:t>一次性</a:t>
-            </a:r>
-            <a:r>
-              <a:rPr kumimoji="1" lang="en-US" altLang="zh-CN" sz="1600" dirty="0"/>
-              <a:t>』</a:t>
-            </a:r>
-            <a:r>
-              <a:rPr kumimoji="1" lang="zh-CN" altLang="en-US" sz="1600" dirty="0"/>
-              <a:t>发送至</a:t>
-            </a:r>
-            <a:r>
-              <a:rPr kumimoji="1" lang="en-US" altLang="zh-CN" sz="1600" dirty="0"/>
-              <a:t>Redis</a:t>
-            </a:r>
-            <a:r>
-              <a:rPr kumimoji="1" lang="zh-CN" altLang="en-US" sz="1600" dirty="0"/>
-              <a:t>服务端，减少通信次数及</a:t>
-            </a:r>
-            <a:r>
-              <a:rPr kumimoji="1" lang="en-US" altLang="zh-CN" sz="1600" dirty="0"/>
-              <a:t>IO</a:t>
-            </a:r>
-            <a:r>
-              <a:rPr kumimoji="1" lang="zh-CN" altLang="en-US" sz="1600" dirty="0"/>
-              <a:t>次数；</a:t>
-            </a:r>
-            <a:endParaRPr kumimoji="1" lang="en-US" altLang="zh-CN" sz="1600" dirty="0"/>
-          </a:p>
-          <a:p>
-            <a:r>
-              <a:rPr kumimoji="1" lang="en-US" altLang="zh-CN" sz="1600" dirty="0"/>
-              <a:t>2</a:t>
-            </a:r>
-            <a:r>
-              <a:rPr kumimoji="1" lang="zh-CN" altLang="en-US" sz="1600" dirty="0"/>
-              <a:t>、</a:t>
-            </a:r>
-            <a:r>
-              <a:rPr kumimoji="1" lang="en-US" altLang="zh-CN" sz="1600" dirty="0"/>
-              <a:t>Redis</a:t>
-            </a:r>
-            <a:r>
-              <a:rPr kumimoji="1" lang="zh-CN" altLang="en-US" sz="1600" dirty="0"/>
-              <a:t>服务端一次读操作便可读到多个请求，依次处理这些请求，减少了</a:t>
-            </a:r>
-            <a:r>
-              <a:rPr kumimoji="1" lang="en-US" altLang="zh-CN" sz="1600" dirty="0"/>
-              <a:t>IO</a:t>
-            </a:r>
-            <a:r>
-              <a:rPr kumimoji="1" lang="zh-CN" altLang="en-US" sz="1600" dirty="0"/>
-              <a:t>次数。</a:t>
-            </a:r>
-          </a:p>
-        </p:txBody>
-      </p:sp>
-      <p:sp>
-        <p:nvSpPr>
-          <p:cNvPr id="4" name="椭圆 3">
-            <a:extLst>
-              <a:ext uri="{FF2B5EF4-FFF2-40B4-BE49-F238E27FC236}">
-                <a16:creationId xmlns:a16="http://schemas.microsoft.com/office/drawing/2014/main" id="{82E009C4-47D6-4C45-ABF4-83523A3B20C2}"/>
-              </a:ext>
-            </a:extLst>
-          </p:cNvPr>
-          <p:cNvSpPr/>
-          <p:nvPr/>
-        </p:nvSpPr>
-        <p:spPr>
-          <a:xfrm>
-            <a:off x="1403648" y="3714788"/>
-            <a:ext cx="792088" cy="432048"/>
-          </a:xfrm>
-          <a:prstGeom prst="ellipse">
-            <a:avLst/>
-          </a:prstGeom>
-          <a:solidFill>
-            <a:schemeClr val="accent3">
-              <a:lumMod val="75000"/>
-            </a:schemeClr>
-          </a:solidFill>
-          <a:ln>
-            <a:noFill/>
-          </a:ln>
-        </p:spPr>
-        <p:style>
-          <a:lnRef idx="2">
-            <a:schemeClr val="accent1">
-              <a:shade val="50000"/>
-            </a:schemeClr>
-          </a:lnRef>
-          <a:fillRef idx="1">
-            <a:schemeClr val="accent1"/>
-          </a:fillRef>
-          <a:effectRef idx="0">
-            <a:schemeClr val="accent1"/>
-          </a:effectRef>
-          <a:fontRef idx="minor">
-            <a:schemeClr val="lt1"/>
-          </a:fontRef>
-        </p:style>
-        <p:txBody>
-          <a:bodyPr rtlCol="0" anchor="ctr"/>
-          <a:lstStyle/>
-          <a:p>
-            <a:pPr algn="ctr"/>
-            <a:r>
-              <a:rPr kumimoji="1" lang="en-US" altLang="zh-CN" sz="1000" dirty="0"/>
-              <a:t>Client</a:t>
-            </a:r>
-            <a:endParaRPr kumimoji="1" lang="zh-CN" altLang="en-US" sz="1000" dirty="0"/>
-          </a:p>
-        </p:txBody>
-      </p:sp>
-      <p:sp>
-        <p:nvSpPr>
-          <p:cNvPr id="7" name="椭圆 6">
-            <a:extLst>
-              <a:ext uri="{FF2B5EF4-FFF2-40B4-BE49-F238E27FC236}">
-                <a16:creationId xmlns:a16="http://schemas.microsoft.com/office/drawing/2014/main" id="{0EB5EE39-AAE2-FC47-9A28-4DA0ADEB6BE1}"/>
-              </a:ext>
-            </a:extLst>
-          </p:cNvPr>
-          <p:cNvSpPr/>
-          <p:nvPr/>
-        </p:nvSpPr>
-        <p:spPr>
-          <a:xfrm>
-            <a:off x="3143217" y="4506876"/>
-            <a:ext cx="1008112" cy="432048"/>
-          </a:xfrm>
-          <a:prstGeom prst="ellipse">
-            <a:avLst/>
-          </a:prstGeom>
-          <a:solidFill>
-            <a:srgbClr val="00B050"/>
-          </a:solidFill>
-          <a:ln>
-            <a:noFill/>
-          </a:ln>
-        </p:spPr>
-        <p:style>
-          <a:lnRef idx="2">
-            <a:schemeClr val="accent1">
-              <a:shade val="50000"/>
-            </a:schemeClr>
-          </a:lnRef>
-          <a:fillRef idx="1">
-            <a:schemeClr val="accent1"/>
-          </a:fillRef>
-          <a:effectRef idx="0">
-            <a:schemeClr val="accent1"/>
-          </a:effectRef>
-          <a:fontRef idx="minor">
-            <a:schemeClr val="lt1"/>
-          </a:fontRef>
-        </p:style>
-        <p:txBody>
-          <a:bodyPr rtlCol="0" anchor="ctr"/>
-          <a:lstStyle/>
-          <a:p>
-            <a:pPr algn="ctr"/>
-            <a:r>
-              <a:rPr kumimoji="1" lang="en-US" altLang="zh-CN" sz="1000" dirty="0"/>
-              <a:t>Collection</a:t>
-            </a:r>
-            <a:endParaRPr kumimoji="1" lang="zh-CN" altLang="en-US" sz="1000" dirty="0"/>
-          </a:p>
-        </p:txBody>
-      </p:sp>
-      <p:sp>
-        <p:nvSpPr>
-          <p:cNvPr id="8" name="椭圆 7">
-            <a:extLst>
-              <a:ext uri="{FF2B5EF4-FFF2-40B4-BE49-F238E27FC236}">
-                <a16:creationId xmlns:a16="http://schemas.microsoft.com/office/drawing/2014/main" id="{5B87FDDF-DA2A-504F-BDB7-18C06F4D291F}"/>
-              </a:ext>
-            </a:extLst>
-          </p:cNvPr>
-          <p:cNvSpPr/>
-          <p:nvPr/>
-        </p:nvSpPr>
-        <p:spPr>
-          <a:xfrm>
-            <a:off x="1403648" y="4290852"/>
-            <a:ext cx="792088" cy="432048"/>
-          </a:xfrm>
-          <a:prstGeom prst="ellipse">
-            <a:avLst/>
-          </a:prstGeom>
-          <a:solidFill>
-            <a:schemeClr val="accent3">
-              <a:lumMod val="75000"/>
-            </a:schemeClr>
-          </a:solidFill>
-          <a:ln>
-            <a:noFill/>
-          </a:ln>
-        </p:spPr>
-        <p:style>
-          <a:lnRef idx="2">
-            <a:schemeClr val="accent1">
-              <a:shade val="50000"/>
-            </a:schemeClr>
-          </a:lnRef>
-          <a:fillRef idx="1">
-            <a:schemeClr val="accent1"/>
-          </a:fillRef>
-          <a:effectRef idx="0">
-            <a:schemeClr val="accent1"/>
-          </a:effectRef>
-          <a:fontRef idx="minor">
-            <a:schemeClr val="lt1"/>
-          </a:fontRef>
-        </p:style>
-        <p:txBody>
-          <a:bodyPr rtlCol="0" anchor="ctr"/>
-          <a:lstStyle/>
-          <a:p>
-            <a:pPr algn="ctr"/>
-            <a:r>
-              <a:rPr kumimoji="1" lang="en-US" altLang="zh-CN" sz="1000" dirty="0"/>
-              <a:t>Client</a:t>
-            </a:r>
-            <a:endParaRPr kumimoji="1" lang="zh-CN" altLang="en-US" sz="1000" dirty="0"/>
-          </a:p>
-        </p:txBody>
-      </p:sp>
-      <p:sp>
-        <p:nvSpPr>
-          <p:cNvPr id="9" name="椭圆 8">
-            <a:extLst>
-              <a:ext uri="{FF2B5EF4-FFF2-40B4-BE49-F238E27FC236}">
-                <a16:creationId xmlns:a16="http://schemas.microsoft.com/office/drawing/2014/main" id="{AA9E4367-EF5A-1D4C-BD44-90DA1C74EF40}"/>
-              </a:ext>
-            </a:extLst>
-          </p:cNvPr>
-          <p:cNvSpPr/>
-          <p:nvPr/>
-        </p:nvSpPr>
-        <p:spPr>
-          <a:xfrm>
-            <a:off x="1403648" y="4866916"/>
-            <a:ext cx="792088" cy="432048"/>
-          </a:xfrm>
-          <a:prstGeom prst="ellipse">
-            <a:avLst/>
-          </a:prstGeom>
-          <a:solidFill>
-            <a:schemeClr val="accent3">
-              <a:lumMod val="75000"/>
-            </a:schemeClr>
-          </a:solidFill>
-          <a:ln>
-            <a:noFill/>
-          </a:ln>
-        </p:spPr>
-        <p:style>
-          <a:lnRef idx="2">
-            <a:schemeClr val="accent1">
-              <a:shade val="50000"/>
-            </a:schemeClr>
-          </a:lnRef>
-          <a:fillRef idx="1">
-            <a:schemeClr val="accent1"/>
-          </a:fillRef>
-          <a:effectRef idx="0">
-            <a:schemeClr val="accent1"/>
-          </a:effectRef>
-          <a:fontRef idx="minor">
-            <a:schemeClr val="lt1"/>
-          </a:fontRef>
-        </p:style>
-        <p:txBody>
-          <a:bodyPr rtlCol="0" anchor="ctr"/>
-          <a:lstStyle/>
-          <a:p>
-            <a:pPr algn="ctr"/>
-            <a:r>
-              <a:rPr kumimoji="1" lang="en-US" altLang="zh-CN" sz="1000" dirty="0"/>
-              <a:t>Client</a:t>
-            </a:r>
-            <a:endParaRPr kumimoji="1" lang="zh-CN" altLang="en-US" sz="1000" dirty="0"/>
-          </a:p>
-        </p:txBody>
-      </p:sp>
-      <p:sp>
-        <p:nvSpPr>
-          <p:cNvPr id="10" name="椭圆 9">
-            <a:extLst>
-              <a:ext uri="{FF2B5EF4-FFF2-40B4-BE49-F238E27FC236}">
-                <a16:creationId xmlns:a16="http://schemas.microsoft.com/office/drawing/2014/main" id="{D2F40D31-0A12-8248-9FC7-2D9C36D71571}"/>
-              </a:ext>
-            </a:extLst>
-          </p:cNvPr>
-          <p:cNvSpPr/>
-          <p:nvPr/>
-        </p:nvSpPr>
-        <p:spPr>
-          <a:xfrm>
-            <a:off x="1403648" y="5442980"/>
-            <a:ext cx="792088" cy="432048"/>
-          </a:xfrm>
-          <a:prstGeom prst="ellipse">
-            <a:avLst/>
-          </a:prstGeom>
-          <a:solidFill>
-            <a:schemeClr val="accent3">
-              <a:lumMod val="75000"/>
-            </a:schemeClr>
-          </a:solidFill>
-          <a:ln>
-            <a:noFill/>
-          </a:ln>
-        </p:spPr>
-        <p:style>
-          <a:lnRef idx="2">
-            <a:schemeClr val="accent1">
-              <a:shade val="50000"/>
-            </a:schemeClr>
-          </a:lnRef>
-          <a:fillRef idx="1">
-            <a:schemeClr val="accent1"/>
-          </a:fillRef>
-          <a:effectRef idx="0">
-            <a:schemeClr val="accent1"/>
-          </a:effectRef>
-          <a:fontRef idx="minor">
-            <a:schemeClr val="lt1"/>
-          </a:fontRef>
-        </p:style>
-        <p:txBody>
-          <a:bodyPr rtlCol="0" anchor="ctr"/>
-          <a:lstStyle/>
-          <a:p>
-            <a:pPr algn="ctr"/>
-            <a:r>
-              <a:rPr kumimoji="1" lang="en-US" altLang="zh-CN" sz="1000" dirty="0"/>
-              <a:t>…</a:t>
-            </a:r>
-            <a:endParaRPr kumimoji="1" lang="zh-CN" altLang="en-US" sz="1000" dirty="0"/>
-          </a:p>
-        </p:txBody>
-      </p:sp>
-      <p:cxnSp>
-        <p:nvCxnSpPr>
-          <p:cNvPr id="12" name="直线箭头连接符 11">
-            <a:extLst>
-              <a:ext uri="{FF2B5EF4-FFF2-40B4-BE49-F238E27FC236}">
-                <a16:creationId xmlns:a16="http://schemas.microsoft.com/office/drawing/2014/main" id="{D5383AB0-5577-4D44-B8EC-CDDBDD436937}"/>
-              </a:ext>
-            </a:extLst>
-          </p:cNvPr>
-          <p:cNvCxnSpPr>
-            <a:cxnSpLocks/>
-            <a:stCxn id="4" idx="6"/>
-            <a:endCxn id="7" idx="2"/>
-          </p:cNvCxnSpPr>
-          <p:nvPr/>
-        </p:nvCxnSpPr>
-        <p:spPr>
-          <a:xfrm>
-            <a:off x="2195736" y="3930812"/>
-            <a:ext cx="947481" cy="792088"/>
-          </a:xfrm>
-          <a:prstGeom prst="straightConnector1">
-            <a:avLst/>
-          </a:prstGeom>
-          <a:ln>
-            <a:solidFill>
-              <a:srgbClr val="0070C0"/>
-            </a:solidFill>
-            <a:tailEnd type="triangle"/>
-          </a:ln>
-        </p:spPr>
-        <p:style>
-          <a:lnRef idx="1">
-            <a:schemeClr val="accent1"/>
-          </a:lnRef>
-          <a:fillRef idx="0">
-            <a:schemeClr val="accent1"/>
-          </a:fillRef>
-          <a:effectRef idx="0">
-            <a:schemeClr val="accent1"/>
-          </a:effectRef>
-          <a:fontRef idx="minor">
-            <a:schemeClr val="tx1"/>
-          </a:fontRef>
-        </p:style>
-      </p:cxnSp>
-      <p:cxnSp>
-        <p:nvCxnSpPr>
-          <p:cNvPr id="14" name="直线箭头连接符 13">
-            <a:extLst>
-              <a:ext uri="{FF2B5EF4-FFF2-40B4-BE49-F238E27FC236}">
-                <a16:creationId xmlns:a16="http://schemas.microsoft.com/office/drawing/2014/main" id="{3DADE832-B6F0-7E49-96C4-AECC385C0BD7}"/>
-              </a:ext>
-            </a:extLst>
-          </p:cNvPr>
-          <p:cNvCxnSpPr>
-            <a:cxnSpLocks/>
-            <a:stCxn id="8" idx="6"/>
-            <a:endCxn id="7" idx="2"/>
-          </p:cNvCxnSpPr>
-          <p:nvPr/>
-        </p:nvCxnSpPr>
-        <p:spPr>
-          <a:xfrm>
-            <a:off x="2195736" y="4506876"/>
-            <a:ext cx="947481" cy="216024"/>
-          </a:xfrm>
-          <a:prstGeom prst="straightConnector1">
-            <a:avLst/>
-          </a:prstGeom>
-          <a:ln>
-            <a:solidFill>
-              <a:srgbClr val="0070C0"/>
-            </a:solidFill>
-            <a:tailEnd type="triangle"/>
-          </a:ln>
-        </p:spPr>
-        <p:style>
-          <a:lnRef idx="1">
-            <a:schemeClr val="accent1"/>
-          </a:lnRef>
-          <a:fillRef idx="0">
-            <a:schemeClr val="accent1"/>
-          </a:fillRef>
-          <a:effectRef idx="0">
-            <a:schemeClr val="accent1"/>
-          </a:effectRef>
-          <a:fontRef idx="minor">
-            <a:schemeClr val="tx1"/>
-          </a:fontRef>
-        </p:style>
-      </p:cxnSp>
-      <p:cxnSp>
-        <p:nvCxnSpPr>
-          <p:cNvPr id="16" name="直线箭头连接符 15">
-            <a:extLst>
-              <a:ext uri="{FF2B5EF4-FFF2-40B4-BE49-F238E27FC236}">
-                <a16:creationId xmlns:a16="http://schemas.microsoft.com/office/drawing/2014/main" id="{C946F8A2-F1AD-C043-AD7A-1C53EE39A4C9}"/>
-              </a:ext>
-            </a:extLst>
-          </p:cNvPr>
-          <p:cNvCxnSpPr>
-            <a:cxnSpLocks/>
-            <a:stCxn id="9" idx="6"/>
-            <a:endCxn id="7" idx="2"/>
-          </p:cNvCxnSpPr>
-          <p:nvPr/>
-        </p:nvCxnSpPr>
-        <p:spPr>
-          <a:xfrm flipV="1">
-            <a:off x="2195736" y="4722900"/>
-            <a:ext cx="947481" cy="360040"/>
-          </a:xfrm>
-          <a:prstGeom prst="straightConnector1">
-            <a:avLst/>
-          </a:prstGeom>
-          <a:ln>
-            <a:solidFill>
-              <a:srgbClr val="0070C0"/>
-            </a:solidFill>
-            <a:tailEnd type="triangle"/>
-          </a:ln>
-        </p:spPr>
-        <p:style>
-          <a:lnRef idx="1">
-            <a:schemeClr val="accent1"/>
-          </a:lnRef>
-          <a:fillRef idx="0">
-            <a:schemeClr val="accent1"/>
-          </a:fillRef>
-          <a:effectRef idx="0">
-            <a:schemeClr val="accent1"/>
-          </a:effectRef>
-          <a:fontRef idx="minor">
-            <a:schemeClr val="tx1"/>
-          </a:fontRef>
-        </p:style>
-      </p:cxnSp>
-      <p:cxnSp>
-        <p:nvCxnSpPr>
-          <p:cNvPr id="18" name="直线箭头连接符 17">
-            <a:extLst>
-              <a:ext uri="{FF2B5EF4-FFF2-40B4-BE49-F238E27FC236}">
-                <a16:creationId xmlns:a16="http://schemas.microsoft.com/office/drawing/2014/main" id="{2C3B31BF-4730-B946-92D2-7D99432BB4A7}"/>
-              </a:ext>
-            </a:extLst>
-          </p:cNvPr>
-          <p:cNvCxnSpPr>
-            <a:cxnSpLocks/>
-            <a:stCxn id="10" idx="6"/>
-            <a:endCxn id="7" idx="2"/>
-          </p:cNvCxnSpPr>
-          <p:nvPr/>
-        </p:nvCxnSpPr>
-        <p:spPr>
-          <a:xfrm flipV="1">
-            <a:off x="2195736" y="4722900"/>
-            <a:ext cx="947481" cy="936104"/>
-          </a:xfrm>
-          <a:prstGeom prst="straightConnector1">
-            <a:avLst/>
-          </a:prstGeom>
-          <a:ln>
-            <a:solidFill>
-              <a:srgbClr val="0070C0"/>
-            </a:solidFill>
-            <a:tailEnd type="triangle"/>
-          </a:ln>
-        </p:spPr>
-        <p:style>
-          <a:lnRef idx="1">
-            <a:schemeClr val="accent1"/>
-          </a:lnRef>
-          <a:fillRef idx="0">
-            <a:schemeClr val="accent1"/>
-          </a:fillRef>
-          <a:effectRef idx="0">
-            <a:schemeClr val="accent1"/>
-          </a:effectRef>
-          <a:fontRef idx="minor">
-            <a:schemeClr val="tx1"/>
-          </a:fontRef>
-        </p:style>
-      </p:cxnSp>
-      <p:sp>
-        <p:nvSpPr>
-          <p:cNvPr id="23" name="椭圆 22">
-            <a:extLst>
-              <a:ext uri="{FF2B5EF4-FFF2-40B4-BE49-F238E27FC236}">
-                <a16:creationId xmlns:a16="http://schemas.microsoft.com/office/drawing/2014/main" id="{7E0DD7B6-0D1D-1A4F-955F-F582353F8449}"/>
-              </a:ext>
-            </a:extLst>
-          </p:cNvPr>
-          <p:cNvSpPr/>
-          <p:nvPr/>
-        </p:nvSpPr>
-        <p:spPr>
-          <a:xfrm>
-            <a:off x="4710845" y="3790921"/>
-            <a:ext cx="936104" cy="432048"/>
-          </a:xfrm>
-          <a:prstGeom prst="ellipse">
-            <a:avLst/>
-          </a:prstGeom>
-          <a:solidFill>
-            <a:schemeClr val="accent2">
-              <a:lumMod val="75000"/>
-            </a:schemeClr>
-          </a:solidFill>
-          <a:ln>
-            <a:noFill/>
-          </a:ln>
-        </p:spPr>
-        <p:style>
-          <a:lnRef idx="2">
-            <a:schemeClr val="accent1">
-              <a:shade val="50000"/>
-            </a:schemeClr>
-          </a:lnRef>
-          <a:fillRef idx="1">
-            <a:schemeClr val="accent1"/>
-          </a:fillRef>
-          <a:effectRef idx="0">
-            <a:schemeClr val="accent1"/>
-          </a:effectRef>
-          <a:fontRef idx="minor">
-            <a:schemeClr val="lt1"/>
-          </a:fontRef>
-        </p:style>
-        <p:txBody>
-          <a:bodyPr rtlCol="0" anchor="ctr"/>
-          <a:lstStyle/>
-          <a:p>
-            <a:pPr algn="ctr"/>
-            <a:r>
-              <a:rPr kumimoji="1" lang="en-US" altLang="zh-CN" sz="1000" dirty="0"/>
-              <a:t>Channel</a:t>
-            </a:r>
-            <a:endParaRPr kumimoji="1" lang="zh-CN" altLang="en-US" sz="1000" dirty="0"/>
-          </a:p>
-        </p:txBody>
-      </p:sp>
-      <p:sp>
-        <p:nvSpPr>
-          <p:cNvPr id="24" name="椭圆 23">
-            <a:extLst>
-              <a:ext uri="{FF2B5EF4-FFF2-40B4-BE49-F238E27FC236}">
-                <a16:creationId xmlns:a16="http://schemas.microsoft.com/office/drawing/2014/main" id="{B1291E6A-853E-6940-8E20-247012A1CD1D}"/>
-              </a:ext>
-            </a:extLst>
-          </p:cNvPr>
-          <p:cNvSpPr/>
-          <p:nvPr/>
-        </p:nvSpPr>
-        <p:spPr>
-          <a:xfrm>
-            <a:off x="4709310" y="4506876"/>
-            <a:ext cx="936104" cy="432048"/>
-          </a:xfrm>
-          <a:prstGeom prst="ellipse">
-            <a:avLst/>
-          </a:prstGeom>
-          <a:solidFill>
-            <a:schemeClr val="accent2">
-              <a:lumMod val="75000"/>
-            </a:schemeClr>
-          </a:solidFill>
-          <a:ln>
-            <a:noFill/>
-          </a:ln>
-        </p:spPr>
-        <p:style>
-          <a:lnRef idx="2">
-            <a:schemeClr val="accent1">
-              <a:shade val="50000"/>
-            </a:schemeClr>
-          </a:lnRef>
-          <a:fillRef idx="1">
-            <a:schemeClr val="accent1"/>
-          </a:fillRef>
-          <a:effectRef idx="0">
-            <a:schemeClr val="accent1"/>
-          </a:effectRef>
-          <a:fontRef idx="minor">
-            <a:schemeClr val="lt1"/>
-          </a:fontRef>
-        </p:style>
-        <p:txBody>
-          <a:bodyPr rtlCol="0" anchor="ctr"/>
-          <a:lstStyle/>
-          <a:p>
-            <a:pPr algn="ctr"/>
-            <a:r>
-              <a:rPr kumimoji="1" lang="en-US" altLang="zh-CN" sz="1000" dirty="0"/>
-              <a:t>Channel</a:t>
-            </a:r>
-            <a:endParaRPr kumimoji="1" lang="zh-CN" altLang="en-US" sz="1000" dirty="0"/>
-          </a:p>
-        </p:txBody>
-      </p:sp>
-      <p:sp>
-        <p:nvSpPr>
-          <p:cNvPr id="25" name="椭圆 24">
-            <a:extLst>
-              <a:ext uri="{FF2B5EF4-FFF2-40B4-BE49-F238E27FC236}">
-                <a16:creationId xmlns:a16="http://schemas.microsoft.com/office/drawing/2014/main" id="{90074BBA-586F-764C-9C85-68049966C6F2}"/>
-              </a:ext>
-            </a:extLst>
-          </p:cNvPr>
-          <p:cNvSpPr/>
-          <p:nvPr/>
-        </p:nvSpPr>
-        <p:spPr>
-          <a:xfrm>
-            <a:off x="4709310" y="5222831"/>
-            <a:ext cx="936104" cy="432048"/>
-          </a:xfrm>
-          <a:prstGeom prst="ellipse">
-            <a:avLst/>
-          </a:prstGeom>
-          <a:solidFill>
-            <a:schemeClr val="accent2">
-              <a:lumMod val="75000"/>
-            </a:schemeClr>
-          </a:solidFill>
-          <a:ln>
-            <a:noFill/>
-          </a:ln>
-        </p:spPr>
-        <p:style>
-          <a:lnRef idx="2">
-            <a:schemeClr val="accent1">
-              <a:shade val="50000"/>
-            </a:schemeClr>
-          </a:lnRef>
-          <a:fillRef idx="1">
-            <a:schemeClr val="accent1"/>
-          </a:fillRef>
-          <a:effectRef idx="0">
-            <a:schemeClr val="accent1"/>
-          </a:effectRef>
-          <a:fontRef idx="minor">
-            <a:schemeClr val="lt1"/>
-          </a:fontRef>
-        </p:style>
-        <p:txBody>
-          <a:bodyPr rtlCol="0" anchor="ctr"/>
-          <a:lstStyle/>
-          <a:p>
-            <a:pPr algn="ctr"/>
-            <a:r>
-              <a:rPr kumimoji="1" lang="en-US" altLang="zh-CN" sz="1000" dirty="0"/>
-              <a:t>Channel</a:t>
-            </a:r>
-            <a:endParaRPr kumimoji="1" lang="zh-CN" altLang="en-US" sz="1000" dirty="0"/>
-          </a:p>
-        </p:txBody>
-      </p:sp>
-      <p:sp>
-        <p:nvSpPr>
-          <p:cNvPr id="26" name="椭圆 25">
-            <a:extLst>
-              <a:ext uri="{FF2B5EF4-FFF2-40B4-BE49-F238E27FC236}">
-                <a16:creationId xmlns:a16="http://schemas.microsoft.com/office/drawing/2014/main" id="{7BE88508-E8E8-074B-9A32-68EF82020DCB}"/>
-              </a:ext>
-            </a:extLst>
-          </p:cNvPr>
-          <p:cNvSpPr/>
-          <p:nvPr/>
-        </p:nvSpPr>
-        <p:spPr>
-          <a:xfrm>
-            <a:off x="6757902" y="3790921"/>
-            <a:ext cx="936104" cy="432048"/>
-          </a:xfrm>
-          <a:prstGeom prst="ellipse">
-            <a:avLst/>
-          </a:prstGeom>
-          <a:solidFill>
-            <a:srgbClr val="00B050"/>
-          </a:solidFill>
-          <a:ln>
-            <a:noFill/>
-          </a:ln>
-        </p:spPr>
-        <p:style>
-          <a:lnRef idx="2">
-            <a:schemeClr val="accent1">
-              <a:shade val="50000"/>
-            </a:schemeClr>
-          </a:lnRef>
-          <a:fillRef idx="1">
-            <a:schemeClr val="accent1"/>
-          </a:fillRef>
-          <a:effectRef idx="0">
-            <a:schemeClr val="accent1"/>
-          </a:effectRef>
-          <a:fontRef idx="minor">
-            <a:schemeClr val="lt1"/>
-          </a:fontRef>
-        </p:style>
-        <p:txBody>
-          <a:bodyPr rtlCol="0" anchor="ctr"/>
-          <a:lstStyle/>
-          <a:p>
-            <a:pPr algn="ctr"/>
-            <a:r>
-              <a:rPr kumimoji="1" lang="en-US" altLang="zh-CN" sz="1000" dirty="0"/>
-              <a:t>Redis</a:t>
-            </a:r>
-            <a:endParaRPr kumimoji="1" lang="zh-CN" altLang="en-US" sz="1000" dirty="0"/>
-          </a:p>
-        </p:txBody>
-      </p:sp>
-      <p:sp>
-        <p:nvSpPr>
-          <p:cNvPr id="27" name="椭圆 26">
-            <a:extLst>
-              <a:ext uri="{FF2B5EF4-FFF2-40B4-BE49-F238E27FC236}">
-                <a16:creationId xmlns:a16="http://schemas.microsoft.com/office/drawing/2014/main" id="{5A837A5A-BC5D-1E4D-940B-80D49CA8FB3E}"/>
-              </a:ext>
-            </a:extLst>
-          </p:cNvPr>
-          <p:cNvSpPr/>
-          <p:nvPr/>
-        </p:nvSpPr>
-        <p:spPr>
-          <a:xfrm>
-            <a:off x="6761376" y="4506876"/>
-            <a:ext cx="936104" cy="432048"/>
-          </a:xfrm>
-          <a:prstGeom prst="ellipse">
-            <a:avLst/>
-          </a:prstGeom>
-          <a:solidFill>
-            <a:srgbClr val="00B050"/>
-          </a:solidFill>
-          <a:ln>
-            <a:noFill/>
-          </a:ln>
-        </p:spPr>
-        <p:style>
-          <a:lnRef idx="2">
-            <a:schemeClr val="accent1">
-              <a:shade val="50000"/>
-            </a:schemeClr>
-          </a:lnRef>
-          <a:fillRef idx="1">
-            <a:schemeClr val="accent1"/>
-          </a:fillRef>
-          <a:effectRef idx="0">
-            <a:schemeClr val="accent1"/>
-          </a:effectRef>
-          <a:fontRef idx="minor">
-            <a:schemeClr val="lt1"/>
-          </a:fontRef>
-        </p:style>
-        <p:txBody>
-          <a:bodyPr rtlCol="0" anchor="ctr"/>
-          <a:lstStyle/>
-          <a:p>
-            <a:pPr algn="ctr"/>
-            <a:r>
-              <a:rPr kumimoji="1" lang="en-US" altLang="zh-CN" sz="1000" dirty="0"/>
-              <a:t>Redis</a:t>
-            </a:r>
-            <a:endParaRPr kumimoji="1" lang="zh-CN" altLang="en-US" sz="1000" dirty="0"/>
-          </a:p>
-        </p:txBody>
-      </p:sp>
-      <p:sp>
-        <p:nvSpPr>
-          <p:cNvPr id="28" name="椭圆 27">
-            <a:extLst>
-              <a:ext uri="{FF2B5EF4-FFF2-40B4-BE49-F238E27FC236}">
-                <a16:creationId xmlns:a16="http://schemas.microsoft.com/office/drawing/2014/main" id="{5AD92BCB-BDCF-5449-B61E-113852E180D0}"/>
-              </a:ext>
-            </a:extLst>
-          </p:cNvPr>
-          <p:cNvSpPr/>
-          <p:nvPr/>
-        </p:nvSpPr>
-        <p:spPr>
-          <a:xfrm>
-            <a:off x="6761376" y="5222831"/>
-            <a:ext cx="936104" cy="432048"/>
-          </a:xfrm>
-          <a:prstGeom prst="ellipse">
-            <a:avLst/>
-          </a:prstGeom>
-          <a:solidFill>
-            <a:srgbClr val="00B050"/>
-          </a:solidFill>
-          <a:ln>
-            <a:noFill/>
-          </a:ln>
-        </p:spPr>
-        <p:style>
-          <a:lnRef idx="2">
-            <a:schemeClr val="accent1">
-              <a:shade val="50000"/>
-            </a:schemeClr>
-          </a:lnRef>
-          <a:fillRef idx="1">
-            <a:schemeClr val="accent1"/>
-          </a:fillRef>
-          <a:effectRef idx="0">
-            <a:schemeClr val="accent1"/>
-          </a:effectRef>
-          <a:fontRef idx="minor">
-            <a:schemeClr val="lt1"/>
-          </a:fontRef>
-        </p:style>
-        <p:txBody>
-          <a:bodyPr rtlCol="0" anchor="ctr"/>
-          <a:lstStyle/>
-          <a:p>
-            <a:pPr algn="ctr"/>
-            <a:r>
-              <a:rPr kumimoji="1" lang="en-US" altLang="zh-CN" sz="1000" dirty="0"/>
-              <a:t>Redis</a:t>
-            </a:r>
-            <a:endParaRPr kumimoji="1" lang="zh-CN" altLang="en-US" sz="1000" dirty="0"/>
-          </a:p>
-        </p:txBody>
-      </p:sp>
-      <p:cxnSp>
-        <p:nvCxnSpPr>
-          <p:cNvPr id="36" name="直线箭头连接符 35">
-            <a:extLst>
-              <a:ext uri="{FF2B5EF4-FFF2-40B4-BE49-F238E27FC236}">
-                <a16:creationId xmlns:a16="http://schemas.microsoft.com/office/drawing/2014/main" id="{538CCB5A-038C-CE43-BE4D-B92BA21AB3E6}"/>
-              </a:ext>
-            </a:extLst>
-          </p:cNvPr>
-          <p:cNvCxnSpPr>
-            <a:stCxn id="7" idx="6"/>
-            <a:endCxn id="23" idx="2"/>
-          </p:cNvCxnSpPr>
-          <p:nvPr/>
-        </p:nvCxnSpPr>
-        <p:spPr>
-          <a:xfrm flipV="1">
-            <a:off x="4151329" y="4006945"/>
-            <a:ext cx="559516" cy="715955"/>
-          </a:xfrm>
-          <a:prstGeom prst="straightConnector1">
-            <a:avLst/>
-          </a:prstGeom>
-          <a:ln>
-            <a:solidFill>
-              <a:srgbClr val="0070C0"/>
-            </a:solidFill>
-            <a:tailEnd type="triangle"/>
-          </a:ln>
-        </p:spPr>
-        <p:style>
-          <a:lnRef idx="1">
-            <a:schemeClr val="accent1"/>
-          </a:lnRef>
-          <a:fillRef idx="0">
-            <a:schemeClr val="accent1"/>
-          </a:fillRef>
-          <a:effectRef idx="0">
-            <a:schemeClr val="accent1"/>
-          </a:effectRef>
-          <a:fontRef idx="minor">
-            <a:schemeClr val="tx1"/>
-          </a:fontRef>
-        </p:style>
-      </p:cxnSp>
-      <p:cxnSp>
-        <p:nvCxnSpPr>
-          <p:cNvPr id="39" name="直线箭头连接符 38">
-            <a:extLst>
-              <a:ext uri="{FF2B5EF4-FFF2-40B4-BE49-F238E27FC236}">
-                <a16:creationId xmlns:a16="http://schemas.microsoft.com/office/drawing/2014/main" id="{D8D7539D-F3CF-4D4D-9A76-726FB3D37DCC}"/>
-              </a:ext>
-            </a:extLst>
-          </p:cNvPr>
-          <p:cNvCxnSpPr>
-            <a:stCxn id="7" idx="6"/>
-            <a:endCxn id="24" idx="2"/>
-          </p:cNvCxnSpPr>
-          <p:nvPr/>
-        </p:nvCxnSpPr>
-        <p:spPr>
-          <a:xfrm>
-            <a:off x="4151329" y="4722900"/>
-            <a:ext cx="557981" cy="0"/>
-          </a:xfrm>
-          <a:prstGeom prst="straightConnector1">
-            <a:avLst/>
-          </a:prstGeom>
-          <a:ln>
-            <a:solidFill>
-              <a:srgbClr val="0070C0"/>
-            </a:solidFill>
-            <a:tailEnd type="triangle"/>
-          </a:ln>
-        </p:spPr>
-        <p:style>
-          <a:lnRef idx="1">
-            <a:schemeClr val="accent1"/>
-          </a:lnRef>
-          <a:fillRef idx="0">
-            <a:schemeClr val="accent1"/>
-          </a:fillRef>
-          <a:effectRef idx="0">
-            <a:schemeClr val="accent1"/>
-          </a:effectRef>
-          <a:fontRef idx="minor">
-            <a:schemeClr val="tx1"/>
-          </a:fontRef>
-        </p:style>
-      </p:cxnSp>
-      <p:cxnSp>
-        <p:nvCxnSpPr>
-          <p:cNvPr id="41" name="直线箭头连接符 40">
-            <a:extLst>
-              <a:ext uri="{FF2B5EF4-FFF2-40B4-BE49-F238E27FC236}">
-                <a16:creationId xmlns:a16="http://schemas.microsoft.com/office/drawing/2014/main" id="{BE3EC9C6-17C5-B640-80FA-FFC2078BC14D}"/>
-              </a:ext>
-            </a:extLst>
-          </p:cNvPr>
-          <p:cNvCxnSpPr>
-            <a:stCxn id="7" idx="6"/>
-            <a:endCxn id="25" idx="2"/>
-          </p:cNvCxnSpPr>
-          <p:nvPr/>
-        </p:nvCxnSpPr>
-        <p:spPr>
-          <a:xfrm>
-            <a:off x="4151329" y="4722900"/>
-            <a:ext cx="557981" cy="715955"/>
-          </a:xfrm>
-          <a:prstGeom prst="straightConnector1">
-            <a:avLst/>
-          </a:prstGeom>
-          <a:ln>
-            <a:solidFill>
-              <a:srgbClr val="0070C0"/>
-            </a:solidFill>
-            <a:tailEnd type="triangle"/>
-          </a:ln>
-        </p:spPr>
-        <p:style>
-          <a:lnRef idx="1">
-            <a:schemeClr val="accent1"/>
-          </a:lnRef>
-          <a:fillRef idx="0">
-            <a:schemeClr val="accent1"/>
-          </a:fillRef>
-          <a:effectRef idx="0">
-            <a:schemeClr val="accent1"/>
-          </a:effectRef>
-          <a:fontRef idx="minor">
-            <a:schemeClr val="tx1"/>
-          </a:fontRef>
-        </p:style>
-      </p:cxnSp>
-      <p:cxnSp>
-        <p:nvCxnSpPr>
-          <p:cNvPr id="50" name="直线箭头连接符 49">
-            <a:extLst>
-              <a:ext uri="{FF2B5EF4-FFF2-40B4-BE49-F238E27FC236}">
-                <a16:creationId xmlns:a16="http://schemas.microsoft.com/office/drawing/2014/main" id="{F45BCE9B-5231-8149-9984-DE5E0535B4ED}"/>
-              </a:ext>
-            </a:extLst>
-          </p:cNvPr>
-          <p:cNvCxnSpPr>
-            <a:stCxn id="23" idx="6"/>
-            <a:endCxn id="26" idx="2"/>
-          </p:cNvCxnSpPr>
-          <p:nvPr/>
-        </p:nvCxnSpPr>
-        <p:spPr>
-          <a:xfrm>
-            <a:off x="5646949" y="4006945"/>
-            <a:ext cx="1110953" cy="0"/>
-          </a:xfrm>
-          <a:prstGeom prst="straightConnector1">
-            <a:avLst/>
-          </a:prstGeom>
-          <a:ln>
-            <a:solidFill>
-              <a:srgbClr val="00B050"/>
-            </a:solidFill>
-            <a:headEnd type="triangle"/>
-            <a:tailEnd type="triangle"/>
-          </a:ln>
-        </p:spPr>
-        <p:style>
-          <a:lnRef idx="1">
-            <a:schemeClr val="accent1"/>
-          </a:lnRef>
-          <a:fillRef idx="0">
-            <a:schemeClr val="accent1"/>
-          </a:fillRef>
-          <a:effectRef idx="0">
-            <a:schemeClr val="accent1"/>
-          </a:effectRef>
-          <a:fontRef idx="minor">
-            <a:schemeClr val="tx1"/>
-          </a:fontRef>
-        </p:style>
-      </p:cxnSp>
-      <p:cxnSp>
-        <p:nvCxnSpPr>
-          <p:cNvPr id="52" name="直线箭头连接符 51">
-            <a:extLst>
-              <a:ext uri="{FF2B5EF4-FFF2-40B4-BE49-F238E27FC236}">
-                <a16:creationId xmlns:a16="http://schemas.microsoft.com/office/drawing/2014/main" id="{178BCBA5-4429-FD40-B5EB-983179565014}"/>
-              </a:ext>
-            </a:extLst>
-          </p:cNvPr>
-          <p:cNvCxnSpPr>
-            <a:stCxn id="24" idx="6"/>
-            <a:endCxn id="27" idx="2"/>
-          </p:cNvCxnSpPr>
-          <p:nvPr/>
-        </p:nvCxnSpPr>
-        <p:spPr>
-          <a:xfrm>
-            <a:off x="5645414" y="4722900"/>
-            <a:ext cx="1115962" cy="0"/>
-          </a:xfrm>
-          <a:prstGeom prst="straightConnector1">
-            <a:avLst/>
-          </a:prstGeom>
-          <a:ln>
-            <a:solidFill>
-              <a:srgbClr val="00B050"/>
-            </a:solidFill>
-            <a:headEnd type="triangle"/>
-            <a:tailEnd type="triangle"/>
-          </a:ln>
-        </p:spPr>
-        <p:style>
-          <a:lnRef idx="1">
-            <a:schemeClr val="accent1"/>
-          </a:lnRef>
-          <a:fillRef idx="0">
-            <a:schemeClr val="accent1"/>
-          </a:fillRef>
-          <a:effectRef idx="0">
-            <a:schemeClr val="accent1"/>
-          </a:effectRef>
-          <a:fontRef idx="minor">
-            <a:schemeClr val="tx1"/>
-          </a:fontRef>
-        </p:style>
-      </p:cxnSp>
-      <p:cxnSp>
-        <p:nvCxnSpPr>
-          <p:cNvPr id="54" name="直线箭头连接符 53">
-            <a:extLst>
-              <a:ext uri="{FF2B5EF4-FFF2-40B4-BE49-F238E27FC236}">
-                <a16:creationId xmlns:a16="http://schemas.microsoft.com/office/drawing/2014/main" id="{80911F79-6D7C-8046-97ED-BDC6E2E48C56}"/>
-              </a:ext>
-            </a:extLst>
-          </p:cNvPr>
-          <p:cNvCxnSpPr>
-            <a:stCxn id="25" idx="6"/>
-            <a:endCxn id="28" idx="2"/>
-          </p:cNvCxnSpPr>
-          <p:nvPr/>
-        </p:nvCxnSpPr>
-        <p:spPr>
-          <a:xfrm>
-            <a:off x="5645414" y="5438855"/>
-            <a:ext cx="1115962" cy="0"/>
-          </a:xfrm>
-          <a:prstGeom prst="straightConnector1">
-            <a:avLst/>
-          </a:prstGeom>
-          <a:ln>
-            <a:solidFill>
-              <a:srgbClr val="00B050"/>
-            </a:solidFill>
-            <a:headEnd type="triangle"/>
-            <a:tailEnd type="triangle"/>
-          </a:ln>
-        </p:spPr>
-        <p:style>
-          <a:lnRef idx="1">
-            <a:schemeClr val="accent1"/>
-          </a:lnRef>
-          <a:fillRef idx="0">
-            <a:schemeClr val="accent1"/>
-          </a:fillRef>
-          <a:effectRef idx="0">
-            <a:schemeClr val="accent1"/>
-          </a:effectRef>
-          <a:fontRef idx="minor">
-            <a:schemeClr val="tx1"/>
-          </a:fontRef>
-        </p:style>
-      </p:cxnSp>
-      <p:cxnSp>
-        <p:nvCxnSpPr>
-          <p:cNvPr id="56" name="曲线连接符 55">
-            <a:extLst>
-              <a:ext uri="{FF2B5EF4-FFF2-40B4-BE49-F238E27FC236}">
-                <a16:creationId xmlns:a16="http://schemas.microsoft.com/office/drawing/2014/main" id="{38E34B61-2BF2-6D4E-B14C-C7CFA58C371E}"/>
-              </a:ext>
-            </a:extLst>
-          </p:cNvPr>
-          <p:cNvCxnSpPr>
-            <a:cxnSpLocks/>
-            <a:stCxn id="23" idx="0"/>
-            <a:endCxn id="4" idx="7"/>
-          </p:cNvCxnSpPr>
-          <p:nvPr/>
-        </p:nvCxnSpPr>
-        <p:spPr>
-          <a:xfrm rot="16200000" flipV="1">
-            <a:off x="3622887" y="2234911"/>
-            <a:ext cx="12861" cy="3099160"/>
-          </a:xfrm>
-          <a:prstGeom prst="curvedConnector3">
-            <a:avLst>
-              <a:gd name="adj1" fmla="val 2369435"/>
-            </a:avLst>
-          </a:prstGeom>
-          <a:ln>
-            <a:solidFill>
-              <a:srgbClr val="0070C0"/>
-            </a:solidFill>
-            <a:tailEnd type="triangle"/>
-          </a:ln>
-        </p:spPr>
-        <p:style>
-          <a:lnRef idx="1">
-            <a:schemeClr val="accent1"/>
-          </a:lnRef>
-          <a:fillRef idx="0">
-            <a:schemeClr val="accent1"/>
-          </a:fillRef>
-          <a:effectRef idx="0">
-            <a:schemeClr val="accent1"/>
-          </a:effectRef>
-          <a:fontRef idx="minor">
-            <a:schemeClr val="tx1"/>
-          </a:fontRef>
-        </p:style>
-      </p:cxnSp>
-      <p:cxnSp>
-        <p:nvCxnSpPr>
-          <p:cNvPr id="58" name="曲线连接符 57">
-            <a:extLst>
-              <a:ext uri="{FF2B5EF4-FFF2-40B4-BE49-F238E27FC236}">
-                <a16:creationId xmlns:a16="http://schemas.microsoft.com/office/drawing/2014/main" id="{68562624-43CC-6145-B143-CCAFB8343A50}"/>
-              </a:ext>
-            </a:extLst>
-          </p:cNvPr>
-          <p:cNvCxnSpPr>
-            <a:stCxn id="23" idx="1"/>
-            <a:endCxn id="8" idx="7"/>
-          </p:cNvCxnSpPr>
-          <p:nvPr/>
-        </p:nvCxnSpPr>
-        <p:spPr>
-          <a:xfrm rot="16200000" flipH="1" flipV="1">
-            <a:off x="3213870" y="2720059"/>
-            <a:ext cx="499931" cy="2768197"/>
-          </a:xfrm>
-          <a:prstGeom prst="curvedConnector3">
-            <a:avLst>
-              <a:gd name="adj1" fmla="val -58382"/>
-            </a:avLst>
-          </a:prstGeom>
-          <a:ln>
-            <a:solidFill>
-              <a:srgbClr val="0070C0"/>
-            </a:solidFill>
-            <a:tailEnd type="triangle"/>
-          </a:ln>
-        </p:spPr>
-        <p:style>
-          <a:lnRef idx="1">
-            <a:schemeClr val="accent1"/>
-          </a:lnRef>
-          <a:fillRef idx="0">
-            <a:schemeClr val="accent1"/>
-          </a:fillRef>
-          <a:effectRef idx="0">
-            <a:schemeClr val="accent1"/>
-          </a:effectRef>
-          <a:fontRef idx="minor">
-            <a:schemeClr val="tx1"/>
-          </a:fontRef>
-        </p:style>
-      </p:cxnSp>
-      <p:cxnSp>
-        <p:nvCxnSpPr>
-          <p:cNvPr id="63" name="曲线连接符 62">
-            <a:extLst>
-              <a:ext uri="{FF2B5EF4-FFF2-40B4-BE49-F238E27FC236}">
-                <a16:creationId xmlns:a16="http://schemas.microsoft.com/office/drawing/2014/main" id="{10E8A97B-103F-9449-BA3C-4C85054A5507}"/>
-              </a:ext>
-            </a:extLst>
-          </p:cNvPr>
-          <p:cNvCxnSpPr>
-            <a:cxnSpLocks/>
-            <a:stCxn id="25" idx="3"/>
-            <a:endCxn id="9" idx="5"/>
-          </p:cNvCxnSpPr>
-          <p:nvPr/>
-        </p:nvCxnSpPr>
-        <p:spPr>
-          <a:xfrm rot="5400000" flipH="1">
-            <a:off x="3285110" y="4030319"/>
-            <a:ext cx="355915" cy="2766662"/>
-          </a:xfrm>
-          <a:prstGeom prst="curvedConnector3">
-            <a:avLst>
-              <a:gd name="adj1" fmla="val -82006"/>
-            </a:avLst>
-          </a:prstGeom>
-          <a:ln>
-            <a:solidFill>
-              <a:srgbClr val="0070C0"/>
-            </a:solidFill>
-            <a:tailEnd type="triangle"/>
-          </a:ln>
-        </p:spPr>
-        <p:style>
-          <a:lnRef idx="1">
-            <a:schemeClr val="accent1"/>
-          </a:lnRef>
-          <a:fillRef idx="0">
-            <a:schemeClr val="accent1"/>
-          </a:fillRef>
-          <a:effectRef idx="0">
-            <a:schemeClr val="accent1"/>
-          </a:effectRef>
-          <a:fontRef idx="minor">
-            <a:schemeClr val="tx1"/>
-          </a:fontRef>
-        </p:style>
-      </p:cxnSp>
-      <p:cxnSp>
-        <p:nvCxnSpPr>
-          <p:cNvPr id="67" name="曲线连接符 66">
-            <a:extLst>
-              <a:ext uri="{FF2B5EF4-FFF2-40B4-BE49-F238E27FC236}">
-                <a16:creationId xmlns:a16="http://schemas.microsoft.com/office/drawing/2014/main" id="{28E57A2D-64B4-6A47-AA0A-BFB5889680E4}"/>
-              </a:ext>
-            </a:extLst>
-          </p:cNvPr>
-          <p:cNvCxnSpPr>
-            <a:stCxn id="25" idx="4"/>
-            <a:endCxn id="10" idx="4"/>
-          </p:cNvCxnSpPr>
-          <p:nvPr/>
-        </p:nvCxnSpPr>
-        <p:spPr>
-          <a:xfrm rot="5400000">
-            <a:off x="3378453" y="4076118"/>
-            <a:ext cx="220149" cy="3377670"/>
-          </a:xfrm>
-          <a:prstGeom prst="curvedConnector3">
-            <a:avLst>
-              <a:gd name="adj1" fmla="val 203839"/>
-            </a:avLst>
-          </a:prstGeom>
-          <a:ln>
-            <a:solidFill>
-              <a:srgbClr val="0070C0"/>
-            </a:solidFill>
-            <a:tailEnd type="triangle"/>
-          </a:ln>
-        </p:spPr>
-        <p:style>
-          <a:lnRef idx="1">
-            <a:schemeClr val="accent1"/>
-          </a:lnRef>
-          <a:fillRef idx="0">
-            <a:schemeClr val="accent1"/>
-          </a:fillRef>
-          <a:effectRef idx="0">
-            <a:schemeClr val="accent1"/>
-          </a:effectRef>
-          <a:fontRef idx="minor">
-            <a:schemeClr val="tx1"/>
-          </a:fontRef>
-        </p:style>
-      </p:cxnSp>
-      <p:sp>
-        <p:nvSpPr>
-          <p:cNvPr id="68" name="矩形 67">
-            <a:extLst>
-              <a:ext uri="{FF2B5EF4-FFF2-40B4-BE49-F238E27FC236}">
-                <a16:creationId xmlns:a16="http://schemas.microsoft.com/office/drawing/2014/main" id="{4ABBFE99-C472-0B47-B59E-7D89138A20EC}"/>
-              </a:ext>
-            </a:extLst>
-          </p:cNvPr>
-          <p:cNvSpPr/>
-          <p:nvPr/>
-        </p:nvSpPr>
-        <p:spPr>
-          <a:xfrm>
-            <a:off x="1043608" y="3140968"/>
-            <a:ext cx="4968552" cy="3168352"/>
-          </a:xfrm>
-          <a:prstGeom prst="rect">
-            <a:avLst/>
-          </a:prstGeom>
-          <a:noFill/>
-          <a:ln>
-            <a:solidFill>
-              <a:srgbClr val="0070C0"/>
-            </a:solidFill>
-            <a:prstDash val="dashDot"/>
-          </a:ln>
-        </p:spPr>
-        <p:style>
-          <a:lnRef idx="2">
-            <a:schemeClr val="accent1">
-              <a:shade val="50000"/>
-            </a:schemeClr>
-          </a:lnRef>
-          <a:fillRef idx="1">
-            <a:schemeClr val="accent1"/>
-          </a:fillRef>
-          <a:effectRef idx="0">
-            <a:schemeClr val="accent1"/>
-          </a:effectRef>
-          <a:fontRef idx="minor">
-            <a:schemeClr val="lt1"/>
-          </a:fontRef>
-        </p:style>
-        <p:txBody>
-          <a:bodyPr rtlCol="0" anchor="ctr"/>
-          <a:lstStyle/>
-          <a:p>
-            <a:pPr algn="ctr"/>
-            <a:endParaRPr kumimoji="1" lang="zh-CN" altLang="en-US"/>
-          </a:p>
-        </p:txBody>
-      </p:sp>
-      <p:sp>
-        <p:nvSpPr>
-          <p:cNvPr id="69" name="矩形 68">
-            <a:extLst>
-              <a:ext uri="{FF2B5EF4-FFF2-40B4-BE49-F238E27FC236}">
-                <a16:creationId xmlns:a16="http://schemas.microsoft.com/office/drawing/2014/main" id="{E6C46EF8-762D-2F4A-BB20-C1DF73269A45}"/>
-              </a:ext>
-            </a:extLst>
-          </p:cNvPr>
-          <p:cNvSpPr/>
-          <p:nvPr/>
-        </p:nvSpPr>
-        <p:spPr>
-          <a:xfrm>
-            <a:off x="6444429" y="3138724"/>
-            <a:ext cx="1439939" cy="3168352"/>
-          </a:xfrm>
-          <a:prstGeom prst="rect">
-            <a:avLst/>
-          </a:prstGeom>
-          <a:noFill/>
-          <a:ln>
-            <a:solidFill>
-              <a:srgbClr val="0070C0"/>
-            </a:solidFill>
-            <a:prstDash val="dashDot"/>
-          </a:ln>
-        </p:spPr>
-        <p:style>
-          <a:lnRef idx="2">
-            <a:schemeClr val="accent1">
-              <a:shade val="50000"/>
-            </a:schemeClr>
-          </a:lnRef>
-          <a:fillRef idx="1">
-            <a:schemeClr val="accent1"/>
-          </a:fillRef>
-          <a:effectRef idx="0">
-            <a:schemeClr val="accent1"/>
-          </a:effectRef>
-          <a:fontRef idx="minor">
-            <a:schemeClr val="lt1"/>
-          </a:fontRef>
-        </p:style>
-        <p:txBody>
-          <a:bodyPr rtlCol="0" anchor="ctr"/>
-          <a:lstStyle/>
-          <a:p>
-            <a:pPr algn="ctr"/>
-            <a:endParaRPr kumimoji="1" lang="zh-CN" altLang="en-US"/>
+              <a:rPr kumimoji="1" lang="zh-CN" altLang="en-US" sz="1800" dirty="0"/>
+              <a:t>库下载位置：</a:t>
+            </a:r>
+            <a:endParaRPr kumimoji="1" lang="en-US" altLang="zh-CN" sz="1800" dirty="0"/>
+          </a:p>
+          <a:p>
+            <a:r>
+              <a:rPr kumimoji="1" lang="en" altLang="zh-CN" sz="1600" dirty="0">
+                <a:hlinkClick r:id="rId2"/>
+              </a:rPr>
+              <a:t>https://github.com/acl-dev/acl/tree/master/lib_acl_cpp/include/acl_cpp/redis</a:t>
+            </a:r>
+            <a:endParaRPr kumimoji="1" lang="en" altLang="zh-CN" sz="1600" dirty="0"/>
+          </a:p>
+          <a:p>
+            <a:endParaRPr kumimoji="1" lang="zh-CN" altLang="en-US" sz="1600" dirty="0"/>
           </a:p>
         </p:txBody>
       </p:sp>
     </p:spTree>
     <p:extLst>
       <p:ext uri="{BB962C8B-B14F-4D97-AF65-F5344CB8AC3E}">
-        <p14:creationId xmlns:p14="http://schemas.microsoft.com/office/powerpoint/2010/main" val="2334123572"/>
+        <p14:creationId xmlns:p14="http://schemas.microsoft.com/office/powerpoint/2010/main" val="3474810374"/>
       </p:ext>
     </p:extLst>
   </p:cSld>
@@ -9002,7 +7667,7 @@
           <p:cNvPr id="2" name="标题 1">
             <a:extLst>
               <a:ext uri="{FF2B5EF4-FFF2-40B4-BE49-F238E27FC236}">
-                <a16:creationId xmlns:a16="http://schemas.microsoft.com/office/drawing/2014/main" id="{D913210E-E4D2-2B4C-9AF7-F630FBFC94BF}"/>
+                <a16:creationId xmlns:a16="http://schemas.microsoft.com/office/drawing/2014/main" id="{2A88D221-36EC-1C4A-86A7-23994D948939}"/>
               </a:ext>
             </a:extLst>
           </p:cNvPr>
@@ -9019,34 +7684,51 @@
           <a:lstStyle/>
           <a:p>
             <a:r>
+              <a:rPr kumimoji="1" lang="zh-CN" altLang="en-US" dirty="0"/>
+              <a:t>使用</a:t>
+            </a:r>
+            <a:r>
               <a:rPr kumimoji="1" lang="en-US" altLang="zh-CN" dirty="0"/>
-              <a:t>Pipeline vs </a:t>
+              <a:t>Acl</a:t>
             </a:r>
             <a:r>
               <a:rPr kumimoji="1" lang="zh-CN" altLang="en-US" dirty="0"/>
-              <a:t>非</a:t>
+              <a:t> </a:t>
             </a:r>
             <a:r>
               <a:rPr kumimoji="1" lang="en-US" altLang="zh-CN" dirty="0"/>
-              <a:t> pipeline</a:t>
-            </a:r>
-            <a:endParaRPr kumimoji="1" lang="zh-CN" altLang="en-US" dirty="0"/>
+              <a:t>Redis</a:t>
+            </a:r>
+            <a:r>
+              <a:rPr kumimoji="1" lang="zh-CN" altLang="en-US" dirty="0"/>
+              <a:t>库轻松编写</a:t>
+            </a:r>
+            <a:r>
+              <a:rPr kumimoji="1" lang="en-US" altLang="zh-CN" dirty="0"/>
+              <a:t>Redis</a:t>
+            </a:r>
+            <a:r>
+              <a:rPr kumimoji="1" lang="zh-CN" altLang="en-US" dirty="0"/>
+              <a:t>应用</a:t>
+            </a:r>
           </a:p>
         </p:txBody>
       </p:sp>
       <p:pic>
         <p:nvPicPr>
-          <p:cNvPr id="9" name="图片 8">
+          <p:cNvPr id="10" name="内容占位符 9">
             <a:extLst>
               <a:ext uri="{FF2B5EF4-FFF2-40B4-BE49-F238E27FC236}">
-                <a16:creationId xmlns:a16="http://schemas.microsoft.com/office/drawing/2014/main" id="{BD3B86B8-C7F9-574E-9BE1-A57080E35E63}"/>
+                <a16:creationId xmlns:a16="http://schemas.microsoft.com/office/drawing/2014/main" id="{F05670E7-C3CD-C64F-BE30-4EBF74CF1CB5}"/>
               </a:ext>
             </a:extLst>
           </p:cNvPr>
           <p:cNvPicPr>
-            <a:picLocks noChangeAspect="1"/>
+            <a:picLocks noGrp="1" noChangeAspect="1"/>
           </p:cNvPicPr>
-          <p:nvPr/>
+          <p:nvPr>
+            <p:ph idx="1"/>
+          </p:nvPr>
         </p:nvPicPr>
         <p:blipFill>
           <a:blip r:embed="rId2"/>
@@ -9056,98 +7738,8 @@
         </p:blipFill>
         <p:spPr>
           <a:xfrm>
-            <a:off x="4716016" y="928048"/>
-            <a:ext cx="4107525" cy="2164184"/>
-          </a:xfrm>
-          <a:prstGeom prst="rect">
-            <a:avLst/>
-          </a:prstGeom>
-        </p:spPr>
-      </p:pic>
-      <p:pic>
-        <p:nvPicPr>
-          <p:cNvPr id="10" name="图片 9">
-            <a:extLst>
-              <a:ext uri="{FF2B5EF4-FFF2-40B4-BE49-F238E27FC236}">
-                <a16:creationId xmlns:a16="http://schemas.microsoft.com/office/drawing/2014/main" id="{B72E8359-4993-8B40-A84F-393DCB4C2926}"/>
-              </a:ext>
-            </a:extLst>
-          </p:cNvPr>
-          <p:cNvPicPr>
-            <a:picLocks noChangeAspect="1"/>
-          </p:cNvPicPr>
-          <p:nvPr/>
-        </p:nvPicPr>
-        <p:blipFill>
-          <a:blip r:embed="rId3"/>
-          <a:stretch>
-            <a:fillRect/>
-          </a:stretch>
-        </p:blipFill>
-        <p:spPr>
-          <a:xfrm>
-            <a:off x="320459" y="928048"/>
-            <a:ext cx="4395557" cy="2164184"/>
-          </a:xfrm>
-          <a:prstGeom prst="rect">
-            <a:avLst/>
-          </a:prstGeom>
-        </p:spPr>
-      </p:pic>
-      <p:pic>
-        <p:nvPicPr>
-          <p:cNvPr id="12" name="图片 11">
-            <a:extLst>
-              <a:ext uri="{FF2B5EF4-FFF2-40B4-BE49-F238E27FC236}">
-                <a16:creationId xmlns:a16="http://schemas.microsoft.com/office/drawing/2014/main" id="{11167DBA-D18B-AE48-A0B9-94C30D25C777}"/>
-              </a:ext>
-            </a:extLst>
-          </p:cNvPr>
-          <p:cNvPicPr>
-            <a:picLocks noChangeAspect="1"/>
-          </p:cNvPicPr>
-          <p:nvPr/>
-        </p:nvPicPr>
-        <p:blipFill>
-          <a:blip r:embed="rId4"/>
-          <a:stretch>
-            <a:fillRect/>
-          </a:stretch>
-        </p:blipFill>
-        <p:spPr>
-          <a:xfrm>
-            <a:off x="4733115" y="3284984"/>
-            <a:ext cx="4090426" cy="2032000"/>
-          </a:xfrm>
-          <a:prstGeom prst="rect">
-            <a:avLst/>
-          </a:prstGeom>
-        </p:spPr>
-      </p:pic>
-      <p:pic>
-        <p:nvPicPr>
-          <p:cNvPr id="13" name="图片 12">
-            <a:extLst>
-              <a:ext uri="{FF2B5EF4-FFF2-40B4-BE49-F238E27FC236}">
-                <a16:creationId xmlns:a16="http://schemas.microsoft.com/office/drawing/2014/main" id="{B5D8364C-C0D8-B448-89BC-4F225CF4EF89}"/>
-              </a:ext>
-            </a:extLst>
-          </p:cNvPr>
-          <p:cNvPicPr>
-            <a:picLocks noChangeAspect="1"/>
-          </p:cNvPicPr>
-          <p:nvPr/>
-        </p:nvPicPr>
-        <p:blipFill>
-          <a:blip r:embed="rId5"/>
-          <a:stretch>
-            <a:fillRect/>
-          </a:stretch>
-        </p:blipFill>
-        <p:spPr>
-          <a:xfrm>
-            <a:off x="320459" y="3310301"/>
-            <a:ext cx="4395557" cy="2006600"/>
+            <a:off x="323528" y="1047750"/>
+            <a:ext cx="8424935" cy="5143500"/>
           </a:xfrm>
           <a:prstGeom prst="rect">
             <a:avLst/>
@@ -9157,7 +7749,7 @@
     </p:spTree>
     <p:extLst>
       <p:ext uri="{BB962C8B-B14F-4D97-AF65-F5344CB8AC3E}">
-        <p14:creationId xmlns:p14="http://schemas.microsoft.com/office/powerpoint/2010/main" val="3891656050"/>
+        <p14:creationId xmlns:p14="http://schemas.microsoft.com/office/powerpoint/2010/main" val="4034950950"/>
       </p:ext>
     </p:extLst>
   </p:cSld>
@@ -9219,7 +7811,7 @@
         <p:spPr/>
         <p:txBody>
           <a:bodyPr>
-            <a:normAutofit fontScale="92500" lnSpcReduction="10000"/>
+            <a:normAutofit fontScale="92500" lnSpcReduction="20000"/>
           </a:bodyPr>
           <a:lstStyle/>
           <a:p>
@@ -9337,12 +7929,23 @@
           </a:p>
           <a:p>
             <a:r>
-              <a:rPr lang="en-US" altLang="zh-CN" dirty="0" err="1"/>
-              <a:t>redis_builder</a:t>
+              <a:rPr lang="zh-CN" altLang="en-US" dirty="0"/>
+              <a:t>使用</a:t>
             </a:r>
             <a:r>
               <a:rPr lang="en-US" altLang="zh-CN" dirty="0"/>
-              <a:t> </a:t>
+              <a:t>Acl Redis</a:t>
+            </a:r>
+            <a:r>
+              <a:rPr lang="zh-CN" altLang="en-US" dirty="0"/>
+              <a:t>库</a:t>
+            </a:r>
+            <a:endParaRPr lang="en-US" altLang="zh-CN" dirty="0"/>
+          </a:p>
+          <a:p>
+            <a:r>
+              <a:rPr lang="en-US" altLang="zh-CN" dirty="0"/>
+              <a:t>redis_builder </a:t>
             </a:r>
             <a:r>
               <a:rPr lang="zh-CN" altLang="en-US" dirty="0"/>
@@ -9391,6 +7994,2516 @@
       </p:grpSpPr>
       <p:sp>
         <p:nvSpPr>
+          <p:cNvPr id="2" name="标题 1">
+            <a:extLst>
+              <a:ext uri="{FF2B5EF4-FFF2-40B4-BE49-F238E27FC236}">
+                <a16:creationId xmlns:a16="http://schemas.microsoft.com/office/drawing/2014/main" id="{3E212908-A92E-B14B-827A-7E53A1157DF5}"/>
+              </a:ext>
+            </a:extLst>
+          </p:cNvPr>
+          <p:cNvSpPr>
+            <a:spLocks noGrp="1"/>
+          </p:cNvSpPr>
+          <p:nvPr>
+            <p:ph type="title"/>
+          </p:nvPr>
+        </p:nvSpPr>
+        <p:spPr/>
+        <p:txBody>
+          <a:bodyPr/>
+          <a:lstStyle/>
+          <a:p>
+            <a:r>
+              <a:rPr kumimoji="1" lang="en-US" altLang="zh-CN" dirty="0"/>
+              <a:t>Pipeline</a:t>
+            </a:r>
+            <a:r>
+              <a:rPr kumimoji="1" lang="zh-CN" altLang="en-US" dirty="0"/>
+              <a:t>模式提升效率</a:t>
+            </a:r>
+          </a:p>
+        </p:txBody>
+      </p:sp>
+      <p:sp>
+        <p:nvSpPr>
+          <p:cNvPr id="3" name="内容占位符 2">
+            <a:extLst>
+              <a:ext uri="{FF2B5EF4-FFF2-40B4-BE49-F238E27FC236}">
+                <a16:creationId xmlns:a16="http://schemas.microsoft.com/office/drawing/2014/main" id="{9E9F4012-ED4B-0540-863D-E2AC97EAAB82}"/>
+              </a:ext>
+            </a:extLst>
+          </p:cNvPr>
+          <p:cNvSpPr>
+            <a:spLocks noGrp="1"/>
+          </p:cNvSpPr>
+          <p:nvPr>
+            <p:ph idx="1"/>
+          </p:nvPr>
+        </p:nvSpPr>
+        <p:spPr>
+          <a:xfrm>
+            <a:off x="428596" y="1047733"/>
+            <a:ext cx="8391876" cy="3605403"/>
+          </a:xfrm>
+        </p:spPr>
+        <p:txBody>
+          <a:bodyPr>
+            <a:normAutofit fontScale="85000" lnSpcReduction="10000"/>
+          </a:bodyPr>
+          <a:lstStyle/>
+          <a:p>
+            <a:r>
+              <a:rPr kumimoji="1" lang="zh-CN" altLang="en-US" sz="1800" b="1" dirty="0"/>
+              <a:t>非</a:t>
+            </a:r>
+            <a:r>
+              <a:rPr kumimoji="1" lang="en-US" altLang="zh-CN" sz="1800" b="1" dirty="0"/>
+              <a:t>pipeline</a:t>
+            </a:r>
+            <a:r>
+              <a:rPr kumimoji="1" lang="zh-CN" altLang="en-US" sz="1800" b="1" dirty="0"/>
+              <a:t>方式的缺点：</a:t>
+            </a:r>
+            <a:endParaRPr kumimoji="1" lang="en-US" altLang="zh-CN" sz="1800" b="1" dirty="0"/>
+          </a:p>
+          <a:p>
+            <a:r>
+              <a:rPr kumimoji="1" lang="en-US" altLang="zh-CN" sz="1600" dirty="0"/>
+              <a:t>1</a:t>
+            </a:r>
+            <a:r>
+              <a:rPr kumimoji="1" lang="zh-CN" altLang="en-US" sz="1600" dirty="0"/>
+              <a:t>、</a:t>
+            </a:r>
+            <a:r>
+              <a:rPr kumimoji="1" lang="en-US" altLang="zh-CN" sz="1600" dirty="0"/>
+              <a:t>『</a:t>
+            </a:r>
+            <a:r>
+              <a:rPr kumimoji="1" lang="zh-CN" altLang="en-US" sz="1600" dirty="0"/>
+              <a:t>问答式</a:t>
+            </a:r>
+            <a:r>
+              <a:rPr kumimoji="1" lang="en-US" altLang="zh-CN" sz="1600" dirty="0"/>
+              <a:t>』</a:t>
+            </a:r>
+            <a:r>
+              <a:rPr kumimoji="1" lang="zh-CN" altLang="en-US" sz="1600" dirty="0"/>
+              <a:t>的访问方式使</a:t>
+            </a:r>
+            <a:r>
+              <a:rPr kumimoji="1" lang="en-US" altLang="zh-CN" sz="1600" dirty="0"/>
+              <a:t>IO</a:t>
+            </a:r>
+            <a:r>
+              <a:rPr kumimoji="1" lang="zh-CN" altLang="en-US" sz="1600" dirty="0"/>
+              <a:t>读</a:t>
+            </a:r>
+            <a:r>
+              <a:rPr kumimoji="1" lang="en-US" altLang="zh-CN" sz="1600" dirty="0"/>
+              <a:t>/</a:t>
+            </a:r>
+            <a:r>
+              <a:rPr kumimoji="1" lang="zh-CN" altLang="en-US" sz="1600" dirty="0"/>
+              <a:t>写操作次数较多，使</a:t>
+            </a:r>
+            <a:r>
+              <a:rPr kumimoji="1" lang="en-US" altLang="zh-CN" sz="1600" dirty="0"/>
+              <a:t>Redis</a:t>
+            </a:r>
+            <a:r>
+              <a:rPr kumimoji="1" lang="zh-CN" altLang="en-US" sz="1600" dirty="0"/>
+              <a:t>通信能力下降；</a:t>
+            </a:r>
+            <a:endParaRPr kumimoji="1" lang="en-US" altLang="zh-CN" sz="1600" dirty="0"/>
+          </a:p>
+          <a:p>
+            <a:r>
+              <a:rPr kumimoji="1" lang="en-US" altLang="zh-CN" sz="1600" dirty="0"/>
+              <a:t>2</a:t>
+            </a:r>
+            <a:r>
+              <a:rPr kumimoji="1" lang="zh-CN" altLang="en-US" sz="1600" dirty="0"/>
+              <a:t>、客户端并发较大时，使</a:t>
+            </a:r>
+            <a:r>
+              <a:rPr kumimoji="1" lang="en-US" altLang="zh-CN" sz="1600" dirty="0"/>
+              <a:t>Redis</a:t>
+            </a:r>
+            <a:r>
+              <a:rPr kumimoji="1" lang="zh-CN" altLang="en-US" sz="1600" dirty="0"/>
+              <a:t>的处理能力下降。</a:t>
+            </a:r>
+            <a:endParaRPr kumimoji="1" lang="en-US" altLang="zh-CN" sz="1600" dirty="0"/>
+          </a:p>
+          <a:p>
+            <a:endParaRPr kumimoji="1" lang="en-US" altLang="zh-CN" sz="1400" dirty="0"/>
+          </a:p>
+          <a:p>
+            <a:r>
+              <a:rPr kumimoji="1" lang="en-US" altLang="zh-CN" sz="1800" b="1" dirty="0"/>
+              <a:t>Pipeline</a:t>
+            </a:r>
+            <a:r>
+              <a:rPr kumimoji="1" lang="zh-CN" altLang="en-US" sz="1800" b="1" dirty="0"/>
+              <a:t>模式的优势：</a:t>
+            </a:r>
+            <a:endParaRPr kumimoji="1" lang="en-US" altLang="zh-CN" sz="1800" b="1" dirty="0"/>
+          </a:p>
+          <a:p>
+            <a:r>
+              <a:rPr kumimoji="1" lang="en-US" altLang="zh-CN" sz="1600" dirty="0"/>
+              <a:t>1</a:t>
+            </a:r>
+            <a:r>
+              <a:rPr kumimoji="1" lang="zh-CN" altLang="en-US" sz="1600" dirty="0"/>
+              <a:t>、合并多个请求</a:t>
+            </a:r>
+            <a:r>
+              <a:rPr kumimoji="1" lang="en-US" altLang="zh-CN" sz="1600" dirty="0"/>
+              <a:t>『</a:t>
+            </a:r>
+            <a:r>
+              <a:rPr kumimoji="1" lang="zh-CN" altLang="en-US" sz="1600" dirty="0"/>
+              <a:t>一次性</a:t>
+            </a:r>
+            <a:r>
+              <a:rPr kumimoji="1" lang="en-US" altLang="zh-CN" sz="1600" dirty="0"/>
+              <a:t>』</a:t>
+            </a:r>
+            <a:r>
+              <a:rPr kumimoji="1" lang="zh-CN" altLang="en-US" sz="1600" dirty="0"/>
+              <a:t>发送至</a:t>
+            </a:r>
+            <a:r>
+              <a:rPr kumimoji="1" lang="en-US" altLang="zh-CN" sz="1600" dirty="0"/>
+              <a:t>Redis</a:t>
+            </a:r>
+            <a:r>
+              <a:rPr kumimoji="1" lang="zh-CN" altLang="en-US" sz="1600" dirty="0"/>
+              <a:t>服务端，减少通信次数及</a:t>
+            </a:r>
+            <a:r>
+              <a:rPr kumimoji="1" lang="en-US" altLang="zh-CN" sz="1600" dirty="0"/>
+              <a:t>IO</a:t>
+            </a:r>
+            <a:r>
+              <a:rPr kumimoji="1" lang="zh-CN" altLang="en-US" sz="1600" dirty="0"/>
+              <a:t>次数；</a:t>
+            </a:r>
+            <a:endParaRPr kumimoji="1" lang="en-US" altLang="zh-CN" sz="1600" dirty="0"/>
+          </a:p>
+          <a:p>
+            <a:r>
+              <a:rPr kumimoji="1" lang="en-US" altLang="zh-CN" sz="1600" dirty="0"/>
+              <a:t>2</a:t>
+            </a:r>
+            <a:r>
+              <a:rPr kumimoji="1" lang="zh-CN" altLang="en-US" sz="1600" dirty="0"/>
+              <a:t>、</a:t>
+            </a:r>
+            <a:r>
+              <a:rPr kumimoji="1" lang="en-US" altLang="zh-CN" sz="1600" dirty="0"/>
+              <a:t>Redis</a:t>
+            </a:r>
+            <a:r>
+              <a:rPr kumimoji="1" lang="zh-CN" altLang="en-US" sz="1600" dirty="0"/>
+              <a:t>服务端一次读操作便可读到多个请求，依次处理这些请求，减少了</a:t>
+            </a:r>
+            <a:r>
+              <a:rPr kumimoji="1" lang="en-US" altLang="zh-CN" sz="1600" dirty="0"/>
+              <a:t>IO</a:t>
+            </a:r>
+            <a:r>
+              <a:rPr kumimoji="1" lang="zh-CN" altLang="en-US" sz="1600" dirty="0"/>
+              <a:t>次数。</a:t>
+            </a:r>
+            <a:endParaRPr kumimoji="1" lang="en-US" altLang="zh-CN" sz="1600" dirty="0"/>
+          </a:p>
+          <a:p>
+            <a:endParaRPr kumimoji="1" lang="en-US" altLang="zh-CN" sz="1400" dirty="0"/>
+          </a:p>
+          <a:p>
+            <a:r>
+              <a:rPr kumimoji="1" lang="zh-CN" altLang="en-US" sz="1800" b="1" dirty="0"/>
+              <a:t>客户端 </a:t>
+            </a:r>
+            <a:r>
+              <a:rPr kumimoji="1" lang="en-US" altLang="zh-CN" sz="1800" b="1" dirty="0"/>
+              <a:t>Pipeline</a:t>
+            </a:r>
+            <a:r>
+              <a:rPr kumimoji="1" lang="zh-CN" altLang="en-US" sz="1800" b="1" dirty="0"/>
+              <a:t> 模式的设计难点：</a:t>
+            </a:r>
+            <a:r>
+              <a:rPr kumimoji="1" lang="zh-CN" altLang="en-US" sz="1800" b="1" u="sng" dirty="0"/>
+              <a:t>如何优雅地处理集群模式下的重定向问题？</a:t>
+            </a:r>
+            <a:endParaRPr kumimoji="1" lang="en-US" altLang="zh-CN" sz="1800" b="1" u="sng" dirty="0"/>
+          </a:p>
+          <a:p>
+            <a:endParaRPr kumimoji="1" lang="en-US" altLang="zh-CN" sz="1800" b="1" u="sng" dirty="0"/>
+          </a:p>
+          <a:p>
+            <a:r>
+              <a:rPr kumimoji="1" lang="zh-CN" altLang="en-US" sz="1800" b="1" dirty="0"/>
+              <a:t>存等待状态的命令不适合使用</a:t>
+            </a:r>
+            <a:r>
+              <a:rPr kumimoji="1" lang="en-US" altLang="zh-CN" sz="1800" b="1" dirty="0"/>
+              <a:t>Pipeline</a:t>
+            </a:r>
+            <a:r>
+              <a:rPr kumimoji="1" lang="zh-CN" altLang="en-US" sz="1800" b="1" dirty="0"/>
+              <a:t>模式（因为结果的返回是异步的，无法与其它命令共用一个</a:t>
+            </a:r>
+            <a:r>
+              <a:rPr kumimoji="1" lang="en-US" altLang="zh-CN" sz="1800" b="1" dirty="0"/>
+              <a:t>Redis</a:t>
+            </a:r>
+            <a:r>
+              <a:rPr kumimoji="1" lang="zh-CN" altLang="en-US" sz="1800" b="1" dirty="0"/>
+              <a:t>连接）：</a:t>
+            </a:r>
+            <a:endParaRPr kumimoji="1" lang="en-US" altLang="zh-CN" sz="1800" b="1" dirty="0"/>
+          </a:p>
+          <a:p>
+            <a:r>
+              <a:rPr kumimoji="1" lang="en-US" altLang="zh-CN" sz="1800" dirty="0"/>
+              <a:t>1</a:t>
+            </a:r>
+            <a:r>
+              <a:rPr kumimoji="1" lang="zh-CN" altLang="en-US" sz="1800" dirty="0"/>
+              <a:t>、</a:t>
+            </a:r>
+            <a:r>
+              <a:rPr kumimoji="1" lang="en-US" altLang="zh-CN" sz="1800" dirty="0"/>
+              <a:t>List</a:t>
+            </a:r>
+            <a:r>
+              <a:rPr kumimoji="1" lang="zh-CN" altLang="en-US" sz="1800" dirty="0"/>
+              <a:t>命令类：</a:t>
+            </a:r>
+            <a:r>
+              <a:rPr kumimoji="1" lang="en-US" altLang="zh-CN" sz="1800" dirty="0"/>
+              <a:t>BLPOP</a:t>
+            </a:r>
+            <a:r>
+              <a:rPr kumimoji="1" lang="zh-CN" altLang="en-US" sz="1800" dirty="0"/>
+              <a:t>、</a:t>
+            </a:r>
+            <a:r>
+              <a:rPr kumimoji="1" lang="en-US" altLang="zh-CN" sz="1800" dirty="0"/>
+              <a:t>BRPOP</a:t>
+            </a:r>
+            <a:r>
+              <a:rPr kumimoji="1" lang="zh-CN" altLang="en-US" sz="1800" dirty="0"/>
+              <a:t>、</a:t>
+            </a:r>
+            <a:r>
+              <a:rPr lang="en" altLang="zh-CN" sz="1800" dirty="0"/>
+              <a:t>BRPOPLPUSH</a:t>
+            </a:r>
+            <a:r>
+              <a:rPr lang="zh-CN" altLang="en-US" sz="1800" dirty="0"/>
+              <a:t>、</a:t>
+            </a:r>
+            <a:r>
+              <a:rPr lang="en-US" altLang="zh-CN" sz="1800" dirty="0"/>
+              <a:t>LPOP</a:t>
+            </a:r>
+            <a:r>
+              <a:rPr lang="zh-CN" altLang="en-US" sz="1800" dirty="0"/>
+              <a:t>、</a:t>
+            </a:r>
+            <a:r>
+              <a:rPr lang="en-US" altLang="zh-CN" sz="1800" dirty="0"/>
+              <a:t>RPOP</a:t>
+            </a:r>
+            <a:r>
+              <a:rPr lang="zh-CN" altLang="en-US" sz="1800" dirty="0"/>
+              <a:t>、</a:t>
+            </a:r>
+            <a:r>
+              <a:rPr lang="en-US" altLang="zh-CN" sz="1800" dirty="0"/>
+              <a:t>RPOPPUSH</a:t>
+            </a:r>
+            <a:r>
+              <a:rPr lang="zh-CN" altLang="en-US" sz="1800" dirty="0"/>
+              <a:t>；</a:t>
+            </a:r>
+            <a:endParaRPr lang="en-US" altLang="zh-CN" sz="1800" dirty="0"/>
+          </a:p>
+          <a:p>
+            <a:r>
+              <a:rPr lang="en-US" altLang="zh-CN" sz="1800" dirty="0"/>
+              <a:t>2</a:t>
+            </a:r>
+            <a:r>
+              <a:rPr lang="zh-CN" altLang="en-US" sz="1800" dirty="0"/>
+              <a:t>、</a:t>
+            </a:r>
+            <a:r>
+              <a:rPr lang="en-US" altLang="zh-CN" sz="1800" dirty="0"/>
+              <a:t>Pub/Sub</a:t>
+            </a:r>
+            <a:r>
+              <a:rPr lang="zh-CN" altLang="en-US" sz="1800" dirty="0"/>
+              <a:t>类：接收订阅消息过程；</a:t>
+            </a:r>
+            <a:endParaRPr lang="en-US" altLang="zh-CN" sz="1800" dirty="0"/>
+          </a:p>
+          <a:p>
+            <a:r>
+              <a:rPr lang="en-US" altLang="zh-CN" sz="1800" dirty="0"/>
+              <a:t>3</a:t>
+            </a:r>
+            <a:r>
+              <a:rPr lang="zh-CN" altLang="en-US" sz="1800" dirty="0"/>
+              <a:t>、</a:t>
+            </a:r>
+            <a:r>
+              <a:rPr lang="en-US" altLang="zh-CN" sz="1800" dirty="0"/>
+              <a:t>Stream</a:t>
+            </a:r>
+            <a:r>
+              <a:rPr lang="zh-CN" altLang="en-US" sz="1800" dirty="0"/>
+              <a:t>类：</a:t>
+            </a:r>
+            <a:r>
+              <a:rPr lang="en-US" altLang="zh-CN" sz="1800" dirty="0"/>
+              <a:t>XREAD</a:t>
+            </a:r>
+            <a:r>
+              <a:rPr lang="zh-CN" altLang="en-US" sz="1800" dirty="0"/>
+              <a:t>、</a:t>
+            </a:r>
+            <a:r>
+              <a:rPr lang="en-US" altLang="zh-CN" sz="1800" dirty="0"/>
+              <a:t>XREADGROUP</a:t>
+            </a:r>
+            <a:r>
+              <a:rPr lang="zh-CN" altLang="en-US" sz="1800" dirty="0"/>
+              <a:t>；</a:t>
+            </a:r>
+            <a:endParaRPr lang="en" altLang="zh-CN" sz="1800" dirty="0"/>
+          </a:p>
+          <a:p>
+            <a:endParaRPr kumimoji="1" lang="en-US" altLang="zh-CN" sz="1800" b="1" dirty="0"/>
+          </a:p>
+          <a:p>
+            <a:pPr marL="0" indent="0">
+              <a:buNone/>
+            </a:pPr>
+            <a:endParaRPr kumimoji="1" lang="en-US" altLang="zh-CN" sz="1400" dirty="0"/>
+          </a:p>
+          <a:p>
+            <a:pPr marL="0" indent="0">
+              <a:buNone/>
+            </a:pPr>
+            <a:endParaRPr kumimoji="1" lang="en-US" altLang="zh-CN" sz="1400" dirty="0"/>
+          </a:p>
+        </p:txBody>
+      </p:sp>
+    </p:spTree>
+    <p:extLst>
+      <p:ext uri="{BB962C8B-B14F-4D97-AF65-F5344CB8AC3E}">
+        <p14:creationId xmlns:p14="http://schemas.microsoft.com/office/powerpoint/2010/main" val="2334123572"/>
+      </p:ext>
+    </p:extLst>
+  </p:cSld>
+  <p:clrMapOvr>
+    <a:masterClrMapping/>
+  </p:clrMapOvr>
+</p:sld>
+</file>
+
+<file path=ppt/slides/slide21.xml><?xml version="1.0" encoding="utf-8"?>
+<p:sld xmlns:a="http://schemas.openxmlformats.org/drawingml/2006/main" xmlns:r="http://schemas.openxmlformats.org/officeDocument/2006/relationships" xmlns:p="http://schemas.openxmlformats.org/presentationml/2006/main">
+  <p:cSld>
+    <p:spTree>
+      <p:nvGrpSpPr>
+        <p:cNvPr id="1" name=""/>
+        <p:cNvGrpSpPr/>
+        <p:nvPr/>
+      </p:nvGrpSpPr>
+      <p:grpSpPr>
+        <a:xfrm>
+          <a:off x="0" y="0"/>
+          <a:ext cx="0" cy="0"/>
+          <a:chOff x="0" y="0"/>
+          <a:chExt cx="0" cy="0"/>
+        </a:xfrm>
+      </p:grpSpPr>
+      <p:sp>
+        <p:nvSpPr>
+          <p:cNvPr id="2" name="标题 1">
+            <a:extLst>
+              <a:ext uri="{FF2B5EF4-FFF2-40B4-BE49-F238E27FC236}">
+                <a16:creationId xmlns:a16="http://schemas.microsoft.com/office/drawing/2014/main" id="{1A89BF24-EF44-8A45-A61E-0F991F408894}"/>
+              </a:ext>
+            </a:extLst>
+          </p:cNvPr>
+          <p:cNvSpPr>
+            <a:spLocks noGrp="1"/>
+          </p:cNvSpPr>
+          <p:nvPr>
+            <p:ph type="title"/>
+          </p:nvPr>
+        </p:nvSpPr>
+        <p:spPr/>
+        <p:txBody>
+          <a:bodyPr/>
+          <a:lstStyle/>
+          <a:p>
+            <a:r>
+              <a:rPr kumimoji="1" lang="en-US" altLang="zh-CN" dirty="0"/>
+              <a:t>Acl</a:t>
+            </a:r>
+            <a:r>
+              <a:rPr kumimoji="1" lang="zh-CN" altLang="en-US" dirty="0"/>
+              <a:t> </a:t>
+            </a:r>
+            <a:r>
+              <a:rPr kumimoji="1" lang="en-US" altLang="zh-CN" dirty="0"/>
+              <a:t>Redis</a:t>
+            </a:r>
+            <a:r>
+              <a:rPr kumimoji="1" lang="zh-CN" altLang="en-US" dirty="0"/>
+              <a:t>库</a:t>
+            </a:r>
+            <a:r>
+              <a:rPr kumimoji="1" lang="en-US" altLang="zh-CN" dirty="0"/>
+              <a:t>Pipeline</a:t>
+            </a:r>
+            <a:r>
+              <a:rPr kumimoji="1" lang="zh-CN" altLang="en-US" dirty="0"/>
+              <a:t>设计方式</a:t>
+            </a:r>
+          </a:p>
+        </p:txBody>
+      </p:sp>
+      <p:sp>
+        <p:nvSpPr>
+          <p:cNvPr id="3" name="内容占位符 2">
+            <a:extLst>
+              <a:ext uri="{FF2B5EF4-FFF2-40B4-BE49-F238E27FC236}">
+                <a16:creationId xmlns:a16="http://schemas.microsoft.com/office/drawing/2014/main" id="{31C0011A-C3BC-6846-9F30-C6805076430E}"/>
+              </a:ext>
+            </a:extLst>
+          </p:cNvPr>
+          <p:cNvSpPr>
+            <a:spLocks noGrp="1"/>
+          </p:cNvSpPr>
+          <p:nvPr>
+            <p:ph idx="1"/>
+          </p:nvPr>
+        </p:nvSpPr>
+        <p:spPr>
+          <a:xfrm>
+            <a:off x="428596" y="1047734"/>
+            <a:ext cx="8229600" cy="1674048"/>
+          </a:xfrm>
+        </p:spPr>
+        <p:txBody>
+          <a:bodyPr>
+            <a:normAutofit/>
+          </a:bodyPr>
+          <a:lstStyle/>
+          <a:p>
+            <a:r>
+              <a:rPr lang="zh-CN" altLang="en" sz="1600" dirty="0"/>
+              <a:t>在</a:t>
+            </a:r>
+            <a:r>
+              <a:rPr lang="en-US" altLang="zh-CN" sz="1600" dirty="0"/>
+              <a:t>Pipeline</a:t>
+            </a:r>
+            <a:r>
+              <a:rPr lang="zh-CN" altLang="en-US" sz="1600" dirty="0"/>
+              <a:t>模式下，一个工作线程使用一个连接绑定一个</a:t>
+            </a:r>
+            <a:r>
+              <a:rPr lang="en-US" altLang="zh-CN" sz="1600" dirty="0"/>
+              <a:t>Redis</a:t>
+            </a:r>
+            <a:r>
+              <a:rPr lang="zh-CN" altLang="en-US" sz="1600" dirty="0"/>
+              <a:t>节点；</a:t>
+            </a:r>
+            <a:endParaRPr lang="en" altLang="zh-CN" sz="1600" dirty="0"/>
+          </a:p>
+          <a:p>
+            <a:r>
+              <a:rPr lang="zh-CN" altLang="en-US" sz="1600" dirty="0"/>
+              <a:t>中间有一个派发线程，负责维护哈希槽和收集所有</a:t>
+            </a:r>
+            <a:r>
+              <a:rPr lang="en" altLang="zh-CN" sz="1600" dirty="0"/>
+              <a:t>Redis</a:t>
+            </a:r>
+            <a:r>
+              <a:rPr lang="zh-CN" altLang="en-US" sz="1600" dirty="0"/>
+              <a:t>请求，会将每个请求根据</a:t>
+            </a:r>
+            <a:r>
+              <a:rPr lang="en" altLang="zh-CN" sz="1600" dirty="0"/>
+              <a:t>KEY</a:t>
+            </a:r>
+            <a:r>
+              <a:rPr lang="zh-CN" altLang="en-US" sz="1600" dirty="0"/>
+              <a:t>哈希值派发给指定工作线程；</a:t>
+            </a:r>
+            <a:endParaRPr lang="en-US" altLang="zh-CN" sz="1600" dirty="0"/>
+          </a:p>
+          <a:p>
+            <a:r>
+              <a:rPr lang="zh-CN" altLang="en-US" sz="1600" dirty="0"/>
+              <a:t>当工作线程收到 </a:t>
+            </a:r>
+            <a:r>
+              <a:rPr lang="en" altLang="zh-CN" sz="1600" dirty="0"/>
+              <a:t>Redis </a:t>
+            </a:r>
+            <a:r>
+              <a:rPr lang="zh-CN" altLang="en-US" sz="1600" dirty="0"/>
+              <a:t>重定向指令时，将其传递给派发线程由其修改哈希槽，并重新派发任务。</a:t>
+            </a:r>
+            <a:endParaRPr kumimoji="1" lang="zh-CN" altLang="en-US" sz="1600" dirty="0"/>
+          </a:p>
+        </p:txBody>
+      </p:sp>
+      <p:sp>
+        <p:nvSpPr>
+          <p:cNvPr id="4" name="椭圆 3">
+            <a:extLst>
+              <a:ext uri="{FF2B5EF4-FFF2-40B4-BE49-F238E27FC236}">
+                <a16:creationId xmlns:a16="http://schemas.microsoft.com/office/drawing/2014/main" id="{4C284E1B-E4CA-5C47-B25A-7B1CEF12888D}"/>
+              </a:ext>
+            </a:extLst>
+          </p:cNvPr>
+          <p:cNvSpPr/>
+          <p:nvPr/>
+        </p:nvSpPr>
+        <p:spPr>
+          <a:xfrm>
+            <a:off x="1547664" y="3429000"/>
+            <a:ext cx="792088" cy="432048"/>
+          </a:xfrm>
+          <a:prstGeom prst="ellipse">
+            <a:avLst/>
+          </a:prstGeom>
+          <a:solidFill>
+            <a:schemeClr val="accent3">
+              <a:lumMod val="75000"/>
+            </a:schemeClr>
+          </a:solidFill>
+          <a:ln>
+            <a:noFill/>
+          </a:ln>
+        </p:spPr>
+        <p:style>
+          <a:lnRef idx="2">
+            <a:schemeClr val="accent1">
+              <a:shade val="50000"/>
+            </a:schemeClr>
+          </a:lnRef>
+          <a:fillRef idx="1">
+            <a:schemeClr val="accent1"/>
+          </a:fillRef>
+          <a:effectRef idx="0">
+            <a:schemeClr val="accent1"/>
+          </a:effectRef>
+          <a:fontRef idx="minor">
+            <a:schemeClr val="lt1"/>
+          </a:fontRef>
+        </p:style>
+        <p:txBody>
+          <a:bodyPr rtlCol="0" anchor="ctr"/>
+          <a:lstStyle/>
+          <a:p>
+            <a:pPr algn="ctr"/>
+            <a:r>
+              <a:rPr kumimoji="1" lang="en-US" altLang="zh-CN" sz="1000" dirty="0"/>
+              <a:t>Client</a:t>
+            </a:r>
+            <a:endParaRPr kumimoji="1" lang="zh-CN" altLang="en-US" sz="1000" dirty="0"/>
+          </a:p>
+        </p:txBody>
+      </p:sp>
+      <p:sp>
+        <p:nvSpPr>
+          <p:cNvPr id="5" name="椭圆 4">
+            <a:extLst>
+              <a:ext uri="{FF2B5EF4-FFF2-40B4-BE49-F238E27FC236}">
+                <a16:creationId xmlns:a16="http://schemas.microsoft.com/office/drawing/2014/main" id="{5D2A20F5-2A2D-684F-BE55-C234AC621328}"/>
+              </a:ext>
+            </a:extLst>
+          </p:cNvPr>
+          <p:cNvSpPr/>
+          <p:nvPr/>
+        </p:nvSpPr>
+        <p:spPr>
+          <a:xfrm>
+            <a:off x="3287233" y="4221088"/>
+            <a:ext cx="1008112" cy="432048"/>
+          </a:xfrm>
+          <a:prstGeom prst="ellipse">
+            <a:avLst/>
+          </a:prstGeom>
+          <a:solidFill>
+            <a:srgbClr val="00B050"/>
+          </a:solidFill>
+          <a:ln>
+            <a:noFill/>
+          </a:ln>
+        </p:spPr>
+        <p:style>
+          <a:lnRef idx="2">
+            <a:schemeClr val="accent1">
+              <a:shade val="50000"/>
+            </a:schemeClr>
+          </a:lnRef>
+          <a:fillRef idx="1">
+            <a:schemeClr val="accent1"/>
+          </a:fillRef>
+          <a:effectRef idx="0">
+            <a:schemeClr val="accent1"/>
+          </a:effectRef>
+          <a:fontRef idx="minor">
+            <a:schemeClr val="lt1"/>
+          </a:fontRef>
+        </p:style>
+        <p:txBody>
+          <a:bodyPr rtlCol="0" anchor="ctr"/>
+          <a:lstStyle/>
+          <a:p>
+            <a:pPr algn="ctr"/>
+            <a:r>
+              <a:rPr kumimoji="1" lang="en-US" altLang="zh-CN" sz="1000" dirty="0"/>
+              <a:t>Collection</a:t>
+            </a:r>
+            <a:endParaRPr kumimoji="1" lang="zh-CN" altLang="en-US" sz="1000" dirty="0"/>
+          </a:p>
+        </p:txBody>
+      </p:sp>
+      <p:sp>
+        <p:nvSpPr>
+          <p:cNvPr id="6" name="椭圆 5">
+            <a:extLst>
+              <a:ext uri="{FF2B5EF4-FFF2-40B4-BE49-F238E27FC236}">
+                <a16:creationId xmlns:a16="http://schemas.microsoft.com/office/drawing/2014/main" id="{51780193-DBF9-6E43-A83D-2A5C96FEB176}"/>
+              </a:ext>
+            </a:extLst>
+          </p:cNvPr>
+          <p:cNvSpPr/>
+          <p:nvPr/>
+        </p:nvSpPr>
+        <p:spPr>
+          <a:xfrm>
+            <a:off x="1547664" y="4005064"/>
+            <a:ext cx="792088" cy="432048"/>
+          </a:xfrm>
+          <a:prstGeom prst="ellipse">
+            <a:avLst/>
+          </a:prstGeom>
+          <a:solidFill>
+            <a:schemeClr val="accent3">
+              <a:lumMod val="75000"/>
+            </a:schemeClr>
+          </a:solidFill>
+          <a:ln>
+            <a:noFill/>
+          </a:ln>
+        </p:spPr>
+        <p:style>
+          <a:lnRef idx="2">
+            <a:schemeClr val="accent1">
+              <a:shade val="50000"/>
+            </a:schemeClr>
+          </a:lnRef>
+          <a:fillRef idx="1">
+            <a:schemeClr val="accent1"/>
+          </a:fillRef>
+          <a:effectRef idx="0">
+            <a:schemeClr val="accent1"/>
+          </a:effectRef>
+          <a:fontRef idx="minor">
+            <a:schemeClr val="lt1"/>
+          </a:fontRef>
+        </p:style>
+        <p:txBody>
+          <a:bodyPr rtlCol="0" anchor="ctr"/>
+          <a:lstStyle/>
+          <a:p>
+            <a:pPr algn="ctr"/>
+            <a:r>
+              <a:rPr kumimoji="1" lang="en-US" altLang="zh-CN" sz="1000" dirty="0"/>
+              <a:t>Client</a:t>
+            </a:r>
+            <a:endParaRPr kumimoji="1" lang="zh-CN" altLang="en-US" sz="1000" dirty="0"/>
+          </a:p>
+        </p:txBody>
+      </p:sp>
+      <p:sp>
+        <p:nvSpPr>
+          <p:cNvPr id="7" name="椭圆 6">
+            <a:extLst>
+              <a:ext uri="{FF2B5EF4-FFF2-40B4-BE49-F238E27FC236}">
+                <a16:creationId xmlns:a16="http://schemas.microsoft.com/office/drawing/2014/main" id="{41E0F113-B00E-6840-BDC6-71E76A355934}"/>
+              </a:ext>
+            </a:extLst>
+          </p:cNvPr>
+          <p:cNvSpPr/>
+          <p:nvPr/>
+        </p:nvSpPr>
+        <p:spPr>
+          <a:xfrm>
+            <a:off x="1547664" y="4581128"/>
+            <a:ext cx="792088" cy="432048"/>
+          </a:xfrm>
+          <a:prstGeom prst="ellipse">
+            <a:avLst/>
+          </a:prstGeom>
+          <a:solidFill>
+            <a:schemeClr val="accent3">
+              <a:lumMod val="75000"/>
+            </a:schemeClr>
+          </a:solidFill>
+          <a:ln>
+            <a:noFill/>
+          </a:ln>
+        </p:spPr>
+        <p:style>
+          <a:lnRef idx="2">
+            <a:schemeClr val="accent1">
+              <a:shade val="50000"/>
+            </a:schemeClr>
+          </a:lnRef>
+          <a:fillRef idx="1">
+            <a:schemeClr val="accent1"/>
+          </a:fillRef>
+          <a:effectRef idx="0">
+            <a:schemeClr val="accent1"/>
+          </a:effectRef>
+          <a:fontRef idx="minor">
+            <a:schemeClr val="lt1"/>
+          </a:fontRef>
+        </p:style>
+        <p:txBody>
+          <a:bodyPr rtlCol="0" anchor="ctr"/>
+          <a:lstStyle/>
+          <a:p>
+            <a:pPr algn="ctr"/>
+            <a:r>
+              <a:rPr kumimoji="1" lang="en-US" altLang="zh-CN" sz="1000" dirty="0"/>
+              <a:t>Client</a:t>
+            </a:r>
+            <a:endParaRPr kumimoji="1" lang="zh-CN" altLang="en-US" sz="1000" dirty="0"/>
+          </a:p>
+        </p:txBody>
+      </p:sp>
+      <p:sp>
+        <p:nvSpPr>
+          <p:cNvPr id="8" name="椭圆 7">
+            <a:extLst>
+              <a:ext uri="{FF2B5EF4-FFF2-40B4-BE49-F238E27FC236}">
+                <a16:creationId xmlns:a16="http://schemas.microsoft.com/office/drawing/2014/main" id="{920298B0-E7E4-2444-B6CB-0FF257850BBF}"/>
+              </a:ext>
+            </a:extLst>
+          </p:cNvPr>
+          <p:cNvSpPr/>
+          <p:nvPr/>
+        </p:nvSpPr>
+        <p:spPr>
+          <a:xfrm>
+            <a:off x="1547664" y="5157192"/>
+            <a:ext cx="792088" cy="432048"/>
+          </a:xfrm>
+          <a:prstGeom prst="ellipse">
+            <a:avLst/>
+          </a:prstGeom>
+          <a:solidFill>
+            <a:schemeClr val="accent3">
+              <a:lumMod val="75000"/>
+            </a:schemeClr>
+          </a:solidFill>
+          <a:ln>
+            <a:noFill/>
+          </a:ln>
+        </p:spPr>
+        <p:style>
+          <a:lnRef idx="2">
+            <a:schemeClr val="accent1">
+              <a:shade val="50000"/>
+            </a:schemeClr>
+          </a:lnRef>
+          <a:fillRef idx="1">
+            <a:schemeClr val="accent1"/>
+          </a:fillRef>
+          <a:effectRef idx="0">
+            <a:schemeClr val="accent1"/>
+          </a:effectRef>
+          <a:fontRef idx="minor">
+            <a:schemeClr val="lt1"/>
+          </a:fontRef>
+        </p:style>
+        <p:txBody>
+          <a:bodyPr rtlCol="0" anchor="ctr"/>
+          <a:lstStyle/>
+          <a:p>
+            <a:pPr algn="ctr"/>
+            <a:r>
+              <a:rPr kumimoji="1" lang="en-US" altLang="zh-CN" sz="1000" dirty="0"/>
+              <a:t>…</a:t>
+            </a:r>
+            <a:endParaRPr kumimoji="1" lang="zh-CN" altLang="en-US" sz="1000" dirty="0"/>
+          </a:p>
+        </p:txBody>
+      </p:sp>
+      <p:cxnSp>
+        <p:nvCxnSpPr>
+          <p:cNvPr id="9" name="直线箭头连接符 8">
+            <a:extLst>
+              <a:ext uri="{FF2B5EF4-FFF2-40B4-BE49-F238E27FC236}">
+                <a16:creationId xmlns:a16="http://schemas.microsoft.com/office/drawing/2014/main" id="{92869F89-1601-354F-A1AB-763DE6F19971}"/>
+              </a:ext>
+            </a:extLst>
+          </p:cNvPr>
+          <p:cNvCxnSpPr>
+            <a:cxnSpLocks/>
+            <a:stCxn id="4" idx="6"/>
+            <a:endCxn id="5" idx="2"/>
+          </p:cNvCxnSpPr>
+          <p:nvPr/>
+        </p:nvCxnSpPr>
+        <p:spPr>
+          <a:xfrm>
+            <a:off x="2339752" y="3645024"/>
+            <a:ext cx="947481" cy="792088"/>
+          </a:xfrm>
+          <a:prstGeom prst="straightConnector1">
+            <a:avLst/>
+          </a:prstGeom>
+          <a:ln>
+            <a:solidFill>
+              <a:srgbClr val="0070C0"/>
+            </a:solidFill>
+            <a:tailEnd type="triangle"/>
+          </a:ln>
+        </p:spPr>
+        <p:style>
+          <a:lnRef idx="1">
+            <a:schemeClr val="accent1"/>
+          </a:lnRef>
+          <a:fillRef idx="0">
+            <a:schemeClr val="accent1"/>
+          </a:fillRef>
+          <a:effectRef idx="0">
+            <a:schemeClr val="accent1"/>
+          </a:effectRef>
+          <a:fontRef idx="minor">
+            <a:schemeClr val="tx1"/>
+          </a:fontRef>
+        </p:style>
+      </p:cxnSp>
+      <p:cxnSp>
+        <p:nvCxnSpPr>
+          <p:cNvPr id="10" name="直线箭头连接符 9">
+            <a:extLst>
+              <a:ext uri="{FF2B5EF4-FFF2-40B4-BE49-F238E27FC236}">
+                <a16:creationId xmlns:a16="http://schemas.microsoft.com/office/drawing/2014/main" id="{0256226C-8882-904E-94E7-9B8E51B1D0D1}"/>
+              </a:ext>
+            </a:extLst>
+          </p:cNvPr>
+          <p:cNvCxnSpPr>
+            <a:cxnSpLocks/>
+            <a:stCxn id="6" idx="6"/>
+            <a:endCxn id="5" idx="2"/>
+          </p:cNvCxnSpPr>
+          <p:nvPr/>
+        </p:nvCxnSpPr>
+        <p:spPr>
+          <a:xfrm>
+            <a:off x="2339752" y="4221088"/>
+            <a:ext cx="947481" cy="216024"/>
+          </a:xfrm>
+          <a:prstGeom prst="straightConnector1">
+            <a:avLst/>
+          </a:prstGeom>
+          <a:ln>
+            <a:solidFill>
+              <a:srgbClr val="0070C0"/>
+            </a:solidFill>
+            <a:tailEnd type="triangle"/>
+          </a:ln>
+        </p:spPr>
+        <p:style>
+          <a:lnRef idx="1">
+            <a:schemeClr val="accent1"/>
+          </a:lnRef>
+          <a:fillRef idx="0">
+            <a:schemeClr val="accent1"/>
+          </a:fillRef>
+          <a:effectRef idx="0">
+            <a:schemeClr val="accent1"/>
+          </a:effectRef>
+          <a:fontRef idx="minor">
+            <a:schemeClr val="tx1"/>
+          </a:fontRef>
+        </p:style>
+      </p:cxnSp>
+      <p:cxnSp>
+        <p:nvCxnSpPr>
+          <p:cNvPr id="11" name="直线箭头连接符 10">
+            <a:extLst>
+              <a:ext uri="{FF2B5EF4-FFF2-40B4-BE49-F238E27FC236}">
+                <a16:creationId xmlns:a16="http://schemas.microsoft.com/office/drawing/2014/main" id="{79E057A5-0C44-5444-B9C5-08257DC69736}"/>
+              </a:ext>
+            </a:extLst>
+          </p:cNvPr>
+          <p:cNvCxnSpPr>
+            <a:cxnSpLocks/>
+            <a:stCxn id="7" idx="6"/>
+            <a:endCxn id="5" idx="2"/>
+          </p:cNvCxnSpPr>
+          <p:nvPr/>
+        </p:nvCxnSpPr>
+        <p:spPr>
+          <a:xfrm flipV="1">
+            <a:off x="2339752" y="4437112"/>
+            <a:ext cx="947481" cy="360040"/>
+          </a:xfrm>
+          <a:prstGeom prst="straightConnector1">
+            <a:avLst/>
+          </a:prstGeom>
+          <a:ln>
+            <a:solidFill>
+              <a:srgbClr val="0070C0"/>
+            </a:solidFill>
+            <a:tailEnd type="triangle"/>
+          </a:ln>
+        </p:spPr>
+        <p:style>
+          <a:lnRef idx="1">
+            <a:schemeClr val="accent1"/>
+          </a:lnRef>
+          <a:fillRef idx="0">
+            <a:schemeClr val="accent1"/>
+          </a:fillRef>
+          <a:effectRef idx="0">
+            <a:schemeClr val="accent1"/>
+          </a:effectRef>
+          <a:fontRef idx="minor">
+            <a:schemeClr val="tx1"/>
+          </a:fontRef>
+        </p:style>
+      </p:cxnSp>
+      <p:cxnSp>
+        <p:nvCxnSpPr>
+          <p:cNvPr id="12" name="直线箭头连接符 11">
+            <a:extLst>
+              <a:ext uri="{FF2B5EF4-FFF2-40B4-BE49-F238E27FC236}">
+                <a16:creationId xmlns:a16="http://schemas.microsoft.com/office/drawing/2014/main" id="{1FCCF2D8-D6BB-0F46-BBB6-8E975266F633}"/>
+              </a:ext>
+            </a:extLst>
+          </p:cNvPr>
+          <p:cNvCxnSpPr>
+            <a:cxnSpLocks/>
+            <a:stCxn id="8" idx="6"/>
+            <a:endCxn id="5" idx="2"/>
+          </p:cNvCxnSpPr>
+          <p:nvPr/>
+        </p:nvCxnSpPr>
+        <p:spPr>
+          <a:xfrm flipV="1">
+            <a:off x="2339752" y="4437112"/>
+            <a:ext cx="947481" cy="936104"/>
+          </a:xfrm>
+          <a:prstGeom prst="straightConnector1">
+            <a:avLst/>
+          </a:prstGeom>
+          <a:ln>
+            <a:solidFill>
+              <a:srgbClr val="0070C0"/>
+            </a:solidFill>
+            <a:tailEnd type="triangle"/>
+          </a:ln>
+        </p:spPr>
+        <p:style>
+          <a:lnRef idx="1">
+            <a:schemeClr val="accent1"/>
+          </a:lnRef>
+          <a:fillRef idx="0">
+            <a:schemeClr val="accent1"/>
+          </a:fillRef>
+          <a:effectRef idx="0">
+            <a:schemeClr val="accent1"/>
+          </a:effectRef>
+          <a:fontRef idx="minor">
+            <a:schemeClr val="tx1"/>
+          </a:fontRef>
+        </p:style>
+      </p:cxnSp>
+      <p:sp>
+        <p:nvSpPr>
+          <p:cNvPr id="13" name="椭圆 12">
+            <a:extLst>
+              <a:ext uri="{FF2B5EF4-FFF2-40B4-BE49-F238E27FC236}">
+                <a16:creationId xmlns:a16="http://schemas.microsoft.com/office/drawing/2014/main" id="{9DD81A32-CBDA-B64E-AC45-4CFC5591B5B1}"/>
+              </a:ext>
+            </a:extLst>
+          </p:cNvPr>
+          <p:cNvSpPr/>
+          <p:nvPr/>
+        </p:nvSpPr>
+        <p:spPr>
+          <a:xfrm>
+            <a:off x="4854861" y="3505133"/>
+            <a:ext cx="936104" cy="432048"/>
+          </a:xfrm>
+          <a:prstGeom prst="ellipse">
+            <a:avLst/>
+          </a:prstGeom>
+          <a:solidFill>
+            <a:schemeClr val="accent2">
+              <a:lumMod val="75000"/>
+            </a:schemeClr>
+          </a:solidFill>
+          <a:ln>
+            <a:noFill/>
+          </a:ln>
+        </p:spPr>
+        <p:style>
+          <a:lnRef idx="2">
+            <a:schemeClr val="accent1">
+              <a:shade val="50000"/>
+            </a:schemeClr>
+          </a:lnRef>
+          <a:fillRef idx="1">
+            <a:schemeClr val="accent1"/>
+          </a:fillRef>
+          <a:effectRef idx="0">
+            <a:schemeClr val="accent1"/>
+          </a:effectRef>
+          <a:fontRef idx="minor">
+            <a:schemeClr val="lt1"/>
+          </a:fontRef>
+        </p:style>
+        <p:txBody>
+          <a:bodyPr rtlCol="0" anchor="ctr"/>
+          <a:lstStyle/>
+          <a:p>
+            <a:pPr algn="ctr"/>
+            <a:r>
+              <a:rPr kumimoji="1" lang="en-US" altLang="zh-CN" sz="1000" dirty="0"/>
+              <a:t>Channel</a:t>
+            </a:r>
+            <a:endParaRPr kumimoji="1" lang="zh-CN" altLang="en-US" sz="1000" dirty="0"/>
+          </a:p>
+        </p:txBody>
+      </p:sp>
+      <p:sp>
+        <p:nvSpPr>
+          <p:cNvPr id="14" name="椭圆 13">
+            <a:extLst>
+              <a:ext uri="{FF2B5EF4-FFF2-40B4-BE49-F238E27FC236}">
+                <a16:creationId xmlns:a16="http://schemas.microsoft.com/office/drawing/2014/main" id="{50CF14B8-60CA-B34A-BE4B-1864A6D50CD5}"/>
+              </a:ext>
+            </a:extLst>
+          </p:cNvPr>
+          <p:cNvSpPr/>
+          <p:nvPr/>
+        </p:nvSpPr>
+        <p:spPr>
+          <a:xfrm>
+            <a:off x="4853326" y="4221088"/>
+            <a:ext cx="936104" cy="432048"/>
+          </a:xfrm>
+          <a:prstGeom prst="ellipse">
+            <a:avLst/>
+          </a:prstGeom>
+          <a:solidFill>
+            <a:schemeClr val="accent2">
+              <a:lumMod val="75000"/>
+            </a:schemeClr>
+          </a:solidFill>
+          <a:ln>
+            <a:noFill/>
+          </a:ln>
+        </p:spPr>
+        <p:style>
+          <a:lnRef idx="2">
+            <a:schemeClr val="accent1">
+              <a:shade val="50000"/>
+            </a:schemeClr>
+          </a:lnRef>
+          <a:fillRef idx="1">
+            <a:schemeClr val="accent1"/>
+          </a:fillRef>
+          <a:effectRef idx="0">
+            <a:schemeClr val="accent1"/>
+          </a:effectRef>
+          <a:fontRef idx="minor">
+            <a:schemeClr val="lt1"/>
+          </a:fontRef>
+        </p:style>
+        <p:txBody>
+          <a:bodyPr rtlCol="0" anchor="ctr"/>
+          <a:lstStyle/>
+          <a:p>
+            <a:pPr algn="ctr"/>
+            <a:r>
+              <a:rPr kumimoji="1" lang="en-US" altLang="zh-CN" sz="1000" dirty="0"/>
+              <a:t>Channel</a:t>
+            </a:r>
+            <a:endParaRPr kumimoji="1" lang="zh-CN" altLang="en-US" sz="1000" dirty="0"/>
+          </a:p>
+        </p:txBody>
+      </p:sp>
+      <p:sp>
+        <p:nvSpPr>
+          <p:cNvPr id="15" name="椭圆 14">
+            <a:extLst>
+              <a:ext uri="{FF2B5EF4-FFF2-40B4-BE49-F238E27FC236}">
+                <a16:creationId xmlns:a16="http://schemas.microsoft.com/office/drawing/2014/main" id="{1EBEE8E9-A548-4A4B-9097-D6545187E2B2}"/>
+              </a:ext>
+            </a:extLst>
+          </p:cNvPr>
+          <p:cNvSpPr/>
+          <p:nvPr/>
+        </p:nvSpPr>
+        <p:spPr>
+          <a:xfrm>
+            <a:off x="4853326" y="4937043"/>
+            <a:ext cx="936104" cy="432048"/>
+          </a:xfrm>
+          <a:prstGeom prst="ellipse">
+            <a:avLst/>
+          </a:prstGeom>
+          <a:solidFill>
+            <a:schemeClr val="accent2">
+              <a:lumMod val="75000"/>
+            </a:schemeClr>
+          </a:solidFill>
+          <a:ln>
+            <a:noFill/>
+          </a:ln>
+        </p:spPr>
+        <p:style>
+          <a:lnRef idx="2">
+            <a:schemeClr val="accent1">
+              <a:shade val="50000"/>
+            </a:schemeClr>
+          </a:lnRef>
+          <a:fillRef idx="1">
+            <a:schemeClr val="accent1"/>
+          </a:fillRef>
+          <a:effectRef idx="0">
+            <a:schemeClr val="accent1"/>
+          </a:effectRef>
+          <a:fontRef idx="minor">
+            <a:schemeClr val="lt1"/>
+          </a:fontRef>
+        </p:style>
+        <p:txBody>
+          <a:bodyPr rtlCol="0" anchor="ctr"/>
+          <a:lstStyle/>
+          <a:p>
+            <a:pPr algn="ctr"/>
+            <a:r>
+              <a:rPr kumimoji="1" lang="en-US" altLang="zh-CN" sz="1000" dirty="0"/>
+              <a:t>Channel</a:t>
+            </a:r>
+            <a:endParaRPr kumimoji="1" lang="zh-CN" altLang="en-US" sz="1000" dirty="0"/>
+          </a:p>
+        </p:txBody>
+      </p:sp>
+      <p:sp>
+        <p:nvSpPr>
+          <p:cNvPr id="16" name="椭圆 15">
+            <a:extLst>
+              <a:ext uri="{FF2B5EF4-FFF2-40B4-BE49-F238E27FC236}">
+                <a16:creationId xmlns:a16="http://schemas.microsoft.com/office/drawing/2014/main" id="{A79A9507-75C9-004C-A6A7-9AB4A486AD43}"/>
+              </a:ext>
+            </a:extLst>
+          </p:cNvPr>
+          <p:cNvSpPr/>
+          <p:nvPr/>
+        </p:nvSpPr>
+        <p:spPr>
+          <a:xfrm>
+            <a:off x="6901918" y="3505133"/>
+            <a:ext cx="936104" cy="432048"/>
+          </a:xfrm>
+          <a:prstGeom prst="ellipse">
+            <a:avLst/>
+          </a:prstGeom>
+          <a:solidFill>
+            <a:srgbClr val="00B050"/>
+          </a:solidFill>
+          <a:ln>
+            <a:noFill/>
+          </a:ln>
+        </p:spPr>
+        <p:style>
+          <a:lnRef idx="2">
+            <a:schemeClr val="accent1">
+              <a:shade val="50000"/>
+            </a:schemeClr>
+          </a:lnRef>
+          <a:fillRef idx="1">
+            <a:schemeClr val="accent1"/>
+          </a:fillRef>
+          <a:effectRef idx="0">
+            <a:schemeClr val="accent1"/>
+          </a:effectRef>
+          <a:fontRef idx="minor">
+            <a:schemeClr val="lt1"/>
+          </a:fontRef>
+        </p:style>
+        <p:txBody>
+          <a:bodyPr rtlCol="0" anchor="ctr"/>
+          <a:lstStyle/>
+          <a:p>
+            <a:pPr algn="ctr"/>
+            <a:r>
+              <a:rPr kumimoji="1" lang="en-US" altLang="zh-CN" sz="1000" dirty="0"/>
+              <a:t>Redis</a:t>
+            </a:r>
+            <a:endParaRPr kumimoji="1" lang="zh-CN" altLang="en-US" sz="1000" dirty="0"/>
+          </a:p>
+        </p:txBody>
+      </p:sp>
+      <p:sp>
+        <p:nvSpPr>
+          <p:cNvPr id="17" name="椭圆 16">
+            <a:extLst>
+              <a:ext uri="{FF2B5EF4-FFF2-40B4-BE49-F238E27FC236}">
+                <a16:creationId xmlns:a16="http://schemas.microsoft.com/office/drawing/2014/main" id="{4F8804BA-D05A-D84A-9B7E-2D02D266DFFD}"/>
+              </a:ext>
+            </a:extLst>
+          </p:cNvPr>
+          <p:cNvSpPr/>
+          <p:nvPr/>
+        </p:nvSpPr>
+        <p:spPr>
+          <a:xfrm>
+            <a:off x="6905392" y="4221088"/>
+            <a:ext cx="936104" cy="432048"/>
+          </a:xfrm>
+          <a:prstGeom prst="ellipse">
+            <a:avLst/>
+          </a:prstGeom>
+          <a:solidFill>
+            <a:srgbClr val="00B050"/>
+          </a:solidFill>
+          <a:ln>
+            <a:noFill/>
+          </a:ln>
+        </p:spPr>
+        <p:style>
+          <a:lnRef idx="2">
+            <a:schemeClr val="accent1">
+              <a:shade val="50000"/>
+            </a:schemeClr>
+          </a:lnRef>
+          <a:fillRef idx="1">
+            <a:schemeClr val="accent1"/>
+          </a:fillRef>
+          <a:effectRef idx="0">
+            <a:schemeClr val="accent1"/>
+          </a:effectRef>
+          <a:fontRef idx="minor">
+            <a:schemeClr val="lt1"/>
+          </a:fontRef>
+        </p:style>
+        <p:txBody>
+          <a:bodyPr rtlCol="0" anchor="ctr"/>
+          <a:lstStyle/>
+          <a:p>
+            <a:pPr algn="ctr"/>
+            <a:r>
+              <a:rPr kumimoji="1" lang="en-US" altLang="zh-CN" sz="1000" dirty="0"/>
+              <a:t>Redis</a:t>
+            </a:r>
+            <a:endParaRPr kumimoji="1" lang="zh-CN" altLang="en-US" sz="1000" dirty="0"/>
+          </a:p>
+        </p:txBody>
+      </p:sp>
+      <p:sp>
+        <p:nvSpPr>
+          <p:cNvPr id="18" name="椭圆 17">
+            <a:extLst>
+              <a:ext uri="{FF2B5EF4-FFF2-40B4-BE49-F238E27FC236}">
+                <a16:creationId xmlns:a16="http://schemas.microsoft.com/office/drawing/2014/main" id="{846EE999-9805-0745-9C91-953627BD4A82}"/>
+              </a:ext>
+            </a:extLst>
+          </p:cNvPr>
+          <p:cNvSpPr/>
+          <p:nvPr/>
+        </p:nvSpPr>
+        <p:spPr>
+          <a:xfrm>
+            <a:off x="6905392" y="4937043"/>
+            <a:ext cx="936104" cy="432048"/>
+          </a:xfrm>
+          <a:prstGeom prst="ellipse">
+            <a:avLst/>
+          </a:prstGeom>
+          <a:solidFill>
+            <a:srgbClr val="00B050"/>
+          </a:solidFill>
+          <a:ln>
+            <a:noFill/>
+          </a:ln>
+        </p:spPr>
+        <p:style>
+          <a:lnRef idx="2">
+            <a:schemeClr val="accent1">
+              <a:shade val="50000"/>
+            </a:schemeClr>
+          </a:lnRef>
+          <a:fillRef idx="1">
+            <a:schemeClr val="accent1"/>
+          </a:fillRef>
+          <a:effectRef idx="0">
+            <a:schemeClr val="accent1"/>
+          </a:effectRef>
+          <a:fontRef idx="minor">
+            <a:schemeClr val="lt1"/>
+          </a:fontRef>
+        </p:style>
+        <p:txBody>
+          <a:bodyPr rtlCol="0" anchor="ctr"/>
+          <a:lstStyle/>
+          <a:p>
+            <a:pPr algn="ctr"/>
+            <a:r>
+              <a:rPr kumimoji="1" lang="en-US" altLang="zh-CN" sz="1000" dirty="0"/>
+              <a:t>Redis</a:t>
+            </a:r>
+            <a:endParaRPr kumimoji="1" lang="zh-CN" altLang="en-US" sz="1000" dirty="0"/>
+          </a:p>
+        </p:txBody>
+      </p:sp>
+      <p:cxnSp>
+        <p:nvCxnSpPr>
+          <p:cNvPr id="19" name="直线箭头连接符 18">
+            <a:extLst>
+              <a:ext uri="{FF2B5EF4-FFF2-40B4-BE49-F238E27FC236}">
+                <a16:creationId xmlns:a16="http://schemas.microsoft.com/office/drawing/2014/main" id="{2733B123-08EC-2845-932B-B73C50CF465A}"/>
+              </a:ext>
+            </a:extLst>
+          </p:cNvPr>
+          <p:cNvCxnSpPr>
+            <a:stCxn id="5" idx="6"/>
+            <a:endCxn id="13" idx="2"/>
+          </p:cNvCxnSpPr>
+          <p:nvPr/>
+        </p:nvCxnSpPr>
+        <p:spPr>
+          <a:xfrm flipV="1">
+            <a:off x="4295345" y="3721157"/>
+            <a:ext cx="559516" cy="715955"/>
+          </a:xfrm>
+          <a:prstGeom prst="straightConnector1">
+            <a:avLst/>
+          </a:prstGeom>
+          <a:ln>
+            <a:solidFill>
+              <a:srgbClr val="0070C0"/>
+            </a:solidFill>
+            <a:tailEnd type="triangle"/>
+          </a:ln>
+        </p:spPr>
+        <p:style>
+          <a:lnRef idx="1">
+            <a:schemeClr val="accent1"/>
+          </a:lnRef>
+          <a:fillRef idx="0">
+            <a:schemeClr val="accent1"/>
+          </a:fillRef>
+          <a:effectRef idx="0">
+            <a:schemeClr val="accent1"/>
+          </a:effectRef>
+          <a:fontRef idx="minor">
+            <a:schemeClr val="tx1"/>
+          </a:fontRef>
+        </p:style>
+      </p:cxnSp>
+      <p:cxnSp>
+        <p:nvCxnSpPr>
+          <p:cNvPr id="20" name="直线箭头连接符 19">
+            <a:extLst>
+              <a:ext uri="{FF2B5EF4-FFF2-40B4-BE49-F238E27FC236}">
+                <a16:creationId xmlns:a16="http://schemas.microsoft.com/office/drawing/2014/main" id="{5565EBDC-EF98-954E-BF2E-2E1BE7E0DC5E}"/>
+              </a:ext>
+            </a:extLst>
+          </p:cNvPr>
+          <p:cNvCxnSpPr>
+            <a:stCxn id="5" idx="6"/>
+            <a:endCxn id="14" idx="2"/>
+          </p:cNvCxnSpPr>
+          <p:nvPr/>
+        </p:nvCxnSpPr>
+        <p:spPr>
+          <a:xfrm>
+            <a:off x="4295345" y="4437112"/>
+            <a:ext cx="557981" cy="0"/>
+          </a:xfrm>
+          <a:prstGeom prst="straightConnector1">
+            <a:avLst/>
+          </a:prstGeom>
+          <a:ln>
+            <a:solidFill>
+              <a:srgbClr val="0070C0"/>
+            </a:solidFill>
+            <a:tailEnd type="triangle"/>
+          </a:ln>
+        </p:spPr>
+        <p:style>
+          <a:lnRef idx="1">
+            <a:schemeClr val="accent1"/>
+          </a:lnRef>
+          <a:fillRef idx="0">
+            <a:schemeClr val="accent1"/>
+          </a:fillRef>
+          <a:effectRef idx="0">
+            <a:schemeClr val="accent1"/>
+          </a:effectRef>
+          <a:fontRef idx="minor">
+            <a:schemeClr val="tx1"/>
+          </a:fontRef>
+        </p:style>
+      </p:cxnSp>
+      <p:cxnSp>
+        <p:nvCxnSpPr>
+          <p:cNvPr id="21" name="直线箭头连接符 20">
+            <a:extLst>
+              <a:ext uri="{FF2B5EF4-FFF2-40B4-BE49-F238E27FC236}">
+                <a16:creationId xmlns:a16="http://schemas.microsoft.com/office/drawing/2014/main" id="{3CE8E99E-4E48-EA41-9846-A3A5B26B51CF}"/>
+              </a:ext>
+            </a:extLst>
+          </p:cNvPr>
+          <p:cNvCxnSpPr>
+            <a:stCxn id="5" idx="6"/>
+            <a:endCxn id="15" idx="2"/>
+          </p:cNvCxnSpPr>
+          <p:nvPr/>
+        </p:nvCxnSpPr>
+        <p:spPr>
+          <a:xfrm>
+            <a:off x="4295345" y="4437112"/>
+            <a:ext cx="557981" cy="715955"/>
+          </a:xfrm>
+          <a:prstGeom prst="straightConnector1">
+            <a:avLst/>
+          </a:prstGeom>
+          <a:ln>
+            <a:solidFill>
+              <a:srgbClr val="0070C0"/>
+            </a:solidFill>
+            <a:tailEnd type="triangle"/>
+          </a:ln>
+        </p:spPr>
+        <p:style>
+          <a:lnRef idx="1">
+            <a:schemeClr val="accent1"/>
+          </a:lnRef>
+          <a:fillRef idx="0">
+            <a:schemeClr val="accent1"/>
+          </a:fillRef>
+          <a:effectRef idx="0">
+            <a:schemeClr val="accent1"/>
+          </a:effectRef>
+          <a:fontRef idx="minor">
+            <a:schemeClr val="tx1"/>
+          </a:fontRef>
+        </p:style>
+      </p:cxnSp>
+      <p:cxnSp>
+        <p:nvCxnSpPr>
+          <p:cNvPr id="22" name="直线箭头连接符 21">
+            <a:extLst>
+              <a:ext uri="{FF2B5EF4-FFF2-40B4-BE49-F238E27FC236}">
+                <a16:creationId xmlns:a16="http://schemas.microsoft.com/office/drawing/2014/main" id="{619CAA33-5191-BC47-A259-23138FCBC36E}"/>
+              </a:ext>
+            </a:extLst>
+          </p:cNvPr>
+          <p:cNvCxnSpPr>
+            <a:stCxn id="13" idx="6"/>
+            <a:endCxn id="16" idx="2"/>
+          </p:cNvCxnSpPr>
+          <p:nvPr/>
+        </p:nvCxnSpPr>
+        <p:spPr>
+          <a:xfrm>
+            <a:off x="5790965" y="3721157"/>
+            <a:ext cx="1110953" cy="0"/>
+          </a:xfrm>
+          <a:prstGeom prst="straightConnector1">
+            <a:avLst/>
+          </a:prstGeom>
+          <a:ln>
+            <a:solidFill>
+              <a:srgbClr val="00B050"/>
+            </a:solidFill>
+            <a:headEnd type="triangle"/>
+            <a:tailEnd type="triangle"/>
+          </a:ln>
+        </p:spPr>
+        <p:style>
+          <a:lnRef idx="1">
+            <a:schemeClr val="accent1"/>
+          </a:lnRef>
+          <a:fillRef idx="0">
+            <a:schemeClr val="accent1"/>
+          </a:fillRef>
+          <a:effectRef idx="0">
+            <a:schemeClr val="accent1"/>
+          </a:effectRef>
+          <a:fontRef idx="minor">
+            <a:schemeClr val="tx1"/>
+          </a:fontRef>
+        </p:style>
+      </p:cxnSp>
+      <p:cxnSp>
+        <p:nvCxnSpPr>
+          <p:cNvPr id="23" name="直线箭头连接符 22">
+            <a:extLst>
+              <a:ext uri="{FF2B5EF4-FFF2-40B4-BE49-F238E27FC236}">
+                <a16:creationId xmlns:a16="http://schemas.microsoft.com/office/drawing/2014/main" id="{F76DAEDD-39E0-974B-B751-62F0413CF3AB}"/>
+              </a:ext>
+            </a:extLst>
+          </p:cNvPr>
+          <p:cNvCxnSpPr>
+            <a:stCxn id="14" idx="6"/>
+            <a:endCxn id="17" idx="2"/>
+          </p:cNvCxnSpPr>
+          <p:nvPr/>
+        </p:nvCxnSpPr>
+        <p:spPr>
+          <a:xfrm>
+            <a:off x="5789430" y="4437112"/>
+            <a:ext cx="1115962" cy="0"/>
+          </a:xfrm>
+          <a:prstGeom prst="straightConnector1">
+            <a:avLst/>
+          </a:prstGeom>
+          <a:ln>
+            <a:solidFill>
+              <a:srgbClr val="00B050"/>
+            </a:solidFill>
+            <a:headEnd type="triangle"/>
+            <a:tailEnd type="triangle"/>
+          </a:ln>
+        </p:spPr>
+        <p:style>
+          <a:lnRef idx="1">
+            <a:schemeClr val="accent1"/>
+          </a:lnRef>
+          <a:fillRef idx="0">
+            <a:schemeClr val="accent1"/>
+          </a:fillRef>
+          <a:effectRef idx="0">
+            <a:schemeClr val="accent1"/>
+          </a:effectRef>
+          <a:fontRef idx="minor">
+            <a:schemeClr val="tx1"/>
+          </a:fontRef>
+        </p:style>
+      </p:cxnSp>
+      <p:cxnSp>
+        <p:nvCxnSpPr>
+          <p:cNvPr id="24" name="直线箭头连接符 23">
+            <a:extLst>
+              <a:ext uri="{FF2B5EF4-FFF2-40B4-BE49-F238E27FC236}">
+                <a16:creationId xmlns:a16="http://schemas.microsoft.com/office/drawing/2014/main" id="{9846CCDE-4B9E-534C-8CA0-9E58D3151F35}"/>
+              </a:ext>
+            </a:extLst>
+          </p:cNvPr>
+          <p:cNvCxnSpPr>
+            <a:stCxn id="15" idx="6"/>
+            <a:endCxn id="18" idx="2"/>
+          </p:cNvCxnSpPr>
+          <p:nvPr/>
+        </p:nvCxnSpPr>
+        <p:spPr>
+          <a:xfrm>
+            <a:off x="5789430" y="5153067"/>
+            <a:ext cx="1115962" cy="0"/>
+          </a:xfrm>
+          <a:prstGeom prst="straightConnector1">
+            <a:avLst/>
+          </a:prstGeom>
+          <a:ln>
+            <a:solidFill>
+              <a:srgbClr val="00B050"/>
+            </a:solidFill>
+            <a:headEnd type="triangle"/>
+            <a:tailEnd type="triangle"/>
+          </a:ln>
+        </p:spPr>
+        <p:style>
+          <a:lnRef idx="1">
+            <a:schemeClr val="accent1"/>
+          </a:lnRef>
+          <a:fillRef idx="0">
+            <a:schemeClr val="accent1"/>
+          </a:fillRef>
+          <a:effectRef idx="0">
+            <a:schemeClr val="accent1"/>
+          </a:effectRef>
+          <a:fontRef idx="minor">
+            <a:schemeClr val="tx1"/>
+          </a:fontRef>
+        </p:style>
+      </p:cxnSp>
+      <p:cxnSp>
+        <p:nvCxnSpPr>
+          <p:cNvPr id="25" name="曲线连接符 24">
+            <a:extLst>
+              <a:ext uri="{FF2B5EF4-FFF2-40B4-BE49-F238E27FC236}">
+                <a16:creationId xmlns:a16="http://schemas.microsoft.com/office/drawing/2014/main" id="{9A616FE4-6429-BE4D-A0D7-4DFA94659A64}"/>
+              </a:ext>
+            </a:extLst>
+          </p:cNvPr>
+          <p:cNvCxnSpPr>
+            <a:cxnSpLocks/>
+            <a:stCxn id="13" idx="0"/>
+            <a:endCxn id="4" idx="7"/>
+          </p:cNvCxnSpPr>
+          <p:nvPr/>
+        </p:nvCxnSpPr>
+        <p:spPr>
+          <a:xfrm rot="16200000" flipV="1">
+            <a:off x="3766903" y="1949123"/>
+            <a:ext cx="12861" cy="3099160"/>
+          </a:xfrm>
+          <a:prstGeom prst="curvedConnector3">
+            <a:avLst>
+              <a:gd name="adj1" fmla="val 2369435"/>
+            </a:avLst>
+          </a:prstGeom>
+          <a:ln>
+            <a:solidFill>
+              <a:srgbClr val="0070C0"/>
+            </a:solidFill>
+            <a:tailEnd type="triangle"/>
+          </a:ln>
+        </p:spPr>
+        <p:style>
+          <a:lnRef idx="1">
+            <a:schemeClr val="accent1"/>
+          </a:lnRef>
+          <a:fillRef idx="0">
+            <a:schemeClr val="accent1"/>
+          </a:fillRef>
+          <a:effectRef idx="0">
+            <a:schemeClr val="accent1"/>
+          </a:effectRef>
+          <a:fontRef idx="minor">
+            <a:schemeClr val="tx1"/>
+          </a:fontRef>
+        </p:style>
+      </p:cxnSp>
+      <p:cxnSp>
+        <p:nvCxnSpPr>
+          <p:cNvPr id="26" name="曲线连接符 25">
+            <a:extLst>
+              <a:ext uri="{FF2B5EF4-FFF2-40B4-BE49-F238E27FC236}">
+                <a16:creationId xmlns:a16="http://schemas.microsoft.com/office/drawing/2014/main" id="{C3D7D3D2-8611-C048-9F2E-2FABC7FCB316}"/>
+              </a:ext>
+            </a:extLst>
+          </p:cNvPr>
+          <p:cNvCxnSpPr>
+            <a:stCxn id="13" idx="1"/>
+            <a:endCxn id="6" idx="7"/>
+          </p:cNvCxnSpPr>
+          <p:nvPr/>
+        </p:nvCxnSpPr>
+        <p:spPr>
+          <a:xfrm rot="16200000" flipH="1" flipV="1">
+            <a:off x="3357886" y="2434271"/>
+            <a:ext cx="499931" cy="2768197"/>
+          </a:xfrm>
+          <a:prstGeom prst="curvedConnector3">
+            <a:avLst>
+              <a:gd name="adj1" fmla="val -58382"/>
+            </a:avLst>
+          </a:prstGeom>
+          <a:ln>
+            <a:solidFill>
+              <a:srgbClr val="0070C0"/>
+            </a:solidFill>
+            <a:tailEnd type="triangle"/>
+          </a:ln>
+        </p:spPr>
+        <p:style>
+          <a:lnRef idx="1">
+            <a:schemeClr val="accent1"/>
+          </a:lnRef>
+          <a:fillRef idx="0">
+            <a:schemeClr val="accent1"/>
+          </a:fillRef>
+          <a:effectRef idx="0">
+            <a:schemeClr val="accent1"/>
+          </a:effectRef>
+          <a:fontRef idx="minor">
+            <a:schemeClr val="tx1"/>
+          </a:fontRef>
+        </p:style>
+      </p:cxnSp>
+      <p:cxnSp>
+        <p:nvCxnSpPr>
+          <p:cNvPr id="27" name="曲线连接符 26">
+            <a:extLst>
+              <a:ext uri="{FF2B5EF4-FFF2-40B4-BE49-F238E27FC236}">
+                <a16:creationId xmlns:a16="http://schemas.microsoft.com/office/drawing/2014/main" id="{FD97B20A-F4AD-F844-91DC-4DBA337E3E97}"/>
+              </a:ext>
+            </a:extLst>
+          </p:cNvPr>
+          <p:cNvCxnSpPr>
+            <a:cxnSpLocks/>
+            <a:stCxn id="15" idx="3"/>
+            <a:endCxn id="7" idx="5"/>
+          </p:cNvCxnSpPr>
+          <p:nvPr/>
+        </p:nvCxnSpPr>
+        <p:spPr>
+          <a:xfrm rot="5400000" flipH="1">
+            <a:off x="3429126" y="3744531"/>
+            <a:ext cx="355915" cy="2766662"/>
+          </a:xfrm>
+          <a:prstGeom prst="curvedConnector3">
+            <a:avLst>
+              <a:gd name="adj1" fmla="val -82006"/>
+            </a:avLst>
+          </a:prstGeom>
+          <a:ln>
+            <a:solidFill>
+              <a:srgbClr val="0070C0"/>
+            </a:solidFill>
+            <a:tailEnd type="triangle"/>
+          </a:ln>
+        </p:spPr>
+        <p:style>
+          <a:lnRef idx="1">
+            <a:schemeClr val="accent1"/>
+          </a:lnRef>
+          <a:fillRef idx="0">
+            <a:schemeClr val="accent1"/>
+          </a:fillRef>
+          <a:effectRef idx="0">
+            <a:schemeClr val="accent1"/>
+          </a:effectRef>
+          <a:fontRef idx="minor">
+            <a:schemeClr val="tx1"/>
+          </a:fontRef>
+        </p:style>
+      </p:cxnSp>
+      <p:cxnSp>
+        <p:nvCxnSpPr>
+          <p:cNvPr id="28" name="曲线连接符 27">
+            <a:extLst>
+              <a:ext uri="{FF2B5EF4-FFF2-40B4-BE49-F238E27FC236}">
+                <a16:creationId xmlns:a16="http://schemas.microsoft.com/office/drawing/2014/main" id="{B312D7D3-E7C8-FA41-882A-09C3F8EC15E6}"/>
+              </a:ext>
+            </a:extLst>
+          </p:cNvPr>
+          <p:cNvCxnSpPr>
+            <a:stCxn id="15" idx="4"/>
+            <a:endCxn id="8" idx="4"/>
+          </p:cNvCxnSpPr>
+          <p:nvPr/>
+        </p:nvCxnSpPr>
+        <p:spPr>
+          <a:xfrm rot="5400000">
+            <a:off x="3522469" y="3790330"/>
+            <a:ext cx="220149" cy="3377670"/>
+          </a:xfrm>
+          <a:prstGeom prst="curvedConnector3">
+            <a:avLst>
+              <a:gd name="adj1" fmla="val 203839"/>
+            </a:avLst>
+          </a:prstGeom>
+          <a:ln>
+            <a:solidFill>
+              <a:srgbClr val="0070C0"/>
+            </a:solidFill>
+            <a:tailEnd type="triangle"/>
+          </a:ln>
+        </p:spPr>
+        <p:style>
+          <a:lnRef idx="1">
+            <a:schemeClr val="accent1"/>
+          </a:lnRef>
+          <a:fillRef idx="0">
+            <a:schemeClr val="accent1"/>
+          </a:fillRef>
+          <a:effectRef idx="0">
+            <a:schemeClr val="accent1"/>
+          </a:effectRef>
+          <a:fontRef idx="minor">
+            <a:schemeClr val="tx1"/>
+          </a:fontRef>
+        </p:style>
+      </p:cxnSp>
+      <p:sp>
+        <p:nvSpPr>
+          <p:cNvPr id="29" name="矩形 28">
+            <a:extLst>
+              <a:ext uri="{FF2B5EF4-FFF2-40B4-BE49-F238E27FC236}">
+                <a16:creationId xmlns:a16="http://schemas.microsoft.com/office/drawing/2014/main" id="{EA360CF0-B1BB-D34D-87A8-5B3789ACF09E}"/>
+              </a:ext>
+            </a:extLst>
+          </p:cNvPr>
+          <p:cNvSpPr/>
+          <p:nvPr/>
+        </p:nvSpPr>
+        <p:spPr>
+          <a:xfrm>
+            <a:off x="1187624" y="2855180"/>
+            <a:ext cx="4968552" cy="3168352"/>
+          </a:xfrm>
+          <a:prstGeom prst="rect">
+            <a:avLst/>
+          </a:prstGeom>
+          <a:noFill/>
+          <a:ln>
+            <a:solidFill>
+              <a:srgbClr val="0070C0"/>
+            </a:solidFill>
+            <a:prstDash val="dashDot"/>
+          </a:ln>
+        </p:spPr>
+        <p:style>
+          <a:lnRef idx="2">
+            <a:schemeClr val="accent1">
+              <a:shade val="50000"/>
+            </a:schemeClr>
+          </a:lnRef>
+          <a:fillRef idx="1">
+            <a:schemeClr val="accent1"/>
+          </a:fillRef>
+          <a:effectRef idx="0">
+            <a:schemeClr val="accent1"/>
+          </a:effectRef>
+          <a:fontRef idx="minor">
+            <a:schemeClr val="lt1"/>
+          </a:fontRef>
+        </p:style>
+        <p:txBody>
+          <a:bodyPr rtlCol="0" anchor="ctr"/>
+          <a:lstStyle/>
+          <a:p>
+            <a:pPr algn="ctr"/>
+            <a:endParaRPr kumimoji="1" lang="zh-CN" altLang="en-US"/>
+          </a:p>
+        </p:txBody>
+      </p:sp>
+      <p:sp>
+        <p:nvSpPr>
+          <p:cNvPr id="30" name="矩形 29">
+            <a:extLst>
+              <a:ext uri="{FF2B5EF4-FFF2-40B4-BE49-F238E27FC236}">
+                <a16:creationId xmlns:a16="http://schemas.microsoft.com/office/drawing/2014/main" id="{327A04B4-A95E-A846-BE16-37A95713E8A5}"/>
+              </a:ext>
+            </a:extLst>
+          </p:cNvPr>
+          <p:cNvSpPr/>
+          <p:nvPr/>
+        </p:nvSpPr>
+        <p:spPr>
+          <a:xfrm>
+            <a:off x="6588445" y="2852936"/>
+            <a:ext cx="1439939" cy="3168352"/>
+          </a:xfrm>
+          <a:prstGeom prst="rect">
+            <a:avLst/>
+          </a:prstGeom>
+          <a:noFill/>
+          <a:ln>
+            <a:solidFill>
+              <a:srgbClr val="0070C0"/>
+            </a:solidFill>
+            <a:prstDash val="dashDot"/>
+          </a:ln>
+        </p:spPr>
+        <p:style>
+          <a:lnRef idx="2">
+            <a:schemeClr val="accent1">
+              <a:shade val="50000"/>
+            </a:schemeClr>
+          </a:lnRef>
+          <a:fillRef idx="1">
+            <a:schemeClr val="accent1"/>
+          </a:fillRef>
+          <a:effectRef idx="0">
+            <a:schemeClr val="accent1"/>
+          </a:effectRef>
+          <a:fontRef idx="minor">
+            <a:schemeClr val="lt1"/>
+          </a:fontRef>
+        </p:style>
+        <p:txBody>
+          <a:bodyPr rtlCol="0" anchor="ctr"/>
+          <a:lstStyle/>
+          <a:p>
+            <a:pPr algn="ctr"/>
+            <a:endParaRPr kumimoji="1" lang="zh-CN" altLang="en-US"/>
+          </a:p>
+        </p:txBody>
+      </p:sp>
+    </p:spTree>
+    <p:extLst>
+      <p:ext uri="{BB962C8B-B14F-4D97-AF65-F5344CB8AC3E}">
+        <p14:creationId xmlns:p14="http://schemas.microsoft.com/office/powerpoint/2010/main" val="806937306"/>
+      </p:ext>
+    </p:extLst>
+  </p:cSld>
+  <p:clrMapOvr>
+    <a:masterClrMapping/>
+  </p:clrMapOvr>
+</p:sld>
+</file>
+
+<file path=ppt/slides/slide22.xml><?xml version="1.0" encoding="utf-8"?>
+<p:sld xmlns:a="http://schemas.openxmlformats.org/drawingml/2006/main" xmlns:r="http://schemas.openxmlformats.org/officeDocument/2006/relationships" xmlns:p="http://schemas.openxmlformats.org/presentationml/2006/main">
+  <p:cSld>
+    <p:spTree>
+      <p:nvGrpSpPr>
+        <p:cNvPr id="1" name=""/>
+        <p:cNvGrpSpPr/>
+        <p:nvPr/>
+      </p:nvGrpSpPr>
+      <p:grpSpPr>
+        <a:xfrm>
+          <a:off x="0" y="0"/>
+          <a:ext cx="0" cy="0"/>
+          <a:chOff x="0" y="0"/>
+          <a:chExt cx="0" cy="0"/>
+        </a:xfrm>
+      </p:grpSpPr>
+      <p:sp>
+        <p:nvSpPr>
+          <p:cNvPr id="2" name="标题 1">
+            <a:extLst>
+              <a:ext uri="{FF2B5EF4-FFF2-40B4-BE49-F238E27FC236}">
+                <a16:creationId xmlns:a16="http://schemas.microsoft.com/office/drawing/2014/main" id="{493F8DC8-6457-614D-AF8C-A173740599CC}"/>
+              </a:ext>
+            </a:extLst>
+          </p:cNvPr>
+          <p:cNvSpPr>
+            <a:spLocks noGrp="1"/>
+          </p:cNvSpPr>
+          <p:nvPr>
+            <p:ph type="title"/>
+          </p:nvPr>
+        </p:nvSpPr>
+        <p:spPr/>
+        <p:txBody>
+          <a:bodyPr/>
+          <a:lstStyle/>
+          <a:p>
+            <a:r>
+              <a:rPr kumimoji="1" lang="zh-CN" altLang="en-US" dirty="0"/>
+              <a:t>使用</a:t>
+            </a:r>
+            <a:r>
+              <a:rPr kumimoji="1" lang="en-US" altLang="zh-CN" dirty="0"/>
+              <a:t>Acl</a:t>
+            </a:r>
+            <a:r>
+              <a:rPr kumimoji="1" lang="zh-CN" altLang="en-US" dirty="0"/>
+              <a:t> </a:t>
+            </a:r>
+            <a:r>
+              <a:rPr kumimoji="1" lang="en-US" altLang="zh-CN" dirty="0"/>
+              <a:t>Redis</a:t>
+            </a:r>
+            <a:r>
+              <a:rPr kumimoji="1" lang="zh-CN" altLang="en-US" dirty="0"/>
+              <a:t>库编写</a:t>
+            </a:r>
+            <a:r>
+              <a:rPr kumimoji="1" lang="en-US" altLang="zh-CN" dirty="0"/>
+              <a:t>Pipeline</a:t>
+            </a:r>
+            <a:r>
+              <a:rPr kumimoji="1" lang="zh-CN" altLang="en-US" dirty="0"/>
+              <a:t>示例</a:t>
+            </a:r>
+          </a:p>
+        </p:txBody>
+      </p:sp>
+      <p:pic>
+        <p:nvPicPr>
+          <p:cNvPr id="4" name="内容占位符 3">
+            <a:extLst>
+              <a:ext uri="{FF2B5EF4-FFF2-40B4-BE49-F238E27FC236}">
+                <a16:creationId xmlns:a16="http://schemas.microsoft.com/office/drawing/2014/main" id="{5B5A78E3-1353-044F-AABC-A5AD2DC8FE2D}"/>
+              </a:ext>
+            </a:extLst>
+          </p:cNvPr>
+          <p:cNvPicPr>
+            <a:picLocks noGrp="1" noChangeAspect="1"/>
+          </p:cNvPicPr>
+          <p:nvPr>
+            <p:ph idx="1"/>
+          </p:nvPr>
+        </p:nvPicPr>
+        <p:blipFill>
+          <a:blip r:embed="rId2"/>
+          <a:stretch>
+            <a:fillRect/>
+          </a:stretch>
+        </p:blipFill>
+        <p:spPr>
+          <a:xfrm>
+            <a:off x="457202" y="1047750"/>
+            <a:ext cx="8291262" cy="5143500"/>
+          </a:xfrm>
+          <a:prstGeom prst="rect">
+            <a:avLst/>
+          </a:prstGeom>
+        </p:spPr>
+      </p:pic>
+    </p:spTree>
+    <p:extLst>
+      <p:ext uri="{BB962C8B-B14F-4D97-AF65-F5344CB8AC3E}">
+        <p14:creationId xmlns:p14="http://schemas.microsoft.com/office/powerpoint/2010/main" val="1400277541"/>
+      </p:ext>
+    </p:extLst>
+  </p:cSld>
+  <p:clrMapOvr>
+    <a:masterClrMapping/>
+  </p:clrMapOvr>
+</p:sld>
+</file>
+
+<file path=ppt/slides/slide23.xml><?xml version="1.0" encoding="utf-8"?>
+<p:sld xmlns:a="http://schemas.openxmlformats.org/drawingml/2006/main" xmlns:r="http://schemas.openxmlformats.org/officeDocument/2006/relationships" xmlns:p="http://schemas.openxmlformats.org/presentationml/2006/main">
+  <p:cSld>
+    <p:spTree>
+      <p:nvGrpSpPr>
+        <p:cNvPr id="1" name=""/>
+        <p:cNvGrpSpPr/>
+        <p:nvPr/>
+      </p:nvGrpSpPr>
+      <p:grpSpPr>
+        <a:xfrm>
+          <a:off x="0" y="0"/>
+          <a:ext cx="0" cy="0"/>
+          <a:chOff x="0" y="0"/>
+          <a:chExt cx="0" cy="0"/>
+        </a:xfrm>
+      </p:grpSpPr>
+      <p:sp>
+        <p:nvSpPr>
+          <p:cNvPr id="2" name="标题 1">
+            <a:extLst>
+              <a:ext uri="{FF2B5EF4-FFF2-40B4-BE49-F238E27FC236}">
+                <a16:creationId xmlns:a16="http://schemas.microsoft.com/office/drawing/2014/main" id="{D913210E-E4D2-2B4C-9AF7-F630FBFC94BF}"/>
+              </a:ext>
+            </a:extLst>
+          </p:cNvPr>
+          <p:cNvSpPr>
+            <a:spLocks noGrp="1"/>
+          </p:cNvSpPr>
+          <p:nvPr>
+            <p:ph type="title"/>
+          </p:nvPr>
+        </p:nvSpPr>
+        <p:spPr/>
+        <p:txBody>
+          <a:bodyPr/>
+          <a:lstStyle/>
+          <a:p>
+            <a:r>
+              <a:rPr kumimoji="1" lang="en-US" altLang="zh-CN" dirty="0"/>
+              <a:t>Pipeline vs </a:t>
+            </a:r>
+            <a:r>
+              <a:rPr kumimoji="1" lang="zh-CN" altLang="en-US" dirty="0"/>
+              <a:t>非</a:t>
+            </a:r>
+            <a:r>
+              <a:rPr kumimoji="1" lang="en-US" altLang="zh-CN" dirty="0"/>
+              <a:t> Pipeline</a:t>
+            </a:r>
+            <a:endParaRPr kumimoji="1" lang="zh-CN" altLang="en-US" dirty="0"/>
+          </a:p>
+        </p:txBody>
+      </p:sp>
+      <p:pic>
+        <p:nvPicPr>
+          <p:cNvPr id="9" name="图片 8">
+            <a:extLst>
+              <a:ext uri="{FF2B5EF4-FFF2-40B4-BE49-F238E27FC236}">
+                <a16:creationId xmlns:a16="http://schemas.microsoft.com/office/drawing/2014/main" id="{BD3B86B8-C7F9-574E-9BE1-A57080E35E63}"/>
+              </a:ext>
+            </a:extLst>
+          </p:cNvPr>
+          <p:cNvPicPr>
+            <a:picLocks noChangeAspect="1"/>
+          </p:cNvPicPr>
+          <p:nvPr/>
+        </p:nvPicPr>
+        <p:blipFill>
+          <a:blip r:embed="rId2"/>
+          <a:stretch>
+            <a:fillRect/>
+          </a:stretch>
+        </p:blipFill>
+        <p:spPr>
+          <a:xfrm>
+            <a:off x="4716016" y="928048"/>
+            <a:ext cx="4107525" cy="2164184"/>
+          </a:xfrm>
+          <a:prstGeom prst="rect">
+            <a:avLst/>
+          </a:prstGeom>
+        </p:spPr>
+      </p:pic>
+      <p:pic>
+        <p:nvPicPr>
+          <p:cNvPr id="10" name="图片 9">
+            <a:extLst>
+              <a:ext uri="{FF2B5EF4-FFF2-40B4-BE49-F238E27FC236}">
+                <a16:creationId xmlns:a16="http://schemas.microsoft.com/office/drawing/2014/main" id="{B72E8359-4993-8B40-A84F-393DCB4C2926}"/>
+              </a:ext>
+            </a:extLst>
+          </p:cNvPr>
+          <p:cNvPicPr>
+            <a:picLocks noChangeAspect="1"/>
+          </p:cNvPicPr>
+          <p:nvPr/>
+        </p:nvPicPr>
+        <p:blipFill>
+          <a:blip r:embed="rId3"/>
+          <a:stretch>
+            <a:fillRect/>
+          </a:stretch>
+        </p:blipFill>
+        <p:spPr>
+          <a:xfrm>
+            <a:off x="320459" y="928048"/>
+            <a:ext cx="4395557" cy="2164184"/>
+          </a:xfrm>
+          <a:prstGeom prst="rect">
+            <a:avLst/>
+          </a:prstGeom>
+        </p:spPr>
+      </p:pic>
+      <p:pic>
+        <p:nvPicPr>
+          <p:cNvPr id="12" name="图片 11">
+            <a:extLst>
+              <a:ext uri="{FF2B5EF4-FFF2-40B4-BE49-F238E27FC236}">
+                <a16:creationId xmlns:a16="http://schemas.microsoft.com/office/drawing/2014/main" id="{11167DBA-D18B-AE48-A0B9-94C30D25C777}"/>
+              </a:ext>
+            </a:extLst>
+          </p:cNvPr>
+          <p:cNvPicPr>
+            <a:picLocks noChangeAspect="1"/>
+          </p:cNvPicPr>
+          <p:nvPr/>
+        </p:nvPicPr>
+        <p:blipFill>
+          <a:blip r:embed="rId4"/>
+          <a:stretch>
+            <a:fillRect/>
+          </a:stretch>
+        </p:blipFill>
+        <p:spPr>
+          <a:xfrm>
+            <a:off x="4733115" y="3845272"/>
+            <a:ext cx="4090426" cy="2032000"/>
+          </a:xfrm>
+          <a:prstGeom prst="rect">
+            <a:avLst/>
+          </a:prstGeom>
+        </p:spPr>
+      </p:pic>
+      <p:pic>
+        <p:nvPicPr>
+          <p:cNvPr id="13" name="图片 12">
+            <a:extLst>
+              <a:ext uri="{FF2B5EF4-FFF2-40B4-BE49-F238E27FC236}">
+                <a16:creationId xmlns:a16="http://schemas.microsoft.com/office/drawing/2014/main" id="{B5D8364C-C0D8-B448-89BC-4F225CF4EF89}"/>
+              </a:ext>
+            </a:extLst>
+          </p:cNvPr>
+          <p:cNvPicPr>
+            <a:picLocks noChangeAspect="1"/>
+          </p:cNvPicPr>
+          <p:nvPr/>
+        </p:nvPicPr>
+        <p:blipFill>
+          <a:blip r:embed="rId5"/>
+          <a:stretch>
+            <a:fillRect/>
+          </a:stretch>
+        </p:blipFill>
+        <p:spPr>
+          <a:xfrm>
+            <a:off x="320459" y="3870589"/>
+            <a:ext cx="4395557" cy="2006600"/>
+          </a:xfrm>
+          <a:prstGeom prst="rect">
+            <a:avLst/>
+          </a:prstGeom>
+        </p:spPr>
+      </p:pic>
+      <p:sp>
+        <p:nvSpPr>
+          <p:cNvPr id="3" name="文本框 2">
+            <a:extLst>
+              <a:ext uri="{FF2B5EF4-FFF2-40B4-BE49-F238E27FC236}">
+                <a16:creationId xmlns:a16="http://schemas.microsoft.com/office/drawing/2014/main" id="{8947CEAB-89FC-4F44-9699-A0B0C5E61DDA}"/>
+              </a:ext>
+            </a:extLst>
+          </p:cNvPr>
+          <p:cNvSpPr txBox="1"/>
+          <p:nvPr/>
+        </p:nvSpPr>
+        <p:spPr>
+          <a:xfrm>
+            <a:off x="971600" y="3151214"/>
+            <a:ext cx="2304255" cy="369332"/>
+          </a:xfrm>
+          <a:prstGeom prst="rect">
+            <a:avLst/>
+          </a:prstGeom>
+          <a:noFill/>
+        </p:spPr>
+        <p:txBody>
+          <a:bodyPr wrap="square" rtlCol="0">
+            <a:spAutoFit/>
+          </a:bodyPr>
+          <a:lstStyle/>
+          <a:p>
+            <a:r>
+              <a:rPr kumimoji="1" lang="zh-CN" altLang="en-US" dirty="0"/>
+              <a:t>集群</a:t>
+            </a:r>
+            <a:r>
+              <a:rPr kumimoji="1" lang="en-US" altLang="zh-CN" dirty="0"/>
+              <a:t>Pipleline</a:t>
+            </a:r>
+            <a:r>
+              <a:rPr kumimoji="1" lang="zh-CN" altLang="en-US" dirty="0"/>
+              <a:t>模式</a:t>
+            </a:r>
+            <a:r>
+              <a:rPr kumimoji="1" lang="en-US" altLang="zh-CN" dirty="0"/>
+              <a:t>QPS</a:t>
+            </a:r>
+            <a:endParaRPr kumimoji="1" lang="zh-CN" altLang="en-US" dirty="0"/>
+          </a:p>
+        </p:txBody>
+      </p:sp>
+      <p:sp>
+        <p:nvSpPr>
+          <p:cNvPr id="8" name="文本框 7">
+            <a:extLst>
+              <a:ext uri="{FF2B5EF4-FFF2-40B4-BE49-F238E27FC236}">
+                <a16:creationId xmlns:a16="http://schemas.microsoft.com/office/drawing/2014/main" id="{175F1A83-103F-714A-B9F3-FB0F48BFEC50}"/>
+              </a:ext>
+            </a:extLst>
+          </p:cNvPr>
+          <p:cNvSpPr txBox="1"/>
+          <p:nvPr/>
+        </p:nvSpPr>
+        <p:spPr>
+          <a:xfrm>
+            <a:off x="4906120" y="3151214"/>
+            <a:ext cx="3744416" cy="369332"/>
+          </a:xfrm>
+          <a:prstGeom prst="rect">
+            <a:avLst/>
+          </a:prstGeom>
+          <a:noFill/>
+        </p:spPr>
+        <p:txBody>
+          <a:bodyPr wrap="square" rtlCol="0">
+            <a:spAutoFit/>
+          </a:bodyPr>
+          <a:lstStyle/>
+          <a:p>
+            <a:r>
+              <a:rPr kumimoji="1" lang="zh-CN" altLang="en-US" dirty="0"/>
+              <a:t>集群</a:t>
+            </a:r>
+            <a:r>
+              <a:rPr kumimoji="1" lang="en-US" altLang="zh-CN" dirty="0"/>
+              <a:t>Pipleline</a:t>
+            </a:r>
+            <a:r>
+              <a:rPr kumimoji="1" lang="zh-CN" altLang="en-US" dirty="0"/>
+              <a:t>模式</a:t>
+            </a:r>
+            <a:r>
+              <a:rPr kumimoji="1" lang="en-US" altLang="zh-CN" dirty="0"/>
+              <a:t>Redis</a:t>
+            </a:r>
+            <a:r>
+              <a:rPr kumimoji="1" lang="zh-CN" altLang="en-US" dirty="0"/>
+              <a:t>进程</a:t>
+            </a:r>
+            <a:r>
+              <a:rPr kumimoji="1" lang="en-US" altLang="zh-CN" dirty="0"/>
+              <a:t>CPU</a:t>
+            </a:r>
+            <a:r>
+              <a:rPr kumimoji="1" lang="zh-CN" altLang="en-US" dirty="0"/>
+              <a:t>占用</a:t>
+            </a:r>
+          </a:p>
+        </p:txBody>
+      </p:sp>
+      <p:sp>
+        <p:nvSpPr>
+          <p:cNvPr id="11" name="文本框 10">
+            <a:extLst>
+              <a:ext uri="{FF2B5EF4-FFF2-40B4-BE49-F238E27FC236}">
+                <a16:creationId xmlns:a16="http://schemas.microsoft.com/office/drawing/2014/main" id="{F05CDDA9-D875-6748-B5F8-6068FD42EFF4}"/>
+              </a:ext>
+            </a:extLst>
+          </p:cNvPr>
+          <p:cNvSpPr txBox="1"/>
+          <p:nvPr/>
+        </p:nvSpPr>
+        <p:spPr>
+          <a:xfrm>
+            <a:off x="899592" y="6042566"/>
+            <a:ext cx="2520280" cy="369332"/>
+          </a:xfrm>
+          <a:prstGeom prst="rect">
+            <a:avLst/>
+          </a:prstGeom>
+          <a:noFill/>
+        </p:spPr>
+        <p:txBody>
+          <a:bodyPr wrap="square" rtlCol="0">
+            <a:spAutoFit/>
+          </a:bodyPr>
+          <a:lstStyle/>
+          <a:p>
+            <a:r>
+              <a:rPr kumimoji="1" lang="zh-CN" altLang="en-US" dirty="0"/>
+              <a:t>集群非</a:t>
+            </a:r>
+            <a:r>
+              <a:rPr kumimoji="1" lang="en-US" altLang="zh-CN" dirty="0"/>
+              <a:t>Pipleline</a:t>
+            </a:r>
+            <a:r>
+              <a:rPr kumimoji="1" lang="zh-CN" altLang="en-US" dirty="0"/>
+              <a:t>模式</a:t>
+            </a:r>
+            <a:r>
+              <a:rPr kumimoji="1" lang="en-US" altLang="zh-CN" dirty="0"/>
+              <a:t>QPS</a:t>
+            </a:r>
+            <a:endParaRPr kumimoji="1" lang="zh-CN" altLang="en-US" dirty="0"/>
+          </a:p>
+        </p:txBody>
+      </p:sp>
+      <p:sp>
+        <p:nvSpPr>
+          <p:cNvPr id="14" name="文本框 13">
+            <a:extLst>
+              <a:ext uri="{FF2B5EF4-FFF2-40B4-BE49-F238E27FC236}">
+                <a16:creationId xmlns:a16="http://schemas.microsoft.com/office/drawing/2014/main" id="{C1312881-F842-384E-ACDB-1EBFEFC3928E}"/>
+              </a:ext>
+            </a:extLst>
+          </p:cNvPr>
+          <p:cNvSpPr txBox="1"/>
+          <p:nvPr/>
+        </p:nvSpPr>
+        <p:spPr>
+          <a:xfrm>
+            <a:off x="4834111" y="6042566"/>
+            <a:ext cx="3989429" cy="369332"/>
+          </a:xfrm>
+          <a:prstGeom prst="rect">
+            <a:avLst/>
+          </a:prstGeom>
+          <a:noFill/>
+        </p:spPr>
+        <p:txBody>
+          <a:bodyPr wrap="square" rtlCol="0">
+            <a:spAutoFit/>
+          </a:bodyPr>
+          <a:lstStyle/>
+          <a:p>
+            <a:r>
+              <a:rPr kumimoji="1" lang="zh-CN" altLang="en-US" dirty="0"/>
+              <a:t>集群非</a:t>
+            </a:r>
+            <a:r>
+              <a:rPr kumimoji="1" lang="en-US" altLang="zh-CN" dirty="0"/>
+              <a:t>Pipleline</a:t>
+            </a:r>
+            <a:r>
+              <a:rPr kumimoji="1" lang="zh-CN" altLang="en-US" dirty="0"/>
+              <a:t>模式</a:t>
+            </a:r>
+            <a:r>
+              <a:rPr kumimoji="1" lang="en-US" altLang="zh-CN" dirty="0"/>
+              <a:t>Redis</a:t>
+            </a:r>
+            <a:r>
+              <a:rPr kumimoji="1" lang="zh-CN" altLang="en-US" dirty="0"/>
+              <a:t>进程</a:t>
+            </a:r>
+            <a:r>
+              <a:rPr kumimoji="1" lang="en-US" altLang="zh-CN" dirty="0"/>
+              <a:t>CPU</a:t>
+            </a:r>
+            <a:r>
+              <a:rPr kumimoji="1" lang="zh-CN" altLang="en-US" dirty="0"/>
+              <a:t>占用</a:t>
+            </a:r>
+          </a:p>
+        </p:txBody>
+      </p:sp>
+    </p:spTree>
+    <p:extLst>
+      <p:ext uri="{BB962C8B-B14F-4D97-AF65-F5344CB8AC3E}">
+        <p14:creationId xmlns:p14="http://schemas.microsoft.com/office/powerpoint/2010/main" val="3891656050"/>
+      </p:ext>
+    </p:extLst>
+  </p:cSld>
+  <p:clrMapOvr>
+    <a:masterClrMapping/>
+  </p:clrMapOvr>
+</p:sld>
+</file>
+
+<file path=ppt/slides/slide24.xml><?xml version="1.0" encoding="utf-8"?>
+<p:sld xmlns:a="http://schemas.openxmlformats.org/drawingml/2006/main" xmlns:r="http://schemas.openxmlformats.org/officeDocument/2006/relationships" xmlns:p="http://schemas.openxmlformats.org/presentationml/2006/main">
+  <p:cSld>
+    <p:spTree>
+      <p:nvGrpSpPr>
+        <p:cNvPr id="1" name=""/>
+        <p:cNvGrpSpPr/>
+        <p:nvPr/>
+      </p:nvGrpSpPr>
+      <p:grpSpPr>
+        <a:xfrm>
+          <a:off x="0" y="0"/>
+          <a:ext cx="0" cy="0"/>
+          <a:chOff x="0" y="0"/>
+          <a:chExt cx="0" cy="0"/>
+        </a:xfrm>
+      </p:grpSpPr>
+      <p:sp>
+        <p:nvSpPr>
           <p:cNvPr id="2" name="标题 1"/>
           <p:cNvSpPr>
             <a:spLocks noGrp="1"/>
@@ -9561,7 +10674,7 @@
 </p:sld>
 </file>
 
-<file path=ppt/slides/slide21.xml><?xml version="1.0" encoding="utf-8"?>
+<file path=ppt/slides/slide25.xml><?xml version="1.0" encoding="utf-8"?>
 <p:sld xmlns:a="http://schemas.openxmlformats.org/drawingml/2006/main" xmlns:r="http://schemas.openxmlformats.org/officeDocument/2006/relationships" xmlns:p="http://schemas.openxmlformats.org/presentationml/2006/main">
   <p:cSld>
     <p:spTree>
@@ -10265,7 +11378,7 @@
 </p:sld>
 </file>
 
-<file path=ppt/slides/slide22.xml><?xml version="1.0" encoding="utf-8"?>
+<file path=ppt/slides/slide26.xml><?xml version="1.0" encoding="utf-8"?>
 <p:sld xmlns:a="http://schemas.openxmlformats.org/drawingml/2006/main" xmlns:r="http://schemas.openxmlformats.org/officeDocument/2006/relationships" xmlns:p="http://schemas.openxmlformats.org/presentationml/2006/main">
   <p:cSld>
     <p:spTree>
@@ -10772,529 +11885,6 @@
 </p:sld>
 </file>
 
-<file path=ppt/slides/slide23.xml><?xml version="1.0" encoding="utf-8"?>
-<p:sld xmlns:a="http://schemas.openxmlformats.org/drawingml/2006/main" xmlns:r="http://schemas.openxmlformats.org/officeDocument/2006/relationships" xmlns:p="http://schemas.openxmlformats.org/presentationml/2006/main">
-  <p:cSld>
-    <p:spTree>
-      <p:nvGrpSpPr>
-        <p:cNvPr id="1" name=""/>
-        <p:cNvGrpSpPr/>
-        <p:nvPr/>
-      </p:nvGrpSpPr>
-      <p:grpSpPr>
-        <a:xfrm>
-          <a:off x="0" y="0"/>
-          <a:ext cx="0" cy="0"/>
-          <a:chOff x="0" y="0"/>
-          <a:chExt cx="0" cy="0"/>
-        </a:xfrm>
-      </p:grpSpPr>
-      <p:sp>
-        <p:nvSpPr>
-          <p:cNvPr id="2" name="标题 1"/>
-          <p:cNvSpPr>
-            <a:spLocks noGrp="1"/>
-          </p:cNvSpPr>
-          <p:nvPr>
-            <p:ph type="title"/>
-          </p:nvPr>
-        </p:nvSpPr>
-        <p:spPr/>
-        <p:txBody>
-          <a:bodyPr/>
-          <a:lstStyle/>
-          <a:p>
-            <a:r>
-              <a:rPr lang="en-US" altLang="zh-CN" dirty="0" err="1"/>
-              <a:t>redis_builder</a:t>
-            </a:r>
-            <a:r>
-              <a:rPr lang="en-US" altLang="zh-CN" dirty="0"/>
-              <a:t> </a:t>
-            </a:r>
-            <a:r>
-              <a:rPr lang="zh-CN" altLang="en-US" dirty="0"/>
-              <a:t>命令行交互界面</a:t>
-            </a:r>
-          </a:p>
-        </p:txBody>
-      </p:sp>
-      <p:sp>
-        <p:nvSpPr>
-          <p:cNvPr id="3" name="内容占位符 2"/>
-          <p:cNvSpPr>
-            <a:spLocks noGrp="1"/>
-          </p:cNvSpPr>
-          <p:nvPr>
-            <p:ph idx="1"/>
-          </p:nvPr>
-        </p:nvSpPr>
-        <p:spPr>
-          <a:xfrm>
-            <a:off x="457200" y="1124744"/>
-            <a:ext cx="8200995" cy="5066525"/>
-          </a:xfrm>
-        </p:spPr>
-        <p:txBody>
-          <a:bodyPr/>
-          <a:lstStyle/>
-          <a:p>
-            <a:endParaRPr lang="en-US" altLang="zh-CN" dirty="0"/>
-          </a:p>
-        </p:txBody>
-      </p:sp>
-      <p:pic>
-        <p:nvPicPr>
-          <p:cNvPr id="7" name="图片 6"/>
-          <p:cNvPicPr>
-            <a:picLocks noChangeAspect="1"/>
-          </p:cNvPicPr>
-          <p:nvPr/>
-        </p:nvPicPr>
-        <p:blipFill>
-          <a:blip r:embed="rId2"/>
-          <a:stretch>
-            <a:fillRect/>
-          </a:stretch>
-        </p:blipFill>
-        <p:spPr>
-          <a:xfrm>
-            <a:off x="457201" y="1124744"/>
-            <a:ext cx="8200993" cy="1704762"/>
-          </a:xfrm>
-          <a:prstGeom prst="rect">
-            <a:avLst/>
-          </a:prstGeom>
-        </p:spPr>
-      </p:pic>
-      <p:pic>
-        <p:nvPicPr>
-          <p:cNvPr id="9" name="图片 8"/>
-          <p:cNvPicPr>
-            <a:picLocks noChangeAspect="1"/>
-          </p:cNvPicPr>
-          <p:nvPr/>
-        </p:nvPicPr>
-        <p:blipFill>
-          <a:blip r:embed="rId3"/>
-          <a:stretch>
-            <a:fillRect/>
-          </a:stretch>
-        </p:blipFill>
-        <p:spPr>
-          <a:xfrm>
-            <a:off x="457201" y="2911082"/>
-            <a:ext cx="8200993" cy="3280188"/>
-          </a:xfrm>
-          <a:prstGeom prst="rect">
-            <a:avLst/>
-          </a:prstGeom>
-        </p:spPr>
-      </p:pic>
-    </p:spTree>
-    <p:extLst>
-      <p:ext uri="{BB962C8B-B14F-4D97-AF65-F5344CB8AC3E}">
-        <p14:creationId xmlns:p14="http://schemas.microsoft.com/office/powerpoint/2010/main" val="1005353876"/>
-      </p:ext>
-    </p:extLst>
-  </p:cSld>
-  <p:clrMapOvr>
-    <a:masterClrMapping/>
-  </p:clrMapOvr>
-</p:sld>
-</file>
-
-<file path=ppt/slides/slide24.xml><?xml version="1.0" encoding="utf-8"?>
-<p:sld xmlns:a="http://schemas.openxmlformats.org/drawingml/2006/main" xmlns:r="http://schemas.openxmlformats.org/officeDocument/2006/relationships" xmlns:p="http://schemas.openxmlformats.org/presentationml/2006/main">
-  <p:cSld>
-    <p:spTree>
-      <p:nvGrpSpPr>
-        <p:cNvPr id="1" name=""/>
-        <p:cNvGrpSpPr/>
-        <p:nvPr/>
-      </p:nvGrpSpPr>
-      <p:grpSpPr>
-        <a:xfrm>
-          <a:off x="0" y="0"/>
-          <a:ext cx="0" cy="0"/>
-          <a:chOff x="0" y="0"/>
-          <a:chExt cx="0" cy="0"/>
-        </a:xfrm>
-      </p:grpSpPr>
-      <p:sp>
-        <p:nvSpPr>
-          <p:cNvPr id="2" name="标题 1"/>
-          <p:cNvSpPr>
-            <a:spLocks noGrp="1"/>
-          </p:cNvSpPr>
-          <p:nvPr>
-            <p:ph type="title"/>
-          </p:nvPr>
-        </p:nvSpPr>
-        <p:spPr/>
-        <p:txBody>
-          <a:bodyPr/>
-          <a:lstStyle/>
-          <a:p>
-            <a:r>
-              <a:rPr lang="zh-CN" altLang="en-US" dirty="0"/>
-              <a:t>显示</a:t>
-            </a:r>
-            <a:r>
-              <a:rPr lang="en-US" altLang="zh-CN" dirty="0"/>
-              <a:t> </a:t>
-            </a:r>
-            <a:r>
-              <a:rPr lang="en-US" altLang="zh-CN" dirty="0" err="1"/>
-              <a:t>redis</a:t>
-            </a:r>
-            <a:r>
-              <a:rPr lang="en-US" altLang="zh-CN" dirty="0"/>
-              <a:t> </a:t>
-            </a:r>
-            <a:r>
-              <a:rPr lang="zh-CN" altLang="en-US" dirty="0"/>
-              <a:t>集群的节点分布 </a:t>
-            </a:r>
-            <a:r>
-              <a:rPr lang="en-US" altLang="zh-CN" dirty="0"/>
-              <a:t>--- </a:t>
-            </a:r>
-            <a:r>
-              <a:rPr lang="en-US" altLang="zh-CN" sz="2000" dirty="0" err="1"/>
-              <a:t>redis_builder</a:t>
-            </a:r>
-            <a:r>
-              <a:rPr lang="en-US" altLang="zh-CN" sz="2000" dirty="0"/>
-              <a:t> </a:t>
-            </a:r>
-            <a:r>
-              <a:rPr lang="zh-CN" altLang="en-US" sz="2000" dirty="0"/>
-              <a:t>使用</a:t>
-            </a:r>
-          </a:p>
-        </p:txBody>
-      </p:sp>
-      <p:pic>
-        <p:nvPicPr>
-          <p:cNvPr id="4" name="内容占位符 3"/>
-          <p:cNvPicPr>
-            <a:picLocks noGrp="1" noChangeAspect="1"/>
-          </p:cNvPicPr>
-          <p:nvPr>
-            <p:ph idx="1"/>
-          </p:nvPr>
-        </p:nvPicPr>
-        <p:blipFill>
-          <a:blip r:embed="rId2"/>
-          <a:stretch>
-            <a:fillRect/>
-          </a:stretch>
-        </p:blipFill>
-        <p:spPr>
-          <a:xfrm>
-            <a:off x="457201" y="1268760"/>
-            <a:ext cx="8219255" cy="4824535"/>
-          </a:xfrm>
-          <a:prstGeom prst="rect">
-            <a:avLst/>
-          </a:prstGeom>
-        </p:spPr>
-      </p:pic>
-    </p:spTree>
-    <p:extLst>
-      <p:ext uri="{BB962C8B-B14F-4D97-AF65-F5344CB8AC3E}">
-        <p14:creationId xmlns:p14="http://schemas.microsoft.com/office/powerpoint/2010/main" val="371761843"/>
-      </p:ext>
-    </p:extLst>
-  </p:cSld>
-  <p:clrMapOvr>
-    <a:masterClrMapping/>
-  </p:clrMapOvr>
-</p:sld>
-</file>
-
-<file path=ppt/slides/slide25.xml><?xml version="1.0" encoding="utf-8"?>
-<p:sld xmlns:a="http://schemas.openxmlformats.org/drawingml/2006/main" xmlns:r="http://schemas.openxmlformats.org/officeDocument/2006/relationships" xmlns:p="http://schemas.openxmlformats.org/presentationml/2006/main">
-  <p:cSld>
-    <p:spTree>
-      <p:nvGrpSpPr>
-        <p:cNvPr id="1" name=""/>
-        <p:cNvGrpSpPr/>
-        <p:nvPr/>
-      </p:nvGrpSpPr>
-      <p:grpSpPr>
-        <a:xfrm>
-          <a:off x="0" y="0"/>
-          <a:ext cx="0" cy="0"/>
-          <a:chOff x="0" y="0"/>
-          <a:chExt cx="0" cy="0"/>
-        </a:xfrm>
-      </p:grpSpPr>
-      <p:sp>
-        <p:nvSpPr>
-          <p:cNvPr id="2" name="标题 1"/>
-          <p:cNvSpPr>
-            <a:spLocks noGrp="1"/>
-          </p:cNvSpPr>
-          <p:nvPr>
-            <p:ph type="title"/>
-          </p:nvPr>
-        </p:nvSpPr>
-        <p:spPr/>
-        <p:txBody>
-          <a:bodyPr/>
-          <a:lstStyle/>
-          <a:p>
-            <a:r>
-              <a:rPr lang="zh-CN" altLang="en-US" dirty="0"/>
-              <a:t>直接运行</a:t>
-            </a:r>
-            <a:r>
-              <a:rPr lang="en-US" altLang="zh-CN" dirty="0" err="1"/>
-              <a:t>redis</a:t>
-            </a:r>
-            <a:r>
-              <a:rPr lang="en-US" altLang="zh-CN" dirty="0"/>
-              <a:t> </a:t>
-            </a:r>
-            <a:r>
-              <a:rPr lang="zh-CN" altLang="en-US" dirty="0"/>
-              <a:t>命令 </a:t>
-            </a:r>
-            <a:r>
-              <a:rPr lang="en-US" altLang="zh-CN" dirty="0"/>
-              <a:t>--- </a:t>
-            </a:r>
-            <a:r>
-              <a:rPr lang="en-US" altLang="zh-CN" sz="2000" dirty="0" err="1"/>
-              <a:t>redis_builder</a:t>
-            </a:r>
-            <a:r>
-              <a:rPr lang="en-US" altLang="zh-CN" sz="2000" dirty="0"/>
-              <a:t> </a:t>
-            </a:r>
-            <a:r>
-              <a:rPr lang="zh-CN" altLang="en-US" sz="2000" dirty="0"/>
-              <a:t>使用</a:t>
-            </a:r>
-          </a:p>
-        </p:txBody>
-      </p:sp>
-      <p:pic>
-        <p:nvPicPr>
-          <p:cNvPr id="4" name="内容占位符 3"/>
-          <p:cNvPicPr>
-            <a:picLocks noGrp="1" noChangeAspect="1"/>
-          </p:cNvPicPr>
-          <p:nvPr>
-            <p:ph idx="1"/>
-          </p:nvPr>
-        </p:nvPicPr>
-        <p:blipFill>
-          <a:blip r:embed="rId2">
-            <a:extLst>
-              <a:ext uri="{28A0092B-C50C-407E-A947-70E740481C1C}">
-                <a14:useLocalDpi xmlns:a14="http://schemas.microsoft.com/office/drawing/2010/main" val="0"/>
-              </a:ext>
-            </a:extLst>
-          </a:blip>
-          <a:stretch>
-            <a:fillRect/>
-          </a:stretch>
-        </p:blipFill>
-        <p:spPr>
-          <a:xfrm>
-            <a:off x="457201" y="980728"/>
-            <a:ext cx="8147247" cy="2554153"/>
-          </a:xfrm>
-          <a:prstGeom prst="rect">
-            <a:avLst/>
-          </a:prstGeom>
-        </p:spPr>
-      </p:pic>
-      <p:pic>
-        <p:nvPicPr>
-          <p:cNvPr id="5" name="图片 4"/>
-          <p:cNvPicPr>
-            <a:picLocks noChangeAspect="1"/>
-          </p:cNvPicPr>
-          <p:nvPr/>
-        </p:nvPicPr>
-        <p:blipFill>
-          <a:blip r:embed="rId3">
-            <a:extLst>
-              <a:ext uri="{28A0092B-C50C-407E-A947-70E740481C1C}">
-                <a14:useLocalDpi xmlns:a14="http://schemas.microsoft.com/office/drawing/2010/main" val="0"/>
-              </a:ext>
-            </a:extLst>
-          </a:blip>
-          <a:stretch>
-            <a:fillRect/>
-          </a:stretch>
-        </p:blipFill>
-        <p:spPr>
-          <a:xfrm>
-            <a:off x="3923928" y="3688025"/>
-            <a:ext cx="4680520" cy="2477279"/>
-          </a:xfrm>
-          <a:prstGeom prst="rect">
-            <a:avLst/>
-          </a:prstGeom>
-        </p:spPr>
-      </p:pic>
-      <p:pic>
-        <p:nvPicPr>
-          <p:cNvPr id="6" name="图片 5"/>
-          <p:cNvPicPr>
-            <a:picLocks noChangeAspect="1"/>
-          </p:cNvPicPr>
-          <p:nvPr/>
-        </p:nvPicPr>
-        <p:blipFill>
-          <a:blip r:embed="rId4">
-            <a:extLst>
-              <a:ext uri="{28A0092B-C50C-407E-A947-70E740481C1C}">
-                <a14:useLocalDpi xmlns:a14="http://schemas.microsoft.com/office/drawing/2010/main" val="0"/>
-              </a:ext>
-            </a:extLst>
-          </a:blip>
-          <a:stretch>
-            <a:fillRect/>
-          </a:stretch>
-        </p:blipFill>
-        <p:spPr>
-          <a:xfrm>
-            <a:off x="457201" y="3688025"/>
-            <a:ext cx="3250703" cy="2477279"/>
-          </a:xfrm>
-          <a:prstGeom prst="rect">
-            <a:avLst/>
-          </a:prstGeom>
-        </p:spPr>
-      </p:pic>
-    </p:spTree>
-    <p:extLst>
-      <p:ext uri="{BB962C8B-B14F-4D97-AF65-F5344CB8AC3E}">
-        <p14:creationId xmlns:p14="http://schemas.microsoft.com/office/powerpoint/2010/main" val="1000878735"/>
-      </p:ext>
-    </p:extLst>
-  </p:cSld>
-  <p:clrMapOvr>
-    <a:masterClrMapping/>
-  </p:clrMapOvr>
-</p:sld>
-</file>
-
-<file path=ppt/slides/slide26.xml><?xml version="1.0" encoding="utf-8"?>
-<p:sld xmlns:a="http://schemas.openxmlformats.org/drawingml/2006/main" xmlns:r="http://schemas.openxmlformats.org/officeDocument/2006/relationships" xmlns:p="http://schemas.openxmlformats.org/presentationml/2006/main">
-  <p:cSld>
-    <p:spTree>
-      <p:nvGrpSpPr>
-        <p:cNvPr id="1" name=""/>
-        <p:cNvGrpSpPr/>
-        <p:nvPr/>
-      </p:nvGrpSpPr>
-      <p:grpSpPr>
-        <a:xfrm>
-          <a:off x="0" y="0"/>
-          <a:ext cx="0" cy="0"/>
-          <a:chOff x="0" y="0"/>
-          <a:chExt cx="0" cy="0"/>
-        </a:xfrm>
-      </p:grpSpPr>
-      <p:sp>
-        <p:nvSpPr>
-          <p:cNvPr id="2" name="标题 1"/>
-          <p:cNvSpPr>
-            <a:spLocks noGrp="1"/>
-          </p:cNvSpPr>
-          <p:nvPr>
-            <p:ph type="title"/>
-          </p:nvPr>
-        </p:nvSpPr>
-        <p:spPr/>
-        <p:txBody>
-          <a:bodyPr/>
-          <a:lstStyle/>
-          <a:p>
-            <a:r>
-              <a:rPr lang="zh-CN" altLang="en-US" dirty="0"/>
-              <a:t>显示 </a:t>
-            </a:r>
-            <a:r>
-              <a:rPr lang="en-US" altLang="zh-CN" dirty="0" err="1"/>
-              <a:t>redis</a:t>
-            </a:r>
-            <a:r>
-              <a:rPr lang="en-US" altLang="zh-CN" dirty="0"/>
-              <a:t> </a:t>
-            </a:r>
-            <a:r>
-              <a:rPr lang="zh-CN" altLang="en-US" dirty="0"/>
-              <a:t>集群的运行状态 </a:t>
-            </a:r>
-            <a:r>
-              <a:rPr lang="en-US" altLang="zh-CN" dirty="0"/>
-              <a:t>--- </a:t>
-            </a:r>
-            <a:r>
-              <a:rPr lang="en-US" altLang="zh-CN" sz="2000" dirty="0" err="1"/>
-              <a:t>redis_builder</a:t>
-            </a:r>
-            <a:r>
-              <a:rPr lang="en-US" altLang="zh-CN" sz="2000" dirty="0"/>
-              <a:t> </a:t>
-            </a:r>
-            <a:r>
-              <a:rPr lang="zh-CN" altLang="en-US" sz="2000" dirty="0"/>
-              <a:t>使用</a:t>
-            </a:r>
-          </a:p>
-        </p:txBody>
-      </p:sp>
-      <p:pic>
-        <p:nvPicPr>
-          <p:cNvPr id="4" name="内容占位符 3"/>
-          <p:cNvPicPr>
-            <a:picLocks noGrp="1" noChangeAspect="1"/>
-          </p:cNvPicPr>
-          <p:nvPr>
-            <p:ph idx="1"/>
-          </p:nvPr>
-        </p:nvPicPr>
-        <p:blipFill>
-          <a:blip r:embed="rId2">
-            <a:extLst>
-              <a:ext uri="{28A0092B-C50C-407E-A947-70E740481C1C}">
-                <a14:useLocalDpi xmlns:a14="http://schemas.microsoft.com/office/drawing/2010/main" val="0"/>
-              </a:ext>
-            </a:extLst>
-          </a:blip>
-          <a:stretch>
-            <a:fillRect/>
-          </a:stretch>
-        </p:blipFill>
-        <p:spPr>
-          <a:xfrm>
-            <a:off x="457201" y="1196752"/>
-            <a:ext cx="8075239" cy="4680520"/>
-          </a:xfrm>
-        </p:spPr>
-      </p:pic>
-    </p:spTree>
-    <p:extLst>
-      <p:ext uri="{BB962C8B-B14F-4D97-AF65-F5344CB8AC3E}">
-        <p14:creationId xmlns:p14="http://schemas.microsoft.com/office/powerpoint/2010/main" val="1842216643"/>
-      </p:ext>
-    </p:extLst>
-  </p:cSld>
-  <p:clrMapOvr>
-    <a:masterClrMapping/>
-  </p:clrMapOvr>
-</p:sld>
-</file>
-
 <file path=ppt/slides/slide27.xml><?xml version="1.0" encoding="utf-8"?>
 <p:sld xmlns:a="http://schemas.openxmlformats.org/drawingml/2006/main" xmlns:r="http://schemas.openxmlformats.org/officeDocument/2006/relationships" xmlns:p="http://schemas.openxmlformats.org/presentationml/2006/main">
   <p:cSld>
@@ -11328,8 +11918,16 @@
           <a:lstStyle/>
           <a:p>
             <a:r>
+              <a:rPr lang="en-US" altLang="zh-CN" dirty="0" err="1"/>
+              <a:t>redis_builder</a:t>
+            </a:r>
+            <a:r>
+              <a:rPr lang="en-US" altLang="zh-CN" dirty="0"/>
+              <a:t> </a:t>
+            </a:r>
+            <a:r>
               <a:rPr lang="zh-CN" altLang="en-US" dirty="0"/>
-              <a:t>参考</a:t>
+              <a:t>命令行交互界面</a:t>
             </a:r>
           </a:p>
         </p:txBody>
@@ -11346,193 +11944,352 @@
         </p:nvSpPr>
         <p:spPr>
           <a:xfrm>
-            <a:off x="428596" y="1047733"/>
-            <a:ext cx="8715404" cy="5143536"/>
+            <a:off x="457200" y="1124744"/>
+            <a:ext cx="8200995" cy="5066525"/>
           </a:xfrm>
         </p:spPr>
         <p:txBody>
           <a:bodyPr/>
           <a:lstStyle/>
           <a:p>
-            <a:r>
-              <a:rPr lang="en-US" altLang="zh-CN" sz="1800" dirty="0"/>
-              <a:t>1</a:t>
-            </a:r>
-            <a:r>
-              <a:rPr lang="zh-CN" altLang="en-US" sz="1800" dirty="0"/>
-              <a:t>、官方网站：</a:t>
-            </a:r>
-            <a:r>
-              <a:rPr lang="en-US" altLang="zh-CN" sz="1600" dirty="0">
-                <a:hlinkClick r:id="rId2"/>
-              </a:rPr>
-              <a:t>http://redis.io/</a:t>
-            </a:r>
-            <a:endParaRPr lang="en-US" altLang="zh-CN" sz="1600" dirty="0"/>
-          </a:p>
-          <a:p>
-            <a:r>
-              <a:rPr lang="en-US" altLang="zh-CN" sz="1800" dirty="0"/>
-              <a:t>2</a:t>
-            </a:r>
-            <a:r>
-              <a:rPr lang="zh-CN" altLang="en-US" sz="1800" dirty="0"/>
-              <a:t>、中文翻译网站：</a:t>
-            </a:r>
-            <a:r>
-              <a:rPr lang="en-US" altLang="zh-CN" sz="1600" dirty="0">
-                <a:hlinkClick r:id="rId3"/>
-              </a:rPr>
-              <a:t>http://redisdoc.com/</a:t>
-            </a:r>
-            <a:r>
-              <a:rPr lang="zh-CN" altLang="en-US" sz="1600" dirty="0">
-                <a:hlinkClick r:id="rId3"/>
-              </a:rPr>
-              <a:t>，</a:t>
-            </a:r>
-            <a:r>
-              <a:rPr lang="en-US" altLang="zh-CN" sz="1600" dirty="0">
-                <a:hlinkClick r:id="rId3"/>
-              </a:rPr>
-              <a:t>http://redis.cn/</a:t>
-            </a:r>
-            <a:endParaRPr lang="en-US" altLang="zh-CN" sz="1600" dirty="0"/>
-          </a:p>
-          <a:p>
-            <a:r>
-              <a:rPr lang="en-US" altLang="zh-CN" sz="1800" dirty="0"/>
-              <a:t>3</a:t>
-            </a:r>
-            <a:r>
-              <a:rPr lang="zh-CN" altLang="en-US" sz="1800" dirty="0"/>
-              <a:t>、</a:t>
-            </a:r>
-            <a:r>
-              <a:rPr lang="en-US" altLang="zh-CN" sz="1800" dirty="0"/>
-              <a:t>Java </a:t>
-            </a:r>
-            <a:r>
-              <a:rPr lang="zh-CN" altLang="en-US" sz="1800" dirty="0"/>
-              <a:t>客户端库：</a:t>
-            </a:r>
-            <a:r>
-              <a:rPr lang="en-US" altLang="zh-CN" sz="1600" dirty="0">
-                <a:hlinkClick r:id="rId4"/>
-              </a:rPr>
-              <a:t>https://github.com/xetorthio/jedis/</a:t>
-            </a:r>
-            <a:endParaRPr lang="en-US" altLang="zh-CN" sz="1600" dirty="0"/>
-          </a:p>
-          <a:p>
-            <a:r>
-              <a:rPr lang="en-US" altLang="zh-CN" sz="1800" dirty="0"/>
-              <a:t>4</a:t>
-            </a:r>
-            <a:r>
-              <a:rPr lang="zh-CN" altLang="en-US" sz="1800" dirty="0"/>
-              <a:t>、</a:t>
-            </a:r>
-            <a:r>
-              <a:rPr lang="en-US" altLang="zh-CN" sz="1800" dirty="0"/>
-              <a:t>C++</a:t>
-            </a:r>
-            <a:r>
-              <a:rPr lang="zh-CN" altLang="en-US" sz="1800" dirty="0"/>
-              <a:t>客户端库：</a:t>
-            </a:r>
-            <a:endParaRPr lang="en-US" altLang="zh-CN" sz="1800" dirty="0"/>
-          </a:p>
-          <a:p>
-            <a:r>
-              <a:rPr lang="en-US" altLang="zh-CN" sz="1600" dirty="0">
-                <a:hlinkClick r:id="rId5"/>
-              </a:rPr>
-              <a:t>https://github.com/acl-dev/acl/tree/master/lib_acl_cpp/samples/redis</a:t>
-            </a:r>
-            <a:endParaRPr lang="en-US" altLang="zh-CN" sz="1600" dirty="0"/>
-          </a:p>
-          <a:p>
-            <a:r>
-              <a:rPr lang="en-US" altLang="zh-CN" sz="1800" dirty="0"/>
-              <a:t>5</a:t>
-            </a:r>
-            <a:r>
-              <a:rPr lang="zh-CN" altLang="en-US" sz="1800" dirty="0"/>
-              <a:t>、</a:t>
-            </a:r>
-            <a:r>
-              <a:rPr lang="en-US" altLang="zh-CN" sz="1800" dirty="0"/>
-              <a:t>Redisbuilder</a:t>
-            </a:r>
-            <a:r>
-              <a:rPr lang="zh-CN" altLang="en-US" sz="1800" dirty="0"/>
-              <a:t>工具：</a:t>
-            </a:r>
-            <a:endParaRPr lang="en-US" altLang="zh-CN" sz="1800" dirty="0"/>
-          </a:p>
-          <a:p>
-            <a:r>
-              <a:rPr lang="en-US" altLang="zh-CN" sz="1600" dirty="0">
-                <a:hlinkClick r:id="rId6"/>
-              </a:rPr>
-              <a:t>https://github.com/acl-dev/acl/tree/master/app/redis_tools/redis_builder</a:t>
-            </a:r>
-            <a:endParaRPr lang="en-US" altLang="zh-CN" sz="1600" dirty="0"/>
-          </a:p>
-          <a:p>
-            <a:r>
-              <a:rPr lang="en-US" altLang="zh-CN" sz="1600" dirty="0"/>
-              <a:t>6</a:t>
-            </a:r>
-            <a:r>
-              <a:rPr lang="zh-CN" altLang="en-US" sz="1600" dirty="0"/>
-              <a:t>、</a:t>
-            </a:r>
-            <a:r>
-              <a:rPr lang="en-US" altLang="zh-CN" sz="1600" dirty="0"/>
-              <a:t>Redis</a:t>
-            </a:r>
-            <a:r>
-              <a:rPr lang="zh-CN" altLang="en-US" sz="1600" dirty="0"/>
-              <a:t> </a:t>
-            </a:r>
-            <a:r>
-              <a:rPr lang="en-US" altLang="zh-CN" sz="1600" dirty="0" err="1"/>
-              <a:t>c++</a:t>
-            </a:r>
-            <a:r>
-              <a:rPr lang="zh-CN" altLang="en-US" sz="1600" dirty="0"/>
-              <a:t>编程示例</a:t>
-            </a:r>
-            <a:endParaRPr lang="en-US" altLang="zh-CN" sz="1600" dirty="0">
-              <a:hlinkClick r:id="rId7"/>
-            </a:endParaRPr>
-          </a:p>
-          <a:p>
-            <a:r>
-              <a:rPr lang="en-US" altLang="zh-CN" sz="1600" dirty="0">
-                <a:hlinkClick r:id="rId7"/>
-              </a:rPr>
-              <a:t>https://blog.csdn.net/zsxxsz/category_8736931.html?spm=1001.2014.3001.5482</a:t>
-            </a:r>
-            <a:endParaRPr lang="en-US" altLang="zh-CN" sz="1600" dirty="0"/>
-          </a:p>
-          <a:p>
-            <a:endParaRPr lang="en-US" altLang="zh-CN" sz="1600" dirty="0"/>
-          </a:p>
-          <a:p>
-            <a:endParaRPr lang="en-US" altLang="zh-CN" sz="1200" dirty="0"/>
-          </a:p>
-          <a:p>
-            <a:endParaRPr lang="zh-CN" altLang="en-US" dirty="0"/>
+            <a:endParaRPr lang="en-US" altLang="zh-CN" dirty="0"/>
           </a:p>
         </p:txBody>
       </p:sp>
+      <p:pic>
+        <p:nvPicPr>
+          <p:cNvPr id="7" name="图片 6"/>
+          <p:cNvPicPr>
+            <a:picLocks noChangeAspect="1"/>
+          </p:cNvPicPr>
+          <p:nvPr/>
+        </p:nvPicPr>
+        <p:blipFill>
+          <a:blip r:embed="rId2"/>
+          <a:stretch>
+            <a:fillRect/>
+          </a:stretch>
+        </p:blipFill>
+        <p:spPr>
+          <a:xfrm>
+            <a:off x="457201" y="1124744"/>
+            <a:ext cx="8200993" cy="1704762"/>
+          </a:xfrm>
+          <a:prstGeom prst="rect">
+            <a:avLst/>
+          </a:prstGeom>
+        </p:spPr>
+      </p:pic>
+      <p:pic>
+        <p:nvPicPr>
+          <p:cNvPr id="9" name="图片 8"/>
+          <p:cNvPicPr>
+            <a:picLocks noChangeAspect="1"/>
+          </p:cNvPicPr>
+          <p:nvPr/>
+        </p:nvPicPr>
+        <p:blipFill>
+          <a:blip r:embed="rId3"/>
+          <a:stretch>
+            <a:fillRect/>
+          </a:stretch>
+        </p:blipFill>
+        <p:spPr>
+          <a:xfrm>
+            <a:off x="457201" y="2911082"/>
+            <a:ext cx="8200993" cy="3280188"/>
+          </a:xfrm>
+          <a:prstGeom prst="rect">
+            <a:avLst/>
+          </a:prstGeom>
+        </p:spPr>
+      </p:pic>
     </p:spTree>
     <p:extLst>
       <p:ext uri="{BB962C8B-B14F-4D97-AF65-F5344CB8AC3E}">
-        <p14:creationId xmlns:p14="http://schemas.microsoft.com/office/powerpoint/2010/main" val="2569719630"/>
+        <p14:creationId xmlns:p14="http://schemas.microsoft.com/office/powerpoint/2010/main" val="1005353876"/>
+      </p:ext>
+    </p:extLst>
+  </p:cSld>
+  <p:clrMapOvr>
+    <a:masterClrMapping/>
+  </p:clrMapOvr>
+</p:sld>
+</file>
+
+<file path=ppt/slides/slide28.xml><?xml version="1.0" encoding="utf-8"?>
+<p:sld xmlns:a="http://schemas.openxmlformats.org/drawingml/2006/main" xmlns:r="http://schemas.openxmlformats.org/officeDocument/2006/relationships" xmlns:p="http://schemas.openxmlformats.org/presentationml/2006/main">
+  <p:cSld>
+    <p:spTree>
+      <p:nvGrpSpPr>
+        <p:cNvPr id="1" name=""/>
+        <p:cNvGrpSpPr/>
+        <p:nvPr/>
+      </p:nvGrpSpPr>
+      <p:grpSpPr>
+        <a:xfrm>
+          <a:off x="0" y="0"/>
+          <a:ext cx="0" cy="0"/>
+          <a:chOff x="0" y="0"/>
+          <a:chExt cx="0" cy="0"/>
+        </a:xfrm>
+      </p:grpSpPr>
+      <p:sp>
+        <p:nvSpPr>
+          <p:cNvPr id="2" name="标题 1"/>
+          <p:cNvSpPr>
+            <a:spLocks noGrp="1"/>
+          </p:cNvSpPr>
+          <p:nvPr>
+            <p:ph type="title"/>
+          </p:nvPr>
+        </p:nvSpPr>
+        <p:spPr/>
+        <p:txBody>
+          <a:bodyPr/>
+          <a:lstStyle/>
+          <a:p>
+            <a:r>
+              <a:rPr lang="zh-CN" altLang="en-US" dirty="0"/>
+              <a:t>显示</a:t>
+            </a:r>
+            <a:r>
+              <a:rPr lang="en-US" altLang="zh-CN" dirty="0"/>
+              <a:t> </a:t>
+            </a:r>
+            <a:r>
+              <a:rPr lang="en-US" altLang="zh-CN" dirty="0" err="1"/>
+              <a:t>redis</a:t>
+            </a:r>
+            <a:r>
+              <a:rPr lang="en-US" altLang="zh-CN" dirty="0"/>
+              <a:t> </a:t>
+            </a:r>
+            <a:r>
+              <a:rPr lang="zh-CN" altLang="en-US" dirty="0"/>
+              <a:t>集群的节点分布 </a:t>
+            </a:r>
+            <a:r>
+              <a:rPr lang="en-US" altLang="zh-CN" dirty="0"/>
+              <a:t>--- </a:t>
+            </a:r>
+            <a:r>
+              <a:rPr lang="en-US" altLang="zh-CN" sz="2000" dirty="0" err="1"/>
+              <a:t>redis_builder</a:t>
+            </a:r>
+            <a:r>
+              <a:rPr lang="en-US" altLang="zh-CN" sz="2000" dirty="0"/>
+              <a:t> </a:t>
+            </a:r>
+            <a:r>
+              <a:rPr lang="zh-CN" altLang="en-US" sz="2000" dirty="0"/>
+              <a:t>使用</a:t>
+            </a:r>
+          </a:p>
+        </p:txBody>
+      </p:sp>
+      <p:pic>
+        <p:nvPicPr>
+          <p:cNvPr id="4" name="内容占位符 3"/>
+          <p:cNvPicPr>
+            <a:picLocks noGrp="1" noChangeAspect="1"/>
+          </p:cNvPicPr>
+          <p:nvPr>
+            <p:ph idx="1"/>
+          </p:nvPr>
+        </p:nvPicPr>
+        <p:blipFill>
+          <a:blip r:embed="rId2"/>
+          <a:stretch>
+            <a:fillRect/>
+          </a:stretch>
+        </p:blipFill>
+        <p:spPr>
+          <a:xfrm>
+            <a:off x="457201" y="1268760"/>
+            <a:ext cx="8219255" cy="4824535"/>
+          </a:xfrm>
+          <a:prstGeom prst="rect">
+            <a:avLst/>
+          </a:prstGeom>
+        </p:spPr>
+      </p:pic>
+    </p:spTree>
+    <p:extLst>
+      <p:ext uri="{BB962C8B-B14F-4D97-AF65-F5344CB8AC3E}">
+        <p14:creationId xmlns:p14="http://schemas.microsoft.com/office/powerpoint/2010/main" val="371761843"/>
+      </p:ext>
+    </p:extLst>
+  </p:cSld>
+  <p:clrMapOvr>
+    <a:masterClrMapping/>
+  </p:clrMapOvr>
+</p:sld>
+</file>
+
+<file path=ppt/slides/slide29.xml><?xml version="1.0" encoding="utf-8"?>
+<p:sld xmlns:a="http://schemas.openxmlformats.org/drawingml/2006/main" xmlns:r="http://schemas.openxmlformats.org/officeDocument/2006/relationships" xmlns:p="http://schemas.openxmlformats.org/presentationml/2006/main">
+  <p:cSld>
+    <p:spTree>
+      <p:nvGrpSpPr>
+        <p:cNvPr id="1" name=""/>
+        <p:cNvGrpSpPr/>
+        <p:nvPr/>
+      </p:nvGrpSpPr>
+      <p:grpSpPr>
+        <a:xfrm>
+          <a:off x="0" y="0"/>
+          <a:ext cx="0" cy="0"/>
+          <a:chOff x="0" y="0"/>
+          <a:chExt cx="0" cy="0"/>
+        </a:xfrm>
+      </p:grpSpPr>
+      <p:sp>
+        <p:nvSpPr>
+          <p:cNvPr id="2" name="标题 1"/>
+          <p:cNvSpPr>
+            <a:spLocks noGrp="1"/>
+          </p:cNvSpPr>
+          <p:nvPr>
+            <p:ph type="title"/>
+          </p:nvPr>
+        </p:nvSpPr>
+        <p:spPr/>
+        <p:txBody>
+          <a:bodyPr/>
+          <a:lstStyle/>
+          <a:p>
+            <a:r>
+              <a:rPr lang="zh-CN" altLang="en-US" dirty="0"/>
+              <a:t>直接运行</a:t>
+            </a:r>
+            <a:r>
+              <a:rPr lang="en-US" altLang="zh-CN" dirty="0" err="1"/>
+              <a:t>redis</a:t>
+            </a:r>
+            <a:r>
+              <a:rPr lang="en-US" altLang="zh-CN" dirty="0"/>
+              <a:t> </a:t>
+            </a:r>
+            <a:r>
+              <a:rPr lang="zh-CN" altLang="en-US" dirty="0"/>
+              <a:t>命令 </a:t>
+            </a:r>
+            <a:r>
+              <a:rPr lang="en-US" altLang="zh-CN" dirty="0"/>
+              <a:t>--- </a:t>
+            </a:r>
+            <a:r>
+              <a:rPr lang="en-US" altLang="zh-CN" sz="2000" dirty="0" err="1"/>
+              <a:t>redis_builder</a:t>
+            </a:r>
+            <a:r>
+              <a:rPr lang="en-US" altLang="zh-CN" sz="2000" dirty="0"/>
+              <a:t> </a:t>
+            </a:r>
+            <a:r>
+              <a:rPr lang="zh-CN" altLang="en-US" sz="2000" dirty="0"/>
+              <a:t>使用</a:t>
+            </a:r>
+          </a:p>
+        </p:txBody>
+      </p:sp>
+      <p:pic>
+        <p:nvPicPr>
+          <p:cNvPr id="4" name="内容占位符 3"/>
+          <p:cNvPicPr>
+            <a:picLocks noGrp="1" noChangeAspect="1"/>
+          </p:cNvPicPr>
+          <p:nvPr>
+            <p:ph idx="1"/>
+          </p:nvPr>
+        </p:nvPicPr>
+        <p:blipFill>
+          <a:blip r:embed="rId2">
+            <a:extLst>
+              <a:ext uri="{28A0092B-C50C-407E-A947-70E740481C1C}">
+                <a14:useLocalDpi xmlns:a14="http://schemas.microsoft.com/office/drawing/2010/main" val="0"/>
+              </a:ext>
+            </a:extLst>
+          </a:blip>
+          <a:stretch>
+            <a:fillRect/>
+          </a:stretch>
+        </p:blipFill>
+        <p:spPr>
+          <a:xfrm>
+            <a:off x="457201" y="980728"/>
+            <a:ext cx="8147247" cy="2554153"/>
+          </a:xfrm>
+          <a:prstGeom prst="rect">
+            <a:avLst/>
+          </a:prstGeom>
+        </p:spPr>
+      </p:pic>
+      <p:pic>
+        <p:nvPicPr>
+          <p:cNvPr id="5" name="图片 4"/>
+          <p:cNvPicPr>
+            <a:picLocks noChangeAspect="1"/>
+          </p:cNvPicPr>
+          <p:nvPr/>
+        </p:nvPicPr>
+        <p:blipFill>
+          <a:blip r:embed="rId3">
+            <a:extLst>
+              <a:ext uri="{28A0092B-C50C-407E-A947-70E740481C1C}">
+                <a14:useLocalDpi xmlns:a14="http://schemas.microsoft.com/office/drawing/2010/main" val="0"/>
+              </a:ext>
+            </a:extLst>
+          </a:blip>
+          <a:stretch>
+            <a:fillRect/>
+          </a:stretch>
+        </p:blipFill>
+        <p:spPr>
+          <a:xfrm>
+            <a:off x="3923928" y="3688025"/>
+            <a:ext cx="4680520" cy="2477279"/>
+          </a:xfrm>
+          <a:prstGeom prst="rect">
+            <a:avLst/>
+          </a:prstGeom>
+        </p:spPr>
+      </p:pic>
+      <p:pic>
+        <p:nvPicPr>
+          <p:cNvPr id="6" name="图片 5"/>
+          <p:cNvPicPr>
+            <a:picLocks noChangeAspect="1"/>
+          </p:cNvPicPr>
+          <p:nvPr/>
+        </p:nvPicPr>
+        <p:blipFill>
+          <a:blip r:embed="rId4">
+            <a:extLst>
+              <a:ext uri="{28A0092B-C50C-407E-A947-70E740481C1C}">
+                <a14:useLocalDpi xmlns:a14="http://schemas.microsoft.com/office/drawing/2010/main" val="0"/>
+              </a:ext>
+            </a:extLst>
+          </a:blip>
+          <a:stretch>
+            <a:fillRect/>
+          </a:stretch>
+        </p:blipFill>
+        <p:spPr>
+          <a:xfrm>
+            <a:off x="457201" y="3688025"/>
+            <a:ext cx="3250703" cy="2477279"/>
+          </a:xfrm>
+          <a:prstGeom prst="rect">
+            <a:avLst/>
+          </a:prstGeom>
+        </p:spPr>
+      </p:pic>
+    </p:spTree>
+    <p:extLst>
+      <p:ext uri="{BB962C8B-B14F-4D97-AF65-F5344CB8AC3E}">
+        <p14:creationId xmlns:p14="http://schemas.microsoft.com/office/powerpoint/2010/main" val="1000878735"/>
       </p:ext>
     </p:extLst>
   </p:cSld>
@@ -11683,6 +12440,362 @@
     <p:extLst>
       <p:ext uri="{BB962C8B-B14F-4D97-AF65-F5344CB8AC3E}">
         <p14:creationId xmlns:p14="http://schemas.microsoft.com/office/powerpoint/2010/main" val="2228689247"/>
+      </p:ext>
+    </p:extLst>
+  </p:cSld>
+  <p:clrMapOvr>
+    <a:masterClrMapping/>
+  </p:clrMapOvr>
+</p:sld>
+</file>
+
+<file path=ppt/slides/slide30.xml><?xml version="1.0" encoding="utf-8"?>
+<p:sld xmlns:a="http://schemas.openxmlformats.org/drawingml/2006/main" xmlns:r="http://schemas.openxmlformats.org/officeDocument/2006/relationships" xmlns:p="http://schemas.openxmlformats.org/presentationml/2006/main">
+  <p:cSld>
+    <p:spTree>
+      <p:nvGrpSpPr>
+        <p:cNvPr id="1" name=""/>
+        <p:cNvGrpSpPr/>
+        <p:nvPr/>
+      </p:nvGrpSpPr>
+      <p:grpSpPr>
+        <a:xfrm>
+          <a:off x="0" y="0"/>
+          <a:ext cx="0" cy="0"/>
+          <a:chOff x="0" y="0"/>
+          <a:chExt cx="0" cy="0"/>
+        </a:xfrm>
+      </p:grpSpPr>
+      <p:sp>
+        <p:nvSpPr>
+          <p:cNvPr id="2" name="标题 1"/>
+          <p:cNvSpPr>
+            <a:spLocks noGrp="1"/>
+          </p:cNvSpPr>
+          <p:nvPr>
+            <p:ph type="title"/>
+          </p:nvPr>
+        </p:nvSpPr>
+        <p:spPr/>
+        <p:txBody>
+          <a:bodyPr/>
+          <a:lstStyle/>
+          <a:p>
+            <a:r>
+              <a:rPr lang="zh-CN" altLang="en-US" dirty="0"/>
+              <a:t>显示 </a:t>
+            </a:r>
+            <a:r>
+              <a:rPr lang="en-US" altLang="zh-CN" dirty="0" err="1"/>
+              <a:t>redis</a:t>
+            </a:r>
+            <a:r>
+              <a:rPr lang="en-US" altLang="zh-CN" dirty="0"/>
+              <a:t> </a:t>
+            </a:r>
+            <a:r>
+              <a:rPr lang="zh-CN" altLang="en-US" dirty="0"/>
+              <a:t>集群的运行状态 </a:t>
+            </a:r>
+            <a:r>
+              <a:rPr lang="en-US" altLang="zh-CN" dirty="0"/>
+              <a:t>--- </a:t>
+            </a:r>
+            <a:r>
+              <a:rPr lang="en-US" altLang="zh-CN" sz="2000" dirty="0" err="1"/>
+              <a:t>redis_builder</a:t>
+            </a:r>
+            <a:r>
+              <a:rPr lang="en-US" altLang="zh-CN" sz="2000" dirty="0"/>
+              <a:t> </a:t>
+            </a:r>
+            <a:r>
+              <a:rPr lang="zh-CN" altLang="en-US" sz="2000" dirty="0"/>
+              <a:t>使用</a:t>
+            </a:r>
+          </a:p>
+        </p:txBody>
+      </p:sp>
+      <p:pic>
+        <p:nvPicPr>
+          <p:cNvPr id="4" name="内容占位符 3"/>
+          <p:cNvPicPr>
+            <a:picLocks noGrp="1" noChangeAspect="1"/>
+          </p:cNvPicPr>
+          <p:nvPr>
+            <p:ph idx="1"/>
+          </p:nvPr>
+        </p:nvPicPr>
+        <p:blipFill>
+          <a:blip r:embed="rId2">
+            <a:extLst>
+              <a:ext uri="{28A0092B-C50C-407E-A947-70E740481C1C}">
+                <a14:useLocalDpi xmlns:a14="http://schemas.microsoft.com/office/drawing/2010/main" val="0"/>
+              </a:ext>
+            </a:extLst>
+          </a:blip>
+          <a:stretch>
+            <a:fillRect/>
+          </a:stretch>
+        </p:blipFill>
+        <p:spPr>
+          <a:xfrm>
+            <a:off x="457201" y="1196752"/>
+            <a:ext cx="8075239" cy="4680520"/>
+          </a:xfrm>
+        </p:spPr>
+      </p:pic>
+    </p:spTree>
+    <p:extLst>
+      <p:ext uri="{BB962C8B-B14F-4D97-AF65-F5344CB8AC3E}">
+        <p14:creationId xmlns:p14="http://schemas.microsoft.com/office/powerpoint/2010/main" val="1842216643"/>
+      </p:ext>
+    </p:extLst>
+  </p:cSld>
+  <p:clrMapOvr>
+    <a:masterClrMapping/>
+  </p:clrMapOvr>
+</p:sld>
+</file>
+
+<file path=ppt/slides/slide31.xml><?xml version="1.0" encoding="utf-8"?>
+<p:sld xmlns:a="http://schemas.openxmlformats.org/drawingml/2006/main" xmlns:r="http://schemas.openxmlformats.org/officeDocument/2006/relationships" xmlns:p="http://schemas.openxmlformats.org/presentationml/2006/main">
+  <p:cSld>
+    <p:spTree>
+      <p:nvGrpSpPr>
+        <p:cNvPr id="1" name=""/>
+        <p:cNvGrpSpPr/>
+        <p:nvPr/>
+      </p:nvGrpSpPr>
+      <p:grpSpPr>
+        <a:xfrm>
+          <a:off x="0" y="0"/>
+          <a:ext cx="0" cy="0"/>
+          <a:chOff x="0" y="0"/>
+          <a:chExt cx="0" cy="0"/>
+        </a:xfrm>
+      </p:grpSpPr>
+      <p:sp>
+        <p:nvSpPr>
+          <p:cNvPr id="2" name="标题 1"/>
+          <p:cNvSpPr>
+            <a:spLocks noGrp="1"/>
+          </p:cNvSpPr>
+          <p:nvPr>
+            <p:ph type="title"/>
+          </p:nvPr>
+        </p:nvSpPr>
+        <p:spPr/>
+        <p:txBody>
+          <a:bodyPr/>
+          <a:lstStyle/>
+          <a:p>
+            <a:r>
+              <a:rPr lang="zh-CN" altLang="en-US" dirty="0"/>
+              <a:t>参考</a:t>
+            </a:r>
+          </a:p>
+        </p:txBody>
+      </p:sp>
+      <p:sp>
+        <p:nvSpPr>
+          <p:cNvPr id="3" name="内容占位符 2"/>
+          <p:cNvSpPr>
+            <a:spLocks noGrp="1"/>
+          </p:cNvSpPr>
+          <p:nvPr>
+            <p:ph idx="1"/>
+          </p:nvPr>
+        </p:nvSpPr>
+        <p:spPr>
+          <a:xfrm>
+            <a:off x="428596" y="1047733"/>
+            <a:ext cx="8715404" cy="5143536"/>
+          </a:xfrm>
+        </p:spPr>
+        <p:txBody>
+          <a:bodyPr/>
+          <a:lstStyle/>
+          <a:p>
+            <a:r>
+              <a:rPr lang="en-US" altLang="zh-CN" sz="1800" dirty="0"/>
+              <a:t>1</a:t>
+            </a:r>
+            <a:r>
+              <a:rPr lang="zh-CN" altLang="en-US" sz="1800" dirty="0"/>
+              <a:t>、官方网站：</a:t>
+            </a:r>
+            <a:r>
+              <a:rPr lang="en-US" altLang="zh-CN" sz="1600" dirty="0">
+                <a:hlinkClick r:id="rId2"/>
+              </a:rPr>
+              <a:t>http://redis.io/</a:t>
+            </a:r>
+            <a:endParaRPr lang="en-US" altLang="zh-CN" sz="1600" dirty="0"/>
+          </a:p>
+          <a:p>
+            <a:r>
+              <a:rPr lang="en-US" altLang="zh-CN" sz="1800" dirty="0"/>
+              <a:t>2</a:t>
+            </a:r>
+            <a:r>
+              <a:rPr lang="zh-CN" altLang="en-US" sz="1800" dirty="0"/>
+              <a:t>、中文翻译网站：</a:t>
+            </a:r>
+            <a:r>
+              <a:rPr lang="en-US" altLang="zh-CN" sz="1600" dirty="0">
+                <a:hlinkClick r:id="rId3"/>
+              </a:rPr>
+              <a:t>http://redisdoc.com/</a:t>
+            </a:r>
+            <a:r>
+              <a:rPr lang="zh-CN" altLang="en-US" sz="1600" dirty="0">
+                <a:hlinkClick r:id="rId3"/>
+              </a:rPr>
+              <a:t>，</a:t>
+            </a:r>
+            <a:r>
+              <a:rPr lang="en-US" altLang="zh-CN" sz="1600" dirty="0">
+                <a:hlinkClick r:id="rId3"/>
+              </a:rPr>
+              <a:t>http://redis.cn/</a:t>
+            </a:r>
+            <a:endParaRPr lang="en-US" altLang="zh-CN" sz="1600" dirty="0"/>
+          </a:p>
+          <a:p>
+            <a:r>
+              <a:rPr lang="en-US" altLang="zh-CN" sz="1800" dirty="0"/>
+              <a:t>3</a:t>
+            </a:r>
+            <a:r>
+              <a:rPr lang="zh-CN" altLang="en-US" sz="1800" dirty="0"/>
+              <a:t>、</a:t>
+            </a:r>
+            <a:r>
+              <a:rPr lang="en-US" altLang="zh-CN" sz="1800" dirty="0"/>
+              <a:t>Java </a:t>
+            </a:r>
+            <a:r>
+              <a:rPr lang="zh-CN" altLang="en-US" sz="1800" dirty="0"/>
+              <a:t>客户端库：</a:t>
+            </a:r>
+            <a:r>
+              <a:rPr lang="en-US" altLang="zh-CN" sz="1600" dirty="0">
+                <a:hlinkClick r:id="rId4"/>
+              </a:rPr>
+              <a:t>https://github.com/xetorthio/jedis/</a:t>
+            </a:r>
+            <a:endParaRPr lang="en-US" altLang="zh-CN" sz="1600" dirty="0"/>
+          </a:p>
+          <a:p>
+            <a:r>
+              <a:rPr lang="en-US" altLang="zh-CN" sz="1800" dirty="0"/>
+              <a:t>4</a:t>
+            </a:r>
+            <a:r>
+              <a:rPr lang="zh-CN" altLang="en-US" sz="1800" dirty="0"/>
+              <a:t>、</a:t>
+            </a:r>
+            <a:r>
+              <a:rPr lang="en-US" altLang="zh-CN" sz="1800" dirty="0"/>
+              <a:t>C++</a:t>
+            </a:r>
+            <a:r>
+              <a:rPr lang="zh-CN" altLang="en-US" sz="1800" dirty="0"/>
+              <a:t>客户端库：</a:t>
+            </a:r>
+            <a:endParaRPr lang="en-US" altLang="zh-CN" sz="1800" dirty="0"/>
+          </a:p>
+          <a:p>
+            <a:r>
+              <a:rPr lang="en-US" altLang="zh-CN" sz="1600" dirty="0">
+                <a:hlinkClick r:id="rId5"/>
+              </a:rPr>
+              <a:t>https://github.com/acl-dev/acl/tree/master/lib_acl_cpp/samples/redis</a:t>
+            </a:r>
+            <a:endParaRPr lang="en-US" altLang="zh-CN" sz="1600" dirty="0"/>
+          </a:p>
+          <a:p>
+            <a:r>
+              <a:rPr lang="en-US" altLang="zh-CN" sz="1800" dirty="0"/>
+              <a:t>5</a:t>
+            </a:r>
+            <a:r>
+              <a:rPr lang="zh-CN" altLang="en-US" sz="1800" dirty="0"/>
+              <a:t>、</a:t>
+            </a:r>
+            <a:r>
+              <a:rPr lang="en-US" altLang="zh-CN" sz="1800" dirty="0"/>
+              <a:t>Redisbuilder</a:t>
+            </a:r>
+            <a:r>
+              <a:rPr lang="zh-CN" altLang="en-US" sz="1800" dirty="0"/>
+              <a:t>工具：</a:t>
+            </a:r>
+            <a:endParaRPr lang="en-US" altLang="zh-CN" sz="1800" dirty="0"/>
+          </a:p>
+          <a:p>
+            <a:r>
+              <a:rPr lang="en-US" altLang="zh-CN" sz="1600" dirty="0">
+                <a:hlinkClick r:id="rId6"/>
+              </a:rPr>
+              <a:t>https://github.com/acl-dev/acl/tree/master/app/redis_tools/redis_builder</a:t>
+            </a:r>
+            <a:endParaRPr lang="en-US" altLang="zh-CN" sz="1600" dirty="0"/>
+          </a:p>
+          <a:p>
+            <a:r>
+              <a:rPr lang="en-US" altLang="zh-CN" sz="1600" dirty="0"/>
+              <a:t>6</a:t>
+            </a:r>
+            <a:r>
+              <a:rPr lang="zh-CN" altLang="en-US" sz="1600" dirty="0"/>
+              <a:t>、</a:t>
+            </a:r>
+            <a:r>
+              <a:rPr lang="en-US" altLang="zh-CN" sz="1600" dirty="0"/>
+              <a:t>Redis</a:t>
+            </a:r>
+            <a:r>
+              <a:rPr lang="zh-CN" altLang="en-US" sz="1600" dirty="0"/>
+              <a:t> </a:t>
+            </a:r>
+            <a:r>
+              <a:rPr lang="en-US" altLang="zh-CN" sz="1600" dirty="0" err="1"/>
+              <a:t>c++</a:t>
+            </a:r>
+            <a:r>
+              <a:rPr lang="zh-CN" altLang="en-US" sz="1600" dirty="0"/>
+              <a:t>编程示例</a:t>
+            </a:r>
+            <a:endParaRPr lang="en-US" altLang="zh-CN" sz="1600" dirty="0">
+              <a:hlinkClick r:id="rId7"/>
+            </a:endParaRPr>
+          </a:p>
+          <a:p>
+            <a:r>
+              <a:rPr lang="en-US" altLang="zh-CN" sz="1600" dirty="0">
+                <a:hlinkClick r:id="rId7"/>
+              </a:rPr>
+              <a:t>https://blog.csdn.net/zsxxsz/category_8736931.html?spm=1001.2014.3001.5482</a:t>
+            </a:r>
+            <a:endParaRPr lang="en-US" altLang="zh-CN" sz="1600" dirty="0"/>
+          </a:p>
+          <a:p>
+            <a:endParaRPr lang="en-US" altLang="zh-CN" sz="1600" dirty="0"/>
+          </a:p>
+          <a:p>
+            <a:endParaRPr lang="en-US" altLang="zh-CN" sz="1200" dirty="0"/>
+          </a:p>
+          <a:p>
+            <a:endParaRPr lang="zh-CN" altLang="en-US" dirty="0"/>
+          </a:p>
+        </p:txBody>
+      </p:sp>
+    </p:spTree>
+    <p:extLst>
+      <p:ext uri="{BB962C8B-B14F-4D97-AF65-F5344CB8AC3E}">
+        <p14:creationId xmlns:p14="http://schemas.microsoft.com/office/powerpoint/2010/main" val="2569719630"/>
       </p:ext>
     </p:extLst>
   </p:cSld>

--- a/doc/redis_cluster.pptx
+++ b/doc/redis_cluster.pptx
@@ -5,7 +5,7 @@
     <p:sldMasterId id="2147483648" r:id="rId1"/>
   </p:sldMasterIdLst>
   <p:notesMasterIdLst>
-    <p:notesMasterId r:id="rId33"/>
+    <p:notesMasterId r:id="rId34"/>
   </p:notesMasterIdLst>
   <p:sldIdLst>
     <p:sldId id="256" r:id="rId2"/>
@@ -26,19 +26,20 @@
     <p:sldId id="345" r:id="rId17"/>
     <p:sldId id="346" r:id="rId18"/>
     <p:sldId id="363" r:id="rId19"/>
-    <p:sldId id="362" r:id="rId20"/>
-    <p:sldId id="359" r:id="rId21"/>
-    <p:sldId id="365" r:id="rId22"/>
-    <p:sldId id="364" r:id="rId23"/>
-    <p:sldId id="360" r:id="rId24"/>
-    <p:sldId id="350" r:id="rId25"/>
-    <p:sldId id="351" r:id="rId26"/>
-    <p:sldId id="352" r:id="rId27"/>
-    <p:sldId id="355" r:id="rId28"/>
-    <p:sldId id="354" r:id="rId29"/>
-    <p:sldId id="357" r:id="rId30"/>
-    <p:sldId id="353" r:id="rId31"/>
-    <p:sldId id="349" r:id="rId32"/>
+    <p:sldId id="366" r:id="rId20"/>
+    <p:sldId id="362" r:id="rId21"/>
+    <p:sldId id="359" r:id="rId22"/>
+    <p:sldId id="365" r:id="rId23"/>
+    <p:sldId id="364" r:id="rId24"/>
+    <p:sldId id="360" r:id="rId25"/>
+    <p:sldId id="350" r:id="rId26"/>
+    <p:sldId id="351" r:id="rId27"/>
+    <p:sldId id="352" r:id="rId28"/>
+    <p:sldId id="355" r:id="rId29"/>
+    <p:sldId id="354" r:id="rId30"/>
+    <p:sldId id="357" r:id="rId31"/>
+    <p:sldId id="353" r:id="rId32"/>
+    <p:sldId id="349" r:id="rId33"/>
   </p:sldIdLst>
   <p:sldSz cx="9144000" cy="6858000" type="screen4x3"/>
   <p:notesSz cx="6858000" cy="9144000"/>
@@ -247,7 +248,7 @@
             <a:fld id="{22280FE6-A104-468D-880C-8FA3CB8840D3}" type="datetimeFigureOut">
               <a:rPr lang="zh-CN" altLang="en-US" smtClean="0"/>
               <a:pPr/>
-              <a:t>2021/8/24</a:t>
+              <a:t>2021/8/25</a:t>
             </a:fld>
             <a:endParaRPr lang="zh-CN" altLang="en-US"/>
           </a:p>
@@ -895,7 +896,7 @@
               <a:pPr>
                 <a:defRPr/>
               </a:pPr>
-              <a:t>2021/8/24</a:t>
+              <a:t>2021/8/25</a:t>
             </a:fld>
             <a:endParaRPr lang="zh-CN" altLang="en-US" sz="1200" dirty="0">
               <a:solidFill>
@@ -977,7 +978,7 @@
             <a:fld id="{8C5BEB32-F9B7-4A26-A503-E0A0BBE82DBD}" type="datetimeFigureOut">
               <a:rPr lang="zh-CN" altLang="en-US" smtClean="0"/>
               <a:pPr/>
-              <a:t>2021/8/24</a:t>
+              <a:t>2021/8/25</a:t>
             </a:fld>
             <a:endParaRPr lang="zh-CN" altLang="en-US"/>
           </a:p>
@@ -1067,7 +1068,7 @@
                 <a:tabLst/>
                 <a:defRPr/>
               </a:pPr>
-              <a:t>2021/8/24</a:t>
+              <a:t>2021/8/25</a:t>
             </a:fld>
             <a:endParaRPr kumimoji="0" lang="zh-CN" altLang="en-US" sz="1200" b="0" i="0" u="none" strike="noStrike" kern="1200" cap="none" spc="0" normalizeH="0" baseline="0" noProof="0" dirty="0">
               <a:ln>
@@ -1359,7 +1360,7 @@
                 <a:tabLst/>
                 <a:defRPr/>
               </a:pPr>
-              <a:t>2021/8/24</a:t>
+              <a:t>2021/8/25</a:t>
             </a:fld>
             <a:endParaRPr kumimoji="0" lang="zh-CN" altLang="en-US" sz="1200" b="0" i="0" u="none" strike="noStrike" kern="1200" cap="none" spc="0" normalizeH="0" baseline="0" noProof="0" dirty="0">
               <a:ln>
@@ -1928,7 +1929,7 @@
                 <a:tabLst/>
                 <a:defRPr/>
               </a:pPr>
-              <a:t>2021/8/24</a:t>
+              <a:t>2021/8/25</a:t>
             </a:fld>
             <a:endParaRPr kumimoji="0" lang="zh-CN" altLang="en-US" sz="1200" b="0" i="0" u="none" strike="noStrike" kern="1200" cap="none" spc="0" normalizeH="0" baseline="0" noProof="0" dirty="0">
               <a:ln>
@@ -2480,7 +2481,7 @@
                 <a:tabLst/>
                 <a:defRPr/>
               </a:pPr>
-              <a:t>2021/8/24</a:t>
+              <a:t>2021/8/25</a:t>
             </a:fld>
             <a:endParaRPr kumimoji="0" lang="zh-CN" altLang="en-US" sz="1200" b="0" i="0" u="none" strike="noStrike" kern="1200" cap="none" spc="0" normalizeH="0" baseline="0" noProof="0" dirty="0">
               <a:ln>
@@ -2746,7 +2747,7 @@
             <a:fld id="{8C5BEB32-F9B7-4A26-A503-E0A0BBE82DBD}" type="datetimeFigureOut">
               <a:rPr lang="zh-CN" altLang="en-US" smtClean="0"/>
               <a:pPr/>
-              <a:t>2021/8/24</a:t>
+              <a:t>2021/8/25</a:t>
             </a:fld>
             <a:endParaRPr lang="zh-CN" altLang="en-US"/>
           </a:p>
@@ -2986,7 +2987,7 @@
                 <a:tabLst/>
                 <a:defRPr/>
               </a:pPr>
-              <a:t>2021/8/24</a:t>
+              <a:t>2021/8/25</a:t>
             </a:fld>
             <a:endParaRPr kumimoji="0" lang="zh-CN" altLang="en-US" sz="1200" b="0" i="0" u="none" strike="noStrike" kern="1200" cap="none" spc="0" normalizeH="0" baseline="0" noProof="0" dirty="0">
               <a:ln>
@@ -3172,7 +3173,7 @@
             <a:fld id="{8C5BEB32-F9B7-4A26-A503-E0A0BBE82DBD}" type="datetimeFigureOut">
               <a:rPr lang="zh-CN" altLang="en-US" smtClean="0"/>
               <a:pPr/>
-              <a:t>2021/8/24</a:t>
+              <a:t>2021/8/25</a:t>
             </a:fld>
             <a:endParaRPr lang="zh-CN" altLang="en-US"/>
           </a:p>
@@ -3412,7 +3413,7 @@
                 <a:tabLst/>
                 <a:defRPr/>
               </a:pPr>
-              <a:t>2021/8/24</a:t>
+              <a:t>2021/8/25</a:t>
             </a:fld>
             <a:endParaRPr kumimoji="0" lang="zh-CN" altLang="en-US" sz="1200" b="0" i="0" u="none" strike="noStrike" kern="1200" cap="none" spc="0" normalizeH="0" baseline="0" noProof="0" dirty="0">
               <a:ln>
@@ -3574,7 +3575,7 @@
             <a:fld id="{8C5BEB32-F9B7-4A26-A503-E0A0BBE82DBD}" type="datetimeFigureOut">
               <a:rPr lang="zh-CN" altLang="en-US" smtClean="0"/>
               <a:pPr/>
-              <a:t>2021/8/24</a:t>
+              <a:t>2021/8/25</a:t>
             </a:fld>
             <a:endParaRPr lang="zh-CN" altLang="en-US"/>
           </a:p>
@@ -3883,7 +3884,7 @@
                 <a:tabLst/>
                 <a:defRPr/>
               </a:pPr>
-              <a:t>2021/8/24</a:t>
+              <a:t>2021/8/25</a:t>
             </a:fld>
             <a:endParaRPr kumimoji="0" lang="zh-CN" altLang="en-US" sz="1200" b="0" i="0" u="none" strike="noStrike" kern="1200" cap="none" spc="0" normalizeH="0" baseline="0" noProof="0" dirty="0">
               <a:ln>
@@ -4045,7 +4046,7 @@
             <a:fld id="{8C5BEB32-F9B7-4A26-A503-E0A0BBE82DBD}" type="datetimeFigureOut">
               <a:rPr lang="zh-CN" altLang="en-US" smtClean="0"/>
               <a:pPr/>
-              <a:t>2021/8/24</a:t>
+              <a:t>2021/8/25</a:t>
             </a:fld>
             <a:endParaRPr lang="zh-CN" altLang="en-US"/>
           </a:p>
@@ -4241,7 +4242,7 @@
                 <a:tabLst/>
                 <a:defRPr/>
               </a:pPr>
-              <a:t>2021/8/24</a:t>
+              <a:t>2021/8/25</a:t>
             </a:fld>
             <a:endParaRPr kumimoji="0" lang="zh-CN" altLang="en-US" sz="1200" b="0" i="0" u="none" strike="noStrike" kern="1200" cap="none" spc="0" normalizeH="0" baseline="0" noProof="0" dirty="0">
               <a:ln>
@@ -4544,7 +4545,7 @@
             <a:fld id="{8C5BEB32-F9B7-4A26-A503-E0A0BBE82DBD}" type="datetimeFigureOut">
               <a:rPr lang="zh-CN" altLang="en-US" smtClean="0"/>
               <a:pPr/>
-              <a:t>2021/8/24</a:t>
+              <a:t>2021/8/25</a:t>
             </a:fld>
             <a:endParaRPr lang="zh-CN" altLang="en-US"/>
           </a:p>
@@ -4941,12 +4942,8 @@
               <a:t>集群 </a:t>
             </a:r>
             <a:r>
-              <a:rPr lang="en-US" altLang="zh-CN" dirty="0" err="1"/>
-              <a:t>Redis</a:t>
-            </a:r>
-            <a:r>
               <a:rPr lang="en-US" altLang="zh-CN" dirty="0"/>
-              <a:t> </a:t>
+              <a:t>Redis </a:t>
             </a:r>
             <a:r>
               <a:rPr lang="zh-CN" altLang="en-US" dirty="0"/>
@@ -5117,7 +5114,7 @@
               <a:pPr>
                 <a:defRPr/>
               </a:pPr>
-              <a:t>2021/8/24</a:t>
+              <a:t>2021/8/25</a:t>
             </a:fld>
             <a:endParaRPr lang="zh-CN" altLang="en-US" sz="1200" dirty="0">
               <a:solidFill>
@@ -6951,8 +6948,73 @@
               <a:t>、与直接操作本机内存相比，</a:t>
             </a:r>
             <a:r>
+              <a:rPr lang="en-US" altLang="zh-CN" sz="1800" dirty="0"/>
+              <a:t>redis </a:t>
+            </a:r>
+            <a:r>
+              <a:rPr lang="zh-CN" altLang="en-US" sz="1800" dirty="0"/>
+              <a:t>要差好几个数量级</a:t>
+            </a:r>
+            <a:endParaRPr lang="en-US" altLang="zh-CN" sz="1800" dirty="0"/>
+          </a:p>
+          <a:p>
+            <a:r>
+              <a:rPr lang="en-US" altLang="zh-CN" sz="1800" dirty="0"/>
+              <a:t>8</a:t>
+            </a:r>
+            <a:r>
+              <a:rPr lang="zh-CN" altLang="en-US" sz="1800" dirty="0"/>
+              <a:t>、</a:t>
+            </a:r>
+            <a:r>
+              <a:rPr lang="en-US" altLang="zh-CN" sz="1800" dirty="0"/>
+              <a:t>redis </a:t>
+            </a:r>
+            <a:r>
+              <a:rPr lang="zh-CN" altLang="en-US" sz="1800" dirty="0"/>
+              <a:t>的事务和数据库的概念上是不同的</a:t>
+            </a:r>
+            <a:endParaRPr lang="en-US" altLang="zh-CN" sz="1800" dirty="0"/>
+          </a:p>
+          <a:p>
+            <a:r>
+              <a:rPr lang="en-US" altLang="zh-CN" sz="1800" dirty="0"/>
+              <a:t>9</a:t>
+            </a:r>
+            <a:r>
+              <a:rPr lang="zh-CN" altLang="en-US" sz="1800" dirty="0"/>
+              <a:t>、单节点数据量不应过大（</a:t>
+            </a:r>
+            <a:r>
+              <a:rPr lang="en-US" altLang="zh-CN" sz="1800" dirty="0"/>
+              <a:t>5—10G</a:t>
+            </a:r>
+            <a:r>
+              <a:rPr lang="zh-CN" altLang="en-US" sz="1800" dirty="0"/>
+              <a:t>）：哈希查询效率、持久化 </a:t>
+            </a:r>
+            <a:r>
+              <a:rPr lang="en-US" altLang="zh-CN" sz="1800" dirty="0"/>
+              <a:t>IO </a:t>
+            </a:r>
+            <a:r>
+              <a:rPr lang="zh-CN" altLang="en-US" sz="1800" dirty="0"/>
+              <a:t>瓶颈</a:t>
+            </a:r>
+            <a:endParaRPr lang="en-US" altLang="zh-CN" sz="1800" dirty="0"/>
+          </a:p>
+          <a:p>
+            <a:r>
+              <a:rPr lang="en-US" altLang="zh-CN" sz="1800" dirty="0"/>
+              <a:t>10</a:t>
+            </a:r>
+            <a:r>
+              <a:rPr lang="zh-CN" altLang="en-US" sz="1800" dirty="0"/>
+              <a:t>、必须设置 </a:t>
+            </a:r>
+            <a:r>
               <a:rPr lang="en-US" altLang="zh-CN" sz="1800" dirty="0" err="1"/>
-              <a:t>redis</a:t>
+              <a:t>maxmemory</a:t>
             </a:r>
             <a:r>
               <a:rPr lang="en-US" altLang="zh-CN" sz="1800" dirty="0"/>
@@ -6960,193 +7022,116 @@
             </a:r>
             <a:r>
               <a:rPr lang="zh-CN" altLang="en-US" sz="1800" dirty="0"/>
-              <a:t>要差好几个数量级</a:t>
+              <a:t>值，防止使用 </a:t>
+            </a:r>
+            <a:r>
+              <a:rPr lang="en-US" altLang="zh-CN" sz="1800" dirty="0"/>
+              <a:t>swap</a:t>
+            </a:r>
+          </a:p>
+          <a:p>
+            <a:r>
+              <a:rPr lang="en-US" altLang="zh-CN" sz="1800" dirty="0"/>
+              <a:t>11</a:t>
+            </a:r>
+            <a:r>
+              <a:rPr lang="zh-CN" altLang="en-US" sz="1800" dirty="0"/>
+              <a:t>、慎重选择合适的 </a:t>
+            </a:r>
+            <a:r>
+              <a:rPr lang="en-US" altLang="zh-CN" sz="1800" dirty="0"/>
+              <a:t>save </a:t>
+            </a:r>
+            <a:r>
+              <a:rPr lang="zh-CN" altLang="en-US" sz="1800" dirty="0"/>
+              <a:t>配置：既要减少数据丢失、又要防止磁盘 </a:t>
+            </a:r>
+            <a:r>
+              <a:rPr lang="en-US" altLang="zh-CN" sz="1800" dirty="0"/>
+              <a:t>IO</a:t>
+            </a:r>
+            <a:r>
+              <a:rPr lang="zh-CN" altLang="en-US" sz="1800" dirty="0"/>
+              <a:t>瓶颈</a:t>
             </a:r>
             <a:endParaRPr lang="en-US" altLang="zh-CN" sz="1800" dirty="0"/>
           </a:p>
           <a:p>
             <a:r>
               <a:rPr lang="en-US" altLang="zh-CN" sz="1800" dirty="0"/>
-              <a:t>8</a:t>
+              <a:t>12</a:t>
+            </a:r>
+            <a:r>
+              <a:rPr lang="zh-CN" altLang="en-US" sz="1800" dirty="0"/>
+              <a:t>、禁止监听外网</a:t>
+            </a:r>
+            <a:r>
+              <a:rPr lang="en-US" altLang="zh-CN" sz="1800" dirty="0"/>
+              <a:t>IP</a:t>
+            </a:r>
+          </a:p>
+          <a:p>
+            <a:r>
+              <a:rPr lang="en-US" altLang="zh-CN" sz="1800" dirty="0"/>
+              <a:t>13</a:t>
+            </a:r>
+            <a:r>
+              <a:rPr lang="zh-CN" altLang="en-US" sz="1800" dirty="0"/>
+              <a:t>、不同的集群设置不同的密码，防止数据乱写</a:t>
+            </a:r>
+            <a:endParaRPr lang="en-US" altLang="zh-CN" sz="1800" dirty="0"/>
+          </a:p>
+          <a:p>
+            <a:r>
+              <a:rPr lang="en-US" altLang="zh-CN" sz="1800" dirty="0"/>
+              <a:t>14</a:t>
+            </a:r>
+            <a:r>
+              <a:rPr lang="zh-CN" altLang="en-US" sz="1800" dirty="0"/>
+              <a:t> 、通过 </a:t>
+            </a:r>
+            <a:r>
+              <a:rPr lang="en-US" altLang="zh-CN" sz="1800" dirty="0"/>
+              <a:t>rename-command </a:t>
+            </a:r>
+            <a:r>
+              <a:rPr lang="zh-CN" altLang="en-US" sz="1800" dirty="0"/>
+              <a:t>配置项禁止 </a:t>
+            </a:r>
+            <a:r>
+              <a:rPr lang="en-US" altLang="zh-CN" sz="1800" dirty="0" err="1"/>
+              <a:t>flushdb</a:t>
+            </a:r>
+            <a:r>
+              <a:rPr lang="en-US" altLang="zh-CN" sz="1800" dirty="0"/>
+              <a:t>/</a:t>
+            </a:r>
+            <a:r>
+              <a:rPr lang="en-US" altLang="zh-CN" sz="1800" dirty="0" err="1"/>
+              <a:t>flushall</a:t>
+            </a:r>
+            <a:r>
+              <a:rPr lang="en-US" altLang="zh-CN" sz="1800" dirty="0"/>
+              <a:t>/shutdown </a:t>
+            </a:r>
+            <a:r>
+              <a:rPr lang="zh-CN" altLang="en-US" sz="1800" dirty="0"/>
+              <a:t>等危险命令</a:t>
+            </a:r>
+            <a:endParaRPr lang="en-US" altLang="zh-CN" sz="1800" dirty="0"/>
+          </a:p>
+          <a:p>
+            <a:r>
+              <a:rPr lang="en-US" altLang="zh-CN" sz="1800" dirty="0"/>
+              <a:t>15</a:t>
             </a:r>
             <a:r>
               <a:rPr lang="zh-CN" altLang="en-US" sz="1800" dirty="0"/>
               <a:t>、</a:t>
             </a:r>
             <a:r>
-              <a:rPr lang="en-US" altLang="zh-CN" sz="1800" dirty="0" err="1"/>
-              <a:t>redis</a:t>
-            </a:r>
-            <a:r>
               <a:rPr lang="en-US" altLang="zh-CN" sz="1800" dirty="0"/>
-              <a:t> </a:t>
-            </a:r>
-            <a:r>
-              <a:rPr lang="zh-CN" altLang="en-US" sz="1800" dirty="0"/>
-              <a:t>的事务和数据库的概念上是不同的</a:t>
-            </a:r>
-            <a:endParaRPr lang="en-US" altLang="zh-CN" sz="1800" dirty="0"/>
-          </a:p>
-          <a:p>
-            <a:r>
-              <a:rPr lang="en-US" altLang="zh-CN" sz="1800" dirty="0"/>
-              <a:t>9</a:t>
-            </a:r>
-            <a:r>
-              <a:rPr lang="zh-CN" altLang="en-US" sz="1800" dirty="0"/>
-              <a:t>、单节点数据量不应过大（</a:t>
-            </a:r>
-            <a:r>
-              <a:rPr lang="en-US" altLang="zh-CN" sz="1800" dirty="0"/>
-              <a:t>5—10G</a:t>
-            </a:r>
-            <a:r>
-              <a:rPr lang="zh-CN" altLang="en-US" sz="1800" dirty="0"/>
-              <a:t>）：哈希查询效率、持久化 </a:t>
-            </a:r>
-            <a:r>
-              <a:rPr lang="en-US" altLang="zh-CN" sz="1800" dirty="0"/>
-              <a:t>IO </a:t>
-            </a:r>
-            <a:r>
-              <a:rPr lang="zh-CN" altLang="en-US" sz="1800" dirty="0"/>
-              <a:t>瓶颈</a:t>
-            </a:r>
-            <a:endParaRPr lang="en-US" altLang="zh-CN" sz="1800" dirty="0"/>
-          </a:p>
-          <a:p>
-            <a:r>
-              <a:rPr lang="en-US" altLang="zh-CN" sz="1800" dirty="0"/>
-              <a:t>10</a:t>
-            </a:r>
-            <a:r>
-              <a:rPr lang="zh-CN" altLang="en-US" sz="1800" dirty="0"/>
-              <a:t>、必须设置 </a:t>
-            </a:r>
-            <a:r>
-              <a:rPr lang="en-US" altLang="zh-CN" sz="1800" dirty="0" err="1"/>
-              <a:t>maxmemory</a:t>
-            </a:r>
-            <a:r>
-              <a:rPr lang="en-US" altLang="zh-CN" sz="1800" dirty="0"/>
-              <a:t> </a:t>
-            </a:r>
-            <a:r>
-              <a:rPr lang="zh-CN" altLang="en-US" sz="1800" dirty="0"/>
-              <a:t>值，防止使用 </a:t>
-            </a:r>
-            <a:r>
-              <a:rPr lang="en-US" altLang="zh-CN" sz="1800" dirty="0"/>
-              <a:t>swap</a:t>
-            </a:r>
-          </a:p>
-          <a:p>
-            <a:r>
-              <a:rPr lang="en-US" altLang="zh-CN" sz="1800" dirty="0"/>
-              <a:t>11</a:t>
-            </a:r>
-            <a:r>
-              <a:rPr lang="zh-CN" altLang="en-US" sz="1800" dirty="0"/>
-              <a:t>、慎重选择合适的 </a:t>
-            </a:r>
-            <a:r>
-              <a:rPr lang="en-US" altLang="zh-CN" sz="1800" dirty="0"/>
-              <a:t>save </a:t>
-            </a:r>
-            <a:r>
-              <a:rPr lang="zh-CN" altLang="en-US" sz="1800" dirty="0"/>
-              <a:t>配置：既要减少数据丢失、又要防止磁盘 </a:t>
-            </a:r>
-            <a:r>
-              <a:rPr lang="en-US" altLang="zh-CN" sz="1800" dirty="0"/>
-              <a:t>IO</a:t>
-            </a:r>
-            <a:r>
-              <a:rPr lang="zh-CN" altLang="en-US" sz="1800" dirty="0"/>
-              <a:t>瓶颈</a:t>
-            </a:r>
-            <a:endParaRPr lang="en-US" altLang="zh-CN" sz="1800" dirty="0"/>
-          </a:p>
-          <a:p>
-            <a:r>
-              <a:rPr lang="en-US" altLang="zh-CN" sz="1800" dirty="0"/>
-              <a:t>12</a:t>
-            </a:r>
-            <a:r>
-              <a:rPr lang="zh-CN" altLang="en-US" sz="1800" dirty="0"/>
-              <a:t>、禁止监听外网</a:t>
-            </a:r>
-            <a:r>
-              <a:rPr lang="en-US" altLang="zh-CN" sz="1800" dirty="0"/>
-              <a:t>IP</a:t>
-            </a:r>
-          </a:p>
-          <a:p>
-            <a:r>
-              <a:rPr lang="en-US" altLang="zh-CN" sz="1800" dirty="0"/>
-              <a:t>13</a:t>
-            </a:r>
-            <a:r>
-              <a:rPr lang="zh-CN" altLang="en-US" sz="1800" dirty="0"/>
-              <a:t>、不同的集群设置不同的密码，防止数据乱写</a:t>
-            </a:r>
-            <a:endParaRPr lang="en-US" altLang="zh-CN" sz="1800" dirty="0"/>
-          </a:p>
-          <a:p>
-            <a:r>
-              <a:rPr lang="en-US" altLang="zh-CN" sz="1800" dirty="0"/>
-              <a:t>14</a:t>
-            </a:r>
-            <a:r>
-              <a:rPr lang="zh-CN" altLang="en-US" sz="1800" dirty="0"/>
-              <a:t> 、通过 </a:t>
-            </a:r>
-            <a:r>
-              <a:rPr lang="en-US" altLang="zh-CN" sz="1800" dirty="0"/>
-              <a:t>rename-command </a:t>
-            </a:r>
-            <a:r>
-              <a:rPr lang="zh-CN" altLang="en-US" sz="1800" dirty="0"/>
-              <a:t>配置项禁止 </a:t>
-            </a:r>
-            <a:r>
-              <a:rPr lang="en-US" altLang="zh-CN" sz="1800" dirty="0" err="1"/>
-              <a:t>flushdb</a:t>
-            </a:r>
-            <a:r>
-              <a:rPr lang="en-US" altLang="zh-CN" sz="1800" dirty="0"/>
-              <a:t>/</a:t>
-            </a:r>
-            <a:r>
-              <a:rPr lang="en-US" altLang="zh-CN" sz="1800" dirty="0" err="1"/>
-              <a:t>flushall</a:t>
-            </a:r>
-            <a:r>
-              <a:rPr lang="en-US" altLang="zh-CN" sz="1800" dirty="0"/>
-              <a:t>/shutdown </a:t>
-            </a:r>
-            <a:r>
-              <a:rPr lang="zh-CN" altLang="en-US" sz="1800" dirty="0"/>
-              <a:t>等危险命令</a:t>
-            </a:r>
-            <a:endParaRPr lang="en-US" altLang="zh-CN" sz="1800" dirty="0"/>
-          </a:p>
-          <a:p>
-            <a:r>
-              <a:rPr lang="en-US" altLang="zh-CN" sz="1800" dirty="0"/>
-              <a:t>15</a:t>
-            </a:r>
-            <a:r>
-              <a:rPr lang="zh-CN" altLang="en-US" sz="1800" dirty="0"/>
-              <a:t>、</a:t>
-            </a:r>
-            <a:r>
-              <a:rPr lang="en-US" altLang="zh-CN" sz="1800" dirty="0" err="1"/>
-              <a:t>Redis</a:t>
-            </a:r>
-            <a:r>
-              <a:rPr lang="en-US" altLang="zh-CN" sz="1800" dirty="0"/>
-              <a:t> </a:t>
+              <a:t>Redis </a:t>
             </a:r>
             <a:r>
               <a:rPr lang="zh-CN" altLang="en-US" sz="1800" dirty="0"/>
@@ -7202,12 +7187,8 @@
           <a:lstStyle/>
           <a:p>
             <a:r>
-              <a:rPr lang="en-US" altLang="zh-CN" dirty="0" err="1"/>
-              <a:t>Redis</a:t>
-            </a:r>
-            <a:r>
               <a:rPr lang="en-US" altLang="zh-CN" dirty="0"/>
-              <a:t> </a:t>
+              <a:t>Redis </a:t>
             </a:r>
             <a:r>
               <a:rPr lang="zh-CN" altLang="en-US" dirty="0"/>
@@ -7667,7 +7648,7 @@
           <p:cNvPr id="2" name="标题 1">
             <a:extLst>
               <a:ext uri="{FF2B5EF4-FFF2-40B4-BE49-F238E27FC236}">
-                <a16:creationId xmlns:a16="http://schemas.microsoft.com/office/drawing/2014/main" id="{2A88D221-36EC-1C4A-86A7-23994D948939}"/>
+                <a16:creationId xmlns:a16="http://schemas.microsoft.com/office/drawing/2014/main" id="{023461AD-9164-614A-B168-CFDC7F9BFDFB}"/>
               </a:ext>
             </a:extLst>
           </p:cNvPr>
@@ -7684,72 +7665,2220 @@
           <a:lstStyle/>
           <a:p>
             <a:r>
+              <a:rPr kumimoji="1" lang="en-US" altLang="zh-CN" dirty="0"/>
+              <a:t>Acl Redis</a:t>
+            </a:r>
+            <a:r>
               <a:rPr kumimoji="1" lang="zh-CN" altLang="en-US" dirty="0"/>
-              <a:t>使用</a:t>
-            </a:r>
-            <a:r>
-              <a:rPr kumimoji="1" lang="en-US" altLang="zh-CN" dirty="0"/>
-              <a:t>Acl</a:t>
-            </a:r>
-            <a:r>
-              <a:rPr kumimoji="1" lang="zh-CN" altLang="en-US" dirty="0"/>
-              <a:t> </a:t>
-            </a:r>
-            <a:r>
-              <a:rPr kumimoji="1" lang="en-US" altLang="zh-CN" dirty="0"/>
-              <a:t>Redis</a:t>
-            </a:r>
-            <a:r>
-              <a:rPr kumimoji="1" lang="zh-CN" altLang="en-US" dirty="0"/>
-              <a:t>库轻松编写</a:t>
-            </a:r>
-            <a:r>
-              <a:rPr kumimoji="1" lang="en-US" altLang="zh-CN" dirty="0"/>
-              <a:t>Redis</a:t>
-            </a:r>
-            <a:r>
-              <a:rPr kumimoji="1" lang="zh-CN" altLang="en-US" dirty="0"/>
-              <a:t>应用</a:t>
+              <a:t>库类关系图谱</a:t>
             </a:r>
           </a:p>
         </p:txBody>
       </p:sp>
-      <p:pic>
-        <p:nvPicPr>
-          <p:cNvPr id="10" name="内容占位符 9">
+      <p:sp>
+        <p:nvSpPr>
+          <p:cNvPr id="4" name="矩形 3">
             <a:extLst>
               <a:ext uri="{FF2B5EF4-FFF2-40B4-BE49-F238E27FC236}">
-                <a16:creationId xmlns:a16="http://schemas.microsoft.com/office/drawing/2014/main" id="{F05670E7-C3CD-C64F-BE30-4EBF74CF1CB5}"/>
+                <a16:creationId xmlns:a16="http://schemas.microsoft.com/office/drawing/2014/main" id="{0E67DD62-A1C6-674A-90C0-157BB873F9F5}"/>
               </a:ext>
             </a:extLst>
           </p:cNvPr>
-          <p:cNvPicPr>
-            <a:picLocks noGrp="1" noChangeAspect="1"/>
-          </p:cNvPicPr>
-          <p:nvPr>
-            <p:ph idx="1"/>
-          </p:nvPr>
-        </p:nvPicPr>
-        <p:blipFill>
-          <a:blip r:embed="rId2"/>
-          <a:stretch>
-            <a:fillRect/>
-          </a:stretch>
-        </p:blipFill>
-        <p:spPr>
-          <a:xfrm>
-            <a:off x="323528" y="1047750"/>
-            <a:ext cx="8424935" cy="5143500"/>
+          <p:cNvSpPr/>
+          <p:nvPr/>
+        </p:nvSpPr>
+        <p:spPr>
+          <a:xfrm>
+            <a:off x="467544" y="3465672"/>
+            <a:ext cx="1656184" cy="432048"/>
           </a:xfrm>
           <a:prstGeom prst="rect">
             <a:avLst/>
           </a:prstGeom>
-        </p:spPr>
-      </p:pic>
+          <a:ln w="9525"/>
+        </p:spPr>
+        <p:style>
+          <a:lnRef idx="2">
+            <a:schemeClr val="accent6"/>
+          </a:lnRef>
+          <a:fillRef idx="1">
+            <a:schemeClr val="lt1"/>
+          </a:fillRef>
+          <a:effectRef idx="0">
+            <a:schemeClr val="accent6"/>
+          </a:effectRef>
+          <a:fontRef idx="minor">
+            <a:schemeClr val="dk1"/>
+          </a:fontRef>
+        </p:style>
+        <p:txBody>
+          <a:bodyPr rtlCol="0" anchor="ctr"/>
+          <a:lstStyle/>
+          <a:p>
+            <a:pPr algn="ctr"/>
+            <a:r>
+              <a:rPr kumimoji="1" lang="en-US" altLang="zh-CN" sz="1400" dirty="0"/>
+              <a:t>acl::redis_command</a:t>
+            </a:r>
+            <a:endParaRPr kumimoji="1" lang="zh-CN" altLang="en-US" sz="1400" dirty="0"/>
+          </a:p>
+        </p:txBody>
+      </p:sp>
+      <p:sp>
+        <p:nvSpPr>
+          <p:cNvPr id="5" name="矩形 4">
+            <a:extLst>
+              <a:ext uri="{FF2B5EF4-FFF2-40B4-BE49-F238E27FC236}">
+                <a16:creationId xmlns:a16="http://schemas.microsoft.com/office/drawing/2014/main" id="{0D1FDE18-450E-4D43-8F7D-8E161B9B8CFC}"/>
+              </a:ext>
+            </a:extLst>
+          </p:cNvPr>
+          <p:cNvSpPr/>
+          <p:nvPr/>
+        </p:nvSpPr>
+        <p:spPr>
+          <a:xfrm>
+            <a:off x="3646995" y="1125542"/>
+            <a:ext cx="1933117" cy="332674"/>
+          </a:xfrm>
+          <a:prstGeom prst="rect">
+            <a:avLst/>
+          </a:prstGeom>
+          <a:ln w="9525"/>
+        </p:spPr>
+        <p:style>
+          <a:lnRef idx="2">
+            <a:schemeClr val="accent6"/>
+          </a:lnRef>
+          <a:fillRef idx="1">
+            <a:schemeClr val="lt1"/>
+          </a:fillRef>
+          <a:effectRef idx="0">
+            <a:schemeClr val="accent6"/>
+          </a:effectRef>
+          <a:fontRef idx="minor">
+            <a:schemeClr val="dk1"/>
+          </a:fontRef>
+        </p:style>
+        <p:txBody>
+          <a:bodyPr rtlCol="0" anchor="ctr"/>
+          <a:lstStyle/>
+          <a:p>
+            <a:r>
+              <a:rPr kumimoji="1" lang="en-US" altLang="zh-CN" sz="1400" dirty="0"/>
+              <a:t>acl:: redis_key</a:t>
+            </a:r>
+            <a:endParaRPr kumimoji="1" lang="zh-CN" altLang="en-US" sz="1400" dirty="0"/>
+          </a:p>
+        </p:txBody>
+      </p:sp>
+      <p:sp>
+        <p:nvSpPr>
+          <p:cNvPr id="6" name="矩形 5">
+            <a:extLst>
+              <a:ext uri="{FF2B5EF4-FFF2-40B4-BE49-F238E27FC236}">
+                <a16:creationId xmlns:a16="http://schemas.microsoft.com/office/drawing/2014/main" id="{6C912FDC-4194-4440-BC25-79D37748E694}"/>
+              </a:ext>
+            </a:extLst>
+          </p:cNvPr>
+          <p:cNvSpPr/>
+          <p:nvPr/>
+        </p:nvSpPr>
+        <p:spPr>
+          <a:xfrm>
+            <a:off x="3646995" y="1530224"/>
+            <a:ext cx="1933117" cy="332674"/>
+          </a:xfrm>
+          <a:prstGeom prst="rect">
+            <a:avLst/>
+          </a:prstGeom>
+          <a:ln w="9525"/>
+        </p:spPr>
+        <p:style>
+          <a:lnRef idx="2">
+            <a:schemeClr val="accent6"/>
+          </a:lnRef>
+          <a:fillRef idx="1">
+            <a:schemeClr val="lt1"/>
+          </a:fillRef>
+          <a:effectRef idx="0">
+            <a:schemeClr val="accent6"/>
+          </a:effectRef>
+          <a:fontRef idx="minor">
+            <a:schemeClr val="dk1"/>
+          </a:fontRef>
+        </p:style>
+        <p:txBody>
+          <a:bodyPr rtlCol="0" anchor="ctr"/>
+          <a:lstStyle/>
+          <a:p>
+            <a:r>
+              <a:rPr kumimoji="1" lang="en-US" altLang="zh-CN" sz="1400" dirty="0"/>
+              <a:t>acl:: redis_transaction</a:t>
+            </a:r>
+            <a:endParaRPr kumimoji="1" lang="zh-CN" altLang="en-US" sz="1400" dirty="0"/>
+          </a:p>
+        </p:txBody>
+      </p:sp>
+      <p:sp>
+        <p:nvSpPr>
+          <p:cNvPr id="7" name="矩形 6">
+            <a:extLst>
+              <a:ext uri="{FF2B5EF4-FFF2-40B4-BE49-F238E27FC236}">
+                <a16:creationId xmlns:a16="http://schemas.microsoft.com/office/drawing/2014/main" id="{9F20E4CB-11CD-4D4A-A27A-4A5D2BBF2D7D}"/>
+              </a:ext>
+            </a:extLst>
+          </p:cNvPr>
+          <p:cNvSpPr/>
+          <p:nvPr/>
+        </p:nvSpPr>
+        <p:spPr>
+          <a:xfrm>
+            <a:off x="3646995" y="1931904"/>
+            <a:ext cx="1933117" cy="332674"/>
+          </a:xfrm>
+          <a:prstGeom prst="rect">
+            <a:avLst/>
+          </a:prstGeom>
+          <a:ln w="9525"/>
+        </p:spPr>
+        <p:style>
+          <a:lnRef idx="2">
+            <a:schemeClr val="accent6"/>
+          </a:lnRef>
+          <a:fillRef idx="1">
+            <a:schemeClr val="lt1"/>
+          </a:fillRef>
+          <a:effectRef idx="0">
+            <a:schemeClr val="accent6"/>
+          </a:effectRef>
+          <a:fontRef idx="minor">
+            <a:schemeClr val="dk1"/>
+          </a:fontRef>
+        </p:style>
+        <p:txBody>
+          <a:bodyPr rtlCol="0" anchor="ctr"/>
+          <a:lstStyle/>
+          <a:p>
+            <a:r>
+              <a:rPr kumimoji="1" lang="en-US" altLang="zh-CN" sz="1400" dirty="0"/>
+              <a:t>acl:: redis_string</a:t>
+            </a:r>
+            <a:endParaRPr kumimoji="1" lang="zh-CN" altLang="en-US" sz="1400" dirty="0"/>
+          </a:p>
+        </p:txBody>
+      </p:sp>
+      <p:sp>
+        <p:nvSpPr>
+          <p:cNvPr id="8" name="矩形 7">
+            <a:extLst>
+              <a:ext uri="{FF2B5EF4-FFF2-40B4-BE49-F238E27FC236}">
+                <a16:creationId xmlns:a16="http://schemas.microsoft.com/office/drawing/2014/main" id="{FEF89E22-6CC8-6143-A05D-5295070EB747}"/>
+              </a:ext>
+            </a:extLst>
+          </p:cNvPr>
+          <p:cNvSpPr/>
+          <p:nvPr/>
+        </p:nvSpPr>
+        <p:spPr>
+          <a:xfrm>
+            <a:off x="3646995" y="2332544"/>
+            <a:ext cx="1933117" cy="332674"/>
+          </a:xfrm>
+          <a:prstGeom prst="rect">
+            <a:avLst/>
+          </a:prstGeom>
+          <a:ln w="9525"/>
+        </p:spPr>
+        <p:style>
+          <a:lnRef idx="2">
+            <a:schemeClr val="accent6"/>
+          </a:lnRef>
+          <a:fillRef idx="1">
+            <a:schemeClr val="lt1"/>
+          </a:fillRef>
+          <a:effectRef idx="0">
+            <a:schemeClr val="accent6"/>
+          </a:effectRef>
+          <a:fontRef idx="minor">
+            <a:schemeClr val="dk1"/>
+          </a:fontRef>
+        </p:style>
+        <p:txBody>
+          <a:bodyPr rtlCol="0" anchor="ctr"/>
+          <a:lstStyle/>
+          <a:p>
+            <a:r>
+              <a:rPr kumimoji="1" lang="en-US" altLang="zh-CN" sz="1400" dirty="0"/>
+              <a:t>acl:: redis_hash</a:t>
+            </a:r>
+            <a:endParaRPr kumimoji="1" lang="zh-CN" altLang="en-US" sz="1400" dirty="0"/>
+          </a:p>
+        </p:txBody>
+      </p:sp>
+      <p:sp>
+        <p:nvSpPr>
+          <p:cNvPr id="9" name="矩形 8">
+            <a:extLst>
+              <a:ext uri="{FF2B5EF4-FFF2-40B4-BE49-F238E27FC236}">
+                <a16:creationId xmlns:a16="http://schemas.microsoft.com/office/drawing/2014/main" id="{03FE2BE6-B921-464D-9ED9-476B2E3E3F0D}"/>
+              </a:ext>
+            </a:extLst>
+          </p:cNvPr>
+          <p:cNvSpPr/>
+          <p:nvPr/>
+        </p:nvSpPr>
+        <p:spPr>
+          <a:xfrm>
+            <a:off x="3642698" y="2733184"/>
+            <a:ext cx="1933117" cy="332674"/>
+          </a:xfrm>
+          <a:prstGeom prst="rect">
+            <a:avLst/>
+          </a:prstGeom>
+          <a:ln w="9525"/>
+        </p:spPr>
+        <p:style>
+          <a:lnRef idx="2">
+            <a:schemeClr val="accent6"/>
+          </a:lnRef>
+          <a:fillRef idx="1">
+            <a:schemeClr val="lt1"/>
+          </a:fillRef>
+          <a:effectRef idx="0">
+            <a:schemeClr val="accent6"/>
+          </a:effectRef>
+          <a:fontRef idx="minor">
+            <a:schemeClr val="dk1"/>
+          </a:fontRef>
+        </p:style>
+        <p:txBody>
+          <a:bodyPr rtlCol="0" anchor="ctr"/>
+          <a:lstStyle/>
+          <a:p>
+            <a:r>
+              <a:rPr kumimoji="1" lang="en-US" altLang="zh-CN" sz="1400" dirty="0"/>
+              <a:t>acl:: redis_list</a:t>
+            </a:r>
+            <a:endParaRPr kumimoji="1" lang="zh-CN" altLang="en-US" sz="1400" dirty="0"/>
+          </a:p>
+        </p:txBody>
+      </p:sp>
+      <p:sp>
+        <p:nvSpPr>
+          <p:cNvPr id="10" name="矩形 9">
+            <a:extLst>
+              <a:ext uri="{FF2B5EF4-FFF2-40B4-BE49-F238E27FC236}">
+                <a16:creationId xmlns:a16="http://schemas.microsoft.com/office/drawing/2014/main" id="{B9824C68-503D-0344-9D29-AFD9F3C0CF28}"/>
+              </a:ext>
+            </a:extLst>
+          </p:cNvPr>
+          <p:cNvSpPr/>
+          <p:nvPr/>
+        </p:nvSpPr>
+        <p:spPr>
+          <a:xfrm>
+            <a:off x="3645393" y="3129519"/>
+            <a:ext cx="1933117" cy="332674"/>
+          </a:xfrm>
+          <a:prstGeom prst="rect">
+            <a:avLst/>
+          </a:prstGeom>
+          <a:ln w="9525"/>
+        </p:spPr>
+        <p:style>
+          <a:lnRef idx="2">
+            <a:schemeClr val="accent6"/>
+          </a:lnRef>
+          <a:fillRef idx="1">
+            <a:schemeClr val="lt1"/>
+          </a:fillRef>
+          <a:effectRef idx="0">
+            <a:schemeClr val="accent6"/>
+          </a:effectRef>
+          <a:fontRef idx="minor">
+            <a:schemeClr val="dk1"/>
+          </a:fontRef>
+        </p:style>
+        <p:txBody>
+          <a:bodyPr rtlCol="0" anchor="ctr"/>
+          <a:lstStyle/>
+          <a:p>
+            <a:r>
+              <a:rPr kumimoji="1" lang="en-US" altLang="zh-CN" sz="1400" dirty="0"/>
+              <a:t>acl:: redis_set</a:t>
+            </a:r>
+            <a:endParaRPr kumimoji="1" lang="zh-CN" altLang="en-US" sz="1400" dirty="0"/>
+          </a:p>
+        </p:txBody>
+      </p:sp>
+      <p:sp>
+        <p:nvSpPr>
+          <p:cNvPr id="11" name="矩形 10">
+            <a:extLst>
+              <a:ext uri="{FF2B5EF4-FFF2-40B4-BE49-F238E27FC236}">
+                <a16:creationId xmlns:a16="http://schemas.microsoft.com/office/drawing/2014/main" id="{408C3829-D57E-3849-8B25-DFAC34DD2B36}"/>
+              </a:ext>
+            </a:extLst>
+          </p:cNvPr>
+          <p:cNvSpPr/>
+          <p:nvPr/>
+        </p:nvSpPr>
+        <p:spPr>
+          <a:xfrm>
+            <a:off x="3642698" y="3525300"/>
+            <a:ext cx="1933117" cy="332674"/>
+          </a:xfrm>
+          <a:prstGeom prst="rect">
+            <a:avLst/>
+          </a:prstGeom>
+          <a:ln w="9525"/>
+        </p:spPr>
+        <p:style>
+          <a:lnRef idx="2">
+            <a:schemeClr val="accent6"/>
+          </a:lnRef>
+          <a:fillRef idx="1">
+            <a:schemeClr val="lt1"/>
+          </a:fillRef>
+          <a:effectRef idx="0">
+            <a:schemeClr val="accent6"/>
+          </a:effectRef>
+          <a:fontRef idx="minor">
+            <a:schemeClr val="dk1"/>
+          </a:fontRef>
+        </p:style>
+        <p:txBody>
+          <a:bodyPr rtlCol="0" anchor="ctr"/>
+          <a:lstStyle/>
+          <a:p>
+            <a:r>
+              <a:rPr kumimoji="1" lang="en-US" altLang="zh-CN" sz="1400" dirty="0"/>
+              <a:t>acl:: redis_zset</a:t>
+            </a:r>
+            <a:endParaRPr kumimoji="1" lang="zh-CN" altLang="en-US" sz="1400" dirty="0"/>
+          </a:p>
+        </p:txBody>
+      </p:sp>
+      <p:sp>
+        <p:nvSpPr>
+          <p:cNvPr id="12" name="矩形 11">
+            <a:extLst>
+              <a:ext uri="{FF2B5EF4-FFF2-40B4-BE49-F238E27FC236}">
+                <a16:creationId xmlns:a16="http://schemas.microsoft.com/office/drawing/2014/main" id="{7FE3890C-113B-B346-ABA8-8660550772CE}"/>
+              </a:ext>
+            </a:extLst>
+          </p:cNvPr>
+          <p:cNvSpPr/>
+          <p:nvPr/>
+        </p:nvSpPr>
+        <p:spPr>
+          <a:xfrm>
+            <a:off x="3644188" y="3926494"/>
+            <a:ext cx="1933117" cy="332674"/>
+          </a:xfrm>
+          <a:prstGeom prst="rect">
+            <a:avLst/>
+          </a:prstGeom>
+          <a:ln w="9525"/>
+        </p:spPr>
+        <p:style>
+          <a:lnRef idx="2">
+            <a:schemeClr val="accent6"/>
+          </a:lnRef>
+          <a:fillRef idx="1">
+            <a:schemeClr val="lt1"/>
+          </a:fillRef>
+          <a:effectRef idx="0">
+            <a:schemeClr val="accent6"/>
+          </a:effectRef>
+          <a:fontRef idx="minor">
+            <a:schemeClr val="dk1"/>
+          </a:fontRef>
+        </p:style>
+        <p:txBody>
+          <a:bodyPr rtlCol="0" anchor="ctr"/>
+          <a:lstStyle/>
+          <a:p>
+            <a:r>
+              <a:rPr kumimoji="1" lang="en-US" altLang="zh-CN" sz="1400" dirty="0"/>
+              <a:t>acl:: redis_geo</a:t>
+            </a:r>
+            <a:endParaRPr kumimoji="1" lang="zh-CN" altLang="en-US" sz="1400" dirty="0"/>
+          </a:p>
+        </p:txBody>
+      </p:sp>
+      <p:sp>
+        <p:nvSpPr>
+          <p:cNvPr id="13" name="矩形 12">
+            <a:extLst>
+              <a:ext uri="{FF2B5EF4-FFF2-40B4-BE49-F238E27FC236}">
+                <a16:creationId xmlns:a16="http://schemas.microsoft.com/office/drawing/2014/main" id="{142C0A92-7B34-724A-80F7-658F31820F5F}"/>
+              </a:ext>
+            </a:extLst>
+          </p:cNvPr>
+          <p:cNvSpPr/>
+          <p:nvPr/>
+        </p:nvSpPr>
+        <p:spPr>
+          <a:xfrm>
+            <a:off x="3642698" y="4327134"/>
+            <a:ext cx="1933117" cy="332674"/>
+          </a:xfrm>
+          <a:prstGeom prst="rect">
+            <a:avLst/>
+          </a:prstGeom>
+          <a:ln w="9525"/>
+        </p:spPr>
+        <p:style>
+          <a:lnRef idx="2">
+            <a:schemeClr val="accent6"/>
+          </a:lnRef>
+          <a:fillRef idx="1">
+            <a:schemeClr val="lt1"/>
+          </a:fillRef>
+          <a:effectRef idx="0">
+            <a:schemeClr val="accent6"/>
+          </a:effectRef>
+          <a:fontRef idx="minor">
+            <a:schemeClr val="dk1"/>
+          </a:fontRef>
+        </p:style>
+        <p:txBody>
+          <a:bodyPr rtlCol="0" anchor="ctr"/>
+          <a:lstStyle/>
+          <a:p>
+            <a:r>
+              <a:rPr kumimoji="1" lang="en-US" altLang="zh-CN" sz="1400" dirty="0"/>
+              <a:t>acl:: redis_pubsub</a:t>
+            </a:r>
+            <a:endParaRPr kumimoji="1" lang="zh-CN" altLang="en-US" sz="1400" dirty="0"/>
+          </a:p>
+        </p:txBody>
+      </p:sp>
+      <p:sp>
+        <p:nvSpPr>
+          <p:cNvPr id="14" name="矩形 13">
+            <a:extLst>
+              <a:ext uri="{FF2B5EF4-FFF2-40B4-BE49-F238E27FC236}">
+                <a16:creationId xmlns:a16="http://schemas.microsoft.com/office/drawing/2014/main" id="{9F9ADB8E-216C-4244-B065-D6AE973E6A6F}"/>
+              </a:ext>
+            </a:extLst>
+          </p:cNvPr>
+          <p:cNvSpPr/>
+          <p:nvPr/>
+        </p:nvSpPr>
+        <p:spPr>
+          <a:xfrm>
+            <a:off x="3642698" y="4727774"/>
+            <a:ext cx="1933117" cy="332674"/>
+          </a:xfrm>
+          <a:prstGeom prst="rect">
+            <a:avLst/>
+          </a:prstGeom>
+          <a:ln w="9525"/>
+        </p:spPr>
+        <p:style>
+          <a:lnRef idx="2">
+            <a:schemeClr val="accent6"/>
+          </a:lnRef>
+          <a:fillRef idx="1">
+            <a:schemeClr val="lt1"/>
+          </a:fillRef>
+          <a:effectRef idx="0">
+            <a:schemeClr val="accent6"/>
+          </a:effectRef>
+          <a:fontRef idx="minor">
+            <a:schemeClr val="dk1"/>
+          </a:fontRef>
+        </p:style>
+        <p:txBody>
+          <a:bodyPr rtlCol="0" anchor="ctr"/>
+          <a:lstStyle/>
+          <a:p>
+            <a:r>
+              <a:rPr kumimoji="1" lang="en-US" altLang="zh-CN" sz="1400" dirty="0"/>
+              <a:t>acl:: redis_hyperloglog</a:t>
+            </a:r>
+            <a:endParaRPr kumimoji="1" lang="zh-CN" altLang="en-US" sz="1400" dirty="0"/>
+          </a:p>
+        </p:txBody>
+      </p:sp>
+      <p:sp>
+        <p:nvSpPr>
+          <p:cNvPr id="15" name="矩形 14">
+            <a:extLst>
+              <a:ext uri="{FF2B5EF4-FFF2-40B4-BE49-F238E27FC236}">
+                <a16:creationId xmlns:a16="http://schemas.microsoft.com/office/drawing/2014/main" id="{BE9E0542-0E65-0C49-9897-5B49DB30ACE7}"/>
+              </a:ext>
+            </a:extLst>
+          </p:cNvPr>
+          <p:cNvSpPr/>
+          <p:nvPr/>
+        </p:nvSpPr>
+        <p:spPr>
+          <a:xfrm>
+            <a:off x="3642698" y="5130002"/>
+            <a:ext cx="1933117" cy="332674"/>
+          </a:xfrm>
+          <a:prstGeom prst="rect">
+            <a:avLst/>
+          </a:prstGeom>
+          <a:ln w="9525"/>
+        </p:spPr>
+        <p:style>
+          <a:lnRef idx="2">
+            <a:schemeClr val="accent6"/>
+          </a:lnRef>
+          <a:fillRef idx="1">
+            <a:schemeClr val="lt1"/>
+          </a:fillRef>
+          <a:effectRef idx="0">
+            <a:schemeClr val="accent6"/>
+          </a:effectRef>
+          <a:fontRef idx="minor">
+            <a:schemeClr val="dk1"/>
+          </a:fontRef>
+        </p:style>
+        <p:txBody>
+          <a:bodyPr rtlCol="0" anchor="ctr"/>
+          <a:lstStyle/>
+          <a:p>
+            <a:r>
+              <a:rPr kumimoji="1" lang="en-US" altLang="zh-CN" sz="1400" dirty="0"/>
+              <a:t>acl:: redis_script</a:t>
+            </a:r>
+            <a:endParaRPr kumimoji="1" lang="zh-CN" altLang="en-US" sz="1400" dirty="0"/>
+          </a:p>
+        </p:txBody>
+      </p:sp>
+      <p:sp>
+        <p:nvSpPr>
+          <p:cNvPr id="16" name="矩形 15">
+            <a:extLst>
+              <a:ext uri="{FF2B5EF4-FFF2-40B4-BE49-F238E27FC236}">
+                <a16:creationId xmlns:a16="http://schemas.microsoft.com/office/drawing/2014/main" id="{FB1F89AB-9D87-FE41-9E20-DEC247268486}"/>
+              </a:ext>
+            </a:extLst>
+          </p:cNvPr>
+          <p:cNvSpPr/>
+          <p:nvPr/>
+        </p:nvSpPr>
+        <p:spPr>
+          <a:xfrm>
+            <a:off x="3642698" y="5532230"/>
+            <a:ext cx="1933117" cy="332674"/>
+          </a:xfrm>
+          <a:prstGeom prst="rect">
+            <a:avLst/>
+          </a:prstGeom>
+          <a:ln w="9525"/>
+        </p:spPr>
+        <p:style>
+          <a:lnRef idx="2">
+            <a:schemeClr val="accent6"/>
+          </a:lnRef>
+          <a:fillRef idx="1">
+            <a:schemeClr val="lt1"/>
+          </a:fillRef>
+          <a:effectRef idx="0">
+            <a:schemeClr val="accent6"/>
+          </a:effectRef>
+          <a:fontRef idx="minor">
+            <a:schemeClr val="dk1"/>
+          </a:fontRef>
+        </p:style>
+        <p:txBody>
+          <a:bodyPr rtlCol="0" anchor="ctr"/>
+          <a:lstStyle/>
+          <a:p>
+            <a:r>
+              <a:rPr kumimoji="1" lang="en-US" altLang="zh-CN" sz="1400" dirty="0"/>
+              <a:t>acl:: redis_server</a:t>
+            </a:r>
+            <a:endParaRPr kumimoji="1" lang="zh-CN" altLang="en-US" sz="1400" dirty="0"/>
+          </a:p>
+        </p:txBody>
+      </p:sp>
+      <p:sp>
+        <p:nvSpPr>
+          <p:cNvPr id="17" name="矩形 16">
+            <a:extLst>
+              <a:ext uri="{FF2B5EF4-FFF2-40B4-BE49-F238E27FC236}">
+                <a16:creationId xmlns:a16="http://schemas.microsoft.com/office/drawing/2014/main" id="{D101354C-A6C8-8442-981F-0E6D586BED2E}"/>
+              </a:ext>
+            </a:extLst>
+          </p:cNvPr>
+          <p:cNvSpPr/>
+          <p:nvPr/>
+        </p:nvSpPr>
+        <p:spPr>
+          <a:xfrm>
+            <a:off x="3642698" y="5934458"/>
+            <a:ext cx="1933117" cy="332674"/>
+          </a:xfrm>
+          <a:prstGeom prst="rect">
+            <a:avLst/>
+          </a:prstGeom>
+          <a:ln w="9525"/>
+        </p:spPr>
+        <p:style>
+          <a:lnRef idx="2">
+            <a:schemeClr val="accent6"/>
+          </a:lnRef>
+          <a:fillRef idx="1">
+            <a:schemeClr val="lt1"/>
+          </a:fillRef>
+          <a:effectRef idx="0">
+            <a:schemeClr val="accent6"/>
+          </a:effectRef>
+          <a:fontRef idx="minor">
+            <a:schemeClr val="dk1"/>
+          </a:fontRef>
+        </p:style>
+        <p:txBody>
+          <a:bodyPr rtlCol="0" anchor="ctr"/>
+          <a:lstStyle/>
+          <a:p>
+            <a:r>
+              <a:rPr kumimoji="1" lang="en-US" altLang="zh-CN" sz="1400" dirty="0"/>
+              <a:t>acl:: redis_cluster</a:t>
+            </a:r>
+            <a:endParaRPr kumimoji="1" lang="zh-CN" altLang="en-US" sz="1400" dirty="0"/>
+          </a:p>
+        </p:txBody>
+      </p:sp>
+      <p:sp>
+        <p:nvSpPr>
+          <p:cNvPr id="18" name="矩形 17">
+            <a:extLst>
+              <a:ext uri="{FF2B5EF4-FFF2-40B4-BE49-F238E27FC236}">
+                <a16:creationId xmlns:a16="http://schemas.microsoft.com/office/drawing/2014/main" id="{F132503C-32EB-4C41-9236-6B1D210698B6}"/>
+              </a:ext>
+            </a:extLst>
+          </p:cNvPr>
+          <p:cNvSpPr/>
+          <p:nvPr/>
+        </p:nvSpPr>
+        <p:spPr>
+          <a:xfrm>
+            <a:off x="3642698" y="6336686"/>
+            <a:ext cx="1933117" cy="332674"/>
+          </a:xfrm>
+          <a:prstGeom prst="rect">
+            <a:avLst/>
+          </a:prstGeom>
+          <a:ln w="9525"/>
+        </p:spPr>
+        <p:style>
+          <a:lnRef idx="2">
+            <a:schemeClr val="accent6"/>
+          </a:lnRef>
+          <a:fillRef idx="1">
+            <a:schemeClr val="lt1"/>
+          </a:fillRef>
+          <a:effectRef idx="0">
+            <a:schemeClr val="accent6"/>
+          </a:effectRef>
+          <a:fontRef idx="minor">
+            <a:schemeClr val="dk1"/>
+          </a:fontRef>
+        </p:style>
+        <p:txBody>
+          <a:bodyPr rtlCol="0" anchor="ctr"/>
+          <a:lstStyle/>
+          <a:p>
+            <a:r>
+              <a:rPr kumimoji="1" lang="en-US" altLang="zh-CN" sz="1400" dirty="0"/>
+              <a:t>acl:: redis_connection</a:t>
+            </a:r>
+            <a:endParaRPr kumimoji="1" lang="zh-CN" altLang="en-US" sz="1400" dirty="0"/>
+          </a:p>
+        </p:txBody>
+      </p:sp>
+      <p:sp>
+        <p:nvSpPr>
+          <p:cNvPr id="19" name="矩形 18">
+            <a:extLst>
+              <a:ext uri="{FF2B5EF4-FFF2-40B4-BE49-F238E27FC236}">
+                <a16:creationId xmlns:a16="http://schemas.microsoft.com/office/drawing/2014/main" id="{1ED79F22-CDCC-B440-B254-02725A2A48DB}"/>
+              </a:ext>
+            </a:extLst>
+          </p:cNvPr>
+          <p:cNvSpPr/>
+          <p:nvPr/>
+        </p:nvSpPr>
+        <p:spPr>
+          <a:xfrm>
+            <a:off x="7158928" y="3462193"/>
+            <a:ext cx="1512168" cy="432048"/>
+          </a:xfrm>
+          <a:prstGeom prst="rect">
+            <a:avLst/>
+          </a:prstGeom>
+          <a:ln w="9525"/>
+        </p:spPr>
+        <p:style>
+          <a:lnRef idx="2">
+            <a:schemeClr val="accent6"/>
+          </a:lnRef>
+          <a:fillRef idx="1">
+            <a:schemeClr val="lt1"/>
+          </a:fillRef>
+          <a:effectRef idx="0">
+            <a:schemeClr val="accent6"/>
+          </a:effectRef>
+          <a:fontRef idx="minor">
+            <a:schemeClr val="dk1"/>
+          </a:fontRef>
+        </p:style>
+        <p:txBody>
+          <a:bodyPr rtlCol="0" anchor="ctr"/>
+          <a:lstStyle/>
+          <a:p>
+            <a:pPr algn="ctr"/>
+            <a:r>
+              <a:rPr kumimoji="1" lang="en-US" altLang="zh-CN" sz="1400" dirty="0"/>
+              <a:t>acl::redis</a:t>
+            </a:r>
+            <a:endParaRPr kumimoji="1" lang="zh-CN" altLang="en-US" sz="1400" dirty="0"/>
+          </a:p>
+        </p:txBody>
+      </p:sp>
+      <p:cxnSp>
+        <p:nvCxnSpPr>
+          <p:cNvPr id="21" name="曲线连接符 20">
+            <a:extLst>
+              <a:ext uri="{FF2B5EF4-FFF2-40B4-BE49-F238E27FC236}">
+                <a16:creationId xmlns:a16="http://schemas.microsoft.com/office/drawing/2014/main" id="{A5C3159D-5DE0-AB40-B24D-1FEC97E8414B}"/>
+              </a:ext>
+            </a:extLst>
+          </p:cNvPr>
+          <p:cNvCxnSpPr>
+            <a:stCxn id="5" idx="1"/>
+            <a:endCxn id="4" idx="3"/>
+          </p:cNvCxnSpPr>
+          <p:nvPr/>
+        </p:nvCxnSpPr>
+        <p:spPr>
+          <a:xfrm rot="10800000" flipV="1">
+            <a:off x="2123729" y="1291878"/>
+            <a:ext cx="1523267" cy="2389817"/>
+          </a:xfrm>
+          <a:prstGeom prst="curvedConnector3">
+            <a:avLst/>
+          </a:prstGeom>
+          <a:ln>
+            <a:solidFill>
+              <a:srgbClr val="00B0F0"/>
+            </a:solidFill>
+            <a:tailEnd type="triangle"/>
+          </a:ln>
+        </p:spPr>
+        <p:style>
+          <a:lnRef idx="1">
+            <a:schemeClr val="accent1"/>
+          </a:lnRef>
+          <a:fillRef idx="0">
+            <a:schemeClr val="accent1"/>
+          </a:fillRef>
+          <a:effectRef idx="0">
+            <a:schemeClr val="accent1"/>
+          </a:effectRef>
+          <a:fontRef idx="minor">
+            <a:schemeClr val="tx1"/>
+          </a:fontRef>
+        </p:style>
+      </p:cxnSp>
+      <p:cxnSp>
+        <p:nvCxnSpPr>
+          <p:cNvPr id="23" name="曲线连接符 22">
+            <a:extLst>
+              <a:ext uri="{FF2B5EF4-FFF2-40B4-BE49-F238E27FC236}">
+                <a16:creationId xmlns:a16="http://schemas.microsoft.com/office/drawing/2014/main" id="{E9D1C3CE-5FC8-6441-8ECF-1BA6A9673FB5}"/>
+              </a:ext>
+            </a:extLst>
+          </p:cNvPr>
+          <p:cNvCxnSpPr>
+            <a:cxnSpLocks/>
+            <a:stCxn id="6" idx="1"/>
+            <a:endCxn id="4" idx="3"/>
+          </p:cNvCxnSpPr>
+          <p:nvPr/>
+        </p:nvCxnSpPr>
+        <p:spPr>
+          <a:xfrm rot="10800000" flipV="1">
+            <a:off x="2123729" y="1696560"/>
+            <a:ext cx="1523267" cy="1985135"/>
+          </a:xfrm>
+          <a:prstGeom prst="curvedConnector3">
+            <a:avLst>
+              <a:gd name="adj1" fmla="val 50000"/>
+            </a:avLst>
+          </a:prstGeom>
+          <a:ln>
+            <a:solidFill>
+              <a:srgbClr val="00B0F0"/>
+            </a:solidFill>
+            <a:tailEnd type="triangle"/>
+          </a:ln>
+        </p:spPr>
+        <p:style>
+          <a:lnRef idx="1">
+            <a:schemeClr val="accent1"/>
+          </a:lnRef>
+          <a:fillRef idx="0">
+            <a:schemeClr val="accent1"/>
+          </a:fillRef>
+          <a:effectRef idx="0">
+            <a:schemeClr val="accent1"/>
+          </a:effectRef>
+          <a:fontRef idx="minor">
+            <a:schemeClr val="tx1"/>
+          </a:fontRef>
+        </p:style>
+      </p:cxnSp>
+      <p:cxnSp>
+        <p:nvCxnSpPr>
+          <p:cNvPr id="27" name="曲线连接符 26">
+            <a:extLst>
+              <a:ext uri="{FF2B5EF4-FFF2-40B4-BE49-F238E27FC236}">
+                <a16:creationId xmlns:a16="http://schemas.microsoft.com/office/drawing/2014/main" id="{73295EC8-4B9B-D14B-9276-C4718864671F}"/>
+              </a:ext>
+            </a:extLst>
+          </p:cNvPr>
+          <p:cNvCxnSpPr>
+            <a:stCxn id="7" idx="1"/>
+            <a:endCxn id="4" idx="3"/>
+          </p:cNvCxnSpPr>
+          <p:nvPr/>
+        </p:nvCxnSpPr>
+        <p:spPr>
+          <a:xfrm rot="10800000" flipV="1">
+            <a:off x="2123729" y="2098240"/>
+            <a:ext cx="1523267" cy="1583455"/>
+          </a:xfrm>
+          <a:prstGeom prst="curvedConnector3">
+            <a:avLst/>
+          </a:prstGeom>
+          <a:ln>
+            <a:solidFill>
+              <a:srgbClr val="00B0F0"/>
+            </a:solidFill>
+            <a:tailEnd type="triangle"/>
+          </a:ln>
+        </p:spPr>
+        <p:style>
+          <a:lnRef idx="1">
+            <a:schemeClr val="accent1"/>
+          </a:lnRef>
+          <a:fillRef idx="0">
+            <a:schemeClr val="accent1"/>
+          </a:fillRef>
+          <a:effectRef idx="0">
+            <a:schemeClr val="accent1"/>
+          </a:effectRef>
+          <a:fontRef idx="minor">
+            <a:schemeClr val="tx1"/>
+          </a:fontRef>
+        </p:style>
+      </p:cxnSp>
+      <p:cxnSp>
+        <p:nvCxnSpPr>
+          <p:cNvPr id="29" name="曲线连接符 28">
+            <a:extLst>
+              <a:ext uri="{FF2B5EF4-FFF2-40B4-BE49-F238E27FC236}">
+                <a16:creationId xmlns:a16="http://schemas.microsoft.com/office/drawing/2014/main" id="{392CB0E9-35D7-F148-91BE-D3312EED2E96}"/>
+              </a:ext>
+            </a:extLst>
+          </p:cNvPr>
+          <p:cNvCxnSpPr>
+            <a:stCxn id="8" idx="1"/>
+            <a:endCxn id="4" idx="3"/>
+          </p:cNvCxnSpPr>
+          <p:nvPr/>
+        </p:nvCxnSpPr>
+        <p:spPr>
+          <a:xfrm rot="10800000" flipV="1">
+            <a:off x="2123729" y="2498880"/>
+            <a:ext cx="1523267" cy="1182815"/>
+          </a:xfrm>
+          <a:prstGeom prst="curvedConnector3">
+            <a:avLst/>
+          </a:prstGeom>
+          <a:ln>
+            <a:solidFill>
+              <a:srgbClr val="00B0F0"/>
+            </a:solidFill>
+            <a:tailEnd type="triangle"/>
+          </a:ln>
+        </p:spPr>
+        <p:style>
+          <a:lnRef idx="1">
+            <a:schemeClr val="accent1"/>
+          </a:lnRef>
+          <a:fillRef idx="0">
+            <a:schemeClr val="accent1"/>
+          </a:fillRef>
+          <a:effectRef idx="0">
+            <a:schemeClr val="accent1"/>
+          </a:effectRef>
+          <a:fontRef idx="minor">
+            <a:schemeClr val="tx1"/>
+          </a:fontRef>
+        </p:style>
+      </p:cxnSp>
+      <p:cxnSp>
+        <p:nvCxnSpPr>
+          <p:cNvPr id="31" name="曲线连接符 30">
+            <a:extLst>
+              <a:ext uri="{FF2B5EF4-FFF2-40B4-BE49-F238E27FC236}">
+                <a16:creationId xmlns:a16="http://schemas.microsoft.com/office/drawing/2014/main" id="{338819BA-E24A-FB4C-9CE2-9FA614E2BA50}"/>
+              </a:ext>
+            </a:extLst>
+          </p:cNvPr>
+          <p:cNvCxnSpPr>
+            <a:stCxn id="9" idx="1"/>
+            <a:endCxn id="4" idx="3"/>
+          </p:cNvCxnSpPr>
+          <p:nvPr/>
+        </p:nvCxnSpPr>
+        <p:spPr>
+          <a:xfrm rot="10800000" flipV="1">
+            <a:off x="2123728" y="2899520"/>
+            <a:ext cx="1518970" cy="782175"/>
+          </a:xfrm>
+          <a:prstGeom prst="curvedConnector3">
+            <a:avLst/>
+          </a:prstGeom>
+          <a:ln>
+            <a:solidFill>
+              <a:srgbClr val="00B0F0"/>
+            </a:solidFill>
+            <a:tailEnd type="triangle"/>
+          </a:ln>
+        </p:spPr>
+        <p:style>
+          <a:lnRef idx="1">
+            <a:schemeClr val="accent1"/>
+          </a:lnRef>
+          <a:fillRef idx="0">
+            <a:schemeClr val="accent1"/>
+          </a:fillRef>
+          <a:effectRef idx="0">
+            <a:schemeClr val="accent1"/>
+          </a:effectRef>
+          <a:fontRef idx="minor">
+            <a:schemeClr val="tx1"/>
+          </a:fontRef>
+        </p:style>
+      </p:cxnSp>
+      <p:cxnSp>
+        <p:nvCxnSpPr>
+          <p:cNvPr id="33" name="曲线连接符 32">
+            <a:extLst>
+              <a:ext uri="{FF2B5EF4-FFF2-40B4-BE49-F238E27FC236}">
+                <a16:creationId xmlns:a16="http://schemas.microsoft.com/office/drawing/2014/main" id="{A2F81280-0887-B544-BE31-5394BD32581D}"/>
+              </a:ext>
+            </a:extLst>
+          </p:cNvPr>
+          <p:cNvCxnSpPr>
+            <a:stCxn id="10" idx="1"/>
+            <a:endCxn id="4" idx="3"/>
+          </p:cNvCxnSpPr>
+          <p:nvPr/>
+        </p:nvCxnSpPr>
+        <p:spPr>
+          <a:xfrm rot="10800000" flipV="1">
+            <a:off x="2123729" y="3295856"/>
+            <a:ext cx="1521665" cy="385840"/>
+          </a:xfrm>
+          <a:prstGeom prst="curvedConnector3">
+            <a:avLst/>
+          </a:prstGeom>
+          <a:ln>
+            <a:solidFill>
+              <a:srgbClr val="00B0F0"/>
+            </a:solidFill>
+            <a:tailEnd type="triangle"/>
+          </a:ln>
+        </p:spPr>
+        <p:style>
+          <a:lnRef idx="1">
+            <a:schemeClr val="accent1"/>
+          </a:lnRef>
+          <a:fillRef idx="0">
+            <a:schemeClr val="accent1"/>
+          </a:fillRef>
+          <a:effectRef idx="0">
+            <a:schemeClr val="accent1"/>
+          </a:effectRef>
+          <a:fontRef idx="minor">
+            <a:schemeClr val="tx1"/>
+          </a:fontRef>
+        </p:style>
+      </p:cxnSp>
+      <p:cxnSp>
+        <p:nvCxnSpPr>
+          <p:cNvPr id="35" name="曲线连接符 34">
+            <a:extLst>
+              <a:ext uri="{FF2B5EF4-FFF2-40B4-BE49-F238E27FC236}">
+                <a16:creationId xmlns:a16="http://schemas.microsoft.com/office/drawing/2014/main" id="{59154EB4-7E33-E547-A84C-C6CDFFF3F2FC}"/>
+              </a:ext>
+            </a:extLst>
+          </p:cNvPr>
+          <p:cNvCxnSpPr>
+            <a:stCxn id="11" idx="1"/>
+            <a:endCxn id="4" idx="3"/>
+          </p:cNvCxnSpPr>
+          <p:nvPr/>
+        </p:nvCxnSpPr>
+        <p:spPr>
+          <a:xfrm rot="10800000">
+            <a:off x="2123728" y="3681697"/>
+            <a:ext cx="1518970" cy="9941"/>
+          </a:xfrm>
+          <a:prstGeom prst="curvedConnector3">
+            <a:avLst/>
+          </a:prstGeom>
+          <a:ln>
+            <a:solidFill>
+              <a:srgbClr val="00B0F0"/>
+            </a:solidFill>
+            <a:tailEnd type="triangle"/>
+          </a:ln>
+        </p:spPr>
+        <p:style>
+          <a:lnRef idx="1">
+            <a:schemeClr val="accent1"/>
+          </a:lnRef>
+          <a:fillRef idx="0">
+            <a:schemeClr val="accent1"/>
+          </a:fillRef>
+          <a:effectRef idx="0">
+            <a:schemeClr val="accent1"/>
+          </a:effectRef>
+          <a:fontRef idx="minor">
+            <a:schemeClr val="tx1"/>
+          </a:fontRef>
+        </p:style>
+      </p:cxnSp>
+      <p:cxnSp>
+        <p:nvCxnSpPr>
+          <p:cNvPr id="37" name="曲线连接符 36">
+            <a:extLst>
+              <a:ext uri="{FF2B5EF4-FFF2-40B4-BE49-F238E27FC236}">
+                <a16:creationId xmlns:a16="http://schemas.microsoft.com/office/drawing/2014/main" id="{EC1CE670-E14E-0F4F-88AF-77B8C065ED0D}"/>
+              </a:ext>
+            </a:extLst>
+          </p:cNvPr>
+          <p:cNvCxnSpPr>
+            <a:stCxn id="12" idx="1"/>
+            <a:endCxn id="4" idx="3"/>
+          </p:cNvCxnSpPr>
+          <p:nvPr/>
+        </p:nvCxnSpPr>
+        <p:spPr>
+          <a:xfrm rot="10800000">
+            <a:off x="2123728" y="3681697"/>
+            <a:ext cx="1520460" cy="411135"/>
+          </a:xfrm>
+          <a:prstGeom prst="curvedConnector3">
+            <a:avLst/>
+          </a:prstGeom>
+          <a:ln>
+            <a:solidFill>
+              <a:srgbClr val="00B0F0"/>
+            </a:solidFill>
+            <a:tailEnd type="triangle"/>
+          </a:ln>
+        </p:spPr>
+        <p:style>
+          <a:lnRef idx="1">
+            <a:schemeClr val="accent1"/>
+          </a:lnRef>
+          <a:fillRef idx="0">
+            <a:schemeClr val="accent1"/>
+          </a:fillRef>
+          <a:effectRef idx="0">
+            <a:schemeClr val="accent1"/>
+          </a:effectRef>
+          <a:fontRef idx="minor">
+            <a:schemeClr val="tx1"/>
+          </a:fontRef>
+        </p:style>
+      </p:cxnSp>
+      <p:cxnSp>
+        <p:nvCxnSpPr>
+          <p:cNvPr id="39" name="曲线连接符 38">
+            <a:extLst>
+              <a:ext uri="{FF2B5EF4-FFF2-40B4-BE49-F238E27FC236}">
+                <a16:creationId xmlns:a16="http://schemas.microsoft.com/office/drawing/2014/main" id="{06B01F20-3A0C-AF4E-A523-EC86D4960B31}"/>
+              </a:ext>
+            </a:extLst>
+          </p:cNvPr>
+          <p:cNvCxnSpPr>
+            <a:stCxn id="13" idx="1"/>
+            <a:endCxn id="4" idx="3"/>
+          </p:cNvCxnSpPr>
+          <p:nvPr/>
+        </p:nvCxnSpPr>
+        <p:spPr>
+          <a:xfrm rot="10800000">
+            <a:off x="2123728" y="3681697"/>
+            <a:ext cx="1518970" cy="811775"/>
+          </a:xfrm>
+          <a:prstGeom prst="curvedConnector3">
+            <a:avLst/>
+          </a:prstGeom>
+          <a:ln>
+            <a:solidFill>
+              <a:srgbClr val="00B0F0"/>
+            </a:solidFill>
+            <a:tailEnd type="triangle"/>
+          </a:ln>
+        </p:spPr>
+        <p:style>
+          <a:lnRef idx="1">
+            <a:schemeClr val="accent1"/>
+          </a:lnRef>
+          <a:fillRef idx="0">
+            <a:schemeClr val="accent1"/>
+          </a:fillRef>
+          <a:effectRef idx="0">
+            <a:schemeClr val="accent1"/>
+          </a:effectRef>
+          <a:fontRef idx="minor">
+            <a:schemeClr val="tx1"/>
+          </a:fontRef>
+        </p:style>
+      </p:cxnSp>
+      <p:cxnSp>
+        <p:nvCxnSpPr>
+          <p:cNvPr id="41" name="曲线连接符 40">
+            <a:extLst>
+              <a:ext uri="{FF2B5EF4-FFF2-40B4-BE49-F238E27FC236}">
+                <a16:creationId xmlns:a16="http://schemas.microsoft.com/office/drawing/2014/main" id="{AC5F469A-51C8-324F-A209-7B5D7AEA8C3D}"/>
+              </a:ext>
+            </a:extLst>
+          </p:cNvPr>
+          <p:cNvCxnSpPr>
+            <a:stCxn id="14" idx="1"/>
+            <a:endCxn id="4" idx="3"/>
+          </p:cNvCxnSpPr>
+          <p:nvPr/>
+        </p:nvCxnSpPr>
+        <p:spPr>
+          <a:xfrm rot="10800000">
+            <a:off x="2123728" y="3681697"/>
+            <a:ext cx="1518970" cy="1212415"/>
+          </a:xfrm>
+          <a:prstGeom prst="curvedConnector3">
+            <a:avLst/>
+          </a:prstGeom>
+          <a:ln>
+            <a:solidFill>
+              <a:srgbClr val="00B0F0"/>
+            </a:solidFill>
+            <a:tailEnd type="triangle"/>
+          </a:ln>
+        </p:spPr>
+        <p:style>
+          <a:lnRef idx="1">
+            <a:schemeClr val="accent1"/>
+          </a:lnRef>
+          <a:fillRef idx="0">
+            <a:schemeClr val="accent1"/>
+          </a:fillRef>
+          <a:effectRef idx="0">
+            <a:schemeClr val="accent1"/>
+          </a:effectRef>
+          <a:fontRef idx="minor">
+            <a:schemeClr val="tx1"/>
+          </a:fontRef>
+        </p:style>
+      </p:cxnSp>
+      <p:cxnSp>
+        <p:nvCxnSpPr>
+          <p:cNvPr id="43" name="曲线连接符 42">
+            <a:extLst>
+              <a:ext uri="{FF2B5EF4-FFF2-40B4-BE49-F238E27FC236}">
+                <a16:creationId xmlns:a16="http://schemas.microsoft.com/office/drawing/2014/main" id="{B6E6AD5C-73B7-074F-AD5E-10C4D54EEC17}"/>
+              </a:ext>
+            </a:extLst>
+          </p:cNvPr>
+          <p:cNvCxnSpPr>
+            <a:stCxn id="15" idx="1"/>
+            <a:endCxn id="4" idx="3"/>
+          </p:cNvCxnSpPr>
+          <p:nvPr/>
+        </p:nvCxnSpPr>
+        <p:spPr>
+          <a:xfrm rot="10800000">
+            <a:off x="2123728" y="3681697"/>
+            <a:ext cx="1518970" cy="1614643"/>
+          </a:xfrm>
+          <a:prstGeom prst="curvedConnector3">
+            <a:avLst/>
+          </a:prstGeom>
+          <a:ln>
+            <a:solidFill>
+              <a:srgbClr val="00B0F0"/>
+            </a:solidFill>
+            <a:tailEnd type="triangle"/>
+          </a:ln>
+        </p:spPr>
+        <p:style>
+          <a:lnRef idx="1">
+            <a:schemeClr val="accent1"/>
+          </a:lnRef>
+          <a:fillRef idx="0">
+            <a:schemeClr val="accent1"/>
+          </a:fillRef>
+          <a:effectRef idx="0">
+            <a:schemeClr val="accent1"/>
+          </a:effectRef>
+          <a:fontRef idx="minor">
+            <a:schemeClr val="tx1"/>
+          </a:fontRef>
+        </p:style>
+      </p:cxnSp>
+      <p:cxnSp>
+        <p:nvCxnSpPr>
+          <p:cNvPr id="45" name="曲线连接符 44">
+            <a:extLst>
+              <a:ext uri="{FF2B5EF4-FFF2-40B4-BE49-F238E27FC236}">
+                <a16:creationId xmlns:a16="http://schemas.microsoft.com/office/drawing/2014/main" id="{D9448B00-76F6-564E-BE3A-35861463EF68}"/>
+              </a:ext>
+            </a:extLst>
+          </p:cNvPr>
+          <p:cNvCxnSpPr>
+            <a:stCxn id="16" idx="1"/>
+            <a:endCxn id="4" idx="3"/>
+          </p:cNvCxnSpPr>
+          <p:nvPr/>
+        </p:nvCxnSpPr>
+        <p:spPr>
+          <a:xfrm rot="10800000">
+            <a:off x="2123728" y="3681697"/>
+            <a:ext cx="1518970" cy="2016871"/>
+          </a:xfrm>
+          <a:prstGeom prst="curvedConnector3">
+            <a:avLst/>
+          </a:prstGeom>
+          <a:ln>
+            <a:solidFill>
+              <a:srgbClr val="00B0F0"/>
+            </a:solidFill>
+            <a:tailEnd type="triangle"/>
+          </a:ln>
+        </p:spPr>
+        <p:style>
+          <a:lnRef idx="1">
+            <a:schemeClr val="accent1"/>
+          </a:lnRef>
+          <a:fillRef idx="0">
+            <a:schemeClr val="accent1"/>
+          </a:fillRef>
+          <a:effectRef idx="0">
+            <a:schemeClr val="accent1"/>
+          </a:effectRef>
+          <a:fontRef idx="minor">
+            <a:schemeClr val="tx1"/>
+          </a:fontRef>
+        </p:style>
+      </p:cxnSp>
+      <p:cxnSp>
+        <p:nvCxnSpPr>
+          <p:cNvPr id="47" name="曲线连接符 46">
+            <a:extLst>
+              <a:ext uri="{FF2B5EF4-FFF2-40B4-BE49-F238E27FC236}">
+                <a16:creationId xmlns:a16="http://schemas.microsoft.com/office/drawing/2014/main" id="{71D01BD2-94A1-254B-8FC3-035C7FAF65A2}"/>
+              </a:ext>
+            </a:extLst>
+          </p:cNvPr>
+          <p:cNvCxnSpPr>
+            <a:stCxn id="17" idx="1"/>
+            <a:endCxn id="4" idx="3"/>
+          </p:cNvCxnSpPr>
+          <p:nvPr/>
+        </p:nvCxnSpPr>
+        <p:spPr>
+          <a:xfrm rot="10800000">
+            <a:off x="2123728" y="3681697"/>
+            <a:ext cx="1518970" cy="2419099"/>
+          </a:xfrm>
+          <a:prstGeom prst="curvedConnector3">
+            <a:avLst/>
+          </a:prstGeom>
+          <a:ln>
+            <a:solidFill>
+              <a:srgbClr val="00B0F0"/>
+            </a:solidFill>
+            <a:tailEnd type="triangle"/>
+          </a:ln>
+        </p:spPr>
+        <p:style>
+          <a:lnRef idx="1">
+            <a:schemeClr val="accent1"/>
+          </a:lnRef>
+          <a:fillRef idx="0">
+            <a:schemeClr val="accent1"/>
+          </a:fillRef>
+          <a:effectRef idx="0">
+            <a:schemeClr val="accent1"/>
+          </a:effectRef>
+          <a:fontRef idx="minor">
+            <a:schemeClr val="tx1"/>
+          </a:fontRef>
+        </p:style>
+      </p:cxnSp>
+      <p:cxnSp>
+        <p:nvCxnSpPr>
+          <p:cNvPr id="49" name="曲线连接符 48">
+            <a:extLst>
+              <a:ext uri="{FF2B5EF4-FFF2-40B4-BE49-F238E27FC236}">
+                <a16:creationId xmlns:a16="http://schemas.microsoft.com/office/drawing/2014/main" id="{6EC30C5C-EF72-7A40-94B4-B1D8D9175074}"/>
+              </a:ext>
+            </a:extLst>
+          </p:cNvPr>
+          <p:cNvCxnSpPr>
+            <a:stCxn id="18" idx="1"/>
+            <a:endCxn id="4" idx="3"/>
+          </p:cNvCxnSpPr>
+          <p:nvPr/>
+        </p:nvCxnSpPr>
+        <p:spPr>
+          <a:xfrm rot="10800000">
+            <a:off x="2123728" y="3681697"/>
+            <a:ext cx="1518970" cy="2821327"/>
+          </a:xfrm>
+          <a:prstGeom prst="curvedConnector3">
+            <a:avLst/>
+          </a:prstGeom>
+          <a:ln>
+            <a:solidFill>
+              <a:srgbClr val="00B0F0"/>
+            </a:solidFill>
+            <a:tailEnd type="triangle"/>
+          </a:ln>
+        </p:spPr>
+        <p:style>
+          <a:lnRef idx="1">
+            <a:schemeClr val="accent1"/>
+          </a:lnRef>
+          <a:fillRef idx="0">
+            <a:schemeClr val="accent1"/>
+          </a:fillRef>
+          <a:effectRef idx="0">
+            <a:schemeClr val="accent1"/>
+          </a:effectRef>
+          <a:fontRef idx="minor">
+            <a:schemeClr val="tx1"/>
+          </a:fontRef>
+        </p:style>
+      </p:cxnSp>
+      <p:cxnSp>
+        <p:nvCxnSpPr>
+          <p:cNvPr id="51" name="曲线连接符 50">
+            <a:extLst>
+              <a:ext uri="{FF2B5EF4-FFF2-40B4-BE49-F238E27FC236}">
+                <a16:creationId xmlns:a16="http://schemas.microsoft.com/office/drawing/2014/main" id="{E3A8538F-E757-894A-ABC9-F4121AA6981A}"/>
+              </a:ext>
+            </a:extLst>
+          </p:cNvPr>
+          <p:cNvCxnSpPr>
+            <a:stCxn id="5" idx="3"/>
+            <a:endCxn id="19" idx="1"/>
+          </p:cNvCxnSpPr>
+          <p:nvPr/>
+        </p:nvCxnSpPr>
+        <p:spPr>
+          <a:xfrm>
+            <a:off x="5580112" y="1291879"/>
+            <a:ext cx="1578816" cy="2386338"/>
+          </a:xfrm>
+          <a:prstGeom prst="curvedConnector3">
+            <a:avLst/>
+          </a:prstGeom>
+          <a:ln>
+            <a:solidFill>
+              <a:srgbClr val="00B050"/>
+            </a:solidFill>
+            <a:headEnd type="triangle"/>
+            <a:tailEnd type="none"/>
+          </a:ln>
+        </p:spPr>
+        <p:style>
+          <a:lnRef idx="1">
+            <a:schemeClr val="accent1"/>
+          </a:lnRef>
+          <a:fillRef idx="0">
+            <a:schemeClr val="accent1"/>
+          </a:fillRef>
+          <a:effectRef idx="0">
+            <a:schemeClr val="accent1"/>
+          </a:effectRef>
+          <a:fontRef idx="minor">
+            <a:schemeClr val="tx1"/>
+          </a:fontRef>
+        </p:style>
+      </p:cxnSp>
+      <p:cxnSp>
+        <p:nvCxnSpPr>
+          <p:cNvPr id="53" name="曲线连接符 52">
+            <a:extLst>
+              <a:ext uri="{FF2B5EF4-FFF2-40B4-BE49-F238E27FC236}">
+                <a16:creationId xmlns:a16="http://schemas.microsoft.com/office/drawing/2014/main" id="{96C83C94-F33C-EE44-BE57-8A5867A7E42C}"/>
+              </a:ext>
+            </a:extLst>
+          </p:cNvPr>
+          <p:cNvCxnSpPr>
+            <a:stCxn id="6" idx="3"/>
+            <a:endCxn id="19" idx="1"/>
+          </p:cNvCxnSpPr>
+          <p:nvPr/>
+        </p:nvCxnSpPr>
+        <p:spPr>
+          <a:xfrm>
+            <a:off x="5580112" y="1696561"/>
+            <a:ext cx="1578816" cy="1981656"/>
+          </a:xfrm>
+          <a:prstGeom prst="curvedConnector3">
+            <a:avLst/>
+          </a:prstGeom>
+          <a:ln>
+            <a:solidFill>
+              <a:srgbClr val="00B050"/>
+            </a:solidFill>
+            <a:headEnd type="triangle"/>
+            <a:tailEnd type="none"/>
+          </a:ln>
+        </p:spPr>
+        <p:style>
+          <a:lnRef idx="1">
+            <a:schemeClr val="accent1"/>
+          </a:lnRef>
+          <a:fillRef idx="0">
+            <a:schemeClr val="accent1"/>
+          </a:fillRef>
+          <a:effectRef idx="0">
+            <a:schemeClr val="accent1"/>
+          </a:effectRef>
+          <a:fontRef idx="minor">
+            <a:schemeClr val="tx1"/>
+          </a:fontRef>
+        </p:style>
+      </p:cxnSp>
+      <p:cxnSp>
+        <p:nvCxnSpPr>
+          <p:cNvPr id="55" name="曲线连接符 54">
+            <a:extLst>
+              <a:ext uri="{FF2B5EF4-FFF2-40B4-BE49-F238E27FC236}">
+                <a16:creationId xmlns:a16="http://schemas.microsoft.com/office/drawing/2014/main" id="{E95038F5-2D3F-0F47-A908-5C11962E6770}"/>
+              </a:ext>
+            </a:extLst>
+          </p:cNvPr>
+          <p:cNvCxnSpPr>
+            <a:stCxn id="8" idx="3"/>
+            <a:endCxn id="19" idx="1"/>
+          </p:cNvCxnSpPr>
+          <p:nvPr/>
+        </p:nvCxnSpPr>
+        <p:spPr>
+          <a:xfrm>
+            <a:off x="5580112" y="2498881"/>
+            <a:ext cx="1578816" cy="1179336"/>
+          </a:xfrm>
+          <a:prstGeom prst="curvedConnector3">
+            <a:avLst/>
+          </a:prstGeom>
+          <a:ln>
+            <a:solidFill>
+              <a:srgbClr val="00B050"/>
+            </a:solidFill>
+            <a:headEnd type="triangle"/>
+            <a:tailEnd type="none"/>
+          </a:ln>
+        </p:spPr>
+        <p:style>
+          <a:lnRef idx="1">
+            <a:schemeClr val="accent1"/>
+          </a:lnRef>
+          <a:fillRef idx="0">
+            <a:schemeClr val="accent1"/>
+          </a:fillRef>
+          <a:effectRef idx="0">
+            <a:schemeClr val="accent1"/>
+          </a:effectRef>
+          <a:fontRef idx="minor">
+            <a:schemeClr val="tx1"/>
+          </a:fontRef>
+        </p:style>
+      </p:cxnSp>
+      <p:cxnSp>
+        <p:nvCxnSpPr>
+          <p:cNvPr id="57" name="曲线连接符 56">
+            <a:extLst>
+              <a:ext uri="{FF2B5EF4-FFF2-40B4-BE49-F238E27FC236}">
+                <a16:creationId xmlns:a16="http://schemas.microsoft.com/office/drawing/2014/main" id="{CF192EBD-D514-B349-B51C-BECE26CC9F55}"/>
+              </a:ext>
+            </a:extLst>
+          </p:cNvPr>
+          <p:cNvCxnSpPr>
+            <a:cxnSpLocks/>
+            <a:stCxn id="7" idx="3"/>
+            <a:endCxn id="19" idx="1"/>
+          </p:cNvCxnSpPr>
+          <p:nvPr/>
+        </p:nvCxnSpPr>
+        <p:spPr>
+          <a:xfrm>
+            <a:off x="5580112" y="2098241"/>
+            <a:ext cx="1578816" cy="1579976"/>
+          </a:xfrm>
+          <a:prstGeom prst="curvedConnector3">
+            <a:avLst/>
+          </a:prstGeom>
+          <a:ln>
+            <a:solidFill>
+              <a:srgbClr val="00B050"/>
+            </a:solidFill>
+            <a:headEnd type="triangle"/>
+            <a:tailEnd type="none"/>
+          </a:ln>
+        </p:spPr>
+        <p:style>
+          <a:lnRef idx="1">
+            <a:schemeClr val="accent1"/>
+          </a:lnRef>
+          <a:fillRef idx="0">
+            <a:schemeClr val="accent1"/>
+          </a:fillRef>
+          <a:effectRef idx="0">
+            <a:schemeClr val="accent1"/>
+          </a:effectRef>
+          <a:fontRef idx="minor">
+            <a:schemeClr val="tx1"/>
+          </a:fontRef>
+        </p:style>
+      </p:cxnSp>
+      <p:cxnSp>
+        <p:nvCxnSpPr>
+          <p:cNvPr id="59" name="曲线连接符 58">
+            <a:extLst>
+              <a:ext uri="{FF2B5EF4-FFF2-40B4-BE49-F238E27FC236}">
+                <a16:creationId xmlns:a16="http://schemas.microsoft.com/office/drawing/2014/main" id="{7015675C-9207-CE4A-A731-C8DA928220ED}"/>
+              </a:ext>
+            </a:extLst>
+          </p:cNvPr>
+          <p:cNvCxnSpPr>
+            <a:stCxn id="10" idx="3"/>
+            <a:endCxn id="19" idx="1"/>
+          </p:cNvCxnSpPr>
+          <p:nvPr/>
+        </p:nvCxnSpPr>
+        <p:spPr>
+          <a:xfrm>
+            <a:off x="5578510" y="3295856"/>
+            <a:ext cx="1580418" cy="382361"/>
+          </a:xfrm>
+          <a:prstGeom prst="curvedConnector3">
+            <a:avLst/>
+          </a:prstGeom>
+          <a:ln>
+            <a:solidFill>
+              <a:srgbClr val="00B050"/>
+            </a:solidFill>
+            <a:headEnd type="triangle"/>
+            <a:tailEnd type="none"/>
+          </a:ln>
+        </p:spPr>
+        <p:style>
+          <a:lnRef idx="1">
+            <a:schemeClr val="accent1"/>
+          </a:lnRef>
+          <a:fillRef idx="0">
+            <a:schemeClr val="accent1"/>
+          </a:fillRef>
+          <a:effectRef idx="0">
+            <a:schemeClr val="accent1"/>
+          </a:effectRef>
+          <a:fontRef idx="minor">
+            <a:schemeClr val="tx1"/>
+          </a:fontRef>
+        </p:style>
+      </p:cxnSp>
+      <p:cxnSp>
+        <p:nvCxnSpPr>
+          <p:cNvPr id="61" name="曲线连接符 60">
+            <a:extLst>
+              <a:ext uri="{FF2B5EF4-FFF2-40B4-BE49-F238E27FC236}">
+                <a16:creationId xmlns:a16="http://schemas.microsoft.com/office/drawing/2014/main" id="{998402C7-DA0B-F645-A57E-A4F63F433802}"/>
+              </a:ext>
+            </a:extLst>
+          </p:cNvPr>
+          <p:cNvCxnSpPr>
+            <a:stCxn id="11" idx="3"/>
+            <a:endCxn id="19" idx="1"/>
+          </p:cNvCxnSpPr>
+          <p:nvPr/>
+        </p:nvCxnSpPr>
+        <p:spPr>
+          <a:xfrm flipV="1">
+            <a:off x="5575815" y="3678217"/>
+            <a:ext cx="1583113" cy="13420"/>
+          </a:xfrm>
+          <a:prstGeom prst="curvedConnector3">
+            <a:avLst/>
+          </a:prstGeom>
+          <a:ln>
+            <a:solidFill>
+              <a:srgbClr val="00B050"/>
+            </a:solidFill>
+            <a:headEnd type="triangle"/>
+            <a:tailEnd type="none"/>
+          </a:ln>
+        </p:spPr>
+        <p:style>
+          <a:lnRef idx="1">
+            <a:schemeClr val="accent1"/>
+          </a:lnRef>
+          <a:fillRef idx="0">
+            <a:schemeClr val="accent1"/>
+          </a:fillRef>
+          <a:effectRef idx="0">
+            <a:schemeClr val="accent1"/>
+          </a:effectRef>
+          <a:fontRef idx="minor">
+            <a:schemeClr val="tx1"/>
+          </a:fontRef>
+        </p:style>
+      </p:cxnSp>
+      <p:cxnSp>
+        <p:nvCxnSpPr>
+          <p:cNvPr id="63" name="曲线连接符 62">
+            <a:extLst>
+              <a:ext uri="{FF2B5EF4-FFF2-40B4-BE49-F238E27FC236}">
+                <a16:creationId xmlns:a16="http://schemas.microsoft.com/office/drawing/2014/main" id="{FFB5AC18-30A9-744C-A938-31FD876F88D8}"/>
+              </a:ext>
+            </a:extLst>
+          </p:cNvPr>
+          <p:cNvCxnSpPr>
+            <a:stCxn id="12" idx="3"/>
+            <a:endCxn id="19" idx="1"/>
+          </p:cNvCxnSpPr>
+          <p:nvPr/>
+        </p:nvCxnSpPr>
+        <p:spPr>
+          <a:xfrm flipV="1">
+            <a:off x="5577305" y="3678217"/>
+            <a:ext cx="1581623" cy="414614"/>
+          </a:xfrm>
+          <a:prstGeom prst="curvedConnector3">
+            <a:avLst/>
+          </a:prstGeom>
+          <a:ln>
+            <a:solidFill>
+              <a:srgbClr val="00B050"/>
+            </a:solidFill>
+            <a:headEnd type="triangle"/>
+            <a:tailEnd type="none"/>
+          </a:ln>
+        </p:spPr>
+        <p:style>
+          <a:lnRef idx="1">
+            <a:schemeClr val="accent1"/>
+          </a:lnRef>
+          <a:fillRef idx="0">
+            <a:schemeClr val="accent1"/>
+          </a:fillRef>
+          <a:effectRef idx="0">
+            <a:schemeClr val="accent1"/>
+          </a:effectRef>
+          <a:fontRef idx="minor">
+            <a:schemeClr val="tx1"/>
+          </a:fontRef>
+        </p:style>
+      </p:cxnSp>
+      <p:cxnSp>
+        <p:nvCxnSpPr>
+          <p:cNvPr id="65" name="曲线连接符 64">
+            <a:extLst>
+              <a:ext uri="{FF2B5EF4-FFF2-40B4-BE49-F238E27FC236}">
+                <a16:creationId xmlns:a16="http://schemas.microsoft.com/office/drawing/2014/main" id="{09D82ADF-151E-6D4E-A2A8-27655ACC5B43}"/>
+              </a:ext>
+            </a:extLst>
+          </p:cNvPr>
+          <p:cNvCxnSpPr>
+            <a:stCxn id="13" idx="3"/>
+            <a:endCxn id="19" idx="1"/>
+          </p:cNvCxnSpPr>
+          <p:nvPr/>
+        </p:nvCxnSpPr>
+        <p:spPr>
+          <a:xfrm flipV="1">
+            <a:off x="5575815" y="3678217"/>
+            <a:ext cx="1583113" cy="815254"/>
+          </a:xfrm>
+          <a:prstGeom prst="curvedConnector3">
+            <a:avLst/>
+          </a:prstGeom>
+          <a:ln>
+            <a:solidFill>
+              <a:srgbClr val="00B050"/>
+            </a:solidFill>
+            <a:headEnd type="triangle"/>
+            <a:tailEnd type="none"/>
+          </a:ln>
+        </p:spPr>
+        <p:style>
+          <a:lnRef idx="1">
+            <a:schemeClr val="accent1"/>
+          </a:lnRef>
+          <a:fillRef idx="0">
+            <a:schemeClr val="accent1"/>
+          </a:fillRef>
+          <a:effectRef idx="0">
+            <a:schemeClr val="accent1"/>
+          </a:effectRef>
+          <a:fontRef idx="minor">
+            <a:schemeClr val="tx1"/>
+          </a:fontRef>
+        </p:style>
+      </p:cxnSp>
+      <p:cxnSp>
+        <p:nvCxnSpPr>
+          <p:cNvPr id="67" name="曲线连接符 66">
+            <a:extLst>
+              <a:ext uri="{FF2B5EF4-FFF2-40B4-BE49-F238E27FC236}">
+                <a16:creationId xmlns:a16="http://schemas.microsoft.com/office/drawing/2014/main" id="{0A79295B-18B8-CC41-8BCA-E66C454F6F18}"/>
+              </a:ext>
+            </a:extLst>
+          </p:cNvPr>
+          <p:cNvCxnSpPr>
+            <a:stCxn id="14" idx="3"/>
+            <a:endCxn id="19" idx="1"/>
+          </p:cNvCxnSpPr>
+          <p:nvPr/>
+        </p:nvCxnSpPr>
+        <p:spPr>
+          <a:xfrm flipV="1">
+            <a:off x="5575815" y="3678217"/>
+            <a:ext cx="1583113" cy="1215894"/>
+          </a:xfrm>
+          <a:prstGeom prst="curvedConnector3">
+            <a:avLst/>
+          </a:prstGeom>
+          <a:ln>
+            <a:solidFill>
+              <a:srgbClr val="00B050"/>
+            </a:solidFill>
+            <a:headEnd type="triangle"/>
+            <a:tailEnd type="none"/>
+          </a:ln>
+        </p:spPr>
+        <p:style>
+          <a:lnRef idx="1">
+            <a:schemeClr val="accent1"/>
+          </a:lnRef>
+          <a:fillRef idx="0">
+            <a:schemeClr val="accent1"/>
+          </a:fillRef>
+          <a:effectRef idx="0">
+            <a:schemeClr val="accent1"/>
+          </a:effectRef>
+          <a:fontRef idx="minor">
+            <a:schemeClr val="tx1"/>
+          </a:fontRef>
+        </p:style>
+      </p:cxnSp>
+      <p:cxnSp>
+        <p:nvCxnSpPr>
+          <p:cNvPr id="69" name="曲线连接符 68">
+            <a:extLst>
+              <a:ext uri="{FF2B5EF4-FFF2-40B4-BE49-F238E27FC236}">
+                <a16:creationId xmlns:a16="http://schemas.microsoft.com/office/drawing/2014/main" id="{9BED2651-BD8E-0243-BC1D-11D53B35EFB4}"/>
+              </a:ext>
+            </a:extLst>
+          </p:cNvPr>
+          <p:cNvCxnSpPr>
+            <a:stCxn id="15" idx="3"/>
+            <a:endCxn id="19" idx="1"/>
+          </p:cNvCxnSpPr>
+          <p:nvPr/>
+        </p:nvCxnSpPr>
+        <p:spPr>
+          <a:xfrm flipV="1">
+            <a:off x="5575815" y="3678217"/>
+            <a:ext cx="1583113" cy="1618122"/>
+          </a:xfrm>
+          <a:prstGeom prst="curvedConnector3">
+            <a:avLst/>
+          </a:prstGeom>
+          <a:ln>
+            <a:solidFill>
+              <a:srgbClr val="00B050"/>
+            </a:solidFill>
+            <a:headEnd type="triangle"/>
+            <a:tailEnd type="none"/>
+          </a:ln>
+        </p:spPr>
+        <p:style>
+          <a:lnRef idx="1">
+            <a:schemeClr val="accent1"/>
+          </a:lnRef>
+          <a:fillRef idx="0">
+            <a:schemeClr val="accent1"/>
+          </a:fillRef>
+          <a:effectRef idx="0">
+            <a:schemeClr val="accent1"/>
+          </a:effectRef>
+          <a:fontRef idx="minor">
+            <a:schemeClr val="tx1"/>
+          </a:fontRef>
+        </p:style>
+      </p:cxnSp>
+      <p:cxnSp>
+        <p:nvCxnSpPr>
+          <p:cNvPr id="71" name="曲线连接符 70">
+            <a:extLst>
+              <a:ext uri="{FF2B5EF4-FFF2-40B4-BE49-F238E27FC236}">
+                <a16:creationId xmlns:a16="http://schemas.microsoft.com/office/drawing/2014/main" id="{3C483E98-E275-FF4D-B431-5D516FDFAC6D}"/>
+              </a:ext>
+            </a:extLst>
+          </p:cNvPr>
+          <p:cNvCxnSpPr>
+            <a:stCxn id="16" idx="3"/>
+            <a:endCxn id="19" idx="1"/>
+          </p:cNvCxnSpPr>
+          <p:nvPr/>
+        </p:nvCxnSpPr>
+        <p:spPr>
+          <a:xfrm flipV="1">
+            <a:off x="5575815" y="3678217"/>
+            <a:ext cx="1583113" cy="2020350"/>
+          </a:xfrm>
+          <a:prstGeom prst="curvedConnector3">
+            <a:avLst/>
+          </a:prstGeom>
+          <a:ln>
+            <a:solidFill>
+              <a:srgbClr val="00B050"/>
+            </a:solidFill>
+            <a:headEnd type="triangle"/>
+            <a:tailEnd type="none"/>
+          </a:ln>
+        </p:spPr>
+        <p:style>
+          <a:lnRef idx="1">
+            <a:schemeClr val="accent1"/>
+          </a:lnRef>
+          <a:fillRef idx="0">
+            <a:schemeClr val="accent1"/>
+          </a:fillRef>
+          <a:effectRef idx="0">
+            <a:schemeClr val="accent1"/>
+          </a:effectRef>
+          <a:fontRef idx="minor">
+            <a:schemeClr val="tx1"/>
+          </a:fontRef>
+        </p:style>
+      </p:cxnSp>
+      <p:cxnSp>
+        <p:nvCxnSpPr>
+          <p:cNvPr id="73" name="曲线连接符 72">
+            <a:extLst>
+              <a:ext uri="{FF2B5EF4-FFF2-40B4-BE49-F238E27FC236}">
+                <a16:creationId xmlns:a16="http://schemas.microsoft.com/office/drawing/2014/main" id="{9E9326D5-6274-5449-906F-453F925977E1}"/>
+              </a:ext>
+            </a:extLst>
+          </p:cNvPr>
+          <p:cNvCxnSpPr>
+            <a:stCxn id="17" idx="3"/>
+            <a:endCxn id="19" idx="1"/>
+          </p:cNvCxnSpPr>
+          <p:nvPr/>
+        </p:nvCxnSpPr>
+        <p:spPr>
+          <a:xfrm flipV="1">
+            <a:off x="5575815" y="3678217"/>
+            <a:ext cx="1583113" cy="2422578"/>
+          </a:xfrm>
+          <a:prstGeom prst="curvedConnector3">
+            <a:avLst/>
+          </a:prstGeom>
+          <a:ln>
+            <a:solidFill>
+              <a:srgbClr val="00B050"/>
+            </a:solidFill>
+            <a:headEnd type="triangle"/>
+            <a:tailEnd type="none"/>
+          </a:ln>
+        </p:spPr>
+        <p:style>
+          <a:lnRef idx="1">
+            <a:schemeClr val="accent1"/>
+          </a:lnRef>
+          <a:fillRef idx="0">
+            <a:schemeClr val="accent1"/>
+          </a:fillRef>
+          <a:effectRef idx="0">
+            <a:schemeClr val="accent1"/>
+          </a:effectRef>
+          <a:fontRef idx="minor">
+            <a:schemeClr val="tx1"/>
+          </a:fontRef>
+        </p:style>
+      </p:cxnSp>
+      <p:cxnSp>
+        <p:nvCxnSpPr>
+          <p:cNvPr id="75" name="曲线连接符 74">
+            <a:extLst>
+              <a:ext uri="{FF2B5EF4-FFF2-40B4-BE49-F238E27FC236}">
+                <a16:creationId xmlns:a16="http://schemas.microsoft.com/office/drawing/2014/main" id="{9C33A6D2-CA9D-034C-87E6-4094234B3D75}"/>
+              </a:ext>
+            </a:extLst>
+          </p:cNvPr>
+          <p:cNvCxnSpPr>
+            <a:stCxn id="18" idx="3"/>
+            <a:endCxn id="19" idx="1"/>
+          </p:cNvCxnSpPr>
+          <p:nvPr/>
+        </p:nvCxnSpPr>
+        <p:spPr>
+          <a:xfrm flipV="1">
+            <a:off x="5575815" y="3678217"/>
+            <a:ext cx="1583113" cy="2824806"/>
+          </a:xfrm>
+          <a:prstGeom prst="curvedConnector3">
+            <a:avLst/>
+          </a:prstGeom>
+          <a:ln>
+            <a:solidFill>
+              <a:srgbClr val="00B050"/>
+            </a:solidFill>
+            <a:headEnd type="triangle"/>
+            <a:tailEnd type="none"/>
+          </a:ln>
+        </p:spPr>
+        <p:style>
+          <a:lnRef idx="1">
+            <a:schemeClr val="accent1"/>
+          </a:lnRef>
+          <a:fillRef idx="0">
+            <a:schemeClr val="accent1"/>
+          </a:fillRef>
+          <a:effectRef idx="0">
+            <a:schemeClr val="accent1"/>
+          </a:effectRef>
+          <a:fontRef idx="minor">
+            <a:schemeClr val="tx1"/>
+          </a:fontRef>
+        </p:style>
+      </p:cxnSp>
+      <p:cxnSp>
+        <p:nvCxnSpPr>
+          <p:cNvPr id="90" name="曲线连接符 89">
+            <a:extLst>
+              <a:ext uri="{FF2B5EF4-FFF2-40B4-BE49-F238E27FC236}">
+                <a16:creationId xmlns:a16="http://schemas.microsoft.com/office/drawing/2014/main" id="{F66F1394-A879-3C44-B19E-D79C6C855D37}"/>
+              </a:ext>
+            </a:extLst>
+          </p:cNvPr>
+          <p:cNvCxnSpPr>
+            <a:stCxn id="9" idx="3"/>
+            <a:endCxn id="19" idx="1"/>
+          </p:cNvCxnSpPr>
+          <p:nvPr/>
+        </p:nvCxnSpPr>
+        <p:spPr>
+          <a:xfrm>
+            <a:off x="5575815" y="2899521"/>
+            <a:ext cx="1583113" cy="778696"/>
+          </a:xfrm>
+          <a:prstGeom prst="curvedConnector3">
+            <a:avLst/>
+          </a:prstGeom>
+          <a:ln>
+            <a:solidFill>
+              <a:srgbClr val="00B050"/>
+            </a:solidFill>
+            <a:headEnd type="triangle"/>
+            <a:tailEnd type="none"/>
+          </a:ln>
+        </p:spPr>
+        <p:style>
+          <a:lnRef idx="1">
+            <a:schemeClr val="accent1"/>
+          </a:lnRef>
+          <a:fillRef idx="0">
+            <a:schemeClr val="accent1"/>
+          </a:fillRef>
+          <a:effectRef idx="0">
+            <a:schemeClr val="accent1"/>
+          </a:effectRef>
+          <a:fontRef idx="minor">
+            <a:schemeClr val="tx1"/>
+          </a:fontRef>
+        </p:style>
+      </p:cxnSp>
+      <p:sp>
+        <p:nvSpPr>
+          <p:cNvPr id="105" name="文本框 104">
+            <a:extLst>
+              <a:ext uri="{FF2B5EF4-FFF2-40B4-BE49-F238E27FC236}">
+                <a16:creationId xmlns:a16="http://schemas.microsoft.com/office/drawing/2014/main" id="{99B96D05-FAB1-0C44-B0D2-DA08D4466622}"/>
+              </a:ext>
+            </a:extLst>
+          </p:cNvPr>
+          <p:cNvSpPr txBox="1"/>
+          <p:nvPr/>
+        </p:nvSpPr>
+        <p:spPr>
+          <a:xfrm>
+            <a:off x="622659" y="1548685"/>
+            <a:ext cx="1445520" cy="646331"/>
+          </a:xfrm>
+          <a:prstGeom prst="rect">
+            <a:avLst/>
+          </a:prstGeom>
+          <a:noFill/>
+        </p:spPr>
+        <p:txBody>
+          <a:bodyPr wrap="square" rtlCol="0">
+            <a:spAutoFit/>
+          </a:bodyPr>
+          <a:lstStyle/>
+          <a:p>
+            <a:r>
+              <a:rPr kumimoji="1" lang="en-US" altLang="zh-CN" dirty="0"/>
+              <a:t>Redis</a:t>
+            </a:r>
+            <a:r>
+              <a:rPr kumimoji="1" lang="zh-CN" altLang="en-US" dirty="0"/>
+              <a:t>命令类映射关系图</a:t>
+            </a:r>
+          </a:p>
+        </p:txBody>
+      </p:sp>
+      <p:sp>
+        <p:nvSpPr>
+          <p:cNvPr id="106" name="文本框 105">
+            <a:extLst>
+              <a:ext uri="{FF2B5EF4-FFF2-40B4-BE49-F238E27FC236}">
+                <a16:creationId xmlns:a16="http://schemas.microsoft.com/office/drawing/2014/main" id="{7EA4C7A3-115E-FE41-A2CA-48608AB97BD3}"/>
+              </a:ext>
+            </a:extLst>
+          </p:cNvPr>
+          <p:cNvSpPr txBox="1"/>
+          <p:nvPr/>
+        </p:nvSpPr>
+        <p:spPr>
+          <a:xfrm>
+            <a:off x="6732240" y="1467730"/>
+            <a:ext cx="1938855" cy="923330"/>
+          </a:xfrm>
+          <a:prstGeom prst="rect">
+            <a:avLst/>
+          </a:prstGeom>
+          <a:noFill/>
+        </p:spPr>
+        <p:txBody>
+          <a:bodyPr wrap="square" rtlCol="0">
+            <a:spAutoFit/>
+          </a:bodyPr>
+          <a:lstStyle/>
+          <a:p>
+            <a:r>
+              <a:rPr kumimoji="1" lang="zh-CN" altLang="en-US" dirty="0"/>
+              <a:t>每个</a:t>
+            </a:r>
+            <a:r>
+              <a:rPr kumimoji="1" lang="en-US" altLang="zh-CN" dirty="0"/>
+              <a:t>Redis</a:t>
+            </a:r>
+            <a:r>
+              <a:rPr kumimoji="1" lang="zh-CN" altLang="en-US" dirty="0"/>
+              <a:t>命令在类内部对应一个或多个方法接口</a:t>
+            </a:r>
+          </a:p>
+        </p:txBody>
+      </p:sp>
+      <p:sp>
+        <p:nvSpPr>
+          <p:cNvPr id="107" name="文本框 106">
+            <a:extLst>
+              <a:ext uri="{FF2B5EF4-FFF2-40B4-BE49-F238E27FC236}">
+                <a16:creationId xmlns:a16="http://schemas.microsoft.com/office/drawing/2014/main" id="{E5381406-EB5E-E548-89C0-2E9B45C7D1E0}"/>
+              </a:ext>
+            </a:extLst>
+          </p:cNvPr>
+          <p:cNvSpPr txBox="1"/>
+          <p:nvPr/>
+        </p:nvSpPr>
+        <p:spPr>
+          <a:xfrm>
+            <a:off x="457202" y="4907828"/>
+            <a:ext cx="1810542" cy="646331"/>
+          </a:xfrm>
+          <a:prstGeom prst="rect">
+            <a:avLst/>
+          </a:prstGeom>
+          <a:noFill/>
+        </p:spPr>
+        <p:txBody>
+          <a:bodyPr wrap="square" rtlCol="0">
+            <a:spAutoFit/>
+          </a:bodyPr>
+          <a:lstStyle/>
+          <a:p>
+            <a:r>
+              <a:rPr kumimoji="1" lang="zh-CN" altLang="en-US" dirty="0"/>
+              <a:t>所有的类都继承于同一个基类</a:t>
+            </a:r>
+          </a:p>
+        </p:txBody>
+      </p:sp>
+      <p:sp>
+        <p:nvSpPr>
+          <p:cNvPr id="108" name="文本框 107">
+            <a:extLst>
+              <a:ext uri="{FF2B5EF4-FFF2-40B4-BE49-F238E27FC236}">
+                <a16:creationId xmlns:a16="http://schemas.microsoft.com/office/drawing/2014/main" id="{87BE67E6-212A-8544-ACA8-4DF1AC2CB284}"/>
+              </a:ext>
+            </a:extLst>
+          </p:cNvPr>
+          <p:cNvSpPr txBox="1"/>
+          <p:nvPr/>
+        </p:nvSpPr>
+        <p:spPr>
+          <a:xfrm>
+            <a:off x="6732240" y="4965374"/>
+            <a:ext cx="2072530" cy="646331"/>
+          </a:xfrm>
+          <a:prstGeom prst="rect">
+            <a:avLst/>
+          </a:prstGeom>
+          <a:noFill/>
+        </p:spPr>
+        <p:txBody>
+          <a:bodyPr wrap="square" rtlCol="0">
+            <a:spAutoFit/>
+          </a:bodyPr>
+          <a:lstStyle/>
+          <a:p>
+            <a:r>
+              <a:rPr kumimoji="1" lang="zh-CN" altLang="en-US" dirty="0"/>
+              <a:t>一个统一的子类继承了所有命令类</a:t>
+            </a:r>
+          </a:p>
+        </p:txBody>
+      </p:sp>
     </p:spTree>
     <p:extLst>
       <p:ext uri="{BB962C8B-B14F-4D97-AF65-F5344CB8AC3E}">
-        <p14:creationId xmlns:p14="http://schemas.microsoft.com/office/powerpoint/2010/main" val="4034950950"/>
+        <p14:creationId xmlns:p14="http://schemas.microsoft.com/office/powerpoint/2010/main" val="95693272"/>
       </p:ext>
     </p:extLst>
   </p:cSld>
@@ -7997,6 +10126,120 @@
           <p:cNvPr id="2" name="标题 1">
             <a:extLst>
               <a:ext uri="{FF2B5EF4-FFF2-40B4-BE49-F238E27FC236}">
+                <a16:creationId xmlns:a16="http://schemas.microsoft.com/office/drawing/2014/main" id="{2A88D221-36EC-1C4A-86A7-23994D948939}"/>
+              </a:ext>
+            </a:extLst>
+          </p:cNvPr>
+          <p:cNvSpPr>
+            <a:spLocks noGrp="1"/>
+          </p:cNvSpPr>
+          <p:nvPr>
+            <p:ph type="title"/>
+          </p:nvPr>
+        </p:nvSpPr>
+        <p:spPr/>
+        <p:txBody>
+          <a:bodyPr/>
+          <a:lstStyle/>
+          <a:p>
+            <a:r>
+              <a:rPr kumimoji="1" lang="zh-CN" altLang="en-US" dirty="0"/>
+              <a:t>使用</a:t>
+            </a:r>
+            <a:r>
+              <a:rPr kumimoji="1" lang="en-US" altLang="zh-CN" dirty="0"/>
+              <a:t>Acl</a:t>
+            </a:r>
+            <a:r>
+              <a:rPr kumimoji="1" lang="zh-CN" altLang="en-US" dirty="0"/>
+              <a:t> </a:t>
+            </a:r>
+            <a:r>
+              <a:rPr kumimoji="1" lang="en-US" altLang="zh-CN" dirty="0"/>
+              <a:t>Redis</a:t>
+            </a:r>
+            <a:r>
+              <a:rPr kumimoji="1" lang="zh-CN" altLang="en-US" dirty="0"/>
+              <a:t>库轻松编写</a:t>
+            </a:r>
+            <a:r>
+              <a:rPr kumimoji="1" lang="en-US" altLang="zh-CN" dirty="0"/>
+              <a:t>Redis</a:t>
+            </a:r>
+            <a:r>
+              <a:rPr kumimoji="1" lang="zh-CN" altLang="en-US" dirty="0"/>
+              <a:t>应用</a:t>
+            </a:r>
+          </a:p>
+        </p:txBody>
+      </p:sp>
+      <p:pic>
+        <p:nvPicPr>
+          <p:cNvPr id="10" name="内容占位符 9">
+            <a:extLst>
+              <a:ext uri="{FF2B5EF4-FFF2-40B4-BE49-F238E27FC236}">
+                <a16:creationId xmlns:a16="http://schemas.microsoft.com/office/drawing/2014/main" id="{F05670E7-C3CD-C64F-BE30-4EBF74CF1CB5}"/>
+              </a:ext>
+            </a:extLst>
+          </p:cNvPr>
+          <p:cNvPicPr>
+            <a:picLocks noGrp="1" noChangeAspect="1"/>
+          </p:cNvPicPr>
+          <p:nvPr>
+            <p:ph idx="1"/>
+          </p:nvPr>
+        </p:nvPicPr>
+        <p:blipFill>
+          <a:blip r:embed="rId2"/>
+          <a:stretch>
+            <a:fillRect/>
+          </a:stretch>
+        </p:blipFill>
+        <p:spPr>
+          <a:xfrm>
+            <a:off x="323528" y="1047750"/>
+            <a:ext cx="8424935" cy="5143500"/>
+          </a:xfrm>
+          <a:prstGeom prst="rect">
+            <a:avLst/>
+          </a:prstGeom>
+        </p:spPr>
+      </p:pic>
+    </p:spTree>
+    <p:extLst>
+      <p:ext uri="{BB962C8B-B14F-4D97-AF65-F5344CB8AC3E}">
+        <p14:creationId xmlns:p14="http://schemas.microsoft.com/office/powerpoint/2010/main" val="4034950950"/>
+      </p:ext>
+    </p:extLst>
+  </p:cSld>
+  <p:clrMapOvr>
+    <a:masterClrMapping/>
+  </p:clrMapOvr>
+</p:sld>
+</file>
+
+<file path=ppt/slides/slide21.xml><?xml version="1.0" encoding="utf-8"?>
+<p:sld xmlns:a="http://schemas.openxmlformats.org/drawingml/2006/main" xmlns:r="http://schemas.openxmlformats.org/officeDocument/2006/relationships" xmlns:p="http://schemas.openxmlformats.org/presentationml/2006/main">
+  <p:cSld>
+    <p:spTree>
+      <p:nvGrpSpPr>
+        <p:cNvPr id="1" name=""/>
+        <p:cNvGrpSpPr/>
+        <p:nvPr/>
+      </p:nvGrpSpPr>
+      <p:grpSpPr>
+        <a:xfrm>
+          <a:off x="0" y="0"/>
+          <a:ext cx="0" cy="0"/>
+          <a:chOff x="0" y="0"/>
+          <a:chExt cx="0" cy="0"/>
+        </a:xfrm>
+      </p:grpSpPr>
+      <p:sp>
+        <p:nvSpPr>
+          <p:cNvPr id="2" name="标题 1">
+            <a:extLst>
+              <a:ext uri="{FF2B5EF4-FFF2-40B4-BE49-F238E27FC236}">
                 <a16:creationId xmlns:a16="http://schemas.microsoft.com/office/drawing/2014/main" id="{3E212908-A92E-B14B-827A-7E53A1157DF5}"/>
               </a:ext>
             </a:extLst>
@@ -8419,7 +10662,7 @@
 </p:sld>
 </file>
 
-<file path=ppt/slides/slide21.xml><?xml version="1.0" encoding="utf-8"?>
+<file path=ppt/slides/slide22.xml><?xml version="1.0" encoding="utf-8"?>
 <p:sld xmlns:a="http://schemas.openxmlformats.org/drawingml/2006/main" xmlns:r="http://schemas.openxmlformats.org/officeDocument/2006/relationships" xmlns:p="http://schemas.openxmlformats.org/presentationml/2006/main">
   <p:cSld>
     <p:spTree>
@@ -9970,7 +12213,7 @@
 </p:sld>
 </file>
 
-<file path=ppt/slides/slide22.xml><?xml version="1.0" encoding="utf-8"?>
+<file path=ppt/slides/slide23.xml><?xml version="1.0" encoding="utf-8"?>
 <p:sld xmlns:a="http://schemas.openxmlformats.org/drawingml/2006/main" xmlns:r="http://schemas.openxmlformats.org/officeDocument/2006/relationships" xmlns:p="http://schemas.openxmlformats.org/presentationml/2006/main">
   <p:cSld>
     <p:spTree>
@@ -10084,7 +12327,7 @@
 </p:sld>
 </file>
 
-<file path=ppt/slides/slide23.xml><?xml version="1.0" encoding="utf-8"?>
+<file path=ppt/slides/slide24.xml><?xml version="1.0" encoding="utf-8"?>
 <p:sld xmlns:a="http://schemas.openxmlformats.org/drawingml/2006/main" xmlns:r="http://schemas.openxmlformats.org/officeDocument/2006/relationships" xmlns:p="http://schemas.openxmlformats.org/presentationml/2006/main">
   <p:cSld>
     <p:spTree>
@@ -10476,195 +12719,6 @@
     <p:extLst>
       <p:ext uri="{BB962C8B-B14F-4D97-AF65-F5344CB8AC3E}">
         <p14:creationId xmlns:p14="http://schemas.microsoft.com/office/powerpoint/2010/main" val="3891656050"/>
-      </p:ext>
-    </p:extLst>
-  </p:cSld>
-  <p:clrMapOvr>
-    <a:masterClrMapping/>
-  </p:clrMapOvr>
-</p:sld>
-</file>
-
-<file path=ppt/slides/slide24.xml><?xml version="1.0" encoding="utf-8"?>
-<p:sld xmlns:a="http://schemas.openxmlformats.org/drawingml/2006/main" xmlns:r="http://schemas.openxmlformats.org/officeDocument/2006/relationships" xmlns:p="http://schemas.openxmlformats.org/presentationml/2006/main">
-  <p:cSld>
-    <p:spTree>
-      <p:nvGrpSpPr>
-        <p:cNvPr id="1" name=""/>
-        <p:cNvGrpSpPr/>
-        <p:nvPr/>
-      </p:nvGrpSpPr>
-      <p:grpSpPr>
-        <a:xfrm>
-          <a:off x="0" y="0"/>
-          <a:ext cx="0" cy="0"/>
-          <a:chOff x="0" y="0"/>
-          <a:chExt cx="0" cy="0"/>
-        </a:xfrm>
-      </p:grpSpPr>
-      <p:sp>
-        <p:nvSpPr>
-          <p:cNvPr id="2" name="标题 1"/>
-          <p:cNvSpPr>
-            <a:spLocks noGrp="1"/>
-          </p:cNvSpPr>
-          <p:nvPr>
-            <p:ph type="title"/>
-          </p:nvPr>
-        </p:nvSpPr>
-        <p:spPr/>
-        <p:txBody>
-          <a:bodyPr/>
-          <a:lstStyle/>
-          <a:p>
-            <a:r>
-              <a:rPr lang="en-US" altLang="zh-CN" dirty="0" err="1"/>
-              <a:t>redis_builder</a:t>
-            </a:r>
-            <a:r>
-              <a:rPr lang="en-US" altLang="zh-CN" dirty="0"/>
-              <a:t> </a:t>
-            </a:r>
-            <a:r>
-              <a:rPr lang="zh-CN" altLang="en-US" dirty="0"/>
-              <a:t>工具使用</a:t>
-            </a:r>
-          </a:p>
-        </p:txBody>
-      </p:sp>
-      <p:sp>
-        <p:nvSpPr>
-          <p:cNvPr id="3" name="内容占位符 2"/>
-          <p:cNvSpPr>
-            <a:spLocks noGrp="1"/>
-          </p:cNvSpPr>
-          <p:nvPr>
-            <p:ph idx="1"/>
-          </p:nvPr>
-        </p:nvSpPr>
-        <p:spPr/>
-        <p:txBody>
-          <a:bodyPr/>
-          <a:lstStyle/>
-          <a:p>
-            <a:r>
-              <a:rPr lang="en-US" altLang="zh-CN" dirty="0"/>
-              <a:t>1</a:t>
-            </a:r>
-            <a:r>
-              <a:rPr lang="zh-CN" altLang="en-US" dirty="0"/>
-              <a:t>、跨平台：支持 </a:t>
-            </a:r>
-            <a:r>
-              <a:rPr lang="en-US" altLang="zh-CN" dirty="0"/>
-              <a:t>Linux/Windows</a:t>
-            </a:r>
-          </a:p>
-          <a:p>
-            <a:r>
-              <a:rPr lang="en-US" altLang="zh-CN" dirty="0"/>
-              <a:t>2</a:t>
-            </a:r>
-            <a:r>
-              <a:rPr lang="zh-CN" altLang="en-US" dirty="0"/>
-              <a:t>、支持“创建集群的建议原则”中的 </a:t>
-            </a:r>
-            <a:r>
-              <a:rPr lang="en-US" altLang="zh-CN" dirty="0"/>
-              <a:t>1– 5 </a:t>
-            </a:r>
-            <a:r>
-              <a:rPr lang="zh-CN" altLang="en-US" dirty="0"/>
-              <a:t>条</a:t>
-            </a:r>
-            <a:endParaRPr lang="en-US" altLang="zh-CN" dirty="0"/>
-          </a:p>
-          <a:p>
-            <a:r>
-              <a:rPr lang="en-US" altLang="zh-CN" dirty="0"/>
-              <a:t>3</a:t>
-            </a:r>
-            <a:r>
-              <a:rPr lang="zh-CN" altLang="en-US" dirty="0"/>
-              <a:t>、通过配置，自动创建 </a:t>
-            </a:r>
-            <a:r>
-              <a:rPr lang="en-US" altLang="zh-CN" dirty="0" err="1"/>
-              <a:t>redis</a:t>
-            </a:r>
-            <a:r>
-              <a:rPr lang="en-US" altLang="zh-CN" dirty="0"/>
-              <a:t> </a:t>
-            </a:r>
-            <a:r>
-              <a:rPr lang="zh-CN" altLang="en-US" dirty="0"/>
-              <a:t>集群，支持创建较大的 </a:t>
-            </a:r>
-            <a:r>
-              <a:rPr lang="en-US" altLang="zh-CN" dirty="0" err="1"/>
-              <a:t>redis</a:t>
-            </a:r>
-            <a:r>
-              <a:rPr lang="en-US" altLang="zh-CN" dirty="0"/>
-              <a:t> </a:t>
-            </a:r>
-            <a:r>
-              <a:rPr lang="zh-CN" altLang="en-US" dirty="0"/>
-              <a:t>集群</a:t>
-            </a:r>
-            <a:endParaRPr lang="en-US" altLang="zh-CN" dirty="0"/>
-          </a:p>
-          <a:p>
-            <a:r>
-              <a:rPr lang="en-US" altLang="zh-CN" dirty="0"/>
-              <a:t>4</a:t>
-            </a:r>
-            <a:r>
-              <a:rPr lang="zh-CN" altLang="en-US" dirty="0"/>
-              <a:t>、丰富的集群管理能力</a:t>
-            </a:r>
-            <a:endParaRPr lang="en-US" altLang="zh-CN" dirty="0"/>
-          </a:p>
-          <a:p>
-            <a:r>
-              <a:rPr lang="en-US" altLang="zh-CN" dirty="0"/>
-              <a:t>5</a:t>
-            </a:r>
-            <a:r>
-              <a:rPr lang="zh-CN" altLang="en-US" dirty="0"/>
-              <a:t>、支持安全管理集群的能力</a:t>
-            </a:r>
-          </a:p>
-        </p:txBody>
-      </p:sp>
-      <p:pic>
-        <p:nvPicPr>
-          <p:cNvPr id="4" name="图片 3"/>
-          <p:cNvPicPr>
-            <a:picLocks noChangeAspect="1"/>
-          </p:cNvPicPr>
-          <p:nvPr/>
-        </p:nvPicPr>
-        <p:blipFill>
-          <a:blip r:embed="rId2"/>
-          <a:stretch>
-            <a:fillRect/>
-          </a:stretch>
-        </p:blipFill>
-        <p:spPr>
-          <a:xfrm>
-            <a:off x="624098" y="3068960"/>
-            <a:ext cx="7908342" cy="2880320"/>
-          </a:xfrm>
-          <a:prstGeom prst="rect">
-            <a:avLst/>
-          </a:prstGeom>
-        </p:spPr>
-      </p:pic>
-    </p:spTree>
-    <p:extLst>
-      <p:ext uri="{BB962C8B-B14F-4D97-AF65-F5344CB8AC3E}">
-        <p14:creationId xmlns:p14="http://schemas.microsoft.com/office/powerpoint/2010/main" val="2008550456"/>
       </p:ext>
     </p:extLst>
   </p:cSld>
@@ -10703,30 +12757,16 @@
         </p:nvSpPr>
         <p:spPr/>
         <p:txBody>
-          <a:bodyPr>
-            <a:normAutofit/>
-          </a:bodyPr>
+          <a:bodyPr/>
           <a:lstStyle/>
           <a:p>
             <a:r>
+              <a:rPr lang="en-US" altLang="zh-CN" dirty="0"/>
+              <a:t>redis_builder </a:t>
+            </a:r>
+            <a:r>
               <a:rPr lang="zh-CN" altLang="en-US" dirty="0"/>
-              <a:t>手工指定集群节点分布 </a:t>
-            </a:r>
-            <a:r>
-              <a:rPr lang="en-US" altLang="zh-CN" dirty="0"/>
-              <a:t>--- </a:t>
-            </a:r>
-            <a:r>
-              <a:rPr lang="en-US" altLang="zh-CN" sz="2000" dirty="0" err="1"/>
-              <a:t>redis_builder</a:t>
-            </a:r>
-            <a:r>
-              <a:rPr lang="en-US" altLang="zh-CN" sz="2000" dirty="0"/>
-              <a:t> </a:t>
-            </a:r>
-            <a:r>
-              <a:rPr lang="zh-CN" altLang="en-US" sz="2000" dirty="0"/>
-              <a:t>创建集群</a:t>
+              <a:t>工具使用</a:t>
             </a:r>
           </a:p>
         </p:txBody>
@@ -10741,6 +12781,193 @@
             <p:ph idx="1"/>
           </p:nvPr>
         </p:nvSpPr>
+        <p:spPr/>
+        <p:txBody>
+          <a:bodyPr/>
+          <a:lstStyle/>
+          <a:p>
+            <a:r>
+              <a:rPr lang="en-US" altLang="zh-CN" dirty="0"/>
+              <a:t>1</a:t>
+            </a:r>
+            <a:r>
+              <a:rPr lang="zh-CN" altLang="en-US" dirty="0"/>
+              <a:t>、跨平台：支持 </a:t>
+            </a:r>
+            <a:r>
+              <a:rPr lang="en-US" altLang="zh-CN" dirty="0"/>
+              <a:t>Linux/Windows</a:t>
+            </a:r>
+          </a:p>
+          <a:p>
+            <a:r>
+              <a:rPr lang="en-US" altLang="zh-CN" dirty="0"/>
+              <a:t>2</a:t>
+            </a:r>
+            <a:r>
+              <a:rPr lang="zh-CN" altLang="en-US" dirty="0"/>
+              <a:t>、支持“创建集群的建议原则”中的 </a:t>
+            </a:r>
+            <a:r>
+              <a:rPr lang="en-US" altLang="zh-CN" dirty="0"/>
+              <a:t>1– 5 </a:t>
+            </a:r>
+            <a:r>
+              <a:rPr lang="zh-CN" altLang="en-US" dirty="0"/>
+              <a:t>条</a:t>
+            </a:r>
+            <a:endParaRPr lang="en-US" altLang="zh-CN" dirty="0"/>
+          </a:p>
+          <a:p>
+            <a:r>
+              <a:rPr lang="en-US" altLang="zh-CN" dirty="0"/>
+              <a:t>3</a:t>
+            </a:r>
+            <a:r>
+              <a:rPr lang="zh-CN" altLang="en-US" dirty="0"/>
+              <a:t>、通过配置，自动创建 </a:t>
+            </a:r>
+            <a:r>
+              <a:rPr lang="en-US" altLang="zh-CN" dirty="0"/>
+              <a:t>redis </a:t>
+            </a:r>
+            <a:r>
+              <a:rPr lang="zh-CN" altLang="en-US" dirty="0"/>
+              <a:t>集群，支持创建较大的 </a:t>
+            </a:r>
+            <a:r>
+              <a:rPr lang="en-US" altLang="zh-CN" dirty="0"/>
+              <a:t>redis </a:t>
+            </a:r>
+            <a:r>
+              <a:rPr lang="zh-CN" altLang="en-US" dirty="0"/>
+              <a:t>集群</a:t>
+            </a:r>
+            <a:endParaRPr lang="en-US" altLang="zh-CN" dirty="0"/>
+          </a:p>
+          <a:p>
+            <a:r>
+              <a:rPr lang="en-US" altLang="zh-CN" dirty="0"/>
+              <a:t>4</a:t>
+            </a:r>
+            <a:r>
+              <a:rPr lang="zh-CN" altLang="en-US" dirty="0"/>
+              <a:t>、丰富的集群管理能力</a:t>
+            </a:r>
+            <a:endParaRPr lang="en-US" altLang="zh-CN" dirty="0"/>
+          </a:p>
+          <a:p>
+            <a:r>
+              <a:rPr lang="en-US" altLang="zh-CN" dirty="0"/>
+              <a:t>5</a:t>
+            </a:r>
+            <a:r>
+              <a:rPr lang="zh-CN" altLang="en-US" dirty="0"/>
+              <a:t>、支持安全管理集群的能力</a:t>
+            </a:r>
+          </a:p>
+        </p:txBody>
+      </p:sp>
+      <p:pic>
+        <p:nvPicPr>
+          <p:cNvPr id="4" name="图片 3"/>
+          <p:cNvPicPr>
+            <a:picLocks noChangeAspect="1"/>
+          </p:cNvPicPr>
+          <p:nvPr/>
+        </p:nvPicPr>
+        <p:blipFill>
+          <a:blip r:embed="rId2"/>
+          <a:stretch>
+            <a:fillRect/>
+          </a:stretch>
+        </p:blipFill>
+        <p:spPr>
+          <a:xfrm>
+            <a:off x="624098" y="3068960"/>
+            <a:ext cx="7908342" cy="2880320"/>
+          </a:xfrm>
+          <a:prstGeom prst="rect">
+            <a:avLst/>
+          </a:prstGeom>
+        </p:spPr>
+      </p:pic>
+    </p:spTree>
+    <p:extLst>
+      <p:ext uri="{BB962C8B-B14F-4D97-AF65-F5344CB8AC3E}">
+        <p14:creationId xmlns:p14="http://schemas.microsoft.com/office/powerpoint/2010/main" val="2008550456"/>
+      </p:ext>
+    </p:extLst>
+  </p:cSld>
+  <p:clrMapOvr>
+    <a:masterClrMapping/>
+  </p:clrMapOvr>
+</p:sld>
+</file>
+
+<file path=ppt/slides/slide26.xml><?xml version="1.0" encoding="utf-8"?>
+<p:sld xmlns:a="http://schemas.openxmlformats.org/drawingml/2006/main" xmlns:r="http://schemas.openxmlformats.org/officeDocument/2006/relationships" xmlns:p="http://schemas.openxmlformats.org/presentationml/2006/main">
+  <p:cSld>
+    <p:spTree>
+      <p:nvGrpSpPr>
+        <p:cNvPr id="1" name=""/>
+        <p:cNvGrpSpPr/>
+        <p:nvPr/>
+      </p:nvGrpSpPr>
+      <p:grpSpPr>
+        <a:xfrm>
+          <a:off x="0" y="0"/>
+          <a:ext cx="0" cy="0"/>
+          <a:chOff x="0" y="0"/>
+          <a:chExt cx="0" cy="0"/>
+        </a:xfrm>
+      </p:grpSpPr>
+      <p:sp>
+        <p:nvSpPr>
+          <p:cNvPr id="2" name="标题 1"/>
+          <p:cNvSpPr>
+            <a:spLocks noGrp="1"/>
+          </p:cNvSpPr>
+          <p:nvPr>
+            <p:ph type="title"/>
+          </p:nvPr>
+        </p:nvSpPr>
+        <p:spPr/>
+        <p:txBody>
+          <a:bodyPr>
+            <a:normAutofit/>
+          </a:bodyPr>
+          <a:lstStyle/>
+          <a:p>
+            <a:r>
+              <a:rPr lang="zh-CN" altLang="en-US" dirty="0"/>
+              <a:t>手工指定集群节点分布 </a:t>
+            </a:r>
+            <a:r>
+              <a:rPr lang="en-US" altLang="zh-CN" dirty="0"/>
+              <a:t>--- </a:t>
+            </a:r>
+            <a:r>
+              <a:rPr lang="en-US" altLang="zh-CN" sz="2000" dirty="0"/>
+              <a:t>redis_builder </a:t>
+            </a:r>
+            <a:r>
+              <a:rPr lang="zh-CN" altLang="en-US" sz="2000" dirty="0"/>
+              <a:t>创建集群</a:t>
+            </a:r>
+          </a:p>
+        </p:txBody>
+      </p:sp>
+      <p:sp>
+        <p:nvSpPr>
+          <p:cNvPr id="3" name="内容占位符 2"/>
+          <p:cNvSpPr>
+            <a:spLocks noGrp="1"/>
+          </p:cNvSpPr>
+          <p:nvPr>
+            <p:ph idx="1"/>
+          </p:nvPr>
+        </p:nvSpPr>
         <p:spPr>
           <a:xfrm>
             <a:off x="428596" y="1047733"/>
@@ -10933,15 +13160,7 @@
           <a:p>
             <a:r>
               <a:rPr lang="en-US" altLang="zh-CN" sz="1600" dirty="0"/>
-              <a:t>./</a:t>
-            </a:r>
-            <a:r>
-              <a:rPr lang="en-US" altLang="zh-CN" sz="1600" dirty="0" err="1"/>
-              <a:t>redis_builder</a:t>
-            </a:r>
-            <a:r>
-              <a:rPr lang="en-US" altLang="zh-CN" sz="1600" dirty="0"/>
-              <a:t> -a create -f cluster.xml</a:t>
+              <a:t>./redis_builder -a create -f cluster.xml</a:t>
             </a:r>
             <a:endParaRPr lang="zh-CN" altLang="en-US" sz="1600" dirty="0"/>
           </a:p>
@@ -11378,7 +13597,7 @@
 </p:sld>
 </file>
 
-<file path=ppt/slides/slide26.xml><?xml version="1.0" encoding="utf-8"?>
+<file path=ppt/slides/slide27.xml><?xml version="1.0" encoding="utf-8"?>
 <p:sld xmlns:a="http://schemas.openxmlformats.org/drawingml/2006/main" xmlns:r="http://schemas.openxmlformats.org/officeDocument/2006/relationships" xmlns:p="http://schemas.openxmlformats.org/presentationml/2006/main">
   <p:cSld>
     <p:spTree>
@@ -11419,12 +13638,8 @@
               <a:t>--- </a:t>
             </a:r>
             <a:r>
-              <a:rPr lang="en-US" altLang="zh-CN" sz="2000" dirty="0" err="1"/>
-              <a:t>redis_builder</a:t>
-            </a:r>
-            <a:r>
               <a:rPr lang="en-US" altLang="zh-CN" sz="2000" dirty="0"/>
-              <a:t> </a:t>
+              <a:t>redis_builder </a:t>
             </a:r>
             <a:r>
               <a:rPr lang="zh-CN" altLang="en-US" sz="2000" dirty="0"/>
@@ -11617,15 +13832,7 @@
           <a:p>
             <a:r>
               <a:rPr lang="en-US" altLang="zh-CN" sz="1400" dirty="0"/>
-              <a:t>./</a:t>
-            </a:r>
-            <a:r>
-              <a:rPr lang="en-US" altLang="zh-CN" sz="1400" dirty="0" err="1"/>
-              <a:t>redis_builder</a:t>
-            </a:r>
-            <a:r>
-              <a:rPr lang="en-US" altLang="zh-CN" sz="1400" dirty="0"/>
-              <a:t> -a create -f cluster.xml </a:t>
+              <a:t>./redis_builder -a create -f cluster.xml </a:t>
             </a:r>
             <a:r>
               <a:rPr lang="en-US" altLang="zh-CN" sz="1400" b="1" dirty="0"/>
@@ -11885,138 +14092,6 @@
 </p:sld>
 </file>
 
-<file path=ppt/slides/slide27.xml><?xml version="1.0" encoding="utf-8"?>
-<p:sld xmlns:a="http://schemas.openxmlformats.org/drawingml/2006/main" xmlns:r="http://schemas.openxmlformats.org/officeDocument/2006/relationships" xmlns:p="http://schemas.openxmlformats.org/presentationml/2006/main">
-  <p:cSld>
-    <p:spTree>
-      <p:nvGrpSpPr>
-        <p:cNvPr id="1" name=""/>
-        <p:cNvGrpSpPr/>
-        <p:nvPr/>
-      </p:nvGrpSpPr>
-      <p:grpSpPr>
-        <a:xfrm>
-          <a:off x="0" y="0"/>
-          <a:ext cx="0" cy="0"/>
-          <a:chOff x="0" y="0"/>
-          <a:chExt cx="0" cy="0"/>
-        </a:xfrm>
-      </p:grpSpPr>
-      <p:sp>
-        <p:nvSpPr>
-          <p:cNvPr id="2" name="标题 1"/>
-          <p:cNvSpPr>
-            <a:spLocks noGrp="1"/>
-          </p:cNvSpPr>
-          <p:nvPr>
-            <p:ph type="title"/>
-          </p:nvPr>
-        </p:nvSpPr>
-        <p:spPr/>
-        <p:txBody>
-          <a:bodyPr/>
-          <a:lstStyle/>
-          <a:p>
-            <a:r>
-              <a:rPr lang="en-US" altLang="zh-CN" dirty="0" err="1"/>
-              <a:t>redis_builder</a:t>
-            </a:r>
-            <a:r>
-              <a:rPr lang="en-US" altLang="zh-CN" dirty="0"/>
-              <a:t> </a:t>
-            </a:r>
-            <a:r>
-              <a:rPr lang="zh-CN" altLang="en-US" dirty="0"/>
-              <a:t>命令行交互界面</a:t>
-            </a:r>
-          </a:p>
-        </p:txBody>
-      </p:sp>
-      <p:sp>
-        <p:nvSpPr>
-          <p:cNvPr id="3" name="内容占位符 2"/>
-          <p:cNvSpPr>
-            <a:spLocks noGrp="1"/>
-          </p:cNvSpPr>
-          <p:nvPr>
-            <p:ph idx="1"/>
-          </p:nvPr>
-        </p:nvSpPr>
-        <p:spPr>
-          <a:xfrm>
-            <a:off x="457200" y="1124744"/>
-            <a:ext cx="8200995" cy="5066525"/>
-          </a:xfrm>
-        </p:spPr>
-        <p:txBody>
-          <a:bodyPr/>
-          <a:lstStyle/>
-          <a:p>
-            <a:endParaRPr lang="en-US" altLang="zh-CN" dirty="0"/>
-          </a:p>
-        </p:txBody>
-      </p:sp>
-      <p:pic>
-        <p:nvPicPr>
-          <p:cNvPr id="7" name="图片 6"/>
-          <p:cNvPicPr>
-            <a:picLocks noChangeAspect="1"/>
-          </p:cNvPicPr>
-          <p:nvPr/>
-        </p:nvPicPr>
-        <p:blipFill>
-          <a:blip r:embed="rId2"/>
-          <a:stretch>
-            <a:fillRect/>
-          </a:stretch>
-        </p:blipFill>
-        <p:spPr>
-          <a:xfrm>
-            <a:off x="457201" y="1124744"/>
-            <a:ext cx="8200993" cy="1704762"/>
-          </a:xfrm>
-          <a:prstGeom prst="rect">
-            <a:avLst/>
-          </a:prstGeom>
-        </p:spPr>
-      </p:pic>
-      <p:pic>
-        <p:nvPicPr>
-          <p:cNvPr id="9" name="图片 8"/>
-          <p:cNvPicPr>
-            <a:picLocks noChangeAspect="1"/>
-          </p:cNvPicPr>
-          <p:nvPr/>
-        </p:nvPicPr>
-        <p:blipFill>
-          <a:blip r:embed="rId3"/>
-          <a:stretch>
-            <a:fillRect/>
-          </a:stretch>
-        </p:blipFill>
-        <p:spPr>
-          <a:xfrm>
-            <a:off x="457201" y="2911082"/>
-            <a:ext cx="8200993" cy="3280188"/>
-          </a:xfrm>
-          <a:prstGeom prst="rect">
-            <a:avLst/>
-          </a:prstGeom>
-        </p:spPr>
-      </p:pic>
-    </p:spTree>
-    <p:extLst>
-      <p:ext uri="{BB962C8B-B14F-4D97-AF65-F5344CB8AC3E}">
-        <p14:creationId xmlns:p14="http://schemas.microsoft.com/office/powerpoint/2010/main" val="1005353876"/>
-      </p:ext>
-    </p:extLst>
-  </p:cSld>
-  <p:clrMapOvr>
-    <a:masterClrMapping/>
-  </p:clrMapOvr>
-</p:sld>
-</file>
-
 <file path=ppt/slides/slide28.xml><?xml version="1.0" encoding="utf-8"?>
 <p:sld xmlns:a="http://schemas.openxmlformats.org/drawingml/2006/main" xmlns:r="http://schemas.openxmlformats.org/officeDocument/2006/relationships" xmlns:p="http://schemas.openxmlformats.org/presentationml/2006/main">
   <p:cSld>
@@ -12050,53 +14125,47 @@
           <a:lstStyle/>
           <a:p>
             <a:r>
+              <a:rPr lang="en-US" altLang="zh-CN" dirty="0"/>
+              <a:t>redis_builder </a:t>
+            </a:r>
+            <a:r>
               <a:rPr lang="zh-CN" altLang="en-US" dirty="0"/>
-              <a:t>显示</a:t>
-            </a:r>
-            <a:r>
-              <a:rPr lang="en-US" altLang="zh-CN" dirty="0"/>
-              <a:t> </a:t>
-            </a:r>
-            <a:r>
-              <a:rPr lang="en-US" altLang="zh-CN" dirty="0" err="1"/>
-              <a:t>redis</a:t>
-            </a:r>
-            <a:r>
-              <a:rPr lang="en-US" altLang="zh-CN" dirty="0"/>
-              <a:t> </a:t>
-            </a:r>
-            <a:r>
-              <a:rPr lang="zh-CN" altLang="en-US" dirty="0"/>
-              <a:t>集群的节点分布 </a:t>
-            </a:r>
-            <a:r>
-              <a:rPr lang="en-US" altLang="zh-CN" dirty="0"/>
-              <a:t>--- </a:t>
-            </a:r>
-            <a:r>
-              <a:rPr lang="en-US" altLang="zh-CN" sz="2000" dirty="0" err="1"/>
-              <a:t>redis_builder</a:t>
-            </a:r>
-            <a:r>
-              <a:rPr lang="en-US" altLang="zh-CN" sz="2000" dirty="0"/>
-              <a:t> </a:t>
-            </a:r>
-            <a:r>
-              <a:rPr lang="zh-CN" altLang="en-US" sz="2000" dirty="0"/>
-              <a:t>使用</a:t>
-            </a:r>
+              <a:t>命令行交互界面</a:t>
+            </a:r>
+          </a:p>
+        </p:txBody>
+      </p:sp>
+      <p:sp>
+        <p:nvSpPr>
+          <p:cNvPr id="3" name="内容占位符 2"/>
+          <p:cNvSpPr>
+            <a:spLocks noGrp="1"/>
+          </p:cNvSpPr>
+          <p:nvPr>
+            <p:ph idx="1"/>
+          </p:nvPr>
+        </p:nvSpPr>
+        <p:spPr>
+          <a:xfrm>
+            <a:off x="457200" y="1124744"/>
+            <a:ext cx="8200995" cy="5066525"/>
+          </a:xfrm>
+        </p:spPr>
+        <p:txBody>
+          <a:bodyPr/>
+          <a:lstStyle/>
+          <a:p>
+            <a:endParaRPr lang="en-US" altLang="zh-CN" dirty="0"/>
           </a:p>
         </p:txBody>
       </p:sp>
       <p:pic>
         <p:nvPicPr>
-          <p:cNvPr id="4" name="内容占位符 3"/>
+          <p:cNvPr id="7" name="图片 6"/>
           <p:cNvPicPr>
-            <a:picLocks noGrp="1" noChangeAspect="1"/>
+            <a:picLocks noChangeAspect="1"/>
           </p:cNvPicPr>
-          <p:nvPr>
-            <p:ph idx="1"/>
-          </p:nvPr>
+          <p:nvPr/>
         </p:nvPicPr>
         <p:blipFill>
           <a:blip r:embed="rId2"/>
@@ -12106,8 +14175,32 @@
         </p:blipFill>
         <p:spPr>
           <a:xfrm>
-            <a:off x="457201" y="1268760"/>
-            <a:ext cx="8219255" cy="4824535"/>
+            <a:off x="457201" y="1124744"/>
+            <a:ext cx="8200993" cy="1704762"/>
+          </a:xfrm>
+          <a:prstGeom prst="rect">
+            <a:avLst/>
+          </a:prstGeom>
+        </p:spPr>
+      </p:pic>
+      <p:pic>
+        <p:nvPicPr>
+          <p:cNvPr id="9" name="图片 8"/>
+          <p:cNvPicPr>
+            <a:picLocks noChangeAspect="1"/>
+          </p:cNvPicPr>
+          <p:nvPr/>
+        </p:nvPicPr>
+        <p:blipFill>
+          <a:blip r:embed="rId3"/>
+          <a:stretch>
+            <a:fillRect/>
+          </a:stretch>
+        </p:blipFill>
+        <p:spPr>
+          <a:xfrm>
+            <a:off x="457201" y="2911082"/>
+            <a:ext cx="8200993" cy="3280188"/>
           </a:xfrm>
           <a:prstGeom prst="rect">
             <a:avLst/>
@@ -12117,7 +14210,7 @@
     </p:spTree>
     <p:extLst>
       <p:ext uri="{BB962C8B-B14F-4D97-AF65-F5344CB8AC3E}">
-        <p14:creationId xmlns:p14="http://schemas.microsoft.com/office/powerpoint/2010/main" val="371761843"/>
+        <p14:creationId xmlns:p14="http://schemas.microsoft.com/office/powerpoint/2010/main" val="1005353876"/>
       </p:ext>
     </p:extLst>
   </p:cSld>
@@ -12161,31 +14254,23 @@
           <a:p>
             <a:r>
               <a:rPr lang="zh-CN" altLang="en-US" dirty="0"/>
-              <a:t>直接运行</a:t>
-            </a:r>
-            <a:r>
-              <a:rPr lang="en-US" altLang="zh-CN" dirty="0" err="1"/>
-              <a:t>redis</a:t>
+              <a:t>显示</a:t>
             </a:r>
             <a:r>
               <a:rPr lang="en-US" altLang="zh-CN" dirty="0"/>
-              <a:t> </a:t>
+              <a:t> redis </a:t>
             </a:r>
             <a:r>
               <a:rPr lang="zh-CN" altLang="en-US" dirty="0"/>
-              <a:t>命令 </a:t>
+              <a:t>集群的节点分布 </a:t>
             </a:r>
             <a:r>
               <a:rPr lang="en-US" altLang="zh-CN" dirty="0"/>
               <a:t>--- </a:t>
             </a:r>
             <a:r>
-              <a:rPr lang="en-US" altLang="zh-CN" sz="2000" dirty="0" err="1"/>
-              <a:t>redis_builder</a:t>
-            </a:r>
-            <a:r>
               <a:rPr lang="en-US" altLang="zh-CN" sz="2000" dirty="0"/>
-              <a:t> </a:t>
+              <a:t>redis_builder </a:t>
             </a:r>
             <a:r>
               <a:rPr lang="zh-CN" altLang="en-US" sz="2000" dirty="0"/>
@@ -12205,81 +14290,15 @@
           </p:nvPr>
         </p:nvPicPr>
         <p:blipFill>
-          <a:blip r:embed="rId2">
-            <a:extLst>
-              <a:ext uri="{28A0092B-C50C-407E-A947-70E740481C1C}">
-                <a14:useLocalDpi xmlns:a14="http://schemas.microsoft.com/office/drawing/2010/main" val="0"/>
-              </a:ext>
-            </a:extLst>
-          </a:blip>
+          <a:blip r:embed="rId2"/>
           <a:stretch>
             <a:fillRect/>
           </a:stretch>
         </p:blipFill>
         <p:spPr>
           <a:xfrm>
-            <a:off x="457201" y="980728"/>
-            <a:ext cx="8147247" cy="2554153"/>
-          </a:xfrm>
-          <a:prstGeom prst="rect">
-            <a:avLst/>
-          </a:prstGeom>
-        </p:spPr>
-      </p:pic>
-      <p:pic>
-        <p:nvPicPr>
-          <p:cNvPr id="5" name="图片 4"/>
-          <p:cNvPicPr>
-            <a:picLocks noChangeAspect="1"/>
-          </p:cNvPicPr>
-          <p:nvPr/>
-        </p:nvPicPr>
-        <p:blipFill>
-          <a:blip r:embed="rId3">
-            <a:extLst>
-              <a:ext uri="{28A0092B-C50C-407E-A947-70E740481C1C}">
-                <a14:useLocalDpi xmlns:a14="http://schemas.microsoft.com/office/drawing/2010/main" val="0"/>
-              </a:ext>
-            </a:extLst>
-          </a:blip>
-          <a:stretch>
-            <a:fillRect/>
-          </a:stretch>
-        </p:blipFill>
-        <p:spPr>
-          <a:xfrm>
-            <a:off x="3923928" y="3688025"/>
-            <a:ext cx="4680520" cy="2477279"/>
-          </a:xfrm>
-          <a:prstGeom prst="rect">
-            <a:avLst/>
-          </a:prstGeom>
-        </p:spPr>
-      </p:pic>
-      <p:pic>
-        <p:nvPicPr>
-          <p:cNvPr id="6" name="图片 5"/>
-          <p:cNvPicPr>
-            <a:picLocks noChangeAspect="1"/>
-          </p:cNvPicPr>
-          <p:nvPr/>
-        </p:nvPicPr>
-        <p:blipFill>
-          <a:blip r:embed="rId4">
-            <a:extLst>
-              <a:ext uri="{28A0092B-C50C-407E-A947-70E740481C1C}">
-                <a14:useLocalDpi xmlns:a14="http://schemas.microsoft.com/office/drawing/2010/main" val="0"/>
-              </a:ext>
-            </a:extLst>
-          </a:blip>
-          <a:stretch>
-            <a:fillRect/>
-          </a:stretch>
-        </p:blipFill>
-        <p:spPr>
-          <a:xfrm>
-            <a:off x="457201" y="3688025"/>
-            <a:ext cx="3250703" cy="2477279"/>
+            <a:off x="457201" y="1268760"/>
+            <a:ext cx="8219255" cy="4824535"/>
           </a:xfrm>
           <a:prstGeom prst="rect">
             <a:avLst/>
@@ -12289,7 +14308,7 @@
     </p:spTree>
     <p:extLst>
       <p:ext uri="{BB962C8B-B14F-4D97-AF65-F5344CB8AC3E}">
-        <p14:creationId xmlns:p14="http://schemas.microsoft.com/office/powerpoint/2010/main" val="1000878735"/>
+        <p14:creationId xmlns:p14="http://schemas.microsoft.com/office/powerpoint/2010/main" val="371761843"/>
       </p:ext>
     </p:extLst>
   </p:cSld>
@@ -12483,31 +14502,23 @@
           <a:p>
             <a:r>
               <a:rPr lang="zh-CN" altLang="en-US" dirty="0"/>
-              <a:t>显示 </a:t>
-            </a:r>
-            <a:r>
-              <a:rPr lang="en-US" altLang="zh-CN" dirty="0" err="1"/>
-              <a:t>redis</a:t>
+              <a:t>直接运行</a:t>
             </a:r>
             <a:r>
               <a:rPr lang="en-US" altLang="zh-CN" dirty="0"/>
-              <a:t> </a:t>
+              <a:t>redis </a:t>
             </a:r>
             <a:r>
               <a:rPr lang="zh-CN" altLang="en-US" dirty="0"/>
-              <a:t>集群的运行状态 </a:t>
+              <a:t>命令 </a:t>
             </a:r>
             <a:r>
               <a:rPr lang="en-US" altLang="zh-CN" dirty="0"/>
               <a:t>--- </a:t>
             </a:r>
             <a:r>
-              <a:rPr lang="en-US" altLang="zh-CN" sz="2000" dirty="0" err="1"/>
-              <a:t>redis_builder</a:t>
-            </a:r>
-            <a:r>
               <a:rPr lang="en-US" altLang="zh-CN" sz="2000" dirty="0"/>
-              <a:t> </a:t>
+              <a:t>redis_builder </a:t>
             </a:r>
             <a:r>
               <a:rPr lang="zh-CN" altLang="en-US" sz="2000" dirty="0"/>
@@ -12540,6 +14551,170 @@
         </p:blipFill>
         <p:spPr>
           <a:xfrm>
+            <a:off x="457201" y="980728"/>
+            <a:ext cx="8147247" cy="2554153"/>
+          </a:xfrm>
+          <a:prstGeom prst="rect">
+            <a:avLst/>
+          </a:prstGeom>
+        </p:spPr>
+      </p:pic>
+      <p:pic>
+        <p:nvPicPr>
+          <p:cNvPr id="5" name="图片 4"/>
+          <p:cNvPicPr>
+            <a:picLocks noChangeAspect="1"/>
+          </p:cNvPicPr>
+          <p:nvPr/>
+        </p:nvPicPr>
+        <p:blipFill>
+          <a:blip r:embed="rId3">
+            <a:extLst>
+              <a:ext uri="{28A0092B-C50C-407E-A947-70E740481C1C}">
+                <a14:useLocalDpi xmlns:a14="http://schemas.microsoft.com/office/drawing/2010/main" val="0"/>
+              </a:ext>
+            </a:extLst>
+          </a:blip>
+          <a:stretch>
+            <a:fillRect/>
+          </a:stretch>
+        </p:blipFill>
+        <p:spPr>
+          <a:xfrm>
+            <a:off x="3923928" y="3688025"/>
+            <a:ext cx="4680520" cy="2477279"/>
+          </a:xfrm>
+          <a:prstGeom prst="rect">
+            <a:avLst/>
+          </a:prstGeom>
+        </p:spPr>
+      </p:pic>
+      <p:pic>
+        <p:nvPicPr>
+          <p:cNvPr id="6" name="图片 5"/>
+          <p:cNvPicPr>
+            <a:picLocks noChangeAspect="1"/>
+          </p:cNvPicPr>
+          <p:nvPr/>
+        </p:nvPicPr>
+        <p:blipFill>
+          <a:blip r:embed="rId4">
+            <a:extLst>
+              <a:ext uri="{28A0092B-C50C-407E-A947-70E740481C1C}">
+                <a14:useLocalDpi xmlns:a14="http://schemas.microsoft.com/office/drawing/2010/main" val="0"/>
+              </a:ext>
+            </a:extLst>
+          </a:blip>
+          <a:stretch>
+            <a:fillRect/>
+          </a:stretch>
+        </p:blipFill>
+        <p:spPr>
+          <a:xfrm>
+            <a:off x="457201" y="3688025"/>
+            <a:ext cx="3250703" cy="2477279"/>
+          </a:xfrm>
+          <a:prstGeom prst="rect">
+            <a:avLst/>
+          </a:prstGeom>
+        </p:spPr>
+      </p:pic>
+    </p:spTree>
+    <p:extLst>
+      <p:ext uri="{BB962C8B-B14F-4D97-AF65-F5344CB8AC3E}">
+        <p14:creationId xmlns:p14="http://schemas.microsoft.com/office/powerpoint/2010/main" val="1000878735"/>
+      </p:ext>
+    </p:extLst>
+  </p:cSld>
+  <p:clrMapOvr>
+    <a:masterClrMapping/>
+  </p:clrMapOvr>
+</p:sld>
+</file>
+
+<file path=ppt/slides/slide31.xml><?xml version="1.0" encoding="utf-8"?>
+<p:sld xmlns:a="http://schemas.openxmlformats.org/drawingml/2006/main" xmlns:r="http://schemas.openxmlformats.org/officeDocument/2006/relationships" xmlns:p="http://schemas.openxmlformats.org/presentationml/2006/main">
+  <p:cSld>
+    <p:spTree>
+      <p:nvGrpSpPr>
+        <p:cNvPr id="1" name=""/>
+        <p:cNvGrpSpPr/>
+        <p:nvPr/>
+      </p:nvGrpSpPr>
+      <p:grpSpPr>
+        <a:xfrm>
+          <a:off x="0" y="0"/>
+          <a:ext cx="0" cy="0"/>
+          <a:chOff x="0" y="0"/>
+          <a:chExt cx="0" cy="0"/>
+        </a:xfrm>
+      </p:grpSpPr>
+      <p:sp>
+        <p:nvSpPr>
+          <p:cNvPr id="2" name="标题 1"/>
+          <p:cNvSpPr>
+            <a:spLocks noGrp="1"/>
+          </p:cNvSpPr>
+          <p:nvPr>
+            <p:ph type="title"/>
+          </p:nvPr>
+        </p:nvSpPr>
+        <p:spPr/>
+        <p:txBody>
+          <a:bodyPr/>
+          <a:lstStyle/>
+          <a:p>
+            <a:r>
+              <a:rPr lang="zh-CN" altLang="en-US" dirty="0"/>
+              <a:t>显示 </a:t>
+            </a:r>
+            <a:r>
+              <a:rPr lang="en-US" altLang="zh-CN" dirty="0"/>
+              <a:t>redis </a:t>
+            </a:r>
+            <a:r>
+              <a:rPr lang="zh-CN" altLang="en-US" dirty="0"/>
+              <a:t>集群的运行状态 </a:t>
+            </a:r>
+            <a:r>
+              <a:rPr lang="en-US" altLang="zh-CN" dirty="0"/>
+              <a:t>--- </a:t>
+            </a:r>
+            <a:r>
+              <a:rPr lang="en-US" altLang="zh-CN" sz="2000" dirty="0"/>
+              <a:t>redis_builder </a:t>
+            </a:r>
+            <a:r>
+              <a:rPr lang="zh-CN" altLang="en-US" sz="2000" dirty="0"/>
+              <a:t>使用</a:t>
+            </a:r>
+          </a:p>
+        </p:txBody>
+      </p:sp>
+      <p:pic>
+        <p:nvPicPr>
+          <p:cNvPr id="4" name="内容占位符 3"/>
+          <p:cNvPicPr>
+            <a:picLocks noGrp="1" noChangeAspect="1"/>
+          </p:cNvPicPr>
+          <p:nvPr>
+            <p:ph idx="1"/>
+          </p:nvPr>
+        </p:nvPicPr>
+        <p:blipFill>
+          <a:blip r:embed="rId2">
+            <a:extLst>
+              <a:ext uri="{28A0092B-C50C-407E-A947-70E740481C1C}">
+                <a14:useLocalDpi xmlns:a14="http://schemas.microsoft.com/office/drawing/2010/main" val="0"/>
+              </a:ext>
+            </a:extLst>
+          </a:blip>
+          <a:stretch>
+            <a:fillRect/>
+          </a:stretch>
+        </p:blipFill>
+        <p:spPr>
+          <a:xfrm>
             <a:off x="457201" y="1196752"/>
             <a:ext cx="8075239" cy="4680520"/>
           </a:xfrm>
@@ -12558,7 +14733,7 @@
 </p:sld>
 </file>
 
-<file path=ppt/slides/slide31.xml><?xml version="1.0" encoding="utf-8"?>
+<file path=ppt/slides/slide32.xml><?xml version="1.0" encoding="utf-8"?>
 <p:sld xmlns:a="http://schemas.openxmlformats.org/drawingml/2006/main" xmlns:r="http://schemas.openxmlformats.org/officeDocument/2006/relationships" xmlns:p="http://schemas.openxmlformats.org/presentationml/2006/main">
   <p:cSld>
     <p:spTree>
@@ -15999,12 +18174,8 @@
           <a:lstStyle/>
           <a:p>
             <a:r>
-              <a:rPr lang="en-US" altLang="zh-CN" sz="1800" dirty="0" err="1"/>
-              <a:t>Redis</a:t>
-            </a:r>
-            <a:r>
               <a:rPr lang="en-US" altLang="zh-CN" sz="1800" dirty="0"/>
-              <a:t> </a:t>
+              <a:t>Redis </a:t>
             </a:r>
             <a:r>
               <a:rPr lang="zh-CN" altLang="en-US" sz="1800" dirty="0"/>

--- a/doc/redis_cluster.pptx
+++ b/doc/redis_cluster.pptx
@@ -5,7 +5,7 @@
     <p:sldMasterId id="2147483648" r:id="rId1"/>
   </p:sldMasterIdLst>
   <p:notesMasterIdLst>
-    <p:notesMasterId r:id="rId34"/>
+    <p:notesMasterId r:id="rId35"/>
   </p:notesMasterIdLst>
   <p:sldIdLst>
     <p:sldId id="256" r:id="rId2"/>
@@ -27,19 +27,20 @@
     <p:sldId id="346" r:id="rId18"/>
     <p:sldId id="363" r:id="rId19"/>
     <p:sldId id="366" r:id="rId20"/>
-    <p:sldId id="362" r:id="rId21"/>
-    <p:sldId id="359" r:id="rId22"/>
-    <p:sldId id="365" r:id="rId23"/>
-    <p:sldId id="364" r:id="rId24"/>
-    <p:sldId id="360" r:id="rId25"/>
-    <p:sldId id="350" r:id="rId26"/>
-    <p:sldId id="351" r:id="rId27"/>
-    <p:sldId id="352" r:id="rId28"/>
-    <p:sldId id="355" r:id="rId29"/>
-    <p:sldId id="354" r:id="rId30"/>
-    <p:sldId id="357" r:id="rId31"/>
-    <p:sldId id="353" r:id="rId32"/>
-    <p:sldId id="349" r:id="rId33"/>
+    <p:sldId id="367" r:id="rId21"/>
+    <p:sldId id="362" r:id="rId22"/>
+    <p:sldId id="359" r:id="rId23"/>
+    <p:sldId id="365" r:id="rId24"/>
+    <p:sldId id="364" r:id="rId25"/>
+    <p:sldId id="360" r:id="rId26"/>
+    <p:sldId id="350" r:id="rId27"/>
+    <p:sldId id="351" r:id="rId28"/>
+    <p:sldId id="352" r:id="rId29"/>
+    <p:sldId id="355" r:id="rId30"/>
+    <p:sldId id="354" r:id="rId31"/>
+    <p:sldId id="357" r:id="rId32"/>
+    <p:sldId id="353" r:id="rId33"/>
+    <p:sldId id="349" r:id="rId34"/>
   </p:sldIdLst>
   <p:sldSz cx="9144000" cy="6858000" type="screen4x3"/>
   <p:notesSz cx="6858000" cy="9144000"/>
@@ -248,7 +249,7 @@
             <a:fld id="{22280FE6-A104-468D-880C-8FA3CB8840D3}" type="datetimeFigureOut">
               <a:rPr lang="zh-CN" altLang="en-US" smtClean="0"/>
               <a:pPr/>
-              <a:t>2021/8/25</a:t>
+              <a:t>2021/8/27</a:t>
             </a:fld>
             <a:endParaRPr lang="zh-CN" altLang="en-US"/>
           </a:p>
@@ -896,7 +897,7 @@
               <a:pPr>
                 <a:defRPr/>
               </a:pPr>
-              <a:t>2021/8/25</a:t>
+              <a:t>2021/8/27</a:t>
             </a:fld>
             <a:endParaRPr lang="zh-CN" altLang="en-US" sz="1200" dirty="0">
               <a:solidFill>
@@ -978,7 +979,7 @@
             <a:fld id="{8C5BEB32-F9B7-4A26-A503-E0A0BBE82DBD}" type="datetimeFigureOut">
               <a:rPr lang="zh-CN" altLang="en-US" smtClean="0"/>
               <a:pPr/>
-              <a:t>2021/8/25</a:t>
+              <a:t>2021/8/27</a:t>
             </a:fld>
             <a:endParaRPr lang="zh-CN" altLang="en-US"/>
           </a:p>
@@ -1068,7 +1069,7 @@
                 <a:tabLst/>
                 <a:defRPr/>
               </a:pPr>
-              <a:t>2021/8/25</a:t>
+              <a:t>2021/8/27</a:t>
             </a:fld>
             <a:endParaRPr kumimoji="0" lang="zh-CN" altLang="en-US" sz="1200" b="0" i="0" u="none" strike="noStrike" kern="1200" cap="none" spc="0" normalizeH="0" baseline="0" noProof="0" dirty="0">
               <a:ln>
@@ -1360,7 +1361,7 @@
                 <a:tabLst/>
                 <a:defRPr/>
               </a:pPr>
-              <a:t>2021/8/25</a:t>
+              <a:t>2021/8/27</a:t>
             </a:fld>
             <a:endParaRPr kumimoji="0" lang="zh-CN" altLang="en-US" sz="1200" b="0" i="0" u="none" strike="noStrike" kern="1200" cap="none" spc="0" normalizeH="0" baseline="0" noProof="0" dirty="0">
               <a:ln>
@@ -1929,7 +1930,7 @@
                 <a:tabLst/>
                 <a:defRPr/>
               </a:pPr>
-              <a:t>2021/8/25</a:t>
+              <a:t>2021/8/27</a:t>
             </a:fld>
             <a:endParaRPr kumimoji="0" lang="zh-CN" altLang="en-US" sz="1200" b="0" i="0" u="none" strike="noStrike" kern="1200" cap="none" spc="0" normalizeH="0" baseline="0" noProof="0" dirty="0">
               <a:ln>
@@ -2481,7 +2482,7 @@
                 <a:tabLst/>
                 <a:defRPr/>
               </a:pPr>
-              <a:t>2021/8/25</a:t>
+              <a:t>2021/8/27</a:t>
             </a:fld>
             <a:endParaRPr kumimoji="0" lang="zh-CN" altLang="en-US" sz="1200" b="0" i="0" u="none" strike="noStrike" kern="1200" cap="none" spc="0" normalizeH="0" baseline="0" noProof="0" dirty="0">
               <a:ln>
@@ -2747,7 +2748,7 @@
             <a:fld id="{8C5BEB32-F9B7-4A26-A503-E0A0BBE82DBD}" type="datetimeFigureOut">
               <a:rPr lang="zh-CN" altLang="en-US" smtClean="0"/>
               <a:pPr/>
-              <a:t>2021/8/25</a:t>
+              <a:t>2021/8/27</a:t>
             </a:fld>
             <a:endParaRPr lang="zh-CN" altLang="en-US"/>
           </a:p>
@@ -2987,7 +2988,7 @@
                 <a:tabLst/>
                 <a:defRPr/>
               </a:pPr>
-              <a:t>2021/8/25</a:t>
+              <a:t>2021/8/27</a:t>
             </a:fld>
             <a:endParaRPr kumimoji="0" lang="zh-CN" altLang="en-US" sz="1200" b="0" i="0" u="none" strike="noStrike" kern="1200" cap="none" spc="0" normalizeH="0" baseline="0" noProof="0" dirty="0">
               <a:ln>
@@ -3173,7 +3174,7 @@
             <a:fld id="{8C5BEB32-F9B7-4A26-A503-E0A0BBE82DBD}" type="datetimeFigureOut">
               <a:rPr lang="zh-CN" altLang="en-US" smtClean="0"/>
               <a:pPr/>
-              <a:t>2021/8/25</a:t>
+              <a:t>2021/8/27</a:t>
             </a:fld>
             <a:endParaRPr lang="zh-CN" altLang="en-US"/>
           </a:p>
@@ -3413,7 +3414,7 @@
                 <a:tabLst/>
                 <a:defRPr/>
               </a:pPr>
-              <a:t>2021/8/25</a:t>
+              <a:t>2021/8/27</a:t>
             </a:fld>
             <a:endParaRPr kumimoji="0" lang="zh-CN" altLang="en-US" sz="1200" b="0" i="0" u="none" strike="noStrike" kern="1200" cap="none" spc="0" normalizeH="0" baseline="0" noProof="0" dirty="0">
               <a:ln>
@@ -3575,7 +3576,7 @@
             <a:fld id="{8C5BEB32-F9B7-4A26-A503-E0A0BBE82DBD}" type="datetimeFigureOut">
               <a:rPr lang="zh-CN" altLang="en-US" smtClean="0"/>
               <a:pPr/>
-              <a:t>2021/8/25</a:t>
+              <a:t>2021/8/27</a:t>
             </a:fld>
             <a:endParaRPr lang="zh-CN" altLang="en-US"/>
           </a:p>
@@ -3884,7 +3885,7 @@
                 <a:tabLst/>
                 <a:defRPr/>
               </a:pPr>
-              <a:t>2021/8/25</a:t>
+              <a:t>2021/8/27</a:t>
             </a:fld>
             <a:endParaRPr kumimoji="0" lang="zh-CN" altLang="en-US" sz="1200" b="0" i="0" u="none" strike="noStrike" kern="1200" cap="none" spc="0" normalizeH="0" baseline="0" noProof="0" dirty="0">
               <a:ln>
@@ -4046,7 +4047,7 @@
             <a:fld id="{8C5BEB32-F9B7-4A26-A503-E0A0BBE82DBD}" type="datetimeFigureOut">
               <a:rPr lang="zh-CN" altLang="en-US" smtClean="0"/>
               <a:pPr/>
-              <a:t>2021/8/25</a:t>
+              <a:t>2021/8/27</a:t>
             </a:fld>
             <a:endParaRPr lang="zh-CN" altLang="en-US"/>
           </a:p>
@@ -4242,7 +4243,7 @@
                 <a:tabLst/>
                 <a:defRPr/>
               </a:pPr>
-              <a:t>2021/8/25</a:t>
+              <a:t>2021/8/27</a:t>
             </a:fld>
             <a:endParaRPr kumimoji="0" lang="zh-CN" altLang="en-US" sz="1200" b="0" i="0" u="none" strike="noStrike" kern="1200" cap="none" spc="0" normalizeH="0" baseline="0" noProof="0" dirty="0">
               <a:ln>
@@ -4545,7 +4546,7 @@
             <a:fld id="{8C5BEB32-F9B7-4A26-A503-E0A0BBE82DBD}" type="datetimeFigureOut">
               <a:rPr lang="zh-CN" altLang="en-US" smtClean="0"/>
               <a:pPr/>
-              <a:t>2021/8/25</a:t>
+              <a:t>2021/8/27</a:t>
             </a:fld>
             <a:endParaRPr lang="zh-CN" altLang="en-US"/>
           </a:p>
@@ -5114,7 +5115,7 @@
               <a:pPr>
                 <a:defRPr/>
               </a:pPr>
-              <a:t>2021/8/25</a:t>
+              <a:t>2021/8/27</a:t>
             </a:fld>
             <a:endParaRPr lang="zh-CN" altLang="en-US" sz="1200" dirty="0">
               <a:solidFill>
@@ -7672,6 +7673,14 @@
               <a:rPr kumimoji="1" lang="zh-CN" altLang="en-US" dirty="0"/>
               <a:t>库类关系图谱</a:t>
             </a:r>
+            <a:r>
+              <a:rPr kumimoji="1" lang="en-US" altLang="zh-CN" dirty="0"/>
+              <a:t> --- </a:t>
+            </a:r>
+            <a:r>
+              <a:rPr kumimoji="1" lang="zh-CN" altLang="en-US" dirty="0"/>
+              <a:t>命令类</a:t>
+            </a:r>
           </a:p>
         </p:txBody>
       </p:sp>
@@ -7738,12 +7747,15 @@
         </p:nvSpPr>
         <p:spPr>
           <a:xfrm>
-            <a:off x="3646995" y="1125542"/>
+            <a:off x="3646995" y="949474"/>
             <a:ext cx="1933117" cy="332674"/>
           </a:xfrm>
           <a:prstGeom prst="rect">
             <a:avLst/>
           </a:prstGeom>
+          <a:solidFill>
+            <a:schemeClr val="accent2"/>
+          </a:solidFill>
           <a:ln w="9525"/>
         </p:spPr>
         <p:style>
@@ -7786,12 +7798,15 @@
         </p:nvSpPr>
         <p:spPr>
           <a:xfrm>
-            <a:off x="3646995" y="1530224"/>
+            <a:off x="3642698" y="1320226"/>
             <a:ext cx="1933117" cy="332674"/>
           </a:xfrm>
           <a:prstGeom prst="rect">
             <a:avLst/>
           </a:prstGeom>
+          <a:solidFill>
+            <a:schemeClr val="accent2"/>
+          </a:solidFill>
           <a:ln w="9525"/>
         </p:spPr>
         <p:style>
@@ -7834,12 +7849,15 @@
         </p:nvSpPr>
         <p:spPr>
           <a:xfrm>
-            <a:off x="3646995" y="1931904"/>
+            <a:off x="3638400" y="1687947"/>
             <a:ext cx="1933117" cy="332674"/>
           </a:xfrm>
           <a:prstGeom prst="rect">
             <a:avLst/>
           </a:prstGeom>
+          <a:solidFill>
+            <a:schemeClr val="accent2"/>
+          </a:solidFill>
           <a:ln w="9525"/>
         </p:spPr>
         <p:style>
@@ -7882,12 +7900,15 @@
         </p:nvSpPr>
         <p:spPr>
           <a:xfrm>
-            <a:off x="3646995" y="2332544"/>
+            <a:off x="3646995" y="2055398"/>
             <a:ext cx="1933117" cy="332674"/>
           </a:xfrm>
           <a:prstGeom prst="rect">
             <a:avLst/>
           </a:prstGeom>
+          <a:solidFill>
+            <a:schemeClr val="accent2"/>
+          </a:solidFill>
           <a:ln w="9525"/>
         </p:spPr>
         <p:style>
@@ -7930,12 +7951,15 @@
         </p:nvSpPr>
         <p:spPr>
           <a:xfrm>
-            <a:off x="3642698" y="2733184"/>
+            <a:off x="3646995" y="2422849"/>
             <a:ext cx="1933117" cy="332674"/>
           </a:xfrm>
           <a:prstGeom prst="rect">
             <a:avLst/>
           </a:prstGeom>
+          <a:solidFill>
+            <a:schemeClr val="accent2"/>
+          </a:solidFill>
           <a:ln w="9525"/>
         </p:spPr>
         <p:style>
@@ -7978,12 +8002,15 @@
         </p:nvSpPr>
         <p:spPr>
           <a:xfrm>
-            <a:off x="3645393" y="3129519"/>
+            <a:off x="3646995" y="2784787"/>
             <a:ext cx="1933117" cy="332674"/>
           </a:xfrm>
           <a:prstGeom prst="rect">
             <a:avLst/>
           </a:prstGeom>
+          <a:solidFill>
+            <a:schemeClr val="accent2"/>
+          </a:solidFill>
           <a:ln w="9525"/>
         </p:spPr>
         <p:style>
@@ -8026,12 +8053,15 @@
         </p:nvSpPr>
         <p:spPr>
           <a:xfrm>
-            <a:off x="3642698" y="3525300"/>
+            <a:off x="3641447" y="3154912"/>
             <a:ext cx="1933117" cy="332674"/>
           </a:xfrm>
           <a:prstGeom prst="rect">
             <a:avLst/>
           </a:prstGeom>
+          <a:solidFill>
+            <a:schemeClr val="accent2"/>
+          </a:solidFill>
           <a:ln w="9525"/>
         </p:spPr>
         <p:style>
@@ -8074,12 +8104,15 @@
         </p:nvSpPr>
         <p:spPr>
           <a:xfrm>
-            <a:off x="3644188" y="3926494"/>
+            <a:off x="3651294" y="3515183"/>
             <a:ext cx="1933117" cy="332674"/>
           </a:xfrm>
           <a:prstGeom prst="rect">
             <a:avLst/>
           </a:prstGeom>
+          <a:solidFill>
+            <a:schemeClr val="accent2"/>
+          </a:solidFill>
           <a:ln w="9525"/>
         </p:spPr>
         <p:style>
@@ -8122,12 +8155,15 @@
         </p:nvSpPr>
         <p:spPr>
           <a:xfrm>
-            <a:off x="3642698" y="4327134"/>
+            <a:off x="3651294" y="3882634"/>
             <a:ext cx="1933117" cy="332674"/>
           </a:xfrm>
           <a:prstGeom prst="rect">
             <a:avLst/>
           </a:prstGeom>
+          <a:solidFill>
+            <a:schemeClr val="accent2"/>
+          </a:solidFill>
           <a:ln w="9525"/>
         </p:spPr>
         <p:style>
@@ -8170,12 +8206,15 @@
         </p:nvSpPr>
         <p:spPr>
           <a:xfrm>
-            <a:off x="3642698" y="4727774"/>
+            <a:off x="3659890" y="4253919"/>
             <a:ext cx="1933117" cy="332674"/>
           </a:xfrm>
           <a:prstGeom prst="rect">
             <a:avLst/>
           </a:prstGeom>
+          <a:solidFill>
+            <a:schemeClr val="accent2"/>
+          </a:solidFill>
           <a:ln w="9525"/>
         </p:spPr>
         <p:style>
@@ -8218,12 +8257,15 @@
         </p:nvSpPr>
         <p:spPr>
           <a:xfrm>
-            <a:off x="3642698" y="5130002"/>
+            <a:off x="3641447" y="4996619"/>
             <a:ext cx="1933117" cy="332674"/>
           </a:xfrm>
           <a:prstGeom prst="rect">
             <a:avLst/>
           </a:prstGeom>
+          <a:solidFill>
+            <a:schemeClr val="accent2"/>
+          </a:solidFill>
           <a:ln w="9525"/>
         </p:spPr>
         <p:style>
@@ -8266,12 +8308,15 @@
         </p:nvSpPr>
         <p:spPr>
           <a:xfrm>
-            <a:off x="3642698" y="5532230"/>
+            <a:off x="3641447" y="5365230"/>
             <a:ext cx="1933117" cy="332674"/>
           </a:xfrm>
           <a:prstGeom prst="rect">
             <a:avLst/>
           </a:prstGeom>
+          <a:solidFill>
+            <a:schemeClr val="accent2"/>
+          </a:solidFill>
           <a:ln w="9525"/>
         </p:spPr>
         <p:style>
@@ -8314,12 +8359,15 @@
         </p:nvSpPr>
         <p:spPr>
           <a:xfrm>
-            <a:off x="3642698" y="5934458"/>
+            <a:off x="3651294" y="5742946"/>
             <a:ext cx="1933117" cy="332674"/>
           </a:xfrm>
           <a:prstGeom prst="rect">
             <a:avLst/>
           </a:prstGeom>
+          <a:solidFill>
+            <a:schemeClr val="accent2"/>
+          </a:solidFill>
           <a:ln w="9525"/>
         </p:spPr>
         <p:style>
@@ -8362,12 +8410,15 @@
         </p:nvSpPr>
         <p:spPr>
           <a:xfrm>
-            <a:off x="3642698" y="6336686"/>
+            <a:off x="3651294" y="6120662"/>
             <a:ext cx="1933117" cy="332674"/>
           </a:xfrm>
           <a:prstGeom prst="rect">
             <a:avLst/>
           </a:prstGeom>
+          <a:solidFill>
+            <a:schemeClr val="accent2"/>
+          </a:solidFill>
           <a:ln w="9525"/>
         </p:spPr>
         <p:style>
@@ -8462,8 +8513,8 @@
         </p:nvCxnSpPr>
         <p:spPr>
           <a:xfrm rot="10800000" flipV="1">
-            <a:off x="2123729" y="1291878"/>
-            <a:ext cx="1523267" cy="2389817"/>
+            <a:off x="2123729" y="1115810"/>
+            <a:ext cx="1523267" cy="2565885"/>
           </a:xfrm>
           <a:prstGeom prst="curvedConnector3">
             <a:avLst/>
@@ -8508,8 +8559,8 @@
         </p:nvCxnSpPr>
         <p:spPr>
           <a:xfrm rot="10800000" flipV="1">
-            <a:off x="2123729" y="1696560"/>
-            <a:ext cx="1523267" cy="1985135"/>
+            <a:off x="2123728" y="1486562"/>
+            <a:ext cx="1518970" cy="2195133"/>
           </a:xfrm>
           <a:prstGeom prst="curvedConnector3">
             <a:avLst>
@@ -8555,8 +8606,8 @@
         </p:nvCxnSpPr>
         <p:spPr>
           <a:xfrm rot="10800000" flipV="1">
-            <a:off x="2123729" y="2098240"/>
-            <a:ext cx="1523267" cy="1583455"/>
+            <a:off x="2123728" y="1854284"/>
+            <a:ext cx="1514672" cy="1827412"/>
           </a:xfrm>
           <a:prstGeom prst="curvedConnector3">
             <a:avLst/>
@@ -8600,8 +8651,8 @@
         </p:nvCxnSpPr>
         <p:spPr>
           <a:xfrm rot="10800000" flipV="1">
-            <a:off x="2123729" y="2498880"/>
-            <a:ext cx="1523267" cy="1182815"/>
+            <a:off x="2123729" y="2221734"/>
+            <a:ext cx="1523267" cy="1459961"/>
           </a:xfrm>
           <a:prstGeom prst="curvedConnector3">
             <a:avLst/>
@@ -8645,8 +8696,8 @@
         </p:nvCxnSpPr>
         <p:spPr>
           <a:xfrm rot="10800000" flipV="1">
-            <a:off x="2123728" y="2899520"/>
-            <a:ext cx="1518970" cy="782175"/>
+            <a:off x="2123729" y="2589186"/>
+            <a:ext cx="1523267" cy="1092510"/>
           </a:xfrm>
           <a:prstGeom prst="curvedConnector3">
             <a:avLst/>
@@ -8690,8 +8741,8 @@
         </p:nvCxnSpPr>
         <p:spPr>
           <a:xfrm rot="10800000" flipV="1">
-            <a:off x="2123729" y="3295856"/>
-            <a:ext cx="1521665" cy="385840"/>
+            <a:off x="2123729" y="2951124"/>
+            <a:ext cx="1523267" cy="730572"/>
           </a:xfrm>
           <a:prstGeom prst="curvedConnector3">
             <a:avLst/>
@@ -8734,9 +8785,9 @@
           <p:nvPr/>
         </p:nvCxnSpPr>
         <p:spPr>
-          <a:xfrm rot="10800000">
-            <a:off x="2123728" y="3681697"/>
-            <a:ext cx="1518970" cy="9941"/>
+          <a:xfrm rot="10800000" flipV="1">
+            <a:off x="2123729" y="3321248"/>
+            <a:ext cx="1517719" cy="360447"/>
           </a:xfrm>
           <a:prstGeom prst="curvedConnector3">
             <a:avLst/>
@@ -8779,9 +8830,9 @@
           <p:nvPr/>
         </p:nvCxnSpPr>
         <p:spPr>
-          <a:xfrm rot="10800000">
-            <a:off x="2123728" y="3681697"/>
-            <a:ext cx="1520460" cy="411135"/>
+          <a:xfrm rot="10800000" flipV="1">
+            <a:off x="2123728" y="3681520"/>
+            <a:ext cx="1527566" cy="176"/>
           </a:xfrm>
           <a:prstGeom prst="curvedConnector3">
             <a:avLst/>
@@ -8826,7 +8877,7 @@
         <p:spPr>
           <a:xfrm rot="10800000">
             <a:off x="2123728" y="3681697"/>
-            <a:ext cx="1518970" cy="811775"/>
+            <a:ext cx="1527566" cy="367275"/>
           </a:xfrm>
           <a:prstGeom prst="curvedConnector3">
             <a:avLst/>
@@ -8870,8 +8921,8 @@
         </p:nvCxnSpPr>
         <p:spPr>
           <a:xfrm rot="10800000">
-            <a:off x="2123728" y="3681697"/>
-            <a:ext cx="1518970" cy="1212415"/>
+            <a:off x="2123728" y="3681696"/>
+            <a:ext cx="1536162" cy="738560"/>
           </a:xfrm>
           <a:prstGeom prst="curvedConnector3">
             <a:avLst/>
@@ -8915,8 +8966,8 @@
         </p:nvCxnSpPr>
         <p:spPr>
           <a:xfrm rot="10800000">
-            <a:off x="2123728" y="3681697"/>
-            <a:ext cx="1518970" cy="1614643"/>
+            <a:off x="2123729" y="3681696"/>
+            <a:ext cx="1517719" cy="1481260"/>
           </a:xfrm>
           <a:prstGeom prst="curvedConnector3">
             <a:avLst/>
@@ -8960,8 +9011,8 @@
         </p:nvCxnSpPr>
         <p:spPr>
           <a:xfrm rot="10800000">
-            <a:off x="2123728" y="3681697"/>
-            <a:ext cx="1518970" cy="2016871"/>
+            <a:off x="2123729" y="3681697"/>
+            <a:ext cx="1517719" cy="1849871"/>
           </a:xfrm>
           <a:prstGeom prst="curvedConnector3">
             <a:avLst/>
@@ -9006,7 +9057,7 @@
         <p:spPr>
           <a:xfrm rot="10800000">
             <a:off x="2123728" y="3681697"/>
-            <a:ext cx="1518970" cy="2419099"/>
+            <a:ext cx="1527566" cy="2227587"/>
           </a:xfrm>
           <a:prstGeom prst="curvedConnector3">
             <a:avLst/>
@@ -9051,7 +9102,7 @@
         <p:spPr>
           <a:xfrm rot="10800000">
             <a:off x="2123728" y="3681697"/>
-            <a:ext cx="1518970" cy="2821327"/>
+            <a:ext cx="1527566" cy="2605303"/>
           </a:xfrm>
           <a:prstGeom prst="curvedConnector3">
             <a:avLst/>
@@ -9095,8 +9146,8 @@
         </p:nvCxnSpPr>
         <p:spPr>
           <a:xfrm>
-            <a:off x="5580112" y="1291879"/>
-            <a:ext cx="1578816" cy="2386338"/>
+            <a:off x="5580112" y="1115811"/>
+            <a:ext cx="1578816" cy="2562406"/>
           </a:xfrm>
           <a:prstGeom prst="curvedConnector3">
             <a:avLst/>
@@ -9141,8 +9192,8 @@
         </p:nvCxnSpPr>
         <p:spPr>
           <a:xfrm>
-            <a:off x="5580112" y="1696561"/>
-            <a:ext cx="1578816" cy="1981656"/>
+            <a:off x="5575815" y="1486563"/>
+            <a:ext cx="1583113" cy="2191654"/>
           </a:xfrm>
           <a:prstGeom prst="curvedConnector3">
             <a:avLst/>
@@ -9187,8 +9238,8 @@
         </p:nvCxnSpPr>
         <p:spPr>
           <a:xfrm>
-            <a:off x="5580112" y="2498881"/>
-            <a:ext cx="1578816" cy="1179336"/>
+            <a:off x="5580112" y="2221735"/>
+            <a:ext cx="1578816" cy="1456482"/>
           </a:xfrm>
           <a:prstGeom prst="curvedConnector3">
             <a:avLst/>
@@ -9234,8 +9285,8 @@
         </p:nvCxnSpPr>
         <p:spPr>
           <a:xfrm>
-            <a:off x="5580112" y="2098241"/>
-            <a:ext cx="1578816" cy="1579976"/>
+            <a:off x="5571517" y="1854284"/>
+            <a:ext cx="1587411" cy="1823933"/>
           </a:xfrm>
           <a:prstGeom prst="curvedConnector3">
             <a:avLst/>
@@ -9280,8 +9331,8 @@
         </p:nvCxnSpPr>
         <p:spPr>
           <a:xfrm>
-            <a:off x="5578510" y="3295856"/>
-            <a:ext cx="1580418" cy="382361"/>
+            <a:off x="5580112" y="2951124"/>
+            <a:ext cx="1578816" cy="727093"/>
           </a:xfrm>
           <a:prstGeom prst="curvedConnector3">
             <a:avLst/>
@@ -9325,9 +9376,9 @@
           <p:nvPr/>
         </p:nvCxnSpPr>
         <p:spPr>
-          <a:xfrm flipV="1">
-            <a:off x="5575815" y="3678217"/>
-            <a:ext cx="1583113" cy="13420"/>
+          <a:xfrm>
+            <a:off x="5574564" y="3321249"/>
+            <a:ext cx="1584364" cy="356968"/>
           </a:xfrm>
           <a:prstGeom prst="curvedConnector3">
             <a:avLst/>
@@ -9372,8 +9423,8 @@
         </p:nvCxnSpPr>
         <p:spPr>
           <a:xfrm flipV="1">
-            <a:off x="5577305" y="3678217"/>
-            <a:ext cx="1581623" cy="414614"/>
+            <a:off x="5584411" y="3678217"/>
+            <a:ext cx="1574517" cy="3303"/>
           </a:xfrm>
           <a:prstGeom prst="curvedConnector3">
             <a:avLst/>
@@ -9418,8 +9469,8 @@
         </p:nvCxnSpPr>
         <p:spPr>
           <a:xfrm flipV="1">
-            <a:off x="5575815" y="3678217"/>
-            <a:ext cx="1583113" cy="815254"/>
+            <a:off x="5584411" y="3678217"/>
+            <a:ext cx="1574517" cy="370754"/>
           </a:xfrm>
           <a:prstGeom prst="curvedConnector3">
             <a:avLst/>
@@ -9464,8 +9515,8 @@
         </p:nvCxnSpPr>
         <p:spPr>
           <a:xfrm flipV="1">
-            <a:off x="5575815" y="3678217"/>
-            <a:ext cx="1583113" cy="1215894"/>
+            <a:off x="5593007" y="3678217"/>
+            <a:ext cx="1565921" cy="742039"/>
           </a:xfrm>
           <a:prstGeom prst="curvedConnector3">
             <a:avLst/>
@@ -9510,8 +9561,8 @@
         </p:nvCxnSpPr>
         <p:spPr>
           <a:xfrm flipV="1">
-            <a:off x="5575815" y="3678217"/>
-            <a:ext cx="1583113" cy="1618122"/>
+            <a:off x="5574564" y="3678217"/>
+            <a:ext cx="1584364" cy="1484739"/>
           </a:xfrm>
           <a:prstGeom prst="curvedConnector3">
             <a:avLst/>
@@ -9556,8 +9607,8 @@
         </p:nvCxnSpPr>
         <p:spPr>
           <a:xfrm flipV="1">
-            <a:off x="5575815" y="3678217"/>
-            <a:ext cx="1583113" cy="2020350"/>
+            <a:off x="5574564" y="3678217"/>
+            <a:ext cx="1584364" cy="1853350"/>
           </a:xfrm>
           <a:prstGeom prst="curvedConnector3">
             <a:avLst/>
@@ -9602,8 +9653,8 @@
         </p:nvCxnSpPr>
         <p:spPr>
           <a:xfrm flipV="1">
-            <a:off x="5575815" y="3678217"/>
-            <a:ext cx="1583113" cy="2422578"/>
+            <a:off x="5584411" y="3678217"/>
+            <a:ext cx="1574517" cy="2231066"/>
           </a:xfrm>
           <a:prstGeom prst="curvedConnector3">
             <a:avLst/>
@@ -9648,8 +9699,8 @@
         </p:nvCxnSpPr>
         <p:spPr>
           <a:xfrm flipV="1">
-            <a:off x="5575815" y="3678217"/>
-            <a:ext cx="1583113" cy="2824806"/>
+            <a:off x="5584411" y="3678217"/>
+            <a:ext cx="1574517" cy="2608782"/>
           </a:xfrm>
           <a:prstGeom prst="curvedConnector3">
             <a:avLst/>
@@ -9694,8 +9745,8 @@
         </p:nvCxnSpPr>
         <p:spPr>
           <a:xfrm>
-            <a:off x="5575815" y="2899521"/>
-            <a:ext cx="1583113" cy="778696"/>
+            <a:off x="5580112" y="2589186"/>
+            <a:ext cx="1578816" cy="1089031"/>
           </a:xfrm>
           <a:prstGeom prst="curvedConnector3">
             <a:avLst/>
@@ -9872,6 +9923,57 @@
               <a:rPr kumimoji="1" lang="zh-CN" altLang="en-US" dirty="0"/>
               <a:t>一个统一的子类继承了所有命令类</a:t>
             </a:r>
+          </a:p>
+        </p:txBody>
+      </p:sp>
+      <p:sp>
+        <p:nvSpPr>
+          <p:cNvPr id="72" name="矩形 71">
+            <a:extLst>
+              <a:ext uri="{FF2B5EF4-FFF2-40B4-BE49-F238E27FC236}">
+                <a16:creationId xmlns:a16="http://schemas.microsoft.com/office/drawing/2014/main" id="{E86D6C8D-93DF-D047-B0A0-F5B20CA42214}"/>
+              </a:ext>
+            </a:extLst>
+          </p:cNvPr>
+          <p:cNvSpPr/>
+          <p:nvPr/>
+        </p:nvSpPr>
+        <p:spPr>
+          <a:xfrm>
+            <a:off x="3646995" y="4625269"/>
+            <a:ext cx="1933117" cy="332674"/>
+          </a:xfrm>
+          <a:prstGeom prst="rect">
+            <a:avLst/>
+          </a:prstGeom>
+          <a:solidFill>
+            <a:schemeClr val="accent2"/>
+          </a:solidFill>
+          <a:ln w="9525"/>
+        </p:spPr>
+        <p:style>
+          <a:lnRef idx="2">
+            <a:schemeClr val="accent6"/>
+          </a:lnRef>
+          <a:fillRef idx="1">
+            <a:schemeClr val="lt1"/>
+          </a:fillRef>
+          <a:effectRef idx="0">
+            <a:schemeClr val="accent6"/>
+          </a:effectRef>
+          <a:fontRef idx="minor">
+            <a:schemeClr val="dk1"/>
+          </a:fontRef>
+        </p:style>
+        <p:txBody>
+          <a:bodyPr rtlCol="0" anchor="ctr"/>
+          <a:lstStyle/>
+          <a:p>
+            <a:r>
+              <a:rPr kumimoji="1" lang="en-US" altLang="zh-CN" sz="1400" dirty="0"/>
+              <a:t>acl:: redis_stream</a:t>
+            </a:r>
+            <a:endParaRPr kumimoji="1" lang="zh-CN" altLang="en-US" sz="1400" dirty="0"/>
           </a:p>
         </p:txBody>
       </p:sp>
@@ -10126,7 +10228,7 @@
           <p:cNvPr id="2" name="标题 1">
             <a:extLst>
               <a:ext uri="{FF2B5EF4-FFF2-40B4-BE49-F238E27FC236}">
-                <a16:creationId xmlns:a16="http://schemas.microsoft.com/office/drawing/2014/main" id="{2A88D221-36EC-1C4A-86A7-23994D948939}"/>
+                <a16:creationId xmlns:a16="http://schemas.microsoft.com/office/drawing/2014/main" id="{343CFAA3-4F16-7C40-8F22-0B518C945D79}"/>
               </a:ext>
             </a:extLst>
           </p:cNvPr>
@@ -10143,72 +10245,1461 @@
           <a:lstStyle/>
           <a:p>
             <a:r>
+              <a:rPr kumimoji="1" lang="en-US" altLang="zh-CN" dirty="0"/>
+              <a:t>Acl Redis</a:t>
+            </a:r>
+            <a:r>
               <a:rPr kumimoji="1" lang="zh-CN" altLang="en-US" dirty="0"/>
-              <a:t>使用</a:t>
+              <a:t>库类关系图谱</a:t>
             </a:r>
             <a:r>
               <a:rPr kumimoji="1" lang="en-US" altLang="zh-CN" dirty="0"/>
-              <a:t>Acl</a:t>
+              <a:t> --- </a:t>
             </a:r>
             <a:r>
               <a:rPr kumimoji="1" lang="zh-CN" altLang="en-US" dirty="0"/>
-              <a:t> </a:t>
-            </a:r>
-            <a:r>
-              <a:rPr kumimoji="1" lang="en-US" altLang="zh-CN" dirty="0"/>
-              <a:t>Redis</a:t>
-            </a:r>
-            <a:r>
-              <a:rPr kumimoji="1" lang="zh-CN" altLang="en-US" dirty="0"/>
-              <a:t>库轻松编写</a:t>
-            </a:r>
-            <a:r>
-              <a:rPr kumimoji="1" lang="en-US" altLang="zh-CN" dirty="0"/>
-              <a:t>Redis</a:t>
-            </a:r>
-            <a:r>
-              <a:rPr kumimoji="1" lang="zh-CN" altLang="en-US" dirty="0"/>
-              <a:t>应用</a:t>
-            </a:r>
-          </a:p>
-        </p:txBody>
-      </p:sp>
-      <p:pic>
-        <p:nvPicPr>
-          <p:cNvPr id="10" name="内容占位符 9">
+              <a:t>通信类</a:t>
+            </a:r>
+          </a:p>
+        </p:txBody>
+      </p:sp>
+      <p:sp>
+        <p:nvSpPr>
+          <p:cNvPr id="4" name="矩形 3">
             <a:extLst>
               <a:ext uri="{FF2B5EF4-FFF2-40B4-BE49-F238E27FC236}">
-                <a16:creationId xmlns:a16="http://schemas.microsoft.com/office/drawing/2014/main" id="{F05670E7-C3CD-C64F-BE30-4EBF74CF1CB5}"/>
+                <a16:creationId xmlns:a16="http://schemas.microsoft.com/office/drawing/2014/main" id="{2EEF59DE-3C39-1F4D-A39F-1CC68FFABAD5}"/>
               </a:ext>
             </a:extLst>
           </p:cNvPr>
-          <p:cNvPicPr>
-            <a:picLocks noGrp="1" noChangeAspect="1"/>
-          </p:cNvPicPr>
-          <p:nvPr>
-            <p:ph idx="1"/>
-          </p:nvPr>
-        </p:nvPicPr>
-        <p:blipFill>
-          <a:blip r:embed="rId2"/>
-          <a:stretch>
-            <a:fillRect/>
-          </a:stretch>
-        </p:blipFill>
-        <p:spPr>
-          <a:xfrm>
-            <a:off x="323528" y="1047750"/>
-            <a:ext cx="8424935" cy="5143500"/>
+          <p:cNvSpPr/>
+          <p:nvPr/>
+        </p:nvSpPr>
+        <p:spPr>
+          <a:xfrm>
+            <a:off x="3347864" y="5042281"/>
+            <a:ext cx="2086036" cy="432048"/>
           </a:xfrm>
           <a:prstGeom prst="rect">
             <a:avLst/>
           </a:prstGeom>
-        </p:spPr>
-      </p:pic>
+          <a:solidFill>
+            <a:schemeClr val="accent2"/>
+          </a:solidFill>
+          <a:ln w="9525"/>
+        </p:spPr>
+        <p:style>
+          <a:lnRef idx="2">
+            <a:schemeClr val="accent6"/>
+          </a:lnRef>
+          <a:fillRef idx="1">
+            <a:schemeClr val="lt1"/>
+          </a:fillRef>
+          <a:effectRef idx="0">
+            <a:schemeClr val="accent6"/>
+          </a:effectRef>
+          <a:fontRef idx="minor">
+            <a:schemeClr val="dk1"/>
+          </a:fontRef>
+        </p:style>
+        <p:txBody>
+          <a:bodyPr rtlCol="0" anchor="ctr"/>
+          <a:lstStyle/>
+          <a:p>
+            <a:pPr algn="ctr"/>
+            <a:r>
+              <a:rPr kumimoji="1" lang="en-US" altLang="zh-CN" sz="1400" dirty="0"/>
+              <a:t>acl::redis_client</a:t>
+            </a:r>
+            <a:endParaRPr kumimoji="1" lang="zh-CN" altLang="en-US" sz="1400" dirty="0"/>
+          </a:p>
+        </p:txBody>
+      </p:sp>
+      <p:sp>
+        <p:nvSpPr>
+          <p:cNvPr id="6" name="矩形 5">
+            <a:extLst>
+              <a:ext uri="{FF2B5EF4-FFF2-40B4-BE49-F238E27FC236}">
+                <a16:creationId xmlns:a16="http://schemas.microsoft.com/office/drawing/2014/main" id="{DAFE8BA2-0C41-4449-86D7-F323DDB20E56}"/>
+              </a:ext>
+            </a:extLst>
+          </p:cNvPr>
+          <p:cNvSpPr/>
+          <p:nvPr/>
+        </p:nvSpPr>
+        <p:spPr>
+          <a:xfrm>
+            <a:off x="3347864" y="3906203"/>
+            <a:ext cx="2088232" cy="432048"/>
+          </a:xfrm>
+          <a:prstGeom prst="rect">
+            <a:avLst/>
+          </a:prstGeom>
+          <a:solidFill>
+            <a:schemeClr val="accent2"/>
+          </a:solidFill>
+          <a:ln w="9525"/>
+        </p:spPr>
+        <p:style>
+          <a:lnRef idx="2">
+            <a:schemeClr val="accent6"/>
+          </a:lnRef>
+          <a:fillRef idx="1">
+            <a:schemeClr val="lt1"/>
+          </a:fillRef>
+          <a:effectRef idx="0">
+            <a:schemeClr val="accent6"/>
+          </a:effectRef>
+          <a:fontRef idx="minor">
+            <a:schemeClr val="dk1"/>
+          </a:fontRef>
+        </p:style>
+        <p:txBody>
+          <a:bodyPr rtlCol="0" anchor="ctr"/>
+          <a:lstStyle/>
+          <a:p>
+            <a:pPr algn="ctr"/>
+            <a:r>
+              <a:rPr kumimoji="1" lang="en-US" altLang="zh-CN" sz="1400" dirty="0"/>
+              <a:t>acl::redis_client_pool</a:t>
+            </a:r>
+            <a:endParaRPr kumimoji="1" lang="zh-CN" altLang="en-US" sz="1400" dirty="0"/>
+          </a:p>
+        </p:txBody>
+      </p:sp>
+      <p:sp>
+        <p:nvSpPr>
+          <p:cNvPr id="7" name="矩形 6">
+            <a:extLst>
+              <a:ext uri="{FF2B5EF4-FFF2-40B4-BE49-F238E27FC236}">
+                <a16:creationId xmlns:a16="http://schemas.microsoft.com/office/drawing/2014/main" id="{C765FA9A-8543-1147-8F6E-924155060284}"/>
+              </a:ext>
+            </a:extLst>
+          </p:cNvPr>
+          <p:cNvSpPr/>
+          <p:nvPr/>
+        </p:nvSpPr>
+        <p:spPr>
+          <a:xfrm>
+            <a:off x="3345668" y="2852935"/>
+            <a:ext cx="2088232" cy="432048"/>
+          </a:xfrm>
+          <a:prstGeom prst="rect">
+            <a:avLst/>
+          </a:prstGeom>
+          <a:solidFill>
+            <a:schemeClr val="accent2"/>
+          </a:solidFill>
+          <a:ln w="9525"/>
+        </p:spPr>
+        <p:style>
+          <a:lnRef idx="2">
+            <a:schemeClr val="accent6"/>
+          </a:lnRef>
+          <a:fillRef idx="1">
+            <a:schemeClr val="lt1"/>
+          </a:fillRef>
+          <a:effectRef idx="0">
+            <a:schemeClr val="accent6"/>
+          </a:effectRef>
+          <a:fontRef idx="minor">
+            <a:schemeClr val="dk1"/>
+          </a:fontRef>
+        </p:style>
+        <p:txBody>
+          <a:bodyPr rtlCol="0" anchor="ctr"/>
+          <a:lstStyle/>
+          <a:p>
+            <a:pPr algn="ctr"/>
+            <a:r>
+              <a:rPr kumimoji="1" lang="en-US" altLang="zh-CN" sz="1400" dirty="0"/>
+              <a:t>acl::redis_client_cluster</a:t>
+            </a:r>
+            <a:endParaRPr kumimoji="1" lang="zh-CN" altLang="en-US" sz="1400" dirty="0"/>
+          </a:p>
+        </p:txBody>
+      </p:sp>
+      <p:sp>
+        <p:nvSpPr>
+          <p:cNvPr id="8" name="矩形 7">
+            <a:extLst>
+              <a:ext uri="{FF2B5EF4-FFF2-40B4-BE49-F238E27FC236}">
+                <a16:creationId xmlns:a16="http://schemas.microsoft.com/office/drawing/2014/main" id="{0BA3B0C1-1B03-874A-9B71-B1E76FFD984B}"/>
+              </a:ext>
+            </a:extLst>
+          </p:cNvPr>
+          <p:cNvSpPr/>
+          <p:nvPr/>
+        </p:nvSpPr>
+        <p:spPr>
+          <a:xfrm>
+            <a:off x="3345668" y="1852849"/>
+            <a:ext cx="2088232" cy="432048"/>
+          </a:xfrm>
+          <a:prstGeom prst="rect">
+            <a:avLst/>
+          </a:prstGeom>
+          <a:solidFill>
+            <a:schemeClr val="accent2"/>
+          </a:solidFill>
+          <a:ln w="9525"/>
+        </p:spPr>
+        <p:style>
+          <a:lnRef idx="2">
+            <a:schemeClr val="accent6"/>
+          </a:lnRef>
+          <a:fillRef idx="1">
+            <a:schemeClr val="lt1"/>
+          </a:fillRef>
+          <a:effectRef idx="0">
+            <a:schemeClr val="accent6"/>
+          </a:effectRef>
+          <a:fontRef idx="minor">
+            <a:schemeClr val="dk1"/>
+          </a:fontRef>
+        </p:style>
+        <p:txBody>
+          <a:bodyPr rtlCol="0" anchor="ctr"/>
+          <a:lstStyle/>
+          <a:p>
+            <a:pPr algn="ctr"/>
+            <a:r>
+              <a:rPr kumimoji="1" lang="en-US" altLang="zh-CN" sz="1400" dirty="0"/>
+              <a:t>acl::redis_client_pipeline</a:t>
+            </a:r>
+            <a:endParaRPr kumimoji="1" lang="zh-CN" altLang="en-US" sz="1400" dirty="0"/>
+          </a:p>
+        </p:txBody>
+      </p:sp>
+      <p:sp>
+        <p:nvSpPr>
+          <p:cNvPr id="10" name="矩形 9">
+            <a:extLst>
+              <a:ext uri="{FF2B5EF4-FFF2-40B4-BE49-F238E27FC236}">
+                <a16:creationId xmlns:a16="http://schemas.microsoft.com/office/drawing/2014/main" id="{ED7E9120-D291-FA4B-B64A-CB3B25EB2C99}"/>
+              </a:ext>
+            </a:extLst>
+          </p:cNvPr>
+          <p:cNvSpPr/>
+          <p:nvPr/>
+        </p:nvSpPr>
+        <p:spPr>
+          <a:xfrm>
+            <a:off x="613756" y="5042281"/>
+            <a:ext cx="2086036" cy="432048"/>
+          </a:xfrm>
+          <a:prstGeom prst="rect">
+            <a:avLst/>
+          </a:prstGeom>
+          <a:ln w="9525"/>
+        </p:spPr>
+        <p:style>
+          <a:lnRef idx="2">
+            <a:schemeClr val="accent6"/>
+          </a:lnRef>
+          <a:fillRef idx="1">
+            <a:schemeClr val="lt1"/>
+          </a:fillRef>
+          <a:effectRef idx="0">
+            <a:schemeClr val="accent6"/>
+          </a:effectRef>
+          <a:fontRef idx="minor">
+            <a:schemeClr val="dk1"/>
+          </a:fontRef>
+        </p:style>
+        <p:txBody>
+          <a:bodyPr rtlCol="0" anchor="ctr"/>
+          <a:lstStyle/>
+          <a:p>
+            <a:pPr algn="ctr"/>
+            <a:r>
+              <a:rPr kumimoji="1" lang="en-US" altLang="zh-CN" sz="1400" dirty="0"/>
+              <a:t>acl::connect_client</a:t>
+            </a:r>
+            <a:endParaRPr kumimoji="1" lang="zh-CN" altLang="en-US" sz="1400" dirty="0"/>
+          </a:p>
+        </p:txBody>
+      </p:sp>
+      <p:sp>
+        <p:nvSpPr>
+          <p:cNvPr id="11" name="矩形 10">
+            <a:extLst>
+              <a:ext uri="{FF2B5EF4-FFF2-40B4-BE49-F238E27FC236}">
+                <a16:creationId xmlns:a16="http://schemas.microsoft.com/office/drawing/2014/main" id="{0A161284-BD4E-1344-AA6E-94759AFFD3DE}"/>
+              </a:ext>
+            </a:extLst>
+          </p:cNvPr>
+          <p:cNvSpPr/>
+          <p:nvPr/>
+        </p:nvSpPr>
+        <p:spPr>
+          <a:xfrm>
+            <a:off x="611560" y="3906203"/>
+            <a:ext cx="2088232" cy="432048"/>
+          </a:xfrm>
+          <a:prstGeom prst="rect">
+            <a:avLst/>
+          </a:prstGeom>
+          <a:ln w="9525"/>
+        </p:spPr>
+        <p:style>
+          <a:lnRef idx="2">
+            <a:schemeClr val="accent6"/>
+          </a:lnRef>
+          <a:fillRef idx="1">
+            <a:schemeClr val="lt1"/>
+          </a:fillRef>
+          <a:effectRef idx="0">
+            <a:schemeClr val="accent6"/>
+          </a:effectRef>
+          <a:fontRef idx="minor">
+            <a:schemeClr val="dk1"/>
+          </a:fontRef>
+        </p:style>
+        <p:txBody>
+          <a:bodyPr rtlCol="0" anchor="ctr"/>
+          <a:lstStyle/>
+          <a:p>
+            <a:pPr algn="ctr"/>
+            <a:r>
+              <a:rPr kumimoji="1" lang="en-US" altLang="zh-CN" sz="1400" dirty="0"/>
+              <a:t>acl::connect_pool</a:t>
+            </a:r>
+            <a:endParaRPr kumimoji="1" lang="zh-CN" altLang="en-US" sz="1400" dirty="0"/>
+          </a:p>
+        </p:txBody>
+      </p:sp>
+      <p:sp>
+        <p:nvSpPr>
+          <p:cNvPr id="12" name="矩形 11">
+            <a:extLst>
+              <a:ext uri="{FF2B5EF4-FFF2-40B4-BE49-F238E27FC236}">
+                <a16:creationId xmlns:a16="http://schemas.microsoft.com/office/drawing/2014/main" id="{0F904C98-A7E8-1F41-9B88-8E0E348A97A7}"/>
+              </a:ext>
+            </a:extLst>
+          </p:cNvPr>
+          <p:cNvSpPr/>
+          <p:nvPr/>
+        </p:nvSpPr>
+        <p:spPr>
+          <a:xfrm>
+            <a:off x="611560" y="2852935"/>
+            <a:ext cx="2088232" cy="432048"/>
+          </a:xfrm>
+          <a:prstGeom prst="rect">
+            <a:avLst/>
+          </a:prstGeom>
+          <a:ln w="9525"/>
+        </p:spPr>
+        <p:style>
+          <a:lnRef idx="2">
+            <a:schemeClr val="accent6"/>
+          </a:lnRef>
+          <a:fillRef idx="1">
+            <a:schemeClr val="lt1"/>
+          </a:fillRef>
+          <a:effectRef idx="0">
+            <a:schemeClr val="accent6"/>
+          </a:effectRef>
+          <a:fontRef idx="minor">
+            <a:schemeClr val="dk1"/>
+          </a:fontRef>
+        </p:style>
+        <p:txBody>
+          <a:bodyPr rtlCol="0" anchor="ctr"/>
+          <a:lstStyle/>
+          <a:p>
+            <a:pPr algn="ctr"/>
+            <a:r>
+              <a:rPr kumimoji="1" lang="en-US" altLang="zh-CN" sz="1400" dirty="0"/>
+              <a:t>acl::connect_manager</a:t>
+            </a:r>
+            <a:endParaRPr kumimoji="1" lang="zh-CN" altLang="en-US" sz="1400" dirty="0"/>
+          </a:p>
+        </p:txBody>
+      </p:sp>
+      <p:cxnSp>
+        <p:nvCxnSpPr>
+          <p:cNvPr id="14" name="直线箭头连接符 13">
+            <a:extLst>
+              <a:ext uri="{FF2B5EF4-FFF2-40B4-BE49-F238E27FC236}">
+                <a16:creationId xmlns:a16="http://schemas.microsoft.com/office/drawing/2014/main" id="{4B1E5C4C-7907-CA47-9465-9D21484B170F}"/>
+              </a:ext>
+            </a:extLst>
+          </p:cNvPr>
+          <p:cNvCxnSpPr>
+            <a:stCxn id="7" idx="1"/>
+            <a:endCxn id="12" idx="3"/>
+          </p:cNvCxnSpPr>
+          <p:nvPr/>
+        </p:nvCxnSpPr>
+        <p:spPr>
+          <a:xfrm flipH="1">
+            <a:off x="2699792" y="3068959"/>
+            <a:ext cx="645876" cy="0"/>
+          </a:xfrm>
+          <a:prstGeom prst="straightConnector1">
+            <a:avLst/>
+          </a:prstGeom>
+          <a:ln>
+            <a:solidFill>
+              <a:srgbClr val="00B050"/>
+            </a:solidFill>
+            <a:tailEnd type="triangle"/>
+          </a:ln>
+        </p:spPr>
+        <p:style>
+          <a:lnRef idx="1">
+            <a:schemeClr val="accent1"/>
+          </a:lnRef>
+          <a:fillRef idx="0">
+            <a:schemeClr val="accent1"/>
+          </a:fillRef>
+          <a:effectRef idx="0">
+            <a:schemeClr val="accent1"/>
+          </a:effectRef>
+          <a:fontRef idx="minor">
+            <a:schemeClr val="tx1"/>
+          </a:fontRef>
+        </p:style>
+      </p:cxnSp>
+      <p:cxnSp>
+        <p:nvCxnSpPr>
+          <p:cNvPr id="16" name="直线箭头连接符 15">
+            <a:extLst>
+              <a:ext uri="{FF2B5EF4-FFF2-40B4-BE49-F238E27FC236}">
+                <a16:creationId xmlns:a16="http://schemas.microsoft.com/office/drawing/2014/main" id="{15C36215-B8F5-2741-92FB-7D43549F2E3C}"/>
+              </a:ext>
+            </a:extLst>
+          </p:cNvPr>
+          <p:cNvCxnSpPr>
+            <a:stCxn id="6" idx="1"/>
+            <a:endCxn id="11" idx="3"/>
+          </p:cNvCxnSpPr>
+          <p:nvPr/>
+        </p:nvCxnSpPr>
+        <p:spPr>
+          <a:xfrm flipH="1">
+            <a:off x="2699792" y="4122227"/>
+            <a:ext cx="648072" cy="0"/>
+          </a:xfrm>
+          <a:prstGeom prst="straightConnector1">
+            <a:avLst/>
+          </a:prstGeom>
+          <a:ln>
+            <a:solidFill>
+              <a:srgbClr val="00B050"/>
+            </a:solidFill>
+            <a:tailEnd type="triangle"/>
+          </a:ln>
+        </p:spPr>
+        <p:style>
+          <a:lnRef idx="1">
+            <a:schemeClr val="accent1"/>
+          </a:lnRef>
+          <a:fillRef idx="0">
+            <a:schemeClr val="accent1"/>
+          </a:fillRef>
+          <a:effectRef idx="0">
+            <a:schemeClr val="accent1"/>
+          </a:effectRef>
+          <a:fontRef idx="minor">
+            <a:schemeClr val="tx1"/>
+          </a:fontRef>
+        </p:style>
+      </p:cxnSp>
+      <p:cxnSp>
+        <p:nvCxnSpPr>
+          <p:cNvPr id="18" name="直线箭头连接符 17">
+            <a:extLst>
+              <a:ext uri="{FF2B5EF4-FFF2-40B4-BE49-F238E27FC236}">
+                <a16:creationId xmlns:a16="http://schemas.microsoft.com/office/drawing/2014/main" id="{EF6B40D8-E773-AE4E-8E97-AC0B918930DF}"/>
+              </a:ext>
+            </a:extLst>
+          </p:cNvPr>
+          <p:cNvCxnSpPr>
+            <a:stCxn id="4" idx="1"/>
+            <a:endCxn id="10" idx="3"/>
+          </p:cNvCxnSpPr>
+          <p:nvPr/>
+        </p:nvCxnSpPr>
+        <p:spPr>
+          <a:xfrm flipH="1">
+            <a:off x="2699792" y="5258305"/>
+            <a:ext cx="648072" cy="0"/>
+          </a:xfrm>
+          <a:prstGeom prst="straightConnector1">
+            <a:avLst/>
+          </a:prstGeom>
+          <a:ln>
+            <a:solidFill>
+              <a:srgbClr val="00B050"/>
+            </a:solidFill>
+            <a:tailEnd type="triangle"/>
+          </a:ln>
+        </p:spPr>
+        <p:style>
+          <a:lnRef idx="1">
+            <a:schemeClr val="accent1"/>
+          </a:lnRef>
+          <a:fillRef idx="0">
+            <a:schemeClr val="accent1"/>
+          </a:fillRef>
+          <a:effectRef idx="0">
+            <a:schemeClr val="accent1"/>
+          </a:effectRef>
+          <a:fontRef idx="minor">
+            <a:schemeClr val="tx1"/>
+          </a:fontRef>
+        </p:style>
+      </p:cxnSp>
+      <p:cxnSp>
+        <p:nvCxnSpPr>
+          <p:cNvPr id="23" name="直线箭头连接符 22">
+            <a:extLst>
+              <a:ext uri="{FF2B5EF4-FFF2-40B4-BE49-F238E27FC236}">
+                <a16:creationId xmlns:a16="http://schemas.microsoft.com/office/drawing/2014/main" id="{21F7991C-37DD-A942-8A8D-EED480EFF03F}"/>
+              </a:ext>
+            </a:extLst>
+          </p:cNvPr>
+          <p:cNvCxnSpPr>
+            <a:stCxn id="10" idx="0"/>
+            <a:endCxn id="11" idx="2"/>
+          </p:cNvCxnSpPr>
+          <p:nvPr/>
+        </p:nvCxnSpPr>
+        <p:spPr>
+          <a:xfrm flipH="1" flipV="1">
+            <a:off x="1655676" y="4338251"/>
+            <a:ext cx="1098" cy="704030"/>
+          </a:xfrm>
+          <a:prstGeom prst="straightConnector1">
+            <a:avLst/>
+          </a:prstGeom>
+          <a:ln>
+            <a:solidFill>
+              <a:srgbClr val="00B0F0"/>
+            </a:solidFill>
+            <a:tailEnd type="triangle"/>
+          </a:ln>
+        </p:spPr>
+        <p:style>
+          <a:lnRef idx="1">
+            <a:schemeClr val="accent1"/>
+          </a:lnRef>
+          <a:fillRef idx="0">
+            <a:schemeClr val="accent1"/>
+          </a:fillRef>
+          <a:effectRef idx="0">
+            <a:schemeClr val="accent1"/>
+          </a:effectRef>
+          <a:fontRef idx="minor">
+            <a:schemeClr val="tx1"/>
+          </a:fontRef>
+        </p:style>
+      </p:cxnSp>
+      <p:cxnSp>
+        <p:nvCxnSpPr>
+          <p:cNvPr id="25" name="直线箭头连接符 24">
+            <a:extLst>
+              <a:ext uri="{FF2B5EF4-FFF2-40B4-BE49-F238E27FC236}">
+                <a16:creationId xmlns:a16="http://schemas.microsoft.com/office/drawing/2014/main" id="{954977BB-4F7D-6743-984E-315F443F7225}"/>
+              </a:ext>
+            </a:extLst>
+          </p:cNvPr>
+          <p:cNvCxnSpPr>
+            <a:stCxn id="11" idx="0"/>
+            <a:endCxn id="12" idx="2"/>
+          </p:cNvCxnSpPr>
+          <p:nvPr/>
+        </p:nvCxnSpPr>
+        <p:spPr>
+          <a:xfrm flipV="1">
+            <a:off x="1655676" y="3284983"/>
+            <a:ext cx="0" cy="621220"/>
+          </a:xfrm>
+          <a:prstGeom prst="straightConnector1">
+            <a:avLst/>
+          </a:prstGeom>
+          <a:ln>
+            <a:solidFill>
+              <a:srgbClr val="00B0F0"/>
+            </a:solidFill>
+            <a:tailEnd type="triangle"/>
+          </a:ln>
+        </p:spPr>
+        <p:style>
+          <a:lnRef idx="1">
+            <a:schemeClr val="accent1"/>
+          </a:lnRef>
+          <a:fillRef idx="0">
+            <a:schemeClr val="accent1"/>
+          </a:fillRef>
+          <a:effectRef idx="0">
+            <a:schemeClr val="accent1"/>
+          </a:effectRef>
+          <a:fontRef idx="minor">
+            <a:schemeClr val="tx1"/>
+          </a:fontRef>
+        </p:style>
+      </p:cxnSp>
+      <p:cxnSp>
+        <p:nvCxnSpPr>
+          <p:cNvPr id="27" name="直线箭头连接符 26">
+            <a:extLst>
+              <a:ext uri="{FF2B5EF4-FFF2-40B4-BE49-F238E27FC236}">
+                <a16:creationId xmlns:a16="http://schemas.microsoft.com/office/drawing/2014/main" id="{96D9CE50-D970-9C46-9BBC-9773C92BA5F8}"/>
+              </a:ext>
+            </a:extLst>
+          </p:cNvPr>
+          <p:cNvCxnSpPr>
+            <a:stCxn id="4" idx="0"/>
+            <a:endCxn id="6" idx="2"/>
+          </p:cNvCxnSpPr>
+          <p:nvPr/>
+        </p:nvCxnSpPr>
+        <p:spPr>
+          <a:xfrm flipV="1">
+            <a:off x="4390882" y="4338251"/>
+            <a:ext cx="1098" cy="704030"/>
+          </a:xfrm>
+          <a:prstGeom prst="straightConnector1">
+            <a:avLst/>
+          </a:prstGeom>
+          <a:ln>
+            <a:solidFill>
+              <a:srgbClr val="00B0F0"/>
+            </a:solidFill>
+            <a:tailEnd type="triangle"/>
+          </a:ln>
+        </p:spPr>
+        <p:style>
+          <a:lnRef idx="1">
+            <a:schemeClr val="accent1"/>
+          </a:lnRef>
+          <a:fillRef idx="0">
+            <a:schemeClr val="accent1"/>
+          </a:fillRef>
+          <a:effectRef idx="0">
+            <a:schemeClr val="accent1"/>
+          </a:effectRef>
+          <a:fontRef idx="minor">
+            <a:schemeClr val="tx1"/>
+          </a:fontRef>
+        </p:style>
+      </p:cxnSp>
+      <p:cxnSp>
+        <p:nvCxnSpPr>
+          <p:cNvPr id="29" name="直线箭头连接符 28">
+            <a:extLst>
+              <a:ext uri="{FF2B5EF4-FFF2-40B4-BE49-F238E27FC236}">
+                <a16:creationId xmlns:a16="http://schemas.microsoft.com/office/drawing/2014/main" id="{64162664-862E-3F47-8FCB-35AB15F74378}"/>
+              </a:ext>
+            </a:extLst>
+          </p:cNvPr>
+          <p:cNvCxnSpPr>
+            <a:stCxn id="6" idx="0"/>
+            <a:endCxn id="7" idx="2"/>
+          </p:cNvCxnSpPr>
+          <p:nvPr/>
+        </p:nvCxnSpPr>
+        <p:spPr>
+          <a:xfrm flipH="1" flipV="1">
+            <a:off x="4389784" y="3284983"/>
+            <a:ext cx="2196" cy="621220"/>
+          </a:xfrm>
+          <a:prstGeom prst="straightConnector1">
+            <a:avLst/>
+          </a:prstGeom>
+          <a:ln>
+            <a:solidFill>
+              <a:srgbClr val="00B0F0"/>
+            </a:solidFill>
+            <a:tailEnd type="triangle"/>
+          </a:ln>
+        </p:spPr>
+        <p:style>
+          <a:lnRef idx="1">
+            <a:schemeClr val="accent1"/>
+          </a:lnRef>
+          <a:fillRef idx="0">
+            <a:schemeClr val="accent1"/>
+          </a:fillRef>
+          <a:effectRef idx="0">
+            <a:schemeClr val="accent1"/>
+          </a:effectRef>
+          <a:fontRef idx="minor">
+            <a:schemeClr val="tx1"/>
+          </a:fontRef>
+        </p:style>
+      </p:cxnSp>
+      <p:sp>
+        <p:nvSpPr>
+          <p:cNvPr id="30" name="文本框 29">
+            <a:extLst>
+              <a:ext uri="{FF2B5EF4-FFF2-40B4-BE49-F238E27FC236}">
+                <a16:creationId xmlns:a16="http://schemas.microsoft.com/office/drawing/2014/main" id="{95CABD84-376F-7A47-87E3-96AF457359E6}"/>
+              </a:ext>
+            </a:extLst>
+          </p:cNvPr>
+          <p:cNvSpPr txBox="1"/>
+          <p:nvPr/>
+        </p:nvSpPr>
+        <p:spPr>
+          <a:xfrm>
+            <a:off x="5868144" y="4869160"/>
+            <a:ext cx="2304256" cy="276999"/>
+          </a:xfrm>
+          <a:prstGeom prst="rect">
+            <a:avLst/>
+          </a:prstGeom>
+          <a:noFill/>
+        </p:spPr>
+        <p:txBody>
+          <a:bodyPr wrap="square" rtlCol="0">
+            <a:spAutoFit/>
+          </a:bodyPr>
+          <a:lstStyle/>
+          <a:p>
+            <a:r>
+              <a:rPr kumimoji="1" lang="zh-CN" altLang="en-US" sz="1200" dirty="0"/>
+              <a:t>与单一</a:t>
+            </a:r>
+            <a:r>
+              <a:rPr kumimoji="1" lang="en-US" altLang="zh-CN" sz="1200" dirty="0"/>
+              <a:t>Redis</a:t>
+            </a:r>
+            <a:r>
+              <a:rPr kumimoji="1" lang="zh-CN" altLang="en-US" sz="1200" dirty="0"/>
+              <a:t>节点保持单一连接；</a:t>
+            </a:r>
+            <a:endParaRPr kumimoji="1" lang="en-US" altLang="zh-CN" sz="1200" dirty="0"/>
+          </a:p>
+        </p:txBody>
+      </p:sp>
+      <p:sp>
+        <p:nvSpPr>
+          <p:cNvPr id="33" name="左大括号 32">
+            <a:extLst>
+              <a:ext uri="{FF2B5EF4-FFF2-40B4-BE49-F238E27FC236}">
+                <a16:creationId xmlns:a16="http://schemas.microsoft.com/office/drawing/2014/main" id="{C2503E2F-5443-E541-AE6F-FE7549821D4D}"/>
+              </a:ext>
+            </a:extLst>
+          </p:cNvPr>
+          <p:cNvSpPr/>
+          <p:nvPr/>
+        </p:nvSpPr>
+        <p:spPr>
+          <a:xfrm>
+            <a:off x="5508104" y="5013176"/>
+            <a:ext cx="360040" cy="530909"/>
+          </a:xfrm>
+          <a:prstGeom prst="leftBrace">
+            <a:avLst/>
+          </a:prstGeom>
+          <a:ln>
+            <a:solidFill>
+              <a:srgbClr val="0070C0"/>
+            </a:solidFill>
+            <a:headEnd type="none"/>
+            <a:tailEnd type="none"/>
+          </a:ln>
+        </p:spPr>
+        <p:style>
+          <a:lnRef idx="1">
+            <a:schemeClr val="accent1"/>
+          </a:lnRef>
+          <a:fillRef idx="0">
+            <a:schemeClr val="accent1"/>
+          </a:fillRef>
+          <a:effectRef idx="0">
+            <a:schemeClr val="accent1"/>
+          </a:effectRef>
+          <a:fontRef idx="minor">
+            <a:schemeClr val="tx1"/>
+          </a:fontRef>
+        </p:style>
+        <p:txBody>
+          <a:bodyPr rtlCol="0" anchor="ctr"/>
+          <a:lstStyle/>
+          <a:p>
+            <a:pPr algn="ctr"/>
+            <a:endParaRPr kumimoji="1" lang="zh-CN" altLang="en-US"/>
+          </a:p>
+        </p:txBody>
+      </p:sp>
+      <p:sp>
+        <p:nvSpPr>
+          <p:cNvPr id="34" name="文本框 33">
+            <a:extLst>
+              <a:ext uri="{FF2B5EF4-FFF2-40B4-BE49-F238E27FC236}">
+                <a16:creationId xmlns:a16="http://schemas.microsoft.com/office/drawing/2014/main" id="{38F24886-3E53-A045-9ACF-84AF366E3AB1}"/>
+              </a:ext>
+            </a:extLst>
+          </p:cNvPr>
+          <p:cNvSpPr txBox="1"/>
+          <p:nvPr/>
+        </p:nvSpPr>
+        <p:spPr>
+          <a:xfrm>
+            <a:off x="5868144" y="5134011"/>
+            <a:ext cx="2304256" cy="276999"/>
+          </a:xfrm>
+          <a:prstGeom prst="rect">
+            <a:avLst/>
+          </a:prstGeom>
+          <a:noFill/>
+        </p:spPr>
+        <p:txBody>
+          <a:bodyPr wrap="square" rtlCol="0">
+            <a:spAutoFit/>
+          </a:bodyPr>
+          <a:lstStyle/>
+          <a:p>
+            <a:r>
+              <a:rPr kumimoji="1" lang="zh-CN" altLang="en-US" sz="1200" dirty="0"/>
+              <a:t>同一类对象不能跨线程使用；</a:t>
+            </a:r>
+            <a:endParaRPr kumimoji="1" lang="en-US" altLang="zh-CN" sz="1200" dirty="0"/>
+          </a:p>
+        </p:txBody>
+      </p:sp>
+      <p:sp>
+        <p:nvSpPr>
+          <p:cNvPr id="36" name="文本框 35">
+            <a:extLst>
+              <a:ext uri="{FF2B5EF4-FFF2-40B4-BE49-F238E27FC236}">
+                <a16:creationId xmlns:a16="http://schemas.microsoft.com/office/drawing/2014/main" id="{DCEFBD07-A297-D44E-BAB6-27B5474A935F}"/>
+              </a:ext>
+            </a:extLst>
+          </p:cNvPr>
+          <p:cNvSpPr txBox="1"/>
+          <p:nvPr/>
+        </p:nvSpPr>
+        <p:spPr>
+          <a:xfrm>
+            <a:off x="5886506" y="3743150"/>
+            <a:ext cx="2304256" cy="276999"/>
+          </a:xfrm>
+          <a:prstGeom prst="rect">
+            <a:avLst/>
+          </a:prstGeom>
+          <a:noFill/>
+        </p:spPr>
+        <p:txBody>
+          <a:bodyPr wrap="square" rtlCol="0">
+            <a:spAutoFit/>
+          </a:bodyPr>
+          <a:lstStyle/>
+          <a:p>
+            <a:r>
+              <a:rPr kumimoji="1" lang="zh-CN" altLang="en-US" sz="1200" dirty="0"/>
+              <a:t>与单一</a:t>
+            </a:r>
+            <a:r>
+              <a:rPr kumimoji="1" lang="en-US" altLang="zh-CN" sz="1200" dirty="0"/>
+              <a:t>Redis</a:t>
+            </a:r>
+            <a:r>
+              <a:rPr kumimoji="1" lang="zh-CN" altLang="en-US" sz="1200" dirty="0"/>
+              <a:t>节点保持连接池；</a:t>
+            </a:r>
+            <a:endParaRPr kumimoji="1" lang="en-US" altLang="zh-CN" sz="1200" dirty="0"/>
+          </a:p>
+        </p:txBody>
+      </p:sp>
+      <p:sp>
+        <p:nvSpPr>
+          <p:cNvPr id="37" name="左大括号 36">
+            <a:extLst>
+              <a:ext uri="{FF2B5EF4-FFF2-40B4-BE49-F238E27FC236}">
+                <a16:creationId xmlns:a16="http://schemas.microsoft.com/office/drawing/2014/main" id="{F06888AC-7C9D-964A-B4AD-4F337CA11F9D}"/>
+              </a:ext>
+            </a:extLst>
+          </p:cNvPr>
+          <p:cNvSpPr/>
+          <p:nvPr/>
+        </p:nvSpPr>
+        <p:spPr>
+          <a:xfrm>
+            <a:off x="5535287" y="3873171"/>
+            <a:ext cx="360040" cy="530909"/>
+          </a:xfrm>
+          <a:prstGeom prst="leftBrace">
+            <a:avLst/>
+          </a:prstGeom>
+          <a:ln>
+            <a:solidFill>
+              <a:srgbClr val="0070C0"/>
+            </a:solidFill>
+            <a:headEnd type="none"/>
+            <a:tailEnd type="none"/>
+          </a:ln>
+        </p:spPr>
+        <p:style>
+          <a:lnRef idx="1">
+            <a:schemeClr val="accent1"/>
+          </a:lnRef>
+          <a:fillRef idx="0">
+            <a:schemeClr val="accent1"/>
+          </a:fillRef>
+          <a:effectRef idx="0">
+            <a:schemeClr val="accent1"/>
+          </a:effectRef>
+          <a:fontRef idx="minor">
+            <a:schemeClr val="tx1"/>
+          </a:fontRef>
+        </p:style>
+        <p:txBody>
+          <a:bodyPr rtlCol="0" anchor="ctr"/>
+          <a:lstStyle/>
+          <a:p>
+            <a:pPr algn="ctr"/>
+            <a:endParaRPr kumimoji="1" lang="zh-CN" altLang="en-US"/>
+          </a:p>
+        </p:txBody>
+      </p:sp>
+      <p:sp>
+        <p:nvSpPr>
+          <p:cNvPr id="38" name="文本框 37">
+            <a:extLst>
+              <a:ext uri="{FF2B5EF4-FFF2-40B4-BE49-F238E27FC236}">
+                <a16:creationId xmlns:a16="http://schemas.microsoft.com/office/drawing/2014/main" id="{741965CC-E0FE-E641-8532-70316529EE76}"/>
+              </a:ext>
+            </a:extLst>
+          </p:cNvPr>
+          <p:cNvSpPr txBox="1"/>
+          <p:nvPr/>
+        </p:nvSpPr>
+        <p:spPr>
+          <a:xfrm>
+            <a:off x="5886506" y="4008001"/>
+            <a:ext cx="2304256" cy="276999"/>
+          </a:xfrm>
+          <a:prstGeom prst="rect">
+            <a:avLst/>
+          </a:prstGeom>
+          <a:noFill/>
+        </p:spPr>
+        <p:txBody>
+          <a:bodyPr wrap="square" rtlCol="0">
+            <a:spAutoFit/>
+          </a:bodyPr>
+          <a:lstStyle/>
+          <a:p>
+            <a:r>
+              <a:rPr kumimoji="1" lang="zh-CN" altLang="en-US" sz="1200" dirty="0"/>
+              <a:t>同一类对象可以能跨线程使用；</a:t>
+            </a:r>
+            <a:endParaRPr kumimoji="1" lang="en-US" altLang="zh-CN" sz="1200" dirty="0"/>
+          </a:p>
+        </p:txBody>
+      </p:sp>
+      <p:sp>
+        <p:nvSpPr>
+          <p:cNvPr id="39" name="文本框 38">
+            <a:extLst>
+              <a:ext uri="{FF2B5EF4-FFF2-40B4-BE49-F238E27FC236}">
+                <a16:creationId xmlns:a16="http://schemas.microsoft.com/office/drawing/2014/main" id="{84C86A37-C8FE-FD4F-8DCB-7C852DA9405E}"/>
+              </a:ext>
+            </a:extLst>
+          </p:cNvPr>
+          <p:cNvSpPr txBox="1"/>
+          <p:nvPr/>
+        </p:nvSpPr>
+        <p:spPr>
+          <a:xfrm>
+            <a:off x="5886506" y="4293096"/>
+            <a:ext cx="2304256" cy="276999"/>
+          </a:xfrm>
+          <a:prstGeom prst="rect">
+            <a:avLst/>
+          </a:prstGeom>
+          <a:noFill/>
+        </p:spPr>
+        <p:txBody>
+          <a:bodyPr wrap="square" rtlCol="0">
+            <a:spAutoFit/>
+          </a:bodyPr>
+          <a:lstStyle/>
+          <a:p>
+            <a:r>
+              <a:rPr kumimoji="1" lang="zh-CN" altLang="en-US" sz="1200" dirty="0"/>
+              <a:t>用于单节点模式</a:t>
+            </a:r>
+            <a:endParaRPr kumimoji="1" lang="en-US" altLang="zh-CN" sz="1200" dirty="0"/>
+          </a:p>
+        </p:txBody>
+      </p:sp>
+      <p:sp>
+        <p:nvSpPr>
+          <p:cNvPr id="40" name="文本框 39">
+            <a:extLst>
+              <a:ext uri="{FF2B5EF4-FFF2-40B4-BE49-F238E27FC236}">
+                <a16:creationId xmlns:a16="http://schemas.microsoft.com/office/drawing/2014/main" id="{C308218A-30E0-2942-B957-6A8319D0AD48}"/>
+              </a:ext>
+            </a:extLst>
+          </p:cNvPr>
+          <p:cNvSpPr txBox="1"/>
+          <p:nvPr/>
+        </p:nvSpPr>
+        <p:spPr>
+          <a:xfrm>
+            <a:off x="5868144" y="5411102"/>
+            <a:ext cx="2304256" cy="276999"/>
+          </a:xfrm>
+          <a:prstGeom prst="rect">
+            <a:avLst/>
+          </a:prstGeom>
+          <a:noFill/>
+        </p:spPr>
+        <p:txBody>
+          <a:bodyPr wrap="square" rtlCol="0">
+            <a:spAutoFit/>
+          </a:bodyPr>
+          <a:lstStyle/>
+          <a:p>
+            <a:r>
+              <a:rPr kumimoji="1" lang="zh-CN" altLang="en-US" sz="1200" dirty="0"/>
+              <a:t>用于单节点模式</a:t>
+            </a:r>
+            <a:endParaRPr kumimoji="1" lang="en-US" altLang="zh-CN" sz="1200" dirty="0"/>
+          </a:p>
+        </p:txBody>
+      </p:sp>
+      <p:sp>
+        <p:nvSpPr>
+          <p:cNvPr id="41" name="文本框 40">
+            <a:extLst>
+              <a:ext uri="{FF2B5EF4-FFF2-40B4-BE49-F238E27FC236}">
+                <a16:creationId xmlns:a16="http://schemas.microsoft.com/office/drawing/2014/main" id="{DEED2EEB-B3BE-7B46-884C-978B9E1CC7FB}"/>
+              </a:ext>
+            </a:extLst>
+          </p:cNvPr>
+          <p:cNvSpPr txBox="1"/>
+          <p:nvPr/>
+        </p:nvSpPr>
+        <p:spPr>
+          <a:xfrm>
+            <a:off x="5895327" y="2665608"/>
+            <a:ext cx="2304256" cy="276999"/>
+          </a:xfrm>
+          <a:prstGeom prst="rect">
+            <a:avLst/>
+          </a:prstGeom>
+          <a:noFill/>
+        </p:spPr>
+        <p:txBody>
+          <a:bodyPr wrap="square" rtlCol="0">
+            <a:spAutoFit/>
+          </a:bodyPr>
+          <a:lstStyle/>
+          <a:p>
+            <a:r>
+              <a:rPr kumimoji="1" lang="zh-CN" altLang="en-US" sz="1200" dirty="0"/>
+              <a:t>与每一</a:t>
+            </a:r>
+            <a:r>
+              <a:rPr kumimoji="1" lang="en-US" altLang="zh-CN" sz="1200" dirty="0"/>
+              <a:t>Redis</a:t>
+            </a:r>
+            <a:r>
+              <a:rPr kumimoji="1" lang="zh-CN" altLang="en-US" sz="1200" dirty="0"/>
+              <a:t>节点保持连接池；</a:t>
+            </a:r>
+            <a:endParaRPr kumimoji="1" lang="en-US" altLang="zh-CN" sz="1200" dirty="0"/>
+          </a:p>
+        </p:txBody>
+      </p:sp>
+      <p:sp>
+        <p:nvSpPr>
+          <p:cNvPr id="42" name="左大括号 41">
+            <a:extLst>
+              <a:ext uri="{FF2B5EF4-FFF2-40B4-BE49-F238E27FC236}">
+                <a16:creationId xmlns:a16="http://schemas.microsoft.com/office/drawing/2014/main" id="{14D7FCC0-7A55-9D44-B58C-12554141AFFC}"/>
+              </a:ext>
+            </a:extLst>
+          </p:cNvPr>
+          <p:cNvSpPr/>
+          <p:nvPr/>
+        </p:nvSpPr>
+        <p:spPr>
+          <a:xfrm>
+            <a:off x="5544108" y="2795629"/>
+            <a:ext cx="360040" cy="530909"/>
+          </a:xfrm>
+          <a:prstGeom prst="leftBrace">
+            <a:avLst/>
+          </a:prstGeom>
+          <a:ln>
+            <a:solidFill>
+              <a:srgbClr val="0070C0"/>
+            </a:solidFill>
+            <a:headEnd type="none"/>
+            <a:tailEnd type="none"/>
+          </a:ln>
+        </p:spPr>
+        <p:style>
+          <a:lnRef idx="1">
+            <a:schemeClr val="accent1"/>
+          </a:lnRef>
+          <a:fillRef idx="0">
+            <a:schemeClr val="accent1"/>
+          </a:fillRef>
+          <a:effectRef idx="0">
+            <a:schemeClr val="accent1"/>
+          </a:effectRef>
+          <a:fontRef idx="minor">
+            <a:schemeClr val="tx1"/>
+          </a:fontRef>
+        </p:style>
+        <p:txBody>
+          <a:bodyPr rtlCol="0" anchor="ctr"/>
+          <a:lstStyle/>
+          <a:p>
+            <a:pPr algn="ctr"/>
+            <a:endParaRPr kumimoji="1" lang="zh-CN" altLang="en-US"/>
+          </a:p>
+        </p:txBody>
+      </p:sp>
+      <p:sp>
+        <p:nvSpPr>
+          <p:cNvPr id="43" name="文本框 42">
+            <a:extLst>
+              <a:ext uri="{FF2B5EF4-FFF2-40B4-BE49-F238E27FC236}">
+                <a16:creationId xmlns:a16="http://schemas.microsoft.com/office/drawing/2014/main" id="{C9768790-2774-7E49-84E9-888D33146F44}"/>
+              </a:ext>
+            </a:extLst>
+          </p:cNvPr>
+          <p:cNvSpPr txBox="1"/>
+          <p:nvPr/>
+        </p:nvSpPr>
+        <p:spPr>
+          <a:xfrm>
+            <a:off x="5895327" y="2930459"/>
+            <a:ext cx="2304256" cy="276999"/>
+          </a:xfrm>
+          <a:prstGeom prst="rect">
+            <a:avLst/>
+          </a:prstGeom>
+          <a:noFill/>
+        </p:spPr>
+        <p:txBody>
+          <a:bodyPr wrap="square" rtlCol="0">
+            <a:spAutoFit/>
+          </a:bodyPr>
+          <a:lstStyle/>
+          <a:p>
+            <a:r>
+              <a:rPr kumimoji="1" lang="zh-CN" altLang="en-US" sz="1200" dirty="0"/>
+              <a:t>同一类对象可以能跨线程使用；</a:t>
+            </a:r>
+            <a:endParaRPr kumimoji="1" lang="en-US" altLang="zh-CN" sz="1200" dirty="0"/>
+          </a:p>
+        </p:txBody>
+      </p:sp>
+      <p:sp>
+        <p:nvSpPr>
+          <p:cNvPr id="44" name="文本框 43">
+            <a:extLst>
+              <a:ext uri="{FF2B5EF4-FFF2-40B4-BE49-F238E27FC236}">
+                <a16:creationId xmlns:a16="http://schemas.microsoft.com/office/drawing/2014/main" id="{055E9512-367C-4947-AB36-96C5EF5B9D64}"/>
+              </a:ext>
+            </a:extLst>
+          </p:cNvPr>
+          <p:cNvSpPr txBox="1"/>
+          <p:nvPr/>
+        </p:nvSpPr>
+        <p:spPr>
+          <a:xfrm>
+            <a:off x="5895327" y="3215554"/>
+            <a:ext cx="2304256" cy="276999"/>
+          </a:xfrm>
+          <a:prstGeom prst="rect">
+            <a:avLst/>
+          </a:prstGeom>
+          <a:noFill/>
+        </p:spPr>
+        <p:txBody>
+          <a:bodyPr wrap="square" rtlCol="0">
+            <a:spAutoFit/>
+          </a:bodyPr>
+          <a:lstStyle/>
+          <a:p>
+            <a:r>
+              <a:rPr kumimoji="1" lang="zh-CN" altLang="en-US" sz="1200" dirty="0"/>
+              <a:t>用于单节点模式或集群模式</a:t>
+            </a:r>
+            <a:endParaRPr kumimoji="1" lang="en-US" altLang="zh-CN" sz="1200" dirty="0"/>
+          </a:p>
+        </p:txBody>
+      </p:sp>
+      <p:sp>
+        <p:nvSpPr>
+          <p:cNvPr id="45" name="矩形 44">
+            <a:extLst>
+              <a:ext uri="{FF2B5EF4-FFF2-40B4-BE49-F238E27FC236}">
+                <a16:creationId xmlns:a16="http://schemas.microsoft.com/office/drawing/2014/main" id="{CAB8D35B-1A7A-EA4A-A1A6-2E6CFCF07877}"/>
+              </a:ext>
+            </a:extLst>
+          </p:cNvPr>
+          <p:cNvSpPr/>
+          <p:nvPr/>
+        </p:nvSpPr>
+        <p:spPr>
+          <a:xfrm>
+            <a:off x="611560" y="1852849"/>
+            <a:ext cx="2088232" cy="432048"/>
+          </a:xfrm>
+          <a:prstGeom prst="rect">
+            <a:avLst/>
+          </a:prstGeom>
+          <a:ln w="9525"/>
+        </p:spPr>
+        <p:style>
+          <a:lnRef idx="2">
+            <a:schemeClr val="accent6"/>
+          </a:lnRef>
+          <a:fillRef idx="1">
+            <a:schemeClr val="lt1"/>
+          </a:fillRef>
+          <a:effectRef idx="0">
+            <a:schemeClr val="accent6"/>
+          </a:effectRef>
+          <a:fontRef idx="minor">
+            <a:schemeClr val="dk1"/>
+          </a:fontRef>
+        </p:style>
+        <p:txBody>
+          <a:bodyPr rtlCol="0" anchor="ctr"/>
+          <a:lstStyle/>
+          <a:p>
+            <a:pPr algn="ctr"/>
+            <a:r>
+              <a:rPr kumimoji="1" lang="en-US" altLang="zh-CN" sz="1400" dirty="0"/>
+              <a:t>acl::thread</a:t>
+            </a:r>
+            <a:endParaRPr kumimoji="1" lang="zh-CN" altLang="en-US" sz="1400" dirty="0"/>
+          </a:p>
+        </p:txBody>
+      </p:sp>
+      <p:cxnSp>
+        <p:nvCxnSpPr>
+          <p:cNvPr id="46" name="直线箭头连接符 45">
+            <a:extLst>
+              <a:ext uri="{FF2B5EF4-FFF2-40B4-BE49-F238E27FC236}">
+                <a16:creationId xmlns:a16="http://schemas.microsoft.com/office/drawing/2014/main" id="{E1A4FA72-9DA9-224B-9B38-46C07CA2D5A0}"/>
+              </a:ext>
+            </a:extLst>
+          </p:cNvPr>
+          <p:cNvCxnSpPr>
+            <a:cxnSpLocks/>
+            <a:stCxn id="8" idx="1"/>
+            <a:endCxn id="45" idx="3"/>
+          </p:cNvCxnSpPr>
+          <p:nvPr/>
+        </p:nvCxnSpPr>
+        <p:spPr>
+          <a:xfrm flipH="1">
+            <a:off x="2699792" y="2068873"/>
+            <a:ext cx="645876" cy="0"/>
+          </a:xfrm>
+          <a:prstGeom prst="straightConnector1">
+            <a:avLst/>
+          </a:prstGeom>
+          <a:ln>
+            <a:solidFill>
+              <a:srgbClr val="00B050"/>
+            </a:solidFill>
+            <a:tailEnd type="triangle"/>
+          </a:ln>
+        </p:spPr>
+        <p:style>
+          <a:lnRef idx="1">
+            <a:schemeClr val="accent1"/>
+          </a:lnRef>
+          <a:fillRef idx="0">
+            <a:schemeClr val="accent1"/>
+          </a:fillRef>
+          <a:effectRef idx="0">
+            <a:schemeClr val="accent1"/>
+          </a:effectRef>
+          <a:fontRef idx="minor">
+            <a:schemeClr val="tx1"/>
+          </a:fontRef>
+        </p:style>
+      </p:cxnSp>
+      <p:sp>
+        <p:nvSpPr>
+          <p:cNvPr id="49" name="文本框 48">
+            <a:extLst>
+              <a:ext uri="{FF2B5EF4-FFF2-40B4-BE49-F238E27FC236}">
+                <a16:creationId xmlns:a16="http://schemas.microsoft.com/office/drawing/2014/main" id="{A16AEB78-B72C-A448-A8DC-8FB78FFA2CC8}"/>
+              </a:ext>
+            </a:extLst>
+          </p:cNvPr>
+          <p:cNvSpPr txBox="1"/>
+          <p:nvPr/>
+        </p:nvSpPr>
+        <p:spPr>
+          <a:xfrm>
+            <a:off x="5890356" y="1668384"/>
+            <a:ext cx="2304256" cy="276999"/>
+          </a:xfrm>
+          <a:prstGeom prst="rect">
+            <a:avLst/>
+          </a:prstGeom>
+          <a:noFill/>
+        </p:spPr>
+        <p:txBody>
+          <a:bodyPr wrap="square" rtlCol="0">
+            <a:spAutoFit/>
+          </a:bodyPr>
+          <a:lstStyle/>
+          <a:p>
+            <a:r>
+              <a:rPr kumimoji="1" lang="zh-CN" altLang="en-US" sz="1200" dirty="0"/>
+              <a:t>与单一</a:t>
+            </a:r>
+            <a:r>
+              <a:rPr kumimoji="1" lang="en-US" altLang="zh-CN" sz="1200" dirty="0"/>
+              <a:t>Redis</a:t>
+            </a:r>
+            <a:r>
+              <a:rPr kumimoji="1" lang="zh-CN" altLang="en-US" sz="1200" dirty="0"/>
+              <a:t>节点保持单一连接；</a:t>
+            </a:r>
+            <a:endParaRPr kumimoji="1" lang="en-US" altLang="zh-CN" sz="1200" dirty="0"/>
+          </a:p>
+        </p:txBody>
+      </p:sp>
+      <p:sp>
+        <p:nvSpPr>
+          <p:cNvPr id="50" name="左大括号 49">
+            <a:extLst>
+              <a:ext uri="{FF2B5EF4-FFF2-40B4-BE49-F238E27FC236}">
+                <a16:creationId xmlns:a16="http://schemas.microsoft.com/office/drawing/2014/main" id="{E5D2D833-BCEE-594C-915C-68BC39C820E4}"/>
+              </a:ext>
+            </a:extLst>
+          </p:cNvPr>
+          <p:cNvSpPr/>
+          <p:nvPr/>
+        </p:nvSpPr>
+        <p:spPr>
+          <a:xfrm>
+            <a:off x="5539137" y="1798405"/>
+            <a:ext cx="360040" cy="530909"/>
+          </a:xfrm>
+          <a:prstGeom prst="leftBrace">
+            <a:avLst/>
+          </a:prstGeom>
+          <a:ln>
+            <a:solidFill>
+              <a:srgbClr val="0070C0"/>
+            </a:solidFill>
+            <a:headEnd type="none"/>
+            <a:tailEnd type="none"/>
+          </a:ln>
+        </p:spPr>
+        <p:style>
+          <a:lnRef idx="1">
+            <a:schemeClr val="accent1"/>
+          </a:lnRef>
+          <a:fillRef idx="0">
+            <a:schemeClr val="accent1"/>
+          </a:fillRef>
+          <a:effectRef idx="0">
+            <a:schemeClr val="accent1"/>
+          </a:effectRef>
+          <a:fontRef idx="minor">
+            <a:schemeClr val="tx1"/>
+          </a:fontRef>
+        </p:style>
+        <p:txBody>
+          <a:bodyPr rtlCol="0" anchor="ctr"/>
+          <a:lstStyle/>
+          <a:p>
+            <a:pPr algn="ctr"/>
+            <a:endParaRPr kumimoji="1" lang="zh-CN" altLang="en-US"/>
+          </a:p>
+        </p:txBody>
+      </p:sp>
+      <p:sp>
+        <p:nvSpPr>
+          <p:cNvPr id="51" name="文本框 50">
+            <a:extLst>
+              <a:ext uri="{FF2B5EF4-FFF2-40B4-BE49-F238E27FC236}">
+                <a16:creationId xmlns:a16="http://schemas.microsoft.com/office/drawing/2014/main" id="{B90B8965-390F-B24E-8140-B2BFA9D4EEEF}"/>
+              </a:ext>
+            </a:extLst>
+          </p:cNvPr>
+          <p:cNvSpPr txBox="1"/>
+          <p:nvPr/>
+        </p:nvSpPr>
+        <p:spPr>
+          <a:xfrm>
+            <a:off x="5890356" y="1933235"/>
+            <a:ext cx="2304256" cy="276999"/>
+          </a:xfrm>
+          <a:prstGeom prst="rect">
+            <a:avLst/>
+          </a:prstGeom>
+          <a:noFill/>
+        </p:spPr>
+        <p:txBody>
+          <a:bodyPr wrap="square" rtlCol="0">
+            <a:spAutoFit/>
+          </a:bodyPr>
+          <a:lstStyle/>
+          <a:p>
+            <a:r>
+              <a:rPr kumimoji="1" lang="zh-CN" altLang="en-US" sz="1200" dirty="0"/>
+              <a:t>同一类对象可以能跨线程使用；</a:t>
+            </a:r>
+            <a:endParaRPr kumimoji="1" lang="en-US" altLang="zh-CN" sz="1200" dirty="0"/>
+          </a:p>
+        </p:txBody>
+      </p:sp>
+      <p:sp>
+        <p:nvSpPr>
+          <p:cNvPr id="52" name="文本框 51">
+            <a:extLst>
+              <a:ext uri="{FF2B5EF4-FFF2-40B4-BE49-F238E27FC236}">
+                <a16:creationId xmlns:a16="http://schemas.microsoft.com/office/drawing/2014/main" id="{10D48CD6-FF8E-0C46-ACB0-2A8E48710DB6}"/>
+              </a:ext>
+            </a:extLst>
+          </p:cNvPr>
+          <p:cNvSpPr txBox="1"/>
+          <p:nvPr/>
+        </p:nvSpPr>
+        <p:spPr>
+          <a:xfrm>
+            <a:off x="5890356" y="2218330"/>
+            <a:ext cx="2304256" cy="276999"/>
+          </a:xfrm>
+          <a:prstGeom prst="rect">
+            <a:avLst/>
+          </a:prstGeom>
+          <a:noFill/>
+        </p:spPr>
+        <p:txBody>
+          <a:bodyPr wrap="square" rtlCol="0">
+            <a:spAutoFit/>
+          </a:bodyPr>
+          <a:lstStyle/>
+          <a:p>
+            <a:r>
+              <a:rPr kumimoji="1" lang="zh-CN" altLang="en-US" sz="1200" dirty="0"/>
+              <a:t>用于单节点模式或集群模式</a:t>
+            </a:r>
+            <a:endParaRPr kumimoji="1" lang="en-US" altLang="zh-CN" sz="1200" dirty="0"/>
+          </a:p>
+        </p:txBody>
+      </p:sp>
     </p:spTree>
     <p:extLst>
       <p:ext uri="{BB962C8B-B14F-4D97-AF65-F5344CB8AC3E}">
-        <p14:creationId xmlns:p14="http://schemas.microsoft.com/office/powerpoint/2010/main" val="4034950950"/>
+        <p14:creationId xmlns:p14="http://schemas.microsoft.com/office/powerpoint/2010/main" val="2998255218"/>
       </p:ext>
     </p:extLst>
   </p:cSld>
@@ -10240,7 +11731,7 @@
           <p:cNvPr id="2" name="标题 1">
             <a:extLst>
               <a:ext uri="{FF2B5EF4-FFF2-40B4-BE49-F238E27FC236}">
-                <a16:creationId xmlns:a16="http://schemas.microsoft.com/office/drawing/2014/main" id="{3E212908-A92E-B14B-827A-7E53A1157DF5}"/>
+                <a16:creationId xmlns:a16="http://schemas.microsoft.com/office/drawing/2014/main" id="{2A88D221-36EC-1C4A-86A7-23994D948939}"/>
               </a:ext>
             </a:extLst>
           </p:cNvPr>
@@ -10257,402 +11748,72 @@
           <a:lstStyle/>
           <a:p>
             <a:r>
+              <a:rPr kumimoji="1" lang="zh-CN" altLang="en-US" dirty="0"/>
+              <a:t>使用</a:t>
+            </a:r>
+            <a:r>
               <a:rPr kumimoji="1" lang="en-US" altLang="zh-CN" dirty="0"/>
-              <a:t>Pipeline</a:t>
+              <a:t>Acl</a:t>
             </a:r>
             <a:r>
               <a:rPr kumimoji="1" lang="zh-CN" altLang="en-US" dirty="0"/>
-              <a:t>模式提升效率</a:t>
-            </a:r>
-          </a:p>
-        </p:txBody>
-      </p:sp>
-      <p:sp>
-        <p:nvSpPr>
-          <p:cNvPr id="3" name="内容占位符 2">
+              <a:t> </a:t>
+            </a:r>
+            <a:r>
+              <a:rPr kumimoji="1" lang="en-US" altLang="zh-CN" dirty="0"/>
+              <a:t>Redis</a:t>
+            </a:r>
+            <a:r>
+              <a:rPr kumimoji="1" lang="zh-CN" altLang="en-US" dirty="0"/>
+              <a:t>库轻松编写</a:t>
+            </a:r>
+            <a:r>
+              <a:rPr kumimoji="1" lang="en-US" altLang="zh-CN" dirty="0"/>
+              <a:t>Redis</a:t>
+            </a:r>
+            <a:r>
+              <a:rPr kumimoji="1" lang="zh-CN" altLang="en-US" dirty="0"/>
+              <a:t>应用</a:t>
+            </a:r>
+          </a:p>
+        </p:txBody>
+      </p:sp>
+      <p:pic>
+        <p:nvPicPr>
+          <p:cNvPr id="10" name="内容占位符 9">
             <a:extLst>
               <a:ext uri="{FF2B5EF4-FFF2-40B4-BE49-F238E27FC236}">
-                <a16:creationId xmlns:a16="http://schemas.microsoft.com/office/drawing/2014/main" id="{9E9F4012-ED4B-0540-863D-E2AC97EAAB82}"/>
+                <a16:creationId xmlns:a16="http://schemas.microsoft.com/office/drawing/2014/main" id="{F05670E7-C3CD-C64F-BE30-4EBF74CF1CB5}"/>
               </a:ext>
             </a:extLst>
           </p:cNvPr>
-          <p:cNvSpPr>
-            <a:spLocks noGrp="1"/>
-          </p:cNvSpPr>
+          <p:cNvPicPr>
+            <a:picLocks noGrp="1" noChangeAspect="1"/>
+          </p:cNvPicPr>
           <p:nvPr>
             <p:ph idx="1"/>
           </p:nvPr>
-        </p:nvSpPr>
-        <p:spPr>
-          <a:xfrm>
-            <a:off x="428596" y="1047733"/>
-            <a:ext cx="8391876" cy="3605403"/>
-          </a:xfrm>
-        </p:spPr>
-        <p:txBody>
-          <a:bodyPr>
-            <a:normAutofit fontScale="85000" lnSpcReduction="10000"/>
-          </a:bodyPr>
-          <a:lstStyle/>
-          <a:p>
-            <a:r>
-              <a:rPr kumimoji="1" lang="zh-CN" altLang="en-US" sz="1800" b="1" dirty="0"/>
-              <a:t>非</a:t>
-            </a:r>
-            <a:r>
-              <a:rPr kumimoji="1" lang="en-US" altLang="zh-CN" sz="1800" b="1" dirty="0"/>
-              <a:t>pipeline</a:t>
-            </a:r>
-            <a:r>
-              <a:rPr kumimoji="1" lang="zh-CN" altLang="en-US" sz="1800" b="1" dirty="0"/>
-              <a:t>方式的缺点：</a:t>
-            </a:r>
-            <a:endParaRPr kumimoji="1" lang="en-US" altLang="zh-CN" sz="1800" b="1" dirty="0"/>
-          </a:p>
-          <a:p>
-            <a:r>
-              <a:rPr kumimoji="1" lang="en-US" altLang="zh-CN" sz="1600" dirty="0"/>
-              <a:t>1</a:t>
-            </a:r>
-            <a:r>
-              <a:rPr kumimoji="1" lang="zh-CN" altLang="en-US" sz="1600" dirty="0"/>
-              <a:t>、</a:t>
-            </a:r>
-            <a:r>
-              <a:rPr kumimoji="1" lang="en-US" altLang="zh-CN" sz="1600" dirty="0"/>
-              <a:t>『</a:t>
-            </a:r>
-            <a:r>
-              <a:rPr kumimoji="1" lang="zh-CN" altLang="en-US" sz="1600" dirty="0"/>
-              <a:t>问答式</a:t>
-            </a:r>
-            <a:r>
-              <a:rPr kumimoji="1" lang="en-US" altLang="zh-CN" sz="1600" dirty="0"/>
-              <a:t>』</a:t>
-            </a:r>
-            <a:r>
-              <a:rPr kumimoji="1" lang="zh-CN" altLang="en-US" sz="1600" dirty="0"/>
-              <a:t>的访问方式使</a:t>
-            </a:r>
-            <a:r>
-              <a:rPr kumimoji="1" lang="en-US" altLang="zh-CN" sz="1600" dirty="0"/>
-              <a:t>IO</a:t>
-            </a:r>
-            <a:r>
-              <a:rPr kumimoji="1" lang="zh-CN" altLang="en-US" sz="1600" dirty="0"/>
-              <a:t>读</a:t>
-            </a:r>
-            <a:r>
-              <a:rPr kumimoji="1" lang="en-US" altLang="zh-CN" sz="1600" dirty="0"/>
-              <a:t>/</a:t>
-            </a:r>
-            <a:r>
-              <a:rPr kumimoji="1" lang="zh-CN" altLang="en-US" sz="1600" dirty="0"/>
-              <a:t>写操作次数较多，使</a:t>
-            </a:r>
-            <a:r>
-              <a:rPr kumimoji="1" lang="en-US" altLang="zh-CN" sz="1600" dirty="0"/>
-              <a:t>Redis</a:t>
-            </a:r>
-            <a:r>
-              <a:rPr kumimoji="1" lang="zh-CN" altLang="en-US" sz="1600" dirty="0"/>
-              <a:t>通信能力下降；</a:t>
-            </a:r>
-            <a:endParaRPr kumimoji="1" lang="en-US" altLang="zh-CN" sz="1600" dirty="0"/>
-          </a:p>
-          <a:p>
-            <a:r>
-              <a:rPr kumimoji="1" lang="en-US" altLang="zh-CN" sz="1600" dirty="0"/>
-              <a:t>2</a:t>
-            </a:r>
-            <a:r>
-              <a:rPr kumimoji="1" lang="zh-CN" altLang="en-US" sz="1600" dirty="0"/>
-              <a:t>、客户端并发较大时，使</a:t>
-            </a:r>
-            <a:r>
-              <a:rPr kumimoji="1" lang="en-US" altLang="zh-CN" sz="1600" dirty="0"/>
-              <a:t>Redis</a:t>
-            </a:r>
-            <a:r>
-              <a:rPr kumimoji="1" lang="zh-CN" altLang="en-US" sz="1600" dirty="0"/>
-              <a:t>的处理能力下降。</a:t>
-            </a:r>
-            <a:endParaRPr kumimoji="1" lang="en-US" altLang="zh-CN" sz="1600" dirty="0"/>
-          </a:p>
-          <a:p>
-            <a:endParaRPr kumimoji="1" lang="en-US" altLang="zh-CN" sz="1400" dirty="0"/>
-          </a:p>
-          <a:p>
-            <a:r>
-              <a:rPr kumimoji="1" lang="en-US" altLang="zh-CN" sz="1800" b="1" dirty="0"/>
-              <a:t>Pipeline</a:t>
-            </a:r>
-            <a:r>
-              <a:rPr kumimoji="1" lang="zh-CN" altLang="en-US" sz="1800" b="1" dirty="0"/>
-              <a:t>模式的优势：</a:t>
-            </a:r>
-            <a:endParaRPr kumimoji="1" lang="en-US" altLang="zh-CN" sz="1800" b="1" dirty="0"/>
-          </a:p>
-          <a:p>
-            <a:r>
-              <a:rPr kumimoji="1" lang="en-US" altLang="zh-CN" sz="1600" dirty="0"/>
-              <a:t>1</a:t>
-            </a:r>
-            <a:r>
-              <a:rPr kumimoji="1" lang="zh-CN" altLang="en-US" sz="1600" dirty="0"/>
-              <a:t>、合并多个请求</a:t>
-            </a:r>
-            <a:r>
-              <a:rPr kumimoji="1" lang="en-US" altLang="zh-CN" sz="1600" dirty="0"/>
-              <a:t>『</a:t>
-            </a:r>
-            <a:r>
-              <a:rPr kumimoji="1" lang="zh-CN" altLang="en-US" sz="1600" dirty="0"/>
-              <a:t>一次性</a:t>
-            </a:r>
-            <a:r>
-              <a:rPr kumimoji="1" lang="en-US" altLang="zh-CN" sz="1600" dirty="0"/>
-              <a:t>』</a:t>
-            </a:r>
-            <a:r>
-              <a:rPr kumimoji="1" lang="zh-CN" altLang="en-US" sz="1600" dirty="0"/>
-              <a:t>发送至</a:t>
-            </a:r>
-            <a:r>
-              <a:rPr kumimoji="1" lang="en-US" altLang="zh-CN" sz="1600" dirty="0"/>
-              <a:t>Redis</a:t>
-            </a:r>
-            <a:r>
-              <a:rPr kumimoji="1" lang="zh-CN" altLang="en-US" sz="1600" dirty="0"/>
-              <a:t>服务端，减少通信次数及</a:t>
-            </a:r>
-            <a:r>
-              <a:rPr kumimoji="1" lang="en-US" altLang="zh-CN" sz="1600" dirty="0"/>
-              <a:t>IO</a:t>
-            </a:r>
-            <a:r>
-              <a:rPr kumimoji="1" lang="zh-CN" altLang="en-US" sz="1600" dirty="0"/>
-              <a:t>次数；</a:t>
-            </a:r>
-            <a:endParaRPr kumimoji="1" lang="en-US" altLang="zh-CN" sz="1600" dirty="0"/>
-          </a:p>
-          <a:p>
-            <a:r>
-              <a:rPr kumimoji="1" lang="en-US" altLang="zh-CN" sz="1600" dirty="0"/>
-              <a:t>2</a:t>
-            </a:r>
-            <a:r>
-              <a:rPr kumimoji="1" lang="zh-CN" altLang="en-US" sz="1600" dirty="0"/>
-              <a:t>、</a:t>
-            </a:r>
-            <a:r>
-              <a:rPr kumimoji="1" lang="en-US" altLang="zh-CN" sz="1600" dirty="0"/>
-              <a:t>Redis</a:t>
-            </a:r>
-            <a:r>
-              <a:rPr kumimoji="1" lang="zh-CN" altLang="en-US" sz="1600" dirty="0"/>
-              <a:t>服务端一次读操作便可读到多个请求，依次处理这些请求，减少了</a:t>
-            </a:r>
-            <a:r>
-              <a:rPr kumimoji="1" lang="en-US" altLang="zh-CN" sz="1600" dirty="0"/>
-              <a:t>IO</a:t>
-            </a:r>
-            <a:r>
-              <a:rPr kumimoji="1" lang="zh-CN" altLang="en-US" sz="1600" dirty="0"/>
-              <a:t>次数。</a:t>
-            </a:r>
-            <a:endParaRPr kumimoji="1" lang="en-US" altLang="zh-CN" sz="1600" dirty="0"/>
-          </a:p>
-          <a:p>
-            <a:endParaRPr kumimoji="1" lang="en-US" altLang="zh-CN" sz="1400" dirty="0"/>
-          </a:p>
-          <a:p>
-            <a:r>
-              <a:rPr kumimoji="1" lang="zh-CN" altLang="en-US" sz="1800" b="1" dirty="0"/>
-              <a:t>客户端 </a:t>
-            </a:r>
-            <a:r>
-              <a:rPr kumimoji="1" lang="en-US" altLang="zh-CN" sz="1800" b="1" dirty="0"/>
-              <a:t>Pipeline</a:t>
-            </a:r>
-            <a:r>
-              <a:rPr kumimoji="1" lang="zh-CN" altLang="en-US" sz="1800" b="1" dirty="0"/>
-              <a:t> 模式的设计难点：</a:t>
-            </a:r>
-            <a:r>
-              <a:rPr kumimoji="1" lang="zh-CN" altLang="en-US" sz="1800" b="1" u="sng" dirty="0"/>
-              <a:t>如何优雅地处理集群模式下的重定向问题？</a:t>
-            </a:r>
-            <a:endParaRPr kumimoji="1" lang="en-US" altLang="zh-CN" sz="1800" b="1" u="sng" dirty="0"/>
-          </a:p>
-          <a:p>
-            <a:endParaRPr kumimoji="1" lang="en-US" altLang="zh-CN" sz="1800" b="1" u="sng" dirty="0"/>
-          </a:p>
-          <a:p>
-            <a:r>
-              <a:rPr kumimoji="1" lang="zh-CN" altLang="en-US" sz="1800" b="1" dirty="0"/>
-              <a:t>存等待状态的命令不适合使用</a:t>
-            </a:r>
-            <a:r>
-              <a:rPr kumimoji="1" lang="en-US" altLang="zh-CN" sz="1800" b="1" dirty="0"/>
-              <a:t>Pipeline</a:t>
-            </a:r>
-            <a:r>
-              <a:rPr kumimoji="1" lang="zh-CN" altLang="en-US" sz="1800" b="1" dirty="0"/>
-              <a:t>模式（因为结果的返回是异步的，无法与其它命令共用一个</a:t>
-            </a:r>
-            <a:r>
-              <a:rPr kumimoji="1" lang="en-US" altLang="zh-CN" sz="1800" b="1" dirty="0"/>
-              <a:t>Redis</a:t>
-            </a:r>
-            <a:r>
-              <a:rPr kumimoji="1" lang="zh-CN" altLang="en-US" sz="1800" b="1" dirty="0"/>
-              <a:t>连接）：</a:t>
-            </a:r>
-            <a:endParaRPr kumimoji="1" lang="en-US" altLang="zh-CN" sz="1800" b="1" dirty="0"/>
-          </a:p>
-          <a:p>
-            <a:r>
-              <a:rPr kumimoji="1" lang="en-US" altLang="zh-CN" sz="1800" dirty="0"/>
-              <a:t>1</a:t>
-            </a:r>
-            <a:r>
-              <a:rPr kumimoji="1" lang="zh-CN" altLang="en-US" sz="1800" dirty="0"/>
-              <a:t>、</a:t>
-            </a:r>
-            <a:r>
-              <a:rPr kumimoji="1" lang="en-US" altLang="zh-CN" sz="1800" dirty="0"/>
-              <a:t>List</a:t>
-            </a:r>
-            <a:r>
-              <a:rPr kumimoji="1" lang="zh-CN" altLang="en-US" sz="1800" dirty="0"/>
-              <a:t>命令类：</a:t>
-            </a:r>
-            <a:r>
-              <a:rPr kumimoji="1" lang="en-US" altLang="zh-CN" sz="1800" dirty="0"/>
-              <a:t>BLPOP</a:t>
-            </a:r>
-            <a:r>
-              <a:rPr kumimoji="1" lang="zh-CN" altLang="en-US" sz="1800" dirty="0"/>
-              <a:t>、</a:t>
-            </a:r>
-            <a:r>
-              <a:rPr kumimoji="1" lang="en-US" altLang="zh-CN" sz="1800" dirty="0"/>
-              <a:t>BRPOP</a:t>
-            </a:r>
-            <a:r>
-              <a:rPr kumimoji="1" lang="zh-CN" altLang="en-US" sz="1800" dirty="0"/>
-              <a:t>、</a:t>
-            </a:r>
-            <a:r>
-              <a:rPr lang="en" altLang="zh-CN" sz="1800" dirty="0"/>
-              <a:t>BRPOPLPUSH</a:t>
-            </a:r>
-            <a:r>
-              <a:rPr lang="zh-CN" altLang="en-US" sz="1800" dirty="0"/>
-              <a:t>、</a:t>
-            </a:r>
-            <a:r>
-              <a:rPr lang="en-US" altLang="zh-CN" sz="1800" dirty="0"/>
-              <a:t>LPOP</a:t>
-            </a:r>
-            <a:r>
-              <a:rPr lang="zh-CN" altLang="en-US" sz="1800" dirty="0"/>
-              <a:t>、</a:t>
-            </a:r>
-            <a:r>
-              <a:rPr lang="en-US" altLang="zh-CN" sz="1800" dirty="0"/>
-              <a:t>RPOP</a:t>
-            </a:r>
-            <a:r>
-              <a:rPr lang="zh-CN" altLang="en-US" sz="1800" dirty="0"/>
-              <a:t>、</a:t>
-            </a:r>
-            <a:r>
-              <a:rPr lang="en-US" altLang="zh-CN" sz="1800" dirty="0"/>
-              <a:t>RPOPPUSH</a:t>
-            </a:r>
-            <a:r>
-              <a:rPr lang="zh-CN" altLang="en-US" sz="1800" dirty="0"/>
-              <a:t>；</a:t>
-            </a:r>
-            <a:endParaRPr lang="en-US" altLang="zh-CN" sz="1800" dirty="0"/>
-          </a:p>
-          <a:p>
-            <a:r>
-              <a:rPr lang="en-US" altLang="zh-CN" sz="1800" dirty="0"/>
-              <a:t>2</a:t>
-            </a:r>
-            <a:r>
-              <a:rPr lang="zh-CN" altLang="en-US" sz="1800" dirty="0"/>
-              <a:t>、</a:t>
-            </a:r>
-            <a:r>
-              <a:rPr lang="en-US" altLang="zh-CN" sz="1800" dirty="0"/>
-              <a:t>Pub/Sub</a:t>
-            </a:r>
-            <a:r>
-              <a:rPr lang="zh-CN" altLang="en-US" sz="1800" dirty="0"/>
-              <a:t>类：接收订阅消息过程；</a:t>
-            </a:r>
-            <a:endParaRPr lang="en-US" altLang="zh-CN" sz="1800" dirty="0"/>
-          </a:p>
-          <a:p>
-            <a:r>
-              <a:rPr lang="en-US" altLang="zh-CN" sz="1800" dirty="0"/>
-              <a:t>3</a:t>
-            </a:r>
-            <a:r>
-              <a:rPr lang="zh-CN" altLang="en-US" sz="1800" dirty="0"/>
-              <a:t>、</a:t>
-            </a:r>
-            <a:r>
-              <a:rPr lang="en-US" altLang="zh-CN" sz="1800" dirty="0"/>
-              <a:t>Stream</a:t>
-            </a:r>
-            <a:r>
-              <a:rPr lang="zh-CN" altLang="en-US" sz="1800" dirty="0"/>
-              <a:t>类：</a:t>
-            </a:r>
-            <a:r>
-              <a:rPr lang="en-US" altLang="zh-CN" sz="1800" dirty="0"/>
-              <a:t>XREAD</a:t>
-            </a:r>
-            <a:r>
-              <a:rPr lang="zh-CN" altLang="en-US" sz="1800" dirty="0"/>
-              <a:t>、</a:t>
-            </a:r>
-            <a:r>
-              <a:rPr lang="en-US" altLang="zh-CN" sz="1800" dirty="0"/>
-              <a:t>XREADGROUP</a:t>
-            </a:r>
-            <a:r>
-              <a:rPr lang="zh-CN" altLang="en-US" sz="1800" dirty="0"/>
-              <a:t>；</a:t>
-            </a:r>
-            <a:endParaRPr lang="en" altLang="zh-CN" sz="1800" dirty="0"/>
-          </a:p>
-          <a:p>
-            <a:endParaRPr kumimoji="1" lang="en-US" altLang="zh-CN" sz="1800" b="1" dirty="0"/>
-          </a:p>
-          <a:p>
-            <a:pPr marL="0" indent="0">
-              <a:buNone/>
-            </a:pPr>
-            <a:endParaRPr kumimoji="1" lang="en-US" altLang="zh-CN" sz="1400" dirty="0"/>
-          </a:p>
-          <a:p>
-            <a:pPr marL="0" indent="0">
-              <a:buNone/>
-            </a:pPr>
-            <a:endParaRPr kumimoji="1" lang="en-US" altLang="zh-CN" sz="1400" dirty="0"/>
-          </a:p>
-        </p:txBody>
-      </p:sp>
+        </p:nvPicPr>
+        <p:blipFill>
+          <a:blip r:embed="rId2"/>
+          <a:stretch>
+            <a:fillRect/>
+          </a:stretch>
+        </p:blipFill>
+        <p:spPr>
+          <a:xfrm>
+            <a:off x="323528" y="1047750"/>
+            <a:ext cx="8424935" cy="5143500"/>
+          </a:xfrm>
+          <a:prstGeom prst="rect">
+            <a:avLst/>
+          </a:prstGeom>
+        </p:spPr>
+      </p:pic>
     </p:spTree>
     <p:extLst>
       <p:ext uri="{BB962C8B-B14F-4D97-AF65-F5344CB8AC3E}">
-        <p14:creationId xmlns:p14="http://schemas.microsoft.com/office/powerpoint/2010/main" val="2334123572"/>
+        <p14:creationId xmlns:p14="http://schemas.microsoft.com/office/powerpoint/2010/main" val="4034950950"/>
       </p:ext>
     </p:extLst>
   </p:cSld>
@@ -10684,7 +11845,7 @@
           <p:cNvPr id="2" name="标题 1">
             <a:extLst>
               <a:ext uri="{FF2B5EF4-FFF2-40B4-BE49-F238E27FC236}">
-                <a16:creationId xmlns:a16="http://schemas.microsoft.com/office/drawing/2014/main" id="{1A89BF24-EF44-8A45-A61E-0F991F408894}"/>
+                <a16:creationId xmlns:a16="http://schemas.microsoft.com/office/drawing/2014/main" id="{3E212908-A92E-B14B-827A-7E53A1157DF5}"/>
               </a:ext>
             </a:extLst>
           </p:cNvPr>
@@ -10702,27 +11863,11 @@
           <a:p>
             <a:r>
               <a:rPr kumimoji="1" lang="en-US" altLang="zh-CN" dirty="0"/>
-              <a:t>Acl</a:t>
+              <a:t>Pipeline</a:t>
             </a:r>
             <a:r>
               <a:rPr kumimoji="1" lang="zh-CN" altLang="en-US" dirty="0"/>
-              <a:t> </a:t>
-            </a:r>
-            <a:r>
-              <a:rPr kumimoji="1" lang="en-US" altLang="zh-CN" dirty="0"/>
-              <a:t>Redis</a:t>
-            </a:r>
-            <a:r>
-              <a:rPr kumimoji="1" lang="zh-CN" altLang="en-US" dirty="0"/>
-              <a:t>库</a:t>
-            </a:r>
-            <a:r>
-              <a:rPr kumimoji="1" lang="en-US" altLang="zh-CN" dirty="0"/>
-              <a:t>Pipeline</a:t>
-            </a:r>
-            <a:r>
-              <a:rPr kumimoji="1" lang="zh-CN" altLang="en-US" dirty="0"/>
-              <a:t>设计方式</a:t>
+              <a:t>模式提升效率</a:t>
             </a:r>
           </a:p>
         </p:txBody>
@@ -10732,7 +11877,7 @@
           <p:cNvPr id="3" name="内容占位符 2">
             <a:extLst>
               <a:ext uri="{FF2B5EF4-FFF2-40B4-BE49-F238E27FC236}">
-                <a16:creationId xmlns:a16="http://schemas.microsoft.com/office/drawing/2014/main" id="{31C0011A-C3BC-6846-9F30-C6805076430E}"/>
+                <a16:creationId xmlns:a16="http://schemas.microsoft.com/office/drawing/2014/main" id="{9E9F4012-ED4B-0540-863D-E2AC97EAAB82}"/>
               </a:ext>
             </a:extLst>
           </p:cNvPr>
@@ -10745,1465 +11890,374 @@
         </p:nvSpPr>
         <p:spPr>
           <a:xfrm>
-            <a:off x="428596" y="1047734"/>
-            <a:ext cx="8229600" cy="1674048"/>
+            <a:off x="428596" y="1047733"/>
+            <a:ext cx="8391876" cy="3605403"/>
           </a:xfrm>
         </p:spPr>
         <p:txBody>
           <a:bodyPr>
-            <a:normAutofit/>
+            <a:normAutofit fontScale="85000" lnSpcReduction="10000"/>
           </a:bodyPr>
           <a:lstStyle/>
           <a:p>
             <a:r>
-              <a:rPr lang="zh-CN" altLang="en" sz="1600" dirty="0"/>
-              <a:t>在</a:t>
-            </a:r>
-            <a:r>
-              <a:rPr lang="en-US" altLang="zh-CN" sz="1600" dirty="0"/>
+              <a:rPr kumimoji="1" lang="zh-CN" altLang="en-US" sz="1800" b="1" dirty="0"/>
+              <a:t>非</a:t>
+            </a:r>
+            <a:r>
+              <a:rPr kumimoji="1" lang="en-US" altLang="zh-CN" sz="1800" b="1" dirty="0"/>
+              <a:t>pipeline</a:t>
+            </a:r>
+            <a:r>
+              <a:rPr kumimoji="1" lang="zh-CN" altLang="en-US" sz="1800" b="1" dirty="0"/>
+              <a:t>方式的缺点：</a:t>
+            </a:r>
+            <a:endParaRPr kumimoji="1" lang="en-US" altLang="zh-CN" sz="1800" b="1" dirty="0"/>
+          </a:p>
+          <a:p>
+            <a:r>
+              <a:rPr kumimoji="1" lang="en-US" altLang="zh-CN" sz="1600" dirty="0"/>
+              <a:t>1</a:t>
+            </a:r>
+            <a:r>
+              <a:rPr kumimoji="1" lang="zh-CN" altLang="en-US" sz="1600" dirty="0"/>
+              <a:t>、</a:t>
+            </a:r>
+            <a:r>
+              <a:rPr kumimoji="1" lang="en-US" altLang="zh-CN" sz="1600" dirty="0"/>
+              <a:t>『</a:t>
+            </a:r>
+            <a:r>
+              <a:rPr kumimoji="1" lang="zh-CN" altLang="en-US" sz="1600" dirty="0"/>
+              <a:t>问答式</a:t>
+            </a:r>
+            <a:r>
+              <a:rPr kumimoji="1" lang="en-US" altLang="zh-CN" sz="1600" dirty="0"/>
+              <a:t>』</a:t>
+            </a:r>
+            <a:r>
+              <a:rPr kumimoji="1" lang="zh-CN" altLang="en-US" sz="1600" dirty="0"/>
+              <a:t>的访问方式使</a:t>
+            </a:r>
+            <a:r>
+              <a:rPr kumimoji="1" lang="en-US" altLang="zh-CN" sz="1600" dirty="0"/>
+              <a:t>IO</a:t>
+            </a:r>
+            <a:r>
+              <a:rPr kumimoji="1" lang="zh-CN" altLang="en-US" sz="1600" dirty="0"/>
+              <a:t>读</a:t>
+            </a:r>
+            <a:r>
+              <a:rPr kumimoji="1" lang="en-US" altLang="zh-CN" sz="1600" dirty="0"/>
+              <a:t>/</a:t>
+            </a:r>
+            <a:r>
+              <a:rPr kumimoji="1" lang="zh-CN" altLang="en-US" sz="1600" dirty="0"/>
+              <a:t>写操作次数较多，使</a:t>
+            </a:r>
+            <a:r>
+              <a:rPr kumimoji="1" lang="en-US" altLang="zh-CN" sz="1600" dirty="0"/>
+              <a:t>Redis</a:t>
+            </a:r>
+            <a:r>
+              <a:rPr kumimoji="1" lang="zh-CN" altLang="en-US" sz="1600" dirty="0"/>
+              <a:t>通信能力下降；</a:t>
+            </a:r>
+            <a:endParaRPr kumimoji="1" lang="en-US" altLang="zh-CN" sz="1600" dirty="0"/>
+          </a:p>
+          <a:p>
+            <a:r>
+              <a:rPr kumimoji="1" lang="en-US" altLang="zh-CN" sz="1600" dirty="0"/>
+              <a:t>2</a:t>
+            </a:r>
+            <a:r>
+              <a:rPr kumimoji="1" lang="zh-CN" altLang="en-US" sz="1600" dirty="0"/>
+              <a:t>、客户端并发较大时，使</a:t>
+            </a:r>
+            <a:r>
+              <a:rPr kumimoji="1" lang="en-US" altLang="zh-CN" sz="1600" dirty="0"/>
+              <a:t>Redis</a:t>
+            </a:r>
+            <a:r>
+              <a:rPr kumimoji="1" lang="zh-CN" altLang="en-US" sz="1600" dirty="0"/>
+              <a:t>的处理能力下降。</a:t>
+            </a:r>
+            <a:endParaRPr kumimoji="1" lang="en-US" altLang="zh-CN" sz="1600" dirty="0"/>
+          </a:p>
+          <a:p>
+            <a:endParaRPr kumimoji="1" lang="en-US" altLang="zh-CN" sz="1400" dirty="0"/>
+          </a:p>
+          <a:p>
+            <a:r>
+              <a:rPr kumimoji="1" lang="en-US" altLang="zh-CN" sz="1800" b="1" dirty="0"/>
               <a:t>Pipeline</a:t>
             </a:r>
             <a:r>
-              <a:rPr lang="zh-CN" altLang="en-US" sz="1600" dirty="0"/>
-              <a:t>模式下，一个工作线程使用一个连接绑定一个</a:t>
-            </a:r>
-            <a:r>
-              <a:rPr lang="en-US" altLang="zh-CN" sz="1600" dirty="0"/>
+              <a:rPr kumimoji="1" lang="zh-CN" altLang="en-US" sz="1800" b="1" dirty="0"/>
+              <a:t>模式的优势：</a:t>
+            </a:r>
+            <a:endParaRPr kumimoji="1" lang="en-US" altLang="zh-CN" sz="1800" b="1" dirty="0"/>
+          </a:p>
+          <a:p>
+            <a:r>
+              <a:rPr kumimoji="1" lang="en-US" altLang="zh-CN" sz="1600" dirty="0"/>
+              <a:t>1</a:t>
+            </a:r>
+            <a:r>
+              <a:rPr kumimoji="1" lang="zh-CN" altLang="en-US" sz="1600" dirty="0"/>
+              <a:t>、合并多个请求</a:t>
+            </a:r>
+            <a:r>
+              <a:rPr kumimoji="1" lang="en-US" altLang="zh-CN" sz="1600" dirty="0"/>
+              <a:t>『</a:t>
+            </a:r>
+            <a:r>
+              <a:rPr kumimoji="1" lang="zh-CN" altLang="en-US" sz="1600" dirty="0"/>
+              <a:t>一次性</a:t>
+            </a:r>
+            <a:r>
+              <a:rPr kumimoji="1" lang="en-US" altLang="zh-CN" sz="1600" dirty="0"/>
+              <a:t>』</a:t>
+            </a:r>
+            <a:r>
+              <a:rPr kumimoji="1" lang="zh-CN" altLang="en-US" sz="1600" dirty="0"/>
+              <a:t>发送至</a:t>
+            </a:r>
+            <a:r>
+              <a:rPr kumimoji="1" lang="en-US" altLang="zh-CN" sz="1600" dirty="0"/>
               <a:t>Redis</a:t>
             </a:r>
             <a:r>
-              <a:rPr lang="zh-CN" altLang="en-US" sz="1600" dirty="0"/>
-              <a:t>节点；</a:t>
-            </a:r>
-            <a:endParaRPr lang="en" altLang="zh-CN" sz="1600" dirty="0"/>
-          </a:p>
-          <a:p>
-            <a:r>
-              <a:rPr lang="zh-CN" altLang="en-US" sz="1600" dirty="0"/>
-              <a:t>中间有一个派发线程，负责维护哈希槽和收集所有</a:t>
-            </a:r>
-            <a:r>
-              <a:rPr lang="en" altLang="zh-CN" sz="1600" dirty="0"/>
+              <a:rPr kumimoji="1" lang="zh-CN" altLang="en-US" sz="1600" dirty="0"/>
+              <a:t>服务端，减少通信次数及</a:t>
+            </a:r>
+            <a:r>
+              <a:rPr kumimoji="1" lang="en-US" altLang="zh-CN" sz="1600" dirty="0"/>
+              <a:t>IO</a:t>
+            </a:r>
+            <a:r>
+              <a:rPr kumimoji="1" lang="zh-CN" altLang="en-US" sz="1600" dirty="0"/>
+              <a:t>次数；</a:t>
+            </a:r>
+            <a:endParaRPr kumimoji="1" lang="en-US" altLang="zh-CN" sz="1600" dirty="0"/>
+          </a:p>
+          <a:p>
+            <a:r>
+              <a:rPr kumimoji="1" lang="en-US" altLang="zh-CN" sz="1600" dirty="0"/>
+              <a:t>2</a:t>
+            </a:r>
+            <a:r>
+              <a:rPr kumimoji="1" lang="zh-CN" altLang="en-US" sz="1600" dirty="0"/>
+              <a:t>、</a:t>
+            </a:r>
+            <a:r>
+              <a:rPr kumimoji="1" lang="en-US" altLang="zh-CN" sz="1600" dirty="0"/>
               <a:t>Redis</a:t>
             </a:r>
             <a:r>
-              <a:rPr lang="zh-CN" altLang="en-US" sz="1600" dirty="0"/>
-              <a:t>请求，会将每个请求根据</a:t>
-            </a:r>
-            <a:r>
-              <a:rPr lang="en" altLang="zh-CN" sz="1600" dirty="0"/>
-              <a:t>KEY</a:t>
-            </a:r>
-            <a:r>
-              <a:rPr lang="zh-CN" altLang="en-US" sz="1600" dirty="0"/>
-              <a:t>哈希值派发给指定工作线程；</a:t>
-            </a:r>
-            <a:endParaRPr lang="en-US" altLang="zh-CN" sz="1600" dirty="0"/>
-          </a:p>
-          <a:p>
-            <a:r>
-              <a:rPr lang="zh-CN" altLang="en-US" sz="1600" dirty="0"/>
-              <a:t>当工作线程收到 </a:t>
-            </a:r>
-            <a:r>
-              <a:rPr lang="en" altLang="zh-CN" sz="1600" dirty="0"/>
-              <a:t>Redis </a:t>
-            </a:r>
-            <a:r>
-              <a:rPr lang="zh-CN" altLang="en-US" sz="1600" dirty="0"/>
-              <a:t>重定向指令时，将其传递给派发线程由其修改哈希槽，并重新派发任务。</a:t>
-            </a:r>
-            <a:endParaRPr kumimoji="1" lang="zh-CN" altLang="en-US" sz="1600" dirty="0"/>
-          </a:p>
-        </p:txBody>
-      </p:sp>
-      <p:sp>
-        <p:nvSpPr>
-          <p:cNvPr id="4" name="椭圆 3">
-            <a:extLst>
-              <a:ext uri="{FF2B5EF4-FFF2-40B4-BE49-F238E27FC236}">
-                <a16:creationId xmlns:a16="http://schemas.microsoft.com/office/drawing/2014/main" id="{4C284E1B-E4CA-5C47-B25A-7B1CEF12888D}"/>
-              </a:ext>
-            </a:extLst>
-          </p:cNvPr>
-          <p:cNvSpPr/>
-          <p:nvPr/>
-        </p:nvSpPr>
-        <p:spPr>
-          <a:xfrm>
-            <a:off x="1547664" y="3429000"/>
-            <a:ext cx="792088" cy="432048"/>
-          </a:xfrm>
-          <a:prstGeom prst="ellipse">
-            <a:avLst/>
-          </a:prstGeom>
-          <a:solidFill>
-            <a:schemeClr val="accent3">
-              <a:lumMod val="75000"/>
-            </a:schemeClr>
-          </a:solidFill>
-          <a:ln>
-            <a:noFill/>
-          </a:ln>
-        </p:spPr>
-        <p:style>
-          <a:lnRef idx="2">
-            <a:schemeClr val="accent1">
-              <a:shade val="50000"/>
-            </a:schemeClr>
-          </a:lnRef>
-          <a:fillRef idx="1">
-            <a:schemeClr val="accent1"/>
-          </a:fillRef>
-          <a:effectRef idx="0">
-            <a:schemeClr val="accent1"/>
-          </a:effectRef>
-          <a:fontRef idx="minor">
-            <a:schemeClr val="lt1"/>
-          </a:fontRef>
-        </p:style>
-        <p:txBody>
-          <a:bodyPr rtlCol="0" anchor="ctr"/>
-          <a:lstStyle/>
-          <a:p>
-            <a:pPr algn="ctr"/>
-            <a:r>
-              <a:rPr kumimoji="1" lang="en-US" altLang="zh-CN" sz="1000" dirty="0"/>
-              <a:t>Client</a:t>
-            </a:r>
-            <a:endParaRPr kumimoji="1" lang="zh-CN" altLang="en-US" sz="1000" dirty="0"/>
-          </a:p>
-        </p:txBody>
-      </p:sp>
-      <p:sp>
-        <p:nvSpPr>
-          <p:cNvPr id="5" name="椭圆 4">
-            <a:extLst>
-              <a:ext uri="{FF2B5EF4-FFF2-40B4-BE49-F238E27FC236}">
-                <a16:creationId xmlns:a16="http://schemas.microsoft.com/office/drawing/2014/main" id="{5D2A20F5-2A2D-684F-BE55-C234AC621328}"/>
-              </a:ext>
-            </a:extLst>
-          </p:cNvPr>
-          <p:cNvSpPr/>
-          <p:nvPr/>
-        </p:nvSpPr>
-        <p:spPr>
-          <a:xfrm>
-            <a:off x="3287233" y="4221088"/>
-            <a:ext cx="1008112" cy="432048"/>
-          </a:xfrm>
-          <a:prstGeom prst="ellipse">
-            <a:avLst/>
-          </a:prstGeom>
-          <a:solidFill>
-            <a:srgbClr val="00B050"/>
-          </a:solidFill>
-          <a:ln>
-            <a:noFill/>
-          </a:ln>
-        </p:spPr>
-        <p:style>
-          <a:lnRef idx="2">
-            <a:schemeClr val="accent1">
-              <a:shade val="50000"/>
-            </a:schemeClr>
-          </a:lnRef>
-          <a:fillRef idx="1">
-            <a:schemeClr val="accent1"/>
-          </a:fillRef>
-          <a:effectRef idx="0">
-            <a:schemeClr val="accent1"/>
-          </a:effectRef>
-          <a:fontRef idx="minor">
-            <a:schemeClr val="lt1"/>
-          </a:fontRef>
-        </p:style>
-        <p:txBody>
-          <a:bodyPr rtlCol="0" anchor="ctr"/>
-          <a:lstStyle/>
-          <a:p>
-            <a:pPr algn="ctr"/>
-            <a:r>
-              <a:rPr kumimoji="1" lang="en-US" altLang="zh-CN" sz="1000" dirty="0"/>
-              <a:t>Collection</a:t>
-            </a:r>
-            <a:endParaRPr kumimoji="1" lang="zh-CN" altLang="en-US" sz="1000" dirty="0"/>
-          </a:p>
-        </p:txBody>
-      </p:sp>
-      <p:sp>
-        <p:nvSpPr>
-          <p:cNvPr id="6" name="椭圆 5">
-            <a:extLst>
-              <a:ext uri="{FF2B5EF4-FFF2-40B4-BE49-F238E27FC236}">
-                <a16:creationId xmlns:a16="http://schemas.microsoft.com/office/drawing/2014/main" id="{51780193-DBF9-6E43-A83D-2A5C96FEB176}"/>
-              </a:ext>
-            </a:extLst>
-          </p:cNvPr>
-          <p:cNvSpPr/>
-          <p:nvPr/>
-        </p:nvSpPr>
-        <p:spPr>
-          <a:xfrm>
-            <a:off x="1547664" y="4005064"/>
-            <a:ext cx="792088" cy="432048"/>
-          </a:xfrm>
-          <a:prstGeom prst="ellipse">
-            <a:avLst/>
-          </a:prstGeom>
-          <a:solidFill>
-            <a:schemeClr val="accent3">
-              <a:lumMod val="75000"/>
-            </a:schemeClr>
-          </a:solidFill>
-          <a:ln>
-            <a:noFill/>
-          </a:ln>
-        </p:spPr>
-        <p:style>
-          <a:lnRef idx="2">
-            <a:schemeClr val="accent1">
-              <a:shade val="50000"/>
-            </a:schemeClr>
-          </a:lnRef>
-          <a:fillRef idx="1">
-            <a:schemeClr val="accent1"/>
-          </a:fillRef>
-          <a:effectRef idx="0">
-            <a:schemeClr val="accent1"/>
-          </a:effectRef>
-          <a:fontRef idx="minor">
-            <a:schemeClr val="lt1"/>
-          </a:fontRef>
-        </p:style>
-        <p:txBody>
-          <a:bodyPr rtlCol="0" anchor="ctr"/>
-          <a:lstStyle/>
-          <a:p>
-            <a:pPr algn="ctr"/>
-            <a:r>
-              <a:rPr kumimoji="1" lang="en-US" altLang="zh-CN" sz="1000" dirty="0"/>
-              <a:t>Client</a:t>
-            </a:r>
-            <a:endParaRPr kumimoji="1" lang="zh-CN" altLang="en-US" sz="1000" dirty="0"/>
-          </a:p>
-        </p:txBody>
-      </p:sp>
-      <p:sp>
-        <p:nvSpPr>
-          <p:cNvPr id="7" name="椭圆 6">
-            <a:extLst>
-              <a:ext uri="{FF2B5EF4-FFF2-40B4-BE49-F238E27FC236}">
-                <a16:creationId xmlns:a16="http://schemas.microsoft.com/office/drawing/2014/main" id="{41E0F113-B00E-6840-BDC6-71E76A355934}"/>
-              </a:ext>
-            </a:extLst>
-          </p:cNvPr>
-          <p:cNvSpPr/>
-          <p:nvPr/>
-        </p:nvSpPr>
-        <p:spPr>
-          <a:xfrm>
-            <a:off x="1547664" y="4581128"/>
-            <a:ext cx="792088" cy="432048"/>
-          </a:xfrm>
-          <a:prstGeom prst="ellipse">
-            <a:avLst/>
-          </a:prstGeom>
-          <a:solidFill>
-            <a:schemeClr val="accent3">
-              <a:lumMod val="75000"/>
-            </a:schemeClr>
-          </a:solidFill>
-          <a:ln>
-            <a:noFill/>
-          </a:ln>
-        </p:spPr>
-        <p:style>
-          <a:lnRef idx="2">
-            <a:schemeClr val="accent1">
-              <a:shade val="50000"/>
-            </a:schemeClr>
-          </a:lnRef>
-          <a:fillRef idx="1">
-            <a:schemeClr val="accent1"/>
-          </a:fillRef>
-          <a:effectRef idx="0">
-            <a:schemeClr val="accent1"/>
-          </a:effectRef>
-          <a:fontRef idx="minor">
-            <a:schemeClr val="lt1"/>
-          </a:fontRef>
-        </p:style>
-        <p:txBody>
-          <a:bodyPr rtlCol="0" anchor="ctr"/>
-          <a:lstStyle/>
-          <a:p>
-            <a:pPr algn="ctr"/>
-            <a:r>
-              <a:rPr kumimoji="1" lang="en-US" altLang="zh-CN" sz="1000" dirty="0"/>
-              <a:t>Client</a:t>
-            </a:r>
-            <a:endParaRPr kumimoji="1" lang="zh-CN" altLang="en-US" sz="1000" dirty="0"/>
-          </a:p>
-        </p:txBody>
-      </p:sp>
-      <p:sp>
-        <p:nvSpPr>
-          <p:cNvPr id="8" name="椭圆 7">
-            <a:extLst>
-              <a:ext uri="{FF2B5EF4-FFF2-40B4-BE49-F238E27FC236}">
-                <a16:creationId xmlns:a16="http://schemas.microsoft.com/office/drawing/2014/main" id="{920298B0-E7E4-2444-B6CB-0FF257850BBF}"/>
-              </a:ext>
-            </a:extLst>
-          </p:cNvPr>
-          <p:cNvSpPr/>
-          <p:nvPr/>
-        </p:nvSpPr>
-        <p:spPr>
-          <a:xfrm>
-            <a:off x="1547664" y="5157192"/>
-            <a:ext cx="792088" cy="432048"/>
-          </a:xfrm>
-          <a:prstGeom prst="ellipse">
-            <a:avLst/>
-          </a:prstGeom>
-          <a:solidFill>
-            <a:schemeClr val="accent3">
-              <a:lumMod val="75000"/>
-            </a:schemeClr>
-          </a:solidFill>
-          <a:ln>
-            <a:noFill/>
-          </a:ln>
-        </p:spPr>
-        <p:style>
-          <a:lnRef idx="2">
-            <a:schemeClr val="accent1">
-              <a:shade val="50000"/>
-            </a:schemeClr>
-          </a:lnRef>
-          <a:fillRef idx="1">
-            <a:schemeClr val="accent1"/>
-          </a:fillRef>
-          <a:effectRef idx="0">
-            <a:schemeClr val="accent1"/>
-          </a:effectRef>
-          <a:fontRef idx="minor">
-            <a:schemeClr val="lt1"/>
-          </a:fontRef>
-        </p:style>
-        <p:txBody>
-          <a:bodyPr rtlCol="0" anchor="ctr"/>
-          <a:lstStyle/>
-          <a:p>
-            <a:pPr algn="ctr"/>
-            <a:r>
-              <a:rPr kumimoji="1" lang="en-US" altLang="zh-CN" sz="1000" dirty="0"/>
-              <a:t>…</a:t>
-            </a:r>
-            <a:endParaRPr kumimoji="1" lang="zh-CN" altLang="en-US" sz="1000" dirty="0"/>
-          </a:p>
-        </p:txBody>
-      </p:sp>
-      <p:cxnSp>
-        <p:nvCxnSpPr>
-          <p:cNvPr id="9" name="直线箭头连接符 8">
-            <a:extLst>
-              <a:ext uri="{FF2B5EF4-FFF2-40B4-BE49-F238E27FC236}">
-                <a16:creationId xmlns:a16="http://schemas.microsoft.com/office/drawing/2014/main" id="{92869F89-1601-354F-A1AB-763DE6F19971}"/>
-              </a:ext>
-            </a:extLst>
-          </p:cNvPr>
-          <p:cNvCxnSpPr>
-            <a:cxnSpLocks/>
-            <a:stCxn id="4" idx="6"/>
-            <a:endCxn id="5" idx="2"/>
-          </p:cNvCxnSpPr>
-          <p:nvPr/>
-        </p:nvCxnSpPr>
-        <p:spPr>
-          <a:xfrm>
-            <a:off x="2339752" y="3645024"/>
-            <a:ext cx="947481" cy="792088"/>
-          </a:xfrm>
-          <a:prstGeom prst="straightConnector1">
-            <a:avLst/>
-          </a:prstGeom>
-          <a:ln>
-            <a:solidFill>
-              <a:srgbClr val="0070C0"/>
-            </a:solidFill>
-            <a:tailEnd type="triangle"/>
-          </a:ln>
-        </p:spPr>
-        <p:style>
-          <a:lnRef idx="1">
-            <a:schemeClr val="accent1"/>
-          </a:lnRef>
-          <a:fillRef idx="0">
-            <a:schemeClr val="accent1"/>
-          </a:fillRef>
-          <a:effectRef idx="0">
-            <a:schemeClr val="accent1"/>
-          </a:effectRef>
-          <a:fontRef idx="minor">
-            <a:schemeClr val="tx1"/>
-          </a:fontRef>
-        </p:style>
-      </p:cxnSp>
-      <p:cxnSp>
-        <p:nvCxnSpPr>
-          <p:cNvPr id="10" name="直线箭头连接符 9">
-            <a:extLst>
-              <a:ext uri="{FF2B5EF4-FFF2-40B4-BE49-F238E27FC236}">
-                <a16:creationId xmlns:a16="http://schemas.microsoft.com/office/drawing/2014/main" id="{0256226C-8882-904E-94E7-9B8E51B1D0D1}"/>
-              </a:ext>
-            </a:extLst>
-          </p:cNvPr>
-          <p:cNvCxnSpPr>
-            <a:cxnSpLocks/>
-            <a:stCxn id="6" idx="6"/>
-            <a:endCxn id="5" idx="2"/>
-          </p:cNvCxnSpPr>
-          <p:nvPr/>
-        </p:nvCxnSpPr>
-        <p:spPr>
-          <a:xfrm>
-            <a:off x="2339752" y="4221088"/>
-            <a:ext cx="947481" cy="216024"/>
-          </a:xfrm>
-          <a:prstGeom prst="straightConnector1">
-            <a:avLst/>
-          </a:prstGeom>
-          <a:ln>
-            <a:solidFill>
-              <a:srgbClr val="0070C0"/>
-            </a:solidFill>
-            <a:tailEnd type="triangle"/>
-          </a:ln>
-        </p:spPr>
-        <p:style>
-          <a:lnRef idx="1">
-            <a:schemeClr val="accent1"/>
-          </a:lnRef>
-          <a:fillRef idx="0">
-            <a:schemeClr val="accent1"/>
-          </a:fillRef>
-          <a:effectRef idx="0">
-            <a:schemeClr val="accent1"/>
-          </a:effectRef>
-          <a:fontRef idx="minor">
-            <a:schemeClr val="tx1"/>
-          </a:fontRef>
-        </p:style>
-      </p:cxnSp>
-      <p:cxnSp>
-        <p:nvCxnSpPr>
-          <p:cNvPr id="11" name="直线箭头连接符 10">
-            <a:extLst>
-              <a:ext uri="{FF2B5EF4-FFF2-40B4-BE49-F238E27FC236}">
-                <a16:creationId xmlns:a16="http://schemas.microsoft.com/office/drawing/2014/main" id="{79E057A5-0C44-5444-B9C5-08257DC69736}"/>
-              </a:ext>
-            </a:extLst>
-          </p:cNvPr>
-          <p:cNvCxnSpPr>
-            <a:cxnSpLocks/>
-            <a:stCxn id="7" idx="6"/>
-            <a:endCxn id="5" idx="2"/>
-          </p:cNvCxnSpPr>
-          <p:nvPr/>
-        </p:nvCxnSpPr>
-        <p:spPr>
-          <a:xfrm flipV="1">
-            <a:off x="2339752" y="4437112"/>
-            <a:ext cx="947481" cy="360040"/>
-          </a:xfrm>
-          <a:prstGeom prst="straightConnector1">
-            <a:avLst/>
-          </a:prstGeom>
-          <a:ln>
-            <a:solidFill>
-              <a:srgbClr val="0070C0"/>
-            </a:solidFill>
-            <a:tailEnd type="triangle"/>
-          </a:ln>
-        </p:spPr>
-        <p:style>
-          <a:lnRef idx="1">
-            <a:schemeClr val="accent1"/>
-          </a:lnRef>
-          <a:fillRef idx="0">
-            <a:schemeClr val="accent1"/>
-          </a:fillRef>
-          <a:effectRef idx="0">
-            <a:schemeClr val="accent1"/>
-          </a:effectRef>
-          <a:fontRef idx="minor">
-            <a:schemeClr val="tx1"/>
-          </a:fontRef>
-        </p:style>
-      </p:cxnSp>
-      <p:cxnSp>
-        <p:nvCxnSpPr>
-          <p:cNvPr id="12" name="直线箭头连接符 11">
-            <a:extLst>
-              <a:ext uri="{FF2B5EF4-FFF2-40B4-BE49-F238E27FC236}">
-                <a16:creationId xmlns:a16="http://schemas.microsoft.com/office/drawing/2014/main" id="{1FCCF2D8-D6BB-0F46-BBB6-8E975266F633}"/>
-              </a:ext>
-            </a:extLst>
-          </p:cNvPr>
-          <p:cNvCxnSpPr>
-            <a:cxnSpLocks/>
-            <a:stCxn id="8" idx="6"/>
-            <a:endCxn id="5" idx="2"/>
-          </p:cNvCxnSpPr>
-          <p:nvPr/>
-        </p:nvCxnSpPr>
-        <p:spPr>
-          <a:xfrm flipV="1">
-            <a:off x="2339752" y="4437112"/>
-            <a:ext cx="947481" cy="936104"/>
-          </a:xfrm>
-          <a:prstGeom prst="straightConnector1">
-            <a:avLst/>
-          </a:prstGeom>
-          <a:ln>
-            <a:solidFill>
-              <a:srgbClr val="0070C0"/>
-            </a:solidFill>
-            <a:tailEnd type="triangle"/>
-          </a:ln>
-        </p:spPr>
-        <p:style>
-          <a:lnRef idx="1">
-            <a:schemeClr val="accent1"/>
-          </a:lnRef>
-          <a:fillRef idx="0">
-            <a:schemeClr val="accent1"/>
-          </a:fillRef>
-          <a:effectRef idx="0">
-            <a:schemeClr val="accent1"/>
-          </a:effectRef>
-          <a:fontRef idx="minor">
-            <a:schemeClr val="tx1"/>
-          </a:fontRef>
-        </p:style>
-      </p:cxnSp>
-      <p:sp>
-        <p:nvSpPr>
-          <p:cNvPr id="13" name="椭圆 12">
-            <a:extLst>
-              <a:ext uri="{FF2B5EF4-FFF2-40B4-BE49-F238E27FC236}">
-                <a16:creationId xmlns:a16="http://schemas.microsoft.com/office/drawing/2014/main" id="{9DD81A32-CBDA-B64E-AC45-4CFC5591B5B1}"/>
-              </a:ext>
-            </a:extLst>
-          </p:cNvPr>
-          <p:cNvSpPr/>
-          <p:nvPr/>
-        </p:nvSpPr>
-        <p:spPr>
-          <a:xfrm>
-            <a:off x="4854861" y="3505133"/>
-            <a:ext cx="936104" cy="432048"/>
-          </a:xfrm>
-          <a:prstGeom prst="ellipse">
-            <a:avLst/>
-          </a:prstGeom>
-          <a:solidFill>
-            <a:schemeClr val="accent2">
-              <a:lumMod val="75000"/>
-            </a:schemeClr>
-          </a:solidFill>
-          <a:ln>
-            <a:noFill/>
-          </a:ln>
-        </p:spPr>
-        <p:style>
-          <a:lnRef idx="2">
-            <a:schemeClr val="accent1">
-              <a:shade val="50000"/>
-            </a:schemeClr>
-          </a:lnRef>
-          <a:fillRef idx="1">
-            <a:schemeClr val="accent1"/>
-          </a:fillRef>
-          <a:effectRef idx="0">
-            <a:schemeClr val="accent1"/>
-          </a:effectRef>
-          <a:fontRef idx="minor">
-            <a:schemeClr val="lt1"/>
-          </a:fontRef>
-        </p:style>
-        <p:txBody>
-          <a:bodyPr rtlCol="0" anchor="ctr"/>
-          <a:lstStyle/>
-          <a:p>
-            <a:pPr algn="ctr"/>
-            <a:r>
-              <a:rPr kumimoji="1" lang="en-US" altLang="zh-CN" sz="1000" dirty="0"/>
-              <a:t>Channel</a:t>
-            </a:r>
-            <a:endParaRPr kumimoji="1" lang="zh-CN" altLang="en-US" sz="1000" dirty="0"/>
-          </a:p>
-        </p:txBody>
-      </p:sp>
-      <p:sp>
-        <p:nvSpPr>
-          <p:cNvPr id="14" name="椭圆 13">
-            <a:extLst>
-              <a:ext uri="{FF2B5EF4-FFF2-40B4-BE49-F238E27FC236}">
-                <a16:creationId xmlns:a16="http://schemas.microsoft.com/office/drawing/2014/main" id="{50CF14B8-60CA-B34A-BE4B-1864A6D50CD5}"/>
-              </a:ext>
-            </a:extLst>
-          </p:cNvPr>
-          <p:cNvSpPr/>
-          <p:nvPr/>
-        </p:nvSpPr>
-        <p:spPr>
-          <a:xfrm>
-            <a:off x="4853326" y="4221088"/>
-            <a:ext cx="936104" cy="432048"/>
-          </a:xfrm>
-          <a:prstGeom prst="ellipse">
-            <a:avLst/>
-          </a:prstGeom>
-          <a:solidFill>
-            <a:schemeClr val="accent2">
-              <a:lumMod val="75000"/>
-            </a:schemeClr>
-          </a:solidFill>
-          <a:ln>
-            <a:noFill/>
-          </a:ln>
-        </p:spPr>
-        <p:style>
-          <a:lnRef idx="2">
-            <a:schemeClr val="accent1">
-              <a:shade val="50000"/>
-            </a:schemeClr>
-          </a:lnRef>
-          <a:fillRef idx="1">
-            <a:schemeClr val="accent1"/>
-          </a:fillRef>
-          <a:effectRef idx="0">
-            <a:schemeClr val="accent1"/>
-          </a:effectRef>
-          <a:fontRef idx="minor">
-            <a:schemeClr val="lt1"/>
-          </a:fontRef>
-        </p:style>
-        <p:txBody>
-          <a:bodyPr rtlCol="0" anchor="ctr"/>
-          <a:lstStyle/>
-          <a:p>
-            <a:pPr algn="ctr"/>
-            <a:r>
-              <a:rPr kumimoji="1" lang="en-US" altLang="zh-CN" sz="1000" dirty="0"/>
-              <a:t>Channel</a:t>
-            </a:r>
-            <a:endParaRPr kumimoji="1" lang="zh-CN" altLang="en-US" sz="1000" dirty="0"/>
-          </a:p>
-        </p:txBody>
-      </p:sp>
-      <p:sp>
-        <p:nvSpPr>
-          <p:cNvPr id="15" name="椭圆 14">
-            <a:extLst>
-              <a:ext uri="{FF2B5EF4-FFF2-40B4-BE49-F238E27FC236}">
-                <a16:creationId xmlns:a16="http://schemas.microsoft.com/office/drawing/2014/main" id="{1EBEE8E9-A548-4A4B-9097-D6545187E2B2}"/>
-              </a:ext>
-            </a:extLst>
-          </p:cNvPr>
-          <p:cNvSpPr/>
-          <p:nvPr/>
-        </p:nvSpPr>
-        <p:spPr>
-          <a:xfrm>
-            <a:off x="4853326" y="4937043"/>
-            <a:ext cx="936104" cy="432048"/>
-          </a:xfrm>
-          <a:prstGeom prst="ellipse">
-            <a:avLst/>
-          </a:prstGeom>
-          <a:solidFill>
-            <a:schemeClr val="accent2">
-              <a:lumMod val="75000"/>
-            </a:schemeClr>
-          </a:solidFill>
-          <a:ln>
-            <a:noFill/>
-          </a:ln>
-        </p:spPr>
-        <p:style>
-          <a:lnRef idx="2">
-            <a:schemeClr val="accent1">
-              <a:shade val="50000"/>
-            </a:schemeClr>
-          </a:lnRef>
-          <a:fillRef idx="1">
-            <a:schemeClr val="accent1"/>
-          </a:fillRef>
-          <a:effectRef idx="0">
-            <a:schemeClr val="accent1"/>
-          </a:effectRef>
-          <a:fontRef idx="minor">
-            <a:schemeClr val="lt1"/>
-          </a:fontRef>
-        </p:style>
-        <p:txBody>
-          <a:bodyPr rtlCol="0" anchor="ctr"/>
-          <a:lstStyle/>
-          <a:p>
-            <a:pPr algn="ctr"/>
-            <a:r>
-              <a:rPr kumimoji="1" lang="en-US" altLang="zh-CN" sz="1000" dirty="0"/>
-              <a:t>Channel</a:t>
-            </a:r>
-            <a:endParaRPr kumimoji="1" lang="zh-CN" altLang="en-US" sz="1000" dirty="0"/>
-          </a:p>
-        </p:txBody>
-      </p:sp>
-      <p:sp>
-        <p:nvSpPr>
-          <p:cNvPr id="16" name="椭圆 15">
-            <a:extLst>
-              <a:ext uri="{FF2B5EF4-FFF2-40B4-BE49-F238E27FC236}">
-                <a16:creationId xmlns:a16="http://schemas.microsoft.com/office/drawing/2014/main" id="{A79A9507-75C9-004C-A6A7-9AB4A486AD43}"/>
-              </a:ext>
-            </a:extLst>
-          </p:cNvPr>
-          <p:cNvSpPr/>
-          <p:nvPr/>
-        </p:nvSpPr>
-        <p:spPr>
-          <a:xfrm>
-            <a:off x="6901918" y="3505133"/>
-            <a:ext cx="936104" cy="432048"/>
-          </a:xfrm>
-          <a:prstGeom prst="ellipse">
-            <a:avLst/>
-          </a:prstGeom>
-          <a:solidFill>
-            <a:srgbClr val="00B050"/>
-          </a:solidFill>
-          <a:ln>
-            <a:noFill/>
-          </a:ln>
-        </p:spPr>
-        <p:style>
-          <a:lnRef idx="2">
-            <a:schemeClr val="accent1">
-              <a:shade val="50000"/>
-            </a:schemeClr>
-          </a:lnRef>
-          <a:fillRef idx="1">
-            <a:schemeClr val="accent1"/>
-          </a:fillRef>
-          <a:effectRef idx="0">
-            <a:schemeClr val="accent1"/>
-          </a:effectRef>
-          <a:fontRef idx="minor">
-            <a:schemeClr val="lt1"/>
-          </a:fontRef>
-        </p:style>
-        <p:txBody>
-          <a:bodyPr rtlCol="0" anchor="ctr"/>
-          <a:lstStyle/>
-          <a:p>
-            <a:pPr algn="ctr"/>
-            <a:r>
-              <a:rPr kumimoji="1" lang="en-US" altLang="zh-CN" sz="1000" dirty="0"/>
+              <a:rPr kumimoji="1" lang="zh-CN" altLang="en-US" sz="1600" dirty="0"/>
+              <a:t>服务端一次读操作便可读到多个请求，依次处理这些请求，减少了</a:t>
+            </a:r>
+            <a:r>
+              <a:rPr kumimoji="1" lang="en-US" altLang="zh-CN" sz="1600" dirty="0"/>
+              <a:t>IO</a:t>
+            </a:r>
+            <a:r>
+              <a:rPr kumimoji="1" lang="zh-CN" altLang="en-US" sz="1600" dirty="0"/>
+              <a:t>次数。</a:t>
+            </a:r>
+            <a:endParaRPr kumimoji="1" lang="en-US" altLang="zh-CN" sz="1600" dirty="0"/>
+          </a:p>
+          <a:p>
+            <a:endParaRPr kumimoji="1" lang="en-US" altLang="zh-CN" sz="1400" dirty="0"/>
+          </a:p>
+          <a:p>
+            <a:r>
+              <a:rPr kumimoji="1" lang="zh-CN" altLang="en-US" sz="1800" b="1" dirty="0"/>
+              <a:t>客户端 </a:t>
+            </a:r>
+            <a:r>
+              <a:rPr kumimoji="1" lang="en-US" altLang="zh-CN" sz="1800" b="1" dirty="0"/>
+              <a:t>Pipeline</a:t>
+            </a:r>
+            <a:r>
+              <a:rPr kumimoji="1" lang="zh-CN" altLang="en-US" sz="1800" b="1" dirty="0"/>
+              <a:t> 模式的设计难点：</a:t>
+            </a:r>
+            <a:r>
+              <a:rPr kumimoji="1" lang="zh-CN" altLang="en-US" sz="1800" b="1" u="sng" dirty="0"/>
+              <a:t>如何优雅地处理集群模式下的重定向问题？</a:t>
+            </a:r>
+            <a:endParaRPr kumimoji="1" lang="en-US" altLang="zh-CN" sz="1800" b="1" u="sng" dirty="0"/>
+          </a:p>
+          <a:p>
+            <a:endParaRPr kumimoji="1" lang="en-US" altLang="zh-CN" sz="1800" b="1" u="sng" dirty="0"/>
+          </a:p>
+          <a:p>
+            <a:r>
+              <a:rPr kumimoji="1" lang="zh-CN" altLang="en-US" sz="1800" b="1" dirty="0"/>
+              <a:t>存等待状态的命令不适合使用</a:t>
+            </a:r>
+            <a:r>
+              <a:rPr kumimoji="1" lang="en-US" altLang="zh-CN" sz="1800" b="1" dirty="0"/>
+              <a:t>Pipeline</a:t>
+            </a:r>
+            <a:r>
+              <a:rPr kumimoji="1" lang="zh-CN" altLang="en-US" sz="1800" b="1" dirty="0"/>
+              <a:t>模式（因为结果的返回是异步的，无法与其它命令共用一个</a:t>
+            </a:r>
+            <a:r>
+              <a:rPr kumimoji="1" lang="en-US" altLang="zh-CN" sz="1800" b="1" dirty="0"/>
               <a:t>Redis</a:t>
             </a:r>
-            <a:endParaRPr kumimoji="1" lang="zh-CN" altLang="en-US" sz="1000" dirty="0"/>
-          </a:p>
-        </p:txBody>
-      </p:sp>
-      <p:sp>
-        <p:nvSpPr>
-          <p:cNvPr id="17" name="椭圆 16">
-            <a:extLst>
-              <a:ext uri="{FF2B5EF4-FFF2-40B4-BE49-F238E27FC236}">
-                <a16:creationId xmlns:a16="http://schemas.microsoft.com/office/drawing/2014/main" id="{4F8804BA-D05A-D84A-9B7E-2D02D266DFFD}"/>
-              </a:ext>
-            </a:extLst>
-          </p:cNvPr>
-          <p:cNvSpPr/>
-          <p:nvPr/>
-        </p:nvSpPr>
-        <p:spPr>
-          <a:xfrm>
-            <a:off x="6905392" y="4221088"/>
-            <a:ext cx="936104" cy="432048"/>
-          </a:xfrm>
-          <a:prstGeom prst="ellipse">
-            <a:avLst/>
-          </a:prstGeom>
-          <a:solidFill>
-            <a:srgbClr val="00B050"/>
-          </a:solidFill>
-          <a:ln>
-            <a:noFill/>
-          </a:ln>
-        </p:spPr>
-        <p:style>
-          <a:lnRef idx="2">
-            <a:schemeClr val="accent1">
-              <a:shade val="50000"/>
-            </a:schemeClr>
-          </a:lnRef>
-          <a:fillRef idx="1">
-            <a:schemeClr val="accent1"/>
-          </a:fillRef>
-          <a:effectRef idx="0">
-            <a:schemeClr val="accent1"/>
-          </a:effectRef>
-          <a:fontRef idx="minor">
-            <a:schemeClr val="lt1"/>
-          </a:fontRef>
-        </p:style>
-        <p:txBody>
-          <a:bodyPr rtlCol="0" anchor="ctr"/>
-          <a:lstStyle/>
-          <a:p>
-            <a:pPr algn="ctr"/>
-            <a:r>
-              <a:rPr kumimoji="1" lang="en-US" altLang="zh-CN" sz="1000" dirty="0"/>
-              <a:t>Redis</a:t>
-            </a:r>
-            <a:endParaRPr kumimoji="1" lang="zh-CN" altLang="en-US" sz="1000" dirty="0"/>
-          </a:p>
-        </p:txBody>
-      </p:sp>
-      <p:sp>
-        <p:nvSpPr>
-          <p:cNvPr id="18" name="椭圆 17">
-            <a:extLst>
-              <a:ext uri="{FF2B5EF4-FFF2-40B4-BE49-F238E27FC236}">
-                <a16:creationId xmlns:a16="http://schemas.microsoft.com/office/drawing/2014/main" id="{846EE999-9805-0745-9C91-953627BD4A82}"/>
-              </a:ext>
-            </a:extLst>
-          </p:cNvPr>
-          <p:cNvSpPr/>
-          <p:nvPr/>
-        </p:nvSpPr>
-        <p:spPr>
-          <a:xfrm>
-            <a:off x="6905392" y="4937043"/>
-            <a:ext cx="936104" cy="432048"/>
-          </a:xfrm>
-          <a:prstGeom prst="ellipse">
-            <a:avLst/>
-          </a:prstGeom>
-          <a:solidFill>
-            <a:srgbClr val="00B050"/>
-          </a:solidFill>
-          <a:ln>
-            <a:noFill/>
-          </a:ln>
-        </p:spPr>
-        <p:style>
-          <a:lnRef idx="2">
-            <a:schemeClr val="accent1">
-              <a:shade val="50000"/>
-            </a:schemeClr>
-          </a:lnRef>
-          <a:fillRef idx="1">
-            <a:schemeClr val="accent1"/>
-          </a:fillRef>
-          <a:effectRef idx="0">
-            <a:schemeClr val="accent1"/>
-          </a:effectRef>
-          <a:fontRef idx="minor">
-            <a:schemeClr val="lt1"/>
-          </a:fontRef>
-        </p:style>
-        <p:txBody>
-          <a:bodyPr rtlCol="0" anchor="ctr"/>
-          <a:lstStyle/>
-          <a:p>
-            <a:pPr algn="ctr"/>
-            <a:r>
-              <a:rPr kumimoji="1" lang="en-US" altLang="zh-CN" sz="1000" dirty="0"/>
-              <a:t>Redis</a:t>
-            </a:r>
-            <a:endParaRPr kumimoji="1" lang="zh-CN" altLang="en-US" sz="1000" dirty="0"/>
-          </a:p>
-        </p:txBody>
-      </p:sp>
-      <p:cxnSp>
-        <p:nvCxnSpPr>
-          <p:cNvPr id="19" name="直线箭头连接符 18">
-            <a:extLst>
-              <a:ext uri="{FF2B5EF4-FFF2-40B4-BE49-F238E27FC236}">
-                <a16:creationId xmlns:a16="http://schemas.microsoft.com/office/drawing/2014/main" id="{2733B123-08EC-2845-932B-B73C50CF465A}"/>
-              </a:ext>
-            </a:extLst>
-          </p:cNvPr>
-          <p:cNvCxnSpPr>
-            <a:stCxn id="5" idx="6"/>
-            <a:endCxn id="13" idx="2"/>
-          </p:cNvCxnSpPr>
-          <p:nvPr/>
-        </p:nvCxnSpPr>
-        <p:spPr>
-          <a:xfrm flipV="1">
-            <a:off x="4295345" y="3721157"/>
-            <a:ext cx="559516" cy="715955"/>
-          </a:xfrm>
-          <a:prstGeom prst="straightConnector1">
-            <a:avLst/>
-          </a:prstGeom>
-          <a:ln>
-            <a:solidFill>
-              <a:srgbClr val="0070C0"/>
-            </a:solidFill>
-            <a:tailEnd type="triangle"/>
-          </a:ln>
-        </p:spPr>
-        <p:style>
-          <a:lnRef idx="1">
-            <a:schemeClr val="accent1"/>
-          </a:lnRef>
-          <a:fillRef idx="0">
-            <a:schemeClr val="accent1"/>
-          </a:fillRef>
-          <a:effectRef idx="0">
-            <a:schemeClr val="accent1"/>
-          </a:effectRef>
-          <a:fontRef idx="minor">
-            <a:schemeClr val="tx1"/>
-          </a:fontRef>
-        </p:style>
-      </p:cxnSp>
-      <p:cxnSp>
-        <p:nvCxnSpPr>
-          <p:cNvPr id="20" name="直线箭头连接符 19">
-            <a:extLst>
-              <a:ext uri="{FF2B5EF4-FFF2-40B4-BE49-F238E27FC236}">
-                <a16:creationId xmlns:a16="http://schemas.microsoft.com/office/drawing/2014/main" id="{5565EBDC-EF98-954E-BF2E-2E1BE7E0DC5E}"/>
-              </a:ext>
-            </a:extLst>
-          </p:cNvPr>
-          <p:cNvCxnSpPr>
-            <a:stCxn id="5" idx="6"/>
-            <a:endCxn id="14" idx="2"/>
-          </p:cNvCxnSpPr>
-          <p:nvPr/>
-        </p:nvCxnSpPr>
-        <p:spPr>
-          <a:xfrm>
-            <a:off x="4295345" y="4437112"/>
-            <a:ext cx="557981" cy="0"/>
-          </a:xfrm>
-          <a:prstGeom prst="straightConnector1">
-            <a:avLst/>
-          </a:prstGeom>
-          <a:ln>
-            <a:solidFill>
-              <a:srgbClr val="0070C0"/>
-            </a:solidFill>
-            <a:tailEnd type="triangle"/>
-          </a:ln>
-        </p:spPr>
-        <p:style>
-          <a:lnRef idx="1">
-            <a:schemeClr val="accent1"/>
-          </a:lnRef>
-          <a:fillRef idx="0">
-            <a:schemeClr val="accent1"/>
-          </a:fillRef>
-          <a:effectRef idx="0">
-            <a:schemeClr val="accent1"/>
-          </a:effectRef>
-          <a:fontRef idx="minor">
-            <a:schemeClr val="tx1"/>
-          </a:fontRef>
-        </p:style>
-      </p:cxnSp>
-      <p:cxnSp>
-        <p:nvCxnSpPr>
-          <p:cNvPr id="21" name="直线箭头连接符 20">
-            <a:extLst>
-              <a:ext uri="{FF2B5EF4-FFF2-40B4-BE49-F238E27FC236}">
-                <a16:creationId xmlns:a16="http://schemas.microsoft.com/office/drawing/2014/main" id="{3CE8E99E-4E48-EA41-9846-A3A5B26B51CF}"/>
-              </a:ext>
-            </a:extLst>
-          </p:cNvPr>
-          <p:cNvCxnSpPr>
-            <a:stCxn id="5" idx="6"/>
-            <a:endCxn id="15" idx="2"/>
-          </p:cNvCxnSpPr>
-          <p:nvPr/>
-        </p:nvCxnSpPr>
-        <p:spPr>
-          <a:xfrm>
-            <a:off x="4295345" y="4437112"/>
-            <a:ext cx="557981" cy="715955"/>
-          </a:xfrm>
-          <a:prstGeom prst="straightConnector1">
-            <a:avLst/>
-          </a:prstGeom>
-          <a:ln>
-            <a:solidFill>
-              <a:srgbClr val="0070C0"/>
-            </a:solidFill>
-            <a:tailEnd type="triangle"/>
-          </a:ln>
-        </p:spPr>
-        <p:style>
-          <a:lnRef idx="1">
-            <a:schemeClr val="accent1"/>
-          </a:lnRef>
-          <a:fillRef idx="0">
-            <a:schemeClr val="accent1"/>
-          </a:fillRef>
-          <a:effectRef idx="0">
-            <a:schemeClr val="accent1"/>
-          </a:effectRef>
-          <a:fontRef idx="minor">
-            <a:schemeClr val="tx1"/>
-          </a:fontRef>
-        </p:style>
-      </p:cxnSp>
-      <p:cxnSp>
-        <p:nvCxnSpPr>
-          <p:cNvPr id="22" name="直线箭头连接符 21">
-            <a:extLst>
-              <a:ext uri="{FF2B5EF4-FFF2-40B4-BE49-F238E27FC236}">
-                <a16:creationId xmlns:a16="http://schemas.microsoft.com/office/drawing/2014/main" id="{619CAA33-5191-BC47-A259-23138FCBC36E}"/>
-              </a:ext>
-            </a:extLst>
-          </p:cNvPr>
-          <p:cNvCxnSpPr>
-            <a:stCxn id="13" idx="6"/>
-            <a:endCxn id="16" idx="2"/>
-          </p:cNvCxnSpPr>
-          <p:nvPr/>
-        </p:nvCxnSpPr>
-        <p:spPr>
-          <a:xfrm>
-            <a:off x="5790965" y="3721157"/>
-            <a:ext cx="1110953" cy="0"/>
-          </a:xfrm>
-          <a:prstGeom prst="straightConnector1">
-            <a:avLst/>
-          </a:prstGeom>
-          <a:ln>
-            <a:solidFill>
-              <a:srgbClr val="00B050"/>
-            </a:solidFill>
-            <a:headEnd type="triangle"/>
-            <a:tailEnd type="triangle"/>
-          </a:ln>
-        </p:spPr>
-        <p:style>
-          <a:lnRef idx="1">
-            <a:schemeClr val="accent1"/>
-          </a:lnRef>
-          <a:fillRef idx="0">
-            <a:schemeClr val="accent1"/>
-          </a:fillRef>
-          <a:effectRef idx="0">
-            <a:schemeClr val="accent1"/>
-          </a:effectRef>
-          <a:fontRef idx="minor">
-            <a:schemeClr val="tx1"/>
-          </a:fontRef>
-        </p:style>
-      </p:cxnSp>
-      <p:cxnSp>
-        <p:nvCxnSpPr>
-          <p:cNvPr id="23" name="直线箭头连接符 22">
-            <a:extLst>
-              <a:ext uri="{FF2B5EF4-FFF2-40B4-BE49-F238E27FC236}">
-                <a16:creationId xmlns:a16="http://schemas.microsoft.com/office/drawing/2014/main" id="{F76DAEDD-39E0-974B-B751-62F0413CF3AB}"/>
-              </a:ext>
-            </a:extLst>
-          </p:cNvPr>
-          <p:cNvCxnSpPr>
-            <a:stCxn id="14" idx="6"/>
-            <a:endCxn id="17" idx="2"/>
-          </p:cNvCxnSpPr>
-          <p:nvPr/>
-        </p:nvCxnSpPr>
-        <p:spPr>
-          <a:xfrm>
-            <a:off x="5789430" y="4437112"/>
-            <a:ext cx="1115962" cy="0"/>
-          </a:xfrm>
-          <a:prstGeom prst="straightConnector1">
-            <a:avLst/>
-          </a:prstGeom>
-          <a:ln>
-            <a:solidFill>
-              <a:srgbClr val="00B050"/>
-            </a:solidFill>
-            <a:headEnd type="triangle"/>
-            <a:tailEnd type="triangle"/>
-          </a:ln>
-        </p:spPr>
-        <p:style>
-          <a:lnRef idx="1">
-            <a:schemeClr val="accent1"/>
-          </a:lnRef>
-          <a:fillRef idx="0">
-            <a:schemeClr val="accent1"/>
-          </a:fillRef>
-          <a:effectRef idx="0">
-            <a:schemeClr val="accent1"/>
-          </a:effectRef>
-          <a:fontRef idx="minor">
-            <a:schemeClr val="tx1"/>
-          </a:fontRef>
-        </p:style>
-      </p:cxnSp>
-      <p:cxnSp>
-        <p:nvCxnSpPr>
-          <p:cNvPr id="24" name="直线箭头连接符 23">
-            <a:extLst>
-              <a:ext uri="{FF2B5EF4-FFF2-40B4-BE49-F238E27FC236}">
-                <a16:creationId xmlns:a16="http://schemas.microsoft.com/office/drawing/2014/main" id="{9846CCDE-4B9E-534C-8CA0-9E58D3151F35}"/>
-              </a:ext>
-            </a:extLst>
-          </p:cNvPr>
-          <p:cNvCxnSpPr>
-            <a:stCxn id="15" idx="6"/>
-            <a:endCxn id="18" idx="2"/>
-          </p:cNvCxnSpPr>
-          <p:nvPr/>
-        </p:nvCxnSpPr>
-        <p:spPr>
-          <a:xfrm>
-            <a:off x="5789430" y="5153067"/>
-            <a:ext cx="1115962" cy="0"/>
-          </a:xfrm>
-          <a:prstGeom prst="straightConnector1">
-            <a:avLst/>
-          </a:prstGeom>
-          <a:ln>
-            <a:solidFill>
-              <a:srgbClr val="00B050"/>
-            </a:solidFill>
-            <a:headEnd type="triangle"/>
-            <a:tailEnd type="triangle"/>
-          </a:ln>
-        </p:spPr>
-        <p:style>
-          <a:lnRef idx="1">
-            <a:schemeClr val="accent1"/>
-          </a:lnRef>
-          <a:fillRef idx="0">
-            <a:schemeClr val="accent1"/>
-          </a:fillRef>
-          <a:effectRef idx="0">
-            <a:schemeClr val="accent1"/>
-          </a:effectRef>
-          <a:fontRef idx="minor">
-            <a:schemeClr val="tx1"/>
-          </a:fontRef>
-        </p:style>
-      </p:cxnSp>
-      <p:cxnSp>
-        <p:nvCxnSpPr>
-          <p:cNvPr id="25" name="曲线连接符 24">
-            <a:extLst>
-              <a:ext uri="{FF2B5EF4-FFF2-40B4-BE49-F238E27FC236}">
-                <a16:creationId xmlns:a16="http://schemas.microsoft.com/office/drawing/2014/main" id="{9A616FE4-6429-BE4D-A0D7-4DFA94659A64}"/>
-              </a:ext>
-            </a:extLst>
-          </p:cNvPr>
-          <p:cNvCxnSpPr>
-            <a:cxnSpLocks/>
-            <a:stCxn id="13" idx="0"/>
-            <a:endCxn id="4" idx="7"/>
-          </p:cNvCxnSpPr>
-          <p:nvPr/>
-        </p:nvCxnSpPr>
-        <p:spPr>
-          <a:xfrm rot="16200000" flipV="1">
-            <a:off x="3766903" y="1949123"/>
-            <a:ext cx="12861" cy="3099160"/>
-          </a:xfrm>
-          <a:prstGeom prst="curvedConnector3">
-            <a:avLst>
-              <a:gd name="adj1" fmla="val 2369435"/>
-            </a:avLst>
-          </a:prstGeom>
-          <a:ln>
-            <a:solidFill>
-              <a:srgbClr val="0070C0"/>
-            </a:solidFill>
-            <a:tailEnd type="triangle"/>
-          </a:ln>
-        </p:spPr>
-        <p:style>
-          <a:lnRef idx="1">
-            <a:schemeClr val="accent1"/>
-          </a:lnRef>
-          <a:fillRef idx="0">
-            <a:schemeClr val="accent1"/>
-          </a:fillRef>
-          <a:effectRef idx="0">
-            <a:schemeClr val="accent1"/>
-          </a:effectRef>
-          <a:fontRef idx="minor">
-            <a:schemeClr val="tx1"/>
-          </a:fontRef>
-        </p:style>
-      </p:cxnSp>
-      <p:cxnSp>
-        <p:nvCxnSpPr>
-          <p:cNvPr id="26" name="曲线连接符 25">
-            <a:extLst>
-              <a:ext uri="{FF2B5EF4-FFF2-40B4-BE49-F238E27FC236}">
-                <a16:creationId xmlns:a16="http://schemas.microsoft.com/office/drawing/2014/main" id="{C3D7D3D2-8611-C048-9F2E-2FABC7FCB316}"/>
-              </a:ext>
-            </a:extLst>
-          </p:cNvPr>
-          <p:cNvCxnSpPr>
-            <a:stCxn id="13" idx="1"/>
-            <a:endCxn id="6" idx="7"/>
-          </p:cNvCxnSpPr>
-          <p:nvPr/>
-        </p:nvCxnSpPr>
-        <p:spPr>
-          <a:xfrm rot="16200000" flipH="1" flipV="1">
-            <a:off x="3357886" y="2434271"/>
-            <a:ext cx="499931" cy="2768197"/>
-          </a:xfrm>
-          <a:prstGeom prst="curvedConnector3">
-            <a:avLst>
-              <a:gd name="adj1" fmla="val -58382"/>
-            </a:avLst>
-          </a:prstGeom>
-          <a:ln>
-            <a:solidFill>
-              <a:srgbClr val="0070C0"/>
-            </a:solidFill>
-            <a:tailEnd type="triangle"/>
-          </a:ln>
-        </p:spPr>
-        <p:style>
-          <a:lnRef idx="1">
-            <a:schemeClr val="accent1"/>
-          </a:lnRef>
-          <a:fillRef idx="0">
-            <a:schemeClr val="accent1"/>
-          </a:fillRef>
-          <a:effectRef idx="0">
-            <a:schemeClr val="accent1"/>
-          </a:effectRef>
-          <a:fontRef idx="minor">
-            <a:schemeClr val="tx1"/>
-          </a:fontRef>
-        </p:style>
-      </p:cxnSp>
-      <p:cxnSp>
-        <p:nvCxnSpPr>
-          <p:cNvPr id="27" name="曲线连接符 26">
-            <a:extLst>
-              <a:ext uri="{FF2B5EF4-FFF2-40B4-BE49-F238E27FC236}">
-                <a16:creationId xmlns:a16="http://schemas.microsoft.com/office/drawing/2014/main" id="{FD97B20A-F4AD-F844-91DC-4DBA337E3E97}"/>
-              </a:ext>
-            </a:extLst>
-          </p:cNvPr>
-          <p:cNvCxnSpPr>
-            <a:cxnSpLocks/>
-            <a:stCxn id="15" idx="3"/>
-            <a:endCxn id="7" idx="5"/>
-          </p:cNvCxnSpPr>
-          <p:nvPr/>
-        </p:nvCxnSpPr>
-        <p:spPr>
-          <a:xfrm rot="5400000" flipH="1">
-            <a:off x="3429126" y="3744531"/>
-            <a:ext cx="355915" cy="2766662"/>
-          </a:xfrm>
-          <a:prstGeom prst="curvedConnector3">
-            <a:avLst>
-              <a:gd name="adj1" fmla="val -82006"/>
-            </a:avLst>
-          </a:prstGeom>
-          <a:ln>
-            <a:solidFill>
-              <a:srgbClr val="0070C0"/>
-            </a:solidFill>
-            <a:tailEnd type="triangle"/>
-          </a:ln>
-        </p:spPr>
-        <p:style>
-          <a:lnRef idx="1">
-            <a:schemeClr val="accent1"/>
-          </a:lnRef>
-          <a:fillRef idx="0">
-            <a:schemeClr val="accent1"/>
-          </a:fillRef>
-          <a:effectRef idx="0">
-            <a:schemeClr val="accent1"/>
-          </a:effectRef>
-          <a:fontRef idx="minor">
-            <a:schemeClr val="tx1"/>
-          </a:fontRef>
-        </p:style>
-      </p:cxnSp>
-      <p:cxnSp>
-        <p:nvCxnSpPr>
-          <p:cNvPr id="28" name="曲线连接符 27">
-            <a:extLst>
-              <a:ext uri="{FF2B5EF4-FFF2-40B4-BE49-F238E27FC236}">
-                <a16:creationId xmlns:a16="http://schemas.microsoft.com/office/drawing/2014/main" id="{B312D7D3-E7C8-FA41-882A-09C3F8EC15E6}"/>
-              </a:ext>
-            </a:extLst>
-          </p:cNvPr>
-          <p:cNvCxnSpPr>
-            <a:stCxn id="15" idx="4"/>
-            <a:endCxn id="8" idx="4"/>
-          </p:cNvCxnSpPr>
-          <p:nvPr/>
-        </p:nvCxnSpPr>
-        <p:spPr>
-          <a:xfrm rot="5400000">
-            <a:off x="3522469" y="3790330"/>
-            <a:ext cx="220149" cy="3377670"/>
-          </a:xfrm>
-          <a:prstGeom prst="curvedConnector3">
-            <a:avLst>
-              <a:gd name="adj1" fmla="val 203839"/>
-            </a:avLst>
-          </a:prstGeom>
-          <a:ln>
-            <a:solidFill>
-              <a:srgbClr val="0070C0"/>
-            </a:solidFill>
-            <a:tailEnd type="triangle"/>
-          </a:ln>
-        </p:spPr>
-        <p:style>
-          <a:lnRef idx="1">
-            <a:schemeClr val="accent1"/>
-          </a:lnRef>
-          <a:fillRef idx="0">
-            <a:schemeClr val="accent1"/>
-          </a:fillRef>
-          <a:effectRef idx="0">
-            <a:schemeClr val="accent1"/>
-          </a:effectRef>
-          <a:fontRef idx="minor">
-            <a:schemeClr val="tx1"/>
-          </a:fontRef>
-        </p:style>
-      </p:cxnSp>
-      <p:sp>
-        <p:nvSpPr>
-          <p:cNvPr id="29" name="矩形 28">
-            <a:extLst>
-              <a:ext uri="{FF2B5EF4-FFF2-40B4-BE49-F238E27FC236}">
-                <a16:creationId xmlns:a16="http://schemas.microsoft.com/office/drawing/2014/main" id="{EA360CF0-B1BB-D34D-87A8-5B3789ACF09E}"/>
-              </a:ext>
-            </a:extLst>
-          </p:cNvPr>
-          <p:cNvSpPr/>
-          <p:nvPr/>
-        </p:nvSpPr>
-        <p:spPr>
-          <a:xfrm>
-            <a:off x="1187624" y="2855180"/>
-            <a:ext cx="4968552" cy="3168352"/>
-          </a:xfrm>
-          <a:prstGeom prst="rect">
-            <a:avLst/>
-          </a:prstGeom>
-          <a:noFill/>
-          <a:ln>
-            <a:solidFill>
-              <a:srgbClr val="0070C0"/>
-            </a:solidFill>
-            <a:prstDash val="dashDot"/>
-          </a:ln>
-        </p:spPr>
-        <p:style>
-          <a:lnRef idx="2">
-            <a:schemeClr val="accent1">
-              <a:shade val="50000"/>
-            </a:schemeClr>
-          </a:lnRef>
-          <a:fillRef idx="1">
-            <a:schemeClr val="accent1"/>
-          </a:fillRef>
-          <a:effectRef idx="0">
-            <a:schemeClr val="accent1"/>
-          </a:effectRef>
-          <a:fontRef idx="minor">
-            <a:schemeClr val="lt1"/>
-          </a:fontRef>
-        </p:style>
-        <p:txBody>
-          <a:bodyPr rtlCol="0" anchor="ctr"/>
-          <a:lstStyle/>
-          <a:p>
-            <a:pPr algn="ctr"/>
-            <a:endParaRPr kumimoji="1" lang="zh-CN" altLang="en-US"/>
-          </a:p>
-        </p:txBody>
-      </p:sp>
-      <p:sp>
-        <p:nvSpPr>
-          <p:cNvPr id="30" name="矩形 29">
-            <a:extLst>
-              <a:ext uri="{FF2B5EF4-FFF2-40B4-BE49-F238E27FC236}">
-                <a16:creationId xmlns:a16="http://schemas.microsoft.com/office/drawing/2014/main" id="{327A04B4-A95E-A846-BE16-37A95713E8A5}"/>
-              </a:ext>
-            </a:extLst>
-          </p:cNvPr>
-          <p:cNvSpPr/>
-          <p:nvPr/>
-        </p:nvSpPr>
-        <p:spPr>
-          <a:xfrm>
-            <a:off x="6588445" y="2852936"/>
-            <a:ext cx="1439939" cy="3168352"/>
-          </a:xfrm>
-          <a:prstGeom prst="rect">
-            <a:avLst/>
-          </a:prstGeom>
-          <a:noFill/>
-          <a:ln>
-            <a:solidFill>
-              <a:srgbClr val="0070C0"/>
-            </a:solidFill>
-            <a:prstDash val="dashDot"/>
-          </a:ln>
-        </p:spPr>
-        <p:style>
-          <a:lnRef idx="2">
-            <a:schemeClr val="accent1">
-              <a:shade val="50000"/>
-            </a:schemeClr>
-          </a:lnRef>
-          <a:fillRef idx="1">
-            <a:schemeClr val="accent1"/>
-          </a:fillRef>
-          <a:effectRef idx="0">
-            <a:schemeClr val="accent1"/>
-          </a:effectRef>
-          <a:fontRef idx="minor">
-            <a:schemeClr val="lt1"/>
-          </a:fontRef>
-        </p:style>
-        <p:txBody>
-          <a:bodyPr rtlCol="0" anchor="ctr"/>
-          <a:lstStyle/>
-          <a:p>
-            <a:pPr algn="ctr"/>
-            <a:endParaRPr kumimoji="1" lang="zh-CN" altLang="en-US"/>
+            <a:r>
+              <a:rPr kumimoji="1" lang="zh-CN" altLang="en-US" sz="1800" b="1" dirty="0"/>
+              <a:t>连接）：</a:t>
+            </a:r>
+            <a:endParaRPr kumimoji="1" lang="en-US" altLang="zh-CN" sz="1800" b="1" dirty="0"/>
+          </a:p>
+          <a:p>
+            <a:r>
+              <a:rPr kumimoji="1" lang="en-US" altLang="zh-CN" sz="1800" dirty="0"/>
+              <a:t>1</a:t>
+            </a:r>
+            <a:r>
+              <a:rPr kumimoji="1" lang="zh-CN" altLang="en-US" sz="1800" dirty="0"/>
+              <a:t>、</a:t>
+            </a:r>
+            <a:r>
+              <a:rPr kumimoji="1" lang="en-US" altLang="zh-CN" sz="1800" dirty="0"/>
+              <a:t>List</a:t>
+            </a:r>
+            <a:r>
+              <a:rPr kumimoji="1" lang="zh-CN" altLang="en-US" sz="1800" dirty="0"/>
+              <a:t>命令类：</a:t>
+            </a:r>
+            <a:r>
+              <a:rPr kumimoji="1" lang="en-US" altLang="zh-CN" sz="1800" dirty="0"/>
+              <a:t>BLPOP</a:t>
+            </a:r>
+            <a:r>
+              <a:rPr kumimoji="1" lang="zh-CN" altLang="en-US" sz="1800" dirty="0"/>
+              <a:t>、</a:t>
+            </a:r>
+            <a:r>
+              <a:rPr kumimoji="1" lang="en-US" altLang="zh-CN" sz="1800" dirty="0"/>
+              <a:t>BRPOP</a:t>
+            </a:r>
+            <a:r>
+              <a:rPr kumimoji="1" lang="zh-CN" altLang="en-US" sz="1800" dirty="0"/>
+              <a:t>、</a:t>
+            </a:r>
+            <a:r>
+              <a:rPr lang="en" altLang="zh-CN" sz="1800" dirty="0"/>
+              <a:t>BRPOPLPUSH</a:t>
+            </a:r>
+            <a:r>
+              <a:rPr lang="zh-CN" altLang="en-US" sz="1800" dirty="0"/>
+              <a:t>、</a:t>
+            </a:r>
+            <a:r>
+              <a:rPr lang="en-US" altLang="zh-CN" sz="1800" dirty="0"/>
+              <a:t>LPOP</a:t>
+            </a:r>
+            <a:r>
+              <a:rPr lang="zh-CN" altLang="en-US" sz="1800" dirty="0"/>
+              <a:t>、</a:t>
+            </a:r>
+            <a:r>
+              <a:rPr lang="en-US" altLang="zh-CN" sz="1800" dirty="0"/>
+              <a:t>RPOP</a:t>
+            </a:r>
+            <a:r>
+              <a:rPr lang="zh-CN" altLang="en-US" sz="1800" dirty="0"/>
+              <a:t>、</a:t>
+            </a:r>
+            <a:r>
+              <a:rPr lang="en-US" altLang="zh-CN" sz="1800" dirty="0"/>
+              <a:t>RPOPPUSH</a:t>
+            </a:r>
+            <a:r>
+              <a:rPr lang="zh-CN" altLang="en-US" sz="1800" dirty="0"/>
+              <a:t>；</a:t>
+            </a:r>
+            <a:endParaRPr lang="en-US" altLang="zh-CN" sz="1800" dirty="0"/>
+          </a:p>
+          <a:p>
+            <a:r>
+              <a:rPr lang="en-US" altLang="zh-CN" sz="1800" dirty="0"/>
+              <a:t>2</a:t>
+            </a:r>
+            <a:r>
+              <a:rPr lang="zh-CN" altLang="en-US" sz="1800" dirty="0"/>
+              <a:t>、</a:t>
+            </a:r>
+            <a:r>
+              <a:rPr lang="en-US" altLang="zh-CN" sz="1800" dirty="0"/>
+              <a:t>Pub/Sub</a:t>
+            </a:r>
+            <a:r>
+              <a:rPr lang="zh-CN" altLang="en-US" sz="1800" dirty="0"/>
+              <a:t>类：接收订阅消息过程；</a:t>
+            </a:r>
+            <a:endParaRPr lang="en-US" altLang="zh-CN" sz="1800" dirty="0"/>
+          </a:p>
+          <a:p>
+            <a:r>
+              <a:rPr lang="en-US" altLang="zh-CN" sz="1800" dirty="0"/>
+              <a:t>3</a:t>
+            </a:r>
+            <a:r>
+              <a:rPr lang="zh-CN" altLang="en-US" sz="1800" dirty="0"/>
+              <a:t>、</a:t>
+            </a:r>
+            <a:r>
+              <a:rPr lang="en-US" altLang="zh-CN" sz="1800" dirty="0"/>
+              <a:t>Stream</a:t>
+            </a:r>
+            <a:r>
+              <a:rPr lang="zh-CN" altLang="en-US" sz="1800" dirty="0"/>
+              <a:t>类：</a:t>
+            </a:r>
+            <a:r>
+              <a:rPr lang="en-US" altLang="zh-CN" sz="1800" dirty="0"/>
+              <a:t>XREAD</a:t>
+            </a:r>
+            <a:r>
+              <a:rPr lang="zh-CN" altLang="en-US" sz="1800" dirty="0"/>
+              <a:t>、</a:t>
+            </a:r>
+            <a:r>
+              <a:rPr lang="en-US" altLang="zh-CN" sz="1800" dirty="0"/>
+              <a:t>XREADGROUP</a:t>
+            </a:r>
+            <a:r>
+              <a:rPr lang="zh-CN" altLang="en-US" sz="1800" dirty="0"/>
+              <a:t>；</a:t>
+            </a:r>
+            <a:endParaRPr lang="en" altLang="zh-CN" sz="1800" dirty="0"/>
+          </a:p>
+          <a:p>
+            <a:endParaRPr kumimoji="1" lang="en-US" altLang="zh-CN" sz="1800" b="1" dirty="0"/>
+          </a:p>
+          <a:p>
+            <a:pPr marL="0" indent="0">
+              <a:buNone/>
+            </a:pPr>
+            <a:endParaRPr kumimoji="1" lang="en-US" altLang="zh-CN" sz="1400" dirty="0"/>
+          </a:p>
+          <a:p>
+            <a:pPr marL="0" indent="0">
+              <a:buNone/>
+            </a:pPr>
+            <a:endParaRPr kumimoji="1" lang="en-US" altLang="zh-CN" sz="1400" dirty="0"/>
           </a:p>
         </p:txBody>
       </p:sp>
     </p:spTree>
     <p:extLst>
       <p:ext uri="{BB962C8B-B14F-4D97-AF65-F5344CB8AC3E}">
-        <p14:creationId xmlns:p14="http://schemas.microsoft.com/office/powerpoint/2010/main" val="806937306"/>
+        <p14:creationId xmlns:p14="http://schemas.microsoft.com/office/powerpoint/2010/main" val="2334123572"/>
       </p:ext>
     </p:extLst>
   </p:cSld>
@@ -12235,7 +12289,7 @@
           <p:cNvPr id="2" name="标题 1">
             <a:extLst>
               <a:ext uri="{FF2B5EF4-FFF2-40B4-BE49-F238E27FC236}">
-                <a16:creationId xmlns:a16="http://schemas.microsoft.com/office/drawing/2014/main" id="{493F8DC8-6457-614D-AF8C-A173740599CC}"/>
+                <a16:creationId xmlns:a16="http://schemas.microsoft.com/office/drawing/2014/main" id="{1A89BF24-EF44-8A45-A61E-0F991F408894}"/>
               </a:ext>
             </a:extLst>
           </p:cNvPr>
@@ -12252,10 +12306,6 @@
           <a:lstStyle/>
           <a:p>
             <a:r>
-              <a:rPr kumimoji="1" lang="zh-CN" altLang="en-US" dirty="0"/>
-              <a:t>使用</a:t>
-            </a:r>
-            <a:r>
               <a:rPr kumimoji="1" lang="en-US" altLang="zh-CN" dirty="0"/>
               <a:t>Acl</a:t>
             </a:r>
@@ -12269,7 +12319,7 @@
             </a:r>
             <a:r>
               <a:rPr kumimoji="1" lang="zh-CN" altLang="en-US" dirty="0"/>
-              <a:t>库编写</a:t>
+              <a:t>库</a:t>
             </a:r>
             <a:r>
               <a:rPr kumimoji="1" lang="en-US" altLang="zh-CN" dirty="0"/>
@@ -12277,47 +12327,1488 @@
             </a:r>
             <a:r>
               <a:rPr kumimoji="1" lang="zh-CN" altLang="en-US" dirty="0"/>
-              <a:t>示例</a:t>
-            </a:r>
-          </a:p>
-        </p:txBody>
-      </p:sp>
-      <p:pic>
-        <p:nvPicPr>
-          <p:cNvPr id="4" name="内容占位符 3">
+              <a:t>设计方式</a:t>
+            </a:r>
+          </a:p>
+        </p:txBody>
+      </p:sp>
+      <p:sp>
+        <p:nvSpPr>
+          <p:cNvPr id="3" name="内容占位符 2">
             <a:extLst>
               <a:ext uri="{FF2B5EF4-FFF2-40B4-BE49-F238E27FC236}">
-                <a16:creationId xmlns:a16="http://schemas.microsoft.com/office/drawing/2014/main" id="{5B5A78E3-1353-044F-AABC-A5AD2DC8FE2D}"/>
+                <a16:creationId xmlns:a16="http://schemas.microsoft.com/office/drawing/2014/main" id="{31C0011A-C3BC-6846-9F30-C6805076430E}"/>
               </a:ext>
             </a:extLst>
           </p:cNvPr>
-          <p:cNvPicPr>
-            <a:picLocks noGrp="1" noChangeAspect="1"/>
-          </p:cNvPicPr>
+          <p:cNvSpPr>
+            <a:spLocks noGrp="1"/>
+          </p:cNvSpPr>
           <p:nvPr>
             <p:ph idx="1"/>
           </p:nvPr>
-        </p:nvPicPr>
-        <p:blipFill>
-          <a:blip r:embed="rId2"/>
-          <a:stretch>
-            <a:fillRect/>
-          </a:stretch>
-        </p:blipFill>
-        <p:spPr>
-          <a:xfrm>
-            <a:off x="457202" y="1047750"/>
-            <a:ext cx="8291262" cy="5143500"/>
+        </p:nvSpPr>
+        <p:spPr>
+          <a:xfrm>
+            <a:off x="428596" y="1047734"/>
+            <a:ext cx="8229600" cy="1674048"/>
+          </a:xfrm>
+        </p:spPr>
+        <p:txBody>
+          <a:bodyPr>
+            <a:normAutofit/>
+          </a:bodyPr>
+          <a:lstStyle/>
+          <a:p>
+            <a:r>
+              <a:rPr lang="zh-CN" altLang="en" sz="1600" dirty="0"/>
+              <a:t>在</a:t>
+            </a:r>
+            <a:r>
+              <a:rPr lang="en-US" altLang="zh-CN" sz="1600" dirty="0"/>
+              <a:t>Pipeline</a:t>
+            </a:r>
+            <a:r>
+              <a:rPr lang="zh-CN" altLang="en-US" sz="1600" dirty="0"/>
+              <a:t>模式下，一个工作线程使用一个连接绑定一个</a:t>
+            </a:r>
+            <a:r>
+              <a:rPr lang="en-US" altLang="zh-CN" sz="1600" dirty="0"/>
+              <a:t>Redis</a:t>
+            </a:r>
+            <a:r>
+              <a:rPr lang="zh-CN" altLang="en-US" sz="1600" dirty="0"/>
+              <a:t>节点；</a:t>
+            </a:r>
+            <a:endParaRPr lang="en" altLang="zh-CN" sz="1600" dirty="0"/>
+          </a:p>
+          <a:p>
+            <a:r>
+              <a:rPr lang="zh-CN" altLang="en-US" sz="1600" dirty="0"/>
+              <a:t>中间有一个派发线程，负责维护哈希槽和收集所有</a:t>
+            </a:r>
+            <a:r>
+              <a:rPr lang="en" altLang="zh-CN" sz="1600" dirty="0"/>
+              <a:t>Redis</a:t>
+            </a:r>
+            <a:r>
+              <a:rPr lang="zh-CN" altLang="en-US" sz="1600" dirty="0"/>
+              <a:t>请求，会将每个请求根据</a:t>
+            </a:r>
+            <a:r>
+              <a:rPr lang="en" altLang="zh-CN" sz="1600" dirty="0"/>
+              <a:t>KEY</a:t>
+            </a:r>
+            <a:r>
+              <a:rPr lang="zh-CN" altLang="en-US" sz="1600" dirty="0"/>
+              <a:t>哈希值派发给指定工作线程；</a:t>
+            </a:r>
+            <a:endParaRPr lang="en-US" altLang="zh-CN" sz="1600" dirty="0"/>
+          </a:p>
+          <a:p>
+            <a:r>
+              <a:rPr lang="zh-CN" altLang="en-US" sz="1600" dirty="0"/>
+              <a:t>当工作线程收到 </a:t>
+            </a:r>
+            <a:r>
+              <a:rPr lang="en" altLang="zh-CN" sz="1600" dirty="0"/>
+              <a:t>Redis </a:t>
+            </a:r>
+            <a:r>
+              <a:rPr lang="zh-CN" altLang="en-US" sz="1600" dirty="0"/>
+              <a:t>重定向指令时，将其传递给派发线程由其修改哈希槽，并重新派发任务。</a:t>
+            </a:r>
+            <a:endParaRPr kumimoji="1" lang="zh-CN" altLang="en-US" sz="1600" dirty="0"/>
+          </a:p>
+        </p:txBody>
+      </p:sp>
+      <p:sp>
+        <p:nvSpPr>
+          <p:cNvPr id="4" name="椭圆 3">
+            <a:extLst>
+              <a:ext uri="{FF2B5EF4-FFF2-40B4-BE49-F238E27FC236}">
+                <a16:creationId xmlns:a16="http://schemas.microsoft.com/office/drawing/2014/main" id="{4C284E1B-E4CA-5C47-B25A-7B1CEF12888D}"/>
+              </a:ext>
+            </a:extLst>
+          </p:cNvPr>
+          <p:cNvSpPr/>
+          <p:nvPr/>
+        </p:nvSpPr>
+        <p:spPr>
+          <a:xfrm>
+            <a:off x="1547664" y="3429000"/>
+            <a:ext cx="792088" cy="432048"/>
+          </a:xfrm>
+          <a:prstGeom prst="ellipse">
+            <a:avLst/>
+          </a:prstGeom>
+          <a:solidFill>
+            <a:schemeClr val="accent3">
+              <a:lumMod val="75000"/>
+            </a:schemeClr>
+          </a:solidFill>
+          <a:ln>
+            <a:noFill/>
+          </a:ln>
+        </p:spPr>
+        <p:style>
+          <a:lnRef idx="2">
+            <a:schemeClr val="accent1">
+              <a:shade val="50000"/>
+            </a:schemeClr>
+          </a:lnRef>
+          <a:fillRef idx="1">
+            <a:schemeClr val="accent1"/>
+          </a:fillRef>
+          <a:effectRef idx="0">
+            <a:schemeClr val="accent1"/>
+          </a:effectRef>
+          <a:fontRef idx="minor">
+            <a:schemeClr val="lt1"/>
+          </a:fontRef>
+        </p:style>
+        <p:txBody>
+          <a:bodyPr rtlCol="0" anchor="ctr"/>
+          <a:lstStyle/>
+          <a:p>
+            <a:pPr algn="ctr"/>
+            <a:r>
+              <a:rPr kumimoji="1" lang="en-US" altLang="zh-CN" sz="1000" dirty="0"/>
+              <a:t>Client</a:t>
+            </a:r>
+            <a:endParaRPr kumimoji="1" lang="zh-CN" altLang="en-US" sz="1000" dirty="0"/>
+          </a:p>
+        </p:txBody>
+      </p:sp>
+      <p:sp>
+        <p:nvSpPr>
+          <p:cNvPr id="5" name="椭圆 4">
+            <a:extLst>
+              <a:ext uri="{FF2B5EF4-FFF2-40B4-BE49-F238E27FC236}">
+                <a16:creationId xmlns:a16="http://schemas.microsoft.com/office/drawing/2014/main" id="{5D2A20F5-2A2D-684F-BE55-C234AC621328}"/>
+              </a:ext>
+            </a:extLst>
+          </p:cNvPr>
+          <p:cNvSpPr/>
+          <p:nvPr/>
+        </p:nvSpPr>
+        <p:spPr>
+          <a:xfrm>
+            <a:off x="3287233" y="4221088"/>
+            <a:ext cx="1008112" cy="432048"/>
+          </a:xfrm>
+          <a:prstGeom prst="ellipse">
+            <a:avLst/>
+          </a:prstGeom>
+          <a:solidFill>
+            <a:srgbClr val="00B050"/>
+          </a:solidFill>
+          <a:ln>
+            <a:noFill/>
+          </a:ln>
+        </p:spPr>
+        <p:style>
+          <a:lnRef idx="2">
+            <a:schemeClr val="accent1">
+              <a:shade val="50000"/>
+            </a:schemeClr>
+          </a:lnRef>
+          <a:fillRef idx="1">
+            <a:schemeClr val="accent1"/>
+          </a:fillRef>
+          <a:effectRef idx="0">
+            <a:schemeClr val="accent1"/>
+          </a:effectRef>
+          <a:fontRef idx="minor">
+            <a:schemeClr val="lt1"/>
+          </a:fontRef>
+        </p:style>
+        <p:txBody>
+          <a:bodyPr rtlCol="0" anchor="ctr"/>
+          <a:lstStyle/>
+          <a:p>
+            <a:pPr algn="ctr"/>
+            <a:r>
+              <a:rPr kumimoji="1" lang="en-US" altLang="zh-CN" sz="1000" dirty="0"/>
+              <a:t>Collection</a:t>
+            </a:r>
+            <a:endParaRPr kumimoji="1" lang="zh-CN" altLang="en-US" sz="1000" dirty="0"/>
+          </a:p>
+        </p:txBody>
+      </p:sp>
+      <p:sp>
+        <p:nvSpPr>
+          <p:cNvPr id="6" name="椭圆 5">
+            <a:extLst>
+              <a:ext uri="{FF2B5EF4-FFF2-40B4-BE49-F238E27FC236}">
+                <a16:creationId xmlns:a16="http://schemas.microsoft.com/office/drawing/2014/main" id="{51780193-DBF9-6E43-A83D-2A5C96FEB176}"/>
+              </a:ext>
+            </a:extLst>
+          </p:cNvPr>
+          <p:cNvSpPr/>
+          <p:nvPr/>
+        </p:nvSpPr>
+        <p:spPr>
+          <a:xfrm>
+            <a:off x="1547664" y="4005064"/>
+            <a:ext cx="792088" cy="432048"/>
+          </a:xfrm>
+          <a:prstGeom prst="ellipse">
+            <a:avLst/>
+          </a:prstGeom>
+          <a:solidFill>
+            <a:schemeClr val="accent3">
+              <a:lumMod val="75000"/>
+            </a:schemeClr>
+          </a:solidFill>
+          <a:ln>
+            <a:noFill/>
+          </a:ln>
+        </p:spPr>
+        <p:style>
+          <a:lnRef idx="2">
+            <a:schemeClr val="accent1">
+              <a:shade val="50000"/>
+            </a:schemeClr>
+          </a:lnRef>
+          <a:fillRef idx="1">
+            <a:schemeClr val="accent1"/>
+          </a:fillRef>
+          <a:effectRef idx="0">
+            <a:schemeClr val="accent1"/>
+          </a:effectRef>
+          <a:fontRef idx="minor">
+            <a:schemeClr val="lt1"/>
+          </a:fontRef>
+        </p:style>
+        <p:txBody>
+          <a:bodyPr rtlCol="0" anchor="ctr"/>
+          <a:lstStyle/>
+          <a:p>
+            <a:pPr algn="ctr"/>
+            <a:r>
+              <a:rPr kumimoji="1" lang="en-US" altLang="zh-CN" sz="1000" dirty="0"/>
+              <a:t>Client</a:t>
+            </a:r>
+            <a:endParaRPr kumimoji="1" lang="zh-CN" altLang="en-US" sz="1000" dirty="0"/>
+          </a:p>
+        </p:txBody>
+      </p:sp>
+      <p:sp>
+        <p:nvSpPr>
+          <p:cNvPr id="7" name="椭圆 6">
+            <a:extLst>
+              <a:ext uri="{FF2B5EF4-FFF2-40B4-BE49-F238E27FC236}">
+                <a16:creationId xmlns:a16="http://schemas.microsoft.com/office/drawing/2014/main" id="{41E0F113-B00E-6840-BDC6-71E76A355934}"/>
+              </a:ext>
+            </a:extLst>
+          </p:cNvPr>
+          <p:cNvSpPr/>
+          <p:nvPr/>
+        </p:nvSpPr>
+        <p:spPr>
+          <a:xfrm>
+            <a:off x="1547664" y="4581128"/>
+            <a:ext cx="792088" cy="432048"/>
+          </a:xfrm>
+          <a:prstGeom prst="ellipse">
+            <a:avLst/>
+          </a:prstGeom>
+          <a:solidFill>
+            <a:schemeClr val="accent3">
+              <a:lumMod val="75000"/>
+            </a:schemeClr>
+          </a:solidFill>
+          <a:ln>
+            <a:noFill/>
+          </a:ln>
+        </p:spPr>
+        <p:style>
+          <a:lnRef idx="2">
+            <a:schemeClr val="accent1">
+              <a:shade val="50000"/>
+            </a:schemeClr>
+          </a:lnRef>
+          <a:fillRef idx="1">
+            <a:schemeClr val="accent1"/>
+          </a:fillRef>
+          <a:effectRef idx="0">
+            <a:schemeClr val="accent1"/>
+          </a:effectRef>
+          <a:fontRef idx="minor">
+            <a:schemeClr val="lt1"/>
+          </a:fontRef>
+        </p:style>
+        <p:txBody>
+          <a:bodyPr rtlCol="0" anchor="ctr"/>
+          <a:lstStyle/>
+          <a:p>
+            <a:pPr algn="ctr"/>
+            <a:r>
+              <a:rPr kumimoji="1" lang="en-US" altLang="zh-CN" sz="1000" dirty="0"/>
+              <a:t>Client</a:t>
+            </a:r>
+            <a:endParaRPr kumimoji="1" lang="zh-CN" altLang="en-US" sz="1000" dirty="0"/>
+          </a:p>
+        </p:txBody>
+      </p:sp>
+      <p:sp>
+        <p:nvSpPr>
+          <p:cNvPr id="8" name="椭圆 7">
+            <a:extLst>
+              <a:ext uri="{FF2B5EF4-FFF2-40B4-BE49-F238E27FC236}">
+                <a16:creationId xmlns:a16="http://schemas.microsoft.com/office/drawing/2014/main" id="{920298B0-E7E4-2444-B6CB-0FF257850BBF}"/>
+              </a:ext>
+            </a:extLst>
+          </p:cNvPr>
+          <p:cNvSpPr/>
+          <p:nvPr/>
+        </p:nvSpPr>
+        <p:spPr>
+          <a:xfrm>
+            <a:off x="1547664" y="5157192"/>
+            <a:ext cx="792088" cy="432048"/>
+          </a:xfrm>
+          <a:prstGeom prst="ellipse">
+            <a:avLst/>
+          </a:prstGeom>
+          <a:solidFill>
+            <a:schemeClr val="accent3">
+              <a:lumMod val="75000"/>
+            </a:schemeClr>
+          </a:solidFill>
+          <a:ln>
+            <a:noFill/>
+          </a:ln>
+        </p:spPr>
+        <p:style>
+          <a:lnRef idx="2">
+            <a:schemeClr val="accent1">
+              <a:shade val="50000"/>
+            </a:schemeClr>
+          </a:lnRef>
+          <a:fillRef idx="1">
+            <a:schemeClr val="accent1"/>
+          </a:fillRef>
+          <a:effectRef idx="0">
+            <a:schemeClr val="accent1"/>
+          </a:effectRef>
+          <a:fontRef idx="minor">
+            <a:schemeClr val="lt1"/>
+          </a:fontRef>
+        </p:style>
+        <p:txBody>
+          <a:bodyPr rtlCol="0" anchor="ctr"/>
+          <a:lstStyle/>
+          <a:p>
+            <a:pPr algn="ctr"/>
+            <a:r>
+              <a:rPr kumimoji="1" lang="en-US" altLang="zh-CN" sz="1000" dirty="0"/>
+              <a:t>…</a:t>
+            </a:r>
+            <a:endParaRPr kumimoji="1" lang="zh-CN" altLang="en-US" sz="1000" dirty="0"/>
+          </a:p>
+        </p:txBody>
+      </p:sp>
+      <p:cxnSp>
+        <p:nvCxnSpPr>
+          <p:cNvPr id="9" name="直线箭头连接符 8">
+            <a:extLst>
+              <a:ext uri="{FF2B5EF4-FFF2-40B4-BE49-F238E27FC236}">
+                <a16:creationId xmlns:a16="http://schemas.microsoft.com/office/drawing/2014/main" id="{92869F89-1601-354F-A1AB-763DE6F19971}"/>
+              </a:ext>
+            </a:extLst>
+          </p:cNvPr>
+          <p:cNvCxnSpPr>
+            <a:cxnSpLocks/>
+            <a:stCxn id="4" idx="6"/>
+            <a:endCxn id="5" idx="2"/>
+          </p:cNvCxnSpPr>
+          <p:nvPr/>
+        </p:nvCxnSpPr>
+        <p:spPr>
+          <a:xfrm>
+            <a:off x="2339752" y="3645024"/>
+            <a:ext cx="947481" cy="792088"/>
+          </a:xfrm>
+          <a:prstGeom prst="straightConnector1">
+            <a:avLst/>
+          </a:prstGeom>
+          <a:ln>
+            <a:solidFill>
+              <a:srgbClr val="0070C0"/>
+            </a:solidFill>
+            <a:tailEnd type="triangle"/>
+          </a:ln>
+        </p:spPr>
+        <p:style>
+          <a:lnRef idx="1">
+            <a:schemeClr val="accent1"/>
+          </a:lnRef>
+          <a:fillRef idx="0">
+            <a:schemeClr val="accent1"/>
+          </a:fillRef>
+          <a:effectRef idx="0">
+            <a:schemeClr val="accent1"/>
+          </a:effectRef>
+          <a:fontRef idx="minor">
+            <a:schemeClr val="tx1"/>
+          </a:fontRef>
+        </p:style>
+      </p:cxnSp>
+      <p:cxnSp>
+        <p:nvCxnSpPr>
+          <p:cNvPr id="10" name="直线箭头连接符 9">
+            <a:extLst>
+              <a:ext uri="{FF2B5EF4-FFF2-40B4-BE49-F238E27FC236}">
+                <a16:creationId xmlns:a16="http://schemas.microsoft.com/office/drawing/2014/main" id="{0256226C-8882-904E-94E7-9B8E51B1D0D1}"/>
+              </a:ext>
+            </a:extLst>
+          </p:cNvPr>
+          <p:cNvCxnSpPr>
+            <a:cxnSpLocks/>
+            <a:stCxn id="6" idx="6"/>
+            <a:endCxn id="5" idx="2"/>
+          </p:cNvCxnSpPr>
+          <p:nvPr/>
+        </p:nvCxnSpPr>
+        <p:spPr>
+          <a:xfrm>
+            <a:off x="2339752" y="4221088"/>
+            <a:ext cx="947481" cy="216024"/>
+          </a:xfrm>
+          <a:prstGeom prst="straightConnector1">
+            <a:avLst/>
+          </a:prstGeom>
+          <a:ln>
+            <a:solidFill>
+              <a:srgbClr val="0070C0"/>
+            </a:solidFill>
+            <a:tailEnd type="triangle"/>
+          </a:ln>
+        </p:spPr>
+        <p:style>
+          <a:lnRef idx="1">
+            <a:schemeClr val="accent1"/>
+          </a:lnRef>
+          <a:fillRef idx="0">
+            <a:schemeClr val="accent1"/>
+          </a:fillRef>
+          <a:effectRef idx="0">
+            <a:schemeClr val="accent1"/>
+          </a:effectRef>
+          <a:fontRef idx="minor">
+            <a:schemeClr val="tx1"/>
+          </a:fontRef>
+        </p:style>
+      </p:cxnSp>
+      <p:cxnSp>
+        <p:nvCxnSpPr>
+          <p:cNvPr id="11" name="直线箭头连接符 10">
+            <a:extLst>
+              <a:ext uri="{FF2B5EF4-FFF2-40B4-BE49-F238E27FC236}">
+                <a16:creationId xmlns:a16="http://schemas.microsoft.com/office/drawing/2014/main" id="{79E057A5-0C44-5444-B9C5-08257DC69736}"/>
+              </a:ext>
+            </a:extLst>
+          </p:cNvPr>
+          <p:cNvCxnSpPr>
+            <a:cxnSpLocks/>
+            <a:stCxn id="7" idx="6"/>
+            <a:endCxn id="5" idx="2"/>
+          </p:cNvCxnSpPr>
+          <p:nvPr/>
+        </p:nvCxnSpPr>
+        <p:spPr>
+          <a:xfrm flipV="1">
+            <a:off x="2339752" y="4437112"/>
+            <a:ext cx="947481" cy="360040"/>
+          </a:xfrm>
+          <a:prstGeom prst="straightConnector1">
+            <a:avLst/>
+          </a:prstGeom>
+          <a:ln>
+            <a:solidFill>
+              <a:srgbClr val="0070C0"/>
+            </a:solidFill>
+            <a:tailEnd type="triangle"/>
+          </a:ln>
+        </p:spPr>
+        <p:style>
+          <a:lnRef idx="1">
+            <a:schemeClr val="accent1"/>
+          </a:lnRef>
+          <a:fillRef idx="0">
+            <a:schemeClr val="accent1"/>
+          </a:fillRef>
+          <a:effectRef idx="0">
+            <a:schemeClr val="accent1"/>
+          </a:effectRef>
+          <a:fontRef idx="minor">
+            <a:schemeClr val="tx1"/>
+          </a:fontRef>
+        </p:style>
+      </p:cxnSp>
+      <p:cxnSp>
+        <p:nvCxnSpPr>
+          <p:cNvPr id="12" name="直线箭头连接符 11">
+            <a:extLst>
+              <a:ext uri="{FF2B5EF4-FFF2-40B4-BE49-F238E27FC236}">
+                <a16:creationId xmlns:a16="http://schemas.microsoft.com/office/drawing/2014/main" id="{1FCCF2D8-D6BB-0F46-BBB6-8E975266F633}"/>
+              </a:ext>
+            </a:extLst>
+          </p:cNvPr>
+          <p:cNvCxnSpPr>
+            <a:cxnSpLocks/>
+            <a:stCxn id="8" idx="6"/>
+            <a:endCxn id="5" idx="2"/>
+          </p:cNvCxnSpPr>
+          <p:nvPr/>
+        </p:nvCxnSpPr>
+        <p:spPr>
+          <a:xfrm flipV="1">
+            <a:off x="2339752" y="4437112"/>
+            <a:ext cx="947481" cy="936104"/>
+          </a:xfrm>
+          <a:prstGeom prst="straightConnector1">
+            <a:avLst/>
+          </a:prstGeom>
+          <a:ln>
+            <a:solidFill>
+              <a:srgbClr val="0070C0"/>
+            </a:solidFill>
+            <a:tailEnd type="triangle"/>
+          </a:ln>
+        </p:spPr>
+        <p:style>
+          <a:lnRef idx="1">
+            <a:schemeClr val="accent1"/>
+          </a:lnRef>
+          <a:fillRef idx="0">
+            <a:schemeClr val="accent1"/>
+          </a:fillRef>
+          <a:effectRef idx="0">
+            <a:schemeClr val="accent1"/>
+          </a:effectRef>
+          <a:fontRef idx="minor">
+            <a:schemeClr val="tx1"/>
+          </a:fontRef>
+        </p:style>
+      </p:cxnSp>
+      <p:sp>
+        <p:nvSpPr>
+          <p:cNvPr id="13" name="椭圆 12">
+            <a:extLst>
+              <a:ext uri="{FF2B5EF4-FFF2-40B4-BE49-F238E27FC236}">
+                <a16:creationId xmlns:a16="http://schemas.microsoft.com/office/drawing/2014/main" id="{9DD81A32-CBDA-B64E-AC45-4CFC5591B5B1}"/>
+              </a:ext>
+            </a:extLst>
+          </p:cNvPr>
+          <p:cNvSpPr/>
+          <p:nvPr/>
+        </p:nvSpPr>
+        <p:spPr>
+          <a:xfrm>
+            <a:off x="4854861" y="3505133"/>
+            <a:ext cx="936104" cy="432048"/>
+          </a:xfrm>
+          <a:prstGeom prst="ellipse">
+            <a:avLst/>
+          </a:prstGeom>
+          <a:solidFill>
+            <a:schemeClr val="accent2">
+              <a:lumMod val="75000"/>
+            </a:schemeClr>
+          </a:solidFill>
+          <a:ln>
+            <a:noFill/>
+          </a:ln>
+        </p:spPr>
+        <p:style>
+          <a:lnRef idx="2">
+            <a:schemeClr val="accent1">
+              <a:shade val="50000"/>
+            </a:schemeClr>
+          </a:lnRef>
+          <a:fillRef idx="1">
+            <a:schemeClr val="accent1"/>
+          </a:fillRef>
+          <a:effectRef idx="0">
+            <a:schemeClr val="accent1"/>
+          </a:effectRef>
+          <a:fontRef idx="minor">
+            <a:schemeClr val="lt1"/>
+          </a:fontRef>
+        </p:style>
+        <p:txBody>
+          <a:bodyPr rtlCol="0" anchor="ctr"/>
+          <a:lstStyle/>
+          <a:p>
+            <a:pPr algn="ctr"/>
+            <a:r>
+              <a:rPr kumimoji="1" lang="en-US" altLang="zh-CN" sz="1000" dirty="0"/>
+              <a:t>Channel</a:t>
+            </a:r>
+            <a:endParaRPr kumimoji="1" lang="zh-CN" altLang="en-US" sz="1000" dirty="0"/>
+          </a:p>
+        </p:txBody>
+      </p:sp>
+      <p:sp>
+        <p:nvSpPr>
+          <p:cNvPr id="14" name="椭圆 13">
+            <a:extLst>
+              <a:ext uri="{FF2B5EF4-FFF2-40B4-BE49-F238E27FC236}">
+                <a16:creationId xmlns:a16="http://schemas.microsoft.com/office/drawing/2014/main" id="{50CF14B8-60CA-B34A-BE4B-1864A6D50CD5}"/>
+              </a:ext>
+            </a:extLst>
+          </p:cNvPr>
+          <p:cNvSpPr/>
+          <p:nvPr/>
+        </p:nvSpPr>
+        <p:spPr>
+          <a:xfrm>
+            <a:off x="4853326" y="4221088"/>
+            <a:ext cx="936104" cy="432048"/>
+          </a:xfrm>
+          <a:prstGeom prst="ellipse">
+            <a:avLst/>
+          </a:prstGeom>
+          <a:solidFill>
+            <a:schemeClr val="accent2">
+              <a:lumMod val="75000"/>
+            </a:schemeClr>
+          </a:solidFill>
+          <a:ln>
+            <a:noFill/>
+          </a:ln>
+        </p:spPr>
+        <p:style>
+          <a:lnRef idx="2">
+            <a:schemeClr val="accent1">
+              <a:shade val="50000"/>
+            </a:schemeClr>
+          </a:lnRef>
+          <a:fillRef idx="1">
+            <a:schemeClr val="accent1"/>
+          </a:fillRef>
+          <a:effectRef idx="0">
+            <a:schemeClr val="accent1"/>
+          </a:effectRef>
+          <a:fontRef idx="minor">
+            <a:schemeClr val="lt1"/>
+          </a:fontRef>
+        </p:style>
+        <p:txBody>
+          <a:bodyPr rtlCol="0" anchor="ctr"/>
+          <a:lstStyle/>
+          <a:p>
+            <a:pPr algn="ctr"/>
+            <a:r>
+              <a:rPr kumimoji="1" lang="en-US" altLang="zh-CN" sz="1000" dirty="0"/>
+              <a:t>Channel</a:t>
+            </a:r>
+            <a:endParaRPr kumimoji="1" lang="zh-CN" altLang="en-US" sz="1000" dirty="0"/>
+          </a:p>
+        </p:txBody>
+      </p:sp>
+      <p:sp>
+        <p:nvSpPr>
+          <p:cNvPr id="15" name="椭圆 14">
+            <a:extLst>
+              <a:ext uri="{FF2B5EF4-FFF2-40B4-BE49-F238E27FC236}">
+                <a16:creationId xmlns:a16="http://schemas.microsoft.com/office/drawing/2014/main" id="{1EBEE8E9-A548-4A4B-9097-D6545187E2B2}"/>
+              </a:ext>
+            </a:extLst>
+          </p:cNvPr>
+          <p:cNvSpPr/>
+          <p:nvPr/>
+        </p:nvSpPr>
+        <p:spPr>
+          <a:xfrm>
+            <a:off x="4853326" y="4937043"/>
+            <a:ext cx="936104" cy="432048"/>
+          </a:xfrm>
+          <a:prstGeom prst="ellipse">
+            <a:avLst/>
+          </a:prstGeom>
+          <a:solidFill>
+            <a:schemeClr val="accent2">
+              <a:lumMod val="75000"/>
+            </a:schemeClr>
+          </a:solidFill>
+          <a:ln>
+            <a:noFill/>
+          </a:ln>
+        </p:spPr>
+        <p:style>
+          <a:lnRef idx="2">
+            <a:schemeClr val="accent1">
+              <a:shade val="50000"/>
+            </a:schemeClr>
+          </a:lnRef>
+          <a:fillRef idx="1">
+            <a:schemeClr val="accent1"/>
+          </a:fillRef>
+          <a:effectRef idx="0">
+            <a:schemeClr val="accent1"/>
+          </a:effectRef>
+          <a:fontRef idx="minor">
+            <a:schemeClr val="lt1"/>
+          </a:fontRef>
+        </p:style>
+        <p:txBody>
+          <a:bodyPr rtlCol="0" anchor="ctr"/>
+          <a:lstStyle/>
+          <a:p>
+            <a:pPr algn="ctr"/>
+            <a:r>
+              <a:rPr kumimoji="1" lang="en-US" altLang="zh-CN" sz="1000" dirty="0"/>
+              <a:t>Channel</a:t>
+            </a:r>
+            <a:endParaRPr kumimoji="1" lang="zh-CN" altLang="en-US" sz="1000" dirty="0"/>
+          </a:p>
+        </p:txBody>
+      </p:sp>
+      <p:sp>
+        <p:nvSpPr>
+          <p:cNvPr id="16" name="椭圆 15">
+            <a:extLst>
+              <a:ext uri="{FF2B5EF4-FFF2-40B4-BE49-F238E27FC236}">
+                <a16:creationId xmlns:a16="http://schemas.microsoft.com/office/drawing/2014/main" id="{A79A9507-75C9-004C-A6A7-9AB4A486AD43}"/>
+              </a:ext>
+            </a:extLst>
+          </p:cNvPr>
+          <p:cNvSpPr/>
+          <p:nvPr/>
+        </p:nvSpPr>
+        <p:spPr>
+          <a:xfrm>
+            <a:off x="6901918" y="3505133"/>
+            <a:ext cx="936104" cy="432048"/>
+          </a:xfrm>
+          <a:prstGeom prst="ellipse">
+            <a:avLst/>
+          </a:prstGeom>
+          <a:solidFill>
+            <a:srgbClr val="00B050"/>
+          </a:solidFill>
+          <a:ln>
+            <a:noFill/>
+          </a:ln>
+        </p:spPr>
+        <p:style>
+          <a:lnRef idx="2">
+            <a:schemeClr val="accent1">
+              <a:shade val="50000"/>
+            </a:schemeClr>
+          </a:lnRef>
+          <a:fillRef idx="1">
+            <a:schemeClr val="accent1"/>
+          </a:fillRef>
+          <a:effectRef idx="0">
+            <a:schemeClr val="accent1"/>
+          </a:effectRef>
+          <a:fontRef idx="minor">
+            <a:schemeClr val="lt1"/>
+          </a:fontRef>
+        </p:style>
+        <p:txBody>
+          <a:bodyPr rtlCol="0" anchor="ctr"/>
+          <a:lstStyle/>
+          <a:p>
+            <a:pPr algn="ctr"/>
+            <a:r>
+              <a:rPr kumimoji="1" lang="en-US" altLang="zh-CN" sz="1000" dirty="0"/>
+              <a:t>Redis</a:t>
+            </a:r>
+            <a:endParaRPr kumimoji="1" lang="zh-CN" altLang="en-US" sz="1000" dirty="0"/>
+          </a:p>
+        </p:txBody>
+      </p:sp>
+      <p:sp>
+        <p:nvSpPr>
+          <p:cNvPr id="17" name="椭圆 16">
+            <a:extLst>
+              <a:ext uri="{FF2B5EF4-FFF2-40B4-BE49-F238E27FC236}">
+                <a16:creationId xmlns:a16="http://schemas.microsoft.com/office/drawing/2014/main" id="{4F8804BA-D05A-D84A-9B7E-2D02D266DFFD}"/>
+              </a:ext>
+            </a:extLst>
+          </p:cNvPr>
+          <p:cNvSpPr/>
+          <p:nvPr/>
+        </p:nvSpPr>
+        <p:spPr>
+          <a:xfrm>
+            <a:off x="6905392" y="4221088"/>
+            <a:ext cx="936104" cy="432048"/>
+          </a:xfrm>
+          <a:prstGeom prst="ellipse">
+            <a:avLst/>
+          </a:prstGeom>
+          <a:solidFill>
+            <a:srgbClr val="00B050"/>
+          </a:solidFill>
+          <a:ln>
+            <a:noFill/>
+          </a:ln>
+        </p:spPr>
+        <p:style>
+          <a:lnRef idx="2">
+            <a:schemeClr val="accent1">
+              <a:shade val="50000"/>
+            </a:schemeClr>
+          </a:lnRef>
+          <a:fillRef idx="1">
+            <a:schemeClr val="accent1"/>
+          </a:fillRef>
+          <a:effectRef idx="0">
+            <a:schemeClr val="accent1"/>
+          </a:effectRef>
+          <a:fontRef idx="minor">
+            <a:schemeClr val="lt1"/>
+          </a:fontRef>
+        </p:style>
+        <p:txBody>
+          <a:bodyPr rtlCol="0" anchor="ctr"/>
+          <a:lstStyle/>
+          <a:p>
+            <a:pPr algn="ctr"/>
+            <a:r>
+              <a:rPr kumimoji="1" lang="en-US" altLang="zh-CN" sz="1000" dirty="0"/>
+              <a:t>Redis</a:t>
+            </a:r>
+            <a:endParaRPr kumimoji="1" lang="zh-CN" altLang="en-US" sz="1000" dirty="0"/>
+          </a:p>
+        </p:txBody>
+      </p:sp>
+      <p:sp>
+        <p:nvSpPr>
+          <p:cNvPr id="18" name="椭圆 17">
+            <a:extLst>
+              <a:ext uri="{FF2B5EF4-FFF2-40B4-BE49-F238E27FC236}">
+                <a16:creationId xmlns:a16="http://schemas.microsoft.com/office/drawing/2014/main" id="{846EE999-9805-0745-9C91-953627BD4A82}"/>
+              </a:ext>
+            </a:extLst>
+          </p:cNvPr>
+          <p:cNvSpPr/>
+          <p:nvPr/>
+        </p:nvSpPr>
+        <p:spPr>
+          <a:xfrm>
+            <a:off x="6905392" y="4937043"/>
+            <a:ext cx="936104" cy="432048"/>
+          </a:xfrm>
+          <a:prstGeom prst="ellipse">
+            <a:avLst/>
+          </a:prstGeom>
+          <a:solidFill>
+            <a:srgbClr val="00B050"/>
+          </a:solidFill>
+          <a:ln>
+            <a:noFill/>
+          </a:ln>
+        </p:spPr>
+        <p:style>
+          <a:lnRef idx="2">
+            <a:schemeClr val="accent1">
+              <a:shade val="50000"/>
+            </a:schemeClr>
+          </a:lnRef>
+          <a:fillRef idx="1">
+            <a:schemeClr val="accent1"/>
+          </a:fillRef>
+          <a:effectRef idx="0">
+            <a:schemeClr val="accent1"/>
+          </a:effectRef>
+          <a:fontRef idx="minor">
+            <a:schemeClr val="lt1"/>
+          </a:fontRef>
+        </p:style>
+        <p:txBody>
+          <a:bodyPr rtlCol="0" anchor="ctr"/>
+          <a:lstStyle/>
+          <a:p>
+            <a:pPr algn="ctr"/>
+            <a:r>
+              <a:rPr kumimoji="1" lang="en-US" altLang="zh-CN" sz="1000" dirty="0"/>
+              <a:t>Redis</a:t>
+            </a:r>
+            <a:endParaRPr kumimoji="1" lang="zh-CN" altLang="en-US" sz="1000" dirty="0"/>
+          </a:p>
+        </p:txBody>
+      </p:sp>
+      <p:cxnSp>
+        <p:nvCxnSpPr>
+          <p:cNvPr id="19" name="直线箭头连接符 18">
+            <a:extLst>
+              <a:ext uri="{FF2B5EF4-FFF2-40B4-BE49-F238E27FC236}">
+                <a16:creationId xmlns:a16="http://schemas.microsoft.com/office/drawing/2014/main" id="{2733B123-08EC-2845-932B-B73C50CF465A}"/>
+              </a:ext>
+            </a:extLst>
+          </p:cNvPr>
+          <p:cNvCxnSpPr>
+            <a:stCxn id="5" idx="6"/>
+            <a:endCxn id="13" idx="2"/>
+          </p:cNvCxnSpPr>
+          <p:nvPr/>
+        </p:nvCxnSpPr>
+        <p:spPr>
+          <a:xfrm flipV="1">
+            <a:off x="4295345" y="3721157"/>
+            <a:ext cx="559516" cy="715955"/>
+          </a:xfrm>
+          <a:prstGeom prst="straightConnector1">
+            <a:avLst/>
+          </a:prstGeom>
+          <a:ln>
+            <a:solidFill>
+              <a:srgbClr val="0070C0"/>
+            </a:solidFill>
+            <a:tailEnd type="triangle"/>
+          </a:ln>
+        </p:spPr>
+        <p:style>
+          <a:lnRef idx="1">
+            <a:schemeClr val="accent1"/>
+          </a:lnRef>
+          <a:fillRef idx="0">
+            <a:schemeClr val="accent1"/>
+          </a:fillRef>
+          <a:effectRef idx="0">
+            <a:schemeClr val="accent1"/>
+          </a:effectRef>
+          <a:fontRef idx="minor">
+            <a:schemeClr val="tx1"/>
+          </a:fontRef>
+        </p:style>
+      </p:cxnSp>
+      <p:cxnSp>
+        <p:nvCxnSpPr>
+          <p:cNvPr id="20" name="直线箭头连接符 19">
+            <a:extLst>
+              <a:ext uri="{FF2B5EF4-FFF2-40B4-BE49-F238E27FC236}">
+                <a16:creationId xmlns:a16="http://schemas.microsoft.com/office/drawing/2014/main" id="{5565EBDC-EF98-954E-BF2E-2E1BE7E0DC5E}"/>
+              </a:ext>
+            </a:extLst>
+          </p:cNvPr>
+          <p:cNvCxnSpPr>
+            <a:stCxn id="5" idx="6"/>
+            <a:endCxn id="14" idx="2"/>
+          </p:cNvCxnSpPr>
+          <p:nvPr/>
+        </p:nvCxnSpPr>
+        <p:spPr>
+          <a:xfrm>
+            <a:off x="4295345" y="4437112"/>
+            <a:ext cx="557981" cy="0"/>
+          </a:xfrm>
+          <a:prstGeom prst="straightConnector1">
+            <a:avLst/>
+          </a:prstGeom>
+          <a:ln>
+            <a:solidFill>
+              <a:srgbClr val="0070C0"/>
+            </a:solidFill>
+            <a:tailEnd type="triangle"/>
+          </a:ln>
+        </p:spPr>
+        <p:style>
+          <a:lnRef idx="1">
+            <a:schemeClr val="accent1"/>
+          </a:lnRef>
+          <a:fillRef idx="0">
+            <a:schemeClr val="accent1"/>
+          </a:fillRef>
+          <a:effectRef idx="0">
+            <a:schemeClr val="accent1"/>
+          </a:effectRef>
+          <a:fontRef idx="minor">
+            <a:schemeClr val="tx1"/>
+          </a:fontRef>
+        </p:style>
+      </p:cxnSp>
+      <p:cxnSp>
+        <p:nvCxnSpPr>
+          <p:cNvPr id="21" name="直线箭头连接符 20">
+            <a:extLst>
+              <a:ext uri="{FF2B5EF4-FFF2-40B4-BE49-F238E27FC236}">
+                <a16:creationId xmlns:a16="http://schemas.microsoft.com/office/drawing/2014/main" id="{3CE8E99E-4E48-EA41-9846-A3A5B26B51CF}"/>
+              </a:ext>
+            </a:extLst>
+          </p:cNvPr>
+          <p:cNvCxnSpPr>
+            <a:stCxn id="5" idx="6"/>
+            <a:endCxn id="15" idx="2"/>
+          </p:cNvCxnSpPr>
+          <p:nvPr/>
+        </p:nvCxnSpPr>
+        <p:spPr>
+          <a:xfrm>
+            <a:off x="4295345" y="4437112"/>
+            <a:ext cx="557981" cy="715955"/>
+          </a:xfrm>
+          <a:prstGeom prst="straightConnector1">
+            <a:avLst/>
+          </a:prstGeom>
+          <a:ln>
+            <a:solidFill>
+              <a:srgbClr val="0070C0"/>
+            </a:solidFill>
+            <a:tailEnd type="triangle"/>
+          </a:ln>
+        </p:spPr>
+        <p:style>
+          <a:lnRef idx="1">
+            <a:schemeClr val="accent1"/>
+          </a:lnRef>
+          <a:fillRef idx="0">
+            <a:schemeClr val="accent1"/>
+          </a:fillRef>
+          <a:effectRef idx="0">
+            <a:schemeClr val="accent1"/>
+          </a:effectRef>
+          <a:fontRef idx="minor">
+            <a:schemeClr val="tx1"/>
+          </a:fontRef>
+        </p:style>
+      </p:cxnSp>
+      <p:cxnSp>
+        <p:nvCxnSpPr>
+          <p:cNvPr id="22" name="直线箭头连接符 21">
+            <a:extLst>
+              <a:ext uri="{FF2B5EF4-FFF2-40B4-BE49-F238E27FC236}">
+                <a16:creationId xmlns:a16="http://schemas.microsoft.com/office/drawing/2014/main" id="{619CAA33-5191-BC47-A259-23138FCBC36E}"/>
+              </a:ext>
+            </a:extLst>
+          </p:cNvPr>
+          <p:cNvCxnSpPr>
+            <a:stCxn id="13" idx="6"/>
+            <a:endCxn id="16" idx="2"/>
+          </p:cNvCxnSpPr>
+          <p:nvPr/>
+        </p:nvCxnSpPr>
+        <p:spPr>
+          <a:xfrm>
+            <a:off x="5790965" y="3721157"/>
+            <a:ext cx="1110953" cy="0"/>
+          </a:xfrm>
+          <a:prstGeom prst="straightConnector1">
+            <a:avLst/>
+          </a:prstGeom>
+          <a:ln>
+            <a:solidFill>
+              <a:srgbClr val="00B050"/>
+            </a:solidFill>
+            <a:headEnd type="triangle"/>
+            <a:tailEnd type="triangle"/>
+          </a:ln>
+        </p:spPr>
+        <p:style>
+          <a:lnRef idx="1">
+            <a:schemeClr val="accent1"/>
+          </a:lnRef>
+          <a:fillRef idx="0">
+            <a:schemeClr val="accent1"/>
+          </a:fillRef>
+          <a:effectRef idx="0">
+            <a:schemeClr val="accent1"/>
+          </a:effectRef>
+          <a:fontRef idx="minor">
+            <a:schemeClr val="tx1"/>
+          </a:fontRef>
+        </p:style>
+      </p:cxnSp>
+      <p:cxnSp>
+        <p:nvCxnSpPr>
+          <p:cNvPr id="23" name="直线箭头连接符 22">
+            <a:extLst>
+              <a:ext uri="{FF2B5EF4-FFF2-40B4-BE49-F238E27FC236}">
+                <a16:creationId xmlns:a16="http://schemas.microsoft.com/office/drawing/2014/main" id="{F76DAEDD-39E0-974B-B751-62F0413CF3AB}"/>
+              </a:ext>
+            </a:extLst>
+          </p:cNvPr>
+          <p:cNvCxnSpPr>
+            <a:stCxn id="14" idx="6"/>
+            <a:endCxn id="17" idx="2"/>
+          </p:cNvCxnSpPr>
+          <p:nvPr/>
+        </p:nvCxnSpPr>
+        <p:spPr>
+          <a:xfrm>
+            <a:off x="5789430" y="4437112"/>
+            <a:ext cx="1115962" cy="0"/>
+          </a:xfrm>
+          <a:prstGeom prst="straightConnector1">
+            <a:avLst/>
+          </a:prstGeom>
+          <a:ln>
+            <a:solidFill>
+              <a:srgbClr val="00B050"/>
+            </a:solidFill>
+            <a:headEnd type="triangle"/>
+            <a:tailEnd type="triangle"/>
+          </a:ln>
+        </p:spPr>
+        <p:style>
+          <a:lnRef idx="1">
+            <a:schemeClr val="accent1"/>
+          </a:lnRef>
+          <a:fillRef idx="0">
+            <a:schemeClr val="accent1"/>
+          </a:fillRef>
+          <a:effectRef idx="0">
+            <a:schemeClr val="accent1"/>
+          </a:effectRef>
+          <a:fontRef idx="minor">
+            <a:schemeClr val="tx1"/>
+          </a:fontRef>
+        </p:style>
+      </p:cxnSp>
+      <p:cxnSp>
+        <p:nvCxnSpPr>
+          <p:cNvPr id="24" name="直线箭头连接符 23">
+            <a:extLst>
+              <a:ext uri="{FF2B5EF4-FFF2-40B4-BE49-F238E27FC236}">
+                <a16:creationId xmlns:a16="http://schemas.microsoft.com/office/drawing/2014/main" id="{9846CCDE-4B9E-534C-8CA0-9E58D3151F35}"/>
+              </a:ext>
+            </a:extLst>
+          </p:cNvPr>
+          <p:cNvCxnSpPr>
+            <a:stCxn id="15" idx="6"/>
+            <a:endCxn id="18" idx="2"/>
+          </p:cNvCxnSpPr>
+          <p:nvPr/>
+        </p:nvCxnSpPr>
+        <p:spPr>
+          <a:xfrm>
+            <a:off x="5789430" y="5153067"/>
+            <a:ext cx="1115962" cy="0"/>
+          </a:xfrm>
+          <a:prstGeom prst="straightConnector1">
+            <a:avLst/>
+          </a:prstGeom>
+          <a:ln>
+            <a:solidFill>
+              <a:srgbClr val="00B050"/>
+            </a:solidFill>
+            <a:headEnd type="triangle"/>
+            <a:tailEnd type="triangle"/>
+          </a:ln>
+        </p:spPr>
+        <p:style>
+          <a:lnRef idx="1">
+            <a:schemeClr val="accent1"/>
+          </a:lnRef>
+          <a:fillRef idx="0">
+            <a:schemeClr val="accent1"/>
+          </a:fillRef>
+          <a:effectRef idx="0">
+            <a:schemeClr val="accent1"/>
+          </a:effectRef>
+          <a:fontRef idx="minor">
+            <a:schemeClr val="tx1"/>
+          </a:fontRef>
+        </p:style>
+      </p:cxnSp>
+      <p:cxnSp>
+        <p:nvCxnSpPr>
+          <p:cNvPr id="25" name="曲线连接符 24">
+            <a:extLst>
+              <a:ext uri="{FF2B5EF4-FFF2-40B4-BE49-F238E27FC236}">
+                <a16:creationId xmlns:a16="http://schemas.microsoft.com/office/drawing/2014/main" id="{9A616FE4-6429-BE4D-A0D7-4DFA94659A64}"/>
+              </a:ext>
+            </a:extLst>
+          </p:cNvPr>
+          <p:cNvCxnSpPr>
+            <a:cxnSpLocks/>
+            <a:stCxn id="13" idx="0"/>
+            <a:endCxn id="4" idx="7"/>
+          </p:cNvCxnSpPr>
+          <p:nvPr/>
+        </p:nvCxnSpPr>
+        <p:spPr>
+          <a:xfrm rot="16200000" flipV="1">
+            <a:off x="3766903" y="1949123"/>
+            <a:ext cx="12861" cy="3099160"/>
+          </a:xfrm>
+          <a:prstGeom prst="curvedConnector3">
+            <a:avLst>
+              <a:gd name="adj1" fmla="val 2369435"/>
+            </a:avLst>
+          </a:prstGeom>
+          <a:ln>
+            <a:solidFill>
+              <a:srgbClr val="0070C0"/>
+            </a:solidFill>
+            <a:tailEnd type="triangle"/>
+          </a:ln>
+        </p:spPr>
+        <p:style>
+          <a:lnRef idx="1">
+            <a:schemeClr val="accent1"/>
+          </a:lnRef>
+          <a:fillRef idx="0">
+            <a:schemeClr val="accent1"/>
+          </a:fillRef>
+          <a:effectRef idx="0">
+            <a:schemeClr val="accent1"/>
+          </a:effectRef>
+          <a:fontRef idx="minor">
+            <a:schemeClr val="tx1"/>
+          </a:fontRef>
+        </p:style>
+      </p:cxnSp>
+      <p:cxnSp>
+        <p:nvCxnSpPr>
+          <p:cNvPr id="26" name="曲线连接符 25">
+            <a:extLst>
+              <a:ext uri="{FF2B5EF4-FFF2-40B4-BE49-F238E27FC236}">
+                <a16:creationId xmlns:a16="http://schemas.microsoft.com/office/drawing/2014/main" id="{C3D7D3D2-8611-C048-9F2E-2FABC7FCB316}"/>
+              </a:ext>
+            </a:extLst>
+          </p:cNvPr>
+          <p:cNvCxnSpPr>
+            <a:stCxn id="13" idx="1"/>
+            <a:endCxn id="6" idx="7"/>
+          </p:cNvCxnSpPr>
+          <p:nvPr/>
+        </p:nvCxnSpPr>
+        <p:spPr>
+          <a:xfrm rot="16200000" flipH="1" flipV="1">
+            <a:off x="3357886" y="2434271"/>
+            <a:ext cx="499931" cy="2768197"/>
+          </a:xfrm>
+          <a:prstGeom prst="curvedConnector3">
+            <a:avLst>
+              <a:gd name="adj1" fmla="val -58382"/>
+            </a:avLst>
+          </a:prstGeom>
+          <a:ln>
+            <a:solidFill>
+              <a:srgbClr val="0070C0"/>
+            </a:solidFill>
+            <a:tailEnd type="triangle"/>
+          </a:ln>
+        </p:spPr>
+        <p:style>
+          <a:lnRef idx="1">
+            <a:schemeClr val="accent1"/>
+          </a:lnRef>
+          <a:fillRef idx="0">
+            <a:schemeClr val="accent1"/>
+          </a:fillRef>
+          <a:effectRef idx="0">
+            <a:schemeClr val="accent1"/>
+          </a:effectRef>
+          <a:fontRef idx="minor">
+            <a:schemeClr val="tx1"/>
+          </a:fontRef>
+        </p:style>
+      </p:cxnSp>
+      <p:cxnSp>
+        <p:nvCxnSpPr>
+          <p:cNvPr id="27" name="曲线连接符 26">
+            <a:extLst>
+              <a:ext uri="{FF2B5EF4-FFF2-40B4-BE49-F238E27FC236}">
+                <a16:creationId xmlns:a16="http://schemas.microsoft.com/office/drawing/2014/main" id="{FD97B20A-F4AD-F844-91DC-4DBA337E3E97}"/>
+              </a:ext>
+            </a:extLst>
+          </p:cNvPr>
+          <p:cNvCxnSpPr>
+            <a:cxnSpLocks/>
+            <a:stCxn id="15" idx="3"/>
+            <a:endCxn id="7" idx="5"/>
+          </p:cNvCxnSpPr>
+          <p:nvPr/>
+        </p:nvCxnSpPr>
+        <p:spPr>
+          <a:xfrm rot="5400000" flipH="1">
+            <a:off x="3429126" y="3744531"/>
+            <a:ext cx="355915" cy="2766662"/>
+          </a:xfrm>
+          <a:prstGeom prst="curvedConnector3">
+            <a:avLst>
+              <a:gd name="adj1" fmla="val -82006"/>
+            </a:avLst>
+          </a:prstGeom>
+          <a:ln>
+            <a:solidFill>
+              <a:srgbClr val="0070C0"/>
+            </a:solidFill>
+            <a:tailEnd type="triangle"/>
+          </a:ln>
+        </p:spPr>
+        <p:style>
+          <a:lnRef idx="1">
+            <a:schemeClr val="accent1"/>
+          </a:lnRef>
+          <a:fillRef idx="0">
+            <a:schemeClr val="accent1"/>
+          </a:fillRef>
+          <a:effectRef idx="0">
+            <a:schemeClr val="accent1"/>
+          </a:effectRef>
+          <a:fontRef idx="minor">
+            <a:schemeClr val="tx1"/>
+          </a:fontRef>
+        </p:style>
+      </p:cxnSp>
+      <p:cxnSp>
+        <p:nvCxnSpPr>
+          <p:cNvPr id="28" name="曲线连接符 27">
+            <a:extLst>
+              <a:ext uri="{FF2B5EF4-FFF2-40B4-BE49-F238E27FC236}">
+                <a16:creationId xmlns:a16="http://schemas.microsoft.com/office/drawing/2014/main" id="{B312D7D3-E7C8-FA41-882A-09C3F8EC15E6}"/>
+              </a:ext>
+            </a:extLst>
+          </p:cNvPr>
+          <p:cNvCxnSpPr>
+            <a:stCxn id="15" idx="4"/>
+            <a:endCxn id="8" idx="4"/>
+          </p:cNvCxnSpPr>
+          <p:nvPr/>
+        </p:nvCxnSpPr>
+        <p:spPr>
+          <a:xfrm rot="5400000">
+            <a:off x="3522469" y="3790330"/>
+            <a:ext cx="220149" cy="3377670"/>
+          </a:xfrm>
+          <a:prstGeom prst="curvedConnector3">
+            <a:avLst>
+              <a:gd name="adj1" fmla="val 203839"/>
+            </a:avLst>
+          </a:prstGeom>
+          <a:ln>
+            <a:solidFill>
+              <a:srgbClr val="0070C0"/>
+            </a:solidFill>
+            <a:tailEnd type="triangle"/>
+          </a:ln>
+        </p:spPr>
+        <p:style>
+          <a:lnRef idx="1">
+            <a:schemeClr val="accent1"/>
+          </a:lnRef>
+          <a:fillRef idx="0">
+            <a:schemeClr val="accent1"/>
+          </a:fillRef>
+          <a:effectRef idx="0">
+            <a:schemeClr val="accent1"/>
+          </a:effectRef>
+          <a:fontRef idx="minor">
+            <a:schemeClr val="tx1"/>
+          </a:fontRef>
+        </p:style>
+      </p:cxnSp>
+      <p:sp>
+        <p:nvSpPr>
+          <p:cNvPr id="29" name="矩形 28">
+            <a:extLst>
+              <a:ext uri="{FF2B5EF4-FFF2-40B4-BE49-F238E27FC236}">
+                <a16:creationId xmlns:a16="http://schemas.microsoft.com/office/drawing/2014/main" id="{EA360CF0-B1BB-D34D-87A8-5B3789ACF09E}"/>
+              </a:ext>
+            </a:extLst>
+          </p:cNvPr>
+          <p:cNvSpPr/>
+          <p:nvPr/>
+        </p:nvSpPr>
+        <p:spPr>
+          <a:xfrm>
+            <a:off x="1187624" y="2855180"/>
+            <a:ext cx="4968552" cy="3168352"/>
           </a:xfrm>
           <a:prstGeom prst="rect">
             <a:avLst/>
           </a:prstGeom>
-        </p:spPr>
-      </p:pic>
+          <a:noFill/>
+          <a:ln>
+            <a:solidFill>
+              <a:srgbClr val="0070C0"/>
+            </a:solidFill>
+            <a:prstDash val="dashDot"/>
+          </a:ln>
+        </p:spPr>
+        <p:style>
+          <a:lnRef idx="2">
+            <a:schemeClr val="accent1">
+              <a:shade val="50000"/>
+            </a:schemeClr>
+          </a:lnRef>
+          <a:fillRef idx="1">
+            <a:schemeClr val="accent1"/>
+          </a:fillRef>
+          <a:effectRef idx="0">
+            <a:schemeClr val="accent1"/>
+          </a:effectRef>
+          <a:fontRef idx="minor">
+            <a:schemeClr val="lt1"/>
+          </a:fontRef>
+        </p:style>
+        <p:txBody>
+          <a:bodyPr rtlCol="0" anchor="ctr"/>
+          <a:lstStyle/>
+          <a:p>
+            <a:pPr algn="ctr"/>
+            <a:endParaRPr kumimoji="1" lang="zh-CN" altLang="en-US"/>
+          </a:p>
+        </p:txBody>
+      </p:sp>
+      <p:sp>
+        <p:nvSpPr>
+          <p:cNvPr id="30" name="矩形 29">
+            <a:extLst>
+              <a:ext uri="{FF2B5EF4-FFF2-40B4-BE49-F238E27FC236}">
+                <a16:creationId xmlns:a16="http://schemas.microsoft.com/office/drawing/2014/main" id="{327A04B4-A95E-A846-BE16-37A95713E8A5}"/>
+              </a:ext>
+            </a:extLst>
+          </p:cNvPr>
+          <p:cNvSpPr/>
+          <p:nvPr/>
+        </p:nvSpPr>
+        <p:spPr>
+          <a:xfrm>
+            <a:off x="6588445" y="2852936"/>
+            <a:ext cx="1439939" cy="3168352"/>
+          </a:xfrm>
+          <a:prstGeom prst="rect">
+            <a:avLst/>
+          </a:prstGeom>
+          <a:noFill/>
+          <a:ln>
+            <a:solidFill>
+              <a:srgbClr val="0070C0"/>
+            </a:solidFill>
+            <a:prstDash val="dashDot"/>
+          </a:ln>
+        </p:spPr>
+        <p:style>
+          <a:lnRef idx="2">
+            <a:schemeClr val="accent1">
+              <a:shade val="50000"/>
+            </a:schemeClr>
+          </a:lnRef>
+          <a:fillRef idx="1">
+            <a:schemeClr val="accent1"/>
+          </a:fillRef>
+          <a:effectRef idx="0">
+            <a:schemeClr val="accent1"/>
+          </a:effectRef>
+          <a:fontRef idx="minor">
+            <a:schemeClr val="lt1"/>
+          </a:fontRef>
+        </p:style>
+        <p:txBody>
+          <a:bodyPr rtlCol="0" anchor="ctr"/>
+          <a:lstStyle/>
+          <a:p>
+            <a:pPr algn="ctr"/>
+            <a:endParaRPr kumimoji="1" lang="zh-CN" altLang="en-US"/>
+          </a:p>
+        </p:txBody>
+      </p:sp>
     </p:spTree>
     <p:extLst>
       <p:ext uri="{BB962C8B-B14F-4D97-AF65-F5344CB8AC3E}">
-        <p14:creationId xmlns:p14="http://schemas.microsoft.com/office/powerpoint/2010/main" val="1400277541"/>
+        <p14:creationId xmlns:p14="http://schemas.microsoft.com/office/powerpoint/2010/main" val="806937306"/>
       </p:ext>
     </p:extLst>
   </p:cSld>
@@ -12349,7 +13840,7 @@
           <p:cNvPr id="2" name="标题 1">
             <a:extLst>
               <a:ext uri="{FF2B5EF4-FFF2-40B4-BE49-F238E27FC236}">
-                <a16:creationId xmlns:a16="http://schemas.microsoft.com/office/drawing/2014/main" id="{D913210E-E4D2-2B4C-9AF7-F630FBFC94BF}"/>
+                <a16:creationId xmlns:a16="http://schemas.microsoft.com/office/drawing/2014/main" id="{493F8DC8-6457-614D-AF8C-A173740599CC}"/>
               </a:ext>
             </a:extLst>
           </p:cNvPr>
@@ -12366,34 +13857,51 @@
           <a:lstStyle/>
           <a:p>
             <a:r>
+              <a:rPr kumimoji="1" lang="zh-CN" altLang="en-US" dirty="0"/>
+              <a:t>使用</a:t>
+            </a:r>
+            <a:r>
               <a:rPr kumimoji="1" lang="en-US" altLang="zh-CN" dirty="0"/>
-              <a:t>Pipeline vs </a:t>
+              <a:t>Acl</a:t>
             </a:r>
             <a:r>
               <a:rPr kumimoji="1" lang="zh-CN" altLang="en-US" dirty="0"/>
-              <a:t>非</a:t>
+              <a:t> </a:t>
             </a:r>
             <a:r>
               <a:rPr kumimoji="1" lang="en-US" altLang="zh-CN" dirty="0"/>
-              <a:t> Pipeline</a:t>
-            </a:r>
-            <a:endParaRPr kumimoji="1" lang="zh-CN" altLang="en-US" dirty="0"/>
+              <a:t>Redis</a:t>
+            </a:r>
+            <a:r>
+              <a:rPr kumimoji="1" lang="zh-CN" altLang="en-US" dirty="0"/>
+              <a:t>库编写</a:t>
+            </a:r>
+            <a:r>
+              <a:rPr kumimoji="1" lang="en-US" altLang="zh-CN" dirty="0"/>
+              <a:t>Pipeline</a:t>
+            </a:r>
+            <a:r>
+              <a:rPr kumimoji="1" lang="zh-CN" altLang="en-US" dirty="0"/>
+              <a:t>示例</a:t>
+            </a:r>
           </a:p>
         </p:txBody>
       </p:sp>
       <p:pic>
         <p:nvPicPr>
-          <p:cNvPr id="9" name="图片 8">
+          <p:cNvPr id="4" name="内容占位符 3">
             <a:extLst>
               <a:ext uri="{FF2B5EF4-FFF2-40B4-BE49-F238E27FC236}">
-                <a16:creationId xmlns:a16="http://schemas.microsoft.com/office/drawing/2014/main" id="{BD3B86B8-C7F9-574E-9BE1-A57080E35E63}"/>
+                <a16:creationId xmlns:a16="http://schemas.microsoft.com/office/drawing/2014/main" id="{5B5A78E3-1353-044F-AABC-A5AD2DC8FE2D}"/>
               </a:ext>
             </a:extLst>
           </p:cNvPr>
           <p:cNvPicPr>
-            <a:picLocks noChangeAspect="1"/>
+            <a:picLocks noGrp="1" noChangeAspect="1"/>
           </p:cNvPicPr>
-          <p:nvPr/>
+          <p:nvPr>
+            <p:ph idx="1"/>
+          </p:nvPr>
         </p:nvPicPr>
         <p:blipFill>
           <a:blip r:embed="rId2"/>
@@ -12403,322 +13911,18 @@
         </p:blipFill>
         <p:spPr>
           <a:xfrm>
-            <a:off x="4716016" y="928048"/>
-            <a:ext cx="4107525" cy="2164184"/>
+            <a:off x="457202" y="1047750"/>
+            <a:ext cx="8291262" cy="5143500"/>
           </a:xfrm>
           <a:prstGeom prst="rect">
             <a:avLst/>
           </a:prstGeom>
         </p:spPr>
       </p:pic>
-      <p:pic>
-        <p:nvPicPr>
-          <p:cNvPr id="10" name="图片 9">
-            <a:extLst>
-              <a:ext uri="{FF2B5EF4-FFF2-40B4-BE49-F238E27FC236}">
-                <a16:creationId xmlns:a16="http://schemas.microsoft.com/office/drawing/2014/main" id="{B72E8359-4993-8B40-A84F-393DCB4C2926}"/>
-              </a:ext>
-            </a:extLst>
-          </p:cNvPr>
-          <p:cNvPicPr>
-            <a:picLocks noChangeAspect="1"/>
-          </p:cNvPicPr>
-          <p:nvPr/>
-        </p:nvPicPr>
-        <p:blipFill>
-          <a:blip r:embed="rId3"/>
-          <a:stretch>
-            <a:fillRect/>
-          </a:stretch>
-        </p:blipFill>
-        <p:spPr>
-          <a:xfrm>
-            <a:off x="320459" y="928048"/>
-            <a:ext cx="4395557" cy="2164184"/>
-          </a:xfrm>
-          <a:prstGeom prst="rect">
-            <a:avLst/>
-          </a:prstGeom>
-        </p:spPr>
-      </p:pic>
-      <p:pic>
-        <p:nvPicPr>
-          <p:cNvPr id="12" name="图片 11">
-            <a:extLst>
-              <a:ext uri="{FF2B5EF4-FFF2-40B4-BE49-F238E27FC236}">
-                <a16:creationId xmlns:a16="http://schemas.microsoft.com/office/drawing/2014/main" id="{11167DBA-D18B-AE48-A0B9-94C30D25C777}"/>
-              </a:ext>
-            </a:extLst>
-          </p:cNvPr>
-          <p:cNvPicPr>
-            <a:picLocks noChangeAspect="1"/>
-          </p:cNvPicPr>
-          <p:nvPr/>
-        </p:nvPicPr>
-        <p:blipFill>
-          <a:blip r:embed="rId4"/>
-          <a:stretch>
-            <a:fillRect/>
-          </a:stretch>
-        </p:blipFill>
-        <p:spPr>
-          <a:xfrm>
-            <a:off x="4733115" y="3845272"/>
-            <a:ext cx="4090426" cy="2032000"/>
-          </a:xfrm>
-          <a:prstGeom prst="rect">
-            <a:avLst/>
-          </a:prstGeom>
-        </p:spPr>
-      </p:pic>
-      <p:pic>
-        <p:nvPicPr>
-          <p:cNvPr id="13" name="图片 12">
-            <a:extLst>
-              <a:ext uri="{FF2B5EF4-FFF2-40B4-BE49-F238E27FC236}">
-                <a16:creationId xmlns:a16="http://schemas.microsoft.com/office/drawing/2014/main" id="{B5D8364C-C0D8-B448-89BC-4F225CF4EF89}"/>
-              </a:ext>
-            </a:extLst>
-          </p:cNvPr>
-          <p:cNvPicPr>
-            <a:picLocks noChangeAspect="1"/>
-          </p:cNvPicPr>
-          <p:nvPr/>
-        </p:nvPicPr>
-        <p:blipFill>
-          <a:blip r:embed="rId5"/>
-          <a:stretch>
-            <a:fillRect/>
-          </a:stretch>
-        </p:blipFill>
-        <p:spPr>
-          <a:xfrm>
-            <a:off x="320459" y="3870589"/>
-            <a:ext cx="4395557" cy="2006600"/>
-          </a:xfrm>
-          <a:prstGeom prst="rect">
-            <a:avLst/>
-          </a:prstGeom>
-        </p:spPr>
-      </p:pic>
-      <p:sp>
-        <p:nvSpPr>
-          <p:cNvPr id="3" name="文本框 2">
-            <a:extLst>
-              <a:ext uri="{FF2B5EF4-FFF2-40B4-BE49-F238E27FC236}">
-                <a16:creationId xmlns:a16="http://schemas.microsoft.com/office/drawing/2014/main" id="{8947CEAB-89FC-4F44-9699-A0B0C5E61DDA}"/>
-              </a:ext>
-            </a:extLst>
-          </p:cNvPr>
-          <p:cNvSpPr txBox="1"/>
-          <p:nvPr/>
-        </p:nvSpPr>
-        <p:spPr>
-          <a:xfrm>
-            <a:off x="971600" y="3151214"/>
-            <a:ext cx="2304255" cy="369332"/>
-          </a:xfrm>
-          <a:prstGeom prst="rect">
-            <a:avLst/>
-          </a:prstGeom>
-          <a:noFill/>
-        </p:spPr>
-        <p:txBody>
-          <a:bodyPr wrap="square" rtlCol="0">
-            <a:spAutoFit/>
-          </a:bodyPr>
-          <a:lstStyle/>
-          <a:p>
-            <a:r>
-              <a:rPr kumimoji="1" lang="zh-CN" altLang="en-US" dirty="0"/>
-              <a:t>集群</a:t>
-            </a:r>
-            <a:r>
-              <a:rPr kumimoji="1" lang="en-US" altLang="zh-CN" dirty="0"/>
-              <a:t>Pipleline</a:t>
-            </a:r>
-            <a:r>
-              <a:rPr kumimoji="1" lang="zh-CN" altLang="en-US" dirty="0"/>
-              <a:t>模式</a:t>
-            </a:r>
-            <a:r>
-              <a:rPr kumimoji="1" lang="en-US" altLang="zh-CN" dirty="0"/>
-              <a:t>QPS</a:t>
-            </a:r>
-            <a:endParaRPr kumimoji="1" lang="zh-CN" altLang="en-US" dirty="0"/>
-          </a:p>
-        </p:txBody>
-      </p:sp>
-      <p:sp>
-        <p:nvSpPr>
-          <p:cNvPr id="8" name="文本框 7">
-            <a:extLst>
-              <a:ext uri="{FF2B5EF4-FFF2-40B4-BE49-F238E27FC236}">
-                <a16:creationId xmlns:a16="http://schemas.microsoft.com/office/drawing/2014/main" id="{175F1A83-103F-714A-B9F3-FB0F48BFEC50}"/>
-              </a:ext>
-            </a:extLst>
-          </p:cNvPr>
-          <p:cNvSpPr txBox="1"/>
-          <p:nvPr/>
-        </p:nvSpPr>
-        <p:spPr>
-          <a:xfrm>
-            <a:off x="4906120" y="3151214"/>
-            <a:ext cx="3744416" cy="369332"/>
-          </a:xfrm>
-          <a:prstGeom prst="rect">
-            <a:avLst/>
-          </a:prstGeom>
-          <a:noFill/>
-        </p:spPr>
-        <p:txBody>
-          <a:bodyPr wrap="square" rtlCol="0">
-            <a:spAutoFit/>
-          </a:bodyPr>
-          <a:lstStyle/>
-          <a:p>
-            <a:r>
-              <a:rPr kumimoji="1" lang="zh-CN" altLang="en-US" dirty="0"/>
-              <a:t>集群</a:t>
-            </a:r>
-            <a:r>
-              <a:rPr kumimoji="1" lang="en-US" altLang="zh-CN" dirty="0"/>
-              <a:t>Pipleline</a:t>
-            </a:r>
-            <a:r>
-              <a:rPr kumimoji="1" lang="zh-CN" altLang="en-US" dirty="0"/>
-              <a:t>模式</a:t>
-            </a:r>
-            <a:r>
-              <a:rPr kumimoji="1" lang="en-US" altLang="zh-CN" dirty="0"/>
-              <a:t>Redis</a:t>
-            </a:r>
-            <a:r>
-              <a:rPr kumimoji="1" lang="zh-CN" altLang="en-US" dirty="0"/>
-              <a:t>进程</a:t>
-            </a:r>
-            <a:r>
-              <a:rPr kumimoji="1" lang="en-US" altLang="zh-CN" dirty="0"/>
-              <a:t>CPU</a:t>
-            </a:r>
-            <a:r>
-              <a:rPr kumimoji="1" lang="zh-CN" altLang="en-US" dirty="0"/>
-              <a:t>占用</a:t>
-            </a:r>
-          </a:p>
-        </p:txBody>
-      </p:sp>
-      <p:sp>
-        <p:nvSpPr>
-          <p:cNvPr id="11" name="文本框 10">
-            <a:extLst>
-              <a:ext uri="{FF2B5EF4-FFF2-40B4-BE49-F238E27FC236}">
-                <a16:creationId xmlns:a16="http://schemas.microsoft.com/office/drawing/2014/main" id="{F05CDDA9-D875-6748-B5F8-6068FD42EFF4}"/>
-              </a:ext>
-            </a:extLst>
-          </p:cNvPr>
-          <p:cNvSpPr txBox="1"/>
-          <p:nvPr/>
-        </p:nvSpPr>
-        <p:spPr>
-          <a:xfrm>
-            <a:off x="899592" y="6042566"/>
-            <a:ext cx="2520280" cy="369332"/>
-          </a:xfrm>
-          <a:prstGeom prst="rect">
-            <a:avLst/>
-          </a:prstGeom>
-          <a:noFill/>
-        </p:spPr>
-        <p:txBody>
-          <a:bodyPr wrap="square" rtlCol="0">
-            <a:spAutoFit/>
-          </a:bodyPr>
-          <a:lstStyle/>
-          <a:p>
-            <a:r>
-              <a:rPr kumimoji="1" lang="zh-CN" altLang="en-US" dirty="0"/>
-              <a:t>集群非</a:t>
-            </a:r>
-            <a:r>
-              <a:rPr kumimoji="1" lang="en-US" altLang="zh-CN" dirty="0"/>
-              <a:t>Pipleline</a:t>
-            </a:r>
-            <a:r>
-              <a:rPr kumimoji="1" lang="zh-CN" altLang="en-US" dirty="0"/>
-              <a:t>模式</a:t>
-            </a:r>
-            <a:r>
-              <a:rPr kumimoji="1" lang="en-US" altLang="zh-CN" dirty="0"/>
-              <a:t>QPS</a:t>
-            </a:r>
-            <a:endParaRPr kumimoji="1" lang="zh-CN" altLang="en-US" dirty="0"/>
-          </a:p>
-        </p:txBody>
-      </p:sp>
-      <p:sp>
-        <p:nvSpPr>
-          <p:cNvPr id="14" name="文本框 13">
-            <a:extLst>
-              <a:ext uri="{FF2B5EF4-FFF2-40B4-BE49-F238E27FC236}">
-                <a16:creationId xmlns:a16="http://schemas.microsoft.com/office/drawing/2014/main" id="{C1312881-F842-384E-ACDB-1EBFEFC3928E}"/>
-              </a:ext>
-            </a:extLst>
-          </p:cNvPr>
-          <p:cNvSpPr txBox="1"/>
-          <p:nvPr/>
-        </p:nvSpPr>
-        <p:spPr>
-          <a:xfrm>
-            <a:off x="4834111" y="6042566"/>
-            <a:ext cx="3989429" cy="369332"/>
-          </a:xfrm>
-          <a:prstGeom prst="rect">
-            <a:avLst/>
-          </a:prstGeom>
-          <a:noFill/>
-        </p:spPr>
-        <p:txBody>
-          <a:bodyPr wrap="square" rtlCol="0">
-            <a:spAutoFit/>
-          </a:bodyPr>
-          <a:lstStyle/>
-          <a:p>
-            <a:r>
-              <a:rPr kumimoji="1" lang="zh-CN" altLang="en-US" dirty="0"/>
-              <a:t>集群非</a:t>
-            </a:r>
-            <a:r>
-              <a:rPr kumimoji="1" lang="en-US" altLang="zh-CN" dirty="0"/>
-              <a:t>Pipleline</a:t>
-            </a:r>
-            <a:r>
-              <a:rPr kumimoji="1" lang="zh-CN" altLang="en-US" dirty="0"/>
-              <a:t>模式</a:t>
-            </a:r>
-            <a:r>
-              <a:rPr kumimoji="1" lang="en-US" altLang="zh-CN" dirty="0"/>
-              <a:t>Redis</a:t>
-            </a:r>
-            <a:r>
-              <a:rPr kumimoji="1" lang="zh-CN" altLang="en-US" dirty="0"/>
-              <a:t>进程</a:t>
-            </a:r>
-            <a:r>
-              <a:rPr kumimoji="1" lang="en-US" altLang="zh-CN" dirty="0"/>
-              <a:t>CPU</a:t>
-            </a:r>
-            <a:r>
-              <a:rPr kumimoji="1" lang="zh-CN" altLang="en-US" dirty="0"/>
-              <a:t>占用</a:t>
-            </a:r>
-          </a:p>
-        </p:txBody>
-      </p:sp>
     </p:spTree>
     <p:extLst>
       <p:ext uri="{BB962C8B-B14F-4D97-AF65-F5344CB8AC3E}">
-        <p14:creationId xmlns:p14="http://schemas.microsoft.com/office/powerpoint/2010/main" val="3891656050"/>
+        <p14:creationId xmlns:p14="http://schemas.microsoft.com/office/powerpoint/2010/main" val="1400277541"/>
       </p:ext>
     </p:extLst>
   </p:cSld>
@@ -12747,6 +13951,407 @@
       </p:grpSpPr>
       <p:sp>
         <p:nvSpPr>
+          <p:cNvPr id="2" name="标题 1">
+            <a:extLst>
+              <a:ext uri="{FF2B5EF4-FFF2-40B4-BE49-F238E27FC236}">
+                <a16:creationId xmlns:a16="http://schemas.microsoft.com/office/drawing/2014/main" id="{D913210E-E4D2-2B4C-9AF7-F630FBFC94BF}"/>
+              </a:ext>
+            </a:extLst>
+          </p:cNvPr>
+          <p:cNvSpPr>
+            <a:spLocks noGrp="1"/>
+          </p:cNvSpPr>
+          <p:nvPr>
+            <p:ph type="title"/>
+          </p:nvPr>
+        </p:nvSpPr>
+        <p:spPr/>
+        <p:txBody>
+          <a:bodyPr/>
+          <a:lstStyle/>
+          <a:p>
+            <a:r>
+              <a:rPr kumimoji="1" lang="en-US" altLang="zh-CN" dirty="0"/>
+              <a:t>Pipeline vs </a:t>
+            </a:r>
+            <a:r>
+              <a:rPr kumimoji="1" lang="zh-CN" altLang="en-US" dirty="0"/>
+              <a:t>非</a:t>
+            </a:r>
+            <a:r>
+              <a:rPr kumimoji="1" lang="en-US" altLang="zh-CN" dirty="0"/>
+              <a:t> Pipeline</a:t>
+            </a:r>
+            <a:endParaRPr kumimoji="1" lang="zh-CN" altLang="en-US" dirty="0"/>
+          </a:p>
+        </p:txBody>
+      </p:sp>
+      <p:pic>
+        <p:nvPicPr>
+          <p:cNvPr id="9" name="图片 8">
+            <a:extLst>
+              <a:ext uri="{FF2B5EF4-FFF2-40B4-BE49-F238E27FC236}">
+                <a16:creationId xmlns:a16="http://schemas.microsoft.com/office/drawing/2014/main" id="{BD3B86B8-C7F9-574E-9BE1-A57080E35E63}"/>
+              </a:ext>
+            </a:extLst>
+          </p:cNvPr>
+          <p:cNvPicPr>
+            <a:picLocks noChangeAspect="1"/>
+          </p:cNvPicPr>
+          <p:nvPr/>
+        </p:nvPicPr>
+        <p:blipFill>
+          <a:blip r:embed="rId2"/>
+          <a:stretch>
+            <a:fillRect/>
+          </a:stretch>
+        </p:blipFill>
+        <p:spPr>
+          <a:xfrm>
+            <a:off x="4716016" y="928048"/>
+            <a:ext cx="4107525" cy="2164184"/>
+          </a:xfrm>
+          <a:prstGeom prst="rect">
+            <a:avLst/>
+          </a:prstGeom>
+        </p:spPr>
+      </p:pic>
+      <p:pic>
+        <p:nvPicPr>
+          <p:cNvPr id="10" name="图片 9">
+            <a:extLst>
+              <a:ext uri="{FF2B5EF4-FFF2-40B4-BE49-F238E27FC236}">
+                <a16:creationId xmlns:a16="http://schemas.microsoft.com/office/drawing/2014/main" id="{B72E8359-4993-8B40-A84F-393DCB4C2926}"/>
+              </a:ext>
+            </a:extLst>
+          </p:cNvPr>
+          <p:cNvPicPr>
+            <a:picLocks noChangeAspect="1"/>
+          </p:cNvPicPr>
+          <p:nvPr/>
+        </p:nvPicPr>
+        <p:blipFill>
+          <a:blip r:embed="rId3"/>
+          <a:stretch>
+            <a:fillRect/>
+          </a:stretch>
+        </p:blipFill>
+        <p:spPr>
+          <a:xfrm>
+            <a:off x="320459" y="928048"/>
+            <a:ext cx="4395557" cy="2164184"/>
+          </a:xfrm>
+          <a:prstGeom prst="rect">
+            <a:avLst/>
+          </a:prstGeom>
+        </p:spPr>
+      </p:pic>
+      <p:pic>
+        <p:nvPicPr>
+          <p:cNvPr id="12" name="图片 11">
+            <a:extLst>
+              <a:ext uri="{FF2B5EF4-FFF2-40B4-BE49-F238E27FC236}">
+                <a16:creationId xmlns:a16="http://schemas.microsoft.com/office/drawing/2014/main" id="{11167DBA-D18B-AE48-A0B9-94C30D25C777}"/>
+              </a:ext>
+            </a:extLst>
+          </p:cNvPr>
+          <p:cNvPicPr>
+            <a:picLocks noChangeAspect="1"/>
+          </p:cNvPicPr>
+          <p:nvPr/>
+        </p:nvPicPr>
+        <p:blipFill>
+          <a:blip r:embed="rId4"/>
+          <a:stretch>
+            <a:fillRect/>
+          </a:stretch>
+        </p:blipFill>
+        <p:spPr>
+          <a:xfrm>
+            <a:off x="4733115" y="3845272"/>
+            <a:ext cx="4090426" cy="2032000"/>
+          </a:xfrm>
+          <a:prstGeom prst="rect">
+            <a:avLst/>
+          </a:prstGeom>
+        </p:spPr>
+      </p:pic>
+      <p:pic>
+        <p:nvPicPr>
+          <p:cNvPr id="13" name="图片 12">
+            <a:extLst>
+              <a:ext uri="{FF2B5EF4-FFF2-40B4-BE49-F238E27FC236}">
+                <a16:creationId xmlns:a16="http://schemas.microsoft.com/office/drawing/2014/main" id="{B5D8364C-C0D8-B448-89BC-4F225CF4EF89}"/>
+              </a:ext>
+            </a:extLst>
+          </p:cNvPr>
+          <p:cNvPicPr>
+            <a:picLocks noChangeAspect="1"/>
+          </p:cNvPicPr>
+          <p:nvPr/>
+        </p:nvPicPr>
+        <p:blipFill>
+          <a:blip r:embed="rId5"/>
+          <a:stretch>
+            <a:fillRect/>
+          </a:stretch>
+        </p:blipFill>
+        <p:spPr>
+          <a:xfrm>
+            <a:off x="320459" y="3870589"/>
+            <a:ext cx="4395557" cy="2006600"/>
+          </a:xfrm>
+          <a:prstGeom prst="rect">
+            <a:avLst/>
+          </a:prstGeom>
+        </p:spPr>
+      </p:pic>
+      <p:sp>
+        <p:nvSpPr>
+          <p:cNvPr id="3" name="文本框 2">
+            <a:extLst>
+              <a:ext uri="{FF2B5EF4-FFF2-40B4-BE49-F238E27FC236}">
+                <a16:creationId xmlns:a16="http://schemas.microsoft.com/office/drawing/2014/main" id="{8947CEAB-89FC-4F44-9699-A0B0C5E61DDA}"/>
+              </a:ext>
+            </a:extLst>
+          </p:cNvPr>
+          <p:cNvSpPr txBox="1"/>
+          <p:nvPr/>
+        </p:nvSpPr>
+        <p:spPr>
+          <a:xfrm>
+            <a:off x="971600" y="3151214"/>
+            <a:ext cx="2304255" cy="369332"/>
+          </a:xfrm>
+          <a:prstGeom prst="rect">
+            <a:avLst/>
+          </a:prstGeom>
+          <a:noFill/>
+        </p:spPr>
+        <p:txBody>
+          <a:bodyPr wrap="square" rtlCol="0">
+            <a:spAutoFit/>
+          </a:bodyPr>
+          <a:lstStyle/>
+          <a:p>
+            <a:r>
+              <a:rPr kumimoji="1" lang="zh-CN" altLang="en-US" dirty="0"/>
+              <a:t>集群</a:t>
+            </a:r>
+            <a:r>
+              <a:rPr kumimoji="1" lang="en-US" altLang="zh-CN" dirty="0"/>
+              <a:t>Pipleline</a:t>
+            </a:r>
+            <a:r>
+              <a:rPr kumimoji="1" lang="zh-CN" altLang="en-US" dirty="0"/>
+              <a:t>模式</a:t>
+            </a:r>
+            <a:r>
+              <a:rPr kumimoji="1" lang="en-US" altLang="zh-CN" dirty="0"/>
+              <a:t>QPS</a:t>
+            </a:r>
+            <a:endParaRPr kumimoji="1" lang="zh-CN" altLang="en-US" dirty="0"/>
+          </a:p>
+        </p:txBody>
+      </p:sp>
+      <p:sp>
+        <p:nvSpPr>
+          <p:cNvPr id="8" name="文本框 7">
+            <a:extLst>
+              <a:ext uri="{FF2B5EF4-FFF2-40B4-BE49-F238E27FC236}">
+                <a16:creationId xmlns:a16="http://schemas.microsoft.com/office/drawing/2014/main" id="{175F1A83-103F-714A-B9F3-FB0F48BFEC50}"/>
+              </a:ext>
+            </a:extLst>
+          </p:cNvPr>
+          <p:cNvSpPr txBox="1"/>
+          <p:nvPr/>
+        </p:nvSpPr>
+        <p:spPr>
+          <a:xfrm>
+            <a:off x="4906120" y="3151214"/>
+            <a:ext cx="3744416" cy="369332"/>
+          </a:xfrm>
+          <a:prstGeom prst="rect">
+            <a:avLst/>
+          </a:prstGeom>
+          <a:noFill/>
+        </p:spPr>
+        <p:txBody>
+          <a:bodyPr wrap="square" rtlCol="0">
+            <a:spAutoFit/>
+          </a:bodyPr>
+          <a:lstStyle/>
+          <a:p>
+            <a:r>
+              <a:rPr kumimoji="1" lang="zh-CN" altLang="en-US" dirty="0"/>
+              <a:t>集群</a:t>
+            </a:r>
+            <a:r>
+              <a:rPr kumimoji="1" lang="en-US" altLang="zh-CN" dirty="0"/>
+              <a:t>Pipleline</a:t>
+            </a:r>
+            <a:r>
+              <a:rPr kumimoji="1" lang="zh-CN" altLang="en-US" dirty="0"/>
+              <a:t>模式</a:t>
+            </a:r>
+            <a:r>
+              <a:rPr kumimoji="1" lang="en-US" altLang="zh-CN" dirty="0"/>
+              <a:t>Redis</a:t>
+            </a:r>
+            <a:r>
+              <a:rPr kumimoji="1" lang="zh-CN" altLang="en-US" dirty="0"/>
+              <a:t>进程</a:t>
+            </a:r>
+            <a:r>
+              <a:rPr kumimoji="1" lang="en-US" altLang="zh-CN" dirty="0"/>
+              <a:t>CPU</a:t>
+            </a:r>
+            <a:r>
+              <a:rPr kumimoji="1" lang="zh-CN" altLang="en-US" dirty="0"/>
+              <a:t>占用</a:t>
+            </a:r>
+          </a:p>
+        </p:txBody>
+      </p:sp>
+      <p:sp>
+        <p:nvSpPr>
+          <p:cNvPr id="11" name="文本框 10">
+            <a:extLst>
+              <a:ext uri="{FF2B5EF4-FFF2-40B4-BE49-F238E27FC236}">
+                <a16:creationId xmlns:a16="http://schemas.microsoft.com/office/drawing/2014/main" id="{F05CDDA9-D875-6748-B5F8-6068FD42EFF4}"/>
+              </a:ext>
+            </a:extLst>
+          </p:cNvPr>
+          <p:cNvSpPr txBox="1"/>
+          <p:nvPr/>
+        </p:nvSpPr>
+        <p:spPr>
+          <a:xfrm>
+            <a:off x="899592" y="6042566"/>
+            <a:ext cx="2520280" cy="369332"/>
+          </a:xfrm>
+          <a:prstGeom prst="rect">
+            <a:avLst/>
+          </a:prstGeom>
+          <a:noFill/>
+        </p:spPr>
+        <p:txBody>
+          <a:bodyPr wrap="square" rtlCol="0">
+            <a:spAutoFit/>
+          </a:bodyPr>
+          <a:lstStyle/>
+          <a:p>
+            <a:r>
+              <a:rPr kumimoji="1" lang="zh-CN" altLang="en-US" dirty="0"/>
+              <a:t>集群非</a:t>
+            </a:r>
+            <a:r>
+              <a:rPr kumimoji="1" lang="en-US" altLang="zh-CN" dirty="0"/>
+              <a:t>Pipleline</a:t>
+            </a:r>
+            <a:r>
+              <a:rPr kumimoji="1" lang="zh-CN" altLang="en-US" dirty="0"/>
+              <a:t>模式</a:t>
+            </a:r>
+            <a:r>
+              <a:rPr kumimoji="1" lang="en-US" altLang="zh-CN" dirty="0"/>
+              <a:t>QPS</a:t>
+            </a:r>
+            <a:endParaRPr kumimoji="1" lang="zh-CN" altLang="en-US" dirty="0"/>
+          </a:p>
+        </p:txBody>
+      </p:sp>
+      <p:sp>
+        <p:nvSpPr>
+          <p:cNvPr id="14" name="文本框 13">
+            <a:extLst>
+              <a:ext uri="{FF2B5EF4-FFF2-40B4-BE49-F238E27FC236}">
+                <a16:creationId xmlns:a16="http://schemas.microsoft.com/office/drawing/2014/main" id="{C1312881-F842-384E-ACDB-1EBFEFC3928E}"/>
+              </a:ext>
+            </a:extLst>
+          </p:cNvPr>
+          <p:cNvSpPr txBox="1"/>
+          <p:nvPr/>
+        </p:nvSpPr>
+        <p:spPr>
+          <a:xfrm>
+            <a:off x="4834111" y="6042566"/>
+            <a:ext cx="3989429" cy="369332"/>
+          </a:xfrm>
+          <a:prstGeom prst="rect">
+            <a:avLst/>
+          </a:prstGeom>
+          <a:noFill/>
+        </p:spPr>
+        <p:txBody>
+          <a:bodyPr wrap="square" rtlCol="0">
+            <a:spAutoFit/>
+          </a:bodyPr>
+          <a:lstStyle/>
+          <a:p>
+            <a:r>
+              <a:rPr kumimoji="1" lang="zh-CN" altLang="en-US" dirty="0"/>
+              <a:t>集群非</a:t>
+            </a:r>
+            <a:r>
+              <a:rPr kumimoji="1" lang="en-US" altLang="zh-CN" dirty="0"/>
+              <a:t>Pipleline</a:t>
+            </a:r>
+            <a:r>
+              <a:rPr kumimoji="1" lang="zh-CN" altLang="en-US" dirty="0"/>
+              <a:t>模式</a:t>
+            </a:r>
+            <a:r>
+              <a:rPr kumimoji="1" lang="en-US" altLang="zh-CN" dirty="0"/>
+              <a:t>Redis</a:t>
+            </a:r>
+            <a:r>
+              <a:rPr kumimoji="1" lang="zh-CN" altLang="en-US" dirty="0"/>
+              <a:t>进程</a:t>
+            </a:r>
+            <a:r>
+              <a:rPr kumimoji="1" lang="en-US" altLang="zh-CN" dirty="0"/>
+              <a:t>CPU</a:t>
+            </a:r>
+            <a:r>
+              <a:rPr kumimoji="1" lang="zh-CN" altLang="en-US" dirty="0"/>
+              <a:t>占用</a:t>
+            </a:r>
+          </a:p>
+        </p:txBody>
+      </p:sp>
+    </p:spTree>
+    <p:extLst>
+      <p:ext uri="{BB962C8B-B14F-4D97-AF65-F5344CB8AC3E}">
+        <p14:creationId xmlns:p14="http://schemas.microsoft.com/office/powerpoint/2010/main" val="3891656050"/>
+      </p:ext>
+    </p:extLst>
+  </p:cSld>
+  <p:clrMapOvr>
+    <a:masterClrMapping/>
+  </p:clrMapOvr>
+</p:sld>
+</file>
+
+<file path=ppt/slides/slide26.xml><?xml version="1.0" encoding="utf-8"?>
+<p:sld xmlns:a="http://schemas.openxmlformats.org/drawingml/2006/main" xmlns:r="http://schemas.openxmlformats.org/officeDocument/2006/relationships" xmlns:p="http://schemas.openxmlformats.org/presentationml/2006/main">
+  <p:cSld>
+    <p:spTree>
+      <p:nvGrpSpPr>
+        <p:cNvPr id="1" name=""/>
+        <p:cNvGrpSpPr/>
+        <p:nvPr/>
+      </p:nvGrpSpPr>
+      <p:grpSpPr>
+        <a:xfrm>
+          <a:off x="0" y="0"/>
+          <a:ext cx="0" cy="0"/>
+          <a:chOff x="0" y="0"/>
+          <a:chExt cx="0" cy="0"/>
+        </a:xfrm>
+      </p:grpSpPr>
+      <p:sp>
+        <p:nvSpPr>
           <p:cNvPr id="2" name="标题 1"/>
           <p:cNvSpPr>
             <a:spLocks noGrp="1"/>
@@ -12905,7 +14510,7 @@
 </p:sld>
 </file>
 
-<file path=ppt/slides/slide26.xml><?xml version="1.0" encoding="utf-8"?>
+<file path=ppt/slides/slide27.xml><?xml version="1.0" encoding="utf-8"?>
 <p:sld xmlns:a="http://schemas.openxmlformats.org/drawingml/2006/main" xmlns:r="http://schemas.openxmlformats.org/officeDocument/2006/relationships" xmlns:p="http://schemas.openxmlformats.org/presentationml/2006/main">
   <p:cSld>
     <p:spTree>
@@ -13597,7 +15202,7 @@
 </p:sld>
 </file>
 
-<file path=ppt/slides/slide27.xml><?xml version="1.0" encoding="utf-8"?>
+<file path=ppt/slides/slide28.xml><?xml version="1.0" encoding="utf-8"?>
 <p:sld xmlns:a="http://schemas.openxmlformats.org/drawingml/2006/main" xmlns:r="http://schemas.openxmlformats.org/officeDocument/2006/relationships" xmlns:p="http://schemas.openxmlformats.org/presentationml/2006/main">
   <p:cSld>
     <p:spTree>
@@ -14092,134 +15697,6 @@
 </p:sld>
 </file>
 
-<file path=ppt/slides/slide28.xml><?xml version="1.0" encoding="utf-8"?>
-<p:sld xmlns:a="http://schemas.openxmlformats.org/drawingml/2006/main" xmlns:r="http://schemas.openxmlformats.org/officeDocument/2006/relationships" xmlns:p="http://schemas.openxmlformats.org/presentationml/2006/main">
-  <p:cSld>
-    <p:spTree>
-      <p:nvGrpSpPr>
-        <p:cNvPr id="1" name=""/>
-        <p:cNvGrpSpPr/>
-        <p:nvPr/>
-      </p:nvGrpSpPr>
-      <p:grpSpPr>
-        <a:xfrm>
-          <a:off x="0" y="0"/>
-          <a:ext cx="0" cy="0"/>
-          <a:chOff x="0" y="0"/>
-          <a:chExt cx="0" cy="0"/>
-        </a:xfrm>
-      </p:grpSpPr>
-      <p:sp>
-        <p:nvSpPr>
-          <p:cNvPr id="2" name="标题 1"/>
-          <p:cNvSpPr>
-            <a:spLocks noGrp="1"/>
-          </p:cNvSpPr>
-          <p:nvPr>
-            <p:ph type="title"/>
-          </p:nvPr>
-        </p:nvSpPr>
-        <p:spPr/>
-        <p:txBody>
-          <a:bodyPr/>
-          <a:lstStyle/>
-          <a:p>
-            <a:r>
-              <a:rPr lang="en-US" altLang="zh-CN" dirty="0"/>
-              <a:t>redis_builder </a:t>
-            </a:r>
-            <a:r>
-              <a:rPr lang="zh-CN" altLang="en-US" dirty="0"/>
-              <a:t>命令行交互界面</a:t>
-            </a:r>
-          </a:p>
-        </p:txBody>
-      </p:sp>
-      <p:sp>
-        <p:nvSpPr>
-          <p:cNvPr id="3" name="内容占位符 2"/>
-          <p:cNvSpPr>
-            <a:spLocks noGrp="1"/>
-          </p:cNvSpPr>
-          <p:nvPr>
-            <p:ph idx="1"/>
-          </p:nvPr>
-        </p:nvSpPr>
-        <p:spPr>
-          <a:xfrm>
-            <a:off x="457200" y="1124744"/>
-            <a:ext cx="8200995" cy="5066525"/>
-          </a:xfrm>
-        </p:spPr>
-        <p:txBody>
-          <a:bodyPr/>
-          <a:lstStyle/>
-          <a:p>
-            <a:endParaRPr lang="en-US" altLang="zh-CN" dirty="0"/>
-          </a:p>
-        </p:txBody>
-      </p:sp>
-      <p:pic>
-        <p:nvPicPr>
-          <p:cNvPr id="7" name="图片 6"/>
-          <p:cNvPicPr>
-            <a:picLocks noChangeAspect="1"/>
-          </p:cNvPicPr>
-          <p:nvPr/>
-        </p:nvPicPr>
-        <p:blipFill>
-          <a:blip r:embed="rId2"/>
-          <a:stretch>
-            <a:fillRect/>
-          </a:stretch>
-        </p:blipFill>
-        <p:spPr>
-          <a:xfrm>
-            <a:off x="457201" y="1124744"/>
-            <a:ext cx="8200993" cy="1704762"/>
-          </a:xfrm>
-          <a:prstGeom prst="rect">
-            <a:avLst/>
-          </a:prstGeom>
-        </p:spPr>
-      </p:pic>
-      <p:pic>
-        <p:nvPicPr>
-          <p:cNvPr id="9" name="图片 8"/>
-          <p:cNvPicPr>
-            <a:picLocks noChangeAspect="1"/>
-          </p:cNvPicPr>
-          <p:nvPr/>
-        </p:nvPicPr>
-        <p:blipFill>
-          <a:blip r:embed="rId3"/>
-          <a:stretch>
-            <a:fillRect/>
-          </a:stretch>
-        </p:blipFill>
-        <p:spPr>
-          <a:xfrm>
-            <a:off x="457201" y="2911082"/>
-            <a:ext cx="8200993" cy="3280188"/>
-          </a:xfrm>
-          <a:prstGeom prst="rect">
-            <a:avLst/>
-          </a:prstGeom>
-        </p:spPr>
-      </p:pic>
-    </p:spTree>
-    <p:extLst>
-      <p:ext uri="{BB962C8B-B14F-4D97-AF65-F5344CB8AC3E}">
-        <p14:creationId xmlns:p14="http://schemas.microsoft.com/office/powerpoint/2010/main" val="1005353876"/>
-      </p:ext>
-    </p:extLst>
-  </p:cSld>
-  <p:clrMapOvr>
-    <a:masterClrMapping/>
-  </p:clrMapOvr>
-</p:sld>
-</file>
-
 <file path=ppt/slides/slide29.xml><?xml version="1.0" encoding="utf-8"?>
 <p:sld xmlns:a="http://schemas.openxmlformats.org/drawingml/2006/main" xmlns:r="http://schemas.openxmlformats.org/officeDocument/2006/relationships" xmlns:p="http://schemas.openxmlformats.org/presentationml/2006/main">
   <p:cSld>
@@ -14253,41 +15730,47 @@
           <a:lstStyle/>
           <a:p>
             <a:r>
+              <a:rPr lang="en-US" altLang="zh-CN" dirty="0"/>
+              <a:t>redis_builder </a:t>
+            </a:r>
+            <a:r>
               <a:rPr lang="zh-CN" altLang="en-US" dirty="0"/>
-              <a:t>显示</a:t>
-            </a:r>
-            <a:r>
-              <a:rPr lang="en-US" altLang="zh-CN" dirty="0"/>
-              <a:t> redis </a:t>
-            </a:r>
-            <a:r>
-              <a:rPr lang="zh-CN" altLang="en-US" dirty="0"/>
-              <a:t>集群的节点分布 </a:t>
-            </a:r>
-            <a:r>
-              <a:rPr lang="en-US" altLang="zh-CN" dirty="0"/>
-              <a:t>--- </a:t>
-            </a:r>
-            <a:r>
-              <a:rPr lang="en-US" altLang="zh-CN" sz="2000" dirty="0"/>
-              <a:t>redis_builder </a:t>
-            </a:r>
-            <a:r>
-              <a:rPr lang="zh-CN" altLang="en-US" sz="2000" dirty="0"/>
-              <a:t>使用</a:t>
-            </a:r>
-          </a:p>
-        </p:txBody>
-      </p:sp>
-      <p:pic>
-        <p:nvPicPr>
-          <p:cNvPr id="4" name="内容占位符 3"/>
-          <p:cNvPicPr>
-            <a:picLocks noGrp="1" noChangeAspect="1"/>
-          </p:cNvPicPr>
+              <a:t>命令行交互界面</a:t>
+            </a:r>
+          </a:p>
+        </p:txBody>
+      </p:sp>
+      <p:sp>
+        <p:nvSpPr>
+          <p:cNvPr id="3" name="内容占位符 2"/>
+          <p:cNvSpPr>
+            <a:spLocks noGrp="1"/>
+          </p:cNvSpPr>
           <p:nvPr>
             <p:ph idx="1"/>
           </p:nvPr>
+        </p:nvSpPr>
+        <p:spPr>
+          <a:xfrm>
+            <a:off x="457200" y="1124744"/>
+            <a:ext cx="8200995" cy="5066525"/>
+          </a:xfrm>
+        </p:spPr>
+        <p:txBody>
+          <a:bodyPr/>
+          <a:lstStyle/>
+          <a:p>
+            <a:endParaRPr lang="en-US" altLang="zh-CN" dirty="0"/>
+          </a:p>
+        </p:txBody>
+      </p:sp>
+      <p:pic>
+        <p:nvPicPr>
+          <p:cNvPr id="7" name="图片 6"/>
+          <p:cNvPicPr>
+            <a:picLocks noChangeAspect="1"/>
+          </p:cNvPicPr>
+          <p:nvPr/>
         </p:nvPicPr>
         <p:blipFill>
           <a:blip r:embed="rId2"/>
@@ -14297,8 +15780,32 @@
         </p:blipFill>
         <p:spPr>
           <a:xfrm>
-            <a:off x="457201" y="1268760"/>
-            <a:ext cx="8219255" cy="4824535"/>
+            <a:off x="457201" y="1124744"/>
+            <a:ext cx="8200993" cy="1704762"/>
+          </a:xfrm>
+          <a:prstGeom prst="rect">
+            <a:avLst/>
+          </a:prstGeom>
+        </p:spPr>
+      </p:pic>
+      <p:pic>
+        <p:nvPicPr>
+          <p:cNvPr id="9" name="图片 8"/>
+          <p:cNvPicPr>
+            <a:picLocks noChangeAspect="1"/>
+          </p:cNvPicPr>
+          <p:nvPr/>
+        </p:nvPicPr>
+        <p:blipFill>
+          <a:blip r:embed="rId3"/>
+          <a:stretch>
+            <a:fillRect/>
+          </a:stretch>
+        </p:blipFill>
+        <p:spPr>
+          <a:xfrm>
+            <a:off x="457201" y="2911082"/>
+            <a:ext cx="8200993" cy="3280188"/>
           </a:xfrm>
           <a:prstGeom prst="rect">
             <a:avLst/>
@@ -14308,7 +15815,7 @@
     </p:spTree>
     <p:extLst>
       <p:ext uri="{BB962C8B-B14F-4D97-AF65-F5344CB8AC3E}">
-        <p14:creationId xmlns:p14="http://schemas.microsoft.com/office/powerpoint/2010/main" val="371761843"/>
+        <p14:creationId xmlns:p14="http://schemas.microsoft.com/office/powerpoint/2010/main" val="1005353876"/>
       </p:ext>
     </p:extLst>
   </p:cSld>
@@ -14502,15 +16009,15 @@
           <a:p>
             <a:r>
               <a:rPr lang="zh-CN" altLang="en-US" dirty="0"/>
-              <a:t>直接运行</a:t>
+              <a:t>显示</a:t>
             </a:r>
             <a:r>
               <a:rPr lang="en-US" altLang="zh-CN" dirty="0"/>
-              <a:t>redis </a:t>
+              <a:t> redis </a:t>
             </a:r>
             <a:r>
               <a:rPr lang="zh-CN" altLang="en-US" dirty="0"/>
-              <a:t>命令 </a:t>
+              <a:t>集群的节点分布 </a:t>
             </a:r>
             <a:r>
               <a:rPr lang="en-US" altLang="zh-CN" dirty="0"/>
@@ -14538,81 +16045,15 @@
           </p:nvPr>
         </p:nvPicPr>
         <p:blipFill>
-          <a:blip r:embed="rId2">
-            <a:extLst>
-              <a:ext uri="{28A0092B-C50C-407E-A947-70E740481C1C}">
-                <a14:useLocalDpi xmlns:a14="http://schemas.microsoft.com/office/drawing/2010/main" val="0"/>
-              </a:ext>
-            </a:extLst>
-          </a:blip>
+          <a:blip r:embed="rId2"/>
           <a:stretch>
             <a:fillRect/>
           </a:stretch>
         </p:blipFill>
         <p:spPr>
           <a:xfrm>
-            <a:off x="457201" y="980728"/>
-            <a:ext cx="8147247" cy="2554153"/>
-          </a:xfrm>
-          <a:prstGeom prst="rect">
-            <a:avLst/>
-          </a:prstGeom>
-        </p:spPr>
-      </p:pic>
-      <p:pic>
-        <p:nvPicPr>
-          <p:cNvPr id="5" name="图片 4"/>
-          <p:cNvPicPr>
-            <a:picLocks noChangeAspect="1"/>
-          </p:cNvPicPr>
-          <p:nvPr/>
-        </p:nvPicPr>
-        <p:blipFill>
-          <a:blip r:embed="rId3">
-            <a:extLst>
-              <a:ext uri="{28A0092B-C50C-407E-A947-70E740481C1C}">
-                <a14:useLocalDpi xmlns:a14="http://schemas.microsoft.com/office/drawing/2010/main" val="0"/>
-              </a:ext>
-            </a:extLst>
-          </a:blip>
-          <a:stretch>
-            <a:fillRect/>
-          </a:stretch>
-        </p:blipFill>
-        <p:spPr>
-          <a:xfrm>
-            <a:off x="3923928" y="3688025"/>
-            <a:ext cx="4680520" cy="2477279"/>
-          </a:xfrm>
-          <a:prstGeom prst="rect">
-            <a:avLst/>
-          </a:prstGeom>
-        </p:spPr>
-      </p:pic>
-      <p:pic>
-        <p:nvPicPr>
-          <p:cNvPr id="6" name="图片 5"/>
-          <p:cNvPicPr>
-            <a:picLocks noChangeAspect="1"/>
-          </p:cNvPicPr>
-          <p:nvPr/>
-        </p:nvPicPr>
-        <p:blipFill>
-          <a:blip r:embed="rId4">
-            <a:extLst>
-              <a:ext uri="{28A0092B-C50C-407E-A947-70E740481C1C}">
-                <a14:useLocalDpi xmlns:a14="http://schemas.microsoft.com/office/drawing/2010/main" val="0"/>
-              </a:ext>
-            </a:extLst>
-          </a:blip>
-          <a:stretch>
-            <a:fillRect/>
-          </a:stretch>
-        </p:blipFill>
-        <p:spPr>
-          <a:xfrm>
-            <a:off x="457201" y="3688025"/>
-            <a:ext cx="3250703" cy="2477279"/>
+            <a:off x="457201" y="1268760"/>
+            <a:ext cx="8219255" cy="4824535"/>
           </a:xfrm>
           <a:prstGeom prst="rect">
             <a:avLst/>
@@ -14622,7 +16063,7 @@
     </p:spTree>
     <p:extLst>
       <p:ext uri="{BB962C8B-B14F-4D97-AF65-F5344CB8AC3E}">
-        <p14:creationId xmlns:p14="http://schemas.microsoft.com/office/powerpoint/2010/main" val="1000878735"/>
+        <p14:creationId xmlns:p14="http://schemas.microsoft.com/office/powerpoint/2010/main" val="371761843"/>
       </p:ext>
     </p:extLst>
   </p:cSld>
@@ -14666,7 +16107,7 @@
           <a:p>
             <a:r>
               <a:rPr lang="zh-CN" altLang="en-US" dirty="0"/>
-              <a:t>显示 </a:t>
+              <a:t>直接运行</a:t>
             </a:r>
             <a:r>
               <a:rPr lang="en-US" altLang="zh-CN" dirty="0"/>
@@ -14674,7 +16115,7 @@
             </a:r>
             <a:r>
               <a:rPr lang="zh-CN" altLang="en-US" dirty="0"/>
-              <a:t>集群的运行状态 </a:t>
+              <a:t>命令 </a:t>
             </a:r>
             <a:r>
               <a:rPr lang="en-US" altLang="zh-CN" dirty="0"/>
@@ -14715,6 +16156,170 @@
         </p:blipFill>
         <p:spPr>
           <a:xfrm>
+            <a:off x="457201" y="980728"/>
+            <a:ext cx="8147247" cy="2554153"/>
+          </a:xfrm>
+          <a:prstGeom prst="rect">
+            <a:avLst/>
+          </a:prstGeom>
+        </p:spPr>
+      </p:pic>
+      <p:pic>
+        <p:nvPicPr>
+          <p:cNvPr id="5" name="图片 4"/>
+          <p:cNvPicPr>
+            <a:picLocks noChangeAspect="1"/>
+          </p:cNvPicPr>
+          <p:nvPr/>
+        </p:nvPicPr>
+        <p:blipFill>
+          <a:blip r:embed="rId3">
+            <a:extLst>
+              <a:ext uri="{28A0092B-C50C-407E-A947-70E740481C1C}">
+                <a14:useLocalDpi xmlns:a14="http://schemas.microsoft.com/office/drawing/2010/main" val="0"/>
+              </a:ext>
+            </a:extLst>
+          </a:blip>
+          <a:stretch>
+            <a:fillRect/>
+          </a:stretch>
+        </p:blipFill>
+        <p:spPr>
+          <a:xfrm>
+            <a:off x="3923928" y="3688025"/>
+            <a:ext cx="4680520" cy="2477279"/>
+          </a:xfrm>
+          <a:prstGeom prst="rect">
+            <a:avLst/>
+          </a:prstGeom>
+        </p:spPr>
+      </p:pic>
+      <p:pic>
+        <p:nvPicPr>
+          <p:cNvPr id="6" name="图片 5"/>
+          <p:cNvPicPr>
+            <a:picLocks noChangeAspect="1"/>
+          </p:cNvPicPr>
+          <p:nvPr/>
+        </p:nvPicPr>
+        <p:blipFill>
+          <a:blip r:embed="rId4">
+            <a:extLst>
+              <a:ext uri="{28A0092B-C50C-407E-A947-70E740481C1C}">
+                <a14:useLocalDpi xmlns:a14="http://schemas.microsoft.com/office/drawing/2010/main" val="0"/>
+              </a:ext>
+            </a:extLst>
+          </a:blip>
+          <a:stretch>
+            <a:fillRect/>
+          </a:stretch>
+        </p:blipFill>
+        <p:spPr>
+          <a:xfrm>
+            <a:off x="457201" y="3688025"/>
+            <a:ext cx="3250703" cy="2477279"/>
+          </a:xfrm>
+          <a:prstGeom prst="rect">
+            <a:avLst/>
+          </a:prstGeom>
+        </p:spPr>
+      </p:pic>
+    </p:spTree>
+    <p:extLst>
+      <p:ext uri="{BB962C8B-B14F-4D97-AF65-F5344CB8AC3E}">
+        <p14:creationId xmlns:p14="http://schemas.microsoft.com/office/powerpoint/2010/main" val="1000878735"/>
+      </p:ext>
+    </p:extLst>
+  </p:cSld>
+  <p:clrMapOvr>
+    <a:masterClrMapping/>
+  </p:clrMapOvr>
+</p:sld>
+</file>
+
+<file path=ppt/slides/slide32.xml><?xml version="1.0" encoding="utf-8"?>
+<p:sld xmlns:a="http://schemas.openxmlformats.org/drawingml/2006/main" xmlns:r="http://schemas.openxmlformats.org/officeDocument/2006/relationships" xmlns:p="http://schemas.openxmlformats.org/presentationml/2006/main">
+  <p:cSld>
+    <p:spTree>
+      <p:nvGrpSpPr>
+        <p:cNvPr id="1" name=""/>
+        <p:cNvGrpSpPr/>
+        <p:nvPr/>
+      </p:nvGrpSpPr>
+      <p:grpSpPr>
+        <a:xfrm>
+          <a:off x="0" y="0"/>
+          <a:ext cx="0" cy="0"/>
+          <a:chOff x="0" y="0"/>
+          <a:chExt cx="0" cy="0"/>
+        </a:xfrm>
+      </p:grpSpPr>
+      <p:sp>
+        <p:nvSpPr>
+          <p:cNvPr id="2" name="标题 1"/>
+          <p:cNvSpPr>
+            <a:spLocks noGrp="1"/>
+          </p:cNvSpPr>
+          <p:nvPr>
+            <p:ph type="title"/>
+          </p:nvPr>
+        </p:nvSpPr>
+        <p:spPr/>
+        <p:txBody>
+          <a:bodyPr/>
+          <a:lstStyle/>
+          <a:p>
+            <a:r>
+              <a:rPr lang="zh-CN" altLang="en-US" dirty="0"/>
+              <a:t>显示 </a:t>
+            </a:r>
+            <a:r>
+              <a:rPr lang="en-US" altLang="zh-CN" dirty="0"/>
+              <a:t>redis </a:t>
+            </a:r>
+            <a:r>
+              <a:rPr lang="zh-CN" altLang="en-US" dirty="0"/>
+              <a:t>集群的运行状态 </a:t>
+            </a:r>
+            <a:r>
+              <a:rPr lang="en-US" altLang="zh-CN" dirty="0"/>
+              <a:t>--- </a:t>
+            </a:r>
+            <a:r>
+              <a:rPr lang="en-US" altLang="zh-CN" sz="2000" dirty="0"/>
+              <a:t>redis_builder </a:t>
+            </a:r>
+            <a:r>
+              <a:rPr lang="zh-CN" altLang="en-US" sz="2000" dirty="0"/>
+              <a:t>使用</a:t>
+            </a:r>
+          </a:p>
+        </p:txBody>
+      </p:sp>
+      <p:pic>
+        <p:nvPicPr>
+          <p:cNvPr id="4" name="内容占位符 3"/>
+          <p:cNvPicPr>
+            <a:picLocks noGrp="1" noChangeAspect="1"/>
+          </p:cNvPicPr>
+          <p:nvPr>
+            <p:ph idx="1"/>
+          </p:nvPr>
+        </p:nvPicPr>
+        <p:blipFill>
+          <a:blip r:embed="rId2">
+            <a:extLst>
+              <a:ext uri="{28A0092B-C50C-407E-A947-70E740481C1C}">
+                <a14:useLocalDpi xmlns:a14="http://schemas.microsoft.com/office/drawing/2010/main" val="0"/>
+              </a:ext>
+            </a:extLst>
+          </a:blip>
+          <a:stretch>
+            <a:fillRect/>
+          </a:stretch>
+        </p:blipFill>
+        <p:spPr>
+          <a:xfrm>
             <a:off x="457201" y="1196752"/>
             <a:ext cx="8075239" cy="4680520"/>
           </a:xfrm>
@@ -14733,7 +16338,7 @@
 </p:sld>
 </file>
 
-<file path=ppt/slides/slide32.xml><?xml version="1.0" encoding="utf-8"?>
+<file path=ppt/slides/slide33.xml><?xml version="1.0" encoding="utf-8"?>
 <p:sld xmlns:a="http://schemas.openxmlformats.org/drawingml/2006/main" xmlns:r="http://schemas.openxmlformats.org/officeDocument/2006/relationships" xmlns:p="http://schemas.openxmlformats.org/presentationml/2006/main">
   <p:cSld>
     <p:spTree>
